--- a/TS内部分享.pptx
+++ b/TS内部分享.pptx
@@ -22,28 +22,29 @@
     <p:sldId id="625" r:id="rId15"/>
     <p:sldId id="626" r:id="rId16"/>
     <p:sldId id="620" r:id="rId17"/>
-    <p:sldId id="627" r:id="rId18"/>
-    <p:sldId id="622" r:id="rId19"/>
-    <p:sldId id="623" r:id="rId20"/>
-    <p:sldId id="399" r:id="rId21"/>
-    <p:sldId id="400" r:id="rId22"/>
-    <p:sldId id="404" r:id="rId23"/>
-    <p:sldId id="402" r:id="rId24"/>
-    <p:sldId id="403" r:id="rId25"/>
-    <p:sldId id="405" r:id="rId26"/>
-    <p:sldId id="401" r:id="rId27"/>
-    <p:sldId id="579" r:id="rId28"/>
-    <p:sldId id="441" r:id="rId29"/>
-    <p:sldId id="443" r:id="rId30"/>
-    <p:sldId id="444" r:id="rId31"/>
-    <p:sldId id="260" r:id="rId32"/>
-    <p:sldId id="477" r:id="rId33"/>
-    <p:sldId id="510" r:id="rId34"/>
-    <p:sldId id="545" r:id="rId35"/>
-    <p:sldId id="511" r:id="rId36"/>
-    <p:sldId id="589" r:id="rId37"/>
-    <p:sldId id="588" r:id="rId38"/>
-    <p:sldId id="591" r:id="rId39"/>
+    <p:sldId id="650" r:id="rId18"/>
+    <p:sldId id="627" r:id="rId19"/>
+    <p:sldId id="622" r:id="rId20"/>
+    <p:sldId id="623" r:id="rId21"/>
+    <p:sldId id="399" r:id="rId22"/>
+    <p:sldId id="400" r:id="rId23"/>
+    <p:sldId id="404" r:id="rId24"/>
+    <p:sldId id="402" r:id="rId25"/>
+    <p:sldId id="403" r:id="rId26"/>
+    <p:sldId id="405" r:id="rId27"/>
+    <p:sldId id="401" r:id="rId28"/>
+    <p:sldId id="579" r:id="rId29"/>
+    <p:sldId id="441" r:id="rId30"/>
+    <p:sldId id="443" r:id="rId31"/>
+    <p:sldId id="444" r:id="rId32"/>
+    <p:sldId id="260" r:id="rId33"/>
+    <p:sldId id="477" r:id="rId34"/>
+    <p:sldId id="510" r:id="rId35"/>
+    <p:sldId id="545" r:id="rId36"/>
+    <p:sldId id="511" r:id="rId37"/>
+    <p:sldId id="589" r:id="rId38"/>
+    <p:sldId id="588" r:id="rId39"/>
+    <p:sldId id="591" r:id="rId40"/>
   </p:sldIdLst>
   <p:sldSz cx="9144000" cy="6858000"/>
   <p:notesSz cx="9144000" cy="6858000"/>
@@ -798,6 +799,50 @@
 </file>
 
 <file path=ppt/notesSlides/notesSlide8.xml><?xml version="1.0" encoding="utf-8"?>
+<p:notes xmlns:a="http://schemas.openxmlformats.org/drawingml/2006/main" xmlns:r="http://schemas.openxmlformats.org/officeDocument/2006/relationships" xmlns:p="http://schemas.openxmlformats.org/presentationml/2006/main">
+  <p:cSld>
+    <p:spTree>
+      <p:nvGrpSpPr>
+        <p:cNvPr id="1" name=""/>
+        <p:cNvGrpSpPr/>
+        <p:nvPr/>
+      </p:nvGrpSpPr>
+      <p:grpSpPr/>
+      <p:sp>
+        <p:nvSpPr>
+          <p:cNvPr id="2" name="幻灯片图像占位符 1"/>
+          <p:cNvSpPr/>
+          <p:nvPr>
+            <p:ph type="sldImg" idx="2"/>
+          </p:nvPr>
+        </p:nvSpPr>
+        <p:spPr/>
+      </p:sp>
+      <p:sp>
+        <p:nvSpPr>
+          <p:cNvPr id="3" name="文本占位符 2"/>
+          <p:cNvSpPr/>
+          <p:nvPr>
+            <p:ph type="body" idx="3"/>
+          </p:nvPr>
+        </p:nvSpPr>
+        <p:spPr/>
+        <p:txBody>
+          <a:bodyPr/>
+          <a:p>
+            <a:endParaRPr lang="zh-CN" altLang="en-US"/>
+          </a:p>
+        </p:txBody>
+      </p:sp>
+    </p:spTree>
+  </p:cSld>
+  <p:clrMapOvr>
+    <a:masterClrMapping/>
+  </p:clrMapOvr>
+</p:notes>
+</file>
+
+<file path=ppt/notesSlides/notesSlide9.xml><?xml version="1.0" encoding="utf-8"?>
 <p:notes xmlns:a="http://schemas.openxmlformats.org/drawingml/2006/main" xmlns:r="http://schemas.openxmlformats.org/officeDocument/2006/relationships" xmlns:p="http://schemas.openxmlformats.org/presentationml/2006/main">
   <p:cSld>
     <p:spTree>
@@ -3629,7 +3674,7 @@
         <p:spPr>
           <a:xfrm>
             <a:off x="188595" y="461010"/>
-            <a:ext cx="8766810" cy="2584450"/>
+            <a:ext cx="8766810" cy="4523105"/>
           </a:xfrm>
           <a:prstGeom prst="rect">
             <a:avLst/>
@@ -3702,24 +3747,13 @@
               <a:buFont typeface="Wingdings" panose="05000000000000000000" charset="0"/>
               <a:buNone/>
             </a:pPr>
-            <a:endParaRPr lang="en-US" altLang="zh-CN">
-              <a:solidFill>
-                <a:schemeClr val="bg1"/>
-              </a:solidFill>
-            </a:endParaRPr>
-          </a:p>
-          <a:p>
-            <a:pPr indent="0">
-              <a:buFont typeface="Wingdings" panose="05000000000000000000" charset="0"/>
-              <a:buNone/>
-            </a:pPr>
             <a:r>
               <a:rPr lang="en-US" altLang="zh-CN">
                 <a:solidFill>
                   <a:schemeClr val="bg1"/>
                 </a:solidFill>
               </a:rPr>
-              <a:t>在面向对象语言中，接口（Interfaces）是一个很重要的概念，它是对行为的抽象，而具体如何行动需要由类（classes）去实现（implement）。</a:t>
+              <a:t>在面向对象语言中，接口（Interfaces）是一个很重要的概</a:t>
             </a:r>
             <a:endParaRPr lang="en-US" altLang="zh-CN">
               <a:solidFill>
@@ -3738,27 +3772,224 @@
                   <a:schemeClr val="bg1"/>
                 </a:solidFill>
               </a:rPr>
-              <a:t>TypeScript 中的接口是一个非常灵活的概念，除了可用于对类的一部分行为进行抽象以外，也常用于对「对象的形状（Shape）」进行描述。</a:t>
-            </a:r>
-            <a:endParaRPr lang="en-US" altLang="zh-CN">
-              <a:solidFill>
-                <a:schemeClr val="bg1"/>
-              </a:solidFill>
-            </a:endParaRPr>
-          </a:p>
-          <a:p>
-            <a:pPr indent="0">
-              <a:buFont typeface="Wingdings" panose="05000000000000000000" charset="0"/>
-              <a:buNone/>
-            </a:pPr>
-            <a:endParaRPr lang="en-US" altLang="zh-CN">
-              <a:solidFill>
-                <a:schemeClr val="bg1"/>
-              </a:solidFill>
-            </a:endParaRPr>
-          </a:p>
-        </p:txBody>
-      </p:sp>
+              <a:t>念，它是对行为的抽象，而具体如何行动需要由类（clas</a:t>
+            </a:r>
+            <a:endParaRPr lang="en-US" altLang="zh-CN">
+              <a:solidFill>
+                <a:schemeClr val="bg1"/>
+              </a:solidFill>
+            </a:endParaRPr>
+          </a:p>
+          <a:p>
+            <a:pPr indent="0">
+              <a:buFont typeface="Wingdings" panose="05000000000000000000" charset="0"/>
+              <a:buNone/>
+            </a:pPr>
+            <a:r>
+              <a:rPr lang="en-US" altLang="zh-CN">
+                <a:solidFill>
+                  <a:schemeClr val="bg1"/>
+                </a:solidFill>
+              </a:rPr>
+              <a:t>ses）去实现（implement）。</a:t>
+            </a:r>
+            <a:endParaRPr lang="en-US" altLang="zh-CN">
+              <a:solidFill>
+                <a:schemeClr val="bg1"/>
+              </a:solidFill>
+            </a:endParaRPr>
+          </a:p>
+          <a:p>
+            <a:pPr indent="0">
+              <a:buFont typeface="Wingdings" panose="05000000000000000000" charset="0"/>
+              <a:buNone/>
+            </a:pPr>
+            <a:r>
+              <a:rPr lang="en-US" altLang="zh-CN">
+                <a:solidFill>
+                  <a:schemeClr val="bg1"/>
+                </a:solidFill>
+              </a:rPr>
+              <a:t>TypeScript 中的接口是一个非常灵活的概念，除了可用于</a:t>
+            </a:r>
+            <a:endParaRPr lang="en-US" altLang="zh-CN">
+              <a:solidFill>
+                <a:schemeClr val="bg1"/>
+              </a:solidFill>
+            </a:endParaRPr>
+          </a:p>
+          <a:p>
+            <a:pPr indent="0">
+              <a:buFont typeface="Wingdings" panose="05000000000000000000" charset="0"/>
+              <a:buNone/>
+            </a:pPr>
+            <a:r>
+              <a:rPr lang="en-US" altLang="zh-CN">
+                <a:solidFill>
+                  <a:schemeClr val="bg1"/>
+                </a:solidFill>
+              </a:rPr>
+              <a:t>对类的一部分行为进行抽象以外，也常用于对「对象的</a:t>
+            </a:r>
+            <a:endParaRPr lang="en-US" altLang="zh-CN">
+              <a:solidFill>
+                <a:schemeClr val="bg1"/>
+              </a:solidFill>
+            </a:endParaRPr>
+          </a:p>
+          <a:p>
+            <a:pPr indent="0">
+              <a:buFont typeface="Wingdings" panose="05000000000000000000" charset="0"/>
+              <a:buNone/>
+            </a:pPr>
+            <a:r>
+              <a:rPr lang="en-US" altLang="zh-CN">
+                <a:solidFill>
+                  <a:schemeClr val="bg1"/>
+                </a:solidFill>
+              </a:rPr>
+              <a:t>形状（Shape）」进行描述。</a:t>
+            </a:r>
+            <a:endParaRPr lang="en-US" altLang="zh-CN">
+              <a:solidFill>
+                <a:schemeClr val="bg1"/>
+              </a:solidFill>
+            </a:endParaRPr>
+          </a:p>
+          <a:p>
+            <a:pPr indent="0">
+              <a:buFont typeface="Wingdings" panose="05000000000000000000" charset="0"/>
+              <a:buNone/>
+            </a:pPr>
+            <a:endParaRPr lang="en-US" altLang="zh-CN">
+              <a:solidFill>
+                <a:schemeClr val="bg1"/>
+              </a:solidFill>
+            </a:endParaRPr>
+          </a:p>
+          <a:p>
+            <a:pPr indent="0">
+              <a:buFont typeface="Wingdings" panose="05000000000000000000" charset="0"/>
+              <a:buNone/>
+            </a:pPr>
+            <a:endParaRPr lang="en-US" altLang="zh-CN">
+              <a:solidFill>
+                <a:schemeClr val="bg1"/>
+              </a:solidFill>
+            </a:endParaRPr>
+          </a:p>
+          <a:p>
+            <a:pPr indent="0">
+              <a:buFont typeface="Wingdings" panose="05000000000000000000" charset="0"/>
+              <a:buNone/>
+            </a:pPr>
+            <a:r>
+              <a:rPr lang="en-US" altLang="zh-CN">
+                <a:solidFill>
+                  <a:schemeClr val="bg1"/>
+                </a:solidFill>
+              </a:rPr>
+              <a:t>上面的例子中，我们定义了一个接口 Person，接着定义了一个变量 tom，它的类型是 Person。这样，我们就约束了 tom 的形状必须和接口 Person 一致。接口一般首字母大写。</a:t>
+            </a:r>
+            <a:endParaRPr lang="en-US" altLang="zh-CN">
+              <a:solidFill>
+                <a:schemeClr val="bg1"/>
+              </a:solidFill>
+            </a:endParaRPr>
+          </a:p>
+          <a:p>
+            <a:pPr indent="0">
+              <a:buFont typeface="Wingdings" panose="05000000000000000000" charset="0"/>
+              <a:buNone/>
+            </a:pPr>
+            <a:r>
+              <a:rPr lang="en-US" altLang="zh-CN">
+                <a:solidFill>
+                  <a:schemeClr val="bg1"/>
+                </a:solidFill>
+              </a:rPr>
+              <a:t>定义的变量比接口少了</a:t>
+            </a:r>
+            <a:r>
+              <a:rPr lang="zh-CN" altLang="en-US">
+                <a:solidFill>
+                  <a:schemeClr val="bg1"/>
+                </a:solidFill>
+              </a:rPr>
+              <a:t>（多了</a:t>
+            </a:r>
+            <a:r>
+              <a:rPr lang="zh-CN" altLang="en-US">
+                <a:solidFill>
+                  <a:schemeClr val="bg1"/>
+                </a:solidFill>
+              </a:rPr>
+              <a:t>）</a:t>
+            </a:r>
+            <a:r>
+              <a:rPr lang="en-US" altLang="zh-CN">
+                <a:solidFill>
+                  <a:schemeClr val="bg1"/>
+                </a:solidFill>
+              </a:rPr>
+              <a:t>一些属性是不允许的：赋值的时候，变量的形状必须和接口的形状保持一致。</a:t>
+            </a:r>
+            <a:endParaRPr lang="en-US" altLang="zh-CN">
+              <a:solidFill>
+                <a:schemeClr val="bg1"/>
+              </a:solidFill>
+            </a:endParaRPr>
+          </a:p>
+        </p:txBody>
+      </p:sp>
+      <p:pic>
+        <p:nvPicPr>
+          <p:cNvPr id="3" name="图片 2" descr="carbon (1)"/>
+          <p:cNvPicPr>
+            <a:picLocks noChangeAspect="1"/>
+          </p:cNvPicPr>
+          <p:nvPr/>
+        </p:nvPicPr>
+        <p:blipFill>
+          <a:blip r:embed="rId1"/>
+          <a:stretch>
+            <a:fillRect/>
+          </a:stretch>
+        </p:blipFill>
+        <p:spPr>
+          <a:xfrm>
+            <a:off x="6588125" y="902335"/>
+            <a:ext cx="2066925" cy="2473960"/>
+          </a:xfrm>
+          <a:prstGeom prst="rect">
+            <a:avLst/>
+          </a:prstGeom>
+        </p:spPr>
+      </p:pic>
+      <p:pic>
+        <p:nvPicPr>
+          <p:cNvPr id="4" name="图片 3" descr="carbon (1)"/>
+          <p:cNvPicPr>
+            <a:picLocks noChangeAspect="1"/>
+          </p:cNvPicPr>
+          <p:nvPr/>
+        </p:nvPicPr>
+        <p:blipFill>
+          <a:blip r:embed="rId2"/>
+          <a:stretch>
+            <a:fillRect/>
+          </a:stretch>
+        </p:blipFill>
+        <p:spPr>
+          <a:xfrm>
+            <a:off x="271145" y="4903470"/>
+            <a:ext cx="5899150" cy="1859280"/>
+          </a:xfrm>
+          <a:prstGeom prst="rect">
+            <a:avLst/>
+          </a:prstGeom>
+        </p:spPr>
+      </p:pic>
     </p:spTree>
   </p:cSld>
   <p:clrMapOvr>
@@ -3786,55 +4017,14 @@
       </p:grpSpPr>
       <p:sp>
         <p:nvSpPr>
-          <p:cNvPr id="4" name="标题 3"/>
-          <p:cNvSpPr/>
-          <p:nvPr>
-            <p:ph type="title"/>
-          </p:nvPr>
-        </p:nvSpPr>
-        <p:spPr>
-          <a:xfrm>
-            <a:off x="290830" y="381000"/>
-            <a:ext cx="7113270" cy="430530"/>
-          </a:xfrm>
-        </p:spPr>
-        <p:txBody>
-          <a:bodyPr wrap="square"/>
-          <a:p>
-            <a:r>
-              <a:rPr lang="en-US" sz="2800">
-                <a:latin typeface="+mj-ea"/>
-              </a:rPr>
-              <a:t>6. </a:t>
-            </a:r>
-            <a:r>
-              <a:rPr altLang="zh-CN" sz="2800">
-                <a:latin typeface="+mj-ea"/>
-              </a:rPr>
-              <a:t>TypeScript中的</a:t>
-            </a:r>
-            <a:r>
-              <a:rPr lang="zh-CN" sz="2800">
-                <a:latin typeface="+mj-ea"/>
-              </a:rPr>
-              <a:t>函数</a:t>
-            </a:r>
-            <a:endParaRPr lang="zh-CN" sz="2800">
-              <a:latin typeface="+mj-ea"/>
-            </a:endParaRPr>
-          </a:p>
-        </p:txBody>
-      </p:sp>
-      <p:sp>
-        <p:nvSpPr>
           <p:cNvPr id="13" name="文本框 12"/>
           <p:cNvSpPr txBox="1"/>
           <p:nvPr/>
         </p:nvSpPr>
         <p:spPr>
           <a:xfrm>
-            <a:off x="148590" y="1567180"/>
-            <a:ext cx="8766810" cy="4799965"/>
+            <a:off x="188595" y="461010"/>
+            <a:ext cx="8766810" cy="922020"/>
           </a:xfrm>
           <a:prstGeom prst="rect">
             <a:avLst/>
@@ -3855,280 +4045,10 @@
                 <a:solidFill>
                   <a:schemeClr val="bg1"/>
                 </a:solidFill>
-                <a:sym typeface="+mn-ea"/>
-              </a:rPr>
-              <a:t>定义函数的三种方式</a:t>
-            </a:r>
-            <a:r>
-              <a:rPr lang="en-US" altLang="zh-CN">
-                <a:solidFill>
-                  <a:schemeClr val="bg1"/>
-                </a:solidFill>
-                <a:sym typeface="+mn-ea"/>
-              </a:rPr>
-              <a:t>:</a:t>
-            </a:r>
-            <a:endParaRPr lang="en-US" altLang="zh-CN">
-              <a:solidFill>
-                <a:schemeClr val="bg1"/>
-              </a:solidFill>
-            </a:endParaRPr>
-          </a:p>
-          <a:p>
-            <a:pPr indent="0">
-              <a:buFont typeface="Wingdings" panose="05000000000000000000" charset="0"/>
-              <a:buNone/>
-            </a:pPr>
-            <a:r>
-              <a:rPr lang="en-US" altLang="zh-CN">
-                <a:solidFill>
-                  <a:schemeClr val="bg1"/>
-                </a:solidFill>
-                <a:sym typeface="+mn-ea"/>
-              </a:rPr>
-              <a:t>1. 函数声明     function add(n1:number,n2:number):number{}</a:t>
-            </a:r>
-            <a:endParaRPr lang="en-US" altLang="zh-CN">
-              <a:solidFill>
-                <a:schemeClr val="bg1"/>
-              </a:solidFill>
-            </a:endParaRPr>
-          </a:p>
-          <a:p>
-            <a:pPr indent="0">
-              <a:buFont typeface="Wingdings" panose="05000000000000000000" charset="0"/>
-              <a:buNone/>
-            </a:pPr>
-            <a:r>
-              <a:rPr lang="en-US" altLang="zh-CN">
-                <a:solidFill>
-                  <a:schemeClr val="bg1"/>
-                </a:solidFill>
-                <a:sym typeface="+mn-ea"/>
-              </a:rPr>
-              <a:t>2. 函数表达式 var add = function(n1:number,n2:number):number{}</a:t>
-            </a:r>
-            <a:endParaRPr lang="en-US" altLang="zh-CN">
-              <a:solidFill>
-                <a:schemeClr val="bg1"/>
-              </a:solidFill>
-            </a:endParaRPr>
-          </a:p>
-          <a:p>
-            <a:pPr indent="0">
-              <a:buFont typeface="Wingdings" panose="05000000000000000000" charset="0"/>
-              <a:buNone/>
-            </a:pPr>
-            <a:r>
-              <a:rPr lang="en-US" altLang="zh-CN">
-                <a:solidFill>
-                  <a:schemeClr val="bg1"/>
-                </a:solidFill>
-                <a:sym typeface="+mn-ea"/>
-              </a:rPr>
-              <a:t>3. 箭头函数 var add = (n1:number,n2:number):number=&gt;{}</a:t>
-            </a:r>
-            <a:endParaRPr lang="en-US" altLang="zh-CN">
-              <a:solidFill>
-                <a:schemeClr val="bg1"/>
-              </a:solidFill>
-            </a:endParaRPr>
-          </a:p>
-          <a:p>
-            <a:pPr indent="0">
-              <a:buFont typeface="Wingdings" panose="05000000000000000000" charset="0"/>
-              <a:buNone/>
-            </a:pPr>
+              </a:rPr>
+              <a:t>可选属性</a:t>
+            </a:r>
             <a:endParaRPr lang="zh-CN" altLang="en-US">
-              <a:solidFill>
-                <a:schemeClr val="bg1"/>
-              </a:solidFill>
-            </a:endParaRPr>
-          </a:p>
-          <a:p>
-            <a:pPr indent="0">
-              <a:buFont typeface="Wingdings" panose="05000000000000000000" charset="0"/>
-              <a:buNone/>
-            </a:pPr>
-            <a:r>
-              <a:rPr lang="zh-CN" altLang="en-US">
-                <a:solidFill>
-                  <a:schemeClr val="bg1"/>
-                </a:solidFill>
-              </a:rPr>
-              <a:t>TypeScript的函数参数是比较灵活的，它不像那些早期出现的传统语言那么死板。在TypeScript语言中，函数的形参分为：可选形参、默认形参、剩余参数形参等。</a:t>
-            </a:r>
-            <a:endParaRPr lang="zh-CN" altLang="en-US">
-              <a:solidFill>
-                <a:schemeClr val="bg1"/>
-              </a:solidFill>
-            </a:endParaRPr>
-          </a:p>
-          <a:p>
-            <a:pPr indent="0">
-              <a:buFont typeface="Wingdings" panose="05000000000000000000" charset="0"/>
-              <a:buNone/>
-            </a:pPr>
-            <a:endParaRPr lang="zh-CN" altLang="en-US">
-              <a:solidFill>
-                <a:schemeClr val="bg1"/>
-              </a:solidFill>
-            </a:endParaRPr>
-          </a:p>
-          <a:p>
-            <a:pPr indent="0">
-              <a:buFont typeface="Wingdings" panose="05000000000000000000" charset="0"/>
-              <a:buNone/>
-            </a:pPr>
-            <a:r>
-              <a:rPr lang="en-US" altLang="zh-CN">
-                <a:solidFill>
-                  <a:schemeClr val="bg1"/>
-                </a:solidFill>
-              </a:rPr>
-              <a:t>1. </a:t>
-            </a:r>
-            <a:r>
-              <a:rPr lang="zh-CN" altLang="en-US">
-                <a:solidFill>
-                  <a:schemeClr val="bg1"/>
-                </a:solidFill>
-              </a:rPr>
-              <a:t>有可选参数的函数</a:t>
-            </a:r>
-            <a:endParaRPr lang="zh-CN" altLang="en-US">
-              <a:solidFill>
-                <a:schemeClr val="bg1"/>
-              </a:solidFill>
-            </a:endParaRPr>
-          </a:p>
-          <a:p>
-            <a:pPr indent="0">
-              <a:buFont typeface="Wingdings" panose="05000000000000000000" charset="0"/>
-              <a:buNone/>
-            </a:pPr>
-            <a:r>
-              <a:rPr lang="zh-CN" altLang="en-US">
-                <a:solidFill>
-                  <a:schemeClr val="bg1"/>
-                </a:solidFill>
-              </a:rPr>
-              <a:t>可选参数，就是我们定义形参的时候，可以定义一个可传可不传的参数。这种参数，在定义函数的时候通过?标注</a:t>
-            </a:r>
-            <a:r>
-              <a:rPr lang="en-US" altLang="zh-CN">
-                <a:solidFill>
-                  <a:schemeClr val="bg1"/>
-                </a:solidFill>
-              </a:rPr>
-              <a:t>,</a:t>
-            </a:r>
-            <a:r>
-              <a:rPr lang="zh-CN" altLang="en-US">
-                <a:solidFill>
-                  <a:schemeClr val="bg1"/>
-                </a:solidFill>
-              </a:rPr>
-              <a:t>可选参数必须接在必须参数后面。</a:t>
-            </a:r>
-            <a:endParaRPr lang="zh-CN" altLang="en-US">
-              <a:solidFill>
-                <a:schemeClr val="bg1"/>
-              </a:solidFill>
-            </a:endParaRPr>
-          </a:p>
-          <a:p>
-            <a:pPr indent="0">
-              <a:buFont typeface="Wingdings" panose="05000000000000000000" charset="0"/>
-              <a:buNone/>
-            </a:pPr>
-            <a:r>
-              <a:rPr lang="zh-CN" altLang="en-US">
-                <a:solidFill>
-                  <a:schemeClr val="bg1"/>
-                </a:solidFill>
-              </a:rPr>
-              <a:t>2. 有默认参数的函数</a:t>
-            </a:r>
-            <a:endParaRPr lang="zh-CN" altLang="en-US">
-              <a:solidFill>
-                <a:schemeClr val="bg1"/>
-              </a:solidFill>
-            </a:endParaRPr>
-          </a:p>
-          <a:p>
-            <a:pPr indent="0">
-              <a:buFont typeface="Wingdings" panose="05000000000000000000" charset="0"/>
-              <a:buNone/>
-            </a:pPr>
-            <a:r>
-              <a:rPr lang="en-US" altLang="zh-CN">
-                <a:solidFill>
-                  <a:schemeClr val="bg1"/>
-                </a:solidFill>
-              </a:rPr>
-              <a:t>3. 有剩余参数的函数</a:t>
-            </a:r>
-            <a:r>
-              <a:rPr lang="zh-CN" altLang="en-US">
-                <a:solidFill>
-                  <a:schemeClr val="bg1"/>
-                </a:solidFill>
-              </a:rPr>
-              <a:t>（</a:t>
-            </a:r>
-            <a:r>
-              <a:rPr lang="en-US" altLang="zh-CN">
-                <a:solidFill>
-                  <a:schemeClr val="bg1"/>
-                </a:solidFill>
-              </a:rPr>
-              <a:t>rest</a:t>
-            </a:r>
-            <a:r>
-              <a:rPr lang="zh-CN" altLang="en-US">
-                <a:solidFill>
-                  <a:schemeClr val="bg1"/>
-                </a:solidFill>
-              </a:rPr>
-              <a:t>参数）</a:t>
-            </a:r>
-            <a:endParaRPr lang="en-US" altLang="zh-CN">
-              <a:solidFill>
-                <a:schemeClr val="bg1"/>
-              </a:solidFill>
-            </a:endParaRPr>
-          </a:p>
-          <a:p>
-            <a:pPr indent="0">
-              <a:buFont typeface="Wingdings" panose="05000000000000000000" charset="0"/>
-              <a:buNone/>
-            </a:pPr>
-            <a:r>
-              <a:rPr lang="en-US" altLang="zh-CN">
-                <a:solidFill>
-                  <a:schemeClr val="bg1"/>
-                </a:solidFill>
-              </a:rPr>
-              <a:t>剩余参数就是形参是一个数组，传递几个实参过来都可以直接存在形参的数组中</a:t>
-            </a:r>
-            <a:r>
-              <a:rPr lang="zh-CN" altLang="en-US">
-                <a:solidFill>
-                  <a:schemeClr val="bg1"/>
-                </a:solidFill>
-              </a:rPr>
-              <a:t>，rest 参数只能是最后一个参数</a:t>
-            </a:r>
-            <a:r>
-              <a:rPr lang="en-US" altLang="zh-CN">
-                <a:solidFill>
-                  <a:schemeClr val="bg1"/>
-                </a:solidFill>
-              </a:rPr>
-              <a:t>。</a:t>
-            </a:r>
-            <a:endParaRPr lang="en-US" altLang="zh-CN">
               <a:solidFill>
                 <a:schemeClr val="bg1"/>
               </a:solidFill>
@@ -4204,13 +4124,19 @@
               <a:rPr lang="en-US" sz="2800">
                 <a:latin typeface="+mj-ea"/>
               </a:rPr>
-              <a:t>6.1 </a:t>
+              <a:t>6. </a:t>
+            </a:r>
+            <a:r>
+              <a:rPr altLang="zh-CN" sz="2800">
+                <a:latin typeface="+mj-ea"/>
+              </a:rPr>
+              <a:t>TypeScript中的</a:t>
             </a:r>
             <a:r>
               <a:rPr lang="zh-CN" sz="2800">
                 <a:latin typeface="+mj-ea"/>
               </a:rPr>
-              <a:t>重载</a:t>
+              <a:t>函数</a:t>
             </a:r>
             <a:endParaRPr lang="zh-CN" sz="2800">
               <a:latin typeface="+mj-ea"/>
@@ -4226,7 +4152,7 @@
         </p:nvSpPr>
         <p:spPr>
           <a:xfrm>
-            <a:off x="148590" y="1109980"/>
+            <a:off x="148590" y="1567180"/>
             <a:ext cx="8766810" cy="4799965"/>
           </a:xfrm>
           <a:prstGeom prst="rect">
@@ -4244,44 +4170,22 @@
               <a:buNone/>
             </a:pPr>
             <a:r>
-              <a:rPr>
+              <a:rPr lang="zh-CN" altLang="en-US">
                 <a:solidFill>
                   <a:schemeClr val="bg1"/>
                 </a:solidFill>
                 <a:sym typeface="+mn-ea"/>
               </a:rPr>
-              <a:t>重载允许一个函数接受不同数量或类型的参数时，作出不同的处理。</a:t>
-            </a:r>
-            <a:endParaRPr>
-              <a:solidFill>
-                <a:schemeClr val="bg1"/>
-              </a:solidFill>
-              <a:sym typeface="+mn-ea"/>
-            </a:endParaRPr>
-          </a:p>
-          <a:p>
-            <a:pPr indent="0">
-              <a:buFont typeface="Wingdings" panose="05000000000000000000" charset="0"/>
-              <a:buNone/>
-            </a:pPr>
-            <a:endParaRPr lang="en-US" altLang="zh-CN">
-              <a:solidFill>
-                <a:schemeClr val="bg1"/>
-              </a:solidFill>
-            </a:endParaRPr>
-          </a:p>
-          <a:p>
-            <a:pPr indent="0">
-              <a:buFont typeface="Wingdings" panose="05000000000000000000" charset="0"/>
-              <a:buNone/>
-            </a:pPr>
+              <a:t>定义函数的三种方式</a:t>
+            </a:r>
             <a:r>
               <a:rPr lang="en-US" altLang="zh-CN">
                 <a:solidFill>
                   <a:schemeClr val="bg1"/>
                 </a:solidFill>
-              </a:rPr>
-              <a:t>比如，我们需要实现一个函数 reverse，输入数字 123 的时候，输出反转的数字 321，输入字符串 'hello' 的时候，输出反转的字符串 'olleh'。</a:t>
+                <a:sym typeface="+mn-ea"/>
+              </a:rPr>
+              <a:t>:</a:t>
             </a:r>
             <a:endParaRPr lang="en-US" altLang="zh-CN">
               <a:solidFill>
@@ -4299,108 +4203,10 @@
                 <a:solidFill>
                   <a:schemeClr val="bg1"/>
                 </a:solidFill>
-              </a:rPr>
-              <a:t>利用联合类型，我们可以这么实现：</a:t>
-            </a:r>
-            <a:endParaRPr lang="en-US" altLang="zh-CN">
-              <a:solidFill>
-                <a:schemeClr val="bg1"/>
-              </a:solidFill>
-            </a:endParaRPr>
-          </a:p>
-          <a:p>
-            <a:pPr indent="0">
-              <a:buFont typeface="Wingdings" panose="05000000000000000000" charset="0"/>
-              <a:buNone/>
-            </a:pPr>
-            <a:endParaRPr lang="en-US" altLang="zh-CN">
-              <a:solidFill>
-                <a:schemeClr val="bg1"/>
-              </a:solidFill>
-            </a:endParaRPr>
-          </a:p>
-          <a:p>
-            <a:pPr indent="0">
-              <a:buFont typeface="Wingdings" panose="05000000000000000000" charset="0"/>
-              <a:buNone/>
-            </a:pPr>
-            <a:endParaRPr lang="en-US" altLang="zh-CN">
-              <a:solidFill>
-                <a:schemeClr val="bg1"/>
-              </a:solidFill>
-            </a:endParaRPr>
-          </a:p>
-          <a:p>
-            <a:pPr indent="0">
-              <a:buFont typeface="Wingdings" panose="05000000000000000000" charset="0"/>
-              <a:buNone/>
-            </a:pPr>
-            <a:endParaRPr lang="en-US" altLang="zh-CN">
-              <a:solidFill>
-                <a:schemeClr val="bg1"/>
-              </a:solidFill>
-            </a:endParaRPr>
-          </a:p>
-          <a:p>
-            <a:pPr indent="0">
-              <a:buFont typeface="Wingdings" panose="05000000000000000000" charset="0"/>
-              <a:buNone/>
-            </a:pPr>
-            <a:endParaRPr lang="en-US" altLang="zh-CN">
-              <a:solidFill>
-                <a:schemeClr val="bg1"/>
-              </a:solidFill>
-            </a:endParaRPr>
-          </a:p>
-          <a:p>
-            <a:pPr indent="0">
-              <a:buFont typeface="Wingdings" panose="05000000000000000000" charset="0"/>
-              <a:buNone/>
-            </a:pPr>
-            <a:endParaRPr lang="en-US" altLang="zh-CN">
-              <a:solidFill>
-                <a:schemeClr val="bg1"/>
-              </a:solidFill>
-            </a:endParaRPr>
-          </a:p>
-          <a:p>
-            <a:pPr indent="0">
-              <a:buFont typeface="Wingdings" panose="05000000000000000000" charset="0"/>
-              <a:buNone/>
-            </a:pPr>
-            <a:endParaRPr lang="en-US" altLang="zh-CN">
-              <a:solidFill>
-                <a:schemeClr val="bg1"/>
-              </a:solidFill>
-            </a:endParaRPr>
-          </a:p>
-          <a:p>
-            <a:pPr indent="0">
-              <a:buFont typeface="Wingdings" panose="05000000000000000000" charset="0"/>
-              <a:buNone/>
-            </a:pPr>
-            <a:endParaRPr lang="en-US" altLang="zh-CN">
-              <a:solidFill>
-                <a:schemeClr val="bg1"/>
-              </a:solidFill>
-            </a:endParaRPr>
-          </a:p>
-          <a:p>
-            <a:pPr indent="0">
-              <a:buFont typeface="Wingdings" panose="05000000000000000000" charset="0"/>
-              <a:buNone/>
-            </a:pPr>
-            <a:endParaRPr lang="en-US" altLang="zh-CN">
-              <a:solidFill>
-                <a:schemeClr val="bg1"/>
-              </a:solidFill>
-            </a:endParaRPr>
-          </a:p>
-          <a:p>
-            <a:pPr indent="0">
-              <a:buFont typeface="Wingdings" panose="05000000000000000000" charset="0"/>
-              <a:buNone/>
-            </a:pPr>
+                <a:sym typeface="+mn-ea"/>
+              </a:rPr>
+              <a:t>1. 函数声明     function add(n1:number,n2:number):number{}</a:t>
+            </a:r>
             <a:endParaRPr lang="en-US" altLang="zh-CN">
               <a:solidFill>
                 <a:schemeClr val="bg1"/>
@@ -4417,52 +4223,260 @@
                 <a:solidFill>
                   <a:schemeClr val="bg1"/>
                 </a:solidFill>
-              </a:rPr>
-              <a:t>然而这样有一个缺点，就是不能够精确的表达，输入为数字的时候，输出也应该为数字，输入为字符串的时候，输出也应该为字符串。</a:t>
-            </a:r>
-            <a:endParaRPr lang="en-US" altLang="zh-CN">
-              <a:solidFill>
-                <a:schemeClr val="bg1"/>
-              </a:solidFill>
-            </a:endParaRPr>
-          </a:p>
-          <a:p>
-            <a:pPr indent="0">
-              <a:buFont typeface="Wingdings" panose="05000000000000000000" charset="0"/>
-              <a:buNone/>
-            </a:pPr>
-            <a:endParaRPr lang="en-US" altLang="zh-CN">
-              <a:solidFill>
-                <a:schemeClr val="bg1"/>
-              </a:solidFill>
-            </a:endParaRPr>
-          </a:p>
-        </p:txBody>
-      </p:sp>
-      <p:pic>
-        <p:nvPicPr>
-          <p:cNvPr id="3" name="图片 2" descr="carbon (6)"/>
-          <p:cNvPicPr>
-            <a:picLocks noChangeAspect="1"/>
-          </p:cNvPicPr>
-          <p:nvPr/>
-        </p:nvPicPr>
-        <p:blipFill>
-          <a:blip r:embed="rId1"/>
-          <a:stretch>
-            <a:fillRect/>
-          </a:stretch>
-        </p:blipFill>
-        <p:spPr>
-          <a:xfrm>
-            <a:off x="290830" y="2658110"/>
-            <a:ext cx="6504305" cy="2230755"/>
-          </a:xfrm>
-          <a:prstGeom prst="rect">
-            <a:avLst/>
-          </a:prstGeom>
-        </p:spPr>
-      </p:pic>
+                <a:sym typeface="+mn-ea"/>
+              </a:rPr>
+              <a:t>2. 函数表达式 var add = function(n1:number,n2:number):number{}</a:t>
+            </a:r>
+            <a:endParaRPr lang="en-US" altLang="zh-CN">
+              <a:solidFill>
+                <a:schemeClr val="bg1"/>
+              </a:solidFill>
+            </a:endParaRPr>
+          </a:p>
+          <a:p>
+            <a:pPr indent="0">
+              <a:buFont typeface="Wingdings" panose="05000000000000000000" charset="0"/>
+              <a:buNone/>
+            </a:pPr>
+            <a:r>
+              <a:rPr lang="en-US" altLang="zh-CN">
+                <a:solidFill>
+                  <a:schemeClr val="bg1"/>
+                </a:solidFill>
+                <a:sym typeface="+mn-ea"/>
+              </a:rPr>
+              <a:t>3. 箭头函数 var add = (n1:number,n2:number):number=&gt;{}</a:t>
+            </a:r>
+            <a:endParaRPr lang="en-US" altLang="zh-CN">
+              <a:solidFill>
+                <a:schemeClr val="bg1"/>
+              </a:solidFill>
+            </a:endParaRPr>
+          </a:p>
+          <a:p>
+            <a:pPr indent="0">
+              <a:buFont typeface="Wingdings" panose="05000000000000000000" charset="0"/>
+              <a:buNone/>
+            </a:pPr>
+            <a:endParaRPr lang="zh-CN" altLang="en-US">
+              <a:solidFill>
+                <a:schemeClr val="bg1"/>
+              </a:solidFill>
+            </a:endParaRPr>
+          </a:p>
+          <a:p>
+            <a:pPr indent="0">
+              <a:buFont typeface="Wingdings" panose="05000000000000000000" charset="0"/>
+              <a:buNone/>
+            </a:pPr>
+            <a:r>
+              <a:rPr lang="zh-CN" altLang="en-US">
+                <a:solidFill>
+                  <a:schemeClr val="bg1"/>
+                </a:solidFill>
+              </a:rPr>
+              <a:t>TypeScript的函数参数是比较灵活的，它不像那些早期出现的传统语言那么死板。在TypeScript语言中，函数的形参分为：可选形参、默认形参、剩余参数形参等。</a:t>
+            </a:r>
+            <a:endParaRPr lang="zh-CN" altLang="en-US">
+              <a:solidFill>
+                <a:schemeClr val="bg1"/>
+              </a:solidFill>
+            </a:endParaRPr>
+          </a:p>
+          <a:p>
+            <a:pPr indent="0">
+              <a:buFont typeface="Wingdings" panose="05000000000000000000" charset="0"/>
+              <a:buNone/>
+            </a:pPr>
+            <a:endParaRPr lang="zh-CN" altLang="en-US">
+              <a:solidFill>
+                <a:schemeClr val="bg1"/>
+              </a:solidFill>
+            </a:endParaRPr>
+          </a:p>
+          <a:p>
+            <a:pPr indent="0">
+              <a:buFont typeface="Wingdings" panose="05000000000000000000" charset="0"/>
+              <a:buNone/>
+            </a:pPr>
+            <a:r>
+              <a:rPr lang="en-US" altLang="zh-CN">
+                <a:solidFill>
+                  <a:schemeClr val="bg1"/>
+                </a:solidFill>
+              </a:rPr>
+              <a:t>1. </a:t>
+            </a:r>
+            <a:r>
+              <a:rPr lang="zh-CN" altLang="en-US">
+                <a:solidFill>
+                  <a:schemeClr val="bg1"/>
+                </a:solidFill>
+              </a:rPr>
+              <a:t>有可选参数的函数</a:t>
+            </a:r>
+            <a:endParaRPr lang="zh-CN" altLang="en-US">
+              <a:solidFill>
+                <a:schemeClr val="bg1"/>
+              </a:solidFill>
+            </a:endParaRPr>
+          </a:p>
+          <a:p>
+            <a:pPr indent="0">
+              <a:buFont typeface="Wingdings" panose="05000000000000000000" charset="0"/>
+              <a:buNone/>
+            </a:pPr>
+            <a:r>
+              <a:rPr lang="zh-CN" altLang="en-US">
+                <a:solidFill>
+                  <a:schemeClr val="bg1"/>
+                </a:solidFill>
+              </a:rPr>
+              <a:t>可选参数，就是我们定义形参的时候，可以定义一个可传可不传的参数。这种参数，在定义函数的时候通过?标注</a:t>
+            </a:r>
+            <a:r>
+              <a:rPr lang="en-US" altLang="zh-CN">
+                <a:solidFill>
+                  <a:schemeClr val="bg1"/>
+                </a:solidFill>
+              </a:rPr>
+              <a:t>,</a:t>
+            </a:r>
+            <a:r>
+              <a:rPr lang="zh-CN" altLang="en-US">
+                <a:solidFill>
+                  <a:schemeClr val="bg1"/>
+                </a:solidFill>
+              </a:rPr>
+              <a:t>可选参数必须接在必须参数后面。</a:t>
+            </a:r>
+            <a:endParaRPr lang="zh-CN" altLang="en-US">
+              <a:solidFill>
+                <a:schemeClr val="bg1"/>
+              </a:solidFill>
+            </a:endParaRPr>
+          </a:p>
+          <a:p>
+            <a:pPr indent="0">
+              <a:buFont typeface="Wingdings" panose="05000000000000000000" charset="0"/>
+              <a:buNone/>
+            </a:pPr>
+            <a:r>
+              <a:rPr lang="zh-CN" altLang="en-US">
+                <a:solidFill>
+                  <a:schemeClr val="bg1"/>
+                </a:solidFill>
+              </a:rPr>
+              <a:t>2. 有默认参数的函数</a:t>
+            </a:r>
+            <a:endParaRPr lang="zh-CN" altLang="en-US">
+              <a:solidFill>
+                <a:schemeClr val="bg1"/>
+              </a:solidFill>
+            </a:endParaRPr>
+          </a:p>
+          <a:p>
+            <a:pPr indent="0">
+              <a:buFont typeface="Wingdings" panose="05000000000000000000" charset="0"/>
+              <a:buNone/>
+            </a:pPr>
+            <a:r>
+              <a:rPr lang="en-US" altLang="zh-CN">
+                <a:solidFill>
+                  <a:schemeClr val="bg1"/>
+                </a:solidFill>
+              </a:rPr>
+              <a:t>3. 有剩余参数的函数</a:t>
+            </a:r>
+            <a:r>
+              <a:rPr lang="zh-CN" altLang="en-US">
+                <a:solidFill>
+                  <a:schemeClr val="bg1"/>
+                </a:solidFill>
+              </a:rPr>
+              <a:t>（</a:t>
+            </a:r>
+            <a:r>
+              <a:rPr lang="en-US" altLang="zh-CN">
+                <a:solidFill>
+                  <a:schemeClr val="bg1"/>
+                </a:solidFill>
+              </a:rPr>
+              <a:t>rest</a:t>
+            </a:r>
+            <a:r>
+              <a:rPr lang="zh-CN" altLang="en-US">
+                <a:solidFill>
+                  <a:schemeClr val="bg1"/>
+                </a:solidFill>
+              </a:rPr>
+              <a:t>参数）</a:t>
+            </a:r>
+            <a:endParaRPr lang="en-US" altLang="zh-CN">
+              <a:solidFill>
+                <a:schemeClr val="bg1"/>
+              </a:solidFill>
+            </a:endParaRPr>
+          </a:p>
+          <a:p>
+            <a:pPr indent="0">
+              <a:buFont typeface="Wingdings" panose="05000000000000000000" charset="0"/>
+              <a:buNone/>
+            </a:pPr>
+            <a:r>
+              <a:rPr lang="en-US" altLang="zh-CN">
+                <a:solidFill>
+                  <a:schemeClr val="bg1"/>
+                </a:solidFill>
+              </a:rPr>
+              <a:t>剩余参数就是形参是一个数组，传递几个实参过来都可以直接存在形参的数组中</a:t>
+            </a:r>
+            <a:r>
+              <a:rPr lang="zh-CN" altLang="en-US">
+                <a:solidFill>
+                  <a:schemeClr val="bg1"/>
+                </a:solidFill>
+              </a:rPr>
+              <a:t>，rest 参数只能是最后一个参数</a:t>
+            </a:r>
+            <a:r>
+              <a:rPr lang="en-US" altLang="zh-CN">
+                <a:solidFill>
+                  <a:schemeClr val="bg1"/>
+                </a:solidFill>
+              </a:rPr>
+              <a:t>。</a:t>
+            </a:r>
+            <a:endParaRPr lang="en-US" altLang="zh-CN">
+              <a:solidFill>
+                <a:schemeClr val="bg1"/>
+              </a:solidFill>
+            </a:endParaRPr>
+          </a:p>
+          <a:p>
+            <a:pPr indent="0">
+              <a:buFont typeface="Wingdings" panose="05000000000000000000" charset="0"/>
+              <a:buNone/>
+            </a:pPr>
+            <a:endParaRPr lang="en-US" altLang="zh-CN">
+              <a:solidFill>
+                <a:schemeClr val="bg1"/>
+              </a:solidFill>
+            </a:endParaRPr>
+          </a:p>
+          <a:p>
+            <a:pPr indent="0">
+              <a:buFont typeface="Wingdings" panose="05000000000000000000" charset="0"/>
+              <a:buNone/>
+            </a:pPr>
+            <a:endParaRPr lang="en-US" altLang="zh-CN">
+              <a:solidFill>
+                <a:schemeClr val="bg1"/>
+              </a:solidFill>
+            </a:endParaRPr>
+          </a:p>
+        </p:txBody>
+      </p:sp>
     </p:spTree>
   </p:cSld>
   <p:clrMapOvr>
@@ -4490,6 +4504,41 @@
       </p:grpSpPr>
       <p:sp>
         <p:nvSpPr>
+          <p:cNvPr id="4" name="标题 3"/>
+          <p:cNvSpPr/>
+          <p:nvPr>
+            <p:ph type="title"/>
+          </p:nvPr>
+        </p:nvSpPr>
+        <p:spPr>
+          <a:xfrm>
+            <a:off x="290830" y="381000"/>
+            <a:ext cx="7113270" cy="430530"/>
+          </a:xfrm>
+        </p:spPr>
+        <p:txBody>
+          <a:bodyPr wrap="square"/>
+          <a:p>
+            <a:r>
+              <a:rPr lang="en-US" sz="2800">
+                <a:latin typeface="+mj-ea"/>
+              </a:rPr>
+              <a:t>6.1 </a:t>
+            </a:r>
+            <a:r>
+              <a:rPr lang="zh-CN" sz="2800">
+                <a:latin typeface="+mj-ea"/>
+              </a:rPr>
+              <a:t>重载</a:t>
+            </a:r>
+            <a:endParaRPr lang="zh-CN" sz="2800">
+              <a:latin typeface="+mj-ea"/>
+            </a:endParaRPr>
+          </a:p>
+        </p:txBody>
+      </p:sp>
+      <p:sp>
+        <p:nvSpPr>
           <p:cNvPr id="13" name="文本框 12"/>
           <p:cNvSpPr txBox="1"/>
           <p:nvPr/>
@@ -4497,7 +4546,7 @@
         <p:spPr>
           <a:xfrm>
             <a:off x="148590" y="1109980"/>
-            <a:ext cx="8766810" cy="3969385"/>
+            <a:ext cx="8766810" cy="4799965"/>
           </a:xfrm>
           <a:prstGeom prst="rect">
             <a:avLst/>
@@ -4520,7 +4569,7 @@
                 </a:solidFill>
                 <a:sym typeface="+mn-ea"/>
               </a:rPr>
-              <a:t>这时，我们可以使用重载定义多个 reverse 的函数类型：</a:t>
+              <a:t>重载允许一个函数接受不同数量或类型的参数时，作出不同的处理。</a:t>
             </a:r>
             <a:endParaRPr>
               <a:solidFill>
@@ -4545,101 +4594,13 @@
               <a:buFont typeface="Wingdings" panose="05000000000000000000" charset="0"/>
               <a:buNone/>
             </a:pPr>
-            <a:endParaRPr lang="en-US" altLang="zh-CN">
-              <a:solidFill>
-                <a:schemeClr val="bg1"/>
-              </a:solidFill>
-            </a:endParaRPr>
-          </a:p>
-          <a:p>
-            <a:pPr indent="0">
-              <a:buFont typeface="Wingdings" panose="05000000000000000000" charset="0"/>
-              <a:buNone/>
-            </a:pPr>
-            <a:endParaRPr lang="en-US" altLang="zh-CN">
-              <a:solidFill>
-                <a:schemeClr val="bg1"/>
-              </a:solidFill>
-            </a:endParaRPr>
-          </a:p>
-          <a:p>
-            <a:pPr indent="0">
-              <a:buFont typeface="Wingdings" panose="05000000000000000000" charset="0"/>
-              <a:buNone/>
-            </a:pPr>
-            <a:endParaRPr lang="en-US" altLang="zh-CN">
-              <a:solidFill>
-                <a:schemeClr val="bg1"/>
-              </a:solidFill>
-            </a:endParaRPr>
-          </a:p>
-          <a:p>
-            <a:pPr indent="0">
-              <a:buFont typeface="Wingdings" panose="05000000000000000000" charset="0"/>
-              <a:buNone/>
-            </a:pPr>
-            <a:endParaRPr lang="en-US" altLang="zh-CN">
-              <a:solidFill>
-                <a:schemeClr val="bg1"/>
-              </a:solidFill>
-            </a:endParaRPr>
-          </a:p>
-          <a:p>
-            <a:pPr indent="0">
-              <a:buFont typeface="Wingdings" panose="05000000000000000000" charset="0"/>
-              <a:buNone/>
-            </a:pPr>
-            <a:endParaRPr lang="en-US" altLang="zh-CN">
-              <a:solidFill>
-                <a:schemeClr val="bg1"/>
-              </a:solidFill>
-            </a:endParaRPr>
-          </a:p>
-          <a:p>
-            <a:pPr indent="0">
-              <a:buFont typeface="Wingdings" panose="05000000000000000000" charset="0"/>
-              <a:buNone/>
-            </a:pPr>
-            <a:endParaRPr lang="en-US" altLang="zh-CN">
-              <a:solidFill>
-                <a:schemeClr val="bg1"/>
-              </a:solidFill>
-            </a:endParaRPr>
-          </a:p>
-          <a:p>
-            <a:pPr indent="0">
-              <a:buFont typeface="Wingdings" panose="05000000000000000000" charset="0"/>
-              <a:buNone/>
-            </a:pPr>
-            <a:endParaRPr lang="en-US" altLang="zh-CN">
-              <a:solidFill>
-                <a:schemeClr val="bg1"/>
-              </a:solidFill>
-            </a:endParaRPr>
-          </a:p>
-          <a:p>
-            <a:pPr indent="0">
-              <a:buFont typeface="Wingdings" panose="05000000000000000000" charset="0"/>
-              <a:buNone/>
-            </a:pPr>
-            <a:endParaRPr lang="en-US" altLang="zh-CN">
-              <a:solidFill>
-                <a:schemeClr val="bg1"/>
-              </a:solidFill>
-            </a:endParaRPr>
-          </a:p>
-          <a:p>
-            <a:pPr indent="0">
-              <a:buFont typeface="Wingdings" panose="05000000000000000000" charset="0"/>
-              <a:buNone/>
-            </a:pPr>
             <a:r>
               <a:rPr lang="en-US" altLang="zh-CN">
                 <a:solidFill>
                   <a:schemeClr val="bg1"/>
                 </a:solidFill>
               </a:rPr>
-              <a:t>上例中，我们重复定义了多次函数 reverse，前几次都是函数定义，最后一次是函数实现。</a:t>
+              <a:t>比如，我们需要实现一个函数 reverse，输入数字 123 的时候，输出反转的数字 321，输入字符串 'hello' 的时候，输出反转的字符串 'olleh'。</a:t>
             </a:r>
             <a:endParaRPr lang="en-US" altLang="zh-CN">
               <a:solidFill>
@@ -4658,8 +4619,137 @@
                   <a:schemeClr val="bg1"/>
                 </a:solidFill>
               </a:rPr>
-              <a:t>注意，TypeScript 会优先从最前面的函数定义开始匹配，所以多个函数定义如果有包含关系，需要优先把精确的定义写在前面。</a:t>
-            </a:r>
+              <a:t>利用联合类型，我们可以这么实现：</a:t>
+            </a:r>
+            <a:endParaRPr lang="en-US" altLang="zh-CN">
+              <a:solidFill>
+                <a:schemeClr val="bg1"/>
+              </a:solidFill>
+            </a:endParaRPr>
+          </a:p>
+          <a:p>
+            <a:pPr indent="0">
+              <a:buFont typeface="Wingdings" panose="05000000000000000000" charset="0"/>
+              <a:buNone/>
+            </a:pPr>
+            <a:endParaRPr lang="en-US" altLang="zh-CN">
+              <a:solidFill>
+                <a:schemeClr val="bg1"/>
+              </a:solidFill>
+            </a:endParaRPr>
+          </a:p>
+          <a:p>
+            <a:pPr indent="0">
+              <a:buFont typeface="Wingdings" panose="05000000000000000000" charset="0"/>
+              <a:buNone/>
+            </a:pPr>
+            <a:endParaRPr lang="en-US" altLang="zh-CN">
+              <a:solidFill>
+                <a:schemeClr val="bg1"/>
+              </a:solidFill>
+            </a:endParaRPr>
+          </a:p>
+          <a:p>
+            <a:pPr indent="0">
+              <a:buFont typeface="Wingdings" panose="05000000000000000000" charset="0"/>
+              <a:buNone/>
+            </a:pPr>
+            <a:endParaRPr lang="en-US" altLang="zh-CN">
+              <a:solidFill>
+                <a:schemeClr val="bg1"/>
+              </a:solidFill>
+            </a:endParaRPr>
+          </a:p>
+          <a:p>
+            <a:pPr indent="0">
+              <a:buFont typeface="Wingdings" panose="05000000000000000000" charset="0"/>
+              <a:buNone/>
+            </a:pPr>
+            <a:endParaRPr lang="en-US" altLang="zh-CN">
+              <a:solidFill>
+                <a:schemeClr val="bg1"/>
+              </a:solidFill>
+            </a:endParaRPr>
+          </a:p>
+          <a:p>
+            <a:pPr indent="0">
+              <a:buFont typeface="Wingdings" panose="05000000000000000000" charset="0"/>
+              <a:buNone/>
+            </a:pPr>
+            <a:endParaRPr lang="en-US" altLang="zh-CN">
+              <a:solidFill>
+                <a:schemeClr val="bg1"/>
+              </a:solidFill>
+            </a:endParaRPr>
+          </a:p>
+          <a:p>
+            <a:pPr indent="0">
+              <a:buFont typeface="Wingdings" panose="05000000000000000000" charset="0"/>
+              <a:buNone/>
+            </a:pPr>
+            <a:endParaRPr lang="en-US" altLang="zh-CN">
+              <a:solidFill>
+                <a:schemeClr val="bg1"/>
+              </a:solidFill>
+            </a:endParaRPr>
+          </a:p>
+          <a:p>
+            <a:pPr indent="0">
+              <a:buFont typeface="Wingdings" panose="05000000000000000000" charset="0"/>
+              <a:buNone/>
+            </a:pPr>
+            <a:endParaRPr lang="en-US" altLang="zh-CN">
+              <a:solidFill>
+                <a:schemeClr val="bg1"/>
+              </a:solidFill>
+            </a:endParaRPr>
+          </a:p>
+          <a:p>
+            <a:pPr indent="0">
+              <a:buFont typeface="Wingdings" panose="05000000000000000000" charset="0"/>
+              <a:buNone/>
+            </a:pPr>
+            <a:endParaRPr lang="en-US" altLang="zh-CN">
+              <a:solidFill>
+                <a:schemeClr val="bg1"/>
+              </a:solidFill>
+            </a:endParaRPr>
+          </a:p>
+          <a:p>
+            <a:pPr indent="0">
+              <a:buFont typeface="Wingdings" panose="05000000000000000000" charset="0"/>
+              <a:buNone/>
+            </a:pPr>
+            <a:endParaRPr lang="en-US" altLang="zh-CN">
+              <a:solidFill>
+                <a:schemeClr val="bg1"/>
+              </a:solidFill>
+            </a:endParaRPr>
+          </a:p>
+          <a:p>
+            <a:pPr indent="0">
+              <a:buFont typeface="Wingdings" panose="05000000000000000000" charset="0"/>
+              <a:buNone/>
+            </a:pPr>
+            <a:r>
+              <a:rPr lang="en-US" altLang="zh-CN">
+                <a:solidFill>
+                  <a:schemeClr val="bg1"/>
+                </a:solidFill>
+              </a:rPr>
+              <a:t>然而这样有一个缺点，就是不能够精确的表达，输入为数字的时候，输出也应该为数字，输入为字符串的时候，输出也应该为字符串。</a:t>
+            </a:r>
+            <a:endParaRPr lang="en-US" altLang="zh-CN">
+              <a:solidFill>
+                <a:schemeClr val="bg1"/>
+              </a:solidFill>
+            </a:endParaRPr>
+          </a:p>
+          <a:p>
+            <a:pPr indent="0">
+              <a:buFont typeface="Wingdings" panose="05000000000000000000" charset="0"/>
+              <a:buNone/>
+            </a:pPr>
             <a:endParaRPr lang="en-US" altLang="zh-CN">
               <a:solidFill>
                 <a:schemeClr val="bg1"/>
@@ -4670,7 +4760,7 @@
       </p:sp>
       <p:pic>
         <p:nvPicPr>
-          <p:cNvPr id="2" name="图片 1" descr="carbon (6)"/>
+          <p:cNvPr id="3" name="图片 2" descr="carbon (6)"/>
           <p:cNvPicPr>
             <a:picLocks noChangeAspect="1"/>
           </p:cNvPicPr>
@@ -4684,8 +4774,8 @@
         </p:blipFill>
         <p:spPr>
           <a:xfrm>
-            <a:off x="267335" y="1537335"/>
-            <a:ext cx="5209540" cy="2106930"/>
+            <a:off x="290830" y="2658110"/>
+            <a:ext cx="6504305" cy="2230755"/>
           </a:xfrm>
           <a:prstGeom prst="rect">
             <a:avLst/>
@@ -4719,106 +4809,187 @@
       </p:grpSpPr>
       <p:sp>
         <p:nvSpPr>
-          <p:cNvPr id="2" name="object 2"/>
-          <p:cNvSpPr txBox="1">
-            <a:spLocks noGrp="1"/>
-          </p:cNvSpPr>
-          <p:nvPr>
-            <p:ph type="title"/>
-          </p:nvPr>
-        </p:nvSpPr>
-        <p:spPr>
-          <a:xfrm>
-            <a:off x="772160" y="2345690"/>
-            <a:ext cx="452755" cy="2166620"/>
+          <p:cNvPr id="13" name="文本框 12"/>
+          <p:cNvSpPr txBox="1"/>
+          <p:nvPr/>
+        </p:nvSpPr>
+        <p:spPr>
+          <a:xfrm>
+            <a:off x="148590" y="1109980"/>
+            <a:ext cx="8766810" cy="3969385"/>
           </a:xfrm>
           <a:prstGeom prst="rect">
             <a:avLst/>
           </a:prstGeom>
-        </p:spPr>
-        <p:txBody>
-          <a:bodyPr vert="horz" wrap="square" lIns="0" tIns="12700" rIns="0" bIns="0" rtlCol="0">
+          <a:noFill/>
+        </p:spPr>
+        <p:txBody>
+          <a:bodyPr wrap="square" rtlCol="0">
             <a:spAutoFit/>
           </a:bodyPr>
-          <a:lstStyle/>
-          <a:p>
-            <a:pPr marL="12700">
-              <a:lnSpc>
-                <a:spcPct val="100000"/>
-              </a:lnSpc>
-              <a:spcBef>
-                <a:spcPts val="100"/>
-              </a:spcBef>
-            </a:pPr>
-            <a:r>
-              <a:rPr lang="zh-CN" sz="2800" spc="-10" dirty="0">
-                <a:latin typeface="Arial" panose="020B0604020202020204"/>
-                <a:cs typeface="Arial" panose="020B0604020202020204"/>
-              </a:rPr>
-              <a:t>事</a:t>
-            </a:r>
-            <a:br>
-              <a:rPr lang="zh-CN" sz="2800" spc="-10" dirty="0">
-                <a:latin typeface="Arial" panose="020B0604020202020204"/>
-                <a:cs typeface="Arial" panose="020B0604020202020204"/>
-              </a:rPr>
-            </a:br>
-            <a:r>
-              <a:rPr lang="zh-CN" sz="2800" spc="-10" dirty="0">
-                <a:latin typeface="Arial" panose="020B0604020202020204"/>
-                <a:cs typeface="Arial" panose="020B0604020202020204"/>
-              </a:rPr>
-              <a:t>件</a:t>
-            </a:r>
-            <a:br>
-              <a:rPr lang="zh-CN" sz="2800" spc="-10" dirty="0">
-                <a:latin typeface="Arial" panose="020B0604020202020204"/>
-                <a:cs typeface="Arial" panose="020B0604020202020204"/>
-              </a:rPr>
-            </a:br>
-            <a:r>
-              <a:rPr lang="zh-CN" sz="2800" spc="-10" dirty="0">
-                <a:latin typeface="Arial" panose="020B0604020202020204"/>
-                <a:cs typeface="Arial" panose="020B0604020202020204"/>
-              </a:rPr>
-              <a:t>修</a:t>
-            </a:r>
-            <a:br>
-              <a:rPr lang="zh-CN" sz="2800" spc="-10" dirty="0">
-                <a:latin typeface="Arial" panose="020B0604020202020204"/>
-                <a:cs typeface="Arial" panose="020B0604020202020204"/>
-              </a:rPr>
-            </a:br>
-            <a:r>
-              <a:rPr lang="zh-CN" sz="2800" spc="-10" dirty="0">
-                <a:latin typeface="Arial" panose="020B0604020202020204"/>
-                <a:cs typeface="Arial" panose="020B0604020202020204"/>
-              </a:rPr>
-              <a:t>饰</a:t>
-            </a:r>
-            <a:br>
-              <a:rPr lang="zh-CN" sz="2800" spc="-10" dirty="0">
-                <a:latin typeface="Arial" panose="020B0604020202020204"/>
-                <a:cs typeface="Arial" panose="020B0604020202020204"/>
-              </a:rPr>
-            </a:br>
-            <a:r>
-              <a:rPr lang="zh-CN" sz="2800" spc="-10" dirty="0">
-                <a:latin typeface="Arial" panose="020B0604020202020204"/>
-                <a:cs typeface="Arial" panose="020B0604020202020204"/>
-              </a:rPr>
-              <a:t>符</a:t>
-            </a:r>
-            <a:endParaRPr lang="en-US" sz="2800" spc="-10" dirty="0">
-              <a:latin typeface="Arial" panose="020B0604020202020204"/>
-              <a:cs typeface="Arial" panose="020B0604020202020204"/>
+          <a:p>
+            <a:pPr indent="0">
+              <a:buFont typeface="Wingdings" panose="05000000000000000000" charset="0"/>
+              <a:buNone/>
+            </a:pPr>
+            <a:r>
+              <a:rPr>
+                <a:solidFill>
+                  <a:schemeClr val="bg1"/>
+                </a:solidFill>
+                <a:sym typeface="+mn-ea"/>
+              </a:rPr>
+              <a:t>这时，我们可以使用重载定义多个 reverse 的函数类型：</a:t>
+            </a:r>
+            <a:endParaRPr>
+              <a:solidFill>
+                <a:schemeClr val="bg1"/>
+              </a:solidFill>
+              <a:sym typeface="+mn-ea"/>
+            </a:endParaRPr>
+          </a:p>
+          <a:p>
+            <a:pPr indent="0">
+              <a:buFont typeface="Wingdings" panose="05000000000000000000" charset="0"/>
+              <a:buNone/>
+            </a:pPr>
+            <a:endParaRPr lang="en-US" altLang="zh-CN">
+              <a:solidFill>
+                <a:schemeClr val="bg1"/>
+              </a:solidFill>
+            </a:endParaRPr>
+          </a:p>
+          <a:p>
+            <a:pPr indent="0">
+              <a:buFont typeface="Wingdings" panose="05000000000000000000" charset="0"/>
+              <a:buNone/>
+            </a:pPr>
+            <a:endParaRPr lang="en-US" altLang="zh-CN">
+              <a:solidFill>
+                <a:schemeClr val="bg1"/>
+              </a:solidFill>
+            </a:endParaRPr>
+          </a:p>
+          <a:p>
+            <a:pPr indent="0">
+              <a:buFont typeface="Wingdings" panose="05000000000000000000" charset="0"/>
+              <a:buNone/>
+            </a:pPr>
+            <a:endParaRPr lang="en-US" altLang="zh-CN">
+              <a:solidFill>
+                <a:schemeClr val="bg1"/>
+              </a:solidFill>
+            </a:endParaRPr>
+          </a:p>
+          <a:p>
+            <a:pPr indent="0">
+              <a:buFont typeface="Wingdings" panose="05000000000000000000" charset="0"/>
+              <a:buNone/>
+            </a:pPr>
+            <a:endParaRPr lang="en-US" altLang="zh-CN">
+              <a:solidFill>
+                <a:schemeClr val="bg1"/>
+              </a:solidFill>
+            </a:endParaRPr>
+          </a:p>
+          <a:p>
+            <a:pPr indent="0">
+              <a:buFont typeface="Wingdings" panose="05000000000000000000" charset="0"/>
+              <a:buNone/>
+            </a:pPr>
+            <a:endParaRPr lang="en-US" altLang="zh-CN">
+              <a:solidFill>
+                <a:schemeClr val="bg1"/>
+              </a:solidFill>
+            </a:endParaRPr>
+          </a:p>
+          <a:p>
+            <a:pPr indent="0">
+              <a:buFont typeface="Wingdings" panose="05000000000000000000" charset="0"/>
+              <a:buNone/>
+            </a:pPr>
+            <a:endParaRPr lang="en-US" altLang="zh-CN">
+              <a:solidFill>
+                <a:schemeClr val="bg1"/>
+              </a:solidFill>
+            </a:endParaRPr>
+          </a:p>
+          <a:p>
+            <a:pPr indent="0">
+              <a:buFont typeface="Wingdings" panose="05000000000000000000" charset="0"/>
+              <a:buNone/>
+            </a:pPr>
+            <a:endParaRPr lang="en-US" altLang="zh-CN">
+              <a:solidFill>
+                <a:schemeClr val="bg1"/>
+              </a:solidFill>
+            </a:endParaRPr>
+          </a:p>
+          <a:p>
+            <a:pPr indent="0">
+              <a:buFont typeface="Wingdings" panose="05000000000000000000" charset="0"/>
+              <a:buNone/>
+            </a:pPr>
+            <a:endParaRPr lang="en-US" altLang="zh-CN">
+              <a:solidFill>
+                <a:schemeClr val="bg1"/>
+              </a:solidFill>
+            </a:endParaRPr>
+          </a:p>
+          <a:p>
+            <a:pPr indent="0">
+              <a:buFont typeface="Wingdings" panose="05000000000000000000" charset="0"/>
+              <a:buNone/>
+            </a:pPr>
+            <a:endParaRPr lang="en-US" altLang="zh-CN">
+              <a:solidFill>
+                <a:schemeClr val="bg1"/>
+              </a:solidFill>
+            </a:endParaRPr>
+          </a:p>
+          <a:p>
+            <a:pPr indent="0">
+              <a:buFont typeface="Wingdings" panose="05000000000000000000" charset="0"/>
+              <a:buNone/>
+            </a:pPr>
+            <a:r>
+              <a:rPr lang="en-US" altLang="zh-CN">
+                <a:solidFill>
+                  <a:schemeClr val="bg1"/>
+                </a:solidFill>
+              </a:rPr>
+              <a:t>上例中，我们重复定义了多次函数 reverse，前几次都是函数定义，最后一次是函数实现。</a:t>
+            </a:r>
+            <a:endParaRPr lang="en-US" altLang="zh-CN">
+              <a:solidFill>
+                <a:schemeClr val="bg1"/>
+              </a:solidFill>
+            </a:endParaRPr>
+          </a:p>
+          <a:p>
+            <a:pPr indent="0">
+              <a:buFont typeface="Wingdings" panose="05000000000000000000" charset="0"/>
+              <a:buNone/>
+            </a:pPr>
+            <a:r>
+              <a:rPr lang="en-US" altLang="zh-CN">
+                <a:solidFill>
+                  <a:schemeClr val="bg1"/>
+                </a:solidFill>
+              </a:rPr>
+              <a:t>注意，TypeScript 会优先从最前面的函数定义开始匹配，所以多个函数定义如果有包含关系，需要优先把精确的定义写在前面。</a:t>
+            </a:r>
+            <a:endParaRPr lang="en-US" altLang="zh-CN">
+              <a:solidFill>
+                <a:schemeClr val="bg1"/>
+              </a:solidFill>
             </a:endParaRPr>
           </a:p>
         </p:txBody>
       </p:sp>
       <p:pic>
         <p:nvPicPr>
-          <p:cNvPr id="6" name="图片 5"/>
+          <p:cNvPr id="2" name="图片 1" descr="carbon (6)"/>
           <p:cNvPicPr>
             <a:picLocks noChangeAspect="1"/>
           </p:cNvPicPr>
@@ -4832,8 +5003,8 @@
         </p:blipFill>
         <p:spPr>
           <a:xfrm>
-            <a:off x="2125345" y="142875"/>
-            <a:ext cx="6209665" cy="6571615"/>
+            <a:off x="267335" y="1537335"/>
+            <a:ext cx="5209540" cy="2106930"/>
           </a:xfrm>
           <a:prstGeom prst="rect">
             <a:avLst/>
@@ -4877,7 +5048,7 @@
         </p:nvSpPr>
         <p:spPr>
           <a:xfrm>
-            <a:off x="875030" y="2345690"/>
+            <a:off x="772160" y="2345690"/>
             <a:ext cx="452755" cy="2166620"/>
           </a:xfrm>
           <a:prstGeom prst="rect">
@@ -4903,7 +5074,7 @@
                 <a:latin typeface="Arial" panose="020B0604020202020204"/>
                 <a:cs typeface="Arial" panose="020B0604020202020204"/>
               </a:rPr>
-              <a:t>键值</a:t>
+              <a:t>事</a:t>
             </a:r>
             <a:br>
               <a:rPr lang="zh-CN" sz="2800" spc="-10" dirty="0">
@@ -4916,9 +5087,48 @@
                 <a:latin typeface="Arial" panose="020B0604020202020204"/>
                 <a:cs typeface="Arial" panose="020B0604020202020204"/>
               </a:rPr>
-              <a:t>修饰符</a:t>
-            </a:r>
-            <a:endParaRPr lang="zh-CN" sz="2800" spc="-10" dirty="0">
+              <a:t>件</a:t>
+            </a:r>
+            <a:br>
+              <a:rPr lang="zh-CN" sz="2800" spc="-10" dirty="0">
+                <a:latin typeface="Arial" panose="020B0604020202020204"/>
+                <a:cs typeface="Arial" panose="020B0604020202020204"/>
+              </a:rPr>
+            </a:br>
+            <a:r>
+              <a:rPr lang="zh-CN" sz="2800" spc="-10" dirty="0">
+                <a:latin typeface="Arial" panose="020B0604020202020204"/>
+                <a:cs typeface="Arial" panose="020B0604020202020204"/>
+              </a:rPr>
+              <a:t>修</a:t>
+            </a:r>
+            <a:br>
+              <a:rPr lang="zh-CN" sz="2800" spc="-10" dirty="0">
+                <a:latin typeface="Arial" panose="020B0604020202020204"/>
+                <a:cs typeface="Arial" panose="020B0604020202020204"/>
+              </a:rPr>
+            </a:br>
+            <a:r>
+              <a:rPr lang="zh-CN" sz="2800" spc="-10" dirty="0">
+                <a:latin typeface="Arial" panose="020B0604020202020204"/>
+                <a:cs typeface="Arial" panose="020B0604020202020204"/>
+              </a:rPr>
+              <a:t>饰</a:t>
+            </a:r>
+            <a:br>
+              <a:rPr lang="zh-CN" sz="2800" spc="-10" dirty="0">
+                <a:latin typeface="Arial" panose="020B0604020202020204"/>
+                <a:cs typeface="Arial" panose="020B0604020202020204"/>
+              </a:rPr>
+            </a:br>
+            <a:r>
+              <a:rPr lang="zh-CN" sz="2800" spc="-10" dirty="0">
+                <a:latin typeface="Arial" panose="020B0604020202020204"/>
+                <a:cs typeface="Arial" panose="020B0604020202020204"/>
+              </a:rPr>
+              <a:t>符</a:t>
+            </a:r>
+            <a:endParaRPr lang="en-US" sz="2800" spc="-10" dirty="0">
               <a:latin typeface="Arial" panose="020B0604020202020204"/>
               <a:cs typeface="Arial" panose="020B0604020202020204"/>
             </a:endParaRPr>
@@ -4927,7 +5137,7 @@
       </p:sp>
       <p:pic>
         <p:nvPicPr>
-          <p:cNvPr id="4" name="图片 3"/>
+          <p:cNvPr id="6" name="图片 5"/>
           <p:cNvPicPr>
             <a:picLocks noChangeAspect="1"/>
           </p:cNvPicPr>
@@ -4941,8 +5151,8 @@
         </p:blipFill>
         <p:spPr>
           <a:xfrm>
-            <a:off x="2098675" y="438150"/>
-            <a:ext cx="6600190" cy="5981065"/>
+            <a:off x="2125345" y="142875"/>
+            <a:ext cx="6209665" cy="6571615"/>
           </a:xfrm>
           <a:prstGeom prst="rect">
             <a:avLst/>
@@ -5141,13 +5351,17 @@
       <p:sp>
         <p:nvSpPr>
           <p:cNvPr id="2" name="object 2"/>
-          <p:cNvSpPr txBox="1"/>
-          <p:nvPr/>
-        </p:nvSpPr>
-        <p:spPr>
-          <a:xfrm>
-            <a:off x="1769745" y="2623820"/>
-            <a:ext cx="5603875" cy="1610360"/>
+          <p:cNvSpPr txBox="1">
+            <a:spLocks noGrp="1"/>
+          </p:cNvSpPr>
+          <p:nvPr>
+            <p:ph type="title"/>
+          </p:nvPr>
+        </p:nvSpPr>
+        <p:spPr>
+          <a:xfrm>
+            <a:off x="875030" y="2345690"/>
+            <a:ext cx="452755" cy="2166620"/>
           </a:xfrm>
           <a:prstGeom prst="rect">
             <a:avLst/>
@@ -5159,55 +5373,65 @@
           </a:bodyPr>
           <a:lstStyle/>
           <a:p>
-            <a:pPr marL="1905" algn="ctr">
+            <a:pPr marL="12700">
               <a:lnSpc>
-                <a:spcPts val="6230"/>
+                <a:spcPct val="100000"/>
               </a:lnSpc>
               <a:spcBef>
                 <a:spcPts val="100"/>
               </a:spcBef>
             </a:pPr>
             <a:r>
-              <a:rPr lang="zh-CN" sz="5200" spc="-5" dirty="0">
-                <a:solidFill>
-                  <a:srgbClr val="FFFFFF"/>
-                </a:solidFill>
-                <a:latin typeface="宋体" panose="02010600030101010101" pitchFamily="2" charset="-122"/>
-                <a:cs typeface="宋体" panose="02010600030101010101" pitchFamily="2" charset="-122"/>
-              </a:rPr>
-              <a:t>计算属性</a:t>
-            </a:r>
-            <a:endParaRPr lang="zh-CN" sz="5200">
-              <a:latin typeface="MS PGothic" panose="020B0600070205080204" charset="-128"/>
-              <a:cs typeface="MS PGothic" panose="020B0600070205080204" charset="-128"/>
-            </a:endParaRPr>
-          </a:p>
-          <a:p>
-            <a:pPr algn="ctr">
-              <a:lnSpc>
-                <a:spcPts val="6230"/>
-              </a:lnSpc>
-            </a:pPr>
-            <a:r>
-              <a:rPr sz="5200" spc="-10" dirty="0">
-                <a:solidFill>
-                  <a:srgbClr val="FFFFFF"/>
-                </a:solidFill>
+              <a:rPr lang="zh-CN" sz="2800" spc="-10" dirty="0">
                 <a:latin typeface="Arial" panose="020B0604020202020204"/>
                 <a:cs typeface="Arial" panose="020B0604020202020204"/>
               </a:rPr>
-              <a:t>computed </a:t>
-            </a:r>
-            <a:endParaRPr lang="en-US" sz="5200" spc="-10" dirty="0">
-              <a:solidFill>
-                <a:srgbClr val="FFFFFF"/>
-              </a:solidFill>
+              <a:t>键值</a:t>
+            </a:r>
+            <a:br>
+              <a:rPr lang="zh-CN" sz="2800" spc="-10" dirty="0">
+                <a:latin typeface="Arial" panose="020B0604020202020204"/>
+                <a:cs typeface="Arial" panose="020B0604020202020204"/>
+              </a:rPr>
+            </a:br>
+            <a:r>
+              <a:rPr lang="zh-CN" sz="2800" spc="-10" dirty="0">
+                <a:latin typeface="Arial" panose="020B0604020202020204"/>
+                <a:cs typeface="Arial" panose="020B0604020202020204"/>
+              </a:rPr>
+              <a:t>修饰符</a:t>
+            </a:r>
+            <a:endParaRPr lang="zh-CN" sz="2800" spc="-10" dirty="0">
               <a:latin typeface="Arial" panose="020B0604020202020204"/>
               <a:cs typeface="Arial" panose="020B0604020202020204"/>
             </a:endParaRPr>
           </a:p>
         </p:txBody>
       </p:sp>
+      <p:pic>
+        <p:nvPicPr>
+          <p:cNvPr id="4" name="图片 3"/>
+          <p:cNvPicPr>
+            <a:picLocks noChangeAspect="1"/>
+          </p:cNvPicPr>
+          <p:nvPr/>
+        </p:nvPicPr>
+        <p:blipFill>
+          <a:blip r:embed="rId1"/>
+          <a:stretch>
+            <a:fillRect/>
+          </a:stretch>
+        </p:blipFill>
+        <p:spPr>
+          <a:xfrm>
+            <a:off x="2098675" y="438150"/>
+            <a:ext cx="6600190" cy="5981065"/>
+          </a:xfrm>
+          <a:prstGeom prst="rect">
+            <a:avLst/>
+          </a:prstGeom>
+        </p:spPr>
+      </p:pic>
     </p:spTree>
   </p:cSld>
   <p:clrMapOvr>
@@ -5236,6 +5460,101 @@
       <p:sp>
         <p:nvSpPr>
           <p:cNvPr id="2" name="object 2"/>
+          <p:cNvSpPr txBox="1"/>
+          <p:nvPr/>
+        </p:nvSpPr>
+        <p:spPr>
+          <a:xfrm>
+            <a:off x="1769745" y="2623820"/>
+            <a:ext cx="5603875" cy="1610360"/>
+          </a:xfrm>
+          <a:prstGeom prst="rect">
+            <a:avLst/>
+          </a:prstGeom>
+        </p:spPr>
+        <p:txBody>
+          <a:bodyPr vert="horz" wrap="square" lIns="0" tIns="12700" rIns="0" bIns="0" rtlCol="0">
+            <a:spAutoFit/>
+          </a:bodyPr>
+          <a:lstStyle/>
+          <a:p>
+            <a:pPr marL="1905" algn="ctr">
+              <a:lnSpc>
+                <a:spcPts val="6230"/>
+              </a:lnSpc>
+              <a:spcBef>
+                <a:spcPts val="100"/>
+              </a:spcBef>
+            </a:pPr>
+            <a:r>
+              <a:rPr lang="zh-CN" sz="5200" spc="-5" dirty="0">
+                <a:solidFill>
+                  <a:srgbClr val="FFFFFF"/>
+                </a:solidFill>
+                <a:latin typeface="宋体" panose="02010600030101010101" pitchFamily="2" charset="-122"/>
+                <a:cs typeface="宋体" panose="02010600030101010101" pitchFamily="2" charset="-122"/>
+              </a:rPr>
+              <a:t>计算属性</a:t>
+            </a:r>
+            <a:endParaRPr lang="zh-CN" sz="5200">
+              <a:latin typeface="MS PGothic" panose="020B0600070205080204" charset="-128"/>
+              <a:cs typeface="MS PGothic" panose="020B0600070205080204" charset="-128"/>
+            </a:endParaRPr>
+          </a:p>
+          <a:p>
+            <a:pPr algn="ctr">
+              <a:lnSpc>
+                <a:spcPts val="6230"/>
+              </a:lnSpc>
+            </a:pPr>
+            <a:r>
+              <a:rPr sz="5200" spc="-10" dirty="0">
+                <a:solidFill>
+                  <a:srgbClr val="FFFFFF"/>
+                </a:solidFill>
+                <a:latin typeface="Arial" panose="020B0604020202020204"/>
+                <a:cs typeface="Arial" panose="020B0604020202020204"/>
+              </a:rPr>
+              <a:t>computed </a:t>
+            </a:r>
+            <a:endParaRPr lang="en-US" sz="5200" spc="-10" dirty="0">
+              <a:solidFill>
+                <a:srgbClr val="FFFFFF"/>
+              </a:solidFill>
+              <a:latin typeface="Arial" panose="020B0604020202020204"/>
+              <a:cs typeface="Arial" panose="020B0604020202020204"/>
+            </a:endParaRPr>
+          </a:p>
+        </p:txBody>
+      </p:sp>
+    </p:spTree>
+  </p:cSld>
+  <p:clrMapOvr>
+    <a:masterClrMapping/>
+  </p:clrMapOvr>
+</p:sld>
+</file>
+
+<file path=ppt/slides/slide22.xml><?xml version="1.0" encoding="utf-8"?>
+<p:sld xmlns:a="http://schemas.openxmlformats.org/drawingml/2006/main" xmlns:r="http://schemas.openxmlformats.org/officeDocument/2006/relationships" xmlns:p="http://schemas.openxmlformats.org/presentationml/2006/main">
+  <p:cSld>
+    <p:spTree>
+      <p:nvGrpSpPr>
+        <p:cNvPr id="1" name=""/>
+        <p:cNvGrpSpPr/>
+        <p:nvPr/>
+      </p:nvGrpSpPr>
+      <p:grpSpPr>
+        <a:xfrm>
+          <a:off x="0" y="0"/>
+          <a:ext cx="0" cy="0"/>
+          <a:chOff x="0" y="0"/>
+          <a:chExt cx="0" cy="0"/>
+        </a:xfrm>
+      </p:grpSpPr>
+      <p:sp>
+        <p:nvSpPr>
+          <p:cNvPr id="2" name="object 2"/>
           <p:cNvSpPr txBox="1">
             <a:spLocks noGrp="1"/>
           </p:cNvSpPr>
@@ -5355,7 +5674,7 @@
 </p:sld>
 </file>
 
-<file path=ppt/slides/slide22.xml><?xml version="1.0" encoding="utf-8"?>
+<file path=ppt/slides/slide23.xml><?xml version="1.0" encoding="utf-8"?>
 <p:sld xmlns:a="http://schemas.openxmlformats.org/drawingml/2006/main" xmlns:r="http://schemas.openxmlformats.org/officeDocument/2006/relationships" xmlns:p="http://schemas.openxmlformats.org/presentationml/2006/main">
   <p:cSld>
     <p:spTree>
@@ -5404,104 +5723,6 @@
 </p:sld>
 </file>
 
-<file path=ppt/slides/slide23.xml><?xml version="1.0" encoding="utf-8"?>
-<p:sld xmlns:a="http://schemas.openxmlformats.org/drawingml/2006/main" xmlns:r="http://schemas.openxmlformats.org/officeDocument/2006/relationships" xmlns:p="http://schemas.openxmlformats.org/presentationml/2006/main">
-  <p:cSld>
-    <p:spTree>
-      <p:nvGrpSpPr>
-        <p:cNvPr id="1" name=""/>
-        <p:cNvGrpSpPr/>
-        <p:nvPr/>
-      </p:nvGrpSpPr>
-      <p:grpSpPr>
-        <a:xfrm>
-          <a:off x="0" y="0"/>
-          <a:ext cx="0" cy="0"/>
-          <a:chOff x="0" y="0"/>
-          <a:chExt cx="0" cy="0"/>
-        </a:xfrm>
-      </p:grpSpPr>
-      <p:sp>
-        <p:nvSpPr>
-          <p:cNvPr id="2" name="object 2"/>
-          <p:cNvSpPr txBox="1"/>
-          <p:nvPr/>
-        </p:nvSpPr>
-        <p:spPr>
-          <a:xfrm>
-            <a:off x="1769745" y="2623820"/>
-            <a:ext cx="5603875" cy="1610360"/>
-          </a:xfrm>
-          <a:prstGeom prst="rect">
-            <a:avLst/>
-          </a:prstGeom>
-        </p:spPr>
-        <p:txBody>
-          <a:bodyPr vert="horz" wrap="square" lIns="0" tIns="12700" rIns="0" bIns="0" rtlCol="0">
-            <a:spAutoFit/>
-          </a:bodyPr>
-          <a:lstStyle/>
-          <a:p>
-            <a:pPr marL="1905" algn="ctr">
-              <a:lnSpc>
-                <a:spcPts val="6230"/>
-              </a:lnSpc>
-              <a:spcBef>
-                <a:spcPts val="100"/>
-              </a:spcBef>
-            </a:pPr>
-            <a:r>
-              <a:rPr lang="zh-CN" altLang="zh-CN" sz="5200" spc="-5" dirty="0">
-                <a:solidFill>
-                  <a:srgbClr val="FFFFFF"/>
-                </a:solidFill>
-                <a:latin typeface="宋体" panose="02010600030101010101" pitchFamily="2" charset="-122"/>
-                <a:cs typeface="宋体" panose="02010600030101010101" pitchFamily="2" charset="-122"/>
-              </a:rPr>
-              <a:t>组件</a:t>
-            </a:r>
-            <a:endParaRPr lang="zh-CN" altLang="zh-CN" sz="5200" spc="-5" dirty="0">
-              <a:solidFill>
-                <a:srgbClr val="FFFFFF"/>
-              </a:solidFill>
-              <a:latin typeface="宋体" panose="02010600030101010101" pitchFamily="2" charset="-122"/>
-              <a:cs typeface="宋体" panose="02010600030101010101" pitchFamily="2" charset="-122"/>
-            </a:endParaRPr>
-          </a:p>
-          <a:p>
-            <a:pPr algn="ctr">
-              <a:lnSpc>
-                <a:spcPts val="6230"/>
-              </a:lnSpc>
-            </a:pPr>
-            <a:r>
-              <a:rPr sz="5200" spc="-10" dirty="0">
-                <a:solidFill>
-                  <a:srgbClr val="FFFFFF"/>
-                </a:solidFill>
-                <a:latin typeface="Arial" panose="020B0604020202020204"/>
-                <a:cs typeface="Arial" panose="020B0604020202020204"/>
-              </a:rPr>
-              <a:t>component</a:t>
-            </a:r>
-            <a:endParaRPr sz="5200" spc="-10" dirty="0">
-              <a:solidFill>
-                <a:srgbClr val="FFFFFF"/>
-              </a:solidFill>
-              <a:latin typeface="Arial" panose="020B0604020202020204"/>
-              <a:cs typeface="Arial" panose="020B0604020202020204"/>
-            </a:endParaRPr>
-          </a:p>
-        </p:txBody>
-      </p:sp>
-    </p:spTree>
-  </p:cSld>
-  <p:clrMapOvr>
-    <a:masterClrMapping/>
-  </p:clrMapOvr>
-</p:sld>
-</file>
-
 <file path=ppt/slides/slide24.xml><?xml version="1.0" encoding="utf-8"?>
 <p:sld xmlns:a="http://schemas.openxmlformats.org/drawingml/2006/main" xmlns:r="http://schemas.openxmlformats.org/officeDocument/2006/relationships" xmlns:p="http://schemas.openxmlformats.org/presentationml/2006/main">
   <p:cSld>
@@ -5522,17 +5743,13 @@
       <p:sp>
         <p:nvSpPr>
           <p:cNvPr id="2" name="object 2"/>
-          <p:cNvSpPr txBox="1">
-            <a:spLocks noGrp="1"/>
-          </p:cNvSpPr>
-          <p:nvPr>
-            <p:ph type="title"/>
-          </p:nvPr>
-        </p:nvSpPr>
-        <p:spPr>
-          <a:xfrm>
-            <a:off x="384810" y="652145"/>
-            <a:ext cx="2506345" cy="443230"/>
+          <p:cNvSpPr txBox="1"/>
+          <p:nvPr/>
+        </p:nvSpPr>
+        <p:spPr>
+          <a:xfrm>
+            <a:off x="1769745" y="2623820"/>
+            <a:ext cx="5603875" cy="1610360"/>
           </a:xfrm>
           <a:prstGeom prst="rect">
             <a:avLst/>
@@ -5544,116 +5761,58 @@
           </a:bodyPr>
           <a:lstStyle/>
           <a:p>
-            <a:pPr marL="12700">
+            <a:pPr marL="1905" algn="ctr">
               <a:lnSpc>
-                <a:spcPct val="100000"/>
+                <a:spcPts val="6230"/>
               </a:lnSpc>
               <a:spcBef>
                 <a:spcPts val="100"/>
               </a:spcBef>
             </a:pPr>
             <a:r>
-              <a:rPr lang="zh-CN" sz="2800" spc="-10" dirty="0">
+              <a:rPr lang="zh-CN" altLang="zh-CN" sz="5200" spc="-5" dirty="0">
+                <a:solidFill>
+                  <a:srgbClr val="FFFFFF"/>
+                </a:solidFill>
+                <a:latin typeface="宋体" panose="02010600030101010101" pitchFamily="2" charset="-122"/>
+                <a:cs typeface="宋体" panose="02010600030101010101" pitchFamily="2" charset="-122"/>
+              </a:rPr>
+              <a:t>组件</a:t>
+            </a:r>
+            <a:endParaRPr lang="zh-CN" altLang="zh-CN" sz="5200" spc="-5" dirty="0">
+              <a:solidFill>
+                <a:srgbClr val="FFFFFF"/>
+              </a:solidFill>
+              <a:latin typeface="宋体" panose="02010600030101010101" pitchFamily="2" charset="-122"/>
+              <a:cs typeface="宋体" panose="02010600030101010101" pitchFamily="2" charset="-122"/>
+            </a:endParaRPr>
+          </a:p>
+          <a:p>
+            <a:pPr algn="ctr">
+              <a:lnSpc>
+                <a:spcPts val="6230"/>
+              </a:lnSpc>
+            </a:pPr>
+            <a:r>
+              <a:rPr sz="5200" spc="-10" dirty="0">
+                <a:solidFill>
+                  <a:srgbClr val="FFFFFF"/>
+                </a:solidFill>
                 <a:latin typeface="Arial" panose="020B0604020202020204"/>
                 <a:cs typeface="Arial" panose="020B0604020202020204"/>
               </a:rPr>
-              <a:t>组件化应用构建</a:t>
-            </a:r>
-            <a:endParaRPr lang="zh-CN" sz="2800" spc="-10" dirty="0">
+              <a:t>component</a:t>
+            </a:r>
+            <a:endParaRPr sz="5200" spc="-10" dirty="0">
+              <a:solidFill>
+                <a:srgbClr val="FFFFFF"/>
+              </a:solidFill>
               <a:latin typeface="Arial" panose="020B0604020202020204"/>
               <a:cs typeface="Arial" panose="020B0604020202020204"/>
             </a:endParaRPr>
           </a:p>
         </p:txBody>
       </p:sp>
-      <p:sp>
-        <p:nvSpPr>
-          <p:cNvPr id="3" name="object 3"/>
-          <p:cNvSpPr txBox="1"/>
-          <p:nvPr/>
-        </p:nvSpPr>
-        <p:spPr>
-          <a:xfrm>
-            <a:off x="384773" y="1419025"/>
-            <a:ext cx="6059170" cy="2045970"/>
-          </a:xfrm>
-          <a:prstGeom prst="rect">
-            <a:avLst/>
-          </a:prstGeom>
-        </p:spPr>
-        <p:txBody>
-          <a:bodyPr vert="horz" wrap="square" lIns="0" tIns="199390" rIns="0" bIns="0" rtlCol="0">
-            <a:spAutoFit/>
-          </a:bodyPr>
-          <a:lstStyle/>
-          <a:p>
-            <a:pPr marL="424815" indent="-412115">
-              <a:lnSpc>
-                <a:spcPct val="100000"/>
-              </a:lnSpc>
-              <a:spcBef>
-                <a:spcPts val="1570"/>
-              </a:spcBef>
-              <a:buClr>
-                <a:srgbClr val="FFFFFF"/>
-              </a:buClr>
-              <a:buChar char="●"/>
-              <a:tabLst>
-                <a:tab pos="424815" algn="l"/>
-                <a:tab pos="425450" algn="l"/>
-              </a:tabLst>
-            </a:pPr>
-            <a:r>
-              <a:rPr lang="zh-CN" sz="2400" spc="-15" dirty="0">
-                <a:solidFill>
-                  <a:srgbClr val="FFFFFF"/>
-                </a:solidFill>
-                <a:latin typeface="Arial" panose="020B0604020202020204"/>
-                <a:cs typeface="Arial" panose="020B0604020202020204"/>
-              </a:rPr>
-              <a:t>组件系统是 Vue 的另一个重要概念，因为它是一种抽象，允许我们使用小型、独立和通常可复用的组件构建大型应用。仔细想想，几乎任意类型的应用界面都可以抽象为一个组件树</a:t>
-            </a:r>
-            <a:r>
-              <a:rPr lang="zh-CN" sz="2400" spc="-10" dirty="0">
-                <a:solidFill>
-                  <a:srgbClr val="FFFFFF"/>
-                </a:solidFill>
-                <a:latin typeface="Arial" panose="020B0604020202020204"/>
-                <a:cs typeface="Arial" panose="020B0604020202020204"/>
-              </a:rPr>
-              <a:t>可组合的视图组件</a:t>
-            </a:r>
-            <a:endParaRPr lang="zh-CN" sz="2400">
-              <a:latin typeface="宋体" panose="02010600030101010101" pitchFamily="2" charset="-122"/>
-              <a:cs typeface="宋体" panose="02010600030101010101" pitchFamily="2" charset="-122"/>
-            </a:endParaRPr>
-          </a:p>
-        </p:txBody>
-      </p:sp>
-      <p:pic>
-        <p:nvPicPr>
-          <p:cNvPr id="4" name="图片 3"/>
-          <p:cNvPicPr>
-            <a:picLocks noChangeAspect="1"/>
-          </p:cNvPicPr>
-          <p:nvPr/>
-        </p:nvPicPr>
-        <p:blipFill>
-          <a:blip r:embed="rId1"/>
-          <a:stretch>
-            <a:fillRect/>
-          </a:stretch>
-        </p:blipFill>
-        <p:spPr>
-          <a:xfrm>
-            <a:off x="848995" y="3792220"/>
-            <a:ext cx="6998970" cy="2772410"/>
-          </a:xfrm>
-          <a:prstGeom prst="rect">
-            <a:avLst/>
-          </a:prstGeom>
-        </p:spPr>
-      </p:pic>
     </p:spTree>
   </p:cSld>
   <p:clrMapOvr>
@@ -5692,7 +5851,7 @@
         <p:spPr>
           <a:xfrm>
             <a:off x="384810" y="652145"/>
-            <a:ext cx="4337685" cy="443230"/>
+            <a:ext cx="2506345" cy="443230"/>
           </a:xfrm>
           <a:prstGeom prst="rect">
             <a:avLst/>
@@ -5713,18 +5872,11 @@
               </a:spcBef>
             </a:pPr>
             <a:r>
-              <a:rPr lang="en-US" sz="2800" spc="-10" dirty="0">
-                <a:latin typeface="Arial" panose="020B0604020202020204"/>
-                <a:cs typeface="Arial" panose="020B0604020202020204"/>
-              </a:rPr>
-              <a:t>Vuex</a:t>
-            </a:r>
-            <a:r>
               <a:rPr lang="zh-CN" sz="2800" spc="-10" dirty="0">
                 <a:latin typeface="Arial" panose="020B0604020202020204"/>
                 <a:cs typeface="Arial" panose="020B0604020202020204"/>
               </a:rPr>
-              <a:t>是什么？</a:t>
+              <a:t>组件化应用构建</a:t>
             </a:r>
             <a:endParaRPr lang="zh-CN" sz="2800" spc="-10" dirty="0">
               <a:latin typeface="Arial" panose="020B0604020202020204"/>
@@ -5741,8 +5893,8 @@
         </p:nvSpPr>
         <p:spPr>
           <a:xfrm>
-            <a:off x="384810" y="1419225"/>
-            <a:ext cx="8409305" cy="1306830"/>
+            <a:off x="384773" y="1419025"/>
+            <a:ext cx="6059170" cy="2045970"/>
           </a:xfrm>
           <a:prstGeom prst="rect">
             <a:avLst/>
@@ -5771,25 +5923,56 @@
               </a:tabLst>
             </a:pPr>
             <a:r>
-              <a:rPr lang="zh-CN" sz="2400" dirty="0">
+              <a:rPr lang="zh-CN" sz="2400" spc="-15" dirty="0">
                 <a:solidFill>
                   <a:srgbClr val="FFFFFF"/>
                 </a:solidFill>
                 <a:latin typeface="Arial" panose="020B0604020202020204"/>
                 <a:cs typeface="Arial" panose="020B0604020202020204"/>
               </a:rPr>
-              <a:t>Vuex 是一个专为 Vue.js 应用程序开发的状态管理模式。它采用集中式存储管理应用的所有组件的状态，并以相应的规则保证状态以一种可预测的方式发生变化。</a:t>
-            </a:r>
-            <a:endParaRPr lang="zh-CN" sz="2400" dirty="0">
-              <a:solidFill>
-                <a:srgbClr val="FFFFFF"/>
-              </a:solidFill>
-              <a:latin typeface="Arial" panose="020B0604020202020204"/>
-              <a:cs typeface="Arial" panose="020B0604020202020204"/>
-            </a:endParaRPr>
-          </a:p>
-        </p:txBody>
-      </p:sp>
+              <a:t>组件系统是 Vue 的另一个重要概念，因为它是一种抽象，允许我们使用小型、独立和通常可复用的组件构建大型应用。仔细想想，几乎任意类型的应用界面都可以抽象为一个组件树</a:t>
+            </a:r>
+            <a:r>
+              <a:rPr lang="zh-CN" sz="2400" spc="-10" dirty="0">
+                <a:solidFill>
+                  <a:srgbClr val="FFFFFF"/>
+                </a:solidFill>
+                <a:latin typeface="Arial" panose="020B0604020202020204"/>
+                <a:cs typeface="Arial" panose="020B0604020202020204"/>
+              </a:rPr>
+              <a:t>可组合的视图组件</a:t>
+            </a:r>
+            <a:endParaRPr lang="zh-CN" sz="2400">
+              <a:latin typeface="宋体" panose="02010600030101010101" pitchFamily="2" charset="-122"/>
+              <a:cs typeface="宋体" panose="02010600030101010101" pitchFamily="2" charset="-122"/>
+            </a:endParaRPr>
+          </a:p>
+        </p:txBody>
+      </p:sp>
+      <p:pic>
+        <p:nvPicPr>
+          <p:cNvPr id="4" name="图片 3"/>
+          <p:cNvPicPr>
+            <a:picLocks noChangeAspect="1"/>
+          </p:cNvPicPr>
+          <p:nvPr/>
+        </p:nvPicPr>
+        <p:blipFill>
+          <a:blip r:embed="rId1"/>
+          <a:stretch>
+            <a:fillRect/>
+          </a:stretch>
+        </p:blipFill>
+        <p:spPr>
+          <a:xfrm>
+            <a:off x="848995" y="3792220"/>
+            <a:ext cx="6998970" cy="2772410"/>
+          </a:xfrm>
+          <a:prstGeom prst="rect">
+            <a:avLst/>
+          </a:prstGeom>
+        </p:spPr>
+      </p:pic>
     </p:spTree>
   </p:cSld>
   <p:clrMapOvr>
@@ -5827,8 +6010,8 @@
         </p:nvSpPr>
         <p:spPr>
           <a:xfrm>
-            <a:off x="785495" y="3145790"/>
-            <a:ext cx="7572375" cy="566420"/>
+            <a:off x="384810" y="652145"/>
+            <a:ext cx="4337685" cy="443230"/>
           </a:xfrm>
           <a:prstGeom prst="rect">
             <a:avLst/>
@@ -5849,38 +6032,80 @@
               </a:spcBef>
             </a:pPr>
             <a:r>
-              <a:rPr sz="3600" spc="-5" dirty="0">
-                <a:solidFill>
-                  <a:srgbClr val="EFEFEF"/>
-                </a:solidFill>
-              </a:rPr>
-              <a:t>“</a:t>
-            </a:r>
-            <a:r>
-              <a:rPr lang="en-US" sz="3600" spc="-5" dirty="0">
-                <a:solidFill>
-                  <a:srgbClr val="EFEFEF"/>
-                </a:solidFill>
-              </a:rPr>
-              <a:t>Vue</a:t>
-            </a:r>
-            <a:r>
-              <a:rPr lang="zh-CN" altLang="en-US" sz="3600" spc="-5" dirty="0">
-                <a:solidFill>
-                  <a:srgbClr val="EFEFEF"/>
-                </a:solidFill>
-              </a:rPr>
-              <a:t>组件也并没有想象中那么好用？</a:t>
-            </a:r>
-            <a:r>
-              <a:rPr sz="3600" spc="-5" dirty="0">
-                <a:solidFill>
-                  <a:srgbClr val="EFEFEF"/>
-                </a:solidFill>
-              </a:rPr>
-              <a:t>”</a:t>
-            </a:r>
-            <a:endParaRPr sz="3600"/>
+              <a:rPr lang="en-US" sz="2800" spc="-10" dirty="0">
+                <a:latin typeface="Arial" panose="020B0604020202020204"/>
+                <a:cs typeface="Arial" panose="020B0604020202020204"/>
+              </a:rPr>
+              <a:t>Vuex</a:t>
+            </a:r>
+            <a:r>
+              <a:rPr lang="zh-CN" sz="2800" spc="-10" dirty="0">
+                <a:latin typeface="Arial" panose="020B0604020202020204"/>
+                <a:cs typeface="Arial" panose="020B0604020202020204"/>
+              </a:rPr>
+              <a:t>是什么？</a:t>
+            </a:r>
+            <a:endParaRPr lang="zh-CN" sz="2800" spc="-10" dirty="0">
+              <a:latin typeface="Arial" panose="020B0604020202020204"/>
+              <a:cs typeface="Arial" panose="020B0604020202020204"/>
+            </a:endParaRPr>
+          </a:p>
+        </p:txBody>
+      </p:sp>
+      <p:sp>
+        <p:nvSpPr>
+          <p:cNvPr id="3" name="object 3"/>
+          <p:cNvSpPr txBox="1"/>
+          <p:nvPr/>
+        </p:nvSpPr>
+        <p:spPr>
+          <a:xfrm>
+            <a:off x="384810" y="1419225"/>
+            <a:ext cx="8409305" cy="1306830"/>
+          </a:xfrm>
+          <a:prstGeom prst="rect">
+            <a:avLst/>
+          </a:prstGeom>
+        </p:spPr>
+        <p:txBody>
+          <a:bodyPr vert="horz" wrap="square" lIns="0" tIns="199390" rIns="0" bIns="0" rtlCol="0">
+            <a:spAutoFit/>
+          </a:bodyPr>
+          <a:lstStyle/>
+          <a:p>
+            <a:pPr marL="424815" indent="-412115">
+              <a:lnSpc>
+                <a:spcPct val="100000"/>
+              </a:lnSpc>
+              <a:spcBef>
+                <a:spcPts val="1570"/>
+              </a:spcBef>
+              <a:buClr>
+                <a:srgbClr val="FFFFFF"/>
+              </a:buClr>
+              <a:buChar char="●"/>
+              <a:tabLst>
+                <a:tab pos="424815" algn="l"/>
+                <a:tab pos="425450" algn="l"/>
+              </a:tabLst>
+            </a:pPr>
+            <a:r>
+              <a:rPr lang="zh-CN" sz="2400" dirty="0">
+                <a:solidFill>
+                  <a:srgbClr val="FFFFFF"/>
+                </a:solidFill>
+                <a:latin typeface="Arial" panose="020B0604020202020204"/>
+                <a:cs typeface="Arial" panose="020B0604020202020204"/>
+              </a:rPr>
+              <a:t>Vuex 是一个专为 Vue.js 应用程序开发的状态管理模式。它采用集中式存储管理应用的所有组件的状态，并以相应的规则保证状态以一种可预测的方式发生变化。</a:t>
+            </a:r>
+            <a:endParaRPr lang="zh-CN" sz="2400" dirty="0">
+              <a:solidFill>
+                <a:srgbClr val="FFFFFF"/>
+              </a:solidFill>
+              <a:latin typeface="Arial" panose="020B0604020202020204"/>
+              <a:cs typeface="Arial" panose="020B0604020202020204"/>
+            </a:endParaRPr>
           </a:p>
         </p:txBody>
       </p:sp>
@@ -5921,8 +6146,8 @@
         </p:nvSpPr>
         <p:spPr>
           <a:xfrm>
-            <a:off x="384810" y="652145"/>
-            <a:ext cx="4337685" cy="443230"/>
+            <a:off x="785495" y="3145790"/>
+            <a:ext cx="7572375" cy="566420"/>
           </a:xfrm>
           <a:prstGeom prst="rect">
             <a:avLst/>
@@ -5943,185 +6168,38 @@
               </a:spcBef>
             </a:pPr>
             <a:r>
-              <a:rPr lang="zh-CN" altLang="en-US" sz="2800" spc="-10" dirty="0">
-                <a:latin typeface="Arial" panose="020B0604020202020204"/>
-                <a:cs typeface="Arial" panose="020B0604020202020204"/>
-              </a:rPr>
-              <a:t>常规组件写法的痛点</a:t>
-            </a:r>
-            <a:endParaRPr lang="zh-CN" altLang="en-US" sz="2800" spc="-10" dirty="0">
-              <a:latin typeface="Arial" panose="020B0604020202020204"/>
-              <a:cs typeface="Arial" panose="020B0604020202020204"/>
-            </a:endParaRPr>
-          </a:p>
-        </p:txBody>
-      </p:sp>
-      <p:sp>
-        <p:nvSpPr>
-          <p:cNvPr id="3" name="object 3"/>
-          <p:cNvSpPr txBox="1"/>
-          <p:nvPr/>
-        </p:nvSpPr>
-        <p:spPr>
-          <a:xfrm>
-            <a:off x="384810" y="1419225"/>
-            <a:ext cx="8409305" cy="937895"/>
-          </a:xfrm>
-          <a:prstGeom prst="rect">
-            <a:avLst/>
-          </a:prstGeom>
-        </p:spPr>
-        <p:txBody>
-          <a:bodyPr vert="horz" wrap="square" lIns="0" tIns="199390" rIns="0" bIns="0" rtlCol="0">
-            <a:spAutoFit/>
-          </a:bodyPr>
-          <a:lstStyle/>
-          <a:p>
-            <a:pPr marL="424815" indent="-412115">
-              <a:lnSpc>
-                <a:spcPct val="100000"/>
-              </a:lnSpc>
-              <a:spcBef>
-                <a:spcPts val="1570"/>
-              </a:spcBef>
-              <a:buClr>
-                <a:srgbClr val="FFFFFF"/>
-              </a:buClr>
-              <a:buChar char="●"/>
-              <a:tabLst>
-                <a:tab pos="424815" algn="l"/>
-                <a:tab pos="425450" algn="l"/>
-              </a:tabLst>
-            </a:pPr>
-            <a:r>
-              <a:rPr lang="zh-CN" sz="2400" dirty="0">
-                <a:solidFill>
-                  <a:srgbClr val="FFFFFF"/>
-                </a:solidFill>
-                <a:latin typeface="Arial" panose="020B0604020202020204"/>
-                <a:cs typeface="Arial" panose="020B0604020202020204"/>
-              </a:rPr>
-              <a:t>全局定义 (Global definitions) 强制要求每个 component 中的命名不得重复</a:t>
-            </a:r>
-            <a:endParaRPr lang="zh-CN" sz="2400" dirty="0">
-              <a:solidFill>
-                <a:srgbClr val="FFFFFF"/>
-              </a:solidFill>
-              <a:latin typeface="Arial" panose="020B0604020202020204"/>
-              <a:cs typeface="Arial" panose="020B0604020202020204"/>
-            </a:endParaRPr>
-          </a:p>
-        </p:txBody>
-      </p:sp>
-      <p:sp>
-        <p:nvSpPr>
-          <p:cNvPr id="5" name="object 3"/>
-          <p:cNvSpPr txBox="1"/>
-          <p:nvPr/>
-        </p:nvSpPr>
-        <p:spPr>
-          <a:xfrm>
-            <a:off x="384810" y="2357120"/>
-            <a:ext cx="8409940" cy="937895"/>
-          </a:xfrm>
-          <a:prstGeom prst="rect">
-            <a:avLst/>
-          </a:prstGeom>
-        </p:spPr>
-        <p:txBody>
-          <a:bodyPr vert="horz" wrap="square" lIns="0" tIns="199390" rIns="0" bIns="0" rtlCol="0">
-            <a:spAutoFit/>
-          </a:bodyPr>
-          <a:p>
-            <a:pPr marL="424815" indent="-412115">
-              <a:lnSpc>
-                <a:spcPct val="100000"/>
-              </a:lnSpc>
-              <a:spcBef>
-                <a:spcPts val="1570"/>
-              </a:spcBef>
-              <a:buClr>
-                <a:srgbClr val="FFFFFF"/>
-              </a:buClr>
-              <a:buChar char="●"/>
-              <a:tabLst>
-                <a:tab pos="424815" algn="l"/>
-                <a:tab pos="425450" algn="l"/>
-              </a:tabLst>
-            </a:pPr>
-            <a:r>
-              <a:rPr lang="zh-CN" sz="2400" dirty="0">
-                <a:solidFill>
-                  <a:srgbClr val="FFFFFF"/>
-                </a:solidFill>
-                <a:latin typeface="Arial" panose="020B0604020202020204"/>
-                <a:cs typeface="Arial" panose="020B0604020202020204"/>
-              </a:rPr>
-              <a:t>字符串模板 (String templates) 缺乏语法高亮，在 HTML 有多行的时候，需要用到丑陋的 \</a:t>
-            </a:r>
-            <a:endParaRPr lang="zh-CN" sz="2400" dirty="0">
-              <a:solidFill>
-                <a:srgbClr val="FFFFFF"/>
-              </a:solidFill>
-              <a:latin typeface="Arial" panose="020B0604020202020204"/>
-              <a:cs typeface="Arial" panose="020B0604020202020204"/>
-            </a:endParaRPr>
-          </a:p>
-        </p:txBody>
-      </p:sp>
-      <p:sp>
-        <p:nvSpPr>
-          <p:cNvPr id="6" name="object 3"/>
-          <p:cNvSpPr txBox="1"/>
-          <p:nvPr/>
-        </p:nvSpPr>
-        <p:spPr>
-          <a:xfrm>
-            <a:off x="384810" y="3392805"/>
-            <a:ext cx="8409940" cy="937895"/>
-          </a:xfrm>
-          <a:prstGeom prst="rect">
-            <a:avLst/>
-          </a:prstGeom>
-        </p:spPr>
-        <p:txBody>
-          <a:bodyPr vert="horz" wrap="square" lIns="0" tIns="199390" rIns="0" bIns="0" rtlCol="0">
-            <a:spAutoFit/>
-          </a:bodyPr>
-          <a:p>
-            <a:pPr marL="424815" indent="-412115">
-              <a:lnSpc>
-                <a:spcPct val="100000"/>
-              </a:lnSpc>
-              <a:spcBef>
-                <a:spcPts val="1570"/>
-              </a:spcBef>
-              <a:buClr>
-                <a:srgbClr val="FFFFFF"/>
-              </a:buClr>
-              <a:buChar char="●"/>
-              <a:tabLst>
-                <a:tab pos="424815" algn="l"/>
-                <a:tab pos="425450" algn="l"/>
-              </a:tabLst>
-            </a:pPr>
-            <a:r>
-              <a:rPr lang="zh-CN" sz="2400" dirty="0">
-                <a:solidFill>
-                  <a:srgbClr val="FFFFFF"/>
-                </a:solidFill>
-                <a:latin typeface="Arial" panose="020B0604020202020204"/>
-                <a:cs typeface="Arial" panose="020B0604020202020204"/>
-              </a:rPr>
-              <a:t>不支持 CSS (No CSS support) 意味着当 HTML 和 JavaScript 组件化时，CSS 明显被遗漏</a:t>
-            </a:r>
-            <a:endParaRPr lang="zh-CN" sz="2400" dirty="0">
-              <a:solidFill>
-                <a:srgbClr val="FFFFFF"/>
-              </a:solidFill>
-              <a:latin typeface="Arial" panose="020B0604020202020204"/>
-              <a:cs typeface="Arial" panose="020B0604020202020204"/>
-            </a:endParaRPr>
+              <a:rPr sz="3600" spc="-5" dirty="0">
+                <a:solidFill>
+                  <a:srgbClr val="EFEFEF"/>
+                </a:solidFill>
+              </a:rPr>
+              <a:t>“</a:t>
+            </a:r>
+            <a:r>
+              <a:rPr lang="en-US" sz="3600" spc="-5" dirty="0">
+                <a:solidFill>
+                  <a:srgbClr val="EFEFEF"/>
+                </a:solidFill>
+              </a:rPr>
+              <a:t>Vue</a:t>
+            </a:r>
+            <a:r>
+              <a:rPr lang="zh-CN" altLang="en-US" sz="3600" spc="-5" dirty="0">
+                <a:solidFill>
+                  <a:srgbClr val="EFEFEF"/>
+                </a:solidFill>
+              </a:rPr>
+              <a:t>组件也并没有想象中那么好用？</a:t>
+            </a:r>
+            <a:r>
+              <a:rPr sz="3600" spc="-5" dirty="0">
+                <a:solidFill>
+                  <a:srgbClr val="EFEFEF"/>
+                </a:solidFill>
+              </a:rPr>
+              <a:t>”</a:t>
+            </a:r>
+            <a:endParaRPr sz="3600"/>
           </a:p>
         </p:txBody>
       </p:sp>
@@ -6153,13 +6231,17 @@
       <p:sp>
         <p:nvSpPr>
           <p:cNvPr id="2" name="object 2"/>
-          <p:cNvSpPr txBox="1"/>
-          <p:nvPr/>
-        </p:nvSpPr>
-        <p:spPr>
-          <a:xfrm>
-            <a:off x="1389380" y="2623820"/>
-            <a:ext cx="6365240" cy="1610360"/>
+          <p:cNvSpPr txBox="1">
+            <a:spLocks noGrp="1"/>
+          </p:cNvSpPr>
+          <p:nvPr>
+            <p:ph type="title"/>
+          </p:nvPr>
+        </p:nvSpPr>
+        <p:spPr>
+          <a:xfrm>
+            <a:off x="384810" y="652145"/>
+            <a:ext cx="4337685" cy="443230"/>
           </a:xfrm>
           <a:prstGeom prst="rect">
             <a:avLst/>
@@ -6171,49 +6253,188 @@
           </a:bodyPr>
           <a:lstStyle/>
           <a:p>
-            <a:pPr marL="1905" algn="ctr">
+            <a:pPr marL="12700">
               <a:lnSpc>
-                <a:spcPts val="6230"/>
+                <a:spcPct val="100000"/>
               </a:lnSpc>
               <a:spcBef>
                 <a:spcPts val="100"/>
               </a:spcBef>
             </a:pPr>
             <a:r>
-              <a:rPr lang="zh-CN" altLang="zh-CN" sz="5200" spc="-5" dirty="0">
-                <a:solidFill>
-                  <a:srgbClr val="FFFFFF"/>
-                </a:solidFill>
-                <a:latin typeface="宋体" panose="02010600030101010101" pitchFamily="2" charset="-122"/>
-                <a:cs typeface="宋体" panose="02010600030101010101" pitchFamily="2" charset="-122"/>
-              </a:rPr>
-              <a:t>单文件组件</a:t>
-            </a:r>
-            <a:endParaRPr lang="zh-CN" altLang="zh-CN" sz="5200" spc="-5" dirty="0">
-              <a:solidFill>
-                <a:srgbClr val="FFFFFF"/>
-              </a:solidFill>
-              <a:latin typeface="宋体" panose="02010600030101010101" pitchFamily="2" charset="-122"/>
-              <a:cs typeface="宋体" panose="02010600030101010101" pitchFamily="2" charset="-122"/>
-            </a:endParaRPr>
-          </a:p>
-          <a:p>
-            <a:pPr algn="ctr">
-              <a:lnSpc>
-                <a:spcPts val="6230"/>
-              </a:lnSpc>
-            </a:pPr>
-            <a:r>
-              <a:rPr sz="5200" spc="-10" dirty="0">
-                <a:solidFill>
-                  <a:srgbClr val="FFFFFF"/>
-                </a:solidFill>
+              <a:rPr lang="zh-CN" altLang="en-US" sz="2800" spc="-10" dirty="0">
                 <a:latin typeface="Arial" panose="020B0604020202020204"/>
                 <a:cs typeface="Arial" panose="020B0604020202020204"/>
               </a:rPr>
-              <a:t>single-file omponents</a:t>
-            </a:r>
-            <a:endParaRPr sz="5200" spc="-10" dirty="0">
+              <a:t>常规组件写法的痛点</a:t>
+            </a:r>
+            <a:endParaRPr lang="zh-CN" altLang="en-US" sz="2800" spc="-10" dirty="0">
+              <a:latin typeface="Arial" panose="020B0604020202020204"/>
+              <a:cs typeface="Arial" panose="020B0604020202020204"/>
+            </a:endParaRPr>
+          </a:p>
+        </p:txBody>
+      </p:sp>
+      <p:sp>
+        <p:nvSpPr>
+          <p:cNvPr id="3" name="object 3"/>
+          <p:cNvSpPr txBox="1"/>
+          <p:nvPr/>
+        </p:nvSpPr>
+        <p:spPr>
+          <a:xfrm>
+            <a:off x="384810" y="1419225"/>
+            <a:ext cx="8409305" cy="937895"/>
+          </a:xfrm>
+          <a:prstGeom prst="rect">
+            <a:avLst/>
+          </a:prstGeom>
+        </p:spPr>
+        <p:txBody>
+          <a:bodyPr vert="horz" wrap="square" lIns="0" tIns="199390" rIns="0" bIns="0" rtlCol="0">
+            <a:spAutoFit/>
+          </a:bodyPr>
+          <a:lstStyle/>
+          <a:p>
+            <a:pPr marL="424815" indent="-412115">
+              <a:lnSpc>
+                <a:spcPct val="100000"/>
+              </a:lnSpc>
+              <a:spcBef>
+                <a:spcPts val="1570"/>
+              </a:spcBef>
+              <a:buClr>
+                <a:srgbClr val="FFFFFF"/>
+              </a:buClr>
+              <a:buChar char="●"/>
+              <a:tabLst>
+                <a:tab pos="424815" algn="l"/>
+                <a:tab pos="425450" algn="l"/>
+              </a:tabLst>
+            </a:pPr>
+            <a:r>
+              <a:rPr lang="zh-CN" sz="2400" dirty="0">
+                <a:solidFill>
+                  <a:srgbClr val="FFFFFF"/>
+                </a:solidFill>
+                <a:latin typeface="Arial" panose="020B0604020202020204"/>
+                <a:cs typeface="Arial" panose="020B0604020202020204"/>
+              </a:rPr>
+              <a:t>全局定义 (Global definitions) 强制要求每个 component 中的命名不得重复</a:t>
+            </a:r>
+            <a:endParaRPr lang="zh-CN" sz="2400" dirty="0">
+              <a:solidFill>
+                <a:srgbClr val="FFFFFF"/>
+              </a:solidFill>
+              <a:latin typeface="Arial" panose="020B0604020202020204"/>
+              <a:cs typeface="Arial" panose="020B0604020202020204"/>
+            </a:endParaRPr>
+          </a:p>
+        </p:txBody>
+      </p:sp>
+      <p:sp>
+        <p:nvSpPr>
+          <p:cNvPr id="5" name="object 3"/>
+          <p:cNvSpPr txBox="1"/>
+          <p:nvPr/>
+        </p:nvSpPr>
+        <p:spPr>
+          <a:xfrm>
+            <a:off x="384810" y="2357120"/>
+            <a:ext cx="8409940" cy="937895"/>
+          </a:xfrm>
+          <a:prstGeom prst="rect">
+            <a:avLst/>
+          </a:prstGeom>
+        </p:spPr>
+        <p:txBody>
+          <a:bodyPr vert="horz" wrap="square" lIns="0" tIns="199390" rIns="0" bIns="0" rtlCol="0">
+            <a:spAutoFit/>
+          </a:bodyPr>
+          <a:p>
+            <a:pPr marL="424815" indent="-412115">
+              <a:lnSpc>
+                <a:spcPct val="100000"/>
+              </a:lnSpc>
+              <a:spcBef>
+                <a:spcPts val="1570"/>
+              </a:spcBef>
+              <a:buClr>
+                <a:srgbClr val="FFFFFF"/>
+              </a:buClr>
+              <a:buChar char="●"/>
+              <a:tabLst>
+                <a:tab pos="424815" algn="l"/>
+                <a:tab pos="425450" algn="l"/>
+              </a:tabLst>
+            </a:pPr>
+            <a:r>
+              <a:rPr lang="zh-CN" sz="2400" dirty="0">
+                <a:solidFill>
+                  <a:srgbClr val="FFFFFF"/>
+                </a:solidFill>
+                <a:latin typeface="Arial" panose="020B0604020202020204"/>
+                <a:cs typeface="Arial" panose="020B0604020202020204"/>
+              </a:rPr>
+              <a:t>字符串模板 (String templates) 缺乏语法高亮，在 HTML 有多行的时候，需要用到丑陋的 \</a:t>
+            </a:r>
+            <a:endParaRPr lang="zh-CN" sz="2400" dirty="0">
+              <a:solidFill>
+                <a:srgbClr val="FFFFFF"/>
+              </a:solidFill>
+              <a:latin typeface="Arial" panose="020B0604020202020204"/>
+              <a:cs typeface="Arial" panose="020B0604020202020204"/>
+            </a:endParaRPr>
+          </a:p>
+        </p:txBody>
+      </p:sp>
+      <p:sp>
+        <p:nvSpPr>
+          <p:cNvPr id="6" name="object 3"/>
+          <p:cNvSpPr txBox="1"/>
+          <p:nvPr/>
+        </p:nvSpPr>
+        <p:spPr>
+          <a:xfrm>
+            <a:off x="384810" y="3392805"/>
+            <a:ext cx="8409940" cy="937895"/>
+          </a:xfrm>
+          <a:prstGeom prst="rect">
+            <a:avLst/>
+          </a:prstGeom>
+        </p:spPr>
+        <p:txBody>
+          <a:bodyPr vert="horz" wrap="square" lIns="0" tIns="199390" rIns="0" bIns="0" rtlCol="0">
+            <a:spAutoFit/>
+          </a:bodyPr>
+          <a:p>
+            <a:pPr marL="424815" indent="-412115">
+              <a:lnSpc>
+                <a:spcPct val="100000"/>
+              </a:lnSpc>
+              <a:spcBef>
+                <a:spcPts val="1570"/>
+              </a:spcBef>
+              <a:buClr>
+                <a:srgbClr val="FFFFFF"/>
+              </a:buClr>
+              <a:buChar char="●"/>
+              <a:tabLst>
+                <a:tab pos="424815" algn="l"/>
+                <a:tab pos="425450" algn="l"/>
+              </a:tabLst>
+            </a:pPr>
+            <a:r>
+              <a:rPr lang="zh-CN" sz="2400" dirty="0">
+                <a:solidFill>
+                  <a:srgbClr val="FFFFFF"/>
+                </a:solidFill>
+                <a:latin typeface="Arial" panose="020B0604020202020204"/>
+                <a:cs typeface="Arial" panose="020B0604020202020204"/>
+              </a:rPr>
+              <a:t>不支持 CSS (No CSS support) 意味着当 HTML 和 JavaScript 组件化时，CSS 明显被遗漏</a:t>
+            </a:r>
+            <a:endParaRPr lang="zh-CN" sz="2400" dirty="0">
               <a:solidFill>
                 <a:srgbClr val="FFFFFF"/>
               </a:solidFill>
@@ -6250,18 +6471,14 @@
       </p:grpSpPr>
       <p:sp>
         <p:nvSpPr>
-          <p:cNvPr id="7" name="object 2"/>
-          <p:cNvSpPr txBox="1">
-            <a:spLocks noGrp="1"/>
-          </p:cNvSpPr>
-          <p:nvPr>
-            <p:ph type="title"/>
-          </p:nvPr>
-        </p:nvSpPr>
-        <p:spPr>
-          <a:xfrm>
-            <a:off x="836930" y="1913890"/>
-            <a:ext cx="452755" cy="3028950"/>
+          <p:cNvPr id="2" name="object 2"/>
+          <p:cNvSpPr txBox="1"/>
+          <p:nvPr/>
+        </p:nvSpPr>
+        <p:spPr>
+          <a:xfrm>
+            <a:off x="1389380" y="2623820"/>
+            <a:ext cx="6365240" cy="1610360"/>
           </a:xfrm>
           <a:prstGeom prst="rect">
             <a:avLst/>
@@ -6271,53 +6488,60 @@
           <a:bodyPr vert="horz" wrap="square" lIns="0" tIns="12700" rIns="0" bIns="0" rtlCol="0">
             <a:spAutoFit/>
           </a:bodyPr>
-          <a:p>
-            <a:pPr marL="12700">
+          <a:lstStyle/>
+          <a:p>
+            <a:pPr marL="1905" algn="ctr">
               <a:lnSpc>
-                <a:spcPct val="100000"/>
+                <a:spcPts val="6230"/>
               </a:lnSpc>
               <a:spcBef>
                 <a:spcPts val="100"/>
               </a:spcBef>
             </a:pPr>
             <a:r>
-              <a:rPr lang="zh-CN" sz="2800" spc="-10" dirty="0">
+              <a:rPr lang="zh-CN" altLang="zh-CN" sz="5200" spc="-5" dirty="0">
+                <a:solidFill>
+                  <a:srgbClr val="FFFFFF"/>
+                </a:solidFill>
+                <a:latin typeface="宋体" panose="02010600030101010101" pitchFamily="2" charset="-122"/>
+                <a:cs typeface="宋体" panose="02010600030101010101" pitchFamily="2" charset="-122"/>
+              </a:rPr>
+              <a:t>单文件组件</a:t>
+            </a:r>
+            <a:endParaRPr lang="zh-CN" altLang="zh-CN" sz="5200" spc="-5" dirty="0">
+              <a:solidFill>
+                <a:srgbClr val="FFFFFF"/>
+              </a:solidFill>
+              <a:latin typeface="宋体" panose="02010600030101010101" pitchFamily="2" charset="-122"/>
+              <a:cs typeface="宋体" panose="02010600030101010101" pitchFamily="2" charset="-122"/>
+            </a:endParaRPr>
+          </a:p>
+          <a:p>
+            <a:pPr algn="ctr">
+              <a:lnSpc>
+                <a:spcPts val="6230"/>
+              </a:lnSpc>
+            </a:pPr>
+            <a:r>
+              <a:rPr sz="5200" spc="-10" dirty="0">
+                <a:solidFill>
+                  <a:srgbClr val="FFFFFF"/>
+                </a:solidFill>
                 <a:latin typeface="Arial" panose="020B0604020202020204"/>
                 <a:cs typeface="Arial" panose="020B0604020202020204"/>
               </a:rPr>
-              <a:t>单文件组件格式</a:t>
-            </a:r>
-            <a:endParaRPr lang="en-US" sz="2800" spc="-10" dirty="0">
+              <a:t>single-file omponents</a:t>
+            </a:r>
+            <a:endParaRPr sz="5200" spc="-10" dirty="0">
+              <a:solidFill>
+                <a:srgbClr val="FFFFFF"/>
+              </a:solidFill>
               <a:latin typeface="Arial" panose="020B0604020202020204"/>
               <a:cs typeface="Arial" panose="020B0604020202020204"/>
             </a:endParaRPr>
           </a:p>
         </p:txBody>
       </p:sp>
-      <p:pic>
-        <p:nvPicPr>
-          <p:cNvPr id="10" name="图片 9"/>
-          <p:cNvPicPr>
-            <a:picLocks noChangeAspect="1"/>
-          </p:cNvPicPr>
-          <p:nvPr/>
-        </p:nvPicPr>
-        <p:blipFill>
-          <a:blip r:embed="rId1"/>
-          <a:stretch>
-            <a:fillRect/>
-          </a:stretch>
-        </p:blipFill>
-        <p:spPr>
-          <a:xfrm>
-            <a:off x="2830195" y="248920"/>
-            <a:ext cx="4678045" cy="6359525"/>
-          </a:xfrm>
-          <a:prstGeom prst="rect">
-            <a:avLst/>
-          </a:prstGeom>
-        </p:spPr>
-      </p:pic>
     </p:spTree>
   </p:cSld>
   <p:clrMapOvr>
@@ -6431,8 +6655,8 @@
         </p:nvSpPr>
         <p:spPr>
           <a:xfrm>
-            <a:off x="875665" y="2560955"/>
-            <a:ext cx="452755" cy="1736090"/>
+            <a:off x="836930" y="1913890"/>
+            <a:ext cx="452755" cy="3028950"/>
           </a:xfrm>
           <a:prstGeom prst="rect">
             <a:avLst/>
@@ -6456,9 +6680,9 @@
                 <a:latin typeface="Arial" panose="020B0604020202020204"/>
                 <a:cs typeface="Arial" panose="020B0604020202020204"/>
               </a:rPr>
-              <a:t>导入组件</a:t>
-            </a:r>
-            <a:endParaRPr lang="zh-CN" sz="2800" spc="-10" dirty="0">
+              <a:t>单文件组件格式</a:t>
+            </a:r>
+            <a:endParaRPr lang="en-US" sz="2800" spc="-10" dirty="0">
               <a:latin typeface="Arial" panose="020B0604020202020204"/>
               <a:cs typeface="Arial" panose="020B0604020202020204"/>
             </a:endParaRPr>
@@ -6467,7 +6691,7 @@
       </p:sp>
       <p:pic>
         <p:nvPicPr>
-          <p:cNvPr id="2" name="图片 1"/>
+          <p:cNvPr id="10" name="图片 9"/>
           <p:cNvPicPr>
             <a:picLocks noChangeAspect="1"/>
           </p:cNvPicPr>
@@ -6481,8 +6705,8 @@
         </p:blipFill>
         <p:spPr>
           <a:xfrm>
-            <a:off x="2237105" y="523240"/>
-            <a:ext cx="6159500" cy="5812155"/>
+            <a:off x="2830195" y="248920"/>
+            <a:ext cx="4678045" cy="6359525"/>
           </a:xfrm>
           <a:prstGeom prst="rect">
             <a:avLst/>
@@ -6516,7 +6740,7 @@
       </p:grpSpPr>
       <p:sp>
         <p:nvSpPr>
-          <p:cNvPr id="2" name="object 2"/>
+          <p:cNvPr id="7" name="object 2"/>
           <p:cNvSpPr txBox="1">
             <a:spLocks noGrp="1"/>
           </p:cNvSpPr>
@@ -6526,8 +6750,8 @@
         </p:nvSpPr>
         <p:spPr>
           <a:xfrm>
-            <a:off x="384810" y="652145"/>
-            <a:ext cx="4686935" cy="443230"/>
+            <a:off x="875665" y="2560955"/>
+            <a:ext cx="452755" cy="1736090"/>
           </a:xfrm>
           <a:prstGeom prst="rect">
             <a:avLst/>
@@ -6537,7 +6761,6 @@
           <a:bodyPr vert="horz" wrap="square" lIns="0" tIns="12700" rIns="0" bIns="0" rtlCol="0">
             <a:spAutoFit/>
           </a:bodyPr>
-          <a:lstStyle/>
           <a:p>
             <a:pPr marL="12700">
               <a:lnSpc>
@@ -6552,204 +6775,39 @@
                 <a:latin typeface="Arial" panose="020B0604020202020204"/>
                 <a:cs typeface="Arial" panose="020B0604020202020204"/>
               </a:rPr>
-              <a:t>使用单文件格式构建大型应用</a:t>
-            </a:r>
-            <a:endParaRPr lang="en-US" altLang="zh-CN" sz="2800" spc="-10" dirty="0">
+              <a:t>导入组件</a:t>
+            </a:r>
+            <a:endParaRPr lang="zh-CN" sz="2800" spc="-10" dirty="0">
               <a:latin typeface="Arial" panose="020B0604020202020204"/>
               <a:cs typeface="Arial" panose="020B0604020202020204"/>
             </a:endParaRPr>
           </a:p>
         </p:txBody>
       </p:sp>
-      <p:sp>
-        <p:nvSpPr>
-          <p:cNvPr id="3" name="object 3"/>
-          <p:cNvSpPr txBox="1"/>
+      <p:pic>
+        <p:nvPicPr>
+          <p:cNvPr id="2" name="图片 1"/>
+          <p:cNvPicPr>
+            <a:picLocks noChangeAspect="1"/>
+          </p:cNvPicPr>
           <p:nvPr/>
-        </p:nvSpPr>
-        <p:spPr>
-          <a:xfrm>
-            <a:off x="385445" y="1419225"/>
-            <a:ext cx="8409305" cy="568325"/>
+        </p:nvPicPr>
+        <p:blipFill>
+          <a:blip r:embed="rId1"/>
+          <a:stretch>
+            <a:fillRect/>
+          </a:stretch>
+        </p:blipFill>
+        <p:spPr>
+          <a:xfrm>
+            <a:off x="2237105" y="523240"/>
+            <a:ext cx="6159500" cy="5812155"/>
           </a:xfrm>
           <a:prstGeom prst="rect">
             <a:avLst/>
           </a:prstGeom>
         </p:spPr>
-        <p:txBody>
-          <a:bodyPr vert="horz" wrap="square" lIns="0" tIns="199390" rIns="0" bIns="0" rtlCol="0">
-            <a:spAutoFit/>
-          </a:bodyPr>
-          <a:lstStyle/>
-          <a:p>
-            <a:pPr marL="424815" indent="-412115">
-              <a:lnSpc>
-                <a:spcPct val="100000"/>
-              </a:lnSpc>
-              <a:spcBef>
-                <a:spcPts val="1570"/>
-              </a:spcBef>
-              <a:buClr>
-                <a:srgbClr val="FFFFFF"/>
-              </a:buClr>
-              <a:buChar char="●"/>
-              <a:tabLst>
-                <a:tab pos="424815" algn="l"/>
-                <a:tab pos="425450" algn="l"/>
-              </a:tabLst>
-            </a:pPr>
-            <a:r>
-              <a:rPr lang="zh-CN" sz="2400" dirty="0">
-                <a:solidFill>
-                  <a:srgbClr val="FFFFFF"/>
-                </a:solidFill>
-                <a:latin typeface="Arial" panose="020B0604020202020204"/>
-                <a:cs typeface="Arial" panose="020B0604020202020204"/>
-              </a:rPr>
-              <a:t>项目前端目录及文件构建</a:t>
-            </a:r>
-            <a:r>
-              <a:rPr lang="en-US" sz="2400" dirty="0">
-                <a:solidFill>
-                  <a:srgbClr val="FFFFFF"/>
-                </a:solidFill>
-                <a:latin typeface="Arial" panose="020B0604020202020204"/>
-                <a:cs typeface="Arial" panose="020B0604020202020204"/>
-              </a:rPr>
-              <a:t>(vue-cli)</a:t>
-            </a:r>
-            <a:endParaRPr lang="en-US" sz="2400" dirty="0">
-              <a:solidFill>
-                <a:srgbClr val="FFFFFF"/>
-              </a:solidFill>
-              <a:latin typeface="Arial" panose="020B0604020202020204"/>
-              <a:cs typeface="Arial" panose="020B0604020202020204"/>
-            </a:endParaRPr>
-          </a:p>
-        </p:txBody>
-      </p:sp>
-      <p:sp>
-        <p:nvSpPr>
-          <p:cNvPr id="5" name="object 3"/>
-          <p:cNvSpPr txBox="1"/>
-          <p:nvPr/>
-        </p:nvSpPr>
-        <p:spPr>
-          <a:xfrm>
-            <a:off x="385445" y="2369820"/>
-            <a:ext cx="8409940" cy="568325"/>
-          </a:xfrm>
-          <a:prstGeom prst="rect">
-            <a:avLst/>
-          </a:prstGeom>
-        </p:spPr>
-        <p:txBody>
-          <a:bodyPr vert="horz" wrap="square" lIns="0" tIns="199390" rIns="0" bIns="0" rtlCol="0">
-            <a:spAutoFit/>
-          </a:bodyPr>
-          <a:p>
-            <a:pPr marL="424815" indent="-412115">
-              <a:lnSpc>
-                <a:spcPct val="100000"/>
-              </a:lnSpc>
-              <a:spcBef>
-                <a:spcPts val="1570"/>
-              </a:spcBef>
-              <a:buClr>
-                <a:srgbClr val="FFFFFF"/>
-              </a:buClr>
-              <a:buChar char="●"/>
-              <a:tabLst>
-                <a:tab pos="424815" algn="l"/>
-                <a:tab pos="425450" algn="l"/>
-              </a:tabLst>
-            </a:pPr>
-            <a:r>
-              <a:rPr lang="zh-CN" sz="2400" dirty="0">
-                <a:solidFill>
-                  <a:srgbClr val="FFFFFF"/>
-                </a:solidFill>
-                <a:latin typeface="Arial" panose="020B0604020202020204"/>
-                <a:cs typeface="Arial" panose="020B0604020202020204"/>
-              </a:rPr>
-              <a:t>组件编写与通信</a:t>
-            </a:r>
-            <a:endParaRPr lang="zh-CN" sz="2400" dirty="0">
-              <a:solidFill>
-                <a:srgbClr val="FFFFFF"/>
-              </a:solidFill>
-              <a:latin typeface="Arial" panose="020B0604020202020204"/>
-              <a:cs typeface="Arial" panose="020B0604020202020204"/>
-            </a:endParaRPr>
-          </a:p>
-        </p:txBody>
-      </p:sp>
-      <p:sp>
-        <p:nvSpPr>
-          <p:cNvPr id="6" name="object 3"/>
-          <p:cNvSpPr txBox="1"/>
-          <p:nvPr/>
-        </p:nvSpPr>
-        <p:spPr>
-          <a:xfrm>
-            <a:off x="384810" y="3392805"/>
-            <a:ext cx="8409940" cy="568325"/>
-          </a:xfrm>
-          <a:prstGeom prst="rect">
-            <a:avLst/>
-          </a:prstGeom>
-        </p:spPr>
-        <p:txBody>
-          <a:bodyPr vert="horz" wrap="square" lIns="0" tIns="199390" rIns="0" bIns="0" rtlCol="0">
-            <a:spAutoFit/>
-          </a:bodyPr>
-          <a:p>
-            <a:pPr marL="424815" indent="-412115">
-              <a:lnSpc>
-                <a:spcPct val="100000"/>
-              </a:lnSpc>
-              <a:spcBef>
-                <a:spcPts val="1570"/>
-              </a:spcBef>
-              <a:buClr>
-                <a:srgbClr val="FFFFFF"/>
-              </a:buClr>
-              <a:buChar char="●"/>
-              <a:tabLst>
-                <a:tab pos="424815" algn="l"/>
-                <a:tab pos="425450" algn="l"/>
-              </a:tabLst>
-            </a:pPr>
-            <a:r>
-              <a:rPr lang="zh-CN" sz="2400" dirty="0">
-                <a:solidFill>
-                  <a:srgbClr val="FFFFFF"/>
-                </a:solidFill>
-                <a:latin typeface="Arial" panose="020B0604020202020204"/>
-                <a:cs typeface="Arial" panose="020B0604020202020204"/>
-              </a:rPr>
-              <a:t>插件使用与文件打包</a:t>
-            </a:r>
-            <a:r>
-              <a:rPr lang="en-US" sz="2400" dirty="0">
-                <a:solidFill>
-                  <a:srgbClr val="FFFFFF"/>
-                </a:solidFill>
-                <a:latin typeface="Arial" panose="020B0604020202020204"/>
-                <a:cs typeface="Arial" panose="020B0604020202020204"/>
-              </a:rPr>
-              <a:t>(webpack)</a:t>
-            </a:r>
-            <a:endParaRPr lang="en-US" sz="2400" dirty="0">
-              <a:solidFill>
-                <a:srgbClr val="FFFFFF"/>
-              </a:solidFill>
-              <a:latin typeface="Arial" panose="020B0604020202020204"/>
-              <a:cs typeface="Arial" panose="020B0604020202020204"/>
-            </a:endParaRPr>
-          </a:p>
-        </p:txBody>
-      </p:sp>
+      </p:pic>
     </p:spTree>
   </p:cSld>
   <p:clrMapOvr>
@@ -6788,7 +6846,7 @@
         <p:spPr>
           <a:xfrm>
             <a:off x="384810" y="652145"/>
-            <a:ext cx="4337685" cy="443230"/>
+            <a:ext cx="4686935" cy="443230"/>
           </a:xfrm>
           <a:prstGeom prst="rect">
             <a:avLst/>
@@ -6809,20 +6867,13 @@
               </a:spcBef>
             </a:pPr>
             <a:r>
-              <a:rPr lang="en-US" sz="2800" spc="-10" dirty="0">
-                <a:latin typeface="Arial" panose="020B0604020202020204"/>
-                <a:cs typeface="Arial" panose="020B0604020202020204"/>
-              </a:rPr>
-              <a:t>Vue</a:t>
-            </a:r>
-            <a:r>
               <a:rPr lang="zh-CN" sz="2800" spc="-10" dirty="0">
                 <a:latin typeface="Arial" panose="020B0604020202020204"/>
                 <a:cs typeface="Arial" panose="020B0604020202020204"/>
               </a:rPr>
-              <a:t>技术栈</a:t>
-            </a:r>
-            <a:endParaRPr lang="zh-CN" sz="2800" spc="-10" dirty="0">
+              <a:t>使用单文件格式构建大型应用</a:t>
+            </a:r>
+            <a:endParaRPr lang="en-US" altLang="zh-CN" sz="2800" spc="-10" dirty="0">
               <a:latin typeface="Arial" panose="020B0604020202020204"/>
               <a:cs typeface="Arial" panose="020B0604020202020204"/>
             </a:endParaRPr>
@@ -6837,8 +6888,8 @@
         </p:nvSpPr>
         <p:spPr>
           <a:xfrm>
-            <a:off x="384810" y="1419225"/>
-            <a:ext cx="4185920" cy="568325"/>
+            <a:off x="385445" y="1419225"/>
+            <a:ext cx="8409305" cy="568325"/>
           </a:xfrm>
           <a:prstGeom prst="rect">
             <a:avLst/>
@@ -6867,36 +6918,26 @@
               </a:tabLst>
             </a:pPr>
             <a:r>
-              <a:rPr lang="en-US" altLang="zh-CN" sz="2400" dirty="0">
+              <a:rPr lang="zh-CN" sz="2400" dirty="0">
                 <a:solidFill>
                   <a:srgbClr val="FFFFFF"/>
                 </a:solidFill>
                 <a:latin typeface="Arial" panose="020B0604020202020204"/>
                 <a:cs typeface="Arial" panose="020B0604020202020204"/>
               </a:rPr>
-              <a:t>Vue-cli(1</a:t>
-            </a:r>
-            <a:r>
-              <a:rPr lang="zh-CN" altLang="zh-CN" sz="2400" dirty="0">
+              <a:t>项目前端目录及文件构建</a:t>
+            </a:r>
+            <a:r>
+              <a:rPr lang="en-US" sz="2400" dirty="0">
                 <a:solidFill>
                   <a:srgbClr val="FFFFFF"/>
                 </a:solidFill>
                 <a:latin typeface="Arial" panose="020B0604020202020204"/>
                 <a:cs typeface="Arial" panose="020B0604020202020204"/>
               </a:rPr>
-              <a:t>条命令</a:t>
-            </a:r>
-            <a:r>
-              <a:rPr lang="en-US" altLang="zh-CN" sz="2400" dirty="0">
-                <a:solidFill>
-                  <a:srgbClr val="FFFFFF"/>
-                </a:solidFill>
-                <a:latin typeface="Arial" panose="020B0604020202020204"/>
-                <a:cs typeface="Arial" panose="020B0604020202020204"/>
-              </a:rPr>
-              <a:t>)</a:t>
-            </a:r>
-            <a:endParaRPr lang="en-US" altLang="zh-CN" sz="2400" dirty="0">
+              <a:t>(vue-cli)</a:t>
+            </a:r>
+            <a:endParaRPr lang="en-US" sz="2400" dirty="0">
               <a:solidFill>
                 <a:srgbClr val="FFFFFF"/>
               </a:solidFill>
@@ -6914,8 +6955,8 @@
         </p:nvSpPr>
         <p:spPr>
           <a:xfrm>
-            <a:off x="367030" y="2163445"/>
-            <a:ext cx="4203700" cy="568325"/>
+            <a:off x="385445" y="2369820"/>
+            <a:ext cx="8409940" cy="568325"/>
           </a:xfrm>
           <a:prstGeom prst="rect">
             <a:avLst/>
@@ -6943,21 +6984,19 @@
               </a:tabLst>
             </a:pPr>
             <a:r>
-              <a:rPr lang="en-US" altLang="zh-CN" sz="2400" strike="sngStrike" dirty="0">
+              <a:rPr lang="zh-CN" sz="2400" dirty="0">
                 <a:solidFill>
                   <a:srgbClr val="FFFFFF"/>
                 </a:solidFill>
-                <a:uFillTx/>
                 <a:latin typeface="Arial" panose="020B0604020202020204"/>
                 <a:cs typeface="Arial" panose="020B0604020202020204"/>
               </a:rPr>
-              <a:t>vue-router</a:t>
-            </a:r>
-            <a:endParaRPr lang="en-US" altLang="zh-CN" sz="2400" strike="sngStrike" dirty="0">
+              <a:t>组件编写与通信</a:t>
+            </a:r>
+            <a:endParaRPr lang="zh-CN" sz="2400" dirty="0">
               <a:solidFill>
                 <a:srgbClr val="FFFFFF"/>
               </a:solidFill>
-              <a:uFillTx/>
               <a:latin typeface="Arial" panose="020B0604020202020204"/>
               <a:cs typeface="Arial" panose="020B0604020202020204"/>
             </a:endParaRPr>
@@ -6972,8 +7011,8 @@
         </p:nvSpPr>
         <p:spPr>
           <a:xfrm>
-            <a:off x="384810" y="2905125"/>
-            <a:ext cx="4185920" cy="568325"/>
+            <a:off x="384810" y="3392805"/>
+            <a:ext cx="8409940" cy="568325"/>
           </a:xfrm>
           <a:prstGeom prst="rect">
             <a:avLst/>
@@ -7001,287 +7040,29 @@
               </a:tabLst>
             </a:pPr>
             <a:r>
-              <a:rPr lang="en-US" altLang="zh-CN" sz="2400" dirty="0">
+              <a:rPr lang="zh-CN" sz="2400" dirty="0">
                 <a:solidFill>
                   <a:srgbClr val="FFFFFF"/>
                 </a:solidFill>
                 <a:latin typeface="Arial" panose="020B0604020202020204"/>
                 <a:cs typeface="Arial" panose="020B0604020202020204"/>
               </a:rPr>
-              <a:t>Vuex</a:t>
-            </a:r>
-            <a:endParaRPr lang="en-US" altLang="zh-CN" sz="2400" dirty="0">
-              <a:solidFill>
-                <a:srgbClr val="FFFFFF"/>
-              </a:solidFill>
-              <a:latin typeface="Arial" panose="020B0604020202020204"/>
-              <a:cs typeface="Arial" panose="020B0604020202020204"/>
-            </a:endParaRPr>
-          </a:p>
-        </p:txBody>
-      </p:sp>
-      <p:sp>
-        <p:nvSpPr>
-          <p:cNvPr id="4" name="object 3"/>
-          <p:cNvSpPr txBox="1"/>
-          <p:nvPr/>
-        </p:nvSpPr>
-        <p:spPr>
-          <a:xfrm>
-            <a:off x="367030" y="3686810"/>
-            <a:ext cx="4203700" cy="568325"/>
-          </a:xfrm>
-          <a:prstGeom prst="rect">
-            <a:avLst/>
-          </a:prstGeom>
-        </p:spPr>
-        <p:txBody>
-          <a:bodyPr vert="horz" wrap="square" lIns="0" tIns="199390" rIns="0" bIns="0" rtlCol="0">
-            <a:spAutoFit/>
-          </a:bodyPr>
-          <a:p>
-            <a:pPr marL="424815" indent="-412115">
-              <a:lnSpc>
-                <a:spcPct val="100000"/>
-              </a:lnSpc>
-              <a:spcBef>
-                <a:spcPts val="1570"/>
-              </a:spcBef>
-              <a:buClr>
-                <a:srgbClr val="FFFFFF"/>
-              </a:buClr>
-              <a:buChar char="●"/>
-              <a:tabLst>
-                <a:tab pos="424815" algn="l"/>
-                <a:tab pos="425450" algn="l"/>
-              </a:tabLst>
-            </a:pPr>
-            <a:r>
-              <a:rPr lang="en-US" altLang="zh-CN" sz="2400" dirty="0">
+              <a:t>插件使用与文件打包</a:t>
+            </a:r>
+            <a:r>
+              <a:rPr lang="en-US" sz="2400" dirty="0">
                 <a:solidFill>
                   <a:srgbClr val="FFFFFF"/>
                 </a:solidFill>
                 <a:latin typeface="Arial" panose="020B0604020202020204"/>
                 <a:cs typeface="Arial" panose="020B0604020202020204"/>
               </a:rPr>
-              <a:t>ES6(</a:t>
-            </a:r>
-            <a:r>
-              <a:rPr lang="zh-CN" altLang="zh-CN" sz="2400" dirty="0">
-                <a:solidFill>
-                  <a:srgbClr val="FFFFFF"/>
-                </a:solidFill>
-                <a:latin typeface="Arial" panose="020B0604020202020204"/>
-                <a:cs typeface="Arial" panose="020B0604020202020204"/>
-              </a:rPr>
-              <a:t>项目中使用部分</a:t>
-            </a:r>
-            <a:r>
-              <a:rPr lang="en-US" altLang="zh-CN" sz="2400" dirty="0">
-                <a:solidFill>
-                  <a:srgbClr val="FFFFFF"/>
-                </a:solidFill>
-                <a:latin typeface="Arial" panose="020B0604020202020204"/>
-                <a:cs typeface="Arial" panose="020B0604020202020204"/>
-              </a:rPr>
-              <a:t>)</a:t>
-            </a:r>
-            <a:endParaRPr lang="en-US" altLang="zh-CN" sz="2400" dirty="0">
+              <a:t>(webpack)</a:t>
+            </a:r>
+            <a:endParaRPr lang="en-US" sz="2400" dirty="0">
               <a:solidFill>
                 <a:srgbClr val="FFFFFF"/>
               </a:solidFill>
-              <a:latin typeface="Arial" panose="020B0604020202020204"/>
-              <a:cs typeface="Arial" panose="020B0604020202020204"/>
-            </a:endParaRPr>
-          </a:p>
-        </p:txBody>
-      </p:sp>
-      <p:sp>
-        <p:nvSpPr>
-          <p:cNvPr id="7" name="object 3"/>
-          <p:cNvSpPr txBox="1"/>
-          <p:nvPr/>
-        </p:nvSpPr>
-        <p:spPr>
-          <a:xfrm>
-            <a:off x="4570730" y="1419225"/>
-            <a:ext cx="4185920" cy="568325"/>
-          </a:xfrm>
-          <a:prstGeom prst="rect">
-            <a:avLst/>
-          </a:prstGeom>
-        </p:spPr>
-        <p:txBody>
-          <a:bodyPr vert="horz" wrap="square" lIns="0" tIns="199390" rIns="0" bIns="0" rtlCol="0">
-            <a:spAutoFit/>
-          </a:bodyPr>
-          <a:p>
-            <a:pPr marL="424815" indent="-412115">
-              <a:lnSpc>
-                <a:spcPct val="100000"/>
-              </a:lnSpc>
-              <a:spcBef>
-                <a:spcPts val="1570"/>
-              </a:spcBef>
-              <a:buClr>
-                <a:srgbClr val="FFFFFF"/>
-              </a:buClr>
-              <a:buChar char="●"/>
-              <a:tabLst>
-                <a:tab pos="424815" algn="l"/>
-                <a:tab pos="425450" algn="l"/>
-              </a:tabLst>
-            </a:pPr>
-            <a:r>
-              <a:rPr lang="en-US" altLang="zh-CN" sz="2400" dirty="0">
-                <a:solidFill>
-                  <a:srgbClr val="FFFFFF"/>
-                </a:solidFill>
-                <a:latin typeface="Arial" panose="020B0604020202020204"/>
-                <a:cs typeface="Arial" panose="020B0604020202020204"/>
-              </a:rPr>
-              <a:t>NPM(3</a:t>
-            </a:r>
-            <a:r>
-              <a:rPr lang="zh-CN" altLang="zh-CN" sz="2400" dirty="0">
-                <a:solidFill>
-                  <a:srgbClr val="FFFFFF"/>
-                </a:solidFill>
-                <a:latin typeface="Arial" panose="020B0604020202020204"/>
-                <a:cs typeface="Arial" panose="020B0604020202020204"/>
-              </a:rPr>
-              <a:t>条命令</a:t>
-            </a:r>
-            <a:r>
-              <a:rPr lang="en-US" altLang="zh-CN" sz="2400" dirty="0">
-                <a:solidFill>
-                  <a:srgbClr val="FFFFFF"/>
-                </a:solidFill>
-                <a:latin typeface="Arial" panose="020B0604020202020204"/>
-                <a:cs typeface="Arial" panose="020B0604020202020204"/>
-              </a:rPr>
-              <a:t>)</a:t>
-            </a:r>
-            <a:endParaRPr lang="zh-CN" altLang="en-US" sz="2400" dirty="0">
-              <a:solidFill>
-                <a:srgbClr val="FFFFFF"/>
-              </a:solidFill>
-              <a:latin typeface="Arial" panose="020B0604020202020204"/>
-              <a:cs typeface="Arial" panose="020B0604020202020204"/>
-            </a:endParaRPr>
-          </a:p>
-        </p:txBody>
-      </p:sp>
-      <p:sp>
-        <p:nvSpPr>
-          <p:cNvPr id="8" name="object 3"/>
-          <p:cNvSpPr txBox="1"/>
-          <p:nvPr/>
-        </p:nvSpPr>
-        <p:spPr>
-          <a:xfrm>
-            <a:off x="4570730" y="2163445"/>
-            <a:ext cx="4185920" cy="568325"/>
-          </a:xfrm>
-          <a:prstGeom prst="rect">
-            <a:avLst/>
-          </a:prstGeom>
-        </p:spPr>
-        <p:txBody>
-          <a:bodyPr vert="horz" wrap="square" lIns="0" tIns="199390" rIns="0" bIns="0" rtlCol="0">
-            <a:spAutoFit/>
-          </a:bodyPr>
-          <a:p>
-            <a:pPr marL="424815" indent="-412115">
-              <a:lnSpc>
-                <a:spcPct val="100000"/>
-              </a:lnSpc>
-              <a:spcBef>
-                <a:spcPts val="1570"/>
-              </a:spcBef>
-              <a:buClr>
-                <a:srgbClr val="FFFFFF"/>
-              </a:buClr>
-              <a:buChar char="●"/>
-              <a:tabLst>
-                <a:tab pos="424815" algn="l"/>
-                <a:tab pos="425450" algn="l"/>
-              </a:tabLst>
-            </a:pPr>
-            <a:r>
-              <a:rPr lang="en-US" altLang="zh-CN" sz="2400" strike="sngStrike" dirty="0">
-                <a:solidFill>
-                  <a:srgbClr val="FFFFFF"/>
-                </a:solidFill>
-                <a:uFillTx/>
-                <a:latin typeface="Arial" panose="020B0604020202020204"/>
-                <a:cs typeface="Arial" panose="020B0604020202020204"/>
-              </a:rPr>
-              <a:t>webpack</a:t>
-            </a:r>
-            <a:endParaRPr lang="en-US" altLang="zh-CN" sz="2400" strike="sngStrike" dirty="0">
-              <a:solidFill>
-                <a:srgbClr val="FFFFFF"/>
-              </a:solidFill>
-              <a:uFillTx/>
-              <a:latin typeface="Arial" panose="020B0604020202020204"/>
-              <a:cs typeface="Arial" panose="020B0604020202020204"/>
-            </a:endParaRPr>
-          </a:p>
-        </p:txBody>
-      </p:sp>
-      <p:sp>
-        <p:nvSpPr>
-          <p:cNvPr id="9" name="object 3"/>
-          <p:cNvSpPr txBox="1"/>
-          <p:nvPr/>
-        </p:nvSpPr>
-        <p:spPr>
-          <a:xfrm>
-            <a:off x="4570730" y="2905125"/>
-            <a:ext cx="4185920" cy="568325"/>
-          </a:xfrm>
-          <a:prstGeom prst="rect">
-            <a:avLst/>
-          </a:prstGeom>
-        </p:spPr>
-        <p:txBody>
-          <a:bodyPr vert="horz" wrap="square" lIns="0" tIns="199390" rIns="0" bIns="0" rtlCol="0">
-            <a:spAutoFit/>
-          </a:bodyPr>
-          <a:p>
-            <a:pPr marL="424815" indent="-412115">
-              <a:lnSpc>
-                <a:spcPct val="100000"/>
-              </a:lnSpc>
-              <a:spcBef>
-                <a:spcPts val="1570"/>
-              </a:spcBef>
-              <a:buClr>
-                <a:srgbClr val="FFFFFF"/>
-              </a:buClr>
-              <a:buChar char="●"/>
-              <a:tabLst>
-                <a:tab pos="424815" algn="l"/>
-                <a:tab pos="425450" algn="l"/>
-              </a:tabLst>
-            </a:pPr>
-            <a:r>
-              <a:rPr lang="en-US" altLang="zh-CN" sz="2400" strike="sngStrike" dirty="0">
-                <a:solidFill>
-                  <a:srgbClr val="FFFFFF"/>
-                </a:solidFill>
-                <a:uFillTx/>
-                <a:latin typeface="Arial" panose="020B0604020202020204"/>
-                <a:cs typeface="Arial" panose="020B0604020202020204"/>
-              </a:rPr>
-              <a:t>Babel</a:t>
-            </a:r>
-            <a:endParaRPr lang="en-US" altLang="zh-CN" sz="2400" strike="sngStrike" dirty="0">
-              <a:solidFill>
-                <a:srgbClr val="FFFFFF"/>
-              </a:solidFill>
-              <a:uFillTx/>
               <a:latin typeface="Arial" panose="020B0604020202020204"/>
               <a:cs typeface="Arial" panose="020B0604020202020204"/>
             </a:endParaRPr>
@@ -7326,7 +7107,7 @@
         <p:spPr>
           <a:xfrm>
             <a:off x="384810" y="652145"/>
-            <a:ext cx="4686935" cy="443230"/>
+            <a:ext cx="4337685" cy="443230"/>
           </a:xfrm>
           <a:prstGeom prst="rect">
             <a:avLst/>
@@ -7347,20 +7128,20 @@
               </a:spcBef>
             </a:pPr>
             <a:r>
-              <a:rPr lang="en-US" altLang="zh-CN" sz="2800" spc="-10" dirty="0">
+              <a:rPr lang="en-US" sz="2800" spc="-10" dirty="0">
                 <a:latin typeface="Arial" panose="020B0604020202020204"/>
                 <a:cs typeface="Arial" panose="020B0604020202020204"/>
               </a:rPr>
-              <a:t>vue-cli</a:t>
-            </a:r>
-            <a:r>
-              <a:rPr lang="zh-CN" altLang="zh-CN" sz="2800" spc="-10" dirty="0">
+              <a:t>Vue</a:t>
+            </a:r>
+            <a:r>
+              <a:rPr lang="zh-CN" sz="2800" spc="-10" dirty="0">
                 <a:latin typeface="Arial" panose="020B0604020202020204"/>
                 <a:cs typeface="Arial" panose="020B0604020202020204"/>
               </a:rPr>
-              <a:t>构建</a:t>
-            </a:r>
-            <a:endParaRPr lang="zh-CN" altLang="zh-CN" sz="2800" spc="-10" dirty="0">
+              <a:t>技术栈</a:t>
+            </a:r>
+            <a:endParaRPr lang="zh-CN" sz="2800" spc="-10" dirty="0">
               <a:latin typeface="Arial" panose="020B0604020202020204"/>
               <a:cs typeface="Arial" panose="020B0604020202020204"/>
             </a:endParaRPr>
@@ -7375,8 +7156,8 @@
         </p:nvSpPr>
         <p:spPr>
           <a:xfrm>
-            <a:off x="384810" y="1418590"/>
-            <a:ext cx="8409305" cy="1306830"/>
+            <a:off x="384810" y="1419225"/>
+            <a:ext cx="4185920" cy="568325"/>
           </a:xfrm>
           <a:prstGeom prst="rect">
             <a:avLst/>
@@ -7405,27 +7186,36 @@
               </a:tabLst>
             </a:pPr>
             <a:r>
-              <a:rPr sz="2400" dirty="0">
+              <a:rPr lang="en-US" altLang="zh-CN" sz="2400" dirty="0">
                 <a:solidFill>
                   <a:srgbClr val="FFFFFF"/>
                 </a:solidFill>
                 <a:latin typeface="Arial" panose="020B0604020202020204"/>
                 <a:cs typeface="Arial" panose="020B0604020202020204"/>
               </a:rPr>
-              <a:t>在使用vue-cli之前我们需要安装node.js，利用其提供的npm命令来安装vue-cli。安装node.js只需去其官网下载软件并安装即可，地址为：</a:t>
-            </a:r>
-            <a:r>
-              <a:rPr sz="2400" dirty="0">
+              <a:t>Vue-cli(1</a:t>
+            </a:r>
+            <a:r>
+              <a:rPr lang="zh-CN" altLang="zh-CN" sz="2400" dirty="0">
                 <a:solidFill>
                   <a:srgbClr val="FFFFFF"/>
                 </a:solidFill>
                 <a:latin typeface="Arial" panose="020B0604020202020204"/>
                 <a:cs typeface="Arial" panose="020B0604020202020204"/>
-                <a:hlinkClick r:id="rId1" action="ppaction://hlinkfile"/>
-              </a:rPr>
-              <a:t>https://nodejs.org/en/</a:t>
-            </a:r>
-            <a:endParaRPr sz="2400" dirty="0">
+              </a:rPr>
+              <a:t>条命令</a:t>
+            </a:r>
+            <a:r>
+              <a:rPr lang="en-US" altLang="zh-CN" sz="2400" dirty="0">
+                <a:solidFill>
+                  <a:srgbClr val="FFFFFF"/>
+                </a:solidFill>
+                <a:latin typeface="Arial" panose="020B0604020202020204"/>
+                <a:cs typeface="Arial" panose="020B0604020202020204"/>
+              </a:rPr>
+              <a:t>)</a:t>
+            </a:r>
+            <a:endParaRPr lang="en-US" altLang="zh-CN" sz="2400" dirty="0">
               <a:solidFill>
                 <a:srgbClr val="FFFFFF"/>
               </a:solidFill>
@@ -7437,208 +7227,382 @@
       </p:sp>
       <p:sp>
         <p:nvSpPr>
-          <p:cNvPr id="7" name="矩形 6"/>
-          <p:cNvSpPr/>
+          <p:cNvPr id="5" name="object 3"/>
+          <p:cNvSpPr txBox="1"/>
           <p:nvPr/>
         </p:nvSpPr>
         <p:spPr>
           <a:xfrm>
-            <a:off x="664845" y="2910205"/>
-            <a:ext cx="7848600" cy="655955"/>
+            <a:off x="367030" y="2163445"/>
+            <a:ext cx="4203700" cy="568325"/>
           </a:xfrm>
           <a:prstGeom prst="rect">
             <a:avLst/>
           </a:prstGeom>
-          <a:ln>
-            <a:solidFill>
-              <a:srgbClr val="42B983"/>
-            </a:solidFill>
-          </a:ln>
-        </p:spPr>
-        <p:style>
-          <a:lnRef idx="2">
-            <a:schemeClr val="accent3"/>
-          </a:lnRef>
-          <a:fillRef idx="1">
-            <a:schemeClr val="lt1"/>
-          </a:fillRef>
-          <a:effectRef idx="0">
-            <a:schemeClr val="accent3"/>
-          </a:effectRef>
-          <a:fontRef idx="minor">
-            <a:schemeClr val="dk1"/>
-          </a:fontRef>
-        </p:style>
-        <p:txBody>
-          <a:bodyPr vert="horz" wrap="square" lIns="90170" tIns="46990" rIns="90170" bIns="46990" rtlCol="0" anchor="ctr" anchorCtr="0">
-            <a:noAutofit/>
+        </p:spPr>
+        <p:txBody>
+          <a:bodyPr vert="horz" wrap="square" lIns="0" tIns="199390" rIns="0" bIns="0" rtlCol="0">
+            <a:spAutoFit/>
           </a:bodyPr>
           <a:p>
-            <a:pPr algn="l"/>
-            <a:r>
-              <a:rPr lang="en-US" altLang="zh-CN">
-                <a:latin typeface="Consolas" panose="020B0609020204030204" charset="0"/>
-              </a:rPr>
-              <a:t>npm install  -g vue-cli</a:t>
-            </a:r>
-            <a:endParaRPr lang="en-US" altLang="zh-CN">
-              <a:latin typeface="Consolas" panose="020B0609020204030204" charset="0"/>
-            </a:endParaRPr>
-          </a:p>
-        </p:txBody>
-      </p:sp>
-      <p:sp>
-        <p:nvSpPr>
-          <p:cNvPr id="12" name="矩形 11"/>
-          <p:cNvSpPr/>
+            <a:pPr marL="424815" indent="-412115">
+              <a:lnSpc>
+                <a:spcPct val="100000"/>
+              </a:lnSpc>
+              <a:spcBef>
+                <a:spcPts val="1570"/>
+              </a:spcBef>
+              <a:buClr>
+                <a:srgbClr val="FFFFFF"/>
+              </a:buClr>
+              <a:buChar char="●"/>
+              <a:tabLst>
+                <a:tab pos="424815" algn="l"/>
+                <a:tab pos="425450" algn="l"/>
+              </a:tabLst>
+            </a:pPr>
+            <a:r>
+              <a:rPr lang="en-US" altLang="zh-CN" sz="2400" strike="sngStrike" dirty="0">
+                <a:solidFill>
+                  <a:srgbClr val="FFFFFF"/>
+                </a:solidFill>
+                <a:uFillTx/>
+                <a:latin typeface="Arial" panose="020B0604020202020204"/>
+                <a:cs typeface="Arial" panose="020B0604020202020204"/>
+              </a:rPr>
+              <a:t>vue-router</a:t>
+            </a:r>
+            <a:endParaRPr lang="en-US" altLang="zh-CN" sz="2400" strike="sngStrike" dirty="0">
+              <a:solidFill>
+                <a:srgbClr val="FFFFFF"/>
+              </a:solidFill>
+              <a:uFillTx/>
+              <a:latin typeface="Arial" panose="020B0604020202020204"/>
+              <a:cs typeface="Arial" panose="020B0604020202020204"/>
+            </a:endParaRPr>
+          </a:p>
+        </p:txBody>
+      </p:sp>
+      <p:sp>
+        <p:nvSpPr>
+          <p:cNvPr id="6" name="object 3"/>
+          <p:cNvSpPr txBox="1"/>
           <p:nvPr/>
         </p:nvSpPr>
         <p:spPr>
           <a:xfrm>
-            <a:off x="664845" y="3750945"/>
-            <a:ext cx="7848600" cy="655955"/>
+            <a:off x="384810" y="2905125"/>
+            <a:ext cx="4185920" cy="568325"/>
           </a:xfrm>
           <a:prstGeom prst="rect">
             <a:avLst/>
           </a:prstGeom>
-          <a:ln>
-            <a:solidFill>
-              <a:srgbClr val="42B983"/>
-            </a:solidFill>
-          </a:ln>
-        </p:spPr>
-        <p:style>
-          <a:lnRef idx="2">
-            <a:schemeClr val="accent3"/>
-          </a:lnRef>
-          <a:fillRef idx="1">
-            <a:schemeClr val="lt1"/>
-          </a:fillRef>
-          <a:effectRef idx="0">
-            <a:schemeClr val="accent3"/>
-          </a:effectRef>
-          <a:fontRef idx="minor">
-            <a:schemeClr val="dk1"/>
-          </a:fontRef>
-        </p:style>
-        <p:txBody>
-          <a:bodyPr vert="horz" wrap="square" lIns="90170" tIns="46990" rIns="90170" bIns="46990" rtlCol="0" anchor="ctr" anchorCtr="0">
-            <a:noAutofit/>
+        </p:spPr>
+        <p:txBody>
+          <a:bodyPr vert="horz" wrap="square" lIns="0" tIns="199390" rIns="0" bIns="0" rtlCol="0">
+            <a:spAutoFit/>
           </a:bodyPr>
           <a:p>
-            <a:pPr algn="l"/>
-            <a:r>
-              <a:rPr lang="en-US" altLang="zh-CN">
-                <a:latin typeface="Consolas" panose="020B0609020204030204" charset="0"/>
-              </a:rPr>
-              <a:t>vue init OnsenUI/vue-cordova-webpack hello-world</a:t>
-            </a:r>
-            <a:endParaRPr lang="en-US" altLang="zh-CN">
-              <a:latin typeface="Consolas" panose="020B0609020204030204" charset="0"/>
-            </a:endParaRPr>
-          </a:p>
-        </p:txBody>
-      </p:sp>
-      <p:sp>
-        <p:nvSpPr>
-          <p:cNvPr id="13" name="矩形 12"/>
-          <p:cNvSpPr/>
+            <a:pPr marL="424815" indent="-412115">
+              <a:lnSpc>
+                <a:spcPct val="100000"/>
+              </a:lnSpc>
+              <a:spcBef>
+                <a:spcPts val="1570"/>
+              </a:spcBef>
+              <a:buClr>
+                <a:srgbClr val="FFFFFF"/>
+              </a:buClr>
+              <a:buChar char="●"/>
+              <a:tabLst>
+                <a:tab pos="424815" algn="l"/>
+                <a:tab pos="425450" algn="l"/>
+              </a:tabLst>
+            </a:pPr>
+            <a:r>
+              <a:rPr lang="en-US" altLang="zh-CN" sz="2400" dirty="0">
+                <a:solidFill>
+                  <a:srgbClr val="FFFFFF"/>
+                </a:solidFill>
+                <a:latin typeface="Arial" panose="020B0604020202020204"/>
+                <a:cs typeface="Arial" panose="020B0604020202020204"/>
+              </a:rPr>
+              <a:t>Vuex</a:t>
+            </a:r>
+            <a:endParaRPr lang="en-US" altLang="zh-CN" sz="2400" dirty="0">
+              <a:solidFill>
+                <a:srgbClr val="FFFFFF"/>
+              </a:solidFill>
+              <a:latin typeface="Arial" panose="020B0604020202020204"/>
+              <a:cs typeface="Arial" panose="020B0604020202020204"/>
+            </a:endParaRPr>
+          </a:p>
+        </p:txBody>
+      </p:sp>
+      <p:sp>
+        <p:nvSpPr>
+          <p:cNvPr id="4" name="object 3"/>
+          <p:cNvSpPr txBox="1"/>
           <p:nvPr/>
         </p:nvSpPr>
         <p:spPr>
           <a:xfrm>
-            <a:off x="665480" y="4599940"/>
-            <a:ext cx="7848600" cy="655955"/>
+            <a:off x="367030" y="3686810"/>
+            <a:ext cx="4203700" cy="568325"/>
           </a:xfrm>
           <a:prstGeom prst="rect">
             <a:avLst/>
           </a:prstGeom>
-          <a:ln>
-            <a:solidFill>
-              <a:srgbClr val="42B983"/>
-            </a:solidFill>
-          </a:ln>
-        </p:spPr>
-        <p:style>
-          <a:lnRef idx="2">
-            <a:schemeClr val="accent3"/>
-          </a:lnRef>
-          <a:fillRef idx="1">
-            <a:schemeClr val="lt1"/>
-          </a:fillRef>
-          <a:effectRef idx="0">
-            <a:schemeClr val="accent3"/>
-          </a:effectRef>
-          <a:fontRef idx="minor">
-            <a:schemeClr val="dk1"/>
-          </a:fontRef>
-        </p:style>
-        <p:txBody>
-          <a:bodyPr vert="horz" wrap="square" lIns="90170" tIns="46990" rIns="90170" bIns="46990" rtlCol="0" anchor="ctr" anchorCtr="0">
-            <a:noAutofit/>
+        </p:spPr>
+        <p:txBody>
+          <a:bodyPr vert="horz" wrap="square" lIns="0" tIns="199390" rIns="0" bIns="0" rtlCol="0">
+            <a:spAutoFit/>
           </a:bodyPr>
           <a:p>
-            <a:pPr algn="l"/>
-            <a:r>
-              <a:rPr lang="en-US" altLang="zh-CN">
-                <a:latin typeface="Consolas" panose="020B0609020204030204" charset="0"/>
-              </a:rPr>
-              <a:t>cd hello-world</a:t>
-            </a:r>
-            <a:endParaRPr lang="en-US" altLang="zh-CN">
-              <a:latin typeface="Consolas" panose="020B0609020204030204" charset="0"/>
-            </a:endParaRPr>
-          </a:p>
-        </p:txBody>
-      </p:sp>
-      <p:sp>
-        <p:nvSpPr>
-          <p:cNvPr id="14" name="矩形 13"/>
-          <p:cNvSpPr/>
+            <a:pPr marL="424815" indent="-412115">
+              <a:lnSpc>
+                <a:spcPct val="100000"/>
+              </a:lnSpc>
+              <a:spcBef>
+                <a:spcPts val="1570"/>
+              </a:spcBef>
+              <a:buClr>
+                <a:srgbClr val="FFFFFF"/>
+              </a:buClr>
+              <a:buChar char="●"/>
+              <a:tabLst>
+                <a:tab pos="424815" algn="l"/>
+                <a:tab pos="425450" algn="l"/>
+              </a:tabLst>
+            </a:pPr>
+            <a:r>
+              <a:rPr lang="en-US" altLang="zh-CN" sz="2400" dirty="0">
+                <a:solidFill>
+                  <a:srgbClr val="FFFFFF"/>
+                </a:solidFill>
+                <a:latin typeface="Arial" panose="020B0604020202020204"/>
+                <a:cs typeface="Arial" panose="020B0604020202020204"/>
+              </a:rPr>
+              <a:t>ES6(</a:t>
+            </a:r>
+            <a:r>
+              <a:rPr lang="zh-CN" altLang="zh-CN" sz="2400" dirty="0">
+                <a:solidFill>
+                  <a:srgbClr val="FFFFFF"/>
+                </a:solidFill>
+                <a:latin typeface="Arial" panose="020B0604020202020204"/>
+                <a:cs typeface="Arial" panose="020B0604020202020204"/>
+              </a:rPr>
+              <a:t>项目中使用部分</a:t>
+            </a:r>
+            <a:r>
+              <a:rPr lang="en-US" altLang="zh-CN" sz="2400" dirty="0">
+                <a:solidFill>
+                  <a:srgbClr val="FFFFFF"/>
+                </a:solidFill>
+                <a:latin typeface="Arial" panose="020B0604020202020204"/>
+                <a:cs typeface="Arial" panose="020B0604020202020204"/>
+              </a:rPr>
+              <a:t>)</a:t>
+            </a:r>
+            <a:endParaRPr lang="en-US" altLang="zh-CN" sz="2400" dirty="0">
+              <a:solidFill>
+                <a:srgbClr val="FFFFFF"/>
+              </a:solidFill>
+              <a:latin typeface="Arial" panose="020B0604020202020204"/>
+              <a:cs typeface="Arial" panose="020B0604020202020204"/>
+            </a:endParaRPr>
+          </a:p>
+        </p:txBody>
+      </p:sp>
+      <p:sp>
+        <p:nvSpPr>
+          <p:cNvPr id="7" name="object 3"/>
+          <p:cNvSpPr txBox="1"/>
           <p:nvPr/>
         </p:nvSpPr>
         <p:spPr>
           <a:xfrm>
-            <a:off x="665480" y="5432425"/>
-            <a:ext cx="7848600" cy="655955"/>
+            <a:off x="4570730" y="1419225"/>
+            <a:ext cx="4185920" cy="568325"/>
           </a:xfrm>
           <a:prstGeom prst="rect">
             <a:avLst/>
           </a:prstGeom>
-          <a:ln>
-            <a:solidFill>
-              <a:srgbClr val="42B983"/>
-            </a:solidFill>
-          </a:ln>
-        </p:spPr>
-        <p:style>
-          <a:lnRef idx="2">
-            <a:schemeClr val="accent3"/>
-          </a:lnRef>
-          <a:fillRef idx="1">
-            <a:schemeClr val="lt1"/>
-          </a:fillRef>
-          <a:effectRef idx="0">
-            <a:schemeClr val="accent3"/>
-          </a:effectRef>
-          <a:fontRef idx="minor">
-            <a:schemeClr val="dk1"/>
-          </a:fontRef>
-        </p:style>
-        <p:txBody>
-          <a:bodyPr vert="horz" wrap="square" lIns="90170" tIns="46990" rIns="90170" bIns="46990" rtlCol="0" anchor="ctr" anchorCtr="0">
-            <a:noAutofit/>
+        </p:spPr>
+        <p:txBody>
+          <a:bodyPr vert="horz" wrap="square" lIns="0" tIns="199390" rIns="0" bIns="0" rtlCol="0">
+            <a:spAutoFit/>
           </a:bodyPr>
           <a:p>
-            <a:pPr algn="l"/>
-            <a:r>
-              <a:rPr lang="en-US" altLang="zh-CN">
-                <a:latin typeface="Consolas" panose="020B0609020204030204" charset="0"/>
-              </a:rPr>
-              <a:t>npm install</a:t>
-            </a:r>
-            <a:endParaRPr lang="en-US" altLang="zh-CN">
-              <a:latin typeface="Consolas" panose="020B0609020204030204" charset="0"/>
+            <a:pPr marL="424815" indent="-412115">
+              <a:lnSpc>
+                <a:spcPct val="100000"/>
+              </a:lnSpc>
+              <a:spcBef>
+                <a:spcPts val="1570"/>
+              </a:spcBef>
+              <a:buClr>
+                <a:srgbClr val="FFFFFF"/>
+              </a:buClr>
+              <a:buChar char="●"/>
+              <a:tabLst>
+                <a:tab pos="424815" algn="l"/>
+                <a:tab pos="425450" algn="l"/>
+              </a:tabLst>
+            </a:pPr>
+            <a:r>
+              <a:rPr lang="en-US" altLang="zh-CN" sz="2400" dirty="0">
+                <a:solidFill>
+                  <a:srgbClr val="FFFFFF"/>
+                </a:solidFill>
+                <a:latin typeface="Arial" panose="020B0604020202020204"/>
+                <a:cs typeface="Arial" panose="020B0604020202020204"/>
+              </a:rPr>
+              <a:t>NPM(3</a:t>
+            </a:r>
+            <a:r>
+              <a:rPr lang="zh-CN" altLang="zh-CN" sz="2400" dirty="0">
+                <a:solidFill>
+                  <a:srgbClr val="FFFFFF"/>
+                </a:solidFill>
+                <a:latin typeface="Arial" panose="020B0604020202020204"/>
+                <a:cs typeface="Arial" panose="020B0604020202020204"/>
+              </a:rPr>
+              <a:t>条命令</a:t>
+            </a:r>
+            <a:r>
+              <a:rPr lang="en-US" altLang="zh-CN" sz="2400" dirty="0">
+                <a:solidFill>
+                  <a:srgbClr val="FFFFFF"/>
+                </a:solidFill>
+                <a:latin typeface="Arial" panose="020B0604020202020204"/>
+                <a:cs typeface="Arial" panose="020B0604020202020204"/>
+              </a:rPr>
+              <a:t>)</a:t>
+            </a:r>
+            <a:endParaRPr lang="zh-CN" altLang="en-US" sz="2400" dirty="0">
+              <a:solidFill>
+                <a:srgbClr val="FFFFFF"/>
+              </a:solidFill>
+              <a:latin typeface="Arial" panose="020B0604020202020204"/>
+              <a:cs typeface="Arial" panose="020B0604020202020204"/>
+            </a:endParaRPr>
+          </a:p>
+        </p:txBody>
+      </p:sp>
+      <p:sp>
+        <p:nvSpPr>
+          <p:cNvPr id="8" name="object 3"/>
+          <p:cNvSpPr txBox="1"/>
+          <p:nvPr/>
+        </p:nvSpPr>
+        <p:spPr>
+          <a:xfrm>
+            <a:off x="4570730" y="2163445"/>
+            <a:ext cx="4185920" cy="568325"/>
+          </a:xfrm>
+          <a:prstGeom prst="rect">
+            <a:avLst/>
+          </a:prstGeom>
+        </p:spPr>
+        <p:txBody>
+          <a:bodyPr vert="horz" wrap="square" lIns="0" tIns="199390" rIns="0" bIns="0" rtlCol="0">
+            <a:spAutoFit/>
+          </a:bodyPr>
+          <a:p>
+            <a:pPr marL="424815" indent="-412115">
+              <a:lnSpc>
+                <a:spcPct val="100000"/>
+              </a:lnSpc>
+              <a:spcBef>
+                <a:spcPts val="1570"/>
+              </a:spcBef>
+              <a:buClr>
+                <a:srgbClr val="FFFFFF"/>
+              </a:buClr>
+              <a:buChar char="●"/>
+              <a:tabLst>
+                <a:tab pos="424815" algn="l"/>
+                <a:tab pos="425450" algn="l"/>
+              </a:tabLst>
+            </a:pPr>
+            <a:r>
+              <a:rPr lang="en-US" altLang="zh-CN" sz="2400" strike="sngStrike" dirty="0">
+                <a:solidFill>
+                  <a:srgbClr val="FFFFFF"/>
+                </a:solidFill>
+                <a:uFillTx/>
+                <a:latin typeface="Arial" panose="020B0604020202020204"/>
+                <a:cs typeface="Arial" panose="020B0604020202020204"/>
+              </a:rPr>
+              <a:t>webpack</a:t>
+            </a:r>
+            <a:endParaRPr lang="en-US" altLang="zh-CN" sz="2400" strike="sngStrike" dirty="0">
+              <a:solidFill>
+                <a:srgbClr val="FFFFFF"/>
+              </a:solidFill>
+              <a:uFillTx/>
+              <a:latin typeface="Arial" panose="020B0604020202020204"/>
+              <a:cs typeface="Arial" panose="020B0604020202020204"/>
+            </a:endParaRPr>
+          </a:p>
+        </p:txBody>
+      </p:sp>
+      <p:sp>
+        <p:nvSpPr>
+          <p:cNvPr id="9" name="object 3"/>
+          <p:cNvSpPr txBox="1"/>
+          <p:nvPr/>
+        </p:nvSpPr>
+        <p:spPr>
+          <a:xfrm>
+            <a:off x="4570730" y="2905125"/>
+            <a:ext cx="4185920" cy="568325"/>
+          </a:xfrm>
+          <a:prstGeom prst="rect">
+            <a:avLst/>
+          </a:prstGeom>
+        </p:spPr>
+        <p:txBody>
+          <a:bodyPr vert="horz" wrap="square" lIns="0" tIns="199390" rIns="0" bIns="0" rtlCol="0">
+            <a:spAutoFit/>
+          </a:bodyPr>
+          <a:p>
+            <a:pPr marL="424815" indent="-412115">
+              <a:lnSpc>
+                <a:spcPct val="100000"/>
+              </a:lnSpc>
+              <a:spcBef>
+                <a:spcPts val="1570"/>
+              </a:spcBef>
+              <a:buClr>
+                <a:srgbClr val="FFFFFF"/>
+              </a:buClr>
+              <a:buChar char="●"/>
+              <a:tabLst>
+                <a:tab pos="424815" algn="l"/>
+                <a:tab pos="425450" algn="l"/>
+              </a:tabLst>
+            </a:pPr>
+            <a:r>
+              <a:rPr lang="en-US" altLang="zh-CN" sz="2400" strike="sngStrike" dirty="0">
+                <a:solidFill>
+                  <a:srgbClr val="FFFFFF"/>
+                </a:solidFill>
+                <a:uFillTx/>
+                <a:latin typeface="Arial" panose="020B0604020202020204"/>
+                <a:cs typeface="Arial" panose="020B0604020202020204"/>
+              </a:rPr>
+              <a:t>Babel</a:t>
+            </a:r>
+            <a:endParaRPr lang="en-US" altLang="zh-CN" sz="2400" strike="sngStrike" dirty="0">
+              <a:solidFill>
+                <a:srgbClr val="FFFFFF"/>
+              </a:solidFill>
+              <a:uFillTx/>
+              <a:latin typeface="Arial" panose="020B0604020202020204"/>
+              <a:cs typeface="Arial" panose="020B0604020202020204"/>
             </a:endParaRPr>
           </a:p>
         </p:txBody>
@@ -7702,11 +7666,18 @@
               </a:spcBef>
             </a:pPr>
             <a:r>
+              <a:rPr lang="en-US" altLang="zh-CN" sz="2800" spc="-10" dirty="0">
+                <a:latin typeface="Arial" panose="020B0604020202020204"/>
+                <a:cs typeface="Arial" panose="020B0604020202020204"/>
+              </a:rPr>
+              <a:t>vue-cli</a:t>
+            </a:r>
+            <a:r>
               <a:rPr lang="zh-CN" altLang="zh-CN" sz="2800" spc="-10" dirty="0">
                 <a:latin typeface="Arial" panose="020B0604020202020204"/>
                 <a:cs typeface="Arial" panose="020B0604020202020204"/>
               </a:rPr>
-              <a:t>开发模式</a:t>
+              <a:t>构建</a:t>
             </a:r>
             <a:endParaRPr lang="zh-CN" altLang="zh-CN" sz="2800" spc="-10" dirty="0">
               <a:latin typeface="Arial" panose="020B0604020202020204"/>
@@ -7723,8 +7694,8 @@
         </p:nvSpPr>
         <p:spPr>
           <a:xfrm>
-            <a:off x="367030" y="1405890"/>
-            <a:ext cx="8409305" cy="568325"/>
+            <a:off x="384810" y="1418590"/>
+            <a:ext cx="8409305" cy="1306830"/>
           </a:xfrm>
           <a:prstGeom prst="rect">
             <a:avLst/>
@@ -7760,39 +7731,20 @@
                 <a:latin typeface="Arial" panose="020B0604020202020204"/>
                 <a:cs typeface="Arial" panose="020B0604020202020204"/>
               </a:rPr>
-              <a:t>Webpack + vue-loader </a:t>
-            </a:r>
-            <a:r>
-              <a:rPr lang="zh-CN" sz="2400" dirty="0">
+              <a:t>在使用vue-cli之前我们需要安装node.js，利用其提供的npm命令来安装vue-cli。安装node.js只需去其官网下载软件并安装即可，地址为：</a:t>
+            </a:r>
+            <a:r>
+              <a:rPr sz="2400" dirty="0">
                 <a:solidFill>
                   <a:srgbClr val="FFFFFF"/>
                 </a:solidFill>
                 <a:latin typeface="Arial" panose="020B0604020202020204"/>
                 <a:cs typeface="Arial" panose="020B0604020202020204"/>
-              </a:rPr>
-              <a:t>用于处理</a:t>
-            </a:r>
-            <a:r>
-              <a:rPr lang="en-US" altLang="zh-CN" sz="2400" dirty="0">
-                <a:solidFill>
-                  <a:srgbClr val="FFFFFF"/>
-                </a:solidFill>
-                <a:latin typeface="Arial" panose="020B0604020202020204"/>
-                <a:cs typeface="Arial" panose="020B0604020202020204"/>
-              </a:rPr>
-              <a:t>vue</a:t>
-            </a:r>
-            <a:r>
-              <a:rPr lang="zh-CN" altLang="en-US" sz="2400" dirty="0">
-                <a:solidFill>
-                  <a:srgbClr val="FFFFFF"/>
-                </a:solidFill>
-                <a:latin typeface="Arial" panose="020B0604020202020204"/>
-                <a:cs typeface="Arial" panose="020B0604020202020204"/>
-              </a:rPr>
-              <a:t>单文件组件</a:t>
-            </a:r>
-            <a:endParaRPr lang="zh-CN" altLang="en-US" sz="2400" dirty="0">
+                <a:hlinkClick r:id="rId1" action="ppaction://hlinkfile"/>
+              </a:rPr>
+              <a:t>https://nodejs.org/en/</a:t>
+            </a:r>
+            <a:endParaRPr sz="2400" dirty="0">
               <a:solidFill>
                 <a:srgbClr val="FFFFFF"/>
               </a:solidFill>
@@ -7804,13 +7756,13 @@
       </p:sp>
       <p:sp>
         <p:nvSpPr>
-          <p:cNvPr id="15" name="矩形 14"/>
+          <p:cNvPr id="7" name="矩形 6"/>
           <p:cNvSpPr/>
           <p:nvPr/>
         </p:nvSpPr>
         <p:spPr>
           <a:xfrm>
-            <a:off x="384810" y="4237990"/>
+            <a:off x="664845" y="2910205"/>
             <a:ext cx="7848600" cy="655955"/>
           </a:xfrm>
           <a:prstGeom prst="rect">
@@ -7846,7 +7798,7 @@
               <a:rPr lang="en-US" altLang="zh-CN">
                 <a:latin typeface="Consolas" panose="020B0609020204030204" charset="0"/>
               </a:rPr>
-              <a:t>npm run dev</a:t>
+              <a:t>npm install  -g vue-cli</a:t>
             </a:r>
             <a:endParaRPr lang="en-US" altLang="zh-CN">
               <a:latin typeface="Consolas" panose="020B0609020204030204" charset="0"/>
@@ -7856,122 +7808,156 @@
       </p:sp>
       <p:sp>
         <p:nvSpPr>
-          <p:cNvPr id="4" name="object 3"/>
-          <p:cNvSpPr txBox="1"/>
+          <p:cNvPr id="12" name="矩形 11"/>
+          <p:cNvSpPr/>
           <p:nvPr/>
         </p:nvSpPr>
         <p:spPr>
           <a:xfrm>
-            <a:off x="384810" y="2255520"/>
-            <a:ext cx="8409305" cy="568325"/>
+            <a:off x="664845" y="3750945"/>
+            <a:ext cx="7848600" cy="655955"/>
           </a:xfrm>
           <a:prstGeom prst="rect">
             <a:avLst/>
           </a:prstGeom>
-        </p:spPr>
-        <p:txBody>
-          <a:bodyPr vert="horz" wrap="square" lIns="0" tIns="199390" rIns="0" bIns="0" rtlCol="0">
-            <a:spAutoFit/>
+          <a:ln>
+            <a:solidFill>
+              <a:srgbClr val="42B983"/>
+            </a:solidFill>
+          </a:ln>
+        </p:spPr>
+        <p:style>
+          <a:lnRef idx="2">
+            <a:schemeClr val="accent3"/>
+          </a:lnRef>
+          <a:fillRef idx="1">
+            <a:schemeClr val="lt1"/>
+          </a:fillRef>
+          <a:effectRef idx="0">
+            <a:schemeClr val="accent3"/>
+          </a:effectRef>
+          <a:fontRef idx="minor">
+            <a:schemeClr val="dk1"/>
+          </a:fontRef>
+        </p:style>
+        <p:txBody>
+          <a:bodyPr vert="horz" wrap="square" lIns="90170" tIns="46990" rIns="90170" bIns="46990" rtlCol="0" anchor="ctr" anchorCtr="0">
+            <a:noAutofit/>
           </a:bodyPr>
           <a:p>
-            <a:pPr marL="424815" indent="-412115">
-              <a:lnSpc>
-                <a:spcPct val="100000"/>
-              </a:lnSpc>
-              <a:spcBef>
-                <a:spcPts val="1570"/>
-              </a:spcBef>
-              <a:buClr>
-                <a:srgbClr val="FFFFFF"/>
-              </a:buClr>
-              <a:buChar char="●"/>
-              <a:tabLst>
-                <a:tab pos="424815" algn="l"/>
-                <a:tab pos="425450" algn="l"/>
-              </a:tabLst>
-            </a:pPr>
-            <a:r>
-              <a:rPr lang="zh-CN" sz="2400" dirty="0">
-                <a:solidFill>
-                  <a:srgbClr val="FFFFFF"/>
-                </a:solidFill>
-                <a:latin typeface="Arial" panose="020B0604020202020204"/>
-                <a:cs typeface="Arial" panose="020B0604020202020204"/>
-              </a:rPr>
-              <a:t>热重载</a:t>
-            </a:r>
-            <a:endParaRPr lang="zh-CN" sz="2400" dirty="0">
-              <a:solidFill>
-                <a:srgbClr val="FFFFFF"/>
-              </a:solidFill>
-              <a:latin typeface="Arial" panose="020B0604020202020204"/>
-              <a:cs typeface="Arial" panose="020B0604020202020204"/>
-            </a:endParaRPr>
-          </a:p>
-        </p:txBody>
-      </p:sp>
-      <p:sp>
-        <p:nvSpPr>
-          <p:cNvPr id="5" name="object 3"/>
-          <p:cNvSpPr txBox="1"/>
+            <a:pPr algn="l"/>
+            <a:r>
+              <a:rPr lang="en-US" altLang="zh-CN">
+                <a:latin typeface="Consolas" panose="020B0609020204030204" charset="0"/>
+              </a:rPr>
+              <a:t>vue init OnsenUI/vue-cordova-webpack hello-world</a:t>
+            </a:r>
+            <a:endParaRPr lang="en-US" altLang="zh-CN">
+              <a:latin typeface="Consolas" panose="020B0609020204030204" charset="0"/>
+            </a:endParaRPr>
+          </a:p>
+        </p:txBody>
+      </p:sp>
+      <p:sp>
+        <p:nvSpPr>
+          <p:cNvPr id="13" name="矩形 12"/>
+          <p:cNvSpPr/>
           <p:nvPr/>
         </p:nvSpPr>
         <p:spPr>
           <a:xfrm>
-            <a:off x="384810" y="3145155"/>
-            <a:ext cx="8409305" cy="568325"/>
+            <a:off x="665480" y="4599940"/>
+            <a:ext cx="7848600" cy="655955"/>
           </a:xfrm>
           <a:prstGeom prst="rect">
             <a:avLst/>
           </a:prstGeom>
-        </p:spPr>
-        <p:txBody>
-          <a:bodyPr vert="horz" wrap="square" lIns="0" tIns="199390" rIns="0" bIns="0" rtlCol="0">
-            <a:spAutoFit/>
+          <a:ln>
+            <a:solidFill>
+              <a:srgbClr val="42B983"/>
+            </a:solidFill>
+          </a:ln>
+        </p:spPr>
+        <p:style>
+          <a:lnRef idx="2">
+            <a:schemeClr val="accent3"/>
+          </a:lnRef>
+          <a:fillRef idx="1">
+            <a:schemeClr val="lt1"/>
+          </a:fillRef>
+          <a:effectRef idx="0">
+            <a:schemeClr val="accent3"/>
+          </a:effectRef>
+          <a:fontRef idx="minor">
+            <a:schemeClr val="dk1"/>
+          </a:fontRef>
+        </p:style>
+        <p:txBody>
+          <a:bodyPr vert="horz" wrap="square" lIns="90170" tIns="46990" rIns="90170" bIns="46990" rtlCol="0" anchor="ctr" anchorCtr="0">
+            <a:noAutofit/>
           </a:bodyPr>
           <a:p>
-            <a:pPr marL="424815" indent="-412115">
-              <a:lnSpc>
-                <a:spcPct val="100000"/>
-              </a:lnSpc>
-              <a:spcBef>
-                <a:spcPts val="1570"/>
-              </a:spcBef>
-              <a:buClr>
-                <a:srgbClr val="FFFFFF"/>
-              </a:buClr>
-              <a:buChar char="●"/>
-              <a:tabLst>
-                <a:tab pos="424815" algn="l"/>
-                <a:tab pos="425450" algn="l"/>
-              </a:tabLst>
-            </a:pPr>
-            <a:r>
-              <a:rPr lang="en-US" altLang="zh-CN" sz="2400" dirty="0">
-                <a:solidFill>
-                  <a:srgbClr val="FFFFFF"/>
-                </a:solidFill>
-                <a:latin typeface="Arial" panose="020B0604020202020204"/>
-                <a:cs typeface="Arial" panose="020B0604020202020204"/>
-              </a:rPr>
-              <a:t>ESLint</a:t>
-            </a:r>
-            <a:r>
-              <a:rPr lang="zh-CN" altLang="en-US" sz="2400" dirty="0">
-                <a:solidFill>
-                  <a:srgbClr val="FFFFFF"/>
-                </a:solidFill>
-                <a:latin typeface="Arial" panose="020B0604020202020204"/>
-                <a:cs typeface="Arial" panose="020B0604020202020204"/>
-              </a:rPr>
-              <a:t>检查</a:t>
-            </a:r>
-            <a:endParaRPr lang="zh-CN" altLang="en-US" sz="2400" dirty="0">
-              <a:solidFill>
-                <a:srgbClr val="FFFFFF"/>
-              </a:solidFill>
-              <a:latin typeface="Arial" panose="020B0604020202020204"/>
-              <a:cs typeface="Arial" panose="020B0604020202020204"/>
+            <a:pPr algn="l"/>
+            <a:r>
+              <a:rPr lang="en-US" altLang="zh-CN">
+                <a:latin typeface="Consolas" panose="020B0609020204030204" charset="0"/>
+              </a:rPr>
+              <a:t>cd hello-world</a:t>
+            </a:r>
+            <a:endParaRPr lang="en-US" altLang="zh-CN">
+              <a:latin typeface="Consolas" panose="020B0609020204030204" charset="0"/>
+            </a:endParaRPr>
+          </a:p>
+        </p:txBody>
+      </p:sp>
+      <p:sp>
+        <p:nvSpPr>
+          <p:cNvPr id="14" name="矩形 13"/>
+          <p:cNvSpPr/>
+          <p:nvPr/>
+        </p:nvSpPr>
+        <p:spPr>
+          <a:xfrm>
+            <a:off x="665480" y="5432425"/>
+            <a:ext cx="7848600" cy="655955"/>
+          </a:xfrm>
+          <a:prstGeom prst="rect">
+            <a:avLst/>
+          </a:prstGeom>
+          <a:ln>
+            <a:solidFill>
+              <a:srgbClr val="42B983"/>
+            </a:solidFill>
+          </a:ln>
+        </p:spPr>
+        <p:style>
+          <a:lnRef idx="2">
+            <a:schemeClr val="accent3"/>
+          </a:lnRef>
+          <a:fillRef idx="1">
+            <a:schemeClr val="lt1"/>
+          </a:fillRef>
+          <a:effectRef idx="0">
+            <a:schemeClr val="accent3"/>
+          </a:effectRef>
+          <a:fontRef idx="minor">
+            <a:schemeClr val="dk1"/>
+          </a:fontRef>
+        </p:style>
+        <p:txBody>
+          <a:bodyPr vert="horz" wrap="square" lIns="90170" tIns="46990" rIns="90170" bIns="46990" rtlCol="0" anchor="ctr" anchorCtr="0">
+            <a:noAutofit/>
+          </a:bodyPr>
+          <a:p>
+            <a:pPr algn="l"/>
+            <a:r>
+              <a:rPr lang="en-US" altLang="zh-CN">
+                <a:latin typeface="Consolas" panose="020B0609020204030204" charset="0"/>
+              </a:rPr>
+              <a:t>npm install</a:t>
+            </a:r>
+            <a:endParaRPr lang="en-US" altLang="zh-CN">
+              <a:latin typeface="Consolas" panose="020B0609020204030204" charset="0"/>
             </a:endParaRPr>
           </a:p>
         </p:txBody>
@@ -8035,18 +8021,11 @@
               </a:spcBef>
             </a:pPr>
             <a:r>
-              <a:rPr lang="en-US" altLang="zh-CN" sz="2800" spc="-10" dirty="0">
-                <a:latin typeface="Arial" panose="020B0604020202020204"/>
-                <a:cs typeface="Arial" panose="020B0604020202020204"/>
-              </a:rPr>
-              <a:t>webpack</a:t>
-            </a:r>
-            <a:r>
               <a:rPr lang="zh-CN" altLang="zh-CN" sz="2800" spc="-10" dirty="0">
                 <a:latin typeface="Arial" panose="020B0604020202020204"/>
                 <a:cs typeface="Arial" panose="020B0604020202020204"/>
               </a:rPr>
-              <a:t>构建生产环境代码</a:t>
+              <a:t>开发模式</a:t>
             </a:r>
             <a:endParaRPr lang="zh-CN" altLang="zh-CN" sz="2800" spc="-10" dirty="0">
               <a:latin typeface="Arial" panose="020B0604020202020204"/>
@@ -8063,7 +8042,7 @@
         </p:nvSpPr>
         <p:spPr>
           <a:xfrm>
-            <a:off x="384810" y="1418590"/>
+            <a:off x="367030" y="1405890"/>
             <a:ext cx="8409305" cy="568325"/>
           </a:xfrm>
           <a:prstGeom prst="rect">
@@ -8093,14 +8072,14 @@
               </a:tabLst>
             </a:pPr>
             <a:r>
-              <a:rPr lang="zh-CN" sz="2400" dirty="0">
+              <a:rPr sz="2400" dirty="0">
                 <a:solidFill>
                   <a:srgbClr val="FFFFFF"/>
                 </a:solidFill>
                 <a:latin typeface="Arial" panose="020B0604020202020204"/>
                 <a:cs typeface="Arial" panose="020B0604020202020204"/>
               </a:rPr>
-              <a:t>通过UglifyJS</a:t>
+              <a:t>Webpack + vue-loader </a:t>
             </a:r>
             <a:r>
               <a:rPr lang="zh-CN" sz="2400" dirty="0">
@@ -8109,22 +8088,30 @@
                 </a:solidFill>
                 <a:latin typeface="Arial" panose="020B0604020202020204"/>
                 <a:cs typeface="Arial" panose="020B0604020202020204"/>
-                <a:sym typeface="+mn-ea"/>
-              </a:rPr>
-              <a:t>压缩</a:t>
-            </a:r>
-            <a:r>
-              <a:rPr lang="en-US" sz="2400" dirty="0">
+              </a:rPr>
+              <a:t>用于处理</a:t>
+            </a:r>
+            <a:r>
+              <a:rPr lang="en-US" altLang="zh-CN" sz="2400" dirty="0">
                 <a:solidFill>
                   <a:srgbClr val="FFFFFF"/>
                 </a:solidFill>
                 <a:latin typeface="Arial" panose="020B0604020202020204"/>
                 <a:cs typeface="Arial" panose="020B0604020202020204"/>
-                <a:sym typeface="+mn-ea"/>
-              </a:rPr>
-              <a:t>js</a:t>
-            </a:r>
-            <a:endParaRPr lang="zh-CN" sz="2400" dirty="0">
+              </a:rPr>
+              <a:t>vue</a:t>
+            </a:r>
+            <a:r>
+              <a:rPr lang="zh-CN" altLang="en-US" sz="2400" dirty="0">
+                <a:solidFill>
+                  <a:srgbClr val="FFFFFF"/>
+                </a:solidFill>
+                <a:latin typeface="Arial" panose="020B0604020202020204"/>
+                <a:cs typeface="Arial" panose="020B0604020202020204"/>
+              </a:rPr>
+              <a:t>单文件组件</a:t>
+            </a:r>
+            <a:endParaRPr lang="zh-CN" altLang="en-US" sz="2400" dirty="0">
               <a:solidFill>
                 <a:srgbClr val="FFFFFF"/>
               </a:solidFill>
@@ -8136,13 +8123,13 @@
       </p:sp>
       <p:sp>
         <p:nvSpPr>
-          <p:cNvPr id="7" name="矩形 6"/>
+          <p:cNvPr id="15" name="矩形 14"/>
           <p:cNvSpPr/>
           <p:nvPr/>
         </p:nvSpPr>
         <p:spPr>
           <a:xfrm>
-            <a:off x="384810" y="4991100"/>
+            <a:off x="384810" y="4237990"/>
             <a:ext cx="7848600" cy="655955"/>
           </a:xfrm>
           <a:prstGeom prst="rect">
@@ -8178,7 +8165,7 @@
               <a:rPr lang="en-US" altLang="zh-CN">
                 <a:latin typeface="Consolas" panose="020B0609020204030204" charset="0"/>
               </a:rPr>
-              <a:t>npm run build</a:t>
+              <a:t>npm run dev</a:t>
             </a:r>
             <a:endParaRPr lang="en-US" altLang="zh-CN">
               <a:latin typeface="Consolas" panose="020B0609020204030204" charset="0"/>
@@ -8194,7 +8181,7 @@
         </p:nvSpPr>
         <p:spPr>
           <a:xfrm>
-            <a:off x="384810" y="2279015"/>
+            <a:off x="384810" y="2255520"/>
             <a:ext cx="8409305" cy="568325"/>
           </a:xfrm>
           <a:prstGeom prst="rect">
@@ -8223,26 +8210,16 @@
               </a:tabLst>
             </a:pPr>
             <a:r>
-              <a:rPr lang="zh-CN" altLang="en-US" sz="2400" dirty="0">
+              <a:rPr lang="zh-CN" sz="2400" dirty="0">
                 <a:solidFill>
                   <a:srgbClr val="FFFFFF"/>
                 </a:solidFill>
                 <a:latin typeface="Arial" panose="020B0604020202020204"/>
                 <a:cs typeface="Arial" panose="020B0604020202020204"/>
               </a:rPr>
-              <a:t>通过 html-minifier压缩</a:t>
-            </a:r>
-            <a:r>
-              <a:rPr lang="en-US" altLang="zh-CN" sz="2400" dirty="0">
-                <a:solidFill>
-                  <a:srgbClr val="FFFFFF"/>
-                </a:solidFill>
-                <a:latin typeface="Arial" panose="020B0604020202020204"/>
-                <a:cs typeface="Arial" panose="020B0604020202020204"/>
-              </a:rPr>
-              <a:t>html</a:t>
-            </a:r>
-            <a:endParaRPr lang="zh-CN" altLang="en-US" sz="2400" dirty="0">
+              <a:t>热重载</a:t>
+            </a:r>
+            <a:endParaRPr lang="zh-CN" sz="2400" dirty="0">
               <a:solidFill>
                 <a:srgbClr val="FFFFFF"/>
               </a:solidFill>
@@ -8261,7 +8238,7 @@
         <p:spPr>
           <a:xfrm>
             <a:off x="384810" y="3145155"/>
-            <a:ext cx="8409305" cy="937895"/>
+            <a:ext cx="8409305" cy="568325"/>
           </a:xfrm>
           <a:prstGeom prst="rect">
             <a:avLst/>
@@ -8289,14 +8266,24 @@
               </a:tabLst>
             </a:pPr>
             <a:r>
-              <a:rPr lang="zh-CN" altLang="en-US" sz="2400" dirty="0">
+              <a:rPr lang="en-US" altLang="zh-CN" sz="2400" dirty="0">
                 <a:solidFill>
                   <a:srgbClr val="FFFFFF"/>
                 </a:solidFill>
                 <a:latin typeface="Arial" panose="020B0604020202020204"/>
                 <a:cs typeface="Arial" panose="020B0604020202020204"/>
               </a:rPr>
-              <a:t>将所有组件的CSS提取到单个文件中，并用cssnano进行压缩。</a:t>
+              <a:t>ESLint</a:t>
+            </a:r>
+            <a:r>
+              <a:rPr lang="zh-CN" altLang="en-US" sz="2400" dirty="0">
+                <a:solidFill>
+                  <a:srgbClr val="FFFFFF"/>
+                </a:solidFill>
+                <a:latin typeface="Arial" panose="020B0604020202020204"/>
+                <a:cs typeface="Arial" panose="020B0604020202020204"/>
+              </a:rPr>
+              <a:t>检查</a:t>
             </a:r>
             <a:endParaRPr lang="zh-CN" altLang="en-US" sz="2400" dirty="0">
               <a:solidFill>
@@ -8317,6 +8304,338 @@
 </file>
 
 <file path=ppt/slides/slide36.xml><?xml version="1.0" encoding="utf-8"?>
+<p:sld xmlns:a="http://schemas.openxmlformats.org/drawingml/2006/main" xmlns:r="http://schemas.openxmlformats.org/officeDocument/2006/relationships" xmlns:p="http://schemas.openxmlformats.org/presentationml/2006/main">
+  <p:cSld>
+    <p:spTree>
+      <p:nvGrpSpPr>
+        <p:cNvPr id="1" name=""/>
+        <p:cNvGrpSpPr/>
+        <p:nvPr/>
+      </p:nvGrpSpPr>
+      <p:grpSpPr>
+        <a:xfrm>
+          <a:off x="0" y="0"/>
+          <a:ext cx="0" cy="0"/>
+          <a:chOff x="0" y="0"/>
+          <a:chExt cx="0" cy="0"/>
+        </a:xfrm>
+      </p:grpSpPr>
+      <p:sp>
+        <p:nvSpPr>
+          <p:cNvPr id="2" name="object 2"/>
+          <p:cNvSpPr txBox="1">
+            <a:spLocks noGrp="1"/>
+          </p:cNvSpPr>
+          <p:nvPr>
+            <p:ph type="title"/>
+          </p:nvPr>
+        </p:nvSpPr>
+        <p:spPr>
+          <a:xfrm>
+            <a:off x="384810" y="652145"/>
+            <a:ext cx="4686935" cy="443230"/>
+          </a:xfrm>
+          <a:prstGeom prst="rect">
+            <a:avLst/>
+          </a:prstGeom>
+        </p:spPr>
+        <p:txBody>
+          <a:bodyPr vert="horz" wrap="square" lIns="0" tIns="12700" rIns="0" bIns="0" rtlCol="0">
+            <a:spAutoFit/>
+          </a:bodyPr>
+          <a:lstStyle/>
+          <a:p>
+            <a:pPr marL="12700">
+              <a:lnSpc>
+                <a:spcPct val="100000"/>
+              </a:lnSpc>
+              <a:spcBef>
+                <a:spcPts val="100"/>
+              </a:spcBef>
+            </a:pPr>
+            <a:r>
+              <a:rPr lang="en-US" altLang="zh-CN" sz="2800" spc="-10" dirty="0">
+                <a:latin typeface="Arial" panose="020B0604020202020204"/>
+                <a:cs typeface="Arial" panose="020B0604020202020204"/>
+              </a:rPr>
+              <a:t>webpack</a:t>
+            </a:r>
+            <a:r>
+              <a:rPr lang="zh-CN" altLang="zh-CN" sz="2800" spc="-10" dirty="0">
+                <a:latin typeface="Arial" panose="020B0604020202020204"/>
+                <a:cs typeface="Arial" panose="020B0604020202020204"/>
+              </a:rPr>
+              <a:t>构建生产环境代码</a:t>
+            </a:r>
+            <a:endParaRPr lang="zh-CN" altLang="zh-CN" sz="2800" spc="-10" dirty="0">
+              <a:latin typeface="Arial" panose="020B0604020202020204"/>
+              <a:cs typeface="Arial" panose="020B0604020202020204"/>
+            </a:endParaRPr>
+          </a:p>
+        </p:txBody>
+      </p:sp>
+      <p:sp>
+        <p:nvSpPr>
+          <p:cNvPr id="3" name="object 3"/>
+          <p:cNvSpPr txBox="1"/>
+          <p:nvPr/>
+        </p:nvSpPr>
+        <p:spPr>
+          <a:xfrm>
+            <a:off x="384810" y="1418590"/>
+            <a:ext cx="8409305" cy="568325"/>
+          </a:xfrm>
+          <a:prstGeom prst="rect">
+            <a:avLst/>
+          </a:prstGeom>
+        </p:spPr>
+        <p:txBody>
+          <a:bodyPr vert="horz" wrap="square" lIns="0" tIns="199390" rIns="0" bIns="0" rtlCol="0">
+            <a:spAutoFit/>
+          </a:bodyPr>
+          <a:lstStyle/>
+          <a:p>
+            <a:pPr marL="424815" indent="-412115">
+              <a:lnSpc>
+                <a:spcPct val="100000"/>
+              </a:lnSpc>
+              <a:spcBef>
+                <a:spcPts val="1570"/>
+              </a:spcBef>
+              <a:buClr>
+                <a:srgbClr val="FFFFFF"/>
+              </a:buClr>
+              <a:buChar char="●"/>
+              <a:tabLst>
+                <a:tab pos="424815" algn="l"/>
+                <a:tab pos="425450" algn="l"/>
+              </a:tabLst>
+            </a:pPr>
+            <a:r>
+              <a:rPr lang="zh-CN" sz="2400" dirty="0">
+                <a:solidFill>
+                  <a:srgbClr val="FFFFFF"/>
+                </a:solidFill>
+                <a:latin typeface="Arial" panose="020B0604020202020204"/>
+                <a:cs typeface="Arial" panose="020B0604020202020204"/>
+              </a:rPr>
+              <a:t>通过UglifyJS</a:t>
+            </a:r>
+            <a:r>
+              <a:rPr lang="zh-CN" sz="2400" dirty="0">
+                <a:solidFill>
+                  <a:srgbClr val="FFFFFF"/>
+                </a:solidFill>
+                <a:latin typeface="Arial" panose="020B0604020202020204"/>
+                <a:cs typeface="Arial" panose="020B0604020202020204"/>
+                <a:sym typeface="+mn-ea"/>
+              </a:rPr>
+              <a:t>压缩</a:t>
+            </a:r>
+            <a:r>
+              <a:rPr lang="en-US" sz="2400" dirty="0">
+                <a:solidFill>
+                  <a:srgbClr val="FFFFFF"/>
+                </a:solidFill>
+                <a:latin typeface="Arial" panose="020B0604020202020204"/>
+                <a:cs typeface="Arial" panose="020B0604020202020204"/>
+                <a:sym typeface="+mn-ea"/>
+              </a:rPr>
+              <a:t>js</a:t>
+            </a:r>
+            <a:endParaRPr lang="zh-CN" sz="2400" dirty="0">
+              <a:solidFill>
+                <a:srgbClr val="FFFFFF"/>
+              </a:solidFill>
+              <a:latin typeface="Arial" panose="020B0604020202020204"/>
+              <a:cs typeface="Arial" panose="020B0604020202020204"/>
+            </a:endParaRPr>
+          </a:p>
+        </p:txBody>
+      </p:sp>
+      <p:sp>
+        <p:nvSpPr>
+          <p:cNvPr id="7" name="矩形 6"/>
+          <p:cNvSpPr/>
+          <p:nvPr/>
+        </p:nvSpPr>
+        <p:spPr>
+          <a:xfrm>
+            <a:off x="384810" y="4991100"/>
+            <a:ext cx="7848600" cy="655955"/>
+          </a:xfrm>
+          <a:prstGeom prst="rect">
+            <a:avLst/>
+          </a:prstGeom>
+          <a:ln>
+            <a:solidFill>
+              <a:srgbClr val="42B983"/>
+            </a:solidFill>
+          </a:ln>
+        </p:spPr>
+        <p:style>
+          <a:lnRef idx="2">
+            <a:schemeClr val="accent3"/>
+          </a:lnRef>
+          <a:fillRef idx="1">
+            <a:schemeClr val="lt1"/>
+          </a:fillRef>
+          <a:effectRef idx="0">
+            <a:schemeClr val="accent3"/>
+          </a:effectRef>
+          <a:fontRef idx="minor">
+            <a:schemeClr val="dk1"/>
+          </a:fontRef>
+        </p:style>
+        <p:txBody>
+          <a:bodyPr vert="horz" wrap="square" lIns="90170" tIns="46990" rIns="90170" bIns="46990" rtlCol="0" anchor="ctr" anchorCtr="0">
+            <a:noAutofit/>
+          </a:bodyPr>
+          <a:p>
+            <a:pPr algn="l"/>
+            <a:r>
+              <a:rPr lang="en-US" altLang="zh-CN">
+                <a:latin typeface="Consolas" panose="020B0609020204030204" charset="0"/>
+              </a:rPr>
+              <a:t>npm run build</a:t>
+            </a:r>
+            <a:endParaRPr lang="en-US" altLang="zh-CN">
+              <a:latin typeface="Consolas" panose="020B0609020204030204" charset="0"/>
+            </a:endParaRPr>
+          </a:p>
+        </p:txBody>
+      </p:sp>
+      <p:sp>
+        <p:nvSpPr>
+          <p:cNvPr id="4" name="object 3"/>
+          <p:cNvSpPr txBox="1"/>
+          <p:nvPr/>
+        </p:nvSpPr>
+        <p:spPr>
+          <a:xfrm>
+            <a:off x="384810" y="2279015"/>
+            <a:ext cx="8409305" cy="568325"/>
+          </a:xfrm>
+          <a:prstGeom prst="rect">
+            <a:avLst/>
+          </a:prstGeom>
+        </p:spPr>
+        <p:txBody>
+          <a:bodyPr vert="horz" wrap="square" lIns="0" tIns="199390" rIns="0" bIns="0" rtlCol="0">
+            <a:spAutoFit/>
+          </a:bodyPr>
+          <a:p>
+            <a:pPr marL="424815" indent="-412115">
+              <a:lnSpc>
+                <a:spcPct val="100000"/>
+              </a:lnSpc>
+              <a:spcBef>
+                <a:spcPts val="1570"/>
+              </a:spcBef>
+              <a:buClr>
+                <a:srgbClr val="FFFFFF"/>
+              </a:buClr>
+              <a:buChar char="●"/>
+              <a:tabLst>
+                <a:tab pos="424815" algn="l"/>
+                <a:tab pos="425450" algn="l"/>
+              </a:tabLst>
+            </a:pPr>
+            <a:r>
+              <a:rPr lang="zh-CN" altLang="en-US" sz="2400" dirty="0">
+                <a:solidFill>
+                  <a:srgbClr val="FFFFFF"/>
+                </a:solidFill>
+                <a:latin typeface="Arial" panose="020B0604020202020204"/>
+                <a:cs typeface="Arial" panose="020B0604020202020204"/>
+              </a:rPr>
+              <a:t>通过 html-minifier压缩</a:t>
+            </a:r>
+            <a:r>
+              <a:rPr lang="en-US" altLang="zh-CN" sz="2400" dirty="0">
+                <a:solidFill>
+                  <a:srgbClr val="FFFFFF"/>
+                </a:solidFill>
+                <a:latin typeface="Arial" panose="020B0604020202020204"/>
+                <a:cs typeface="Arial" panose="020B0604020202020204"/>
+              </a:rPr>
+              <a:t>html</a:t>
+            </a:r>
+            <a:endParaRPr lang="zh-CN" altLang="en-US" sz="2400" dirty="0">
+              <a:solidFill>
+                <a:srgbClr val="FFFFFF"/>
+              </a:solidFill>
+              <a:latin typeface="Arial" panose="020B0604020202020204"/>
+              <a:cs typeface="Arial" panose="020B0604020202020204"/>
+            </a:endParaRPr>
+          </a:p>
+        </p:txBody>
+      </p:sp>
+      <p:sp>
+        <p:nvSpPr>
+          <p:cNvPr id="5" name="object 3"/>
+          <p:cNvSpPr txBox="1"/>
+          <p:nvPr/>
+        </p:nvSpPr>
+        <p:spPr>
+          <a:xfrm>
+            <a:off x="384810" y="3145155"/>
+            <a:ext cx="8409305" cy="937895"/>
+          </a:xfrm>
+          <a:prstGeom prst="rect">
+            <a:avLst/>
+          </a:prstGeom>
+        </p:spPr>
+        <p:txBody>
+          <a:bodyPr vert="horz" wrap="square" lIns="0" tIns="199390" rIns="0" bIns="0" rtlCol="0">
+            <a:spAutoFit/>
+          </a:bodyPr>
+          <a:p>
+            <a:pPr marL="424815" indent="-412115">
+              <a:lnSpc>
+                <a:spcPct val="100000"/>
+              </a:lnSpc>
+              <a:spcBef>
+                <a:spcPts val="1570"/>
+              </a:spcBef>
+              <a:buClr>
+                <a:srgbClr val="FFFFFF"/>
+              </a:buClr>
+              <a:buChar char="●"/>
+              <a:tabLst>
+                <a:tab pos="424815" algn="l"/>
+                <a:tab pos="425450" algn="l"/>
+              </a:tabLst>
+            </a:pPr>
+            <a:r>
+              <a:rPr lang="zh-CN" altLang="en-US" sz="2400" dirty="0">
+                <a:solidFill>
+                  <a:srgbClr val="FFFFFF"/>
+                </a:solidFill>
+                <a:latin typeface="Arial" panose="020B0604020202020204"/>
+                <a:cs typeface="Arial" panose="020B0604020202020204"/>
+              </a:rPr>
+              <a:t>将所有组件的CSS提取到单个文件中，并用cssnano进行压缩。</a:t>
+            </a:r>
+            <a:endParaRPr lang="zh-CN" altLang="en-US" sz="2400" dirty="0">
+              <a:solidFill>
+                <a:srgbClr val="FFFFFF"/>
+              </a:solidFill>
+              <a:latin typeface="Arial" panose="020B0604020202020204"/>
+              <a:cs typeface="Arial" panose="020B0604020202020204"/>
+            </a:endParaRPr>
+          </a:p>
+        </p:txBody>
+      </p:sp>
+    </p:spTree>
+  </p:cSld>
+  <p:clrMapOvr>
+    <a:masterClrMapping/>
+  </p:clrMapOvr>
+</p:sld>
+</file>
+
+<file path=ppt/slides/slide37.xml><?xml version="1.0" encoding="utf-8"?>
 <p:sld xmlns:a="http://schemas.openxmlformats.org/drawingml/2006/main" xmlns:r="http://schemas.openxmlformats.org/officeDocument/2006/relationships" xmlns:p="http://schemas.openxmlformats.org/presentationml/2006/main">
   <p:cSld>
     <p:spTree>

--- a/TS内部分享.pptx
+++ b/TS内部分享.pptx
@@ -23,28 +23,29 @@
     <p:sldId id="626" r:id="rId16"/>
     <p:sldId id="620" r:id="rId17"/>
     <p:sldId id="650" r:id="rId18"/>
-    <p:sldId id="627" r:id="rId19"/>
-    <p:sldId id="622" r:id="rId20"/>
-    <p:sldId id="623" r:id="rId21"/>
-    <p:sldId id="399" r:id="rId22"/>
-    <p:sldId id="400" r:id="rId23"/>
-    <p:sldId id="404" r:id="rId24"/>
-    <p:sldId id="402" r:id="rId25"/>
-    <p:sldId id="403" r:id="rId26"/>
-    <p:sldId id="405" r:id="rId27"/>
-    <p:sldId id="401" r:id="rId28"/>
-    <p:sldId id="579" r:id="rId29"/>
-    <p:sldId id="441" r:id="rId30"/>
-    <p:sldId id="443" r:id="rId31"/>
-    <p:sldId id="444" r:id="rId32"/>
-    <p:sldId id="260" r:id="rId33"/>
-    <p:sldId id="477" r:id="rId34"/>
-    <p:sldId id="510" r:id="rId35"/>
-    <p:sldId id="545" r:id="rId36"/>
-    <p:sldId id="511" r:id="rId37"/>
-    <p:sldId id="589" r:id="rId38"/>
-    <p:sldId id="588" r:id="rId39"/>
-    <p:sldId id="591" r:id="rId40"/>
+    <p:sldId id="651" r:id="rId19"/>
+    <p:sldId id="627" r:id="rId20"/>
+    <p:sldId id="622" r:id="rId21"/>
+    <p:sldId id="623" r:id="rId22"/>
+    <p:sldId id="399" r:id="rId23"/>
+    <p:sldId id="400" r:id="rId24"/>
+    <p:sldId id="404" r:id="rId25"/>
+    <p:sldId id="402" r:id="rId26"/>
+    <p:sldId id="403" r:id="rId27"/>
+    <p:sldId id="405" r:id="rId28"/>
+    <p:sldId id="401" r:id="rId29"/>
+    <p:sldId id="579" r:id="rId30"/>
+    <p:sldId id="441" r:id="rId31"/>
+    <p:sldId id="443" r:id="rId32"/>
+    <p:sldId id="444" r:id="rId33"/>
+    <p:sldId id="260" r:id="rId34"/>
+    <p:sldId id="477" r:id="rId35"/>
+    <p:sldId id="510" r:id="rId36"/>
+    <p:sldId id="545" r:id="rId37"/>
+    <p:sldId id="511" r:id="rId38"/>
+    <p:sldId id="589" r:id="rId39"/>
+    <p:sldId id="588" r:id="rId40"/>
+    <p:sldId id="591" r:id="rId41"/>
   </p:sldIdLst>
   <p:sldSz cx="9144000" cy="6858000"/>
   <p:notesSz cx="9144000" cy="6858000"/>
@@ -491,6 +492,50 @@
 </file>
 
 <file path=ppt/notesSlides/notesSlide1.xml><?xml version="1.0" encoding="utf-8"?>
+<p:notes xmlns:a="http://schemas.openxmlformats.org/drawingml/2006/main" xmlns:r="http://schemas.openxmlformats.org/officeDocument/2006/relationships" xmlns:p="http://schemas.openxmlformats.org/presentationml/2006/main">
+  <p:cSld>
+    <p:spTree>
+      <p:nvGrpSpPr>
+        <p:cNvPr id="1" name=""/>
+        <p:cNvGrpSpPr/>
+        <p:nvPr/>
+      </p:nvGrpSpPr>
+      <p:grpSpPr/>
+      <p:sp>
+        <p:nvSpPr>
+          <p:cNvPr id="2" name="幻灯片图像占位符 1"/>
+          <p:cNvSpPr/>
+          <p:nvPr>
+            <p:ph type="sldImg" idx="2"/>
+          </p:nvPr>
+        </p:nvSpPr>
+        <p:spPr/>
+      </p:sp>
+      <p:sp>
+        <p:nvSpPr>
+          <p:cNvPr id="3" name="文本占位符 2"/>
+          <p:cNvSpPr/>
+          <p:nvPr>
+            <p:ph type="body" idx="3"/>
+          </p:nvPr>
+        </p:nvSpPr>
+        <p:spPr/>
+        <p:txBody>
+          <a:bodyPr/>
+          <a:p>
+            <a:endParaRPr lang="zh-CN" altLang="en-US"/>
+          </a:p>
+        </p:txBody>
+      </p:sp>
+    </p:spTree>
+  </p:cSld>
+  <p:clrMapOvr>
+    <a:masterClrMapping/>
+  </p:clrMapOvr>
+</p:notes>
+</file>
+
+<file path=ppt/notesSlides/notesSlide10.xml><?xml version="1.0" encoding="utf-8"?>
 <p:notes xmlns:a="http://schemas.openxmlformats.org/drawingml/2006/main" xmlns:r="http://schemas.openxmlformats.org/officeDocument/2006/relationships" xmlns:p="http://schemas.openxmlformats.org/presentationml/2006/main">
   <p:cSld>
     <p:spTree>
@@ -3597,6 +3642,17 @@
               </a:spcBef>
             </a:pPr>
             <a:r>
+              <a:rPr lang="en-US" altLang="zh-CN" sz="3200" spc="-10" dirty="0">
+                <a:solidFill>
+                  <a:schemeClr val="bg1"/>
+                </a:solidFill>
+                <a:latin typeface="Arial" panose="020B0604020202020204"/>
+                <a:cs typeface="Arial" panose="020B0604020202020204"/>
+                <a:sym typeface="+mn-ea"/>
+              </a:rPr>
+              <a:t>4 </a:t>
+            </a:r>
+            <a:r>
               <a:rPr lang="zh-CN" sz="3200" spc="-10" dirty="0">
                 <a:solidFill>
                   <a:schemeClr val="bg1"/>
@@ -4023,8 +4079,8 @@
         </p:nvSpPr>
         <p:spPr>
           <a:xfrm>
-            <a:off x="188595" y="461010"/>
-            <a:ext cx="8766810" cy="922020"/>
+            <a:off x="188595" y="434340"/>
+            <a:ext cx="8766810" cy="6462395"/>
           </a:xfrm>
           <a:prstGeom prst="rect">
             <a:avLst/>
@@ -4059,25 +4115,382 @@
               <a:buFont typeface="Wingdings" panose="05000000000000000000" charset="0"/>
               <a:buNone/>
             </a:pPr>
-            <a:endParaRPr lang="en-US" altLang="zh-CN">
-              <a:solidFill>
-                <a:schemeClr val="bg1"/>
-              </a:solidFill>
-            </a:endParaRPr>
-          </a:p>
-          <a:p>
-            <a:pPr indent="0">
-              <a:buFont typeface="Wingdings" panose="05000000000000000000" charset="0"/>
-              <a:buNone/>
-            </a:pPr>
-            <a:endParaRPr lang="en-US" altLang="zh-CN">
-              <a:solidFill>
-                <a:schemeClr val="bg1"/>
-              </a:solidFill>
-            </a:endParaRPr>
-          </a:p>
-        </p:txBody>
-      </p:sp>
+            <a:r>
+              <a:rPr lang="en-US" altLang="zh-CN">
+                <a:solidFill>
+                  <a:schemeClr val="bg1"/>
+                </a:solidFill>
+              </a:rPr>
+              <a:t>有时我们希望不要完全匹配一个形状，那么可以用可选属性</a:t>
+            </a:r>
+            <a:r>
+              <a:rPr lang="zh-CN" altLang="en-US">
+                <a:solidFill>
+                  <a:schemeClr val="bg1"/>
+                </a:solidFill>
+              </a:rPr>
+              <a:t>：</a:t>
+            </a:r>
+            <a:endParaRPr lang="en-US" altLang="zh-CN">
+              <a:solidFill>
+                <a:schemeClr val="bg1"/>
+              </a:solidFill>
+            </a:endParaRPr>
+          </a:p>
+          <a:p>
+            <a:pPr indent="0">
+              <a:buFont typeface="Wingdings" panose="05000000000000000000" charset="0"/>
+              <a:buNone/>
+            </a:pPr>
+            <a:endParaRPr lang="en-US" altLang="zh-CN">
+              <a:solidFill>
+                <a:schemeClr val="bg1"/>
+              </a:solidFill>
+            </a:endParaRPr>
+          </a:p>
+          <a:p>
+            <a:pPr indent="0">
+              <a:buFont typeface="Wingdings" panose="05000000000000000000" charset="0"/>
+              <a:buNone/>
+            </a:pPr>
+            <a:endParaRPr lang="en-US" altLang="zh-CN">
+              <a:solidFill>
+                <a:schemeClr val="bg1"/>
+              </a:solidFill>
+            </a:endParaRPr>
+          </a:p>
+          <a:p>
+            <a:pPr indent="0">
+              <a:buFont typeface="Wingdings" panose="05000000000000000000" charset="0"/>
+              <a:buNone/>
+            </a:pPr>
+            <a:endParaRPr lang="en-US" altLang="zh-CN">
+              <a:solidFill>
+                <a:schemeClr val="bg1"/>
+              </a:solidFill>
+            </a:endParaRPr>
+          </a:p>
+          <a:p>
+            <a:pPr indent="0">
+              <a:buFont typeface="Wingdings" panose="05000000000000000000" charset="0"/>
+              <a:buNone/>
+            </a:pPr>
+            <a:endParaRPr lang="en-US" altLang="zh-CN">
+              <a:solidFill>
+                <a:schemeClr val="bg1"/>
+              </a:solidFill>
+            </a:endParaRPr>
+          </a:p>
+          <a:p>
+            <a:pPr indent="0">
+              <a:buFont typeface="Wingdings" panose="05000000000000000000" charset="0"/>
+              <a:buNone/>
+            </a:pPr>
+            <a:endParaRPr lang="en-US" altLang="zh-CN">
+              <a:solidFill>
+                <a:schemeClr val="bg1"/>
+              </a:solidFill>
+            </a:endParaRPr>
+          </a:p>
+          <a:p>
+            <a:pPr indent="0">
+              <a:buFont typeface="Wingdings" panose="05000000000000000000" charset="0"/>
+              <a:buNone/>
+            </a:pPr>
+            <a:endParaRPr lang="en-US" altLang="zh-CN">
+              <a:solidFill>
+                <a:schemeClr val="bg1"/>
+              </a:solidFill>
+            </a:endParaRPr>
+          </a:p>
+          <a:p>
+            <a:pPr indent="0">
+              <a:buFont typeface="Wingdings" panose="05000000000000000000" charset="0"/>
+              <a:buNone/>
+            </a:pPr>
+            <a:endParaRPr lang="en-US" altLang="zh-CN">
+              <a:solidFill>
+                <a:schemeClr val="bg1"/>
+              </a:solidFill>
+            </a:endParaRPr>
+          </a:p>
+          <a:p>
+            <a:pPr indent="0">
+              <a:buFont typeface="Wingdings" panose="05000000000000000000" charset="0"/>
+              <a:buNone/>
+            </a:pPr>
+            <a:endParaRPr lang="en-US" altLang="zh-CN">
+              <a:solidFill>
+                <a:schemeClr val="bg1"/>
+              </a:solidFill>
+            </a:endParaRPr>
+          </a:p>
+          <a:p>
+            <a:pPr indent="0">
+              <a:buFont typeface="Wingdings" panose="05000000000000000000" charset="0"/>
+              <a:buNone/>
+            </a:pPr>
+            <a:endParaRPr lang="en-US" altLang="zh-CN">
+              <a:solidFill>
+                <a:schemeClr val="bg1"/>
+              </a:solidFill>
+            </a:endParaRPr>
+          </a:p>
+          <a:p>
+            <a:pPr indent="0">
+              <a:buFont typeface="Wingdings" panose="05000000000000000000" charset="0"/>
+              <a:buNone/>
+            </a:pPr>
+            <a:r>
+              <a:rPr lang="en-US" altLang="zh-CN">
+                <a:solidFill>
+                  <a:schemeClr val="bg1"/>
+                </a:solidFill>
+              </a:rPr>
+              <a:t>任意属性</a:t>
+            </a:r>
+            <a:endParaRPr lang="en-US" altLang="zh-CN">
+              <a:solidFill>
+                <a:schemeClr val="bg1"/>
+              </a:solidFill>
+            </a:endParaRPr>
+          </a:p>
+          <a:p>
+            <a:pPr indent="0">
+              <a:buFont typeface="Wingdings" panose="05000000000000000000" charset="0"/>
+              <a:buNone/>
+            </a:pPr>
+            <a:r>
+              <a:rPr lang="en-US" altLang="zh-CN">
+                <a:solidFill>
+                  <a:schemeClr val="bg1"/>
+                </a:solidFill>
+              </a:rPr>
+              <a:t>有时候我们希望一个接口允许有任意的属性，可以使用</a:t>
+            </a:r>
+            <a:endParaRPr lang="en-US" altLang="zh-CN">
+              <a:solidFill>
+                <a:schemeClr val="bg1"/>
+              </a:solidFill>
+            </a:endParaRPr>
+          </a:p>
+          <a:p>
+            <a:pPr indent="0">
+              <a:buFont typeface="Wingdings" panose="05000000000000000000" charset="0"/>
+              <a:buNone/>
+            </a:pPr>
+            <a:r>
+              <a:rPr lang="en-US" altLang="zh-CN">
+                <a:solidFill>
+                  <a:schemeClr val="bg1"/>
+                </a:solidFill>
+              </a:rPr>
+              <a:t>如下方式：</a:t>
+            </a:r>
+            <a:endParaRPr lang="en-US" altLang="zh-CN">
+              <a:solidFill>
+                <a:schemeClr val="bg1"/>
+              </a:solidFill>
+            </a:endParaRPr>
+          </a:p>
+          <a:p>
+            <a:pPr indent="0">
+              <a:buFont typeface="Wingdings" panose="05000000000000000000" charset="0"/>
+              <a:buNone/>
+            </a:pPr>
+            <a:endParaRPr lang="en-US" altLang="zh-CN">
+              <a:solidFill>
+                <a:schemeClr val="bg1"/>
+              </a:solidFill>
+            </a:endParaRPr>
+          </a:p>
+          <a:p>
+            <a:pPr indent="0">
+              <a:buFont typeface="Wingdings" panose="05000000000000000000" charset="0"/>
+              <a:buNone/>
+            </a:pPr>
+            <a:r>
+              <a:rPr lang="zh-CN" altLang="en-US">
+                <a:solidFill>
+                  <a:schemeClr val="bg1"/>
+                </a:solidFill>
+              </a:rPr>
+              <a:t>注意：</a:t>
+            </a:r>
+            <a:r>
+              <a:rPr lang="en-US" altLang="zh-CN">
+                <a:solidFill>
+                  <a:schemeClr val="bg1"/>
+                </a:solidFill>
+                <a:sym typeface="+mn-ea"/>
+              </a:rPr>
+              <a:t>一旦定义了任意属性，那么确定属性和可选</a:t>
+            </a:r>
+            <a:endParaRPr lang="en-US" altLang="zh-CN">
+              <a:solidFill>
+                <a:schemeClr val="bg1"/>
+              </a:solidFill>
+            </a:endParaRPr>
+          </a:p>
+          <a:p>
+            <a:pPr indent="0">
+              <a:buFont typeface="Wingdings" panose="05000000000000000000" charset="0"/>
+              <a:buNone/>
+            </a:pPr>
+            <a:r>
+              <a:rPr lang="en-US" altLang="zh-CN">
+                <a:solidFill>
+                  <a:schemeClr val="bg1"/>
+                </a:solidFill>
+                <a:sym typeface="+mn-ea"/>
+              </a:rPr>
+              <a:t>属性的类型都必须是它的类型的子集：</a:t>
+            </a:r>
+            <a:endParaRPr lang="en-US" altLang="zh-CN">
+              <a:solidFill>
+                <a:schemeClr val="bg1"/>
+              </a:solidFill>
+              <a:sym typeface="+mn-ea"/>
+            </a:endParaRPr>
+          </a:p>
+          <a:p>
+            <a:pPr indent="0">
+              <a:buFont typeface="Wingdings" panose="05000000000000000000" charset="0"/>
+              <a:buNone/>
+            </a:pPr>
+            <a:endParaRPr lang="en-US" altLang="zh-CN">
+              <a:solidFill>
+                <a:schemeClr val="bg1"/>
+              </a:solidFill>
+              <a:sym typeface="+mn-ea"/>
+            </a:endParaRPr>
+          </a:p>
+          <a:p>
+            <a:pPr indent="0">
+              <a:buFont typeface="Wingdings" panose="05000000000000000000" charset="0"/>
+              <a:buNone/>
+            </a:pPr>
+            <a:endParaRPr lang="en-US" altLang="zh-CN">
+              <a:solidFill>
+                <a:schemeClr val="bg1"/>
+              </a:solidFill>
+              <a:sym typeface="+mn-ea"/>
+            </a:endParaRPr>
+          </a:p>
+          <a:p>
+            <a:pPr indent="0">
+              <a:buFont typeface="Wingdings" panose="05000000000000000000" charset="0"/>
+              <a:buNone/>
+            </a:pPr>
+            <a:endParaRPr lang="en-US" altLang="zh-CN">
+              <a:solidFill>
+                <a:schemeClr val="bg1"/>
+              </a:solidFill>
+              <a:sym typeface="+mn-ea"/>
+            </a:endParaRPr>
+          </a:p>
+          <a:p>
+            <a:pPr indent="0">
+              <a:buFont typeface="Wingdings" panose="05000000000000000000" charset="0"/>
+              <a:buNone/>
+            </a:pPr>
+            <a:endParaRPr lang="en-US" altLang="zh-CN">
+              <a:solidFill>
+                <a:schemeClr val="bg1"/>
+              </a:solidFill>
+              <a:sym typeface="+mn-ea"/>
+            </a:endParaRPr>
+          </a:p>
+          <a:p>
+            <a:pPr indent="0">
+              <a:buFont typeface="Wingdings" panose="05000000000000000000" charset="0"/>
+              <a:buNone/>
+            </a:pPr>
+            <a:r>
+              <a:rPr lang="zh-CN" altLang="en-US">
+                <a:solidFill>
+                  <a:schemeClr val="bg1"/>
+                </a:solidFill>
+                <a:sym typeface="+mn-ea"/>
+              </a:rPr>
+              <a:t>例子：</a:t>
+            </a:r>
+            <a:r>
+              <a:rPr lang="en-US" altLang="zh-CN">
+                <a:solidFill>
+                  <a:schemeClr val="bg1"/>
+                </a:solidFill>
+                <a:sym typeface="+mn-ea"/>
+              </a:rPr>
+              <a:t>demo40</a:t>
+            </a:r>
+            <a:endParaRPr lang="en-US" altLang="zh-CN">
+              <a:solidFill>
+                <a:schemeClr val="bg1"/>
+              </a:solidFill>
+            </a:endParaRPr>
+          </a:p>
+          <a:p>
+            <a:pPr indent="0">
+              <a:buFont typeface="Wingdings" panose="05000000000000000000" charset="0"/>
+              <a:buNone/>
+            </a:pPr>
+            <a:endParaRPr lang="zh-CN" altLang="en-US">
+              <a:solidFill>
+                <a:schemeClr val="bg1"/>
+              </a:solidFill>
+            </a:endParaRPr>
+          </a:p>
+        </p:txBody>
+      </p:sp>
+      <p:pic>
+        <p:nvPicPr>
+          <p:cNvPr id="2" name="图片 1" descr="carbon (1)"/>
+          <p:cNvPicPr>
+            <a:picLocks noChangeAspect="1"/>
+          </p:cNvPicPr>
+          <p:nvPr/>
+        </p:nvPicPr>
+        <p:blipFill>
+          <a:blip r:embed="rId1"/>
+          <a:stretch>
+            <a:fillRect/>
+          </a:stretch>
+        </p:blipFill>
+        <p:spPr>
+          <a:xfrm>
+            <a:off x="267970" y="1156335"/>
+            <a:ext cx="1885950" cy="2085975"/>
+          </a:xfrm>
+          <a:prstGeom prst="rect">
+            <a:avLst/>
+          </a:prstGeom>
+        </p:spPr>
+      </p:pic>
+      <p:pic>
+        <p:nvPicPr>
+          <p:cNvPr id="5" name="图片 4" descr="carbon (1)"/>
+          <p:cNvPicPr>
+            <a:picLocks noChangeAspect="1"/>
+          </p:cNvPicPr>
+          <p:nvPr/>
+        </p:nvPicPr>
+        <p:blipFill>
+          <a:blip r:embed="rId2"/>
+          <a:stretch>
+            <a:fillRect/>
+          </a:stretch>
+        </p:blipFill>
+        <p:spPr>
+          <a:xfrm>
+            <a:off x="6138545" y="3761740"/>
+            <a:ext cx="2609215" cy="2428875"/>
+          </a:xfrm>
+          <a:prstGeom prst="rect">
+            <a:avLst/>
+          </a:prstGeom>
+        </p:spPr>
+      </p:pic>
     </p:spTree>
   </p:cSld>
   <p:clrMapOvr>
@@ -4105,55 +4518,14 @@
       </p:grpSpPr>
       <p:sp>
         <p:nvSpPr>
-          <p:cNvPr id="4" name="标题 3"/>
-          <p:cNvSpPr/>
-          <p:nvPr>
-            <p:ph type="title"/>
-          </p:nvPr>
-        </p:nvSpPr>
-        <p:spPr>
-          <a:xfrm>
-            <a:off x="290830" y="381000"/>
-            <a:ext cx="7113270" cy="430530"/>
-          </a:xfrm>
-        </p:spPr>
-        <p:txBody>
-          <a:bodyPr wrap="square"/>
-          <a:p>
-            <a:r>
-              <a:rPr lang="en-US" sz="2800">
-                <a:latin typeface="+mj-ea"/>
-              </a:rPr>
-              <a:t>6. </a:t>
-            </a:r>
-            <a:r>
-              <a:rPr altLang="zh-CN" sz="2800">
-                <a:latin typeface="+mj-ea"/>
-              </a:rPr>
-              <a:t>TypeScript中的</a:t>
-            </a:r>
-            <a:r>
-              <a:rPr lang="zh-CN" sz="2800">
-                <a:latin typeface="+mj-ea"/>
-              </a:rPr>
-              <a:t>函数</a:t>
-            </a:r>
-            <a:endParaRPr lang="zh-CN" sz="2800">
-              <a:latin typeface="+mj-ea"/>
-            </a:endParaRPr>
-          </a:p>
-        </p:txBody>
-      </p:sp>
-      <p:sp>
-        <p:nvSpPr>
           <p:cNvPr id="13" name="文本框 12"/>
           <p:cNvSpPr txBox="1"/>
           <p:nvPr/>
         </p:nvSpPr>
         <p:spPr>
           <a:xfrm>
-            <a:off x="148590" y="1567180"/>
-            <a:ext cx="8766810" cy="4799965"/>
+            <a:off x="188595" y="434340"/>
+            <a:ext cx="8766810" cy="3969385"/>
           </a:xfrm>
           <a:prstGeom prst="rect">
             <a:avLst/>
@@ -4174,79 +4546,146 @@
                 <a:solidFill>
                   <a:schemeClr val="bg1"/>
                 </a:solidFill>
-                <a:sym typeface="+mn-ea"/>
-              </a:rPr>
-              <a:t>定义函数的三种方式</a:t>
-            </a:r>
-            <a:r>
-              <a:rPr lang="en-US" altLang="zh-CN">
+              </a:rPr>
+              <a:t>只读</a:t>
+            </a:r>
+            <a:r>
+              <a:rPr lang="zh-CN" altLang="en-US">
                 <a:solidFill>
                   <a:schemeClr val="bg1"/>
                 </a:solidFill>
-                <a:sym typeface="+mn-ea"/>
-              </a:rPr>
-              <a:t>:</a:t>
-            </a:r>
-            <a:endParaRPr lang="en-US" altLang="zh-CN">
-              <a:solidFill>
-                <a:schemeClr val="bg1"/>
-              </a:solidFill>
-            </a:endParaRPr>
-          </a:p>
-          <a:p>
-            <a:pPr indent="0">
-              <a:buFont typeface="Wingdings" panose="05000000000000000000" charset="0"/>
-              <a:buNone/>
-            </a:pPr>
-            <a:r>
-              <a:rPr lang="en-US" altLang="zh-CN">
+              </a:rPr>
+              <a:t>属性</a:t>
+            </a:r>
+            <a:endParaRPr lang="zh-CN" altLang="en-US">
+              <a:solidFill>
+                <a:schemeClr val="bg1"/>
+              </a:solidFill>
+            </a:endParaRPr>
+          </a:p>
+          <a:p>
+            <a:pPr indent="0">
+              <a:buFont typeface="Wingdings" panose="05000000000000000000" charset="0"/>
+              <a:buNone/>
+            </a:pPr>
+            <a:r>
+              <a:rPr>
                 <a:solidFill>
                   <a:schemeClr val="bg1"/>
                 </a:solidFill>
-                <a:sym typeface="+mn-ea"/>
-              </a:rPr>
-              <a:t>1. 函数声明     function add(n1:number,n2:number):number{}</a:t>
-            </a:r>
-            <a:endParaRPr lang="en-US" altLang="zh-CN">
-              <a:solidFill>
-                <a:schemeClr val="bg1"/>
-              </a:solidFill>
-            </a:endParaRPr>
-          </a:p>
-          <a:p>
-            <a:pPr indent="0">
-              <a:buFont typeface="Wingdings" panose="05000000000000000000" charset="0"/>
-              <a:buNone/>
-            </a:pPr>
-            <a:r>
-              <a:rPr lang="en-US" altLang="zh-CN">
-                <a:solidFill>
-                  <a:schemeClr val="bg1"/>
-                </a:solidFill>
-                <a:sym typeface="+mn-ea"/>
-              </a:rPr>
-              <a:t>2. 函数表达式 var add = function(n1:number,n2:number):number{}</a:t>
-            </a:r>
-            <a:endParaRPr lang="en-US" altLang="zh-CN">
-              <a:solidFill>
-                <a:schemeClr val="bg1"/>
-              </a:solidFill>
-            </a:endParaRPr>
-          </a:p>
-          <a:p>
-            <a:pPr indent="0">
-              <a:buFont typeface="Wingdings" panose="05000000000000000000" charset="0"/>
-              <a:buNone/>
-            </a:pPr>
-            <a:r>
-              <a:rPr lang="en-US" altLang="zh-CN">
-                <a:solidFill>
-                  <a:schemeClr val="bg1"/>
-                </a:solidFill>
-                <a:sym typeface="+mn-ea"/>
-              </a:rPr>
-              <a:t>3. 箭头函数 var add = (n1:number,n2:number):number=&gt;{}</a:t>
-            </a:r>
+              </a:rPr>
+              <a:t>有时候我们希望对象中的一些字段只能在创建的时候被赋值，那么可以用 readonly 定义只读属性：</a:t>
+            </a:r>
+            <a:endParaRPr>
+              <a:solidFill>
+                <a:schemeClr val="bg1"/>
+              </a:solidFill>
+            </a:endParaRPr>
+          </a:p>
+          <a:p>
+            <a:pPr indent="0">
+              <a:buFont typeface="Wingdings" panose="05000000000000000000" charset="0"/>
+              <a:buNone/>
+            </a:pPr>
+            <a:endParaRPr lang="en-US" altLang="zh-CN">
+              <a:solidFill>
+                <a:schemeClr val="bg1"/>
+              </a:solidFill>
+            </a:endParaRPr>
+          </a:p>
+          <a:p>
+            <a:pPr indent="0">
+              <a:buFont typeface="Wingdings" panose="05000000000000000000" charset="0"/>
+              <a:buNone/>
+            </a:pPr>
+            <a:endParaRPr lang="en-US" altLang="zh-CN">
+              <a:solidFill>
+                <a:schemeClr val="bg1"/>
+              </a:solidFill>
+            </a:endParaRPr>
+          </a:p>
+          <a:p>
+            <a:pPr indent="0">
+              <a:buFont typeface="Wingdings" panose="05000000000000000000" charset="0"/>
+              <a:buNone/>
+            </a:pPr>
+            <a:endParaRPr lang="en-US" altLang="zh-CN">
+              <a:solidFill>
+                <a:schemeClr val="bg1"/>
+              </a:solidFill>
+            </a:endParaRPr>
+          </a:p>
+          <a:p>
+            <a:pPr indent="0">
+              <a:buFont typeface="Wingdings" panose="05000000000000000000" charset="0"/>
+              <a:buNone/>
+            </a:pPr>
+            <a:endParaRPr lang="en-US" altLang="zh-CN">
+              <a:solidFill>
+                <a:schemeClr val="bg1"/>
+              </a:solidFill>
+            </a:endParaRPr>
+          </a:p>
+          <a:p>
+            <a:pPr indent="0">
+              <a:buFont typeface="Wingdings" panose="05000000000000000000" charset="0"/>
+              <a:buNone/>
+            </a:pPr>
+            <a:endParaRPr lang="en-US" altLang="zh-CN">
+              <a:solidFill>
+                <a:schemeClr val="bg1"/>
+              </a:solidFill>
+            </a:endParaRPr>
+          </a:p>
+          <a:p>
+            <a:pPr indent="0">
+              <a:buFont typeface="Wingdings" panose="05000000000000000000" charset="0"/>
+              <a:buNone/>
+            </a:pPr>
+            <a:endParaRPr lang="en-US" altLang="zh-CN">
+              <a:solidFill>
+                <a:schemeClr val="bg1"/>
+              </a:solidFill>
+            </a:endParaRPr>
+          </a:p>
+          <a:p>
+            <a:pPr indent="0">
+              <a:buFont typeface="Wingdings" panose="05000000000000000000" charset="0"/>
+              <a:buNone/>
+            </a:pPr>
+            <a:endParaRPr lang="en-US" altLang="zh-CN">
+              <a:solidFill>
+                <a:schemeClr val="bg1"/>
+              </a:solidFill>
+            </a:endParaRPr>
+          </a:p>
+          <a:p>
+            <a:pPr indent="0">
+              <a:buFont typeface="Wingdings" panose="05000000000000000000" charset="0"/>
+              <a:buNone/>
+            </a:pPr>
+            <a:endParaRPr lang="en-US" altLang="zh-CN">
+              <a:solidFill>
+                <a:schemeClr val="bg1"/>
+              </a:solidFill>
+            </a:endParaRPr>
+          </a:p>
+          <a:p>
+            <a:pPr indent="0">
+              <a:buFont typeface="Wingdings" panose="05000000000000000000" charset="0"/>
+              <a:buNone/>
+            </a:pPr>
+            <a:endParaRPr lang="en-US" altLang="zh-CN">
+              <a:solidFill>
+                <a:schemeClr val="bg1"/>
+              </a:solidFill>
+            </a:endParaRPr>
+          </a:p>
+          <a:p>
+            <a:pPr indent="0">
+              <a:buFont typeface="Wingdings" panose="05000000000000000000" charset="0"/>
+              <a:buNone/>
+            </a:pPr>
             <a:endParaRPr lang="en-US" altLang="zh-CN">
               <a:solidFill>
                 <a:schemeClr val="bg1"/>
@@ -4264,219 +4703,32 @@
               </a:solidFill>
             </a:endParaRPr>
           </a:p>
-          <a:p>
-            <a:pPr indent="0">
-              <a:buFont typeface="Wingdings" panose="05000000000000000000" charset="0"/>
-              <a:buNone/>
-            </a:pPr>
-            <a:r>
-              <a:rPr lang="zh-CN" altLang="en-US">
-                <a:solidFill>
-                  <a:schemeClr val="bg1"/>
-                </a:solidFill>
-              </a:rPr>
-              <a:t>TypeScript的函数参数是比较灵活的，它不像那些早期出现的传统语言那么死板。在TypeScript语言中，函数的形参分为：可选形参、默认形参、剩余参数形参等。</a:t>
-            </a:r>
-            <a:endParaRPr lang="zh-CN" altLang="en-US">
-              <a:solidFill>
-                <a:schemeClr val="bg1"/>
-              </a:solidFill>
-            </a:endParaRPr>
-          </a:p>
-          <a:p>
-            <a:pPr indent="0">
-              <a:buFont typeface="Wingdings" panose="05000000000000000000" charset="0"/>
-              <a:buNone/>
-            </a:pPr>
-            <a:endParaRPr lang="zh-CN" altLang="en-US">
-              <a:solidFill>
-                <a:schemeClr val="bg1"/>
-              </a:solidFill>
-            </a:endParaRPr>
-          </a:p>
-          <a:p>
-            <a:pPr indent="0">
-              <a:buFont typeface="Wingdings" panose="05000000000000000000" charset="0"/>
-              <a:buNone/>
-            </a:pPr>
-            <a:r>
-              <a:rPr lang="en-US" altLang="zh-CN">
-                <a:solidFill>
-                  <a:schemeClr val="bg1"/>
-                </a:solidFill>
-              </a:rPr>
-              <a:t>1. </a:t>
-            </a:r>
-            <a:r>
-              <a:rPr lang="zh-CN" altLang="en-US">
-                <a:solidFill>
-                  <a:schemeClr val="bg1"/>
-                </a:solidFill>
-              </a:rPr>
-              <a:t>有可选参数的函数</a:t>
-            </a:r>
-            <a:endParaRPr lang="zh-CN" altLang="en-US">
-              <a:solidFill>
-                <a:schemeClr val="bg1"/>
-              </a:solidFill>
-            </a:endParaRPr>
-          </a:p>
-          <a:p>
-            <a:pPr indent="0">
-              <a:buFont typeface="Wingdings" panose="05000000000000000000" charset="0"/>
-              <a:buNone/>
-            </a:pPr>
-            <a:r>
-              <a:rPr lang="zh-CN" altLang="en-US">
-                <a:solidFill>
-                  <a:schemeClr val="bg1"/>
-                </a:solidFill>
-              </a:rPr>
-              <a:t>可选参数，就是我们定义形参的时候，可以定义一个可传可不传的参数。这种参数，在定义函数的时候通过?标注</a:t>
-            </a:r>
-            <a:r>
-              <a:rPr lang="en-US" altLang="zh-CN">
-                <a:solidFill>
-                  <a:schemeClr val="bg1"/>
-                </a:solidFill>
-              </a:rPr>
-              <a:t>,</a:t>
-            </a:r>
-            <a:r>
-              <a:rPr lang="zh-CN" altLang="en-US">
-                <a:solidFill>
-                  <a:schemeClr val="bg1"/>
-                </a:solidFill>
-              </a:rPr>
-              <a:t>可选参数必须接在必须参数后面。</a:t>
-            </a:r>
-            <a:endParaRPr lang="zh-CN" altLang="en-US">
-              <a:solidFill>
-                <a:schemeClr val="bg1"/>
-              </a:solidFill>
-            </a:endParaRPr>
-          </a:p>
-          <a:p>
-            <a:pPr indent="0">
-              <a:buFont typeface="Wingdings" panose="05000000000000000000" charset="0"/>
-              <a:buNone/>
-            </a:pPr>
-            <a:r>
-              <a:rPr lang="zh-CN" altLang="en-US">
-                <a:solidFill>
-                  <a:schemeClr val="bg1"/>
-                </a:solidFill>
-              </a:rPr>
-              <a:t>2. 有默认参数的函数</a:t>
-            </a:r>
-            <a:endParaRPr lang="zh-CN" altLang="en-US">
-              <a:solidFill>
-                <a:schemeClr val="bg1"/>
-              </a:solidFill>
-            </a:endParaRPr>
-          </a:p>
-          <a:p>
-            <a:pPr indent="0">
-              <a:buFont typeface="Wingdings" panose="05000000000000000000" charset="0"/>
-              <a:buNone/>
-            </a:pPr>
-            <a:r>
-              <a:rPr lang="en-US" altLang="zh-CN">
-                <a:solidFill>
-                  <a:schemeClr val="bg1"/>
-                </a:solidFill>
-              </a:rPr>
-              <a:t>3. 有剩余参数的函数</a:t>
-            </a:r>
-            <a:r>
-              <a:rPr lang="zh-CN" altLang="en-US">
-                <a:solidFill>
-                  <a:schemeClr val="bg1"/>
-                </a:solidFill>
-              </a:rPr>
-              <a:t>（</a:t>
-            </a:r>
-            <a:r>
-              <a:rPr lang="en-US" altLang="zh-CN">
-                <a:solidFill>
-                  <a:schemeClr val="bg1"/>
-                </a:solidFill>
-              </a:rPr>
-              <a:t>rest</a:t>
-            </a:r>
-            <a:r>
-              <a:rPr lang="zh-CN" altLang="en-US">
-                <a:solidFill>
-                  <a:schemeClr val="bg1"/>
-                </a:solidFill>
-              </a:rPr>
-              <a:t>参数）</a:t>
-            </a:r>
-            <a:endParaRPr lang="en-US" altLang="zh-CN">
-              <a:solidFill>
-                <a:schemeClr val="bg1"/>
-              </a:solidFill>
-            </a:endParaRPr>
-          </a:p>
-          <a:p>
-            <a:pPr indent="0">
-              <a:buFont typeface="Wingdings" panose="05000000000000000000" charset="0"/>
-              <a:buNone/>
-            </a:pPr>
-            <a:r>
-              <a:rPr lang="en-US" altLang="zh-CN">
-                <a:solidFill>
-                  <a:schemeClr val="bg1"/>
-                </a:solidFill>
-              </a:rPr>
-              <a:t>剩余参数就是形参是一个数组，传递几个实参过来都可以直接存在形参的数组中</a:t>
-            </a:r>
-            <a:r>
-              <a:rPr lang="zh-CN" altLang="en-US">
-                <a:solidFill>
-                  <a:schemeClr val="bg1"/>
-                </a:solidFill>
-              </a:rPr>
-              <a:t>，rest 参数只能是最后一个参数</a:t>
-            </a:r>
-            <a:r>
-              <a:rPr lang="en-US" altLang="zh-CN">
-                <a:solidFill>
-                  <a:schemeClr val="bg1"/>
-                </a:solidFill>
-              </a:rPr>
-              <a:t>。</a:t>
-            </a:r>
-            <a:endParaRPr lang="en-US" altLang="zh-CN">
-              <a:solidFill>
-                <a:schemeClr val="bg1"/>
-              </a:solidFill>
-            </a:endParaRPr>
-          </a:p>
-          <a:p>
-            <a:pPr indent="0">
-              <a:buFont typeface="Wingdings" panose="05000000000000000000" charset="0"/>
-              <a:buNone/>
-            </a:pPr>
-            <a:endParaRPr lang="en-US" altLang="zh-CN">
-              <a:solidFill>
-                <a:schemeClr val="bg1"/>
-              </a:solidFill>
-            </a:endParaRPr>
-          </a:p>
-          <a:p>
-            <a:pPr indent="0">
-              <a:buFont typeface="Wingdings" panose="05000000000000000000" charset="0"/>
-              <a:buNone/>
-            </a:pPr>
-            <a:endParaRPr lang="en-US" altLang="zh-CN">
-              <a:solidFill>
-                <a:schemeClr val="bg1"/>
-              </a:solidFill>
-            </a:endParaRPr>
-          </a:p>
-        </p:txBody>
-      </p:sp>
+        </p:txBody>
+      </p:sp>
+      <p:pic>
+        <p:nvPicPr>
+          <p:cNvPr id="3" name="图片 2" descr="carbon (1)"/>
+          <p:cNvPicPr>
+            <a:picLocks noChangeAspect="1"/>
+          </p:cNvPicPr>
+          <p:nvPr/>
+        </p:nvPicPr>
+        <p:blipFill>
+          <a:blip r:embed="rId1"/>
+          <a:stretch>
+            <a:fillRect/>
+          </a:stretch>
+        </p:blipFill>
+        <p:spPr>
+          <a:xfrm>
+            <a:off x="299085" y="1687830"/>
+            <a:ext cx="6228715" cy="2428875"/>
+          </a:xfrm>
+          <a:prstGeom prst="rect">
+            <a:avLst/>
+          </a:prstGeom>
+        </p:spPr>
+      </p:pic>
     </p:spTree>
   </p:cSld>
   <p:clrMapOvr>
@@ -4523,13 +4775,19 @@
               <a:rPr lang="en-US" sz="2800">
                 <a:latin typeface="+mj-ea"/>
               </a:rPr>
-              <a:t>6.1 </a:t>
+              <a:t>6. </a:t>
+            </a:r>
+            <a:r>
+              <a:rPr altLang="zh-CN" sz="2800">
+                <a:latin typeface="+mj-ea"/>
+              </a:rPr>
+              <a:t>TypeScript中的</a:t>
             </a:r>
             <a:r>
               <a:rPr lang="zh-CN" sz="2800">
                 <a:latin typeface="+mj-ea"/>
               </a:rPr>
-              <a:t>重载</a:t>
+              <a:t>函数</a:t>
             </a:r>
             <a:endParaRPr lang="zh-CN" sz="2800">
               <a:latin typeface="+mj-ea"/>
@@ -4545,7 +4803,7 @@
         </p:nvSpPr>
         <p:spPr>
           <a:xfrm>
-            <a:off x="148590" y="1109980"/>
+            <a:off x="148590" y="1567180"/>
             <a:ext cx="8766810" cy="4799965"/>
           </a:xfrm>
           <a:prstGeom prst="rect">
@@ -4563,44 +4821,22 @@
               <a:buNone/>
             </a:pPr>
             <a:r>
-              <a:rPr>
+              <a:rPr lang="zh-CN" altLang="en-US">
                 <a:solidFill>
                   <a:schemeClr val="bg1"/>
                 </a:solidFill>
                 <a:sym typeface="+mn-ea"/>
               </a:rPr>
-              <a:t>重载允许一个函数接受不同数量或类型的参数时，作出不同的处理。</a:t>
-            </a:r>
-            <a:endParaRPr>
-              <a:solidFill>
-                <a:schemeClr val="bg1"/>
-              </a:solidFill>
-              <a:sym typeface="+mn-ea"/>
-            </a:endParaRPr>
-          </a:p>
-          <a:p>
-            <a:pPr indent="0">
-              <a:buFont typeface="Wingdings" panose="05000000000000000000" charset="0"/>
-              <a:buNone/>
-            </a:pPr>
-            <a:endParaRPr lang="en-US" altLang="zh-CN">
-              <a:solidFill>
-                <a:schemeClr val="bg1"/>
-              </a:solidFill>
-            </a:endParaRPr>
-          </a:p>
-          <a:p>
-            <a:pPr indent="0">
-              <a:buFont typeface="Wingdings" panose="05000000000000000000" charset="0"/>
-              <a:buNone/>
-            </a:pPr>
+              <a:t>定义函数的三种方式</a:t>
+            </a:r>
             <a:r>
               <a:rPr lang="en-US" altLang="zh-CN">
                 <a:solidFill>
                   <a:schemeClr val="bg1"/>
                 </a:solidFill>
-              </a:rPr>
-              <a:t>比如，我们需要实现一个函数 reverse，输入数字 123 的时候，输出反转的数字 321，输入字符串 'hello' 的时候，输出反转的字符串 'olleh'。</a:t>
+                <a:sym typeface="+mn-ea"/>
+              </a:rPr>
+              <a:t>:</a:t>
             </a:r>
             <a:endParaRPr lang="en-US" altLang="zh-CN">
               <a:solidFill>
@@ -4618,108 +4854,10 @@
                 <a:solidFill>
                   <a:schemeClr val="bg1"/>
                 </a:solidFill>
-              </a:rPr>
-              <a:t>利用联合类型，我们可以这么实现：</a:t>
-            </a:r>
-            <a:endParaRPr lang="en-US" altLang="zh-CN">
-              <a:solidFill>
-                <a:schemeClr val="bg1"/>
-              </a:solidFill>
-            </a:endParaRPr>
-          </a:p>
-          <a:p>
-            <a:pPr indent="0">
-              <a:buFont typeface="Wingdings" panose="05000000000000000000" charset="0"/>
-              <a:buNone/>
-            </a:pPr>
-            <a:endParaRPr lang="en-US" altLang="zh-CN">
-              <a:solidFill>
-                <a:schemeClr val="bg1"/>
-              </a:solidFill>
-            </a:endParaRPr>
-          </a:p>
-          <a:p>
-            <a:pPr indent="0">
-              <a:buFont typeface="Wingdings" panose="05000000000000000000" charset="0"/>
-              <a:buNone/>
-            </a:pPr>
-            <a:endParaRPr lang="en-US" altLang="zh-CN">
-              <a:solidFill>
-                <a:schemeClr val="bg1"/>
-              </a:solidFill>
-            </a:endParaRPr>
-          </a:p>
-          <a:p>
-            <a:pPr indent="0">
-              <a:buFont typeface="Wingdings" panose="05000000000000000000" charset="0"/>
-              <a:buNone/>
-            </a:pPr>
-            <a:endParaRPr lang="en-US" altLang="zh-CN">
-              <a:solidFill>
-                <a:schemeClr val="bg1"/>
-              </a:solidFill>
-            </a:endParaRPr>
-          </a:p>
-          <a:p>
-            <a:pPr indent="0">
-              <a:buFont typeface="Wingdings" panose="05000000000000000000" charset="0"/>
-              <a:buNone/>
-            </a:pPr>
-            <a:endParaRPr lang="en-US" altLang="zh-CN">
-              <a:solidFill>
-                <a:schemeClr val="bg1"/>
-              </a:solidFill>
-            </a:endParaRPr>
-          </a:p>
-          <a:p>
-            <a:pPr indent="0">
-              <a:buFont typeface="Wingdings" panose="05000000000000000000" charset="0"/>
-              <a:buNone/>
-            </a:pPr>
-            <a:endParaRPr lang="en-US" altLang="zh-CN">
-              <a:solidFill>
-                <a:schemeClr val="bg1"/>
-              </a:solidFill>
-            </a:endParaRPr>
-          </a:p>
-          <a:p>
-            <a:pPr indent="0">
-              <a:buFont typeface="Wingdings" panose="05000000000000000000" charset="0"/>
-              <a:buNone/>
-            </a:pPr>
-            <a:endParaRPr lang="en-US" altLang="zh-CN">
-              <a:solidFill>
-                <a:schemeClr val="bg1"/>
-              </a:solidFill>
-            </a:endParaRPr>
-          </a:p>
-          <a:p>
-            <a:pPr indent="0">
-              <a:buFont typeface="Wingdings" panose="05000000000000000000" charset="0"/>
-              <a:buNone/>
-            </a:pPr>
-            <a:endParaRPr lang="en-US" altLang="zh-CN">
-              <a:solidFill>
-                <a:schemeClr val="bg1"/>
-              </a:solidFill>
-            </a:endParaRPr>
-          </a:p>
-          <a:p>
-            <a:pPr indent="0">
-              <a:buFont typeface="Wingdings" panose="05000000000000000000" charset="0"/>
-              <a:buNone/>
-            </a:pPr>
-            <a:endParaRPr lang="en-US" altLang="zh-CN">
-              <a:solidFill>
-                <a:schemeClr val="bg1"/>
-              </a:solidFill>
-            </a:endParaRPr>
-          </a:p>
-          <a:p>
-            <a:pPr indent="0">
-              <a:buFont typeface="Wingdings" panose="05000000000000000000" charset="0"/>
-              <a:buNone/>
-            </a:pPr>
+                <a:sym typeface="+mn-ea"/>
+              </a:rPr>
+              <a:t>1. 函数声明     function add(n1:number,n2:number):number{}</a:t>
+            </a:r>
             <a:endParaRPr lang="en-US" altLang="zh-CN">
               <a:solidFill>
                 <a:schemeClr val="bg1"/>
@@ -4736,52 +4874,260 @@
                 <a:solidFill>
                   <a:schemeClr val="bg1"/>
                 </a:solidFill>
-              </a:rPr>
-              <a:t>然而这样有一个缺点，就是不能够精确的表达，输入为数字的时候，输出也应该为数字，输入为字符串的时候，输出也应该为字符串。</a:t>
-            </a:r>
-            <a:endParaRPr lang="en-US" altLang="zh-CN">
-              <a:solidFill>
-                <a:schemeClr val="bg1"/>
-              </a:solidFill>
-            </a:endParaRPr>
-          </a:p>
-          <a:p>
-            <a:pPr indent="0">
-              <a:buFont typeface="Wingdings" panose="05000000000000000000" charset="0"/>
-              <a:buNone/>
-            </a:pPr>
-            <a:endParaRPr lang="en-US" altLang="zh-CN">
-              <a:solidFill>
-                <a:schemeClr val="bg1"/>
-              </a:solidFill>
-            </a:endParaRPr>
-          </a:p>
-        </p:txBody>
-      </p:sp>
-      <p:pic>
-        <p:nvPicPr>
-          <p:cNvPr id="3" name="图片 2" descr="carbon (6)"/>
-          <p:cNvPicPr>
-            <a:picLocks noChangeAspect="1"/>
-          </p:cNvPicPr>
-          <p:nvPr/>
-        </p:nvPicPr>
-        <p:blipFill>
-          <a:blip r:embed="rId1"/>
-          <a:stretch>
-            <a:fillRect/>
-          </a:stretch>
-        </p:blipFill>
-        <p:spPr>
-          <a:xfrm>
-            <a:off x="290830" y="2658110"/>
-            <a:ext cx="6504305" cy="2230755"/>
-          </a:xfrm>
-          <a:prstGeom prst="rect">
-            <a:avLst/>
-          </a:prstGeom>
-        </p:spPr>
-      </p:pic>
+                <a:sym typeface="+mn-ea"/>
+              </a:rPr>
+              <a:t>2. 函数表达式 var add = function(n1:number,n2:number):number{}</a:t>
+            </a:r>
+            <a:endParaRPr lang="en-US" altLang="zh-CN">
+              <a:solidFill>
+                <a:schemeClr val="bg1"/>
+              </a:solidFill>
+            </a:endParaRPr>
+          </a:p>
+          <a:p>
+            <a:pPr indent="0">
+              <a:buFont typeface="Wingdings" panose="05000000000000000000" charset="0"/>
+              <a:buNone/>
+            </a:pPr>
+            <a:r>
+              <a:rPr lang="en-US" altLang="zh-CN">
+                <a:solidFill>
+                  <a:schemeClr val="bg1"/>
+                </a:solidFill>
+                <a:sym typeface="+mn-ea"/>
+              </a:rPr>
+              <a:t>3. 箭头函数 var add = (n1:number,n2:number):number=&gt;{}</a:t>
+            </a:r>
+            <a:endParaRPr lang="en-US" altLang="zh-CN">
+              <a:solidFill>
+                <a:schemeClr val="bg1"/>
+              </a:solidFill>
+            </a:endParaRPr>
+          </a:p>
+          <a:p>
+            <a:pPr indent="0">
+              <a:buFont typeface="Wingdings" panose="05000000000000000000" charset="0"/>
+              <a:buNone/>
+            </a:pPr>
+            <a:endParaRPr lang="zh-CN" altLang="en-US">
+              <a:solidFill>
+                <a:schemeClr val="bg1"/>
+              </a:solidFill>
+            </a:endParaRPr>
+          </a:p>
+          <a:p>
+            <a:pPr indent="0">
+              <a:buFont typeface="Wingdings" panose="05000000000000000000" charset="0"/>
+              <a:buNone/>
+            </a:pPr>
+            <a:r>
+              <a:rPr lang="zh-CN" altLang="en-US">
+                <a:solidFill>
+                  <a:schemeClr val="bg1"/>
+                </a:solidFill>
+              </a:rPr>
+              <a:t>TypeScript的函数参数是比较灵活的，它不像那些早期出现的传统语言那么死板。在TypeScript语言中，函数的形参分为：可选形参、默认形参、剩余参数形参等。</a:t>
+            </a:r>
+            <a:endParaRPr lang="zh-CN" altLang="en-US">
+              <a:solidFill>
+                <a:schemeClr val="bg1"/>
+              </a:solidFill>
+            </a:endParaRPr>
+          </a:p>
+          <a:p>
+            <a:pPr indent="0">
+              <a:buFont typeface="Wingdings" panose="05000000000000000000" charset="0"/>
+              <a:buNone/>
+            </a:pPr>
+            <a:endParaRPr lang="zh-CN" altLang="en-US">
+              <a:solidFill>
+                <a:schemeClr val="bg1"/>
+              </a:solidFill>
+            </a:endParaRPr>
+          </a:p>
+          <a:p>
+            <a:pPr indent="0">
+              <a:buFont typeface="Wingdings" panose="05000000000000000000" charset="0"/>
+              <a:buNone/>
+            </a:pPr>
+            <a:r>
+              <a:rPr lang="en-US" altLang="zh-CN">
+                <a:solidFill>
+                  <a:schemeClr val="bg1"/>
+                </a:solidFill>
+              </a:rPr>
+              <a:t>1. </a:t>
+            </a:r>
+            <a:r>
+              <a:rPr lang="zh-CN" altLang="en-US">
+                <a:solidFill>
+                  <a:schemeClr val="bg1"/>
+                </a:solidFill>
+              </a:rPr>
+              <a:t>有可选参数的函数</a:t>
+            </a:r>
+            <a:endParaRPr lang="zh-CN" altLang="en-US">
+              <a:solidFill>
+                <a:schemeClr val="bg1"/>
+              </a:solidFill>
+            </a:endParaRPr>
+          </a:p>
+          <a:p>
+            <a:pPr indent="0">
+              <a:buFont typeface="Wingdings" panose="05000000000000000000" charset="0"/>
+              <a:buNone/>
+            </a:pPr>
+            <a:r>
+              <a:rPr lang="zh-CN" altLang="en-US">
+                <a:solidFill>
+                  <a:schemeClr val="bg1"/>
+                </a:solidFill>
+              </a:rPr>
+              <a:t>可选参数，就是我们定义形参的时候，可以定义一个可传可不传的参数。这种参数，在定义函数的时候通过?标注</a:t>
+            </a:r>
+            <a:r>
+              <a:rPr lang="en-US" altLang="zh-CN">
+                <a:solidFill>
+                  <a:schemeClr val="bg1"/>
+                </a:solidFill>
+              </a:rPr>
+              <a:t>,</a:t>
+            </a:r>
+            <a:r>
+              <a:rPr lang="zh-CN" altLang="en-US">
+                <a:solidFill>
+                  <a:schemeClr val="bg1"/>
+                </a:solidFill>
+              </a:rPr>
+              <a:t>可选参数必须接在必须参数后面。</a:t>
+            </a:r>
+            <a:endParaRPr lang="zh-CN" altLang="en-US">
+              <a:solidFill>
+                <a:schemeClr val="bg1"/>
+              </a:solidFill>
+            </a:endParaRPr>
+          </a:p>
+          <a:p>
+            <a:pPr indent="0">
+              <a:buFont typeface="Wingdings" panose="05000000000000000000" charset="0"/>
+              <a:buNone/>
+            </a:pPr>
+            <a:r>
+              <a:rPr lang="zh-CN" altLang="en-US">
+                <a:solidFill>
+                  <a:schemeClr val="bg1"/>
+                </a:solidFill>
+              </a:rPr>
+              <a:t>2. 有默认参数的函数</a:t>
+            </a:r>
+            <a:endParaRPr lang="zh-CN" altLang="en-US">
+              <a:solidFill>
+                <a:schemeClr val="bg1"/>
+              </a:solidFill>
+            </a:endParaRPr>
+          </a:p>
+          <a:p>
+            <a:pPr indent="0">
+              <a:buFont typeface="Wingdings" panose="05000000000000000000" charset="0"/>
+              <a:buNone/>
+            </a:pPr>
+            <a:r>
+              <a:rPr lang="en-US" altLang="zh-CN">
+                <a:solidFill>
+                  <a:schemeClr val="bg1"/>
+                </a:solidFill>
+              </a:rPr>
+              <a:t>3. 有剩余参数的函数</a:t>
+            </a:r>
+            <a:r>
+              <a:rPr lang="zh-CN" altLang="en-US">
+                <a:solidFill>
+                  <a:schemeClr val="bg1"/>
+                </a:solidFill>
+              </a:rPr>
+              <a:t>（</a:t>
+            </a:r>
+            <a:r>
+              <a:rPr lang="en-US" altLang="zh-CN">
+                <a:solidFill>
+                  <a:schemeClr val="bg1"/>
+                </a:solidFill>
+              </a:rPr>
+              <a:t>rest</a:t>
+            </a:r>
+            <a:r>
+              <a:rPr lang="zh-CN" altLang="en-US">
+                <a:solidFill>
+                  <a:schemeClr val="bg1"/>
+                </a:solidFill>
+              </a:rPr>
+              <a:t>参数）</a:t>
+            </a:r>
+            <a:endParaRPr lang="en-US" altLang="zh-CN">
+              <a:solidFill>
+                <a:schemeClr val="bg1"/>
+              </a:solidFill>
+            </a:endParaRPr>
+          </a:p>
+          <a:p>
+            <a:pPr indent="0">
+              <a:buFont typeface="Wingdings" panose="05000000000000000000" charset="0"/>
+              <a:buNone/>
+            </a:pPr>
+            <a:r>
+              <a:rPr lang="en-US" altLang="zh-CN">
+                <a:solidFill>
+                  <a:schemeClr val="bg1"/>
+                </a:solidFill>
+              </a:rPr>
+              <a:t>剩余参数就是形参是一个数组，传递几个实参过来都可以直接存在形参的数组中</a:t>
+            </a:r>
+            <a:r>
+              <a:rPr lang="zh-CN" altLang="en-US">
+                <a:solidFill>
+                  <a:schemeClr val="bg1"/>
+                </a:solidFill>
+              </a:rPr>
+              <a:t>，rest 参数只能是最后一个参数</a:t>
+            </a:r>
+            <a:r>
+              <a:rPr lang="en-US" altLang="zh-CN">
+                <a:solidFill>
+                  <a:schemeClr val="bg1"/>
+                </a:solidFill>
+              </a:rPr>
+              <a:t>。</a:t>
+            </a:r>
+            <a:endParaRPr lang="en-US" altLang="zh-CN">
+              <a:solidFill>
+                <a:schemeClr val="bg1"/>
+              </a:solidFill>
+            </a:endParaRPr>
+          </a:p>
+          <a:p>
+            <a:pPr indent="0">
+              <a:buFont typeface="Wingdings" panose="05000000000000000000" charset="0"/>
+              <a:buNone/>
+            </a:pPr>
+            <a:endParaRPr lang="en-US" altLang="zh-CN">
+              <a:solidFill>
+                <a:schemeClr val="bg1"/>
+              </a:solidFill>
+            </a:endParaRPr>
+          </a:p>
+          <a:p>
+            <a:pPr indent="0">
+              <a:buFont typeface="Wingdings" panose="05000000000000000000" charset="0"/>
+              <a:buNone/>
+            </a:pPr>
+            <a:endParaRPr lang="en-US" altLang="zh-CN">
+              <a:solidFill>
+                <a:schemeClr val="bg1"/>
+              </a:solidFill>
+            </a:endParaRPr>
+          </a:p>
+        </p:txBody>
+      </p:sp>
     </p:spTree>
   </p:cSld>
   <p:clrMapOvr>
@@ -4809,6 +5155,41 @@
       </p:grpSpPr>
       <p:sp>
         <p:nvSpPr>
+          <p:cNvPr id="4" name="标题 3"/>
+          <p:cNvSpPr/>
+          <p:nvPr>
+            <p:ph type="title"/>
+          </p:nvPr>
+        </p:nvSpPr>
+        <p:spPr>
+          <a:xfrm>
+            <a:off x="290830" y="381000"/>
+            <a:ext cx="7113270" cy="430530"/>
+          </a:xfrm>
+        </p:spPr>
+        <p:txBody>
+          <a:bodyPr wrap="square"/>
+          <a:p>
+            <a:r>
+              <a:rPr lang="en-US" sz="2800">
+                <a:latin typeface="+mj-ea"/>
+              </a:rPr>
+              <a:t>6.1 </a:t>
+            </a:r>
+            <a:r>
+              <a:rPr lang="zh-CN" sz="2800">
+                <a:latin typeface="+mj-ea"/>
+              </a:rPr>
+              <a:t>重载</a:t>
+            </a:r>
+            <a:endParaRPr lang="zh-CN" sz="2800">
+              <a:latin typeface="+mj-ea"/>
+            </a:endParaRPr>
+          </a:p>
+        </p:txBody>
+      </p:sp>
+      <p:sp>
+        <p:nvSpPr>
           <p:cNvPr id="13" name="文本框 12"/>
           <p:cNvSpPr txBox="1"/>
           <p:nvPr/>
@@ -4816,7 +5197,7 @@
         <p:spPr>
           <a:xfrm>
             <a:off x="148590" y="1109980"/>
-            <a:ext cx="8766810" cy="3969385"/>
+            <a:ext cx="8766810" cy="4799965"/>
           </a:xfrm>
           <a:prstGeom prst="rect">
             <a:avLst/>
@@ -4839,7 +5220,7 @@
                 </a:solidFill>
                 <a:sym typeface="+mn-ea"/>
               </a:rPr>
-              <a:t>这时，我们可以使用重载定义多个 reverse 的函数类型：</a:t>
+              <a:t>重载允许一个函数接受不同数量或类型的参数时，作出不同的处理。</a:t>
             </a:r>
             <a:endParaRPr>
               <a:solidFill>
@@ -4864,101 +5245,13 @@
               <a:buFont typeface="Wingdings" panose="05000000000000000000" charset="0"/>
               <a:buNone/>
             </a:pPr>
-            <a:endParaRPr lang="en-US" altLang="zh-CN">
-              <a:solidFill>
-                <a:schemeClr val="bg1"/>
-              </a:solidFill>
-            </a:endParaRPr>
-          </a:p>
-          <a:p>
-            <a:pPr indent="0">
-              <a:buFont typeface="Wingdings" panose="05000000000000000000" charset="0"/>
-              <a:buNone/>
-            </a:pPr>
-            <a:endParaRPr lang="en-US" altLang="zh-CN">
-              <a:solidFill>
-                <a:schemeClr val="bg1"/>
-              </a:solidFill>
-            </a:endParaRPr>
-          </a:p>
-          <a:p>
-            <a:pPr indent="0">
-              <a:buFont typeface="Wingdings" panose="05000000000000000000" charset="0"/>
-              <a:buNone/>
-            </a:pPr>
-            <a:endParaRPr lang="en-US" altLang="zh-CN">
-              <a:solidFill>
-                <a:schemeClr val="bg1"/>
-              </a:solidFill>
-            </a:endParaRPr>
-          </a:p>
-          <a:p>
-            <a:pPr indent="0">
-              <a:buFont typeface="Wingdings" panose="05000000000000000000" charset="0"/>
-              <a:buNone/>
-            </a:pPr>
-            <a:endParaRPr lang="en-US" altLang="zh-CN">
-              <a:solidFill>
-                <a:schemeClr val="bg1"/>
-              </a:solidFill>
-            </a:endParaRPr>
-          </a:p>
-          <a:p>
-            <a:pPr indent="0">
-              <a:buFont typeface="Wingdings" panose="05000000000000000000" charset="0"/>
-              <a:buNone/>
-            </a:pPr>
-            <a:endParaRPr lang="en-US" altLang="zh-CN">
-              <a:solidFill>
-                <a:schemeClr val="bg1"/>
-              </a:solidFill>
-            </a:endParaRPr>
-          </a:p>
-          <a:p>
-            <a:pPr indent="0">
-              <a:buFont typeface="Wingdings" panose="05000000000000000000" charset="0"/>
-              <a:buNone/>
-            </a:pPr>
-            <a:endParaRPr lang="en-US" altLang="zh-CN">
-              <a:solidFill>
-                <a:schemeClr val="bg1"/>
-              </a:solidFill>
-            </a:endParaRPr>
-          </a:p>
-          <a:p>
-            <a:pPr indent="0">
-              <a:buFont typeface="Wingdings" panose="05000000000000000000" charset="0"/>
-              <a:buNone/>
-            </a:pPr>
-            <a:endParaRPr lang="en-US" altLang="zh-CN">
-              <a:solidFill>
-                <a:schemeClr val="bg1"/>
-              </a:solidFill>
-            </a:endParaRPr>
-          </a:p>
-          <a:p>
-            <a:pPr indent="0">
-              <a:buFont typeface="Wingdings" panose="05000000000000000000" charset="0"/>
-              <a:buNone/>
-            </a:pPr>
-            <a:endParaRPr lang="en-US" altLang="zh-CN">
-              <a:solidFill>
-                <a:schemeClr val="bg1"/>
-              </a:solidFill>
-            </a:endParaRPr>
-          </a:p>
-          <a:p>
-            <a:pPr indent="0">
-              <a:buFont typeface="Wingdings" panose="05000000000000000000" charset="0"/>
-              <a:buNone/>
-            </a:pPr>
             <a:r>
               <a:rPr lang="en-US" altLang="zh-CN">
                 <a:solidFill>
                   <a:schemeClr val="bg1"/>
                 </a:solidFill>
               </a:rPr>
-              <a:t>上例中，我们重复定义了多次函数 reverse，前几次都是函数定义，最后一次是函数实现。</a:t>
+              <a:t>比如，我们需要实现一个函数 reverse，输入数字 123 的时候，输出反转的数字 321，输入字符串 'hello' 的时候，输出反转的字符串 'olleh'。</a:t>
             </a:r>
             <a:endParaRPr lang="en-US" altLang="zh-CN">
               <a:solidFill>
@@ -4977,8 +5270,137 @@
                   <a:schemeClr val="bg1"/>
                 </a:solidFill>
               </a:rPr>
-              <a:t>注意，TypeScript 会优先从最前面的函数定义开始匹配，所以多个函数定义如果有包含关系，需要优先把精确的定义写在前面。</a:t>
-            </a:r>
+              <a:t>利用联合类型，我们可以这么实现：</a:t>
+            </a:r>
+            <a:endParaRPr lang="en-US" altLang="zh-CN">
+              <a:solidFill>
+                <a:schemeClr val="bg1"/>
+              </a:solidFill>
+            </a:endParaRPr>
+          </a:p>
+          <a:p>
+            <a:pPr indent="0">
+              <a:buFont typeface="Wingdings" panose="05000000000000000000" charset="0"/>
+              <a:buNone/>
+            </a:pPr>
+            <a:endParaRPr lang="en-US" altLang="zh-CN">
+              <a:solidFill>
+                <a:schemeClr val="bg1"/>
+              </a:solidFill>
+            </a:endParaRPr>
+          </a:p>
+          <a:p>
+            <a:pPr indent="0">
+              <a:buFont typeface="Wingdings" panose="05000000000000000000" charset="0"/>
+              <a:buNone/>
+            </a:pPr>
+            <a:endParaRPr lang="en-US" altLang="zh-CN">
+              <a:solidFill>
+                <a:schemeClr val="bg1"/>
+              </a:solidFill>
+            </a:endParaRPr>
+          </a:p>
+          <a:p>
+            <a:pPr indent="0">
+              <a:buFont typeface="Wingdings" panose="05000000000000000000" charset="0"/>
+              <a:buNone/>
+            </a:pPr>
+            <a:endParaRPr lang="en-US" altLang="zh-CN">
+              <a:solidFill>
+                <a:schemeClr val="bg1"/>
+              </a:solidFill>
+            </a:endParaRPr>
+          </a:p>
+          <a:p>
+            <a:pPr indent="0">
+              <a:buFont typeface="Wingdings" panose="05000000000000000000" charset="0"/>
+              <a:buNone/>
+            </a:pPr>
+            <a:endParaRPr lang="en-US" altLang="zh-CN">
+              <a:solidFill>
+                <a:schemeClr val="bg1"/>
+              </a:solidFill>
+            </a:endParaRPr>
+          </a:p>
+          <a:p>
+            <a:pPr indent="0">
+              <a:buFont typeface="Wingdings" panose="05000000000000000000" charset="0"/>
+              <a:buNone/>
+            </a:pPr>
+            <a:endParaRPr lang="en-US" altLang="zh-CN">
+              <a:solidFill>
+                <a:schemeClr val="bg1"/>
+              </a:solidFill>
+            </a:endParaRPr>
+          </a:p>
+          <a:p>
+            <a:pPr indent="0">
+              <a:buFont typeface="Wingdings" panose="05000000000000000000" charset="0"/>
+              <a:buNone/>
+            </a:pPr>
+            <a:endParaRPr lang="en-US" altLang="zh-CN">
+              <a:solidFill>
+                <a:schemeClr val="bg1"/>
+              </a:solidFill>
+            </a:endParaRPr>
+          </a:p>
+          <a:p>
+            <a:pPr indent="0">
+              <a:buFont typeface="Wingdings" panose="05000000000000000000" charset="0"/>
+              <a:buNone/>
+            </a:pPr>
+            <a:endParaRPr lang="en-US" altLang="zh-CN">
+              <a:solidFill>
+                <a:schemeClr val="bg1"/>
+              </a:solidFill>
+            </a:endParaRPr>
+          </a:p>
+          <a:p>
+            <a:pPr indent="0">
+              <a:buFont typeface="Wingdings" panose="05000000000000000000" charset="0"/>
+              <a:buNone/>
+            </a:pPr>
+            <a:endParaRPr lang="en-US" altLang="zh-CN">
+              <a:solidFill>
+                <a:schemeClr val="bg1"/>
+              </a:solidFill>
+            </a:endParaRPr>
+          </a:p>
+          <a:p>
+            <a:pPr indent="0">
+              <a:buFont typeface="Wingdings" panose="05000000000000000000" charset="0"/>
+              <a:buNone/>
+            </a:pPr>
+            <a:endParaRPr lang="en-US" altLang="zh-CN">
+              <a:solidFill>
+                <a:schemeClr val="bg1"/>
+              </a:solidFill>
+            </a:endParaRPr>
+          </a:p>
+          <a:p>
+            <a:pPr indent="0">
+              <a:buFont typeface="Wingdings" panose="05000000000000000000" charset="0"/>
+              <a:buNone/>
+            </a:pPr>
+            <a:r>
+              <a:rPr lang="en-US" altLang="zh-CN">
+                <a:solidFill>
+                  <a:schemeClr val="bg1"/>
+                </a:solidFill>
+              </a:rPr>
+              <a:t>然而这样有一个缺点，就是不能够精确的表达，输入为数字的时候，输出也应该为数字，输入为字符串的时候，输出也应该为字符串。</a:t>
+            </a:r>
+            <a:endParaRPr lang="en-US" altLang="zh-CN">
+              <a:solidFill>
+                <a:schemeClr val="bg1"/>
+              </a:solidFill>
+            </a:endParaRPr>
+          </a:p>
+          <a:p>
+            <a:pPr indent="0">
+              <a:buFont typeface="Wingdings" panose="05000000000000000000" charset="0"/>
+              <a:buNone/>
+            </a:pPr>
             <a:endParaRPr lang="en-US" altLang="zh-CN">
               <a:solidFill>
                 <a:schemeClr val="bg1"/>
@@ -4989,7 +5411,7 @@
       </p:sp>
       <p:pic>
         <p:nvPicPr>
-          <p:cNvPr id="2" name="图片 1" descr="carbon (6)"/>
+          <p:cNvPr id="3" name="图片 2" descr="carbon (6)"/>
           <p:cNvPicPr>
             <a:picLocks noChangeAspect="1"/>
           </p:cNvPicPr>
@@ -5003,8 +5425,8 @@
         </p:blipFill>
         <p:spPr>
           <a:xfrm>
-            <a:off x="267335" y="1537335"/>
-            <a:ext cx="5209540" cy="2106930"/>
+            <a:off x="290830" y="2658110"/>
+            <a:ext cx="6504305" cy="2230755"/>
           </a:xfrm>
           <a:prstGeom prst="rect">
             <a:avLst/>
@@ -5038,106 +5460,187 @@
       </p:grpSpPr>
       <p:sp>
         <p:nvSpPr>
-          <p:cNvPr id="2" name="object 2"/>
-          <p:cNvSpPr txBox="1">
-            <a:spLocks noGrp="1"/>
-          </p:cNvSpPr>
-          <p:nvPr>
-            <p:ph type="title"/>
-          </p:nvPr>
-        </p:nvSpPr>
-        <p:spPr>
-          <a:xfrm>
-            <a:off x="772160" y="2345690"/>
-            <a:ext cx="452755" cy="2166620"/>
+          <p:cNvPr id="13" name="文本框 12"/>
+          <p:cNvSpPr txBox="1"/>
+          <p:nvPr/>
+        </p:nvSpPr>
+        <p:spPr>
+          <a:xfrm>
+            <a:off x="148590" y="1109980"/>
+            <a:ext cx="8766810" cy="3969385"/>
           </a:xfrm>
           <a:prstGeom prst="rect">
             <a:avLst/>
           </a:prstGeom>
-        </p:spPr>
-        <p:txBody>
-          <a:bodyPr vert="horz" wrap="square" lIns="0" tIns="12700" rIns="0" bIns="0" rtlCol="0">
+          <a:noFill/>
+        </p:spPr>
+        <p:txBody>
+          <a:bodyPr wrap="square" rtlCol="0">
             <a:spAutoFit/>
           </a:bodyPr>
-          <a:lstStyle/>
-          <a:p>
-            <a:pPr marL="12700">
-              <a:lnSpc>
-                <a:spcPct val="100000"/>
-              </a:lnSpc>
-              <a:spcBef>
-                <a:spcPts val="100"/>
-              </a:spcBef>
-            </a:pPr>
-            <a:r>
-              <a:rPr lang="zh-CN" sz="2800" spc="-10" dirty="0">
-                <a:latin typeface="Arial" panose="020B0604020202020204"/>
-                <a:cs typeface="Arial" panose="020B0604020202020204"/>
-              </a:rPr>
-              <a:t>事</a:t>
-            </a:r>
-            <a:br>
-              <a:rPr lang="zh-CN" sz="2800" spc="-10" dirty="0">
-                <a:latin typeface="Arial" panose="020B0604020202020204"/>
-                <a:cs typeface="Arial" panose="020B0604020202020204"/>
-              </a:rPr>
-            </a:br>
-            <a:r>
-              <a:rPr lang="zh-CN" sz="2800" spc="-10" dirty="0">
-                <a:latin typeface="Arial" panose="020B0604020202020204"/>
-                <a:cs typeface="Arial" panose="020B0604020202020204"/>
-              </a:rPr>
-              <a:t>件</a:t>
-            </a:r>
-            <a:br>
-              <a:rPr lang="zh-CN" sz="2800" spc="-10" dirty="0">
-                <a:latin typeface="Arial" panose="020B0604020202020204"/>
-                <a:cs typeface="Arial" panose="020B0604020202020204"/>
-              </a:rPr>
-            </a:br>
-            <a:r>
-              <a:rPr lang="zh-CN" sz="2800" spc="-10" dirty="0">
-                <a:latin typeface="Arial" panose="020B0604020202020204"/>
-                <a:cs typeface="Arial" panose="020B0604020202020204"/>
-              </a:rPr>
-              <a:t>修</a:t>
-            </a:r>
-            <a:br>
-              <a:rPr lang="zh-CN" sz="2800" spc="-10" dirty="0">
-                <a:latin typeface="Arial" panose="020B0604020202020204"/>
-                <a:cs typeface="Arial" panose="020B0604020202020204"/>
-              </a:rPr>
-            </a:br>
-            <a:r>
-              <a:rPr lang="zh-CN" sz="2800" spc="-10" dirty="0">
-                <a:latin typeface="Arial" panose="020B0604020202020204"/>
-                <a:cs typeface="Arial" panose="020B0604020202020204"/>
-              </a:rPr>
-              <a:t>饰</a:t>
-            </a:r>
-            <a:br>
-              <a:rPr lang="zh-CN" sz="2800" spc="-10" dirty="0">
-                <a:latin typeface="Arial" panose="020B0604020202020204"/>
-                <a:cs typeface="Arial" panose="020B0604020202020204"/>
-              </a:rPr>
-            </a:br>
-            <a:r>
-              <a:rPr lang="zh-CN" sz="2800" spc="-10" dirty="0">
-                <a:latin typeface="Arial" panose="020B0604020202020204"/>
-                <a:cs typeface="Arial" panose="020B0604020202020204"/>
-              </a:rPr>
-              <a:t>符</a:t>
-            </a:r>
-            <a:endParaRPr lang="en-US" sz="2800" spc="-10" dirty="0">
-              <a:latin typeface="Arial" panose="020B0604020202020204"/>
-              <a:cs typeface="Arial" panose="020B0604020202020204"/>
+          <a:p>
+            <a:pPr indent="0">
+              <a:buFont typeface="Wingdings" panose="05000000000000000000" charset="0"/>
+              <a:buNone/>
+            </a:pPr>
+            <a:r>
+              <a:rPr>
+                <a:solidFill>
+                  <a:schemeClr val="bg1"/>
+                </a:solidFill>
+                <a:sym typeface="+mn-ea"/>
+              </a:rPr>
+              <a:t>这时，我们可以使用重载定义多个 reverse 的函数类型：</a:t>
+            </a:r>
+            <a:endParaRPr>
+              <a:solidFill>
+                <a:schemeClr val="bg1"/>
+              </a:solidFill>
+              <a:sym typeface="+mn-ea"/>
+            </a:endParaRPr>
+          </a:p>
+          <a:p>
+            <a:pPr indent="0">
+              <a:buFont typeface="Wingdings" panose="05000000000000000000" charset="0"/>
+              <a:buNone/>
+            </a:pPr>
+            <a:endParaRPr lang="en-US" altLang="zh-CN">
+              <a:solidFill>
+                <a:schemeClr val="bg1"/>
+              </a:solidFill>
+            </a:endParaRPr>
+          </a:p>
+          <a:p>
+            <a:pPr indent="0">
+              <a:buFont typeface="Wingdings" panose="05000000000000000000" charset="0"/>
+              <a:buNone/>
+            </a:pPr>
+            <a:endParaRPr lang="en-US" altLang="zh-CN">
+              <a:solidFill>
+                <a:schemeClr val="bg1"/>
+              </a:solidFill>
+            </a:endParaRPr>
+          </a:p>
+          <a:p>
+            <a:pPr indent="0">
+              <a:buFont typeface="Wingdings" panose="05000000000000000000" charset="0"/>
+              <a:buNone/>
+            </a:pPr>
+            <a:endParaRPr lang="en-US" altLang="zh-CN">
+              <a:solidFill>
+                <a:schemeClr val="bg1"/>
+              </a:solidFill>
+            </a:endParaRPr>
+          </a:p>
+          <a:p>
+            <a:pPr indent="0">
+              <a:buFont typeface="Wingdings" panose="05000000000000000000" charset="0"/>
+              <a:buNone/>
+            </a:pPr>
+            <a:endParaRPr lang="en-US" altLang="zh-CN">
+              <a:solidFill>
+                <a:schemeClr val="bg1"/>
+              </a:solidFill>
+            </a:endParaRPr>
+          </a:p>
+          <a:p>
+            <a:pPr indent="0">
+              <a:buFont typeface="Wingdings" panose="05000000000000000000" charset="0"/>
+              <a:buNone/>
+            </a:pPr>
+            <a:endParaRPr lang="en-US" altLang="zh-CN">
+              <a:solidFill>
+                <a:schemeClr val="bg1"/>
+              </a:solidFill>
+            </a:endParaRPr>
+          </a:p>
+          <a:p>
+            <a:pPr indent="0">
+              <a:buFont typeface="Wingdings" panose="05000000000000000000" charset="0"/>
+              <a:buNone/>
+            </a:pPr>
+            <a:endParaRPr lang="en-US" altLang="zh-CN">
+              <a:solidFill>
+                <a:schemeClr val="bg1"/>
+              </a:solidFill>
+            </a:endParaRPr>
+          </a:p>
+          <a:p>
+            <a:pPr indent="0">
+              <a:buFont typeface="Wingdings" panose="05000000000000000000" charset="0"/>
+              <a:buNone/>
+            </a:pPr>
+            <a:endParaRPr lang="en-US" altLang="zh-CN">
+              <a:solidFill>
+                <a:schemeClr val="bg1"/>
+              </a:solidFill>
+            </a:endParaRPr>
+          </a:p>
+          <a:p>
+            <a:pPr indent="0">
+              <a:buFont typeface="Wingdings" panose="05000000000000000000" charset="0"/>
+              <a:buNone/>
+            </a:pPr>
+            <a:endParaRPr lang="en-US" altLang="zh-CN">
+              <a:solidFill>
+                <a:schemeClr val="bg1"/>
+              </a:solidFill>
+            </a:endParaRPr>
+          </a:p>
+          <a:p>
+            <a:pPr indent="0">
+              <a:buFont typeface="Wingdings" panose="05000000000000000000" charset="0"/>
+              <a:buNone/>
+            </a:pPr>
+            <a:endParaRPr lang="en-US" altLang="zh-CN">
+              <a:solidFill>
+                <a:schemeClr val="bg1"/>
+              </a:solidFill>
+            </a:endParaRPr>
+          </a:p>
+          <a:p>
+            <a:pPr indent="0">
+              <a:buFont typeface="Wingdings" panose="05000000000000000000" charset="0"/>
+              <a:buNone/>
+            </a:pPr>
+            <a:r>
+              <a:rPr lang="en-US" altLang="zh-CN">
+                <a:solidFill>
+                  <a:schemeClr val="bg1"/>
+                </a:solidFill>
+              </a:rPr>
+              <a:t>上例中，我们重复定义了多次函数 reverse，前几次都是函数定义，最后一次是函数实现。</a:t>
+            </a:r>
+            <a:endParaRPr lang="en-US" altLang="zh-CN">
+              <a:solidFill>
+                <a:schemeClr val="bg1"/>
+              </a:solidFill>
+            </a:endParaRPr>
+          </a:p>
+          <a:p>
+            <a:pPr indent="0">
+              <a:buFont typeface="Wingdings" panose="05000000000000000000" charset="0"/>
+              <a:buNone/>
+            </a:pPr>
+            <a:r>
+              <a:rPr lang="en-US" altLang="zh-CN">
+                <a:solidFill>
+                  <a:schemeClr val="bg1"/>
+                </a:solidFill>
+              </a:rPr>
+              <a:t>注意，TypeScript 会优先从最前面的函数定义开始匹配，所以多个函数定义如果有包含关系，需要优先把精确的定义写在前面。</a:t>
+            </a:r>
+            <a:endParaRPr lang="en-US" altLang="zh-CN">
+              <a:solidFill>
+                <a:schemeClr val="bg1"/>
+              </a:solidFill>
             </a:endParaRPr>
           </a:p>
         </p:txBody>
       </p:sp>
       <p:pic>
         <p:nvPicPr>
-          <p:cNvPr id="6" name="图片 5"/>
+          <p:cNvPr id="2" name="图片 1" descr="carbon (6)"/>
           <p:cNvPicPr>
             <a:picLocks noChangeAspect="1"/>
           </p:cNvPicPr>
@@ -5151,8 +5654,8 @@
         </p:blipFill>
         <p:spPr>
           <a:xfrm>
-            <a:off x="2125345" y="142875"/>
-            <a:ext cx="6209665" cy="6571615"/>
+            <a:off x="267335" y="1537335"/>
+            <a:ext cx="5209540" cy="2106930"/>
           </a:xfrm>
           <a:prstGeom prst="rect">
             <a:avLst/>
@@ -5360,7 +5863,7 @@
         </p:nvSpPr>
         <p:spPr>
           <a:xfrm>
-            <a:off x="875030" y="2345690"/>
+            <a:off x="772160" y="2345690"/>
             <a:ext cx="452755" cy="2166620"/>
           </a:xfrm>
           <a:prstGeom prst="rect">
@@ -5386,7 +5889,7 @@
                 <a:latin typeface="Arial" panose="020B0604020202020204"/>
                 <a:cs typeface="Arial" panose="020B0604020202020204"/>
               </a:rPr>
-              <a:t>键值</a:t>
+              <a:t>事</a:t>
             </a:r>
             <a:br>
               <a:rPr lang="zh-CN" sz="2800" spc="-10" dirty="0">
@@ -5399,9 +5902,48 @@
                 <a:latin typeface="Arial" panose="020B0604020202020204"/>
                 <a:cs typeface="Arial" panose="020B0604020202020204"/>
               </a:rPr>
-              <a:t>修饰符</a:t>
-            </a:r>
-            <a:endParaRPr lang="zh-CN" sz="2800" spc="-10" dirty="0">
+              <a:t>件</a:t>
+            </a:r>
+            <a:br>
+              <a:rPr lang="zh-CN" sz="2800" spc="-10" dirty="0">
+                <a:latin typeface="Arial" panose="020B0604020202020204"/>
+                <a:cs typeface="Arial" panose="020B0604020202020204"/>
+              </a:rPr>
+            </a:br>
+            <a:r>
+              <a:rPr lang="zh-CN" sz="2800" spc="-10" dirty="0">
+                <a:latin typeface="Arial" panose="020B0604020202020204"/>
+                <a:cs typeface="Arial" panose="020B0604020202020204"/>
+              </a:rPr>
+              <a:t>修</a:t>
+            </a:r>
+            <a:br>
+              <a:rPr lang="zh-CN" sz="2800" spc="-10" dirty="0">
+                <a:latin typeface="Arial" panose="020B0604020202020204"/>
+                <a:cs typeface="Arial" panose="020B0604020202020204"/>
+              </a:rPr>
+            </a:br>
+            <a:r>
+              <a:rPr lang="zh-CN" sz="2800" spc="-10" dirty="0">
+                <a:latin typeface="Arial" panose="020B0604020202020204"/>
+                <a:cs typeface="Arial" panose="020B0604020202020204"/>
+              </a:rPr>
+              <a:t>饰</a:t>
+            </a:r>
+            <a:br>
+              <a:rPr lang="zh-CN" sz="2800" spc="-10" dirty="0">
+                <a:latin typeface="Arial" panose="020B0604020202020204"/>
+                <a:cs typeface="Arial" panose="020B0604020202020204"/>
+              </a:rPr>
+            </a:br>
+            <a:r>
+              <a:rPr lang="zh-CN" sz="2800" spc="-10" dirty="0">
+                <a:latin typeface="Arial" panose="020B0604020202020204"/>
+                <a:cs typeface="Arial" panose="020B0604020202020204"/>
+              </a:rPr>
+              <a:t>符</a:t>
+            </a:r>
+            <a:endParaRPr lang="en-US" sz="2800" spc="-10" dirty="0">
               <a:latin typeface="Arial" panose="020B0604020202020204"/>
               <a:cs typeface="Arial" panose="020B0604020202020204"/>
             </a:endParaRPr>
@@ -5410,7 +5952,7 @@
       </p:sp>
       <p:pic>
         <p:nvPicPr>
-          <p:cNvPr id="4" name="图片 3"/>
+          <p:cNvPr id="6" name="图片 5"/>
           <p:cNvPicPr>
             <a:picLocks noChangeAspect="1"/>
           </p:cNvPicPr>
@@ -5424,8 +5966,8 @@
         </p:blipFill>
         <p:spPr>
           <a:xfrm>
-            <a:off x="2098675" y="438150"/>
-            <a:ext cx="6600190" cy="5981065"/>
+            <a:off x="2125345" y="142875"/>
+            <a:ext cx="6209665" cy="6571615"/>
           </a:xfrm>
           <a:prstGeom prst="rect">
             <a:avLst/>
@@ -5460,13 +6002,17 @@
       <p:sp>
         <p:nvSpPr>
           <p:cNvPr id="2" name="object 2"/>
-          <p:cNvSpPr txBox="1"/>
-          <p:nvPr/>
-        </p:nvSpPr>
-        <p:spPr>
-          <a:xfrm>
-            <a:off x="1769745" y="2623820"/>
-            <a:ext cx="5603875" cy="1610360"/>
+          <p:cNvSpPr txBox="1">
+            <a:spLocks noGrp="1"/>
+          </p:cNvSpPr>
+          <p:nvPr>
+            <p:ph type="title"/>
+          </p:nvPr>
+        </p:nvSpPr>
+        <p:spPr>
+          <a:xfrm>
+            <a:off x="875030" y="2345690"/>
+            <a:ext cx="452755" cy="2166620"/>
           </a:xfrm>
           <a:prstGeom prst="rect">
             <a:avLst/>
@@ -5478,55 +6024,65 @@
           </a:bodyPr>
           <a:lstStyle/>
           <a:p>
-            <a:pPr marL="1905" algn="ctr">
+            <a:pPr marL="12700">
               <a:lnSpc>
-                <a:spcPts val="6230"/>
+                <a:spcPct val="100000"/>
               </a:lnSpc>
               <a:spcBef>
                 <a:spcPts val="100"/>
               </a:spcBef>
             </a:pPr>
             <a:r>
-              <a:rPr lang="zh-CN" sz="5200" spc="-5" dirty="0">
-                <a:solidFill>
-                  <a:srgbClr val="FFFFFF"/>
-                </a:solidFill>
-                <a:latin typeface="宋体" panose="02010600030101010101" pitchFamily="2" charset="-122"/>
-                <a:cs typeface="宋体" panose="02010600030101010101" pitchFamily="2" charset="-122"/>
-              </a:rPr>
-              <a:t>计算属性</a:t>
-            </a:r>
-            <a:endParaRPr lang="zh-CN" sz="5200">
-              <a:latin typeface="MS PGothic" panose="020B0600070205080204" charset="-128"/>
-              <a:cs typeface="MS PGothic" panose="020B0600070205080204" charset="-128"/>
-            </a:endParaRPr>
-          </a:p>
-          <a:p>
-            <a:pPr algn="ctr">
-              <a:lnSpc>
-                <a:spcPts val="6230"/>
-              </a:lnSpc>
-            </a:pPr>
-            <a:r>
-              <a:rPr sz="5200" spc="-10" dirty="0">
-                <a:solidFill>
-                  <a:srgbClr val="FFFFFF"/>
-                </a:solidFill>
+              <a:rPr lang="zh-CN" sz="2800" spc="-10" dirty="0">
                 <a:latin typeface="Arial" panose="020B0604020202020204"/>
                 <a:cs typeface="Arial" panose="020B0604020202020204"/>
               </a:rPr>
-              <a:t>computed </a:t>
-            </a:r>
-            <a:endParaRPr lang="en-US" sz="5200" spc="-10" dirty="0">
-              <a:solidFill>
-                <a:srgbClr val="FFFFFF"/>
-              </a:solidFill>
+              <a:t>键值</a:t>
+            </a:r>
+            <a:br>
+              <a:rPr lang="zh-CN" sz="2800" spc="-10" dirty="0">
+                <a:latin typeface="Arial" panose="020B0604020202020204"/>
+                <a:cs typeface="Arial" panose="020B0604020202020204"/>
+              </a:rPr>
+            </a:br>
+            <a:r>
+              <a:rPr lang="zh-CN" sz="2800" spc="-10" dirty="0">
+                <a:latin typeface="Arial" panose="020B0604020202020204"/>
+                <a:cs typeface="Arial" panose="020B0604020202020204"/>
+              </a:rPr>
+              <a:t>修饰符</a:t>
+            </a:r>
+            <a:endParaRPr lang="zh-CN" sz="2800" spc="-10" dirty="0">
               <a:latin typeface="Arial" panose="020B0604020202020204"/>
               <a:cs typeface="Arial" panose="020B0604020202020204"/>
             </a:endParaRPr>
           </a:p>
         </p:txBody>
       </p:sp>
+      <p:pic>
+        <p:nvPicPr>
+          <p:cNvPr id="4" name="图片 3"/>
+          <p:cNvPicPr>
+            <a:picLocks noChangeAspect="1"/>
+          </p:cNvPicPr>
+          <p:nvPr/>
+        </p:nvPicPr>
+        <p:blipFill>
+          <a:blip r:embed="rId1"/>
+          <a:stretch>
+            <a:fillRect/>
+          </a:stretch>
+        </p:blipFill>
+        <p:spPr>
+          <a:xfrm>
+            <a:off x="2098675" y="438150"/>
+            <a:ext cx="6600190" cy="5981065"/>
+          </a:xfrm>
+          <a:prstGeom prst="rect">
+            <a:avLst/>
+          </a:prstGeom>
+        </p:spPr>
+      </p:pic>
     </p:spTree>
   </p:cSld>
   <p:clrMapOvr>
@@ -5555,6 +6111,101 @@
       <p:sp>
         <p:nvSpPr>
           <p:cNvPr id="2" name="object 2"/>
+          <p:cNvSpPr txBox="1"/>
+          <p:nvPr/>
+        </p:nvSpPr>
+        <p:spPr>
+          <a:xfrm>
+            <a:off x="1769745" y="2623820"/>
+            <a:ext cx="5603875" cy="1610360"/>
+          </a:xfrm>
+          <a:prstGeom prst="rect">
+            <a:avLst/>
+          </a:prstGeom>
+        </p:spPr>
+        <p:txBody>
+          <a:bodyPr vert="horz" wrap="square" lIns="0" tIns="12700" rIns="0" bIns="0" rtlCol="0">
+            <a:spAutoFit/>
+          </a:bodyPr>
+          <a:lstStyle/>
+          <a:p>
+            <a:pPr marL="1905" algn="ctr">
+              <a:lnSpc>
+                <a:spcPts val="6230"/>
+              </a:lnSpc>
+              <a:spcBef>
+                <a:spcPts val="100"/>
+              </a:spcBef>
+            </a:pPr>
+            <a:r>
+              <a:rPr lang="zh-CN" sz="5200" spc="-5" dirty="0">
+                <a:solidFill>
+                  <a:srgbClr val="FFFFFF"/>
+                </a:solidFill>
+                <a:latin typeface="宋体" panose="02010600030101010101" pitchFamily="2" charset="-122"/>
+                <a:cs typeface="宋体" panose="02010600030101010101" pitchFamily="2" charset="-122"/>
+              </a:rPr>
+              <a:t>计算属性</a:t>
+            </a:r>
+            <a:endParaRPr lang="zh-CN" sz="5200">
+              <a:latin typeface="MS PGothic" panose="020B0600070205080204" charset="-128"/>
+              <a:cs typeface="MS PGothic" panose="020B0600070205080204" charset="-128"/>
+            </a:endParaRPr>
+          </a:p>
+          <a:p>
+            <a:pPr algn="ctr">
+              <a:lnSpc>
+                <a:spcPts val="6230"/>
+              </a:lnSpc>
+            </a:pPr>
+            <a:r>
+              <a:rPr sz="5200" spc="-10" dirty="0">
+                <a:solidFill>
+                  <a:srgbClr val="FFFFFF"/>
+                </a:solidFill>
+                <a:latin typeface="Arial" panose="020B0604020202020204"/>
+                <a:cs typeface="Arial" panose="020B0604020202020204"/>
+              </a:rPr>
+              <a:t>computed </a:t>
+            </a:r>
+            <a:endParaRPr lang="en-US" sz="5200" spc="-10" dirty="0">
+              <a:solidFill>
+                <a:srgbClr val="FFFFFF"/>
+              </a:solidFill>
+              <a:latin typeface="Arial" panose="020B0604020202020204"/>
+              <a:cs typeface="Arial" panose="020B0604020202020204"/>
+            </a:endParaRPr>
+          </a:p>
+        </p:txBody>
+      </p:sp>
+    </p:spTree>
+  </p:cSld>
+  <p:clrMapOvr>
+    <a:masterClrMapping/>
+  </p:clrMapOvr>
+</p:sld>
+</file>
+
+<file path=ppt/slides/slide23.xml><?xml version="1.0" encoding="utf-8"?>
+<p:sld xmlns:a="http://schemas.openxmlformats.org/drawingml/2006/main" xmlns:r="http://schemas.openxmlformats.org/officeDocument/2006/relationships" xmlns:p="http://schemas.openxmlformats.org/presentationml/2006/main">
+  <p:cSld>
+    <p:spTree>
+      <p:nvGrpSpPr>
+        <p:cNvPr id="1" name=""/>
+        <p:cNvGrpSpPr/>
+        <p:nvPr/>
+      </p:nvGrpSpPr>
+      <p:grpSpPr>
+        <a:xfrm>
+          <a:off x="0" y="0"/>
+          <a:ext cx="0" cy="0"/>
+          <a:chOff x="0" y="0"/>
+          <a:chExt cx="0" cy="0"/>
+        </a:xfrm>
+      </p:grpSpPr>
+      <p:sp>
+        <p:nvSpPr>
+          <p:cNvPr id="2" name="object 2"/>
           <p:cNvSpPr txBox="1">
             <a:spLocks noGrp="1"/>
           </p:cNvSpPr>
@@ -5674,7 +6325,7 @@
 </p:sld>
 </file>
 
-<file path=ppt/slides/slide23.xml><?xml version="1.0" encoding="utf-8"?>
+<file path=ppt/slides/slide24.xml><?xml version="1.0" encoding="utf-8"?>
 <p:sld xmlns:a="http://schemas.openxmlformats.org/drawingml/2006/main" xmlns:r="http://schemas.openxmlformats.org/officeDocument/2006/relationships" xmlns:p="http://schemas.openxmlformats.org/presentationml/2006/main">
   <p:cSld>
     <p:spTree>
@@ -5723,104 +6374,6 @@
 </p:sld>
 </file>
 
-<file path=ppt/slides/slide24.xml><?xml version="1.0" encoding="utf-8"?>
-<p:sld xmlns:a="http://schemas.openxmlformats.org/drawingml/2006/main" xmlns:r="http://schemas.openxmlformats.org/officeDocument/2006/relationships" xmlns:p="http://schemas.openxmlformats.org/presentationml/2006/main">
-  <p:cSld>
-    <p:spTree>
-      <p:nvGrpSpPr>
-        <p:cNvPr id="1" name=""/>
-        <p:cNvGrpSpPr/>
-        <p:nvPr/>
-      </p:nvGrpSpPr>
-      <p:grpSpPr>
-        <a:xfrm>
-          <a:off x="0" y="0"/>
-          <a:ext cx="0" cy="0"/>
-          <a:chOff x="0" y="0"/>
-          <a:chExt cx="0" cy="0"/>
-        </a:xfrm>
-      </p:grpSpPr>
-      <p:sp>
-        <p:nvSpPr>
-          <p:cNvPr id="2" name="object 2"/>
-          <p:cNvSpPr txBox="1"/>
-          <p:nvPr/>
-        </p:nvSpPr>
-        <p:spPr>
-          <a:xfrm>
-            <a:off x="1769745" y="2623820"/>
-            <a:ext cx="5603875" cy="1610360"/>
-          </a:xfrm>
-          <a:prstGeom prst="rect">
-            <a:avLst/>
-          </a:prstGeom>
-        </p:spPr>
-        <p:txBody>
-          <a:bodyPr vert="horz" wrap="square" lIns="0" tIns="12700" rIns="0" bIns="0" rtlCol="0">
-            <a:spAutoFit/>
-          </a:bodyPr>
-          <a:lstStyle/>
-          <a:p>
-            <a:pPr marL="1905" algn="ctr">
-              <a:lnSpc>
-                <a:spcPts val="6230"/>
-              </a:lnSpc>
-              <a:spcBef>
-                <a:spcPts val="100"/>
-              </a:spcBef>
-            </a:pPr>
-            <a:r>
-              <a:rPr lang="zh-CN" altLang="zh-CN" sz="5200" spc="-5" dirty="0">
-                <a:solidFill>
-                  <a:srgbClr val="FFFFFF"/>
-                </a:solidFill>
-                <a:latin typeface="宋体" panose="02010600030101010101" pitchFamily="2" charset="-122"/>
-                <a:cs typeface="宋体" panose="02010600030101010101" pitchFamily="2" charset="-122"/>
-              </a:rPr>
-              <a:t>组件</a:t>
-            </a:r>
-            <a:endParaRPr lang="zh-CN" altLang="zh-CN" sz="5200" spc="-5" dirty="0">
-              <a:solidFill>
-                <a:srgbClr val="FFFFFF"/>
-              </a:solidFill>
-              <a:latin typeface="宋体" panose="02010600030101010101" pitchFamily="2" charset="-122"/>
-              <a:cs typeface="宋体" panose="02010600030101010101" pitchFamily="2" charset="-122"/>
-            </a:endParaRPr>
-          </a:p>
-          <a:p>
-            <a:pPr algn="ctr">
-              <a:lnSpc>
-                <a:spcPts val="6230"/>
-              </a:lnSpc>
-            </a:pPr>
-            <a:r>
-              <a:rPr sz="5200" spc="-10" dirty="0">
-                <a:solidFill>
-                  <a:srgbClr val="FFFFFF"/>
-                </a:solidFill>
-                <a:latin typeface="Arial" panose="020B0604020202020204"/>
-                <a:cs typeface="Arial" panose="020B0604020202020204"/>
-              </a:rPr>
-              <a:t>component</a:t>
-            </a:r>
-            <a:endParaRPr sz="5200" spc="-10" dirty="0">
-              <a:solidFill>
-                <a:srgbClr val="FFFFFF"/>
-              </a:solidFill>
-              <a:latin typeface="Arial" panose="020B0604020202020204"/>
-              <a:cs typeface="Arial" panose="020B0604020202020204"/>
-            </a:endParaRPr>
-          </a:p>
-        </p:txBody>
-      </p:sp>
-    </p:spTree>
-  </p:cSld>
-  <p:clrMapOvr>
-    <a:masterClrMapping/>
-  </p:clrMapOvr>
-</p:sld>
-</file>
-
 <file path=ppt/slides/slide25.xml><?xml version="1.0" encoding="utf-8"?>
 <p:sld xmlns:a="http://schemas.openxmlformats.org/drawingml/2006/main" xmlns:r="http://schemas.openxmlformats.org/officeDocument/2006/relationships" xmlns:p="http://schemas.openxmlformats.org/presentationml/2006/main">
   <p:cSld>
@@ -5841,17 +6394,13 @@
       <p:sp>
         <p:nvSpPr>
           <p:cNvPr id="2" name="object 2"/>
-          <p:cNvSpPr txBox="1">
-            <a:spLocks noGrp="1"/>
-          </p:cNvSpPr>
-          <p:nvPr>
-            <p:ph type="title"/>
-          </p:nvPr>
-        </p:nvSpPr>
-        <p:spPr>
-          <a:xfrm>
-            <a:off x="384810" y="652145"/>
-            <a:ext cx="2506345" cy="443230"/>
+          <p:cNvSpPr txBox="1"/>
+          <p:nvPr/>
+        </p:nvSpPr>
+        <p:spPr>
+          <a:xfrm>
+            <a:off x="1769745" y="2623820"/>
+            <a:ext cx="5603875" cy="1610360"/>
           </a:xfrm>
           <a:prstGeom prst="rect">
             <a:avLst/>
@@ -5863,116 +6412,58 @@
           </a:bodyPr>
           <a:lstStyle/>
           <a:p>
-            <a:pPr marL="12700">
+            <a:pPr marL="1905" algn="ctr">
               <a:lnSpc>
-                <a:spcPct val="100000"/>
+                <a:spcPts val="6230"/>
               </a:lnSpc>
               <a:spcBef>
                 <a:spcPts val="100"/>
               </a:spcBef>
             </a:pPr>
             <a:r>
-              <a:rPr lang="zh-CN" sz="2800" spc="-10" dirty="0">
+              <a:rPr lang="zh-CN" altLang="zh-CN" sz="5200" spc="-5" dirty="0">
+                <a:solidFill>
+                  <a:srgbClr val="FFFFFF"/>
+                </a:solidFill>
+                <a:latin typeface="宋体" panose="02010600030101010101" pitchFamily="2" charset="-122"/>
+                <a:cs typeface="宋体" panose="02010600030101010101" pitchFamily="2" charset="-122"/>
+              </a:rPr>
+              <a:t>组件</a:t>
+            </a:r>
+            <a:endParaRPr lang="zh-CN" altLang="zh-CN" sz="5200" spc="-5" dirty="0">
+              <a:solidFill>
+                <a:srgbClr val="FFFFFF"/>
+              </a:solidFill>
+              <a:latin typeface="宋体" panose="02010600030101010101" pitchFamily="2" charset="-122"/>
+              <a:cs typeface="宋体" panose="02010600030101010101" pitchFamily="2" charset="-122"/>
+            </a:endParaRPr>
+          </a:p>
+          <a:p>
+            <a:pPr algn="ctr">
+              <a:lnSpc>
+                <a:spcPts val="6230"/>
+              </a:lnSpc>
+            </a:pPr>
+            <a:r>
+              <a:rPr sz="5200" spc="-10" dirty="0">
+                <a:solidFill>
+                  <a:srgbClr val="FFFFFF"/>
+                </a:solidFill>
                 <a:latin typeface="Arial" panose="020B0604020202020204"/>
                 <a:cs typeface="Arial" panose="020B0604020202020204"/>
               </a:rPr>
-              <a:t>组件化应用构建</a:t>
-            </a:r>
-            <a:endParaRPr lang="zh-CN" sz="2800" spc="-10" dirty="0">
+              <a:t>component</a:t>
+            </a:r>
+            <a:endParaRPr sz="5200" spc="-10" dirty="0">
+              <a:solidFill>
+                <a:srgbClr val="FFFFFF"/>
+              </a:solidFill>
               <a:latin typeface="Arial" panose="020B0604020202020204"/>
               <a:cs typeface="Arial" panose="020B0604020202020204"/>
             </a:endParaRPr>
           </a:p>
         </p:txBody>
       </p:sp>
-      <p:sp>
-        <p:nvSpPr>
-          <p:cNvPr id="3" name="object 3"/>
-          <p:cNvSpPr txBox="1"/>
-          <p:nvPr/>
-        </p:nvSpPr>
-        <p:spPr>
-          <a:xfrm>
-            <a:off x="384773" y="1419025"/>
-            <a:ext cx="6059170" cy="2045970"/>
-          </a:xfrm>
-          <a:prstGeom prst="rect">
-            <a:avLst/>
-          </a:prstGeom>
-        </p:spPr>
-        <p:txBody>
-          <a:bodyPr vert="horz" wrap="square" lIns="0" tIns="199390" rIns="0" bIns="0" rtlCol="0">
-            <a:spAutoFit/>
-          </a:bodyPr>
-          <a:lstStyle/>
-          <a:p>
-            <a:pPr marL="424815" indent="-412115">
-              <a:lnSpc>
-                <a:spcPct val="100000"/>
-              </a:lnSpc>
-              <a:spcBef>
-                <a:spcPts val="1570"/>
-              </a:spcBef>
-              <a:buClr>
-                <a:srgbClr val="FFFFFF"/>
-              </a:buClr>
-              <a:buChar char="●"/>
-              <a:tabLst>
-                <a:tab pos="424815" algn="l"/>
-                <a:tab pos="425450" algn="l"/>
-              </a:tabLst>
-            </a:pPr>
-            <a:r>
-              <a:rPr lang="zh-CN" sz="2400" spc="-15" dirty="0">
-                <a:solidFill>
-                  <a:srgbClr val="FFFFFF"/>
-                </a:solidFill>
-                <a:latin typeface="Arial" panose="020B0604020202020204"/>
-                <a:cs typeface="Arial" panose="020B0604020202020204"/>
-              </a:rPr>
-              <a:t>组件系统是 Vue 的另一个重要概念，因为它是一种抽象，允许我们使用小型、独立和通常可复用的组件构建大型应用。仔细想想，几乎任意类型的应用界面都可以抽象为一个组件树</a:t>
-            </a:r>
-            <a:r>
-              <a:rPr lang="zh-CN" sz="2400" spc="-10" dirty="0">
-                <a:solidFill>
-                  <a:srgbClr val="FFFFFF"/>
-                </a:solidFill>
-                <a:latin typeface="Arial" panose="020B0604020202020204"/>
-                <a:cs typeface="Arial" panose="020B0604020202020204"/>
-              </a:rPr>
-              <a:t>可组合的视图组件</a:t>
-            </a:r>
-            <a:endParaRPr lang="zh-CN" sz="2400">
-              <a:latin typeface="宋体" panose="02010600030101010101" pitchFamily="2" charset="-122"/>
-              <a:cs typeface="宋体" panose="02010600030101010101" pitchFamily="2" charset="-122"/>
-            </a:endParaRPr>
-          </a:p>
-        </p:txBody>
-      </p:sp>
-      <p:pic>
-        <p:nvPicPr>
-          <p:cNvPr id="4" name="图片 3"/>
-          <p:cNvPicPr>
-            <a:picLocks noChangeAspect="1"/>
-          </p:cNvPicPr>
-          <p:nvPr/>
-        </p:nvPicPr>
-        <p:blipFill>
-          <a:blip r:embed="rId1"/>
-          <a:stretch>
-            <a:fillRect/>
-          </a:stretch>
-        </p:blipFill>
-        <p:spPr>
-          <a:xfrm>
-            <a:off x="848995" y="3792220"/>
-            <a:ext cx="6998970" cy="2772410"/>
-          </a:xfrm>
-          <a:prstGeom prst="rect">
-            <a:avLst/>
-          </a:prstGeom>
-        </p:spPr>
-      </p:pic>
     </p:spTree>
   </p:cSld>
   <p:clrMapOvr>
@@ -6011,7 +6502,7 @@
         <p:spPr>
           <a:xfrm>
             <a:off x="384810" y="652145"/>
-            <a:ext cx="4337685" cy="443230"/>
+            <a:ext cx="2506345" cy="443230"/>
           </a:xfrm>
           <a:prstGeom prst="rect">
             <a:avLst/>
@@ -6032,18 +6523,11 @@
               </a:spcBef>
             </a:pPr>
             <a:r>
-              <a:rPr lang="en-US" sz="2800" spc="-10" dirty="0">
-                <a:latin typeface="Arial" panose="020B0604020202020204"/>
-                <a:cs typeface="Arial" panose="020B0604020202020204"/>
-              </a:rPr>
-              <a:t>Vuex</a:t>
-            </a:r>
-            <a:r>
               <a:rPr lang="zh-CN" sz="2800" spc="-10" dirty="0">
                 <a:latin typeface="Arial" panose="020B0604020202020204"/>
                 <a:cs typeface="Arial" panose="020B0604020202020204"/>
               </a:rPr>
-              <a:t>是什么？</a:t>
+              <a:t>组件化应用构建</a:t>
             </a:r>
             <a:endParaRPr lang="zh-CN" sz="2800" spc="-10" dirty="0">
               <a:latin typeface="Arial" panose="020B0604020202020204"/>
@@ -6060,8 +6544,8 @@
         </p:nvSpPr>
         <p:spPr>
           <a:xfrm>
-            <a:off x="384810" y="1419225"/>
-            <a:ext cx="8409305" cy="1306830"/>
+            <a:off x="384773" y="1419025"/>
+            <a:ext cx="6059170" cy="2045970"/>
           </a:xfrm>
           <a:prstGeom prst="rect">
             <a:avLst/>
@@ -6090,25 +6574,56 @@
               </a:tabLst>
             </a:pPr>
             <a:r>
-              <a:rPr lang="zh-CN" sz="2400" dirty="0">
+              <a:rPr lang="zh-CN" sz="2400" spc="-15" dirty="0">
                 <a:solidFill>
                   <a:srgbClr val="FFFFFF"/>
                 </a:solidFill>
                 <a:latin typeface="Arial" panose="020B0604020202020204"/>
                 <a:cs typeface="Arial" panose="020B0604020202020204"/>
               </a:rPr>
-              <a:t>Vuex 是一个专为 Vue.js 应用程序开发的状态管理模式。它采用集中式存储管理应用的所有组件的状态，并以相应的规则保证状态以一种可预测的方式发生变化。</a:t>
-            </a:r>
-            <a:endParaRPr lang="zh-CN" sz="2400" dirty="0">
-              <a:solidFill>
-                <a:srgbClr val="FFFFFF"/>
-              </a:solidFill>
-              <a:latin typeface="Arial" panose="020B0604020202020204"/>
-              <a:cs typeface="Arial" panose="020B0604020202020204"/>
-            </a:endParaRPr>
-          </a:p>
-        </p:txBody>
-      </p:sp>
+              <a:t>组件系统是 Vue 的另一个重要概念，因为它是一种抽象，允许我们使用小型、独立和通常可复用的组件构建大型应用。仔细想想，几乎任意类型的应用界面都可以抽象为一个组件树</a:t>
+            </a:r>
+            <a:r>
+              <a:rPr lang="zh-CN" sz="2400" spc="-10" dirty="0">
+                <a:solidFill>
+                  <a:srgbClr val="FFFFFF"/>
+                </a:solidFill>
+                <a:latin typeface="Arial" panose="020B0604020202020204"/>
+                <a:cs typeface="Arial" panose="020B0604020202020204"/>
+              </a:rPr>
+              <a:t>可组合的视图组件</a:t>
+            </a:r>
+            <a:endParaRPr lang="zh-CN" sz="2400">
+              <a:latin typeface="宋体" panose="02010600030101010101" pitchFamily="2" charset="-122"/>
+              <a:cs typeface="宋体" panose="02010600030101010101" pitchFamily="2" charset="-122"/>
+            </a:endParaRPr>
+          </a:p>
+        </p:txBody>
+      </p:sp>
+      <p:pic>
+        <p:nvPicPr>
+          <p:cNvPr id="4" name="图片 3"/>
+          <p:cNvPicPr>
+            <a:picLocks noChangeAspect="1"/>
+          </p:cNvPicPr>
+          <p:nvPr/>
+        </p:nvPicPr>
+        <p:blipFill>
+          <a:blip r:embed="rId1"/>
+          <a:stretch>
+            <a:fillRect/>
+          </a:stretch>
+        </p:blipFill>
+        <p:spPr>
+          <a:xfrm>
+            <a:off x="848995" y="3792220"/>
+            <a:ext cx="6998970" cy="2772410"/>
+          </a:xfrm>
+          <a:prstGeom prst="rect">
+            <a:avLst/>
+          </a:prstGeom>
+        </p:spPr>
+      </p:pic>
     </p:spTree>
   </p:cSld>
   <p:clrMapOvr>
@@ -6146,8 +6661,8 @@
         </p:nvSpPr>
         <p:spPr>
           <a:xfrm>
-            <a:off x="785495" y="3145790"/>
-            <a:ext cx="7572375" cy="566420"/>
+            <a:off x="384810" y="652145"/>
+            <a:ext cx="4337685" cy="443230"/>
           </a:xfrm>
           <a:prstGeom prst="rect">
             <a:avLst/>
@@ -6168,38 +6683,80 @@
               </a:spcBef>
             </a:pPr>
             <a:r>
-              <a:rPr sz="3600" spc="-5" dirty="0">
-                <a:solidFill>
-                  <a:srgbClr val="EFEFEF"/>
-                </a:solidFill>
-              </a:rPr>
-              <a:t>“</a:t>
-            </a:r>
-            <a:r>
-              <a:rPr lang="en-US" sz="3600" spc="-5" dirty="0">
-                <a:solidFill>
-                  <a:srgbClr val="EFEFEF"/>
-                </a:solidFill>
-              </a:rPr>
-              <a:t>Vue</a:t>
-            </a:r>
-            <a:r>
-              <a:rPr lang="zh-CN" altLang="en-US" sz="3600" spc="-5" dirty="0">
-                <a:solidFill>
-                  <a:srgbClr val="EFEFEF"/>
-                </a:solidFill>
-              </a:rPr>
-              <a:t>组件也并没有想象中那么好用？</a:t>
-            </a:r>
-            <a:r>
-              <a:rPr sz="3600" spc="-5" dirty="0">
-                <a:solidFill>
-                  <a:srgbClr val="EFEFEF"/>
-                </a:solidFill>
-              </a:rPr>
-              <a:t>”</a:t>
-            </a:r>
-            <a:endParaRPr sz="3600"/>
+              <a:rPr lang="en-US" sz="2800" spc="-10" dirty="0">
+                <a:latin typeface="Arial" panose="020B0604020202020204"/>
+                <a:cs typeface="Arial" panose="020B0604020202020204"/>
+              </a:rPr>
+              <a:t>Vuex</a:t>
+            </a:r>
+            <a:r>
+              <a:rPr lang="zh-CN" sz="2800" spc="-10" dirty="0">
+                <a:latin typeface="Arial" panose="020B0604020202020204"/>
+                <a:cs typeface="Arial" panose="020B0604020202020204"/>
+              </a:rPr>
+              <a:t>是什么？</a:t>
+            </a:r>
+            <a:endParaRPr lang="zh-CN" sz="2800" spc="-10" dirty="0">
+              <a:latin typeface="Arial" panose="020B0604020202020204"/>
+              <a:cs typeface="Arial" panose="020B0604020202020204"/>
+            </a:endParaRPr>
+          </a:p>
+        </p:txBody>
+      </p:sp>
+      <p:sp>
+        <p:nvSpPr>
+          <p:cNvPr id="3" name="object 3"/>
+          <p:cNvSpPr txBox="1"/>
+          <p:nvPr/>
+        </p:nvSpPr>
+        <p:spPr>
+          <a:xfrm>
+            <a:off x="384810" y="1419225"/>
+            <a:ext cx="8409305" cy="1306830"/>
+          </a:xfrm>
+          <a:prstGeom prst="rect">
+            <a:avLst/>
+          </a:prstGeom>
+        </p:spPr>
+        <p:txBody>
+          <a:bodyPr vert="horz" wrap="square" lIns="0" tIns="199390" rIns="0" bIns="0" rtlCol="0">
+            <a:spAutoFit/>
+          </a:bodyPr>
+          <a:lstStyle/>
+          <a:p>
+            <a:pPr marL="424815" indent="-412115">
+              <a:lnSpc>
+                <a:spcPct val="100000"/>
+              </a:lnSpc>
+              <a:spcBef>
+                <a:spcPts val="1570"/>
+              </a:spcBef>
+              <a:buClr>
+                <a:srgbClr val="FFFFFF"/>
+              </a:buClr>
+              <a:buChar char="●"/>
+              <a:tabLst>
+                <a:tab pos="424815" algn="l"/>
+                <a:tab pos="425450" algn="l"/>
+              </a:tabLst>
+            </a:pPr>
+            <a:r>
+              <a:rPr lang="zh-CN" sz="2400" dirty="0">
+                <a:solidFill>
+                  <a:srgbClr val="FFFFFF"/>
+                </a:solidFill>
+                <a:latin typeface="Arial" panose="020B0604020202020204"/>
+                <a:cs typeface="Arial" panose="020B0604020202020204"/>
+              </a:rPr>
+              <a:t>Vuex 是一个专为 Vue.js 应用程序开发的状态管理模式。它采用集中式存储管理应用的所有组件的状态，并以相应的规则保证状态以一种可预测的方式发生变化。</a:t>
+            </a:r>
+            <a:endParaRPr lang="zh-CN" sz="2400" dirty="0">
+              <a:solidFill>
+                <a:srgbClr val="FFFFFF"/>
+              </a:solidFill>
+              <a:latin typeface="Arial" panose="020B0604020202020204"/>
+              <a:cs typeface="Arial" panose="020B0604020202020204"/>
+            </a:endParaRPr>
           </a:p>
         </p:txBody>
       </p:sp>
@@ -6240,8 +6797,8 @@
         </p:nvSpPr>
         <p:spPr>
           <a:xfrm>
-            <a:off x="384810" y="652145"/>
-            <a:ext cx="4337685" cy="443230"/>
+            <a:off x="785495" y="3145790"/>
+            <a:ext cx="7572375" cy="566420"/>
           </a:xfrm>
           <a:prstGeom prst="rect">
             <a:avLst/>
@@ -6262,185 +6819,38 @@
               </a:spcBef>
             </a:pPr>
             <a:r>
-              <a:rPr lang="zh-CN" altLang="en-US" sz="2800" spc="-10" dirty="0">
-                <a:latin typeface="Arial" panose="020B0604020202020204"/>
-                <a:cs typeface="Arial" panose="020B0604020202020204"/>
-              </a:rPr>
-              <a:t>常规组件写法的痛点</a:t>
-            </a:r>
-            <a:endParaRPr lang="zh-CN" altLang="en-US" sz="2800" spc="-10" dirty="0">
-              <a:latin typeface="Arial" panose="020B0604020202020204"/>
-              <a:cs typeface="Arial" panose="020B0604020202020204"/>
-            </a:endParaRPr>
-          </a:p>
-        </p:txBody>
-      </p:sp>
-      <p:sp>
-        <p:nvSpPr>
-          <p:cNvPr id="3" name="object 3"/>
-          <p:cNvSpPr txBox="1"/>
-          <p:nvPr/>
-        </p:nvSpPr>
-        <p:spPr>
-          <a:xfrm>
-            <a:off x="384810" y="1419225"/>
-            <a:ext cx="8409305" cy="937895"/>
-          </a:xfrm>
-          <a:prstGeom prst="rect">
-            <a:avLst/>
-          </a:prstGeom>
-        </p:spPr>
-        <p:txBody>
-          <a:bodyPr vert="horz" wrap="square" lIns="0" tIns="199390" rIns="0" bIns="0" rtlCol="0">
-            <a:spAutoFit/>
-          </a:bodyPr>
-          <a:lstStyle/>
-          <a:p>
-            <a:pPr marL="424815" indent="-412115">
-              <a:lnSpc>
-                <a:spcPct val="100000"/>
-              </a:lnSpc>
-              <a:spcBef>
-                <a:spcPts val="1570"/>
-              </a:spcBef>
-              <a:buClr>
-                <a:srgbClr val="FFFFFF"/>
-              </a:buClr>
-              <a:buChar char="●"/>
-              <a:tabLst>
-                <a:tab pos="424815" algn="l"/>
-                <a:tab pos="425450" algn="l"/>
-              </a:tabLst>
-            </a:pPr>
-            <a:r>
-              <a:rPr lang="zh-CN" sz="2400" dirty="0">
-                <a:solidFill>
-                  <a:srgbClr val="FFFFFF"/>
-                </a:solidFill>
-                <a:latin typeface="Arial" panose="020B0604020202020204"/>
-                <a:cs typeface="Arial" panose="020B0604020202020204"/>
-              </a:rPr>
-              <a:t>全局定义 (Global definitions) 强制要求每个 component 中的命名不得重复</a:t>
-            </a:r>
-            <a:endParaRPr lang="zh-CN" sz="2400" dirty="0">
-              <a:solidFill>
-                <a:srgbClr val="FFFFFF"/>
-              </a:solidFill>
-              <a:latin typeface="Arial" panose="020B0604020202020204"/>
-              <a:cs typeface="Arial" panose="020B0604020202020204"/>
-            </a:endParaRPr>
-          </a:p>
-        </p:txBody>
-      </p:sp>
-      <p:sp>
-        <p:nvSpPr>
-          <p:cNvPr id="5" name="object 3"/>
-          <p:cNvSpPr txBox="1"/>
-          <p:nvPr/>
-        </p:nvSpPr>
-        <p:spPr>
-          <a:xfrm>
-            <a:off x="384810" y="2357120"/>
-            <a:ext cx="8409940" cy="937895"/>
-          </a:xfrm>
-          <a:prstGeom prst="rect">
-            <a:avLst/>
-          </a:prstGeom>
-        </p:spPr>
-        <p:txBody>
-          <a:bodyPr vert="horz" wrap="square" lIns="0" tIns="199390" rIns="0" bIns="0" rtlCol="0">
-            <a:spAutoFit/>
-          </a:bodyPr>
-          <a:p>
-            <a:pPr marL="424815" indent="-412115">
-              <a:lnSpc>
-                <a:spcPct val="100000"/>
-              </a:lnSpc>
-              <a:spcBef>
-                <a:spcPts val="1570"/>
-              </a:spcBef>
-              <a:buClr>
-                <a:srgbClr val="FFFFFF"/>
-              </a:buClr>
-              <a:buChar char="●"/>
-              <a:tabLst>
-                <a:tab pos="424815" algn="l"/>
-                <a:tab pos="425450" algn="l"/>
-              </a:tabLst>
-            </a:pPr>
-            <a:r>
-              <a:rPr lang="zh-CN" sz="2400" dirty="0">
-                <a:solidFill>
-                  <a:srgbClr val="FFFFFF"/>
-                </a:solidFill>
-                <a:latin typeface="Arial" panose="020B0604020202020204"/>
-                <a:cs typeface="Arial" panose="020B0604020202020204"/>
-              </a:rPr>
-              <a:t>字符串模板 (String templates) 缺乏语法高亮，在 HTML 有多行的时候，需要用到丑陋的 \</a:t>
-            </a:r>
-            <a:endParaRPr lang="zh-CN" sz="2400" dirty="0">
-              <a:solidFill>
-                <a:srgbClr val="FFFFFF"/>
-              </a:solidFill>
-              <a:latin typeface="Arial" panose="020B0604020202020204"/>
-              <a:cs typeface="Arial" panose="020B0604020202020204"/>
-            </a:endParaRPr>
-          </a:p>
-        </p:txBody>
-      </p:sp>
-      <p:sp>
-        <p:nvSpPr>
-          <p:cNvPr id="6" name="object 3"/>
-          <p:cNvSpPr txBox="1"/>
-          <p:nvPr/>
-        </p:nvSpPr>
-        <p:spPr>
-          <a:xfrm>
-            <a:off x="384810" y="3392805"/>
-            <a:ext cx="8409940" cy="937895"/>
-          </a:xfrm>
-          <a:prstGeom prst="rect">
-            <a:avLst/>
-          </a:prstGeom>
-        </p:spPr>
-        <p:txBody>
-          <a:bodyPr vert="horz" wrap="square" lIns="0" tIns="199390" rIns="0" bIns="0" rtlCol="0">
-            <a:spAutoFit/>
-          </a:bodyPr>
-          <a:p>
-            <a:pPr marL="424815" indent="-412115">
-              <a:lnSpc>
-                <a:spcPct val="100000"/>
-              </a:lnSpc>
-              <a:spcBef>
-                <a:spcPts val="1570"/>
-              </a:spcBef>
-              <a:buClr>
-                <a:srgbClr val="FFFFFF"/>
-              </a:buClr>
-              <a:buChar char="●"/>
-              <a:tabLst>
-                <a:tab pos="424815" algn="l"/>
-                <a:tab pos="425450" algn="l"/>
-              </a:tabLst>
-            </a:pPr>
-            <a:r>
-              <a:rPr lang="zh-CN" sz="2400" dirty="0">
-                <a:solidFill>
-                  <a:srgbClr val="FFFFFF"/>
-                </a:solidFill>
-                <a:latin typeface="Arial" panose="020B0604020202020204"/>
-                <a:cs typeface="Arial" panose="020B0604020202020204"/>
-              </a:rPr>
-              <a:t>不支持 CSS (No CSS support) 意味着当 HTML 和 JavaScript 组件化时，CSS 明显被遗漏</a:t>
-            </a:r>
-            <a:endParaRPr lang="zh-CN" sz="2400" dirty="0">
-              <a:solidFill>
-                <a:srgbClr val="FFFFFF"/>
-              </a:solidFill>
-              <a:latin typeface="Arial" panose="020B0604020202020204"/>
-              <a:cs typeface="Arial" panose="020B0604020202020204"/>
-            </a:endParaRPr>
+              <a:rPr sz="3600" spc="-5" dirty="0">
+                <a:solidFill>
+                  <a:srgbClr val="EFEFEF"/>
+                </a:solidFill>
+              </a:rPr>
+              <a:t>“</a:t>
+            </a:r>
+            <a:r>
+              <a:rPr lang="en-US" sz="3600" spc="-5" dirty="0">
+                <a:solidFill>
+                  <a:srgbClr val="EFEFEF"/>
+                </a:solidFill>
+              </a:rPr>
+              <a:t>Vue</a:t>
+            </a:r>
+            <a:r>
+              <a:rPr lang="zh-CN" altLang="en-US" sz="3600" spc="-5" dirty="0">
+                <a:solidFill>
+                  <a:srgbClr val="EFEFEF"/>
+                </a:solidFill>
+              </a:rPr>
+              <a:t>组件也并没有想象中那么好用？</a:t>
+            </a:r>
+            <a:r>
+              <a:rPr sz="3600" spc="-5" dirty="0">
+                <a:solidFill>
+                  <a:srgbClr val="EFEFEF"/>
+                </a:solidFill>
+              </a:rPr>
+              <a:t>”</a:t>
+            </a:r>
+            <a:endParaRPr sz="3600"/>
           </a:p>
         </p:txBody>
       </p:sp>
@@ -6472,13 +6882,17 @@
       <p:sp>
         <p:nvSpPr>
           <p:cNvPr id="2" name="object 2"/>
-          <p:cNvSpPr txBox="1"/>
-          <p:nvPr/>
-        </p:nvSpPr>
-        <p:spPr>
-          <a:xfrm>
-            <a:off x="1389380" y="2623820"/>
-            <a:ext cx="6365240" cy="1610360"/>
+          <p:cNvSpPr txBox="1">
+            <a:spLocks noGrp="1"/>
+          </p:cNvSpPr>
+          <p:nvPr>
+            <p:ph type="title"/>
+          </p:nvPr>
+        </p:nvSpPr>
+        <p:spPr>
+          <a:xfrm>
+            <a:off x="384810" y="652145"/>
+            <a:ext cx="4337685" cy="443230"/>
           </a:xfrm>
           <a:prstGeom prst="rect">
             <a:avLst/>
@@ -6490,49 +6904,188 @@
           </a:bodyPr>
           <a:lstStyle/>
           <a:p>
-            <a:pPr marL="1905" algn="ctr">
+            <a:pPr marL="12700">
               <a:lnSpc>
-                <a:spcPts val="6230"/>
+                <a:spcPct val="100000"/>
               </a:lnSpc>
               <a:spcBef>
                 <a:spcPts val="100"/>
               </a:spcBef>
             </a:pPr>
             <a:r>
-              <a:rPr lang="zh-CN" altLang="zh-CN" sz="5200" spc="-5" dirty="0">
-                <a:solidFill>
-                  <a:srgbClr val="FFFFFF"/>
-                </a:solidFill>
-                <a:latin typeface="宋体" panose="02010600030101010101" pitchFamily="2" charset="-122"/>
-                <a:cs typeface="宋体" panose="02010600030101010101" pitchFamily="2" charset="-122"/>
-              </a:rPr>
-              <a:t>单文件组件</a:t>
-            </a:r>
-            <a:endParaRPr lang="zh-CN" altLang="zh-CN" sz="5200" spc="-5" dirty="0">
-              <a:solidFill>
-                <a:srgbClr val="FFFFFF"/>
-              </a:solidFill>
-              <a:latin typeface="宋体" panose="02010600030101010101" pitchFamily="2" charset="-122"/>
-              <a:cs typeface="宋体" panose="02010600030101010101" pitchFamily="2" charset="-122"/>
-            </a:endParaRPr>
-          </a:p>
-          <a:p>
-            <a:pPr algn="ctr">
-              <a:lnSpc>
-                <a:spcPts val="6230"/>
-              </a:lnSpc>
-            </a:pPr>
-            <a:r>
-              <a:rPr sz="5200" spc="-10" dirty="0">
-                <a:solidFill>
-                  <a:srgbClr val="FFFFFF"/>
-                </a:solidFill>
+              <a:rPr lang="zh-CN" altLang="en-US" sz="2800" spc="-10" dirty="0">
                 <a:latin typeface="Arial" panose="020B0604020202020204"/>
                 <a:cs typeface="Arial" panose="020B0604020202020204"/>
               </a:rPr>
-              <a:t>single-file omponents</a:t>
-            </a:r>
-            <a:endParaRPr sz="5200" spc="-10" dirty="0">
+              <a:t>常规组件写法的痛点</a:t>
+            </a:r>
+            <a:endParaRPr lang="zh-CN" altLang="en-US" sz="2800" spc="-10" dirty="0">
+              <a:latin typeface="Arial" panose="020B0604020202020204"/>
+              <a:cs typeface="Arial" panose="020B0604020202020204"/>
+            </a:endParaRPr>
+          </a:p>
+        </p:txBody>
+      </p:sp>
+      <p:sp>
+        <p:nvSpPr>
+          <p:cNvPr id="3" name="object 3"/>
+          <p:cNvSpPr txBox="1"/>
+          <p:nvPr/>
+        </p:nvSpPr>
+        <p:spPr>
+          <a:xfrm>
+            <a:off x="384810" y="1419225"/>
+            <a:ext cx="8409305" cy="937895"/>
+          </a:xfrm>
+          <a:prstGeom prst="rect">
+            <a:avLst/>
+          </a:prstGeom>
+        </p:spPr>
+        <p:txBody>
+          <a:bodyPr vert="horz" wrap="square" lIns="0" tIns="199390" rIns="0" bIns="0" rtlCol="0">
+            <a:spAutoFit/>
+          </a:bodyPr>
+          <a:lstStyle/>
+          <a:p>
+            <a:pPr marL="424815" indent="-412115">
+              <a:lnSpc>
+                <a:spcPct val="100000"/>
+              </a:lnSpc>
+              <a:spcBef>
+                <a:spcPts val="1570"/>
+              </a:spcBef>
+              <a:buClr>
+                <a:srgbClr val="FFFFFF"/>
+              </a:buClr>
+              <a:buChar char="●"/>
+              <a:tabLst>
+                <a:tab pos="424815" algn="l"/>
+                <a:tab pos="425450" algn="l"/>
+              </a:tabLst>
+            </a:pPr>
+            <a:r>
+              <a:rPr lang="zh-CN" sz="2400" dirty="0">
+                <a:solidFill>
+                  <a:srgbClr val="FFFFFF"/>
+                </a:solidFill>
+                <a:latin typeface="Arial" panose="020B0604020202020204"/>
+                <a:cs typeface="Arial" panose="020B0604020202020204"/>
+              </a:rPr>
+              <a:t>全局定义 (Global definitions) 强制要求每个 component 中的命名不得重复</a:t>
+            </a:r>
+            <a:endParaRPr lang="zh-CN" sz="2400" dirty="0">
+              <a:solidFill>
+                <a:srgbClr val="FFFFFF"/>
+              </a:solidFill>
+              <a:latin typeface="Arial" panose="020B0604020202020204"/>
+              <a:cs typeface="Arial" panose="020B0604020202020204"/>
+            </a:endParaRPr>
+          </a:p>
+        </p:txBody>
+      </p:sp>
+      <p:sp>
+        <p:nvSpPr>
+          <p:cNvPr id="5" name="object 3"/>
+          <p:cNvSpPr txBox="1"/>
+          <p:nvPr/>
+        </p:nvSpPr>
+        <p:spPr>
+          <a:xfrm>
+            <a:off x="384810" y="2357120"/>
+            <a:ext cx="8409940" cy="937895"/>
+          </a:xfrm>
+          <a:prstGeom prst="rect">
+            <a:avLst/>
+          </a:prstGeom>
+        </p:spPr>
+        <p:txBody>
+          <a:bodyPr vert="horz" wrap="square" lIns="0" tIns="199390" rIns="0" bIns="0" rtlCol="0">
+            <a:spAutoFit/>
+          </a:bodyPr>
+          <a:p>
+            <a:pPr marL="424815" indent="-412115">
+              <a:lnSpc>
+                <a:spcPct val="100000"/>
+              </a:lnSpc>
+              <a:spcBef>
+                <a:spcPts val="1570"/>
+              </a:spcBef>
+              <a:buClr>
+                <a:srgbClr val="FFFFFF"/>
+              </a:buClr>
+              <a:buChar char="●"/>
+              <a:tabLst>
+                <a:tab pos="424815" algn="l"/>
+                <a:tab pos="425450" algn="l"/>
+              </a:tabLst>
+            </a:pPr>
+            <a:r>
+              <a:rPr lang="zh-CN" sz="2400" dirty="0">
+                <a:solidFill>
+                  <a:srgbClr val="FFFFFF"/>
+                </a:solidFill>
+                <a:latin typeface="Arial" panose="020B0604020202020204"/>
+                <a:cs typeface="Arial" panose="020B0604020202020204"/>
+              </a:rPr>
+              <a:t>字符串模板 (String templates) 缺乏语法高亮，在 HTML 有多行的时候，需要用到丑陋的 \</a:t>
+            </a:r>
+            <a:endParaRPr lang="zh-CN" sz="2400" dirty="0">
+              <a:solidFill>
+                <a:srgbClr val="FFFFFF"/>
+              </a:solidFill>
+              <a:latin typeface="Arial" panose="020B0604020202020204"/>
+              <a:cs typeface="Arial" panose="020B0604020202020204"/>
+            </a:endParaRPr>
+          </a:p>
+        </p:txBody>
+      </p:sp>
+      <p:sp>
+        <p:nvSpPr>
+          <p:cNvPr id="6" name="object 3"/>
+          <p:cNvSpPr txBox="1"/>
+          <p:nvPr/>
+        </p:nvSpPr>
+        <p:spPr>
+          <a:xfrm>
+            <a:off x="384810" y="3392805"/>
+            <a:ext cx="8409940" cy="937895"/>
+          </a:xfrm>
+          <a:prstGeom prst="rect">
+            <a:avLst/>
+          </a:prstGeom>
+        </p:spPr>
+        <p:txBody>
+          <a:bodyPr vert="horz" wrap="square" lIns="0" tIns="199390" rIns="0" bIns="0" rtlCol="0">
+            <a:spAutoFit/>
+          </a:bodyPr>
+          <a:p>
+            <a:pPr marL="424815" indent="-412115">
+              <a:lnSpc>
+                <a:spcPct val="100000"/>
+              </a:lnSpc>
+              <a:spcBef>
+                <a:spcPts val="1570"/>
+              </a:spcBef>
+              <a:buClr>
+                <a:srgbClr val="FFFFFF"/>
+              </a:buClr>
+              <a:buChar char="●"/>
+              <a:tabLst>
+                <a:tab pos="424815" algn="l"/>
+                <a:tab pos="425450" algn="l"/>
+              </a:tabLst>
+            </a:pPr>
+            <a:r>
+              <a:rPr lang="zh-CN" sz="2400" dirty="0">
+                <a:solidFill>
+                  <a:srgbClr val="FFFFFF"/>
+                </a:solidFill>
+                <a:latin typeface="Arial" panose="020B0604020202020204"/>
+                <a:cs typeface="Arial" panose="020B0604020202020204"/>
+              </a:rPr>
+              <a:t>不支持 CSS (No CSS support) 意味着当 HTML 和 JavaScript 组件化时，CSS 明显被遗漏</a:t>
+            </a:r>
+            <a:endParaRPr lang="zh-CN" sz="2400" dirty="0">
               <a:solidFill>
                 <a:srgbClr val="FFFFFF"/>
               </a:solidFill>
@@ -6645,18 +7198,14 @@
       </p:grpSpPr>
       <p:sp>
         <p:nvSpPr>
-          <p:cNvPr id="7" name="object 2"/>
-          <p:cNvSpPr txBox="1">
-            <a:spLocks noGrp="1"/>
-          </p:cNvSpPr>
-          <p:nvPr>
-            <p:ph type="title"/>
-          </p:nvPr>
-        </p:nvSpPr>
-        <p:spPr>
-          <a:xfrm>
-            <a:off x="836930" y="1913890"/>
-            <a:ext cx="452755" cy="3028950"/>
+          <p:cNvPr id="2" name="object 2"/>
+          <p:cNvSpPr txBox="1"/>
+          <p:nvPr/>
+        </p:nvSpPr>
+        <p:spPr>
+          <a:xfrm>
+            <a:off x="1389380" y="2623820"/>
+            <a:ext cx="6365240" cy="1610360"/>
           </a:xfrm>
           <a:prstGeom prst="rect">
             <a:avLst/>
@@ -6666,53 +7215,60 @@
           <a:bodyPr vert="horz" wrap="square" lIns="0" tIns="12700" rIns="0" bIns="0" rtlCol="0">
             <a:spAutoFit/>
           </a:bodyPr>
-          <a:p>
-            <a:pPr marL="12700">
+          <a:lstStyle/>
+          <a:p>
+            <a:pPr marL="1905" algn="ctr">
               <a:lnSpc>
-                <a:spcPct val="100000"/>
+                <a:spcPts val="6230"/>
               </a:lnSpc>
               <a:spcBef>
                 <a:spcPts val="100"/>
               </a:spcBef>
             </a:pPr>
             <a:r>
-              <a:rPr lang="zh-CN" sz="2800" spc="-10" dirty="0">
+              <a:rPr lang="zh-CN" altLang="zh-CN" sz="5200" spc="-5" dirty="0">
+                <a:solidFill>
+                  <a:srgbClr val="FFFFFF"/>
+                </a:solidFill>
+                <a:latin typeface="宋体" panose="02010600030101010101" pitchFamily="2" charset="-122"/>
+                <a:cs typeface="宋体" panose="02010600030101010101" pitchFamily="2" charset="-122"/>
+              </a:rPr>
+              <a:t>单文件组件</a:t>
+            </a:r>
+            <a:endParaRPr lang="zh-CN" altLang="zh-CN" sz="5200" spc="-5" dirty="0">
+              <a:solidFill>
+                <a:srgbClr val="FFFFFF"/>
+              </a:solidFill>
+              <a:latin typeface="宋体" panose="02010600030101010101" pitchFamily="2" charset="-122"/>
+              <a:cs typeface="宋体" panose="02010600030101010101" pitchFamily="2" charset="-122"/>
+            </a:endParaRPr>
+          </a:p>
+          <a:p>
+            <a:pPr algn="ctr">
+              <a:lnSpc>
+                <a:spcPts val="6230"/>
+              </a:lnSpc>
+            </a:pPr>
+            <a:r>
+              <a:rPr sz="5200" spc="-10" dirty="0">
+                <a:solidFill>
+                  <a:srgbClr val="FFFFFF"/>
+                </a:solidFill>
                 <a:latin typeface="Arial" panose="020B0604020202020204"/>
                 <a:cs typeface="Arial" panose="020B0604020202020204"/>
               </a:rPr>
-              <a:t>单文件组件格式</a:t>
-            </a:r>
-            <a:endParaRPr lang="en-US" sz="2800" spc="-10" dirty="0">
+              <a:t>single-file omponents</a:t>
+            </a:r>
+            <a:endParaRPr sz="5200" spc="-10" dirty="0">
+              <a:solidFill>
+                <a:srgbClr val="FFFFFF"/>
+              </a:solidFill>
               <a:latin typeface="Arial" panose="020B0604020202020204"/>
               <a:cs typeface="Arial" panose="020B0604020202020204"/>
             </a:endParaRPr>
           </a:p>
         </p:txBody>
       </p:sp>
-      <p:pic>
-        <p:nvPicPr>
-          <p:cNvPr id="10" name="图片 9"/>
-          <p:cNvPicPr>
-            <a:picLocks noChangeAspect="1"/>
-          </p:cNvPicPr>
-          <p:nvPr/>
-        </p:nvPicPr>
-        <p:blipFill>
-          <a:blip r:embed="rId1"/>
-          <a:stretch>
-            <a:fillRect/>
-          </a:stretch>
-        </p:blipFill>
-        <p:spPr>
-          <a:xfrm>
-            <a:off x="2830195" y="248920"/>
-            <a:ext cx="4678045" cy="6359525"/>
-          </a:xfrm>
-          <a:prstGeom prst="rect">
-            <a:avLst/>
-          </a:prstGeom>
-        </p:spPr>
-      </p:pic>
     </p:spTree>
   </p:cSld>
   <p:clrMapOvr>
@@ -6750,8 +7306,8 @@
         </p:nvSpPr>
         <p:spPr>
           <a:xfrm>
-            <a:off x="875665" y="2560955"/>
-            <a:ext cx="452755" cy="1736090"/>
+            <a:off x="836930" y="1913890"/>
+            <a:ext cx="452755" cy="3028950"/>
           </a:xfrm>
           <a:prstGeom prst="rect">
             <a:avLst/>
@@ -6775,9 +7331,9 @@
                 <a:latin typeface="Arial" panose="020B0604020202020204"/>
                 <a:cs typeface="Arial" panose="020B0604020202020204"/>
               </a:rPr>
-              <a:t>导入组件</a:t>
-            </a:r>
-            <a:endParaRPr lang="zh-CN" sz="2800" spc="-10" dirty="0">
+              <a:t>单文件组件格式</a:t>
+            </a:r>
+            <a:endParaRPr lang="en-US" sz="2800" spc="-10" dirty="0">
               <a:latin typeface="Arial" panose="020B0604020202020204"/>
               <a:cs typeface="Arial" panose="020B0604020202020204"/>
             </a:endParaRPr>
@@ -6786,7 +7342,7 @@
       </p:sp>
       <p:pic>
         <p:nvPicPr>
-          <p:cNvPr id="2" name="图片 1"/>
+          <p:cNvPr id="10" name="图片 9"/>
           <p:cNvPicPr>
             <a:picLocks noChangeAspect="1"/>
           </p:cNvPicPr>
@@ -6800,8 +7356,8 @@
         </p:blipFill>
         <p:spPr>
           <a:xfrm>
-            <a:off x="2237105" y="523240"/>
-            <a:ext cx="6159500" cy="5812155"/>
+            <a:off x="2830195" y="248920"/>
+            <a:ext cx="4678045" cy="6359525"/>
           </a:xfrm>
           <a:prstGeom prst="rect">
             <a:avLst/>
@@ -6835,7 +7391,7 @@
       </p:grpSpPr>
       <p:sp>
         <p:nvSpPr>
-          <p:cNvPr id="2" name="object 2"/>
+          <p:cNvPr id="7" name="object 2"/>
           <p:cNvSpPr txBox="1">
             <a:spLocks noGrp="1"/>
           </p:cNvSpPr>
@@ -6845,8 +7401,8 @@
         </p:nvSpPr>
         <p:spPr>
           <a:xfrm>
-            <a:off x="384810" y="652145"/>
-            <a:ext cx="4686935" cy="443230"/>
+            <a:off x="875665" y="2560955"/>
+            <a:ext cx="452755" cy="1736090"/>
           </a:xfrm>
           <a:prstGeom prst="rect">
             <a:avLst/>
@@ -6856,7 +7412,6 @@
           <a:bodyPr vert="horz" wrap="square" lIns="0" tIns="12700" rIns="0" bIns="0" rtlCol="0">
             <a:spAutoFit/>
           </a:bodyPr>
-          <a:lstStyle/>
           <a:p>
             <a:pPr marL="12700">
               <a:lnSpc>
@@ -6871,204 +7426,39 @@
                 <a:latin typeface="Arial" panose="020B0604020202020204"/>
                 <a:cs typeface="Arial" panose="020B0604020202020204"/>
               </a:rPr>
-              <a:t>使用单文件格式构建大型应用</a:t>
-            </a:r>
-            <a:endParaRPr lang="en-US" altLang="zh-CN" sz="2800" spc="-10" dirty="0">
+              <a:t>导入组件</a:t>
+            </a:r>
+            <a:endParaRPr lang="zh-CN" sz="2800" spc="-10" dirty="0">
               <a:latin typeface="Arial" panose="020B0604020202020204"/>
               <a:cs typeface="Arial" panose="020B0604020202020204"/>
             </a:endParaRPr>
           </a:p>
         </p:txBody>
       </p:sp>
-      <p:sp>
-        <p:nvSpPr>
-          <p:cNvPr id="3" name="object 3"/>
-          <p:cNvSpPr txBox="1"/>
+      <p:pic>
+        <p:nvPicPr>
+          <p:cNvPr id="2" name="图片 1"/>
+          <p:cNvPicPr>
+            <a:picLocks noChangeAspect="1"/>
+          </p:cNvPicPr>
           <p:nvPr/>
-        </p:nvSpPr>
-        <p:spPr>
-          <a:xfrm>
-            <a:off x="385445" y="1419225"/>
-            <a:ext cx="8409305" cy="568325"/>
+        </p:nvPicPr>
+        <p:blipFill>
+          <a:blip r:embed="rId1"/>
+          <a:stretch>
+            <a:fillRect/>
+          </a:stretch>
+        </p:blipFill>
+        <p:spPr>
+          <a:xfrm>
+            <a:off x="2237105" y="523240"/>
+            <a:ext cx="6159500" cy="5812155"/>
           </a:xfrm>
           <a:prstGeom prst="rect">
             <a:avLst/>
           </a:prstGeom>
         </p:spPr>
-        <p:txBody>
-          <a:bodyPr vert="horz" wrap="square" lIns="0" tIns="199390" rIns="0" bIns="0" rtlCol="0">
-            <a:spAutoFit/>
-          </a:bodyPr>
-          <a:lstStyle/>
-          <a:p>
-            <a:pPr marL="424815" indent="-412115">
-              <a:lnSpc>
-                <a:spcPct val="100000"/>
-              </a:lnSpc>
-              <a:spcBef>
-                <a:spcPts val="1570"/>
-              </a:spcBef>
-              <a:buClr>
-                <a:srgbClr val="FFFFFF"/>
-              </a:buClr>
-              <a:buChar char="●"/>
-              <a:tabLst>
-                <a:tab pos="424815" algn="l"/>
-                <a:tab pos="425450" algn="l"/>
-              </a:tabLst>
-            </a:pPr>
-            <a:r>
-              <a:rPr lang="zh-CN" sz="2400" dirty="0">
-                <a:solidFill>
-                  <a:srgbClr val="FFFFFF"/>
-                </a:solidFill>
-                <a:latin typeface="Arial" panose="020B0604020202020204"/>
-                <a:cs typeface="Arial" panose="020B0604020202020204"/>
-              </a:rPr>
-              <a:t>项目前端目录及文件构建</a:t>
-            </a:r>
-            <a:r>
-              <a:rPr lang="en-US" sz="2400" dirty="0">
-                <a:solidFill>
-                  <a:srgbClr val="FFFFFF"/>
-                </a:solidFill>
-                <a:latin typeface="Arial" panose="020B0604020202020204"/>
-                <a:cs typeface="Arial" panose="020B0604020202020204"/>
-              </a:rPr>
-              <a:t>(vue-cli)</a:t>
-            </a:r>
-            <a:endParaRPr lang="en-US" sz="2400" dirty="0">
-              <a:solidFill>
-                <a:srgbClr val="FFFFFF"/>
-              </a:solidFill>
-              <a:latin typeface="Arial" panose="020B0604020202020204"/>
-              <a:cs typeface="Arial" panose="020B0604020202020204"/>
-            </a:endParaRPr>
-          </a:p>
-        </p:txBody>
-      </p:sp>
-      <p:sp>
-        <p:nvSpPr>
-          <p:cNvPr id="5" name="object 3"/>
-          <p:cNvSpPr txBox="1"/>
-          <p:nvPr/>
-        </p:nvSpPr>
-        <p:spPr>
-          <a:xfrm>
-            <a:off x="385445" y="2369820"/>
-            <a:ext cx="8409940" cy="568325"/>
-          </a:xfrm>
-          <a:prstGeom prst="rect">
-            <a:avLst/>
-          </a:prstGeom>
-        </p:spPr>
-        <p:txBody>
-          <a:bodyPr vert="horz" wrap="square" lIns="0" tIns="199390" rIns="0" bIns="0" rtlCol="0">
-            <a:spAutoFit/>
-          </a:bodyPr>
-          <a:p>
-            <a:pPr marL="424815" indent="-412115">
-              <a:lnSpc>
-                <a:spcPct val="100000"/>
-              </a:lnSpc>
-              <a:spcBef>
-                <a:spcPts val="1570"/>
-              </a:spcBef>
-              <a:buClr>
-                <a:srgbClr val="FFFFFF"/>
-              </a:buClr>
-              <a:buChar char="●"/>
-              <a:tabLst>
-                <a:tab pos="424815" algn="l"/>
-                <a:tab pos="425450" algn="l"/>
-              </a:tabLst>
-            </a:pPr>
-            <a:r>
-              <a:rPr lang="zh-CN" sz="2400" dirty="0">
-                <a:solidFill>
-                  <a:srgbClr val="FFFFFF"/>
-                </a:solidFill>
-                <a:latin typeface="Arial" panose="020B0604020202020204"/>
-                <a:cs typeface="Arial" panose="020B0604020202020204"/>
-              </a:rPr>
-              <a:t>组件编写与通信</a:t>
-            </a:r>
-            <a:endParaRPr lang="zh-CN" sz="2400" dirty="0">
-              <a:solidFill>
-                <a:srgbClr val="FFFFFF"/>
-              </a:solidFill>
-              <a:latin typeface="Arial" panose="020B0604020202020204"/>
-              <a:cs typeface="Arial" panose="020B0604020202020204"/>
-            </a:endParaRPr>
-          </a:p>
-        </p:txBody>
-      </p:sp>
-      <p:sp>
-        <p:nvSpPr>
-          <p:cNvPr id="6" name="object 3"/>
-          <p:cNvSpPr txBox="1"/>
-          <p:nvPr/>
-        </p:nvSpPr>
-        <p:spPr>
-          <a:xfrm>
-            <a:off x="384810" y="3392805"/>
-            <a:ext cx="8409940" cy="568325"/>
-          </a:xfrm>
-          <a:prstGeom prst="rect">
-            <a:avLst/>
-          </a:prstGeom>
-        </p:spPr>
-        <p:txBody>
-          <a:bodyPr vert="horz" wrap="square" lIns="0" tIns="199390" rIns="0" bIns="0" rtlCol="0">
-            <a:spAutoFit/>
-          </a:bodyPr>
-          <a:p>
-            <a:pPr marL="424815" indent="-412115">
-              <a:lnSpc>
-                <a:spcPct val="100000"/>
-              </a:lnSpc>
-              <a:spcBef>
-                <a:spcPts val="1570"/>
-              </a:spcBef>
-              <a:buClr>
-                <a:srgbClr val="FFFFFF"/>
-              </a:buClr>
-              <a:buChar char="●"/>
-              <a:tabLst>
-                <a:tab pos="424815" algn="l"/>
-                <a:tab pos="425450" algn="l"/>
-              </a:tabLst>
-            </a:pPr>
-            <a:r>
-              <a:rPr lang="zh-CN" sz="2400" dirty="0">
-                <a:solidFill>
-                  <a:srgbClr val="FFFFFF"/>
-                </a:solidFill>
-                <a:latin typeface="Arial" panose="020B0604020202020204"/>
-                <a:cs typeface="Arial" panose="020B0604020202020204"/>
-              </a:rPr>
-              <a:t>插件使用与文件打包</a:t>
-            </a:r>
-            <a:r>
-              <a:rPr lang="en-US" sz="2400" dirty="0">
-                <a:solidFill>
-                  <a:srgbClr val="FFFFFF"/>
-                </a:solidFill>
-                <a:latin typeface="Arial" panose="020B0604020202020204"/>
-                <a:cs typeface="Arial" panose="020B0604020202020204"/>
-              </a:rPr>
-              <a:t>(webpack)</a:t>
-            </a:r>
-            <a:endParaRPr lang="en-US" sz="2400" dirty="0">
-              <a:solidFill>
-                <a:srgbClr val="FFFFFF"/>
-              </a:solidFill>
-              <a:latin typeface="Arial" panose="020B0604020202020204"/>
-              <a:cs typeface="Arial" panose="020B0604020202020204"/>
-            </a:endParaRPr>
-          </a:p>
-        </p:txBody>
-      </p:sp>
+      </p:pic>
     </p:spTree>
   </p:cSld>
   <p:clrMapOvr>
@@ -7107,7 +7497,7 @@
         <p:spPr>
           <a:xfrm>
             <a:off x="384810" y="652145"/>
-            <a:ext cx="4337685" cy="443230"/>
+            <a:ext cx="4686935" cy="443230"/>
           </a:xfrm>
           <a:prstGeom prst="rect">
             <a:avLst/>
@@ -7128,20 +7518,13 @@
               </a:spcBef>
             </a:pPr>
             <a:r>
-              <a:rPr lang="en-US" sz="2800" spc="-10" dirty="0">
-                <a:latin typeface="Arial" panose="020B0604020202020204"/>
-                <a:cs typeface="Arial" panose="020B0604020202020204"/>
-              </a:rPr>
-              <a:t>Vue</a:t>
-            </a:r>
-            <a:r>
               <a:rPr lang="zh-CN" sz="2800" spc="-10" dirty="0">
                 <a:latin typeface="Arial" panose="020B0604020202020204"/>
                 <a:cs typeface="Arial" panose="020B0604020202020204"/>
               </a:rPr>
-              <a:t>技术栈</a:t>
-            </a:r>
-            <a:endParaRPr lang="zh-CN" sz="2800" spc="-10" dirty="0">
+              <a:t>使用单文件格式构建大型应用</a:t>
+            </a:r>
+            <a:endParaRPr lang="en-US" altLang="zh-CN" sz="2800" spc="-10" dirty="0">
               <a:latin typeface="Arial" panose="020B0604020202020204"/>
               <a:cs typeface="Arial" panose="020B0604020202020204"/>
             </a:endParaRPr>
@@ -7156,8 +7539,8 @@
         </p:nvSpPr>
         <p:spPr>
           <a:xfrm>
-            <a:off x="384810" y="1419225"/>
-            <a:ext cx="4185920" cy="568325"/>
+            <a:off x="385445" y="1419225"/>
+            <a:ext cx="8409305" cy="568325"/>
           </a:xfrm>
           <a:prstGeom prst="rect">
             <a:avLst/>
@@ -7186,36 +7569,26 @@
               </a:tabLst>
             </a:pPr>
             <a:r>
-              <a:rPr lang="en-US" altLang="zh-CN" sz="2400" dirty="0">
+              <a:rPr lang="zh-CN" sz="2400" dirty="0">
                 <a:solidFill>
                   <a:srgbClr val="FFFFFF"/>
                 </a:solidFill>
                 <a:latin typeface="Arial" panose="020B0604020202020204"/>
                 <a:cs typeface="Arial" panose="020B0604020202020204"/>
               </a:rPr>
-              <a:t>Vue-cli(1</a:t>
-            </a:r>
-            <a:r>
-              <a:rPr lang="zh-CN" altLang="zh-CN" sz="2400" dirty="0">
+              <a:t>项目前端目录及文件构建</a:t>
+            </a:r>
+            <a:r>
+              <a:rPr lang="en-US" sz="2400" dirty="0">
                 <a:solidFill>
                   <a:srgbClr val="FFFFFF"/>
                 </a:solidFill>
                 <a:latin typeface="Arial" panose="020B0604020202020204"/>
                 <a:cs typeface="Arial" panose="020B0604020202020204"/>
               </a:rPr>
-              <a:t>条命令</a:t>
-            </a:r>
-            <a:r>
-              <a:rPr lang="en-US" altLang="zh-CN" sz="2400" dirty="0">
-                <a:solidFill>
-                  <a:srgbClr val="FFFFFF"/>
-                </a:solidFill>
-                <a:latin typeface="Arial" panose="020B0604020202020204"/>
-                <a:cs typeface="Arial" panose="020B0604020202020204"/>
-              </a:rPr>
-              <a:t>)</a:t>
-            </a:r>
-            <a:endParaRPr lang="en-US" altLang="zh-CN" sz="2400" dirty="0">
+              <a:t>(vue-cli)</a:t>
+            </a:r>
+            <a:endParaRPr lang="en-US" sz="2400" dirty="0">
               <a:solidFill>
                 <a:srgbClr val="FFFFFF"/>
               </a:solidFill>
@@ -7233,8 +7606,8 @@
         </p:nvSpPr>
         <p:spPr>
           <a:xfrm>
-            <a:off x="367030" y="2163445"/>
-            <a:ext cx="4203700" cy="568325"/>
+            <a:off x="385445" y="2369820"/>
+            <a:ext cx="8409940" cy="568325"/>
           </a:xfrm>
           <a:prstGeom prst="rect">
             <a:avLst/>
@@ -7262,21 +7635,19 @@
               </a:tabLst>
             </a:pPr>
             <a:r>
-              <a:rPr lang="en-US" altLang="zh-CN" sz="2400" strike="sngStrike" dirty="0">
+              <a:rPr lang="zh-CN" sz="2400" dirty="0">
                 <a:solidFill>
                   <a:srgbClr val="FFFFFF"/>
                 </a:solidFill>
-                <a:uFillTx/>
                 <a:latin typeface="Arial" panose="020B0604020202020204"/>
                 <a:cs typeface="Arial" panose="020B0604020202020204"/>
               </a:rPr>
-              <a:t>vue-router</a:t>
-            </a:r>
-            <a:endParaRPr lang="en-US" altLang="zh-CN" sz="2400" strike="sngStrike" dirty="0">
+              <a:t>组件编写与通信</a:t>
+            </a:r>
+            <a:endParaRPr lang="zh-CN" sz="2400" dirty="0">
               <a:solidFill>
                 <a:srgbClr val="FFFFFF"/>
               </a:solidFill>
-              <a:uFillTx/>
               <a:latin typeface="Arial" panose="020B0604020202020204"/>
               <a:cs typeface="Arial" panose="020B0604020202020204"/>
             </a:endParaRPr>
@@ -7291,8 +7662,8 @@
         </p:nvSpPr>
         <p:spPr>
           <a:xfrm>
-            <a:off x="384810" y="2905125"/>
-            <a:ext cx="4185920" cy="568325"/>
+            <a:off x="384810" y="3392805"/>
+            <a:ext cx="8409940" cy="568325"/>
           </a:xfrm>
           <a:prstGeom prst="rect">
             <a:avLst/>
@@ -7320,287 +7691,29 @@
               </a:tabLst>
             </a:pPr>
             <a:r>
-              <a:rPr lang="en-US" altLang="zh-CN" sz="2400" dirty="0">
+              <a:rPr lang="zh-CN" sz="2400" dirty="0">
                 <a:solidFill>
                   <a:srgbClr val="FFFFFF"/>
                 </a:solidFill>
                 <a:latin typeface="Arial" panose="020B0604020202020204"/>
                 <a:cs typeface="Arial" panose="020B0604020202020204"/>
               </a:rPr>
-              <a:t>Vuex</a:t>
-            </a:r>
-            <a:endParaRPr lang="en-US" altLang="zh-CN" sz="2400" dirty="0">
-              <a:solidFill>
-                <a:srgbClr val="FFFFFF"/>
-              </a:solidFill>
-              <a:latin typeface="Arial" panose="020B0604020202020204"/>
-              <a:cs typeface="Arial" panose="020B0604020202020204"/>
-            </a:endParaRPr>
-          </a:p>
-        </p:txBody>
-      </p:sp>
-      <p:sp>
-        <p:nvSpPr>
-          <p:cNvPr id="4" name="object 3"/>
-          <p:cNvSpPr txBox="1"/>
-          <p:nvPr/>
-        </p:nvSpPr>
-        <p:spPr>
-          <a:xfrm>
-            <a:off x="367030" y="3686810"/>
-            <a:ext cx="4203700" cy="568325"/>
-          </a:xfrm>
-          <a:prstGeom prst="rect">
-            <a:avLst/>
-          </a:prstGeom>
-        </p:spPr>
-        <p:txBody>
-          <a:bodyPr vert="horz" wrap="square" lIns="0" tIns="199390" rIns="0" bIns="0" rtlCol="0">
-            <a:spAutoFit/>
-          </a:bodyPr>
-          <a:p>
-            <a:pPr marL="424815" indent="-412115">
-              <a:lnSpc>
-                <a:spcPct val="100000"/>
-              </a:lnSpc>
-              <a:spcBef>
-                <a:spcPts val="1570"/>
-              </a:spcBef>
-              <a:buClr>
-                <a:srgbClr val="FFFFFF"/>
-              </a:buClr>
-              <a:buChar char="●"/>
-              <a:tabLst>
-                <a:tab pos="424815" algn="l"/>
-                <a:tab pos="425450" algn="l"/>
-              </a:tabLst>
-            </a:pPr>
-            <a:r>
-              <a:rPr lang="en-US" altLang="zh-CN" sz="2400" dirty="0">
+              <a:t>插件使用与文件打包</a:t>
+            </a:r>
+            <a:r>
+              <a:rPr lang="en-US" sz="2400" dirty="0">
                 <a:solidFill>
                   <a:srgbClr val="FFFFFF"/>
                 </a:solidFill>
                 <a:latin typeface="Arial" panose="020B0604020202020204"/>
                 <a:cs typeface="Arial" panose="020B0604020202020204"/>
               </a:rPr>
-              <a:t>ES6(</a:t>
-            </a:r>
-            <a:r>
-              <a:rPr lang="zh-CN" altLang="zh-CN" sz="2400" dirty="0">
-                <a:solidFill>
-                  <a:srgbClr val="FFFFFF"/>
-                </a:solidFill>
-                <a:latin typeface="Arial" panose="020B0604020202020204"/>
-                <a:cs typeface="Arial" panose="020B0604020202020204"/>
-              </a:rPr>
-              <a:t>项目中使用部分</a:t>
-            </a:r>
-            <a:r>
-              <a:rPr lang="en-US" altLang="zh-CN" sz="2400" dirty="0">
-                <a:solidFill>
-                  <a:srgbClr val="FFFFFF"/>
-                </a:solidFill>
-                <a:latin typeface="Arial" panose="020B0604020202020204"/>
-                <a:cs typeface="Arial" panose="020B0604020202020204"/>
-              </a:rPr>
-              <a:t>)</a:t>
-            </a:r>
-            <a:endParaRPr lang="en-US" altLang="zh-CN" sz="2400" dirty="0">
+              <a:t>(webpack)</a:t>
+            </a:r>
+            <a:endParaRPr lang="en-US" sz="2400" dirty="0">
               <a:solidFill>
                 <a:srgbClr val="FFFFFF"/>
               </a:solidFill>
-              <a:latin typeface="Arial" panose="020B0604020202020204"/>
-              <a:cs typeface="Arial" panose="020B0604020202020204"/>
-            </a:endParaRPr>
-          </a:p>
-        </p:txBody>
-      </p:sp>
-      <p:sp>
-        <p:nvSpPr>
-          <p:cNvPr id="7" name="object 3"/>
-          <p:cNvSpPr txBox="1"/>
-          <p:nvPr/>
-        </p:nvSpPr>
-        <p:spPr>
-          <a:xfrm>
-            <a:off x="4570730" y="1419225"/>
-            <a:ext cx="4185920" cy="568325"/>
-          </a:xfrm>
-          <a:prstGeom prst="rect">
-            <a:avLst/>
-          </a:prstGeom>
-        </p:spPr>
-        <p:txBody>
-          <a:bodyPr vert="horz" wrap="square" lIns="0" tIns="199390" rIns="0" bIns="0" rtlCol="0">
-            <a:spAutoFit/>
-          </a:bodyPr>
-          <a:p>
-            <a:pPr marL="424815" indent="-412115">
-              <a:lnSpc>
-                <a:spcPct val="100000"/>
-              </a:lnSpc>
-              <a:spcBef>
-                <a:spcPts val="1570"/>
-              </a:spcBef>
-              <a:buClr>
-                <a:srgbClr val="FFFFFF"/>
-              </a:buClr>
-              <a:buChar char="●"/>
-              <a:tabLst>
-                <a:tab pos="424815" algn="l"/>
-                <a:tab pos="425450" algn="l"/>
-              </a:tabLst>
-            </a:pPr>
-            <a:r>
-              <a:rPr lang="en-US" altLang="zh-CN" sz="2400" dirty="0">
-                <a:solidFill>
-                  <a:srgbClr val="FFFFFF"/>
-                </a:solidFill>
-                <a:latin typeface="Arial" panose="020B0604020202020204"/>
-                <a:cs typeface="Arial" panose="020B0604020202020204"/>
-              </a:rPr>
-              <a:t>NPM(3</a:t>
-            </a:r>
-            <a:r>
-              <a:rPr lang="zh-CN" altLang="zh-CN" sz="2400" dirty="0">
-                <a:solidFill>
-                  <a:srgbClr val="FFFFFF"/>
-                </a:solidFill>
-                <a:latin typeface="Arial" panose="020B0604020202020204"/>
-                <a:cs typeface="Arial" panose="020B0604020202020204"/>
-              </a:rPr>
-              <a:t>条命令</a:t>
-            </a:r>
-            <a:r>
-              <a:rPr lang="en-US" altLang="zh-CN" sz="2400" dirty="0">
-                <a:solidFill>
-                  <a:srgbClr val="FFFFFF"/>
-                </a:solidFill>
-                <a:latin typeface="Arial" panose="020B0604020202020204"/>
-                <a:cs typeface="Arial" panose="020B0604020202020204"/>
-              </a:rPr>
-              <a:t>)</a:t>
-            </a:r>
-            <a:endParaRPr lang="zh-CN" altLang="en-US" sz="2400" dirty="0">
-              <a:solidFill>
-                <a:srgbClr val="FFFFFF"/>
-              </a:solidFill>
-              <a:latin typeface="Arial" panose="020B0604020202020204"/>
-              <a:cs typeface="Arial" panose="020B0604020202020204"/>
-            </a:endParaRPr>
-          </a:p>
-        </p:txBody>
-      </p:sp>
-      <p:sp>
-        <p:nvSpPr>
-          <p:cNvPr id="8" name="object 3"/>
-          <p:cNvSpPr txBox="1"/>
-          <p:nvPr/>
-        </p:nvSpPr>
-        <p:spPr>
-          <a:xfrm>
-            <a:off x="4570730" y="2163445"/>
-            <a:ext cx="4185920" cy="568325"/>
-          </a:xfrm>
-          <a:prstGeom prst="rect">
-            <a:avLst/>
-          </a:prstGeom>
-        </p:spPr>
-        <p:txBody>
-          <a:bodyPr vert="horz" wrap="square" lIns="0" tIns="199390" rIns="0" bIns="0" rtlCol="0">
-            <a:spAutoFit/>
-          </a:bodyPr>
-          <a:p>
-            <a:pPr marL="424815" indent="-412115">
-              <a:lnSpc>
-                <a:spcPct val="100000"/>
-              </a:lnSpc>
-              <a:spcBef>
-                <a:spcPts val="1570"/>
-              </a:spcBef>
-              <a:buClr>
-                <a:srgbClr val="FFFFFF"/>
-              </a:buClr>
-              <a:buChar char="●"/>
-              <a:tabLst>
-                <a:tab pos="424815" algn="l"/>
-                <a:tab pos="425450" algn="l"/>
-              </a:tabLst>
-            </a:pPr>
-            <a:r>
-              <a:rPr lang="en-US" altLang="zh-CN" sz="2400" strike="sngStrike" dirty="0">
-                <a:solidFill>
-                  <a:srgbClr val="FFFFFF"/>
-                </a:solidFill>
-                <a:uFillTx/>
-                <a:latin typeface="Arial" panose="020B0604020202020204"/>
-                <a:cs typeface="Arial" panose="020B0604020202020204"/>
-              </a:rPr>
-              <a:t>webpack</a:t>
-            </a:r>
-            <a:endParaRPr lang="en-US" altLang="zh-CN" sz="2400" strike="sngStrike" dirty="0">
-              <a:solidFill>
-                <a:srgbClr val="FFFFFF"/>
-              </a:solidFill>
-              <a:uFillTx/>
-              <a:latin typeface="Arial" panose="020B0604020202020204"/>
-              <a:cs typeface="Arial" panose="020B0604020202020204"/>
-            </a:endParaRPr>
-          </a:p>
-        </p:txBody>
-      </p:sp>
-      <p:sp>
-        <p:nvSpPr>
-          <p:cNvPr id="9" name="object 3"/>
-          <p:cNvSpPr txBox="1"/>
-          <p:nvPr/>
-        </p:nvSpPr>
-        <p:spPr>
-          <a:xfrm>
-            <a:off x="4570730" y="2905125"/>
-            <a:ext cx="4185920" cy="568325"/>
-          </a:xfrm>
-          <a:prstGeom prst="rect">
-            <a:avLst/>
-          </a:prstGeom>
-        </p:spPr>
-        <p:txBody>
-          <a:bodyPr vert="horz" wrap="square" lIns="0" tIns="199390" rIns="0" bIns="0" rtlCol="0">
-            <a:spAutoFit/>
-          </a:bodyPr>
-          <a:p>
-            <a:pPr marL="424815" indent="-412115">
-              <a:lnSpc>
-                <a:spcPct val="100000"/>
-              </a:lnSpc>
-              <a:spcBef>
-                <a:spcPts val="1570"/>
-              </a:spcBef>
-              <a:buClr>
-                <a:srgbClr val="FFFFFF"/>
-              </a:buClr>
-              <a:buChar char="●"/>
-              <a:tabLst>
-                <a:tab pos="424815" algn="l"/>
-                <a:tab pos="425450" algn="l"/>
-              </a:tabLst>
-            </a:pPr>
-            <a:r>
-              <a:rPr lang="en-US" altLang="zh-CN" sz="2400" strike="sngStrike" dirty="0">
-                <a:solidFill>
-                  <a:srgbClr val="FFFFFF"/>
-                </a:solidFill>
-                <a:uFillTx/>
-                <a:latin typeface="Arial" panose="020B0604020202020204"/>
-                <a:cs typeface="Arial" panose="020B0604020202020204"/>
-              </a:rPr>
-              <a:t>Babel</a:t>
-            </a:r>
-            <a:endParaRPr lang="en-US" altLang="zh-CN" sz="2400" strike="sngStrike" dirty="0">
-              <a:solidFill>
-                <a:srgbClr val="FFFFFF"/>
-              </a:solidFill>
-              <a:uFillTx/>
               <a:latin typeface="Arial" panose="020B0604020202020204"/>
               <a:cs typeface="Arial" panose="020B0604020202020204"/>
             </a:endParaRPr>
@@ -7645,7 +7758,7 @@
         <p:spPr>
           <a:xfrm>
             <a:off x="384810" y="652145"/>
-            <a:ext cx="4686935" cy="443230"/>
+            <a:ext cx="4337685" cy="443230"/>
           </a:xfrm>
           <a:prstGeom prst="rect">
             <a:avLst/>
@@ -7666,20 +7779,20 @@
               </a:spcBef>
             </a:pPr>
             <a:r>
-              <a:rPr lang="en-US" altLang="zh-CN" sz="2800" spc="-10" dirty="0">
+              <a:rPr lang="en-US" sz="2800" spc="-10" dirty="0">
                 <a:latin typeface="Arial" panose="020B0604020202020204"/>
                 <a:cs typeface="Arial" panose="020B0604020202020204"/>
               </a:rPr>
-              <a:t>vue-cli</a:t>
-            </a:r>
-            <a:r>
-              <a:rPr lang="zh-CN" altLang="zh-CN" sz="2800" spc="-10" dirty="0">
+              <a:t>Vue</a:t>
+            </a:r>
+            <a:r>
+              <a:rPr lang="zh-CN" sz="2800" spc="-10" dirty="0">
                 <a:latin typeface="Arial" panose="020B0604020202020204"/>
                 <a:cs typeface="Arial" panose="020B0604020202020204"/>
               </a:rPr>
-              <a:t>构建</a:t>
-            </a:r>
-            <a:endParaRPr lang="zh-CN" altLang="zh-CN" sz="2800" spc="-10" dirty="0">
+              <a:t>技术栈</a:t>
+            </a:r>
+            <a:endParaRPr lang="zh-CN" sz="2800" spc="-10" dirty="0">
               <a:latin typeface="Arial" panose="020B0604020202020204"/>
               <a:cs typeface="Arial" panose="020B0604020202020204"/>
             </a:endParaRPr>
@@ -7694,8 +7807,8 @@
         </p:nvSpPr>
         <p:spPr>
           <a:xfrm>
-            <a:off x="384810" y="1418590"/>
-            <a:ext cx="8409305" cy="1306830"/>
+            <a:off x="384810" y="1419225"/>
+            <a:ext cx="4185920" cy="568325"/>
           </a:xfrm>
           <a:prstGeom prst="rect">
             <a:avLst/>
@@ -7724,27 +7837,36 @@
               </a:tabLst>
             </a:pPr>
             <a:r>
-              <a:rPr sz="2400" dirty="0">
+              <a:rPr lang="en-US" altLang="zh-CN" sz="2400" dirty="0">
                 <a:solidFill>
                   <a:srgbClr val="FFFFFF"/>
                 </a:solidFill>
                 <a:latin typeface="Arial" panose="020B0604020202020204"/>
                 <a:cs typeface="Arial" panose="020B0604020202020204"/>
               </a:rPr>
-              <a:t>在使用vue-cli之前我们需要安装node.js，利用其提供的npm命令来安装vue-cli。安装node.js只需去其官网下载软件并安装即可，地址为：</a:t>
-            </a:r>
-            <a:r>
-              <a:rPr sz="2400" dirty="0">
+              <a:t>Vue-cli(1</a:t>
+            </a:r>
+            <a:r>
+              <a:rPr lang="zh-CN" altLang="zh-CN" sz="2400" dirty="0">
                 <a:solidFill>
                   <a:srgbClr val="FFFFFF"/>
                 </a:solidFill>
                 <a:latin typeface="Arial" panose="020B0604020202020204"/>
                 <a:cs typeface="Arial" panose="020B0604020202020204"/>
-                <a:hlinkClick r:id="rId1" action="ppaction://hlinkfile"/>
-              </a:rPr>
-              <a:t>https://nodejs.org/en/</a:t>
-            </a:r>
-            <a:endParaRPr sz="2400" dirty="0">
+              </a:rPr>
+              <a:t>条命令</a:t>
+            </a:r>
+            <a:r>
+              <a:rPr lang="en-US" altLang="zh-CN" sz="2400" dirty="0">
+                <a:solidFill>
+                  <a:srgbClr val="FFFFFF"/>
+                </a:solidFill>
+                <a:latin typeface="Arial" panose="020B0604020202020204"/>
+                <a:cs typeface="Arial" panose="020B0604020202020204"/>
+              </a:rPr>
+              <a:t>)</a:t>
+            </a:r>
+            <a:endParaRPr lang="en-US" altLang="zh-CN" sz="2400" dirty="0">
               <a:solidFill>
                 <a:srgbClr val="FFFFFF"/>
               </a:solidFill>
@@ -7756,208 +7878,382 @@
       </p:sp>
       <p:sp>
         <p:nvSpPr>
-          <p:cNvPr id="7" name="矩形 6"/>
-          <p:cNvSpPr/>
+          <p:cNvPr id="5" name="object 3"/>
+          <p:cNvSpPr txBox="1"/>
           <p:nvPr/>
         </p:nvSpPr>
         <p:spPr>
           <a:xfrm>
-            <a:off x="664845" y="2910205"/>
-            <a:ext cx="7848600" cy="655955"/>
+            <a:off x="367030" y="2163445"/>
+            <a:ext cx="4203700" cy="568325"/>
           </a:xfrm>
           <a:prstGeom prst="rect">
             <a:avLst/>
           </a:prstGeom>
-          <a:ln>
-            <a:solidFill>
-              <a:srgbClr val="42B983"/>
-            </a:solidFill>
-          </a:ln>
-        </p:spPr>
-        <p:style>
-          <a:lnRef idx="2">
-            <a:schemeClr val="accent3"/>
-          </a:lnRef>
-          <a:fillRef idx="1">
-            <a:schemeClr val="lt1"/>
-          </a:fillRef>
-          <a:effectRef idx="0">
-            <a:schemeClr val="accent3"/>
-          </a:effectRef>
-          <a:fontRef idx="minor">
-            <a:schemeClr val="dk1"/>
-          </a:fontRef>
-        </p:style>
-        <p:txBody>
-          <a:bodyPr vert="horz" wrap="square" lIns="90170" tIns="46990" rIns="90170" bIns="46990" rtlCol="0" anchor="ctr" anchorCtr="0">
-            <a:noAutofit/>
+        </p:spPr>
+        <p:txBody>
+          <a:bodyPr vert="horz" wrap="square" lIns="0" tIns="199390" rIns="0" bIns="0" rtlCol="0">
+            <a:spAutoFit/>
           </a:bodyPr>
           <a:p>
-            <a:pPr algn="l"/>
-            <a:r>
-              <a:rPr lang="en-US" altLang="zh-CN">
-                <a:latin typeface="Consolas" panose="020B0609020204030204" charset="0"/>
-              </a:rPr>
-              <a:t>npm install  -g vue-cli</a:t>
-            </a:r>
-            <a:endParaRPr lang="en-US" altLang="zh-CN">
-              <a:latin typeface="Consolas" panose="020B0609020204030204" charset="0"/>
-            </a:endParaRPr>
-          </a:p>
-        </p:txBody>
-      </p:sp>
-      <p:sp>
-        <p:nvSpPr>
-          <p:cNvPr id="12" name="矩形 11"/>
-          <p:cNvSpPr/>
+            <a:pPr marL="424815" indent="-412115">
+              <a:lnSpc>
+                <a:spcPct val="100000"/>
+              </a:lnSpc>
+              <a:spcBef>
+                <a:spcPts val="1570"/>
+              </a:spcBef>
+              <a:buClr>
+                <a:srgbClr val="FFFFFF"/>
+              </a:buClr>
+              <a:buChar char="●"/>
+              <a:tabLst>
+                <a:tab pos="424815" algn="l"/>
+                <a:tab pos="425450" algn="l"/>
+              </a:tabLst>
+            </a:pPr>
+            <a:r>
+              <a:rPr lang="en-US" altLang="zh-CN" sz="2400" strike="sngStrike" dirty="0">
+                <a:solidFill>
+                  <a:srgbClr val="FFFFFF"/>
+                </a:solidFill>
+                <a:uFillTx/>
+                <a:latin typeface="Arial" panose="020B0604020202020204"/>
+                <a:cs typeface="Arial" panose="020B0604020202020204"/>
+              </a:rPr>
+              <a:t>vue-router</a:t>
+            </a:r>
+            <a:endParaRPr lang="en-US" altLang="zh-CN" sz="2400" strike="sngStrike" dirty="0">
+              <a:solidFill>
+                <a:srgbClr val="FFFFFF"/>
+              </a:solidFill>
+              <a:uFillTx/>
+              <a:latin typeface="Arial" panose="020B0604020202020204"/>
+              <a:cs typeface="Arial" panose="020B0604020202020204"/>
+            </a:endParaRPr>
+          </a:p>
+        </p:txBody>
+      </p:sp>
+      <p:sp>
+        <p:nvSpPr>
+          <p:cNvPr id="6" name="object 3"/>
+          <p:cNvSpPr txBox="1"/>
           <p:nvPr/>
         </p:nvSpPr>
         <p:spPr>
           <a:xfrm>
-            <a:off x="664845" y="3750945"/>
-            <a:ext cx="7848600" cy="655955"/>
+            <a:off x="384810" y="2905125"/>
+            <a:ext cx="4185920" cy="568325"/>
           </a:xfrm>
           <a:prstGeom prst="rect">
             <a:avLst/>
           </a:prstGeom>
-          <a:ln>
-            <a:solidFill>
-              <a:srgbClr val="42B983"/>
-            </a:solidFill>
-          </a:ln>
-        </p:spPr>
-        <p:style>
-          <a:lnRef idx="2">
-            <a:schemeClr val="accent3"/>
-          </a:lnRef>
-          <a:fillRef idx="1">
-            <a:schemeClr val="lt1"/>
-          </a:fillRef>
-          <a:effectRef idx="0">
-            <a:schemeClr val="accent3"/>
-          </a:effectRef>
-          <a:fontRef idx="minor">
-            <a:schemeClr val="dk1"/>
-          </a:fontRef>
-        </p:style>
-        <p:txBody>
-          <a:bodyPr vert="horz" wrap="square" lIns="90170" tIns="46990" rIns="90170" bIns="46990" rtlCol="0" anchor="ctr" anchorCtr="0">
-            <a:noAutofit/>
+        </p:spPr>
+        <p:txBody>
+          <a:bodyPr vert="horz" wrap="square" lIns="0" tIns="199390" rIns="0" bIns="0" rtlCol="0">
+            <a:spAutoFit/>
           </a:bodyPr>
           <a:p>
-            <a:pPr algn="l"/>
-            <a:r>
-              <a:rPr lang="en-US" altLang="zh-CN">
-                <a:latin typeface="Consolas" panose="020B0609020204030204" charset="0"/>
-              </a:rPr>
-              <a:t>vue init OnsenUI/vue-cordova-webpack hello-world</a:t>
-            </a:r>
-            <a:endParaRPr lang="en-US" altLang="zh-CN">
-              <a:latin typeface="Consolas" panose="020B0609020204030204" charset="0"/>
-            </a:endParaRPr>
-          </a:p>
-        </p:txBody>
-      </p:sp>
-      <p:sp>
-        <p:nvSpPr>
-          <p:cNvPr id="13" name="矩形 12"/>
-          <p:cNvSpPr/>
+            <a:pPr marL="424815" indent="-412115">
+              <a:lnSpc>
+                <a:spcPct val="100000"/>
+              </a:lnSpc>
+              <a:spcBef>
+                <a:spcPts val="1570"/>
+              </a:spcBef>
+              <a:buClr>
+                <a:srgbClr val="FFFFFF"/>
+              </a:buClr>
+              <a:buChar char="●"/>
+              <a:tabLst>
+                <a:tab pos="424815" algn="l"/>
+                <a:tab pos="425450" algn="l"/>
+              </a:tabLst>
+            </a:pPr>
+            <a:r>
+              <a:rPr lang="en-US" altLang="zh-CN" sz="2400" dirty="0">
+                <a:solidFill>
+                  <a:srgbClr val="FFFFFF"/>
+                </a:solidFill>
+                <a:latin typeface="Arial" panose="020B0604020202020204"/>
+                <a:cs typeface="Arial" panose="020B0604020202020204"/>
+              </a:rPr>
+              <a:t>Vuex</a:t>
+            </a:r>
+            <a:endParaRPr lang="en-US" altLang="zh-CN" sz="2400" dirty="0">
+              <a:solidFill>
+                <a:srgbClr val="FFFFFF"/>
+              </a:solidFill>
+              <a:latin typeface="Arial" panose="020B0604020202020204"/>
+              <a:cs typeface="Arial" panose="020B0604020202020204"/>
+            </a:endParaRPr>
+          </a:p>
+        </p:txBody>
+      </p:sp>
+      <p:sp>
+        <p:nvSpPr>
+          <p:cNvPr id="4" name="object 3"/>
+          <p:cNvSpPr txBox="1"/>
           <p:nvPr/>
         </p:nvSpPr>
         <p:spPr>
           <a:xfrm>
-            <a:off x="665480" y="4599940"/>
-            <a:ext cx="7848600" cy="655955"/>
+            <a:off x="367030" y="3686810"/>
+            <a:ext cx="4203700" cy="568325"/>
           </a:xfrm>
           <a:prstGeom prst="rect">
             <a:avLst/>
           </a:prstGeom>
-          <a:ln>
-            <a:solidFill>
-              <a:srgbClr val="42B983"/>
-            </a:solidFill>
-          </a:ln>
-        </p:spPr>
-        <p:style>
-          <a:lnRef idx="2">
-            <a:schemeClr val="accent3"/>
-          </a:lnRef>
-          <a:fillRef idx="1">
-            <a:schemeClr val="lt1"/>
-          </a:fillRef>
-          <a:effectRef idx="0">
-            <a:schemeClr val="accent3"/>
-          </a:effectRef>
-          <a:fontRef idx="minor">
-            <a:schemeClr val="dk1"/>
-          </a:fontRef>
-        </p:style>
-        <p:txBody>
-          <a:bodyPr vert="horz" wrap="square" lIns="90170" tIns="46990" rIns="90170" bIns="46990" rtlCol="0" anchor="ctr" anchorCtr="0">
-            <a:noAutofit/>
+        </p:spPr>
+        <p:txBody>
+          <a:bodyPr vert="horz" wrap="square" lIns="0" tIns="199390" rIns="0" bIns="0" rtlCol="0">
+            <a:spAutoFit/>
           </a:bodyPr>
           <a:p>
-            <a:pPr algn="l"/>
-            <a:r>
-              <a:rPr lang="en-US" altLang="zh-CN">
-                <a:latin typeface="Consolas" panose="020B0609020204030204" charset="0"/>
-              </a:rPr>
-              <a:t>cd hello-world</a:t>
-            </a:r>
-            <a:endParaRPr lang="en-US" altLang="zh-CN">
-              <a:latin typeface="Consolas" panose="020B0609020204030204" charset="0"/>
-            </a:endParaRPr>
-          </a:p>
-        </p:txBody>
-      </p:sp>
-      <p:sp>
-        <p:nvSpPr>
-          <p:cNvPr id="14" name="矩形 13"/>
-          <p:cNvSpPr/>
+            <a:pPr marL="424815" indent="-412115">
+              <a:lnSpc>
+                <a:spcPct val="100000"/>
+              </a:lnSpc>
+              <a:spcBef>
+                <a:spcPts val="1570"/>
+              </a:spcBef>
+              <a:buClr>
+                <a:srgbClr val="FFFFFF"/>
+              </a:buClr>
+              <a:buChar char="●"/>
+              <a:tabLst>
+                <a:tab pos="424815" algn="l"/>
+                <a:tab pos="425450" algn="l"/>
+              </a:tabLst>
+            </a:pPr>
+            <a:r>
+              <a:rPr lang="en-US" altLang="zh-CN" sz="2400" dirty="0">
+                <a:solidFill>
+                  <a:srgbClr val="FFFFFF"/>
+                </a:solidFill>
+                <a:latin typeface="Arial" panose="020B0604020202020204"/>
+                <a:cs typeface="Arial" panose="020B0604020202020204"/>
+              </a:rPr>
+              <a:t>ES6(</a:t>
+            </a:r>
+            <a:r>
+              <a:rPr lang="zh-CN" altLang="zh-CN" sz="2400" dirty="0">
+                <a:solidFill>
+                  <a:srgbClr val="FFFFFF"/>
+                </a:solidFill>
+                <a:latin typeface="Arial" panose="020B0604020202020204"/>
+                <a:cs typeface="Arial" panose="020B0604020202020204"/>
+              </a:rPr>
+              <a:t>项目中使用部分</a:t>
+            </a:r>
+            <a:r>
+              <a:rPr lang="en-US" altLang="zh-CN" sz="2400" dirty="0">
+                <a:solidFill>
+                  <a:srgbClr val="FFFFFF"/>
+                </a:solidFill>
+                <a:latin typeface="Arial" panose="020B0604020202020204"/>
+                <a:cs typeface="Arial" panose="020B0604020202020204"/>
+              </a:rPr>
+              <a:t>)</a:t>
+            </a:r>
+            <a:endParaRPr lang="en-US" altLang="zh-CN" sz="2400" dirty="0">
+              <a:solidFill>
+                <a:srgbClr val="FFFFFF"/>
+              </a:solidFill>
+              <a:latin typeface="Arial" panose="020B0604020202020204"/>
+              <a:cs typeface="Arial" panose="020B0604020202020204"/>
+            </a:endParaRPr>
+          </a:p>
+        </p:txBody>
+      </p:sp>
+      <p:sp>
+        <p:nvSpPr>
+          <p:cNvPr id="7" name="object 3"/>
+          <p:cNvSpPr txBox="1"/>
           <p:nvPr/>
         </p:nvSpPr>
         <p:spPr>
           <a:xfrm>
-            <a:off x="665480" y="5432425"/>
-            <a:ext cx="7848600" cy="655955"/>
+            <a:off x="4570730" y="1419225"/>
+            <a:ext cx="4185920" cy="568325"/>
           </a:xfrm>
           <a:prstGeom prst="rect">
             <a:avLst/>
           </a:prstGeom>
-          <a:ln>
-            <a:solidFill>
-              <a:srgbClr val="42B983"/>
-            </a:solidFill>
-          </a:ln>
-        </p:spPr>
-        <p:style>
-          <a:lnRef idx="2">
-            <a:schemeClr val="accent3"/>
-          </a:lnRef>
-          <a:fillRef idx="1">
-            <a:schemeClr val="lt1"/>
-          </a:fillRef>
-          <a:effectRef idx="0">
-            <a:schemeClr val="accent3"/>
-          </a:effectRef>
-          <a:fontRef idx="minor">
-            <a:schemeClr val="dk1"/>
-          </a:fontRef>
-        </p:style>
-        <p:txBody>
-          <a:bodyPr vert="horz" wrap="square" lIns="90170" tIns="46990" rIns="90170" bIns="46990" rtlCol="0" anchor="ctr" anchorCtr="0">
-            <a:noAutofit/>
+        </p:spPr>
+        <p:txBody>
+          <a:bodyPr vert="horz" wrap="square" lIns="0" tIns="199390" rIns="0" bIns="0" rtlCol="0">
+            <a:spAutoFit/>
           </a:bodyPr>
           <a:p>
-            <a:pPr algn="l"/>
-            <a:r>
-              <a:rPr lang="en-US" altLang="zh-CN">
-                <a:latin typeface="Consolas" panose="020B0609020204030204" charset="0"/>
-              </a:rPr>
-              <a:t>npm install</a:t>
-            </a:r>
-            <a:endParaRPr lang="en-US" altLang="zh-CN">
-              <a:latin typeface="Consolas" panose="020B0609020204030204" charset="0"/>
+            <a:pPr marL="424815" indent="-412115">
+              <a:lnSpc>
+                <a:spcPct val="100000"/>
+              </a:lnSpc>
+              <a:spcBef>
+                <a:spcPts val="1570"/>
+              </a:spcBef>
+              <a:buClr>
+                <a:srgbClr val="FFFFFF"/>
+              </a:buClr>
+              <a:buChar char="●"/>
+              <a:tabLst>
+                <a:tab pos="424815" algn="l"/>
+                <a:tab pos="425450" algn="l"/>
+              </a:tabLst>
+            </a:pPr>
+            <a:r>
+              <a:rPr lang="en-US" altLang="zh-CN" sz="2400" dirty="0">
+                <a:solidFill>
+                  <a:srgbClr val="FFFFFF"/>
+                </a:solidFill>
+                <a:latin typeface="Arial" panose="020B0604020202020204"/>
+                <a:cs typeface="Arial" panose="020B0604020202020204"/>
+              </a:rPr>
+              <a:t>NPM(3</a:t>
+            </a:r>
+            <a:r>
+              <a:rPr lang="zh-CN" altLang="zh-CN" sz="2400" dirty="0">
+                <a:solidFill>
+                  <a:srgbClr val="FFFFFF"/>
+                </a:solidFill>
+                <a:latin typeface="Arial" panose="020B0604020202020204"/>
+                <a:cs typeface="Arial" panose="020B0604020202020204"/>
+              </a:rPr>
+              <a:t>条命令</a:t>
+            </a:r>
+            <a:r>
+              <a:rPr lang="en-US" altLang="zh-CN" sz="2400" dirty="0">
+                <a:solidFill>
+                  <a:srgbClr val="FFFFFF"/>
+                </a:solidFill>
+                <a:latin typeface="Arial" panose="020B0604020202020204"/>
+                <a:cs typeface="Arial" panose="020B0604020202020204"/>
+              </a:rPr>
+              <a:t>)</a:t>
+            </a:r>
+            <a:endParaRPr lang="zh-CN" altLang="en-US" sz="2400" dirty="0">
+              <a:solidFill>
+                <a:srgbClr val="FFFFFF"/>
+              </a:solidFill>
+              <a:latin typeface="Arial" panose="020B0604020202020204"/>
+              <a:cs typeface="Arial" panose="020B0604020202020204"/>
+            </a:endParaRPr>
+          </a:p>
+        </p:txBody>
+      </p:sp>
+      <p:sp>
+        <p:nvSpPr>
+          <p:cNvPr id="8" name="object 3"/>
+          <p:cNvSpPr txBox="1"/>
+          <p:nvPr/>
+        </p:nvSpPr>
+        <p:spPr>
+          <a:xfrm>
+            <a:off x="4570730" y="2163445"/>
+            <a:ext cx="4185920" cy="568325"/>
+          </a:xfrm>
+          <a:prstGeom prst="rect">
+            <a:avLst/>
+          </a:prstGeom>
+        </p:spPr>
+        <p:txBody>
+          <a:bodyPr vert="horz" wrap="square" lIns="0" tIns="199390" rIns="0" bIns="0" rtlCol="0">
+            <a:spAutoFit/>
+          </a:bodyPr>
+          <a:p>
+            <a:pPr marL="424815" indent="-412115">
+              <a:lnSpc>
+                <a:spcPct val="100000"/>
+              </a:lnSpc>
+              <a:spcBef>
+                <a:spcPts val="1570"/>
+              </a:spcBef>
+              <a:buClr>
+                <a:srgbClr val="FFFFFF"/>
+              </a:buClr>
+              <a:buChar char="●"/>
+              <a:tabLst>
+                <a:tab pos="424815" algn="l"/>
+                <a:tab pos="425450" algn="l"/>
+              </a:tabLst>
+            </a:pPr>
+            <a:r>
+              <a:rPr lang="en-US" altLang="zh-CN" sz="2400" strike="sngStrike" dirty="0">
+                <a:solidFill>
+                  <a:srgbClr val="FFFFFF"/>
+                </a:solidFill>
+                <a:uFillTx/>
+                <a:latin typeface="Arial" panose="020B0604020202020204"/>
+                <a:cs typeface="Arial" panose="020B0604020202020204"/>
+              </a:rPr>
+              <a:t>webpack</a:t>
+            </a:r>
+            <a:endParaRPr lang="en-US" altLang="zh-CN" sz="2400" strike="sngStrike" dirty="0">
+              <a:solidFill>
+                <a:srgbClr val="FFFFFF"/>
+              </a:solidFill>
+              <a:uFillTx/>
+              <a:latin typeface="Arial" panose="020B0604020202020204"/>
+              <a:cs typeface="Arial" panose="020B0604020202020204"/>
+            </a:endParaRPr>
+          </a:p>
+        </p:txBody>
+      </p:sp>
+      <p:sp>
+        <p:nvSpPr>
+          <p:cNvPr id="9" name="object 3"/>
+          <p:cNvSpPr txBox="1"/>
+          <p:nvPr/>
+        </p:nvSpPr>
+        <p:spPr>
+          <a:xfrm>
+            <a:off x="4570730" y="2905125"/>
+            <a:ext cx="4185920" cy="568325"/>
+          </a:xfrm>
+          <a:prstGeom prst="rect">
+            <a:avLst/>
+          </a:prstGeom>
+        </p:spPr>
+        <p:txBody>
+          <a:bodyPr vert="horz" wrap="square" lIns="0" tIns="199390" rIns="0" bIns="0" rtlCol="0">
+            <a:spAutoFit/>
+          </a:bodyPr>
+          <a:p>
+            <a:pPr marL="424815" indent="-412115">
+              <a:lnSpc>
+                <a:spcPct val="100000"/>
+              </a:lnSpc>
+              <a:spcBef>
+                <a:spcPts val="1570"/>
+              </a:spcBef>
+              <a:buClr>
+                <a:srgbClr val="FFFFFF"/>
+              </a:buClr>
+              <a:buChar char="●"/>
+              <a:tabLst>
+                <a:tab pos="424815" algn="l"/>
+                <a:tab pos="425450" algn="l"/>
+              </a:tabLst>
+            </a:pPr>
+            <a:r>
+              <a:rPr lang="en-US" altLang="zh-CN" sz="2400" strike="sngStrike" dirty="0">
+                <a:solidFill>
+                  <a:srgbClr val="FFFFFF"/>
+                </a:solidFill>
+                <a:uFillTx/>
+                <a:latin typeface="Arial" panose="020B0604020202020204"/>
+                <a:cs typeface="Arial" panose="020B0604020202020204"/>
+              </a:rPr>
+              <a:t>Babel</a:t>
+            </a:r>
+            <a:endParaRPr lang="en-US" altLang="zh-CN" sz="2400" strike="sngStrike" dirty="0">
+              <a:solidFill>
+                <a:srgbClr val="FFFFFF"/>
+              </a:solidFill>
+              <a:uFillTx/>
+              <a:latin typeface="Arial" panose="020B0604020202020204"/>
+              <a:cs typeface="Arial" panose="020B0604020202020204"/>
             </a:endParaRPr>
           </a:p>
         </p:txBody>
@@ -8021,11 +8317,18 @@
               </a:spcBef>
             </a:pPr>
             <a:r>
+              <a:rPr lang="en-US" altLang="zh-CN" sz="2800" spc="-10" dirty="0">
+                <a:latin typeface="Arial" panose="020B0604020202020204"/>
+                <a:cs typeface="Arial" panose="020B0604020202020204"/>
+              </a:rPr>
+              <a:t>vue-cli</a:t>
+            </a:r>
+            <a:r>
               <a:rPr lang="zh-CN" altLang="zh-CN" sz="2800" spc="-10" dirty="0">
                 <a:latin typeface="Arial" panose="020B0604020202020204"/>
                 <a:cs typeface="Arial" panose="020B0604020202020204"/>
               </a:rPr>
-              <a:t>开发模式</a:t>
+              <a:t>构建</a:t>
             </a:r>
             <a:endParaRPr lang="zh-CN" altLang="zh-CN" sz="2800" spc="-10" dirty="0">
               <a:latin typeface="Arial" panose="020B0604020202020204"/>
@@ -8042,8 +8345,8 @@
         </p:nvSpPr>
         <p:spPr>
           <a:xfrm>
-            <a:off x="367030" y="1405890"/>
-            <a:ext cx="8409305" cy="568325"/>
+            <a:off x="384810" y="1418590"/>
+            <a:ext cx="8409305" cy="1306830"/>
           </a:xfrm>
           <a:prstGeom prst="rect">
             <a:avLst/>
@@ -8079,39 +8382,20 @@
                 <a:latin typeface="Arial" panose="020B0604020202020204"/>
                 <a:cs typeface="Arial" panose="020B0604020202020204"/>
               </a:rPr>
-              <a:t>Webpack + vue-loader </a:t>
-            </a:r>
-            <a:r>
-              <a:rPr lang="zh-CN" sz="2400" dirty="0">
+              <a:t>在使用vue-cli之前我们需要安装node.js，利用其提供的npm命令来安装vue-cli。安装node.js只需去其官网下载软件并安装即可，地址为：</a:t>
+            </a:r>
+            <a:r>
+              <a:rPr sz="2400" dirty="0">
                 <a:solidFill>
                   <a:srgbClr val="FFFFFF"/>
                 </a:solidFill>
                 <a:latin typeface="Arial" panose="020B0604020202020204"/>
                 <a:cs typeface="Arial" panose="020B0604020202020204"/>
-              </a:rPr>
-              <a:t>用于处理</a:t>
-            </a:r>
-            <a:r>
-              <a:rPr lang="en-US" altLang="zh-CN" sz="2400" dirty="0">
-                <a:solidFill>
-                  <a:srgbClr val="FFFFFF"/>
-                </a:solidFill>
-                <a:latin typeface="Arial" panose="020B0604020202020204"/>
-                <a:cs typeface="Arial" panose="020B0604020202020204"/>
-              </a:rPr>
-              <a:t>vue</a:t>
-            </a:r>
-            <a:r>
-              <a:rPr lang="zh-CN" altLang="en-US" sz="2400" dirty="0">
-                <a:solidFill>
-                  <a:srgbClr val="FFFFFF"/>
-                </a:solidFill>
-                <a:latin typeface="Arial" panose="020B0604020202020204"/>
-                <a:cs typeface="Arial" panose="020B0604020202020204"/>
-              </a:rPr>
-              <a:t>单文件组件</a:t>
-            </a:r>
-            <a:endParaRPr lang="zh-CN" altLang="en-US" sz="2400" dirty="0">
+                <a:hlinkClick r:id="rId1" action="ppaction://hlinkfile"/>
+              </a:rPr>
+              <a:t>https://nodejs.org/en/</a:t>
+            </a:r>
+            <a:endParaRPr sz="2400" dirty="0">
               <a:solidFill>
                 <a:srgbClr val="FFFFFF"/>
               </a:solidFill>
@@ -8123,13 +8407,13 @@
       </p:sp>
       <p:sp>
         <p:nvSpPr>
-          <p:cNvPr id="15" name="矩形 14"/>
+          <p:cNvPr id="7" name="矩形 6"/>
           <p:cNvSpPr/>
           <p:nvPr/>
         </p:nvSpPr>
         <p:spPr>
           <a:xfrm>
-            <a:off x="384810" y="4237990"/>
+            <a:off x="664845" y="2910205"/>
             <a:ext cx="7848600" cy="655955"/>
           </a:xfrm>
           <a:prstGeom prst="rect">
@@ -8165,7 +8449,7 @@
               <a:rPr lang="en-US" altLang="zh-CN">
                 <a:latin typeface="Consolas" panose="020B0609020204030204" charset="0"/>
               </a:rPr>
-              <a:t>npm run dev</a:t>
+              <a:t>npm install  -g vue-cli</a:t>
             </a:r>
             <a:endParaRPr lang="en-US" altLang="zh-CN">
               <a:latin typeface="Consolas" panose="020B0609020204030204" charset="0"/>
@@ -8175,122 +8459,156 @@
       </p:sp>
       <p:sp>
         <p:nvSpPr>
-          <p:cNvPr id="4" name="object 3"/>
-          <p:cNvSpPr txBox="1"/>
+          <p:cNvPr id="12" name="矩形 11"/>
+          <p:cNvSpPr/>
           <p:nvPr/>
         </p:nvSpPr>
         <p:spPr>
           <a:xfrm>
-            <a:off x="384810" y="2255520"/>
-            <a:ext cx="8409305" cy="568325"/>
+            <a:off x="664845" y="3750945"/>
+            <a:ext cx="7848600" cy="655955"/>
           </a:xfrm>
           <a:prstGeom prst="rect">
             <a:avLst/>
           </a:prstGeom>
-        </p:spPr>
-        <p:txBody>
-          <a:bodyPr vert="horz" wrap="square" lIns="0" tIns="199390" rIns="0" bIns="0" rtlCol="0">
-            <a:spAutoFit/>
+          <a:ln>
+            <a:solidFill>
+              <a:srgbClr val="42B983"/>
+            </a:solidFill>
+          </a:ln>
+        </p:spPr>
+        <p:style>
+          <a:lnRef idx="2">
+            <a:schemeClr val="accent3"/>
+          </a:lnRef>
+          <a:fillRef idx="1">
+            <a:schemeClr val="lt1"/>
+          </a:fillRef>
+          <a:effectRef idx="0">
+            <a:schemeClr val="accent3"/>
+          </a:effectRef>
+          <a:fontRef idx="minor">
+            <a:schemeClr val="dk1"/>
+          </a:fontRef>
+        </p:style>
+        <p:txBody>
+          <a:bodyPr vert="horz" wrap="square" lIns="90170" tIns="46990" rIns="90170" bIns="46990" rtlCol="0" anchor="ctr" anchorCtr="0">
+            <a:noAutofit/>
           </a:bodyPr>
           <a:p>
-            <a:pPr marL="424815" indent="-412115">
-              <a:lnSpc>
-                <a:spcPct val="100000"/>
-              </a:lnSpc>
-              <a:spcBef>
-                <a:spcPts val="1570"/>
-              </a:spcBef>
-              <a:buClr>
-                <a:srgbClr val="FFFFFF"/>
-              </a:buClr>
-              <a:buChar char="●"/>
-              <a:tabLst>
-                <a:tab pos="424815" algn="l"/>
-                <a:tab pos="425450" algn="l"/>
-              </a:tabLst>
-            </a:pPr>
-            <a:r>
-              <a:rPr lang="zh-CN" sz="2400" dirty="0">
-                <a:solidFill>
-                  <a:srgbClr val="FFFFFF"/>
-                </a:solidFill>
-                <a:latin typeface="Arial" panose="020B0604020202020204"/>
-                <a:cs typeface="Arial" panose="020B0604020202020204"/>
-              </a:rPr>
-              <a:t>热重载</a:t>
-            </a:r>
-            <a:endParaRPr lang="zh-CN" sz="2400" dirty="0">
-              <a:solidFill>
-                <a:srgbClr val="FFFFFF"/>
-              </a:solidFill>
-              <a:latin typeface="Arial" panose="020B0604020202020204"/>
-              <a:cs typeface="Arial" panose="020B0604020202020204"/>
-            </a:endParaRPr>
-          </a:p>
-        </p:txBody>
-      </p:sp>
-      <p:sp>
-        <p:nvSpPr>
-          <p:cNvPr id="5" name="object 3"/>
-          <p:cNvSpPr txBox="1"/>
+            <a:pPr algn="l"/>
+            <a:r>
+              <a:rPr lang="en-US" altLang="zh-CN">
+                <a:latin typeface="Consolas" panose="020B0609020204030204" charset="0"/>
+              </a:rPr>
+              <a:t>vue init OnsenUI/vue-cordova-webpack hello-world</a:t>
+            </a:r>
+            <a:endParaRPr lang="en-US" altLang="zh-CN">
+              <a:latin typeface="Consolas" panose="020B0609020204030204" charset="0"/>
+            </a:endParaRPr>
+          </a:p>
+        </p:txBody>
+      </p:sp>
+      <p:sp>
+        <p:nvSpPr>
+          <p:cNvPr id="13" name="矩形 12"/>
+          <p:cNvSpPr/>
           <p:nvPr/>
         </p:nvSpPr>
         <p:spPr>
           <a:xfrm>
-            <a:off x="384810" y="3145155"/>
-            <a:ext cx="8409305" cy="568325"/>
+            <a:off x="665480" y="4599940"/>
+            <a:ext cx="7848600" cy="655955"/>
           </a:xfrm>
           <a:prstGeom prst="rect">
             <a:avLst/>
           </a:prstGeom>
-        </p:spPr>
-        <p:txBody>
-          <a:bodyPr vert="horz" wrap="square" lIns="0" tIns="199390" rIns="0" bIns="0" rtlCol="0">
-            <a:spAutoFit/>
+          <a:ln>
+            <a:solidFill>
+              <a:srgbClr val="42B983"/>
+            </a:solidFill>
+          </a:ln>
+        </p:spPr>
+        <p:style>
+          <a:lnRef idx="2">
+            <a:schemeClr val="accent3"/>
+          </a:lnRef>
+          <a:fillRef idx="1">
+            <a:schemeClr val="lt1"/>
+          </a:fillRef>
+          <a:effectRef idx="0">
+            <a:schemeClr val="accent3"/>
+          </a:effectRef>
+          <a:fontRef idx="minor">
+            <a:schemeClr val="dk1"/>
+          </a:fontRef>
+        </p:style>
+        <p:txBody>
+          <a:bodyPr vert="horz" wrap="square" lIns="90170" tIns="46990" rIns="90170" bIns="46990" rtlCol="0" anchor="ctr" anchorCtr="0">
+            <a:noAutofit/>
           </a:bodyPr>
           <a:p>
-            <a:pPr marL="424815" indent="-412115">
-              <a:lnSpc>
-                <a:spcPct val="100000"/>
-              </a:lnSpc>
-              <a:spcBef>
-                <a:spcPts val="1570"/>
-              </a:spcBef>
-              <a:buClr>
-                <a:srgbClr val="FFFFFF"/>
-              </a:buClr>
-              <a:buChar char="●"/>
-              <a:tabLst>
-                <a:tab pos="424815" algn="l"/>
-                <a:tab pos="425450" algn="l"/>
-              </a:tabLst>
-            </a:pPr>
-            <a:r>
-              <a:rPr lang="en-US" altLang="zh-CN" sz="2400" dirty="0">
-                <a:solidFill>
-                  <a:srgbClr val="FFFFFF"/>
-                </a:solidFill>
-                <a:latin typeface="Arial" panose="020B0604020202020204"/>
-                <a:cs typeface="Arial" panose="020B0604020202020204"/>
-              </a:rPr>
-              <a:t>ESLint</a:t>
-            </a:r>
-            <a:r>
-              <a:rPr lang="zh-CN" altLang="en-US" sz="2400" dirty="0">
-                <a:solidFill>
-                  <a:srgbClr val="FFFFFF"/>
-                </a:solidFill>
-                <a:latin typeface="Arial" panose="020B0604020202020204"/>
-                <a:cs typeface="Arial" panose="020B0604020202020204"/>
-              </a:rPr>
-              <a:t>检查</a:t>
-            </a:r>
-            <a:endParaRPr lang="zh-CN" altLang="en-US" sz="2400" dirty="0">
-              <a:solidFill>
-                <a:srgbClr val="FFFFFF"/>
-              </a:solidFill>
-              <a:latin typeface="Arial" panose="020B0604020202020204"/>
-              <a:cs typeface="Arial" panose="020B0604020202020204"/>
+            <a:pPr algn="l"/>
+            <a:r>
+              <a:rPr lang="en-US" altLang="zh-CN">
+                <a:latin typeface="Consolas" panose="020B0609020204030204" charset="0"/>
+              </a:rPr>
+              <a:t>cd hello-world</a:t>
+            </a:r>
+            <a:endParaRPr lang="en-US" altLang="zh-CN">
+              <a:latin typeface="Consolas" panose="020B0609020204030204" charset="0"/>
+            </a:endParaRPr>
+          </a:p>
+        </p:txBody>
+      </p:sp>
+      <p:sp>
+        <p:nvSpPr>
+          <p:cNvPr id="14" name="矩形 13"/>
+          <p:cNvSpPr/>
+          <p:nvPr/>
+        </p:nvSpPr>
+        <p:spPr>
+          <a:xfrm>
+            <a:off x="665480" y="5432425"/>
+            <a:ext cx="7848600" cy="655955"/>
+          </a:xfrm>
+          <a:prstGeom prst="rect">
+            <a:avLst/>
+          </a:prstGeom>
+          <a:ln>
+            <a:solidFill>
+              <a:srgbClr val="42B983"/>
+            </a:solidFill>
+          </a:ln>
+        </p:spPr>
+        <p:style>
+          <a:lnRef idx="2">
+            <a:schemeClr val="accent3"/>
+          </a:lnRef>
+          <a:fillRef idx="1">
+            <a:schemeClr val="lt1"/>
+          </a:fillRef>
+          <a:effectRef idx="0">
+            <a:schemeClr val="accent3"/>
+          </a:effectRef>
+          <a:fontRef idx="minor">
+            <a:schemeClr val="dk1"/>
+          </a:fontRef>
+        </p:style>
+        <p:txBody>
+          <a:bodyPr vert="horz" wrap="square" lIns="90170" tIns="46990" rIns="90170" bIns="46990" rtlCol="0" anchor="ctr" anchorCtr="0">
+            <a:noAutofit/>
+          </a:bodyPr>
+          <a:p>
+            <a:pPr algn="l"/>
+            <a:r>
+              <a:rPr lang="en-US" altLang="zh-CN">
+                <a:latin typeface="Consolas" panose="020B0609020204030204" charset="0"/>
+              </a:rPr>
+              <a:t>npm install</a:t>
+            </a:r>
+            <a:endParaRPr lang="en-US" altLang="zh-CN">
+              <a:latin typeface="Consolas" panose="020B0609020204030204" charset="0"/>
             </a:endParaRPr>
           </a:p>
         </p:txBody>
@@ -8354,18 +8672,11 @@
               </a:spcBef>
             </a:pPr>
             <a:r>
-              <a:rPr lang="en-US" altLang="zh-CN" sz="2800" spc="-10" dirty="0">
-                <a:latin typeface="Arial" panose="020B0604020202020204"/>
-                <a:cs typeface="Arial" panose="020B0604020202020204"/>
-              </a:rPr>
-              <a:t>webpack</a:t>
-            </a:r>
-            <a:r>
               <a:rPr lang="zh-CN" altLang="zh-CN" sz="2800" spc="-10" dirty="0">
                 <a:latin typeface="Arial" panose="020B0604020202020204"/>
                 <a:cs typeface="Arial" panose="020B0604020202020204"/>
               </a:rPr>
-              <a:t>构建生产环境代码</a:t>
+              <a:t>开发模式</a:t>
             </a:r>
             <a:endParaRPr lang="zh-CN" altLang="zh-CN" sz="2800" spc="-10" dirty="0">
               <a:latin typeface="Arial" panose="020B0604020202020204"/>
@@ -8382,7 +8693,7 @@
         </p:nvSpPr>
         <p:spPr>
           <a:xfrm>
-            <a:off x="384810" y="1418590"/>
+            <a:off x="367030" y="1405890"/>
             <a:ext cx="8409305" cy="568325"/>
           </a:xfrm>
           <a:prstGeom prst="rect">
@@ -8412,14 +8723,14 @@
               </a:tabLst>
             </a:pPr>
             <a:r>
-              <a:rPr lang="zh-CN" sz="2400" dirty="0">
+              <a:rPr sz="2400" dirty="0">
                 <a:solidFill>
                   <a:srgbClr val="FFFFFF"/>
                 </a:solidFill>
                 <a:latin typeface="Arial" panose="020B0604020202020204"/>
                 <a:cs typeface="Arial" panose="020B0604020202020204"/>
               </a:rPr>
-              <a:t>通过UglifyJS</a:t>
+              <a:t>Webpack + vue-loader </a:t>
             </a:r>
             <a:r>
               <a:rPr lang="zh-CN" sz="2400" dirty="0">
@@ -8428,22 +8739,30 @@
                 </a:solidFill>
                 <a:latin typeface="Arial" panose="020B0604020202020204"/>
                 <a:cs typeface="Arial" panose="020B0604020202020204"/>
-                <a:sym typeface="+mn-ea"/>
-              </a:rPr>
-              <a:t>压缩</a:t>
-            </a:r>
-            <a:r>
-              <a:rPr lang="en-US" sz="2400" dirty="0">
+              </a:rPr>
+              <a:t>用于处理</a:t>
+            </a:r>
+            <a:r>
+              <a:rPr lang="en-US" altLang="zh-CN" sz="2400" dirty="0">
                 <a:solidFill>
                   <a:srgbClr val="FFFFFF"/>
                 </a:solidFill>
                 <a:latin typeface="Arial" panose="020B0604020202020204"/>
                 <a:cs typeface="Arial" panose="020B0604020202020204"/>
-                <a:sym typeface="+mn-ea"/>
-              </a:rPr>
-              <a:t>js</a:t>
-            </a:r>
-            <a:endParaRPr lang="zh-CN" sz="2400" dirty="0">
+              </a:rPr>
+              <a:t>vue</a:t>
+            </a:r>
+            <a:r>
+              <a:rPr lang="zh-CN" altLang="en-US" sz="2400" dirty="0">
+                <a:solidFill>
+                  <a:srgbClr val="FFFFFF"/>
+                </a:solidFill>
+                <a:latin typeface="Arial" panose="020B0604020202020204"/>
+                <a:cs typeface="Arial" panose="020B0604020202020204"/>
+              </a:rPr>
+              <a:t>单文件组件</a:t>
+            </a:r>
+            <a:endParaRPr lang="zh-CN" altLang="en-US" sz="2400" dirty="0">
               <a:solidFill>
                 <a:srgbClr val="FFFFFF"/>
               </a:solidFill>
@@ -8455,13 +8774,13 @@
       </p:sp>
       <p:sp>
         <p:nvSpPr>
-          <p:cNvPr id="7" name="矩形 6"/>
+          <p:cNvPr id="15" name="矩形 14"/>
           <p:cNvSpPr/>
           <p:nvPr/>
         </p:nvSpPr>
         <p:spPr>
           <a:xfrm>
-            <a:off x="384810" y="4991100"/>
+            <a:off x="384810" y="4237990"/>
             <a:ext cx="7848600" cy="655955"/>
           </a:xfrm>
           <a:prstGeom prst="rect">
@@ -8497,7 +8816,7 @@
               <a:rPr lang="en-US" altLang="zh-CN">
                 <a:latin typeface="Consolas" panose="020B0609020204030204" charset="0"/>
               </a:rPr>
-              <a:t>npm run build</a:t>
+              <a:t>npm run dev</a:t>
             </a:r>
             <a:endParaRPr lang="en-US" altLang="zh-CN">
               <a:latin typeface="Consolas" panose="020B0609020204030204" charset="0"/>
@@ -8513,7 +8832,7 @@
         </p:nvSpPr>
         <p:spPr>
           <a:xfrm>
-            <a:off x="384810" y="2279015"/>
+            <a:off x="384810" y="2255520"/>
             <a:ext cx="8409305" cy="568325"/>
           </a:xfrm>
           <a:prstGeom prst="rect">
@@ -8542,26 +8861,16 @@
               </a:tabLst>
             </a:pPr>
             <a:r>
-              <a:rPr lang="zh-CN" altLang="en-US" sz="2400" dirty="0">
+              <a:rPr lang="zh-CN" sz="2400" dirty="0">
                 <a:solidFill>
                   <a:srgbClr val="FFFFFF"/>
                 </a:solidFill>
                 <a:latin typeface="Arial" panose="020B0604020202020204"/>
                 <a:cs typeface="Arial" panose="020B0604020202020204"/>
               </a:rPr>
-              <a:t>通过 html-minifier压缩</a:t>
-            </a:r>
-            <a:r>
-              <a:rPr lang="en-US" altLang="zh-CN" sz="2400" dirty="0">
-                <a:solidFill>
-                  <a:srgbClr val="FFFFFF"/>
-                </a:solidFill>
-                <a:latin typeface="Arial" panose="020B0604020202020204"/>
-                <a:cs typeface="Arial" panose="020B0604020202020204"/>
-              </a:rPr>
-              <a:t>html</a:t>
-            </a:r>
-            <a:endParaRPr lang="zh-CN" altLang="en-US" sz="2400" dirty="0">
+              <a:t>热重载</a:t>
+            </a:r>
+            <a:endParaRPr lang="zh-CN" sz="2400" dirty="0">
               <a:solidFill>
                 <a:srgbClr val="FFFFFF"/>
               </a:solidFill>
@@ -8580,7 +8889,7 @@
         <p:spPr>
           <a:xfrm>
             <a:off x="384810" y="3145155"/>
-            <a:ext cx="8409305" cy="937895"/>
+            <a:ext cx="8409305" cy="568325"/>
           </a:xfrm>
           <a:prstGeom prst="rect">
             <a:avLst/>
@@ -8608,14 +8917,24 @@
               </a:tabLst>
             </a:pPr>
             <a:r>
-              <a:rPr lang="zh-CN" altLang="en-US" sz="2400" dirty="0">
+              <a:rPr lang="en-US" altLang="zh-CN" sz="2400" dirty="0">
                 <a:solidFill>
                   <a:srgbClr val="FFFFFF"/>
                 </a:solidFill>
                 <a:latin typeface="Arial" panose="020B0604020202020204"/>
                 <a:cs typeface="Arial" panose="020B0604020202020204"/>
               </a:rPr>
-              <a:t>将所有组件的CSS提取到单个文件中，并用cssnano进行压缩。</a:t>
+              <a:t>ESLint</a:t>
+            </a:r>
+            <a:r>
+              <a:rPr lang="zh-CN" altLang="en-US" sz="2400" dirty="0">
+                <a:solidFill>
+                  <a:srgbClr val="FFFFFF"/>
+                </a:solidFill>
+                <a:latin typeface="Arial" panose="020B0604020202020204"/>
+                <a:cs typeface="Arial" panose="020B0604020202020204"/>
+              </a:rPr>
+              <a:t>检查</a:t>
             </a:r>
             <a:endParaRPr lang="zh-CN" altLang="en-US" sz="2400" dirty="0">
               <a:solidFill>
@@ -8636,6 +8955,338 @@
 </file>
 
 <file path=ppt/slides/slide37.xml><?xml version="1.0" encoding="utf-8"?>
+<p:sld xmlns:a="http://schemas.openxmlformats.org/drawingml/2006/main" xmlns:r="http://schemas.openxmlformats.org/officeDocument/2006/relationships" xmlns:p="http://schemas.openxmlformats.org/presentationml/2006/main">
+  <p:cSld>
+    <p:spTree>
+      <p:nvGrpSpPr>
+        <p:cNvPr id="1" name=""/>
+        <p:cNvGrpSpPr/>
+        <p:nvPr/>
+      </p:nvGrpSpPr>
+      <p:grpSpPr>
+        <a:xfrm>
+          <a:off x="0" y="0"/>
+          <a:ext cx="0" cy="0"/>
+          <a:chOff x="0" y="0"/>
+          <a:chExt cx="0" cy="0"/>
+        </a:xfrm>
+      </p:grpSpPr>
+      <p:sp>
+        <p:nvSpPr>
+          <p:cNvPr id="2" name="object 2"/>
+          <p:cNvSpPr txBox="1">
+            <a:spLocks noGrp="1"/>
+          </p:cNvSpPr>
+          <p:nvPr>
+            <p:ph type="title"/>
+          </p:nvPr>
+        </p:nvSpPr>
+        <p:spPr>
+          <a:xfrm>
+            <a:off x="384810" y="652145"/>
+            <a:ext cx="4686935" cy="443230"/>
+          </a:xfrm>
+          <a:prstGeom prst="rect">
+            <a:avLst/>
+          </a:prstGeom>
+        </p:spPr>
+        <p:txBody>
+          <a:bodyPr vert="horz" wrap="square" lIns="0" tIns="12700" rIns="0" bIns="0" rtlCol="0">
+            <a:spAutoFit/>
+          </a:bodyPr>
+          <a:lstStyle/>
+          <a:p>
+            <a:pPr marL="12700">
+              <a:lnSpc>
+                <a:spcPct val="100000"/>
+              </a:lnSpc>
+              <a:spcBef>
+                <a:spcPts val="100"/>
+              </a:spcBef>
+            </a:pPr>
+            <a:r>
+              <a:rPr lang="en-US" altLang="zh-CN" sz="2800" spc="-10" dirty="0">
+                <a:latin typeface="Arial" panose="020B0604020202020204"/>
+                <a:cs typeface="Arial" panose="020B0604020202020204"/>
+              </a:rPr>
+              <a:t>webpack</a:t>
+            </a:r>
+            <a:r>
+              <a:rPr lang="zh-CN" altLang="zh-CN" sz="2800" spc="-10" dirty="0">
+                <a:latin typeface="Arial" panose="020B0604020202020204"/>
+                <a:cs typeface="Arial" panose="020B0604020202020204"/>
+              </a:rPr>
+              <a:t>构建生产环境代码</a:t>
+            </a:r>
+            <a:endParaRPr lang="zh-CN" altLang="zh-CN" sz="2800" spc="-10" dirty="0">
+              <a:latin typeface="Arial" panose="020B0604020202020204"/>
+              <a:cs typeface="Arial" panose="020B0604020202020204"/>
+            </a:endParaRPr>
+          </a:p>
+        </p:txBody>
+      </p:sp>
+      <p:sp>
+        <p:nvSpPr>
+          <p:cNvPr id="3" name="object 3"/>
+          <p:cNvSpPr txBox="1"/>
+          <p:nvPr/>
+        </p:nvSpPr>
+        <p:spPr>
+          <a:xfrm>
+            <a:off x="384810" y="1418590"/>
+            <a:ext cx="8409305" cy="568325"/>
+          </a:xfrm>
+          <a:prstGeom prst="rect">
+            <a:avLst/>
+          </a:prstGeom>
+        </p:spPr>
+        <p:txBody>
+          <a:bodyPr vert="horz" wrap="square" lIns="0" tIns="199390" rIns="0" bIns="0" rtlCol="0">
+            <a:spAutoFit/>
+          </a:bodyPr>
+          <a:lstStyle/>
+          <a:p>
+            <a:pPr marL="424815" indent="-412115">
+              <a:lnSpc>
+                <a:spcPct val="100000"/>
+              </a:lnSpc>
+              <a:spcBef>
+                <a:spcPts val="1570"/>
+              </a:spcBef>
+              <a:buClr>
+                <a:srgbClr val="FFFFFF"/>
+              </a:buClr>
+              <a:buChar char="●"/>
+              <a:tabLst>
+                <a:tab pos="424815" algn="l"/>
+                <a:tab pos="425450" algn="l"/>
+              </a:tabLst>
+            </a:pPr>
+            <a:r>
+              <a:rPr lang="zh-CN" sz="2400" dirty="0">
+                <a:solidFill>
+                  <a:srgbClr val="FFFFFF"/>
+                </a:solidFill>
+                <a:latin typeface="Arial" panose="020B0604020202020204"/>
+                <a:cs typeface="Arial" panose="020B0604020202020204"/>
+              </a:rPr>
+              <a:t>通过UglifyJS</a:t>
+            </a:r>
+            <a:r>
+              <a:rPr lang="zh-CN" sz="2400" dirty="0">
+                <a:solidFill>
+                  <a:srgbClr val="FFFFFF"/>
+                </a:solidFill>
+                <a:latin typeface="Arial" panose="020B0604020202020204"/>
+                <a:cs typeface="Arial" panose="020B0604020202020204"/>
+                <a:sym typeface="+mn-ea"/>
+              </a:rPr>
+              <a:t>压缩</a:t>
+            </a:r>
+            <a:r>
+              <a:rPr lang="en-US" sz="2400" dirty="0">
+                <a:solidFill>
+                  <a:srgbClr val="FFFFFF"/>
+                </a:solidFill>
+                <a:latin typeface="Arial" panose="020B0604020202020204"/>
+                <a:cs typeface="Arial" panose="020B0604020202020204"/>
+                <a:sym typeface="+mn-ea"/>
+              </a:rPr>
+              <a:t>js</a:t>
+            </a:r>
+            <a:endParaRPr lang="zh-CN" sz="2400" dirty="0">
+              <a:solidFill>
+                <a:srgbClr val="FFFFFF"/>
+              </a:solidFill>
+              <a:latin typeface="Arial" panose="020B0604020202020204"/>
+              <a:cs typeface="Arial" panose="020B0604020202020204"/>
+            </a:endParaRPr>
+          </a:p>
+        </p:txBody>
+      </p:sp>
+      <p:sp>
+        <p:nvSpPr>
+          <p:cNvPr id="7" name="矩形 6"/>
+          <p:cNvSpPr/>
+          <p:nvPr/>
+        </p:nvSpPr>
+        <p:spPr>
+          <a:xfrm>
+            <a:off x="384810" y="4991100"/>
+            <a:ext cx="7848600" cy="655955"/>
+          </a:xfrm>
+          <a:prstGeom prst="rect">
+            <a:avLst/>
+          </a:prstGeom>
+          <a:ln>
+            <a:solidFill>
+              <a:srgbClr val="42B983"/>
+            </a:solidFill>
+          </a:ln>
+        </p:spPr>
+        <p:style>
+          <a:lnRef idx="2">
+            <a:schemeClr val="accent3"/>
+          </a:lnRef>
+          <a:fillRef idx="1">
+            <a:schemeClr val="lt1"/>
+          </a:fillRef>
+          <a:effectRef idx="0">
+            <a:schemeClr val="accent3"/>
+          </a:effectRef>
+          <a:fontRef idx="minor">
+            <a:schemeClr val="dk1"/>
+          </a:fontRef>
+        </p:style>
+        <p:txBody>
+          <a:bodyPr vert="horz" wrap="square" lIns="90170" tIns="46990" rIns="90170" bIns="46990" rtlCol="0" anchor="ctr" anchorCtr="0">
+            <a:noAutofit/>
+          </a:bodyPr>
+          <a:p>
+            <a:pPr algn="l"/>
+            <a:r>
+              <a:rPr lang="en-US" altLang="zh-CN">
+                <a:latin typeface="Consolas" panose="020B0609020204030204" charset="0"/>
+              </a:rPr>
+              <a:t>npm run build</a:t>
+            </a:r>
+            <a:endParaRPr lang="en-US" altLang="zh-CN">
+              <a:latin typeface="Consolas" panose="020B0609020204030204" charset="0"/>
+            </a:endParaRPr>
+          </a:p>
+        </p:txBody>
+      </p:sp>
+      <p:sp>
+        <p:nvSpPr>
+          <p:cNvPr id="4" name="object 3"/>
+          <p:cNvSpPr txBox="1"/>
+          <p:nvPr/>
+        </p:nvSpPr>
+        <p:spPr>
+          <a:xfrm>
+            <a:off x="384810" y="2279015"/>
+            <a:ext cx="8409305" cy="568325"/>
+          </a:xfrm>
+          <a:prstGeom prst="rect">
+            <a:avLst/>
+          </a:prstGeom>
+        </p:spPr>
+        <p:txBody>
+          <a:bodyPr vert="horz" wrap="square" lIns="0" tIns="199390" rIns="0" bIns="0" rtlCol="0">
+            <a:spAutoFit/>
+          </a:bodyPr>
+          <a:p>
+            <a:pPr marL="424815" indent="-412115">
+              <a:lnSpc>
+                <a:spcPct val="100000"/>
+              </a:lnSpc>
+              <a:spcBef>
+                <a:spcPts val="1570"/>
+              </a:spcBef>
+              <a:buClr>
+                <a:srgbClr val="FFFFFF"/>
+              </a:buClr>
+              <a:buChar char="●"/>
+              <a:tabLst>
+                <a:tab pos="424815" algn="l"/>
+                <a:tab pos="425450" algn="l"/>
+              </a:tabLst>
+            </a:pPr>
+            <a:r>
+              <a:rPr lang="zh-CN" altLang="en-US" sz="2400" dirty="0">
+                <a:solidFill>
+                  <a:srgbClr val="FFFFFF"/>
+                </a:solidFill>
+                <a:latin typeface="Arial" panose="020B0604020202020204"/>
+                <a:cs typeface="Arial" panose="020B0604020202020204"/>
+              </a:rPr>
+              <a:t>通过 html-minifier压缩</a:t>
+            </a:r>
+            <a:r>
+              <a:rPr lang="en-US" altLang="zh-CN" sz="2400" dirty="0">
+                <a:solidFill>
+                  <a:srgbClr val="FFFFFF"/>
+                </a:solidFill>
+                <a:latin typeface="Arial" panose="020B0604020202020204"/>
+                <a:cs typeface="Arial" panose="020B0604020202020204"/>
+              </a:rPr>
+              <a:t>html</a:t>
+            </a:r>
+            <a:endParaRPr lang="zh-CN" altLang="en-US" sz="2400" dirty="0">
+              <a:solidFill>
+                <a:srgbClr val="FFFFFF"/>
+              </a:solidFill>
+              <a:latin typeface="Arial" panose="020B0604020202020204"/>
+              <a:cs typeface="Arial" panose="020B0604020202020204"/>
+            </a:endParaRPr>
+          </a:p>
+        </p:txBody>
+      </p:sp>
+      <p:sp>
+        <p:nvSpPr>
+          <p:cNvPr id="5" name="object 3"/>
+          <p:cNvSpPr txBox="1"/>
+          <p:nvPr/>
+        </p:nvSpPr>
+        <p:spPr>
+          <a:xfrm>
+            <a:off x="384810" y="3145155"/>
+            <a:ext cx="8409305" cy="937895"/>
+          </a:xfrm>
+          <a:prstGeom prst="rect">
+            <a:avLst/>
+          </a:prstGeom>
+        </p:spPr>
+        <p:txBody>
+          <a:bodyPr vert="horz" wrap="square" lIns="0" tIns="199390" rIns="0" bIns="0" rtlCol="0">
+            <a:spAutoFit/>
+          </a:bodyPr>
+          <a:p>
+            <a:pPr marL="424815" indent="-412115">
+              <a:lnSpc>
+                <a:spcPct val="100000"/>
+              </a:lnSpc>
+              <a:spcBef>
+                <a:spcPts val="1570"/>
+              </a:spcBef>
+              <a:buClr>
+                <a:srgbClr val="FFFFFF"/>
+              </a:buClr>
+              <a:buChar char="●"/>
+              <a:tabLst>
+                <a:tab pos="424815" algn="l"/>
+                <a:tab pos="425450" algn="l"/>
+              </a:tabLst>
+            </a:pPr>
+            <a:r>
+              <a:rPr lang="zh-CN" altLang="en-US" sz="2400" dirty="0">
+                <a:solidFill>
+                  <a:srgbClr val="FFFFFF"/>
+                </a:solidFill>
+                <a:latin typeface="Arial" panose="020B0604020202020204"/>
+                <a:cs typeface="Arial" panose="020B0604020202020204"/>
+              </a:rPr>
+              <a:t>将所有组件的CSS提取到单个文件中，并用cssnano进行压缩。</a:t>
+            </a:r>
+            <a:endParaRPr lang="zh-CN" altLang="en-US" sz="2400" dirty="0">
+              <a:solidFill>
+                <a:srgbClr val="FFFFFF"/>
+              </a:solidFill>
+              <a:latin typeface="Arial" panose="020B0604020202020204"/>
+              <a:cs typeface="Arial" panose="020B0604020202020204"/>
+            </a:endParaRPr>
+          </a:p>
+        </p:txBody>
+      </p:sp>
+    </p:spTree>
+  </p:cSld>
+  <p:clrMapOvr>
+    <a:masterClrMapping/>
+  </p:clrMapOvr>
+</p:sld>
+</file>
+
+<file path=ppt/slides/slide38.xml><?xml version="1.0" encoding="utf-8"?>
 <p:sld xmlns:a="http://schemas.openxmlformats.org/drawingml/2006/main" xmlns:r="http://schemas.openxmlformats.org/officeDocument/2006/relationships" xmlns:p="http://schemas.openxmlformats.org/presentationml/2006/main">
   <p:cSld>
     <p:spTree>
@@ -10316,7 +10967,7 @@
         <p:spPr>
           <a:xfrm>
             <a:off x="148590" y="1567180"/>
-            <a:ext cx="8766810" cy="3415030"/>
+            <a:ext cx="8766810" cy="4523105"/>
           </a:xfrm>
           <a:prstGeom prst="rect">
             <a:avLst/>
@@ -10618,6 +11269,58 @@
               <a:t>Null ：空类型</a:t>
             </a:r>
             <a:endParaRPr lang="zh-CN" altLang="en-US">
+              <a:solidFill>
+                <a:schemeClr val="bg1"/>
+              </a:solidFill>
+            </a:endParaRPr>
+          </a:p>
+          <a:p>
+            <a:pPr marL="285750" indent="-285750">
+              <a:buFont typeface="Wingdings" panose="05000000000000000000" charset="0"/>
+              <a:buChar char="l"/>
+            </a:pPr>
+            <a:endParaRPr lang="zh-CN" altLang="en-US">
+              <a:solidFill>
+                <a:schemeClr val="bg1"/>
+              </a:solidFill>
+            </a:endParaRPr>
+          </a:p>
+          <a:p>
+            <a:pPr indent="0">
+              <a:buFont typeface="Wingdings" panose="05000000000000000000" charset="0"/>
+              <a:buNone/>
+            </a:pPr>
+            <a:endParaRPr lang="en-US" altLang="zh-CN">
+              <a:solidFill>
+                <a:schemeClr val="bg1"/>
+              </a:solidFill>
+            </a:endParaRPr>
+          </a:p>
+          <a:p>
+            <a:pPr indent="0">
+              <a:buFont typeface="Wingdings" panose="05000000000000000000" charset="0"/>
+              <a:buNone/>
+            </a:pPr>
+            <a:endParaRPr lang="en-US" altLang="zh-CN">
+              <a:solidFill>
+                <a:schemeClr val="bg1"/>
+              </a:solidFill>
+            </a:endParaRPr>
+          </a:p>
+          <a:p>
+            <a:pPr indent="0">
+              <a:buFont typeface="Wingdings" panose="05000000000000000000" charset="0"/>
+              <a:buNone/>
+            </a:pPr>
+            <a:r>
+              <a:rPr lang="en-US" altLang="zh-CN">
+                <a:solidFill>
+                  <a:schemeClr val="bg1"/>
+                </a:solidFill>
+              </a:rPr>
+              <a:t>Tips: undefined 和 null 是所有类型的子类型。</a:t>
+            </a:r>
+            <a:endParaRPr lang="en-US" altLang="zh-CN">
               <a:solidFill>
                 <a:schemeClr val="bg1"/>
               </a:solidFill>

--- a/TS内部分享.pptx
+++ b/TS内部分享.pptx
@@ -24,28 +24,30 @@
     <p:sldId id="620" r:id="rId17"/>
     <p:sldId id="650" r:id="rId18"/>
     <p:sldId id="651" r:id="rId19"/>
-    <p:sldId id="627" r:id="rId20"/>
-    <p:sldId id="622" r:id="rId21"/>
-    <p:sldId id="623" r:id="rId22"/>
-    <p:sldId id="399" r:id="rId23"/>
-    <p:sldId id="400" r:id="rId24"/>
-    <p:sldId id="404" r:id="rId25"/>
-    <p:sldId id="402" r:id="rId26"/>
-    <p:sldId id="403" r:id="rId27"/>
-    <p:sldId id="405" r:id="rId28"/>
-    <p:sldId id="401" r:id="rId29"/>
-    <p:sldId id="579" r:id="rId30"/>
-    <p:sldId id="441" r:id="rId31"/>
-    <p:sldId id="443" r:id="rId32"/>
-    <p:sldId id="444" r:id="rId33"/>
-    <p:sldId id="260" r:id="rId34"/>
-    <p:sldId id="477" r:id="rId35"/>
-    <p:sldId id="510" r:id="rId36"/>
-    <p:sldId id="545" r:id="rId37"/>
-    <p:sldId id="511" r:id="rId38"/>
-    <p:sldId id="589" r:id="rId39"/>
-    <p:sldId id="588" r:id="rId40"/>
-    <p:sldId id="591" r:id="rId41"/>
+    <p:sldId id="652" r:id="rId20"/>
+    <p:sldId id="627" r:id="rId21"/>
+    <p:sldId id="653" r:id="rId22"/>
+    <p:sldId id="622" r:id="rId23"/>
+    <p:sldId id="623" r:id="rId24"/>
+    <p:sldId id="399" r:id="rId25"/>
+    <p:sldId id="400" r:id="rId26"/>
+    <p:sldId id="404" r:id="rId27"/>
+    <p:sldId id="402" r:id="rId28"/>
+    <p:sldId id="403" r:id="rId29"/>
+    <p:sldId id="405" r:id="rId30"/>
+    <p:sldId id="401" r:id="rId31"/>
+    <p:sldId id="579" r:id="rId32"/>
+    <p:sldId id="441" r:id="rId33"/>
+    <p:sldId id="443" r:id="rId34"/>
+    <p:sldId id="444" r:id="rId35"/>
+    <p:sldId id="260" r:id="rId36"/>
+    <p:sldId id="477" r:id="rId37"/>
+    <p:sldId id="510" r:id="rId38"/>
+    <p:sldId id="545" r:id="rId39"/>
+    <p:sldId id="511" r:id="rId40"/>
+    <p:sldId id="589" r:id="rId41"/>
+    <p:sldId id="588" r:id="rId42"/>
+    <p:sldId id="591" r:id="rId43"/>
   </p:sldIdLst>
   <p:sldSz cx="9144000" cy="6858000"/>
   <p:notesSz cx="9144000" cy="6858000"/>
@@ -536,6 +538,50 @@
 </file>
 
 <file path=ppt/notesSlides/notesSlide10.xml><?xml version="1.0" encoding="utf-8"?>
+<p:notes xmlns:a="http://schemas.openxmlformats.org/drawingml/2006/main" xmlns:r="http://schemas.openxmlformats.org/officeDocument/2006/relationships" xmlns:p="http://schemas.openxmlformats.org/presentationml/2006/main">
+  <p:cSld>
+    <p:spTree>
+      <p:nvGrpSpPr>
+        <p:cNvPr id="1" name=""/>
+        <p:cNvGrpSpPr/>
+        <p:nvPr/>
+      </p:nvGrpSpPr>
+      <p:grpSpPr/>
+      <p:sp>
+        <p:nvSpPr>
+          <p:cNvPr id="2" name="幻灯片图像占位符 1"/>
+          <p:cNvSpPr/>
+          <p:nvPr>
+            <p:ph type="sldImg" idx="2"/>
+          </p:nvPr>
+        </p:nvSpPr>
+        <p:spPr/>
+      </p:sp>
+      <p:sp>
+        <p:nvSpPr>
+          <p:cNvPr id="3" name="文本占位符 2"/>
+          <p:cNvSpPr/>
+          <p:nvPr>
+            <p:ph type="body" idx="3"/>
+          </p:nvPr>
+        </p:nvSpPr>
+        <p:spPr/>
+        <p:txBody>
+          <a:bodyPr/>
+          <a:p>
+            <a:endParaRPr lang="zh-CN" altLang="en-US"/>
+          </a:p>
+        </p:txBody>
+      </p:sp>
+    </p:spTree>
+  </p:cSld>
+  <p:clrMapOvr>
+    <a:masterClrMapping/>
+  </p:clrMapOvr>
+</p:notes>
+</file>
+
+<file path=ppt/notesSlides/notesSlide11.xml><?xml version="1.0" encoding="utf-8"?>
 <p:notes xmlns:a="http://schemas.openxmlformats.org/drawingml/2006/main" xmlns:r="http://schemas.openxmlformats.org/officeDocument/2006/relationships" xmlns:p="http://schemas.openxmlformats.org/presentationml/2006/main">
   <p:cSld>
     <p:spTree>
@@ -3650,7 +3696,7 @@
                 <a:cs typeface="Arial" panose="020B0604020202020204"/>
                 <a:sym typeface="+mn-ea"/>
               </a:rPr>
-              <a:t>4 </a:t>
+              <a:t>4. </a:t>
             </a:r>
             <a:r>
               <a:rPr lang="zh-CN" sz="3200" spc="-10" dirty="0">
@@ -4756,374 +4802,73 @@
       </p:grpSpPr>
       <p:sp>
         <p:nvSpPr>
-          <p:cNvPr id="4" name="标题 3"/>
-          <p:cNvSpPr/>
-          <p:nvPr>
-            <p:ph type="title"/>
-          </p:nvPr>
+          <p:cNvPr id="2" name="object 2"/>
+          <p:cNvSpPr txBox="1"/>
+          <p:nvPr/>
         </p:nvSpPr>
         <p:spPr>
           <a:xfrm>
-            <a:off x="290830" y="381000"/>
-            <a:ext cx="7113270" cy="430530"/>
-          </a:xfrm>
-        </p:spPr>
-        <p:txBody>
-          <a:bodyPr wrap="square"/>
-          <a:p>
-            <a:r>
-              <a:rPr lang="en-US" sz="2800">
-                <a:latin typeface="+mj-ea"/>
-              </a:rPr>
-              <a:t>6. </a:t>
-            </a:r>
-            <a:r>
-              <a:rPr altLang="zh-CN" sz="2800">
-                <a:latin typeface="+mj-ea"/>
-              </a:rPr>
-              <a:t>TypeScript中的</a:t>
-            </a:r>
-            <a:r>
-              <a:rPr lang="zh-CN" sz="2800">
-                <a:latin typeface="+mj-ea"/>
-              </a:rPr>
-              <a:t>函数</a:t>
-            </a:r>
-            <a:endParaRPr lang="zh-CN" sz="2800">
-              <a:latin typeface="+mj-ea"/>
-            </a:endParaRPr>
-          </a:p>
-        </p:txBody>
-      </p:sp>
-      <p:sp>
-        <p:nvSpPr>
-          <p:cNvPr id="13" name="文本框 12"/>
-          <p:cNvSpPr txBox="1"/>
-          <p:nvPr/>
-        </p:nvSpPr>
-        <p:spPr>
-          <a:xfrm>
-            <a:off x="148590" y="1567180"/>
-            <a:ext cx="8766810" cy="4799965"/>
+            <a:off x="184785" y="2623820"/>
+            <a:ext cx="8867140" cy="811530"/>
           </a:xfrm>
           <a:prstGeom prst="rect">
             <a:avLst/>
           </a:prstGeom>
-          <a:noFill/>
         </p:spPr>
         <p:txBody>
-          <a:bodyPr wrap="square" rtlCol="0">
+          <a:bodyPr vert="horz" wrap="square" lIns="0" tIns="12700" rIns="0" bIns="0" rtlCol="0">
             <a:spAutoFit/>
           </a:bodyPr>
-          <a:p>
-            <a:pPr indent="0">
-              <a:buFont typeface="Wingdings" panose="05000000000000000000" charset="0"/>
-              <a:buNone/>
-            </a:pPr>
-            <a:r>
-              <a:rPr lang="zh-CN" altLang="en-US">
-                <a:solidFill>
-                  <a:schemeClr val="bg1"/>
-                </a:solidFill>
+          <a:lstStyle/>
+          <a:p>
+            <a:pPr marL="1905" algn="ctr">
+              <a:lnSpc>
+                <a:spcPts val="6230"/>
+              </a:lnSpc>
+              <a:spcBef>
+                <a:spcPts val="100"/>
+              </a:spcBef>
+            </a:pPr>
+            <a:r>
+              <a:rPr lang="en-US" altLang="zh-CN" sz="3200" spc="-10" dirty="0">
+                <a:solidFill>
+                  <a:schemeClr val="bg1"/>
+                </a:solidFill>
+                <a:latin typeface="Arial" panose="020B0604020202020204"/>
+                <a:cs typeface="Arial" panose="020B0604020202020204"/>
                 <a:sym typeface="+mn-ea"/>
               </a:rPr>
-              <a:t>定义函数的三种方式</a:t>
-            </a:r>
-            <a:r>
-              <a:rPr lang="en-US" altLang="zh-CN">
-                <a:solidFill>
-                  <a:schemeClr val="bg1"/>
-                </a:solidFill>
+              <a:t>5. </a:t>
+            </a:r>
+            <a:r>
+              <a:rPr lang="zh-CN" altLang="en-US" sz="3200" spc="-10" dirty="0">
+                <a:solidFill>
+                  <a:schemeClr val="bg1"/>
+                </a:solidFill>
+                <a:latin typeface="Arial" panose="020B0604020202020204"/>
+                <a:cs typeface="Arial" panose="020B0604020202020204"/>
                 <a:sym typeface="+mn-ea"/>
               </a:rPr>
-              <a:t>:</a:t>
-            </a:r>
-            <a:endParaRPr lang="en-US" altLang="zh-CN">
-              <a:solidFill>
-                <a:schemeClr val="bg1"/>
-              </a:solidFill>
-            </a:endParaRPr>
-          </a:p>
-          <a:p>
-            <a:pPr indent="0">
-              <a:buFont typeface="Wingdings" panose="05000000000000000000" charset="0"/>
-              <a:buNone/>
-            </a:pPr>
-            <a:r>
-              <a:rPr lang="en-US" altLang="zh-CN">
-                <a:solidFill>
-                  <a:schemeClr val="bg1"/>
-                </a:solidFill>
+              <a:t>数组</a:t>
+            </a:r>
+            <a:r>
+              <a:rPr lang="zh-CN" sz="3200" spc="-10" dirty="0">
+                <a:solidFill>
+                  <a:schemeClr val="bg1"/>
+                </a:solidFill>
+                <a:latin typeface="Arial" panose="020B0604020202020204"/>
+                <a:cs typeface="Arial" panose="020B0604020202020204"/>
                 <a:sym typeface="+mn-ea"/>
               </a:rPr>
-              <a:t>1. 函数声明     function add(n1:number,n2:number):number{}</a:t>
-            </a:r>
-            <a:endParaRPr lang="en-US" altLang="zh-CN">
-              <a:solidFill>
-                <a:schemeClr val="bg1"/>
-              </a:solidFill>
-            </a:endParaRPr>
-          </a:p>
-          <a:p>
-            <a:pPr indent="0">
-              <a:buFont typeface="Wingdings" panose="05000000000000000000" charset="0"/>
-              <a:buNone/>
-            </a:pPr>
-            <a:r>
-              <a:rPr lang="en-US" altLang="zh-CN">
-                <a:solidFill>
-                  <a:schemeClr val="bg1"/>
-                </a:solidFill>
-                <a:sym typeface="+mn-ea"/>
-              </a:rPr>
-              <a:t>2. 函数表达式 var add = function(n1:number,n2:number):number{}</a:t>
-            </a:r>
-            <a:endParaRPr lang="en-US" altLang="zh-CN">
-              <a:solidFill>
-                <a:schemeClr val="bg1"/>
-              </a:solidFill>
-            </a:endParaRPr>
-          </a:p>
-          <a:p>
-            <a:pPr indent="0">
-              <a:buFont typeface="Wingdings" panose="05000000000000000000" charset="0"/>
-              <a:buNone/>
-            </a:pPr>
-            <a:r>
-              <a:rPr lang="en-US" altLang="zh-CN">
-                <a:solidFill>
-                  <a:schemeClr val="bg1"/>
-                </a:solidFill>
-                <a:sym typeface="+mn-ea"/>
-              </a:rPr>
-              <a:t>3. 箭头函数 var add = (n1:number,n2:number):number=&gt;{}</a:t>
-            </a:r>
-            <a:endParaRPr lang="en-US" altLang="zh-CN">
-              <a:solidFill>
-                <a:schemeClr val="bg1"/>
-              </a:solidFill>
-            </a:endParaRPr>
-          </a:p>
-          <a:p>
-            <a:pPr indent="0">
-              <a:buFont typeface="Wingdings" panose="05000000000000000000" charset="0"/>
-              <a:buNone/>
-            </a:pPr>
-            <a:endParaRPr lang="zh-CN" altLang="en-US">
-              <a:solidFill>
-                <a:schemeClr val="bg1"/>
-              </a:solidFill>
-            </a:endParaRPr>
-          </a:p>
-          <a:p>
-            <a:pPr indent="0">
-              <a:buFont typeface="Wingdings" panose="05000000000000000000" charset="0"/>
-              <a:buNone/>
-            </a:pPr>
-            <a:r>
-              <a:rPr lang="zh-CN" altLang="en-US">
-                <a:solidFill>
-                  <a:schemeClr val="bg1"/>
-                </a:solidFill>
-              </a:rPr>
-              <a:t>TypeScript的函数参数是比较灵活的，它不像那些早期出现的传统语言那么死板。在TypeScript语言中，函数的形参分为：可选形参、默认形参、剩余参数形参等。</a:t>
-            </a:r>
-            <a:endParaRPr lang="zh-CN" altLang="en-US">
-              <a:solidFill>
-                <a:schemeClr val="bg1"/>
-              </a:solidFill>
-            </a:endParaRPr>
-          </a:p>
-          <a:p>
-            <a:pPr indent="0">
-              <a:buFont typeface="Wingdings" panose="05000000000000000000" charset="0"/>
-              <a:buNone/>
-            </a:pPr>
-            <a:endParaRPr lang="zh-CN" altLang="en-US">
-              <a:solidFill>
-                <a:schemeClr val="bg1"/>
-              </a:solidFill>
-            </a:endParaRPr>
-          </a:p>
-          <a:p>
-            <a:pPr indent="0">
-              <a:buFont typeface="Wingdings" panose="05000000000000000000" charset="0"/>
-              <a:buNone/>
-            </a:pPr>
-            <a:r>
-              <a:rPr lang="en-US" altLang="zh-CN">
-                <a:solidFill>
-                  <a:schemeClr val="bg1"/>
-                </a:solidFill>
-              </a:rPr>
-              <a:t>1. </a:t>
-            </a:r>
-            <a:r>
-              <a:rPr lang="zh-CN" altLang="en-US">
-                <a:solidFill>
-                  <a:schemeClr val="bg1"/>
-                </a:solidFill>
-              </a:rPr>
-              <a:t>有可选参数的函数</a:t>
-            </a:r>
-            <a:endParaRPr lang="zh-CN" altLang="en-US">
-              <a:solidFill>
-                <a:schemeClr val="bg1"/>
-              </a:solidFill>
-            </a:endParaRPr>
-          </a:p>
-          <a:p>
-            <a:pPr indent="0">
-              <a:buFont typeface="Wingdings" panose="05000000000000000000" charset="0"/>
-              <a:buNone/>
-            </a:pPr>
-            <a:r>
-              <a:rPr lang="zh-CN" altLang="en-US">
-                <a:solidFill>
-                  <a:schemeClr val="bg1"/>
-                </a:solidFill>
-              </a:rPr>
-              <a:t>可选参数，就是我们定义形参的时候，可以定义一个可传可不传的参数。这种参数，在定义函数的时候通过?标注</a:t>
-            </a:r>
-            <a:r>
-              <a:rPr lang="en-US" altLang="zh-CN">
-                <a:solidFill>
-                  <a:schemeClr val="bg1"/>
-                </a:solidFill>
-              </a:rPr>
-              <a:t>,</a:t>
-            </a:r>
-            <a:r>
-              <a:rPr lang="zh-CN" altLang="en-US">
-                <a:solidFill>
-                  <a:schemeClr val="bg1"/>
-                </a:solidFill>
-              </a:rPr>
-              <a:t>可选参数必须接在必须参数后面。</a:t>
-            </a:r>
-            <a:endParaRPr lang="zh-CN" altLang="en-US">
-              <a:solidFill>
-                <a:schemeClr val="bg1"/>
-              </a:solidFill>
-            </a:endParaRPr>
-          </a:p>
-          <a:p>
-            <a:pPr indent="0">
-              <a:buFont typeface="Wingdings" panose="05000000000000000000" charset="0"/>
-              <a:buNone/>
-            </a:pPr>
-            <a:r>
-              <a:rPr lang="zh-CN" altLang="en-US">
-                <a:solidFill>
-                  <a:schemeClr val="bg1"/>
-                </a:solidFill>
-              </a:rPr>
-              <a:t>2. 有默认参数的函数</a:t>
-            </a:r>
-            <a:endParaRPr lang="zh-CN" altLang="en-US">
-              <a:solidFill>
-                <a:schemeClr val="bg1"/>
-              </a:solidFill>
-            </a:endParaRPr>
-          </a:p>
-          <a:p>
-            <a:pPr indent="0">
-              <a:buFont typeface="Wingdings" panose="05000000000000000000" charset="0"/>
-              <a:buNone/>
-            </a:pPr>
-            <a:r>
-              <a:rPr lang="en-US" altLang="zh-CN">
-                <a:solidFill>
-                  <a:schemeClr val="bg1"/>
-                </a:solidFill>
-              </a:rPr>
-              <a:t>3. 有剩余参数的函数</a:t>
-            </a:r>
-            <a:r>
-              <a:rPr lang="zh-CN" altLang="en-US">
-                <a:solidFill>
-                  <a:schemeClr val="bg1"/>
-                </a:solidFill>
-              </a:rPr>
-              <a:t>（</a:t>
-            </a:r>
-            <a:r>
-              <a:rPr lang="en-US" altLang="zh-CN">
-                <a:solidFill>
-                  <a:schemeClr val="bg1"/>
-                </a:solidFill>
-              </a:rPr>
-              <a:t>rest</a:t>
-            </a:r>
-            <a:r>
-              <a:rPr lang="zh-CN" altLang="en-US">
-                <a:solidFill>
-                  <a:schemeClr val="bg1"/>
-                </a:solidFill>
-              </a:rPr>
-              <a:t>参数）</a:t>
-            </a:r>
-            <a:endParaRPr lang="en-US" altLang="zh-CN">
-              <a:solidFill>
-                <a:schemeClr val="bg1"/>
-              </a:solidFill>
-            </a:endParaRPr>
-          </a:p>
-          <a:p>
-            <a:pPr indent="0">
-              <a:buFont typeface="Wingdings" panose="05000000000000000000" charset="0"/>
-              <a:buNone/>
-            </a:pPr>
-            <a:r>
-              <a:rPr lang="en-US" altLang="zh-CN">
-                <a:solidFill>
-                  <a:schemeClr val="bg1"/>
-                </a:solidFill>
-              </a:rPr>
-              <a:t>剩余参数就是形参是一个数组，传递几个实参过来都可以直接存在形参的数组中</a:t>
-            </a:r>
-            <a:r>
-              <a:rPr lang="zh-CN" altLang="en-US">
-                <a:solidFill>
-                  <a:schemeClr val="bg1"/>
-                </a:solidFill>
-              </a:rPr>
-              <a:t>，rest 参数只能是最后一个参数</a:t>
-            </a:r>
-            <a:r>
-              <a:rPr lang="en-US" altLang="zh-CN">
-                <a:solidFill>
-                  <a:schemeClr val="bg1"/>
-                </a:solidFill>
-              </a:rPr>
-              <a:t>。</a:t>
-            </a:r>
-            <a:endParaRPr lang="en-US" altLang="zh-CN">
-              <a:solidFill>
-                <a:schemeClr val="bg1"/>
-              </a:solidFill>
-            </a:endParaRPr>
-          </a:p>
-          <a:p>
-            <a:pPr indent="0">
-              <a:buFont typeface="Wingdings" panose="05000000000000000000" charset="0"/>
-              <a:buNone/>
-            </a:pPr>
-            <a:endParaRPr lang="en-US" altLang="zh-CN">
-              <a:solidFill>
-                <a:schemeClr val="bg1"/>
-              </a:solidFill>
-            </a:endParaRPr>
-          </a:p>
-          <a:p>
-            <a:pPr indent="0">
-              <a:buFont typeface="Wingdings" panose="05000000000000000000" charset="0"/>
-              <a:buNone/>
-            </a:pPr>
-            <a:endParaRPr lang="en-US" altLang="zh-CN">
-              <a:solidFill>
-                <a:schemeClr val="bg1"/>
-              </a:solidFill>
+              <a:t>的类型</a:t>
+            </a:r>
+            <a:endParaRPr lang="zh-CN" altLang="en-US" sz="3200" spc="-10" dirty="0">
+              <a:solidFill>
+                <a:schemeClr val="bg1"/>
+              </a:solidFill>
+              <a:latin typeface="Arial" panose="020B0604020202020204"/>
+              <a:cs typeface="Arial" panose="020B0604020202020204"/>
+              <a:sym typeface="+mn-ea"/>
             </a:endParaRPr>
           </a:p>
         </p:txBody>
@@ -5137,6 +4882,959 @@
 </file>
 
 <file path=ppt/slides/slide18.xml><?xml version="1.0" encoding="utf-8"?>
+<p:sld xmlns:a="http://schemas.openxmlformats.org/drawingml/2006/main" xmlns:r="http://schemas.openxmlformats.org/officeDocument/2006/relationships" xmlns:p="http://schemas.openxmlformats.org/presentationml/2006/main">
+  <p:cSld>
+    <p:spTree>
+      <p:nvGrpSpPr>
+        <p:cNvPr id="1" name=""/>
+        <p:cNvGrpSpPr/>
+        <p:nvPr/>
+      </p:nvGrpSpPr>
+      <p:grpSpPr>
+        <a:xfrm>
+          <a:off x="0" y="0"/>
+          <a:ext cx="0" cy="0"/>
+          <a:chOff x="0" y="0"/>
+          <a:chExt cx="0" cy="0"/>
+        </a:xfrm>
+      </p:grpSpPr>
+      <p:sp>
+        <p:nvSpPr>
+          <p:cNvPr id="13" name="文本框 12"/>
+          <p:cNvSpPr txBox="1"/>
+          <p:nvPr/>
+        </p:nvSpPr>
+        <p:spPr>
+          <a:xfrm>
+            <a:off x="148590" y="424180"/>
+            <a:ext cx="8766810" cy="5077460"/>
+          </a:xfrm>
+          <a:prstGeom prst="rect">
+            <a:avLst/>
+          </a:prstGeom>
+          <a:noFill/>
+        </p:spPr>
+        <p:txBody>
+          <a:bodyPr wrap="square" rtlCol="0">
+            <a:spAutoFit/>
+          </a:bodyPr>
+          <a:p>
+            <a:pPr indent="0">
+              <a:buFont typeface="Wingdings" panose="05000000000000000000" charset="0"/>
+              <a:buNone/>
+            </a:pPr>
+            <a:r>
+              <a:rPr>
+                <a:solidFill>
+                  <a:schemeClr val="bg1"/>
+                </a:solidFill>
+                <a:sym typeface="+mn-ea"/>
+              </a:rPr>
+              <a:t>在 TypeScript 中，数组类型有多种定义方式，比较灵活。</a:t>
+            </a:r>
+            <a:endParaRPr>
+              <a:solidFill>
+                <a:schemeClr val="bg1"/>
+              </a:solidFill>
+              <a:sym typeface="+mn-ea"/>
+            </a:endParaRPr>
+          </a:p>
+          <a:p>
+            <a:pPr indent="0">
+              <a:buFont typeface="Wingdings" panose="05000000000000000000" charset="0"/>
+              <a:buNone/>
+            </a:pPr>
+            <a:r>
+              <a:rPr lang="zh-CN" altLang="en-US">
+                <a:solidFill>
+                  <a:schemeClr val="bg1"/>
+                </a:solidFill>
+                <a:sym typeface="+mn-ea"/>
+              </a:rPr>
+              <a:t>一、</a:t>
+            </a:r>
+            <a:r>
+              <a:rPr lang="en-US" altLang="zh-CN">
+                <a:solidFill>
+                  <a:schemeClr val="bg1"/>
+                </a:solidFill>
+                <a:sym typeface="+mn-ea"/>
+              </a:rPr>
+              <a:t>「类型 + 方括号」表示法</a:t>
+            </a:r>
+            <a:endParaRPr lang="en-US" altLang="zh-CN">
+              <a:solidFill>
+                <a:schemeClr val="bg1"/>
+              </a:solidFill>
+              <a:sym typeface="+mn-ea"/>
+            </a:endParaRPr>
+          </a:p>
+          <a:p>
+            <a:pPr indent="0">
+              <a:buFont typeface="Wingdings" panose="05000000000000000000" charset="0"/>
+              <a:buNone/>
+            </a:pPr>
+            <a:r>
+              <a:rPr lang="en-US" altLang="zh-CN">
+                <a:solidFill>
+                  <a:schemeClr val="bg1"/>
+                </a:solidFill>
+                <a:sym typeface="+mn-ea"/>
+              </a:rPr>
+              <a:t>let numList</a:t>
+            </a:r>
+            <a:r>
+              <a:rPr lang="en-US" altLang="zh-CN">
+                <a:solidFill>
+                  <a:schemeClr val="bg1"/>
+                </a:solidFill>
+                <a:sym typeface="+mn-ea"/>
+              </a:rPr>
+              <a:t>: number[] = [1, 1, 2, 3, 5];</a:t>
+            </a:r>
+            <a:endParaRPr lang="en-US" altLang="zh-CN">
+              <a:solidFill>
+                <a:schemeClr val="bg1"/>
+              </a:solidFill>
+              <a:sym typeface="+mn-ea"/>
+            </a:endParaRPr>
+          </a:p>
+          <a:p>
+            <a:pPr indent="0">
+              <a:buFont typeface="Wingdings" panose="05000000000000000000" charset="0"/>
+              <a:buNone/>
+            </a:pPr>
+            <a:r>
+              <a:rPr lang="zh-CN" altLang="en-US">
+                <a:solidFill>
+                  <a:schemeClr val="bg1"/>
+                </a:solidFill>
+              </a:rPr>
+              <a:t>二、 数组泛型</a:t>
+            </a:r>
+            <a:endParaRPr lang="zh-CN" altLang="en-US">
+              <a:solidFill>
+                <a:schemeClr val="bg1"/>
+              </a:solidFill>
+            </a:endParaRPr>
+          </a:p>
+          <a:p>
+            <a:pPr indent="0">
+              <a:buFont typeface="Wingdings" panose="05000000000000000000" charset="0"/>
+              <a:buNone/>
+            </a:pPr>
+            <a:r>
+              <a:rPr lang="zh-CN" altLang="en-US">
+                <a:solidFill>
+                  <a:schemeClr val="bg1"/>
+                </a:solidFill>
+              </a:rPr>
+              <a:t>let </a:t>
+            </a:r>
+            <a:r>
+              <a:rPr lang="en-US" altLang="zh-CN">
+                <a:solidFill>
+                  <a:schemeClr val="bg1"/>
+                </a:solidFill>
+                <a:sym typeface="+mn-ea"/>
+              </a:rPr>
+              <a:t>numList</a:t>
+            </a:r>
+            <a:r>
+              <a:rPr lang="zh-CN" altLang="en-US">
+                <a:solidFill>
+                  <a:schemeClr val="bg1"/>
+                </a:solidFill>
+              </a:rPr>
+              <a:t>: Array&lt;number&gt; = [1, 1, 2, 3, 5];</a:t>
+            </a:r>
+            <a:endParaRPr lang="zh-CN" altLang="en-US">
+              <a:solidFill>
+                <a:schemeClr val="bg1"/>
+              </a:solidFill>
+            </a:endParaRPr>
+          </a:p>
+          <a:p>
+            <a:pPr indent="0">
+              <a:buFont typeface="Wingdings" panose="05000000000000000000" charset="0"/>
+              <a:buNone/>
+            </a:pPr>
+            <a:r>
+              <a:rPr lang="zh-CN" altLang="en-US">
+                <a:solidFill>
+                  <a:schemeClr val="bg1"/>
+                </a:solidFill>
+              </a:rPr>
+              <a:t>三、用接口表示数组</a:t>
+            </a:r>
+            <a:endParaRPr lang="zh-CN" altLang="en-US">
+              <a:solidFill>
+                <a:schemeClr val="bg1"/>
+              </a:solidFill>
+            </a:endParaRPr>
+          </a:p>
+          <a:p>
+            <a:pPr indent="0">
+              <a:buFont typeface="Wingdings" panose="05000000000000000000" charset="0"/>
+              <a:buNone/>
+            </a:pPr>
+            <a:endParaRPr lang="zh-CN" altLang="en-US">
+              <a:solidFill>
+                <a:schemeClr val="bg1"/>
+              </a:solidFill>
+            </a:endParaRPr>
+          </a:p>
+          <a:p>
+            <a:pPr indent="0">
+              <a:buFont typeface="Wingdings" panose="05000000000000000000" charset="0"/>
+              <a:buNone/>
+            </a:pPr>
+            <a:endParaRPr lang="en-US" altLang="zh-CN">
+              <a:solidFill>
+                <a:schemeClr val="bg1"/>
+              </a:solidFill>
+            </a:endParaRPr>
+          </a:p>
+          <a:p>
+            <a:pPr indent="0">
+              <a:buFont typeface="Wingdings" panose="05000000000000000000" charset="0"/>
+              <a:buNone/>
+            </a:pPr>
+            <a:endParaRPr lang="en-US" altLang="zh-CN">
+              <a:solidFill>
+                <a:schemeClr val="bg1"/>
+              </a:solidFill>
+            </a:endParaRPr>
+          </a:p>
+          <a:p>
+            <a:pPr indent="0">
+              <a:buFont typeface="Wingdings" panose="05000000000000000000" charset="0"/>
+              <a:buNone/>
+            </a:pPr>
+            <a:endParaRPr lang="en-US" altLang="zh-CN">
+              <a:solidFill>
+                <a:schemeClr val="bg1"/>
+              </a:solidFill>
+            </a:endParaRPr>
+          </a:p>
+          <a:p>
+            <a:pPr indent="0">
+              <a:buFont typeface="Wingdings" panose="05000000000000000000" charset="0"/>
+              <a:buNone/>
+            </a:pPr>
+            <a:endParaRPr lang="en-US" altLang="zh-CN">
+              <a:solidFill>
+                <a:schemeClr val="bg1"/>
+              </a:solidFill>
+            </a:endParaRPr>
+          </a:p>
+          <a:p>
+            <a:pPr indent="0">
+              <a:buFont typeface="Wingdings" panose="05000000000000000000" charset="0"/>
+              <a:buNone/>
+            </a:pPr>
+            <a:endParaRPr lang="en-US" altLang="zh-CN">
+              <a:solidFill>
+                <a:schemeClr val="bg1"/>
+              </a:solidFill>
+            </a:endParaRPr>
+          </a:p>
+          <a:p>
+            <a:pPr indent="0">
+              <a:buFont typeface="Wingdings" panose="05000000000000000000" charset="0"/>
+              <a:buNone/>
+            </a:pPr>
+            <a:r>
+              <a:rPr lang="en-US" altLang="zh-CN">
+                <a:solidFill>
+                  <a:schemeClr val="bg1"/>
+                </a:solidFill>
+              </a:rPr>
+              <a:t>NumberArray 表示：只要 index 的类型是 number，那么值的类型必须是 number。</a:t>
+            </a:r>
+            <a:endParaRPr lang="en-US" altLang="zh-CN">
+              <a:solidFill>
+                <a:schemeClr val="bg1"/>
+              </a:solidFill>
+            </a:endParaRPr>
+          </a:p>
+          <a:p>
+            <a:pPr indent="0">
+              <a:buFont typeface="Wingdings" panose="05000000000000000000" charset="0"/>
+              <a:buNone/>
+            </a:pPr>
+            <a:endParaRPr lang="en-US" altLang="zh-CN">
+              <a:solidFill>
+                <a:schemeClr val="bg1"/>
+              </a:solidFill>
+            </a:endParaRPr>
+          </a:p>
+          <a:p>
+            <a:pPr indent="0">
+              <a:buFont typeface="Wingdings" panose="05000000000000000000" charset="0"/>
+              <a:buNone/>
+            </a:pPr>
+            <a:r>
+              <a:rPr lang="en-US" altLang="zh-CN">
+                <a:solidFill>
+                  <a:schemeClr val="bg1"/>
+                </a:solidFill>
+              </a:rPr>
+              <a:t>any 在数组中的应用</a:t>
+            </a:r>
+            <a:endParaRPr lang="en-US" altLang="zh-CN">
+              <a:solidFill>
+                <a:schemeClr val="bg1"/>
+              </a:solidFill>
+            </a:endParaRPr>
+          </a:p>
+          <a:p>
+            <a:pPr indent="0">
+              <a:buFont typeface="Wingdings" panose="05000000000000000000" charset="0"/>
+              <a:buNone/>
+            </a:pPr>
+            <a:r>
+              <a:rPr lang="en-US" altLang="zh-CN">
+                <a:solidFill>
+                  <a:schemeClr val="bg1"/>
+                </a:solidFill>
+              </a:rPr>
+              <a:t>一个比较常见的做法是，用 any 表示数组中允许出现任意类型：</a:t>
+            </a:r>
+            <a:endParaRPr lang="en-US" altLang="zh-CN">
+              <a:solidFill>
+                <a:schemeClr val="bg1"/>
+              </a:solidFill>
+            </a:endParaRPr>
+          </a:p>
+          <a:p>
+            <a:pPr indent="0">
+              <a:buFont typeface="Wingdings" panose="05000000000000000000" charset="0"/>
+              <a:buNone/>
+            </a:pPr>
+            <a:r>
+              <a:rPr lang="en-US" altLang="zh-CN">
+                <a:solidFill>
+                  <a:schemeClr val="bg1"/>
+                </a:solidFill>
+              </a:rPr>
+              <a:t>let list: any[] = ['Xcat Liu', 25, { website: 'http://xcatliu.com' }];</a:t>
+            </a:r>
+            <a:endParaRPr lang="en-US" altLang="zh-CN">
+              <a:solidFill>
+                <a:schemeClr val="bg1"/>
+              </a:solidFill>
+            </a:endParaRPr>
+          </a:p>
+          <a:p>
+            <a:pPr indent="0">
+              <a:buFont typeface="Wingdings" panose="05000000000000000000" charset="0"/>
+              <a:buNone/>
+            </a:pPr>
+            <a:endParaRPr lang="en-US" altLang="zh-CN">
+              <a:solidFill>
+                <a:schemeClr val="bg1"/>
+              </a:solidFill>
+            </a:endParaRPr>
+          </a:p>
+        </p:txBody>
+      </p:sp>
+      <p:pic>
+        <p:nvPicPr>
+          <p:cNvPr id="2" name="图片 1" descr="carbon (2)"/>
+          <p:cNvPicPr>
+            <a:picLocks noChangeAspect="1"/>
+          </p:cNvPicPr>
+          <p:nvPr/>
+        </p:nvPicPr>
+        <p:blipFill>
+          <a:blip r:embed="rId1"/>
+          <a:stretch>
+            <a:fillRect/>
+          </a:stretch>
+        </p:blipFill>
+        <p:spPr>
+          <a:xfrm>
+            <a:off x="251460" y="2176145"/>
+            <a:ext cx="3980815" cy="1400175"/>
+          </a:xfrm>
+          <a:prstGeom prst="rect">
+            <a:avLst/>
+          </a:prstGeom>
+        </p:spPr>
+      </p:pic>
+    </p:spTree>
+  </p:cSld>
+  <p:clrMapOvr>
+    <a:masterClrMapping/>
+  </p:clrMapOvr>
+</p:sld>
+</file>
+
+<file path=ppt/slides/slide19.xml><?xml version="1.0" encoding="utf-8"?>
+<p:sld xmlns:a="http://schemas.openxmlformats.org/drawingml/2006/main" xmlns:r="http://schemas.openxmlformats.org/officeDocument/2006/relationships" xmlns:p="http://schemas.openxmlformats.org/presentationml/2006/main">
+  <p:cSld>
+    <p:spTree>
+      <p:nvGrpSpPr>
+        <p:cNvPr id="1" name=""/>
+        <p:cNvGrpSpPr/>
+        <p:nvPr/>
+      </p:nvGrpSpPr>
+      <p:grpSpPr>
+        <a:xfrm>
+          <a:off x="0" y="0"/>
+          <a:ext cx="0" cy="0"/>
+          <a:chOff x="0" y="0"/>
+          <a:chExt cx="0" cy="0"/>
+        </a:xfrm>
+      </p:grpSpPr>
+      <p:sp>
+        <p:nvSpPr>
+          <p:cNvPr id="4" name="标题 3"/>
+          <p:cNvSpPr/>
+          <p:nvPr>
+            <p:ph type="title"/>
+          </p:nvPr>
+        </p:nvSpPr>
+        <p:spPr>
+          <a:xfrm>
+            <a:off x="290830" y="381000"/>
+            <a:ext cx="7113270" cy="430530"/>
+          </a:xfrm>
+        </p:spPr>
+        <p:txBody>
+          <a:bodyPr wrap="square"/>
+          <a:p>
+            <a:r>
+              <a:rPr lang="en-US" sz="2800">
+                <a:latin typeface="+mj-ea"/>
+              </a:rPr>
+              <a:t>6. </a:t>
+            </a:r>
+            <a:r>
+              <a:rPr altLang="zh-CN" sz="2800">
+                <a:latin typeface="+mj-ea"/>
+              </a:rPr>
+              <a:t>TypeScript中的</a:t>
+            </a:r>
+            <a:r>
+              <a:rPr lang="zh-CN" sz="2800">
+                <a:latin typeface="+mj-ea"/>
+              </a:rPr>
+              <a:t>函数</a:t>
+            </a:r>
+            <a:endParaRPr lang="zh-CN" sz="2800">
+              <a:latin typeface="+mj-ea"/>
+            </a:endParaRPr>
+          </a:p>
+        </p:txBody>
+      </p:sp>
+      <p:sp>
+        <p:nvSpPr>
+          <p:cNvPr id="13" name="文本框 12"/>
+          <p:cNvSpPr txBox="1"/>
+          <p:nvPr/>
+        </p:nvSpPr>
+        <p:spPr>
+          <a:xfrm>
+            <a:off x="148590" y="1567180"/>
+            <a:ext cx="8766810" cy="4523105"/>
+          </a:xfrm>
+          <a:prstGeom prst="rect">
+            <a:avLst/>
+          </a:prstGeom>
+          <a:noFill/>
+        </p:spPr>
+        <p:txBody>
+          <a:bodyPr wrap="square" rtlCol="0">
+            <a:spAutoFit/>
+          </a:bodyPr>
+          <a:p>
+            <a:pPr indent="0">
+              <a:buFont typeface="Wingdings" panose="05000000000000000000" charset="0"/>
+              <a:buNone/>
+            </a:pPr>
+            <a:r>
+              <a:rPr lang="zh-CN" altLang="en-US">
+                <a:solidFill>
+                  <a:schemeClr val="bg1"/>
+                </a:solidFill>
+                <a:sym typeface="+mn-ea"/>
+              </a:rPr>
+              <a:t>定义函数的三种方式</a:t>
+            </a:r>
+            <a:r>
+              <a:rPr lang="en-US" altLang="zh-CN">
+                <a:solidFill>
+                  <a:schemeClr val="bg1"/>
+                </a:solidFill>
+                <a:sym typeface="+mn-ea"/>
+              </a:rPr>
+              <a:t>:</a:t>
+            </a:r>
+            <a:endParaRPr lang="en-US" altLang="zh-CN">
+              <a:solidFill>
+                <a:schemeClr val="bg1"/>
+              </a:solidFill>
+            </a:endParaRPr>
+          </a:p>
+          <a:p>
+            <a:pPr indent="0">
+              <a:buFont typeface="Wingdings" panose="05000000000000000000" charset="0"/>
+              <a:buNone/>
+            </a:pPr>
+            <a:r>
+              <a:rPr lang="en-US" altLang="zh-CN">
+                <a:solidFill>
+                  <a:schemeClr val="bg1"/>
+                </a:solidFill>
+                <a:sym typeface="+mn-ea"/>
+              </a:rPr>
+              <a:t>1. 函数声明     function add(n1:number,n2:number):number{}</a:t>
+            </a:r>
+            <a:endParaRPr lang="en-US" altLang="zh-CN">
+              <a:solidFill>
+                <a:schemeClr val="bg1"/>
+              </a:solidFill>
+            </a:endParaRPr>
+          </a:p>
+          <a:p>
+            <a:pPr indent="0">
+              <a:buFont typeface="Wingdings" panose="05000000000000000000" charset="0"/>
+              <a:buNone/>
+            </a:pPr>
+            <a:r>
+              <a:rPr lang="en-US" altLang="zh-CN">
+                <a:solidFill>
+                  <a:schemeClr val="bg1"/>
+                </a:solidFill>
+                <a:sym typeface="+mn-ea"/>
+              </a:rPr>
+              <a:t>2. 函数表达式 var add = function(n1:number,n2:number):number{}</a:t>
+            </a:r>
+            <a:endParaRPr lang="en-US" altLang="zh-CN">
+              <a:solidFill>
+                <a:schemeClr val="bg1"/>
+              </a:solidFill>
+            </a:endParaRPr>
+          </a:p>
+          <a:p>
+            <a:pPr indent="0">
+              <a:buFont typeface="Wingdings" panose="05000000000000000000" charset="0"/>
+              <a:buNone/>
+            </a:pPr>
+            <a:r>
+              <a:rPr lang="en-US" altLang="zh-CN">
+                <a:solidFill>
+                  <a:schemeClr val="bg1"/>
+                </a:solidFill>
+                <a:sym typeface="+mn-ea"/>
+              </a:rPr>
+              <a:t>3. 箭头函数 var add = (n1:number,n2:number):number=&gt;{}</a:t>
+            </a:r>
+            <a:endParaRPr lang="en-US" altLang="zh-CN">
+              <a:solidFill>
+                <a:schemeClr val="bg1"/>
+              </a:solidFill>
+            </a:endParaRPr>
+          </a:p>
+          <a:p>
+            <a:pPr indent="0">
+              <a:buFont typeface="Wingdings" panose="05000000000000000000" charset="0"/>
+              <a:buNone/>
+            </a:pPr>
+            <a:endParaRPr lang="zh-CN" altLang="en-US">
+              <a:solidFill>
+                <a:schemeClr val="bg1"/>
+              </a:solidFill>
+            </a:endParaRPr>
+          </a:p>
+          <a:p>
+            <a:pPr indent="0">
+              <a:buFont typeface="Wingdings" panose="05000000000000000000" charset="0"/>
+              <a:buNone/>
+            </a:pPr>
+            <a:r>
+              <a:rPr lang="zh-CN" altLang="en-US">
+                <a:solidFill>
+                  <a:schemeClr val="bg1"/>
+                </a:solidFill>
+              </a:rPr>
+              <a:t>在TypeScript语言中，函数的形参分为：可选形参、默认形参、剩余参数形参等。</a:t>
+            </a:r>
+            <a:endParaRPr lang="zh-CN" altLang="en-US">
+              <a:solidFill>
+                <a:schemeClr val="bg1"/>
+              </a:solidFill>
+            </a:endParaRPr>
+          </a:p>
+          <a:p>
+            <a:pPr indent="0">
+              <a:buFont typeface="Wingdings" panose="05000000000000000000" charset="0"/>
+              <a:buNone/>
+            </a:pPr>
+            <a:endParaRPr lang="zh-CN" altLang="en-US">
+              <a:solidFill>
+                <a:schemeClr val="bg1"/>
+              </a:solidFill>
+            </a:endParaRPr>
+          </a:p>
+          <a:p>
+            <a:pPr indent="0">
+              <a:buFont typeface="Wingdings" panose="05000000000000000000" charset="0"/>
+              <a:buNone/>
+            </a:pPr>
+            <a:r>
+              <a:rPr lang="en-US" altLang="zh-CN">
+                <a:solidFill>
+                  <a:schemeClr val="bg1"/>
+                </a:solidFill>
+              </a:rPr>
+              <a:t>1. </a:t>
+            </a:r>
+            <a:r>
+              <a:rPr lang="zh-CN" altLang="en-US">
+                <a:solidFill>
+                  <a:schemeClr val="bg1"/>
+                </a:solidFill>
+              </a:rPr>
+              <a:t>有可选参数的函数</a:t>
+            </a:r>
+            <a:endParaRPr lang="zh-CN" altLang="en-US">
+              <a:solidFill>
+                <a:schemeClr val="bg1"/>
+              </a:solidFill>
+            </a:endParaRPr>
+          </a:p>
+          <a:p>
+            <a:pPr indent="0">
+              <a:buFont typeface="Wingdings" panose="05000000000000000000" charset="0"/>
+              <a:buNone/>
+            </a:pPr>
+            <a:r>
+              <a:rPr lang="zh-CN" altLang="en-US">
+                <a:solidFill>
+                  <a:schemeClr val="bg1"/>
+                </a:solidFill>
+              </a:rPr>
+              <a:t>可选参数，就是我们定义形参的时候，可以定义一个可传可不传的参数。这种参数，在定义函数的时候通过?标注</a:t>
+            </a:r>
+            <a:r>
+              <a:rPr lang="en-US" altLang="zh-CN">
+                <a:solidFill>
+                  <a:schemeClr val="bg1"/>
+                </a:solidFill>
+              </a:rPr>
+              <a:t>,</a:t>
+            </a:r>
+            <a:r>
+              <a:rPr lang="zh-CN" altLang="en-US">
+                <a:solidFill>
+                  <a:schemeClr val="bg1"/>
+                </a:solidFill>
+              </a:rPr>
+              <a:t>可选参数必须接在必须参数后面。</a:t>
+            </a:r>
+            <a:endParaRPr lang="zh-CN" altLang="en-US">
+              <a:solidFill>
+                <a:schemeClr val="bg1"/>
+              </a:solidFill>
+            </a:endParaRPr>
+          </a:p>
+          <a:p>
+            <a:pPr indent="0">
+              <a:buFont typeface="Wingdings" panose="05000000000000000000" charset="0"/>
+              <a:buNone/>
+            </a:pPr>
+            <a:r>
+              <a:rPr lang="zh-CN" altLang="en-US">
+                <a:solidFill>
+                  <a:schemeClr val="bg1"/>
+                </a:solidFill>
+              </a:rPr>
+              <a:t>2. 有默认参数的函数</a:t>
+            </a:r>
+            <a:endParaRPr lang="zh-CN" altLang="en-US">
+              <a:solidFill>
+                <a:schemeClr val="bg1"/>
+              </a:solidFill>
+            </a:endParaRPr>
+          </a:p>
+          <a:p>
+            <a:pPr indent="0">
+              <a:buFont typeface="Wingdings" panose="05000000000000000000" charset="0"/>
+              <a:buNone/>
+            </a:pPr>
+            <a:r>
+              <a:rPr lang="en-US" altLang="zh-CN">
+                <a:solidFill>
+                  <a:schemeClr val="bg1"/>
+                </a:solidFill>
+              </a:rPr>
+              <a:t>3. 有剩余参数的函数</a:t>
+            </a:r>
+            <a:r>
+              <a:rPr lang="zh-CN" altLang="en-US">
+                <a:solidFill>
+                  <a:schemeClr val="bg1"/>
+                </a:solidFill>
+              </a:rPr>
+              <a:t>（</a:t>
+            </a:r>
+            <a:r>
+              <a:rPr lang="en-US" altLang="zh-CN">
+                <a:solidFill>
+                  <a:schemeClr val="bg1"/>
+                </a:solidFill>
+              </a:rPr>
+              <a:t>rest</a:t>
+            </a:r>
+            <a:r>
+              <a:rPr lang="zh-CN" altLang="en-US">
+                <a:solidFill>
+                  <a:schemeClr val="bg1"/>
+                </a:solidFill>
+              </a:rPr>
+              <a:t>参数）</a:t>
+            </a:r>
+            <a:endParaRPr lang="en-US" altLang="zh-CN">
+              <a:solidFill>
+                <a:schemeClr val="bg1"/>
+              </a:solidFill>
+            </a:endParaRPr>
+          </a:p>
+          <a:p>
+            <a:pPr indent="0">
+              <a:buFont typeface="Wingdings" panose="05000000000000000000" charset="0"/>
+              <a:buNone/>
+            </a:pPr>
+            <a:r>
+              <a:rPr lang="en-US" altLang="zh-CN">
+                <a:solidFill>
+                  <a:schemeClr val="bg1"/>
+                </a:solidFill>
+              </a:rPr>
+              <a:t>剩余参数就是形参是一个数组，传递几个实参过来都可以直接存在形参的数组中</a:t>
+            </a:r>
+            <a:r>
+              <a:rPr lang="zh-CN" altLang="en-US">
+                <a:solidFill>
+                  <a:schemeClr val="bg1"/>
+                </a:solidFill>
+              </a:rPr>
+              <a:t>，rest 参数只能是最后一个参数</a:t>
+            </a:r>
+            <a:r>
+              <a:rPr lang="en-US" altLang="zh-CN">
+                <a:solidFill>
+                  <a:schemeClr val="bg1"/>
+                </a:solidFill>
+              </a:rPr>
+              <a:t>。</a:t>
+            </a:r>
+            <a:endParaRPr lang="en-US" altLang="zh-CN">
+              <a:solidFill>
+                <a:schemeClr val="bg1"/>
+              </a:solidFill>
+            </a:endParaRPr>
+          </a:p>
+          <a:p>
+            <a:pPr indent="0">
+              <a:buFont typeface="Wingdings" panose="05000000000000000000" charset="0"/>
+              <a:buNone/>
+            </a:pPr>
+            <a:endParaRPr lang="en-US" altLang="zh-CN">
+              <a:solidFill>
+                <a:schemeClr val="bg1"/>
+              </a:solidFill>
+            </a:endParaRPr>
+          </a:p>
+          <a:p>
+            <a:pPr indent="0">
+              <a:buFont typeface="Wingdings" panose="05000000000000000000" charset="0"/>
+              <a:buNone/>
+            </a:pPr>
+            <a:endParaRPr lang="en-US" altLang="zh-CN">
+              <a:solidFill>
+                <a:schemeClr val="bg1"/>
+              </a:solidFill>
+            </a:endParaRPr>
+          </a:p>
+        </p:txBody>
+      </p:sp>
+    </p:spTree>
+  </p:cSld>
+  <p:clrMapOvr>
+    <a:masterClrMapping/>
+  </p:clrMapOvr>
+</p:sld>
+</file>
+
+<file path=ppt/slides/slide2.xml><?xml version="1.0" encoding="utf-8"?>
+<p:sld xmlns:a="http://schemas.openxmlformats.org/drawingml/2006/main" xmlns:r="http://schemas.openxmlformats.org/officeDocument/2006/relationships" xmlns:p="http://schemas.openxmlformats.org/presentationml/2006/main">
+  <p:cSld>
+    <p:spTree>
+      <p:nvGrpSpPr>
+        <p:cNvPr id="1" name=""/>
+        <p:cNvGrpSpPr/>
+        <p:nvPr/>
+      </p:nvGrpSpPr>
+      <p:grpSpPr>
+        <a:xfrm>
+          <a:off x="0" y="0"/>
+          <a:ext cx="0" cy="0"/>
+          <a:chOff x="0" y="0"/>
+          <a:chExt cx="0" cy="0"/>
+        </a:xfrm>
+      </p:grpSpPr>
+      <p:sp>
+        <p:nvSpPr>
+          <p:cNvPr id="2" name="object 2"/>
+          <p:cNvSpPr txBox="1"/>
+          <p:nvPr/>
+        </p:nvSpPr>
+        <p:spPr>
+          <a:xfrm>
+            <a:off x="364998" y="1551165"/>
+            <a:ext cx="8141334" cy="2313940"/>
+          </a:xfrm>
+          <a:prstGeom prst="rect">
+            <a:avLst/>
+          </a:prstGeom>
+        </p:spPr>
+        <p:txBody>
+          <a:bodyPr vert="horz" wrap="square" lIns="0" tIns="12700" rIns="0" bIns="0" rtlCol="0">
+            <a:spAutoFit/>
+          </a:bodyPr>
+          <a:lstStyle/>
+          <a:p>
+            <a:pPr marL="32385">
+              <a:lnSpc>
+                <a:spcPct val="100000"/>
+              </a:lnSpc>
+              <a:spcBef>
+                <a:spcPts val="100"/>
+              </a:spcBef>
+            </a:pPr>
+            <a:r>
+              <a:rPr lang="en-US" sz="2800" spc="-10" dirty="0">
+                <a:solidFill>
+                  <a:srgbClr val="FFFFFF"/>
+                </a:solidFill>
+                <a:latin typeface="Arial" panose="020B0604020202020204"/>
+                <a:cs typeface="Arial" panose="020B0604020202020204"/>
+              </a:rPr>
+              <a:t>1. </a:t>
+            </a:r>
+            <a:r>
+              <a:rPr sz="2800" spc="-10" dirty="0">
+                <a:solidFill>
+                  <a:srgbClr val="FFFFFF"/>
+                </a:solidFill>
+                <a:latin typeface="Arial" panose="020B0604020202020204"/>
+                <a:cs typeface="Arial" panose="020B0604020202020204"/>
+              </a:rPr>
+              <a:t>什么是 TypeScript</a:t>
+            </a:r>
+            <a:r>
+              <a:rPr lang="en-US" altLang="zh-CN" sz="2800" spc="-10" dirty="0">
+                <a:solidFill>
+                  <a:srgbClr val="FFFFFF"/>
+                </a:solidFill>
+                <a:latin typeface="Arial" panose="020B0604020202020204"/>
+                <a:cs typeface="Arial" panose="020B0604020202020204"/>
+              </a:rPr>
+              <a:t>?</a:t>
+            </a:r>
+            <a:endParaRPr lang="en-US" altLang="zh-CN" sz="2800" spc="-10" dirty="0">
+              <a:solidFill>
+                <a:srgbClr val="FFFFFF"/>
+              </a:solidFill>
+              <a:latin typeface="Arial" panose="020B0604020202020204"/>
+              <a:cs typeface="Arial" panose="020B0604020202020204"/>
+            </a:endParaRPr>
+          </a:p>
+          <a:p>
+            <a:pPr>
+              <a:lnSpc>
+                <a:spcPct val="100000"/>
+              </a:lnSpc>
+              <a:spcBef>
+                <a:spcPts val="45"/>
+              </a:spcBef>
+            </a:pPr>
+            <a:endParaRPr sz="2850">
+              <a:latin typeface="Times New Roman" panose="02020603050405020304"/>
+              <a:cs typeface="Times New Roman" panose="02020603050405020304"/>
+            </a:endParaRPr>
+          </a:p>
+          <a:p>
+            <a:pPr marL="424815" marR="5080" indent="-412115">
+              <a:lnSpc>
+                <a:spcPct val="116000"/>
+              </a:lnSpc>
+              <a:buSzPct val="86000"/>
+              <a:buFont typeface="Arial" panose="020B0604020202020204"/>
+              <a:buChar char="●"/>
+              <a:tabLst>
+                <a:tab pos="424815" algn="l"/>
+                <a:tab pos="425450" algn="l"/>
+              </a:tabLst>
+            </a:pPr>
+            <a:r>
+              <a:rPr sz="2000" dirty="0">
+                <a:solidFill>
+                  <a:srgbClr val="FFFFFF"/>
+                </a:solidFill>
+              </a:rPr>
+              <a:t>TypeScript 是 JavaScript 的一个超集，主要提供了类型系统和对 ES6 的支持，它由 Microsoft 开发，代码开源于 GitHub 上。</a:t>
+            </a:r>
+            <a:endParaRPr sz="2000" dirty="0">
+              <a:solidFill>
+                <a:srgbClr val="FFFFFF"/>
+              </a:solidFill>
+            </a:endParaRPr>
+          </a:p>
+          <a:p>
+            <a:pPr marL="424815" marR="5080" indent="-412115">
+              <a:lnSpc>
+                <a:spcPct val="116000"/>
+              </a:lnSpc>
+              <a:buSzPct val="86000"/>
+              <a:buFont typeface="Arial" panose="020B0604020202020204"/>
+              <a:buChar char="●"/>
+              <a:tabLst>
+                <a:tab pos="424815" algn="l"/>
+                <a:tab pos="425450" algn="l"/>
+              </a:tabLst>
+            </a:pPr>
+            <a:r>
+              <a:rPr sz="2000" dirty="0">
+                <a:solidFill>
+                  <a:srgbClr val="FFFFFF"/>
+                </a:solidFill>
+                <a:sym typeface="+mn-ea"/>
+              </a:rPr>
+              <a:t>它可以编译成纯 JavaScript。TypeScript 编译工具可以运行在任何服务器和任何系统上。</a:t>
+            </a:r>
+            <a:endParaRPr sz="2000" dirty="0">
+              <a:solidFill>
+                <a:srgbClr val="FFFFFF"/>
+              </a:solidFill>
+              <a:sym typeface="+mn-ea"/>
+            </a:endParaRPr>
+          </a:p>
+        </p:txBody>
+      </p:sp>
+    </p:spTree>
+  </p:cSld>
+  <p:clrMapOvr>
+    <a:masterClrMapping/>
+  </p:clrMapOvr>
+</p:sld>
+</file>
+
+<file path=ppt/slides/slide20.xml><?xml version="1.0" encoding="utf-8"?>
 <p:sld xmlns:a="http://schemas.openxmlformats.org/drawingml/2006/main" xmlns:r="http://schemas.openxmlformats.org/officeDocument/2006/relationships" xmlns:p="http://schemas.openxmlformats.org/presentationml/2006/main">
   <p:cSld>
     <p:spTree>
@@ -5441,7 +6139,7 @@
 </p:sld>
 </file>
 
-<file path=ppt/slides/slide19.xml><?xml version="1.0" encoding="utf-8"?>
+<file path=ppt/slides/slide21.xml><?xml version="1.0" encoding="utf-8"?>
 <p:sld xmlns:a="http://schemas.openxmlformats.org/drawingml/2006/main" xmlns:r="http://schemas.openxmlformats.org/officeDocument/2006/relationships" xmlns:p="http://schemas.openxmlformats.org/presentationml/2006/main">
   <p:cSld>
     <p:spTree>
@@ -5670,171 +6368,7 @@
 </p:sld>
 </file>
 
-<file path=ppt/slides/slide2.xml><?xml version="1.0" encoding="utf-8"?>
-<p:sld xmlns:a="http://schemas.openxmlformats.org/drawingml/2006/main" xmlns:r="http://schemas.openxmlformats.org/officeDocument/2006/relationships" xmlns:p="http://schemas.openxmlformats.org/presentationml/2006/main">
-  <p:cSld>
-    <p:spTree>
-      <p:nvGrpSpPr>
-        <p:cNvPr id="1" name=""/>
-        <p:cNvGrpSpPr/>
-        <p:nvPr/>
-      </p:nvGrpSpPr>
-      <p:grpSpPr>
-        <a:xfrm>
-          <a:off x="0" y="0"/>
-          <a:ext cx="0" cy="0"/>
-          <a:chOff x="0" y="0"/>
-          <a:chExt cx="0" cy="0"/>
-        </a:xfrm>
-      </p:grpSpPr>
-      <p:sp>
-        <p:nvSpPr>
-          <p:cNvPr id="2" name="object 2"/>
-          <p:cNvSpPr txBox="1"/>
-          <p:nvPr/>
-        </p:nvSpPr>
-        <p:spPr>
-          <a:xfrm>
-            <a:off x="364998" y="1551165"/>
-            <a:ext cx="8141334" cy="2313940"/>
-          </a:xfrm>
-          <a:prstGeom prst="rect">
-            <a:avLst/>
-          </a:prstGeom>
-        </p:spPr>
-        <p:txBody>
-          <a:bodyPr vert="horz" wrap="square" lIns="0" tIns="12700" rIns="0" bIns="0" rtlCol="0">
-            <a:spAutoFit/>
-          </a:bodyPr>
-          <a:lstStyle/>
-          <a:p>
-            <a:pPr marL="32385">
-              <a:lnSpc>
-                <a:spcPct val="100000"/>
-              </a:lnSpc>
-              <a:spcBef>
-                <a:spcPts val="100"/>
-              </a:spcBef>
-            </a:pPr>
-            <a:r>
-              <a:rPr lang="en-US" sz="2800" spc="-10" dirty="0">
-                <a:solidFill>
-                  <a:srgbClr val="FFFFFF"/>
-                </a:solidFill>
-                <a:latin typeface="Arial" panose="020B0604020202020204"/>
-                <a:cs typeface="Arial" panose="020B0604020202020204"/>
-              </a:rPr>
-              <a:t>1. </a:t>
-            </a:r>
-            <a:r>
-              <a:rPr sz="2800" spc="-10" dirty="0">
-                <a:solidFill>
-                  <a:srgbClr val="FFFFFF"/>
-                </a:solidFill>
-                <a:latin typeface="Arial" panose="020B0604020202020204"/>
-                <a:cs typeface="Arial" panose="020B0604020202020204"/>
-              </a:rPr>
-              <a:t>什么是 TypeScript</a:t>
-            </a:r>
-            <a:r>
-              <a:rPr lang="en-US" altLang="zh-CN" sz="2800" spc="-10" dirty="0">
-                <a:solidFill>
-                  <a:srgbClr val="FFFFFF"/>
-                </a:solidFill>
-                <a:latin typeface="Arial" panose="020B0604020202020204"/>
-                <a:cs typeface="Arial" panose="020B0604020202020204"/>
-              </a:rPr>
-              <a:t>?</a:t>
-            </a:r>
-            <a:endParaRPr lang="en-US" altLang="zh-CN" sz="2800" spc="-10" dirty="0">
-              <a:solidFill>
-                <a:srgbClr val="FFFFFF"/>
-              </a:solidFill>
-              <a:latin typeface="Arial" panose="020B0604020202020204"/>
-              <a:cs typeface="Arial" panose="020B0604020202020204"/>
-            </a:endParaRPr>
-          </a:p>
-          <a:p>
-            <a:pPr>
-              <a:lnSpc>
-                <a:spcPct val="100000"/>
-              </a:lnSpc>
-              <a:spcBef>
-                <a:spcPts val="45"/>
-              </a:spcBef>
-            </a:pPr>
-            <a:endParaRPr sz="2850">
-              <a:latin typeface="Times New Roman" panose="02020603050405020304"/>
-              <a:cs typeface="Times New Roman" panose="02020603050405020304"/>
-            </a:endParaRPr>
-          </a:p>
-          <a:p>
-            <a:pPr marL="424815" marR="5080" indent="-412115">
-              <a:lnSpc>
-                <a:spcPct val="116000"/>
-              </a:lnSpc>
-              <a:buSzPct val="86000"/>
-              <a:buFont typeface="Arial" panose="020B0604020202020204"/>
-              <a:buChar char="●"/>
-              <a:tabLst>
-                <a:tab pos="424815" algn="l"/>
-                <a:tab pos="425450" algn="l"/>
-              </a:tabLst>
-            </a:pPr>
-            <a:r>
-              <a:rPr sz="2000" dirty="0">
-                <a:solidFill>
-                  <a:srgbClr val="FFFFFF"/>
-                </a:solidFill>
-              </a:rPr>
-              <a:t>TypeScript 是 JavaScript 的一个超集，主要提供了类型系统和对 ES6 的支持，它由 Microsoft 开发，代码开源于 GitHub 上。</a:t>
-            </a:r>
-            <a:endParaRPr sz="2000" dirty="0">
-              <a:solidFill>
-                <a:srgbClr val="FFFFFF"/>
-              </a:solidFill>
-            </a:endParaRPr>
-          </a:p>
-          <a:p>
-            <a:pPr marL="424815" marR="5080" indent="-412115">
-              <a:lnSpc>
-                <a:spcPct val="116000"/>
-              </a:lnSpc>
-              <a:buSzPct val="86000"/>
-              <a:buFont typeface="Arial" panose="020B0604020202020204"/>
-              <a:buChar char="●"/>
-              <a:tabLst>
-                <a:tab pos="424815" algn="l"/>
-                <a:tab pos="425450" algn="l"/>
-              </a:tabLst>
-            </a:pPr>
-            <a:r>
-              <a:rPr sz="2000" dirty="0">
-                <a:solidFill>
-                  <a:srgbClr val="FFFFFF"/>
-                </a:solidFill>
-                <a:sym typeface="+mn-ea"/>
-              </a:rPr>
-              <a:t>它可以编译成纯 JavaScript。TypeScript 编译工具可以运行在任何服务器和任何系统上。</a:t>
-            </a:r>
-            <a:endParaRPr sz="2000" dirty="0">
-              <a:solidFill>
-                <a:srgbClr val="FFFFFF"/>
-              </a:solidFill>
-              <a:sym typeface="+mn-ea"/>
-            </a:endParaRPr>
-          </a:p>
-        </p:txBody>
-      </p:sp>
-    </p:spTree>
-  </p:cSld>
-  <p:clrMapOvr>
-    <a:masterClrMapping/>
-  </p:clrMapOvr>
-</p:sld>
-</file>
-
-<file path=ppt/slides/slide20.xml><?xml version="1.0" encoding="utf-8"?>
+<file path=ppt/slides/slide22.xml><?xml version="1.0" encoding="utf-8"?>
 <p:sld xmlns:a="http://schemas.openxmlformats.org/drawingml/2006/main" xmlns:r="http://schemas.openxmlformats.org/officeDocument/2006/relationships" xmlns:p="http://schemas.openxmlformats.org/presentationml/2006/main">
   <p:cSld>
     <p:spTree>
@@ -5982,7 +6516,7 @@
 </p:sld>
 </file>
 
-<file path=ppt/slides/slide21.xml><?xml version="1.0" encoding="utf-8"?>
+<file path=ppt/slides/slide23.xml><?xml version="1.0" encoding="utf-8"?>
 <p:sld xmlns:a="http://schemas.openxmlformats.org/drawingml/2006/main" xmlns:r="http://schemas.openxmlformats.org/officeDocument/2006/relationships" xmlns:p="http://schemas.openxmlformats.org/presentationml/2006/main">
   <p:cSld>
     <p:spTree>
@@ -6091,7 +6625,7 @@
 </p:sld>
 </file>
 
-<file path=ppt/slides/slide22.xml><?xml version="1.0" encoding="utf-8"?>
+<file path=ppt/slides/slide24.xml><?xml version="1.0" encoding="utf-8"?>
 <p:sld xmlns:a="http://schemas.openxmlformats.org/drawingml/2006/main" xmlns:r="http://schemas.openxmlformats.org/officeDocument/2006/relationships" xmlns:p="http://schemas.openxmlformats.org/presentationml/2006/main">
   <p:cSld>
     <p:spTree>
@@ -6186,7 +6720,7 @@
 </p:sld>
 </file>
 
-<file path=ppt/slides/slide23.xml><?xml version="1.0" encoding="utf-8"?>
+<file path=ppt/slides/slide25.xml><?xml version="1.0" encoding="utf-8"?>
 <p:sld xmlns:a="http://schemas.openxmlformats.org/drawingml/2006/main" xmlns:r="http://schemas.openxmlformats.org/officeDocument/2006/relationships" xmlns:p="http://schemas.openxmlformats.org/presentationml/2006/main">
   <p:cSld>
     <p:spTree>
@@ -6325,7 +6859,7 @@
 </p:sld>
 </file>
 
-<file path=ppt/slides/slide24.xml><?xml version="1.0" encoding="utf-8"?>
+<file path=ppt/slides/slide26.xml><?xml version="1.0" encoding="utf-8"?>
 <p:sld xmlns:a="http://schemas.openxmlformats.org/drawingml/2006/main" xmlns:r="http://schemas.openxmlformats.org/officeDocument/2006/relationships" xmlns:p="http://schemas.openxmlformats.org/presentationml/2006/main">
   <p:cSld>
     <p:spTree>
@@ -6374,7 +6908,7 @@
 </p:sld>
 </file>
 
-<file path=ppt/slides/slide25.xml><?xml version="1.0" encoding="utf-8"?>
+<file path=ppt/slides/slide27.xml><?xml version="1.0" encoding="utf-8"?>
 <p:sld xmlns:a="http://schemas.openxmlformats.org/drawingml/2006/main" xmlns:r="http://schemas.openxmlformats.org/officeDocument/2006/relationships" xmlns:p="http://schemas.openxmlformats.org/presentationml/2006/main">
   <p:cSld>
     <p:spTree>
@@ -6472,7 +7006,7 @@
 </p:sld>
 </file>
 
-<file path=ppt/slides/slide26.xml><?xml version="1.0" encoding="utf-8"?>
+<file path=ppt/slides/slide28.xml><?xml version="1.0" encoding="utf-8"?>
 <p:sld xmlns:a="http://schemas.openxmlformats.org/drawingml/2006/main" xmlns:r="http://schemas.openxmlformats.org/officeDocument/2006/relationships" xmlns:p="http://schemas.openxmlformats.org/presentationml/2006/main">
   <p:cSld>
     <p:spTree>
@@ -6632,236 +7166,6 @@
 </p:sld>
 </file>
 
-<file path=ppt/slides/slide27.xml><?xml version="1.0" encoding="utf-8"?>
-<p:sld xmlns:a="http://schemas.openxmlformats.org/drawingml/2006/main" xmlns:r="http://schemas.openxmlformats.org/officeDocument/2006/relationships" xmlns:p="http://schemas.openxmlformats.org/presentationml/2006/main">
-  <p:cSld>
-    <p:spTree>
-      <p:nvGrpSpPr>
-        <p:cNvPr id="1" name=""/>
-        <p:cNvGrpSpPr/>
-        <p:nvPr/>
-      </p:nvGrpSpPr>
-      <p:grpSpPr>
-        <a:xfrm>
-          <a:off x="0" y="0"/>
-          <a:ext cx="0" cy="0"/>
-          <a:chOff x="0" y="0"/>
-          <a:chExt cx="0" cy="0"/>
-        </a:xfrm>
-      </p:grpSpPr>
-      <p:sp>
-        <p:nvSpPr>
-          <p:cNvPr id="2" name="object 2"/>
-          <p:cNvSpPr txBox="1">
-            <a:spLocks noGrp="1"/>
-          </p:cNvSpPr>
-          <p:nvPr>
-            <p:ph type="title"/>
-          </p:nvPr>
-        </p:nvSpPr>
-        <p:spPr>
-          <a:xfrm>
-            <a:off x="384810" y="652145"/>
-            <a:ext cx="4337685" cy="443230"/>
-          </a:xfrm>
-          <a:prstGeom prst="rect">
-            <a:avLst/>
-          </a:prstGeom>
-        </p:spPr>
-        <p:txBody>
-          <a:bodyPr vert="horz" wrap="square" lIns="0" tIns="12700" rIns="0" bIns="0" rtlCol="0">
-            <a:spAutoFit/>
-          </a:bodyPr>
-          <a:lstStyle/>
-          <a:p>
-            <a:pPr marL="12700">
-              <a:lnSpc>
-                <a:spcPct val="100000"/>
-              </a:lnSpc>
-              <a:spcBef>
-                <a:spcPts val="100"/>
-              </a:spcBef>
-            </a:pPr>
-            <a:r>
-              <a:rPr lang="en-US" sz="2800" spc="-10" dirty="0">
-                <a:latin typeface="Arial" panose="020B0604020202020204"/>
-                <a:cs typeface="Arial" panose="020B0604020202020204"/>
-              </a:rPr>
-              <a:t>Vuex</a:t>
-            </a:r>
-            <a:r>
-              <a:rPr lang="zh-CN" sz="2800" spc="-10" dirty="0">
-                <a:latin typeface="Arial" panose="020B0604020202020204"/>
-                <a:cs typeface="Arial" panose="020B0604020202020204"/>
-              </a:rPr>
-              <a:t>是什么？</a:t>
-            </a:r>
-            <a:endParaRPr lang="zh-CN" sz="2800" spc="-10" dirty="0">
-              <a:latin typeface="Arial" panose="020B0604020202020204"/>
-              <a:cs typeface="Arial" panose="020B0604020202020204"/>
-            </a:endParaRPr>
-          </a:p>
-        </p:txBody>
-      </p:sp>
-      <p:sp>
-        <p:nvSpPr>
-          <p:cNvPr id="3" name="object 3"/>
-          <p:cNvSpPr txBox="1"/>
-          <p:nvPr/>
-        </p:nvSpPr>
-        <p:spPr>
-          <a:xfrm>
-            <a:off x="384810" y="1419225"/>
-            <a:ext cx="8409305" cy="1306830"/>
-          </a:xfrm>
-          <a:prstGeom prst="rect">
-            <a:avLst/>
-          </a:prstGeom>
-        </p:spPr>
-        <p:txBody>
-          <a:bodyPr vert="horz" wrap="square" lIns="0" tIns="199390" rIns="0" bIns="0" rtlCol="0">
-            <a:spAutoFit/>
-          </a:bodyPr>
-          <a:lstStyle/>
-          <a:p>
-            <a:pPr marL="424815" indent="-412115">
-              <a:lnSpc>
-                <a:spcPct val="100000"/>
-              </a:lnSpc>
-              <a:spcBef>
-                <a:spcPts val="1570"/>
-              </a:spcBef>
-              <a:buClr>
-                <a:srgbClr val="FFFFFF"/>
-              </a:buClr>
-              <a:buChar char="●"/>
-              <a:tabLst>
-                <a:tab pos="424815" algn="l"/>
-                <a:tab pos="425450" algn="l"/>
-              </a:tabLst>
-            </a:pPr>
-            <a:r>
-              <a:rPr lang="zh-CN" sz="2400" dirty="0">
-                <a:solidFill>
-                  <a:srgbClr val="FFFFFF"/>
-                </a:solidFill>
-                <a:latin typeface="Arial" panose="020B0604020202020204"/>
-                <a:cs typeface="Arial" panose="020B0604020202020204"/>
-              </a:rPr>
-              <a:t>Vuex 是一个专为 Vue.js 应用程序开发的状态管理模式。它采用集中式存储管理应用的所有组件的状态，并以相应的规则保证状态以一种可预测的方式发生变化。</a:t>
-            </a:r>
-            <a:endParaRPr lang="zh-CN" sz="2400" dirty="0">
-              <a:solidFill>
-                <a:srgbClr val="FFFFFF"/>
-              </a:solidFill>
-              <a:latin typeface="Arial" panose="020B0604020202020204"/>
-              <a:cs typeface="Arial" panose="020B0604020202020204"/>
-            </a:endParaRPr>
-          </a:p>
-        </p:txBody>
-      </p:sp>
-    </p:spTree>
-  </p:cSld>
-  <p:clrMapOvr>
-    <a:masterClrMapping/>
-  </p:clrMapOvr>
-</p:sld>
-</file>
-
-<file path=ppt/slides/slide28.xml><?xml version="1.0" encoding="utf-8"?>
-<p:sld xmlns:a="http://schemas.openxmlformats.org/drawingml/2006/main" xmlns:r="http://schemas.openxmlformats.org/officeDocument/2006/relationships" xmlns:p="http://schemas.openxmlformats.org/presentationml/2006/main">
-  <p:cSld>
-    <p:spTree>
-      <p:nvGrpSpPr>
-        <p:cNvPr id="1" name=""/>
-        <p:cNvGrpSpPr/>
-        <p:nvPr/>
-      </p:nvGrpSpPr>
-      <p:grpSpPr>
-        <a:xfrm>
-          <a:off x="0" y="0"/>
-          <a:ext cx="0" cy="0"/>
-          <a:chOff x="0" y="0"/>
-          <a:chExt cx="0" cy="0"/>
-        </a:xfrm>
-      </p:grpSpPr>
-      <p:sp>
-        <p:nvSpPr>
-          <p:cNvPr id="2" name="object 2"/>
-          <p:cNvSpPr txBox="1">
-            <a:spLocks noGrp="1"/>
-          </p:cNvSpPr>
-          <p:nvPr>
-            <p:ph type="title"/>
-          </p:nvPr>
-        </p:nvSpPr>
-        <p:spPr>
-          <a:xfrm>
-            <a:off x="785495" y="3145790"/>
-            <a:ext cx="7572375" cy="566420"/>
-          </a:xfrm>
-          <a:prstGeom prst="rect">
-            <a:avLst/>
-          </a:prstGeom>
-        </p:spPr>
-        <p:txBody>
-          <a:bodyPr vert="horz" wrap="square" lIns="0" tIns="12700" rIns="0" bIns="0" rtlCol="0">
-            <a:spAutoFit/>
-          </a:bodyPr>
-          <a:lstStyle/>
-          <a:p>
-            <a:pPr marL="12700">
-              <a:lnSpc>
-                <a:spcPct val="100000"/>
-              </a:lnSpc>
-              <a:spcBef>
-                <a:spcPts val="100"/>
-              </a:spcBef>
-            </a:pPr>
-            <a:r>
-              <a:rPr sz="3600" spc="-5" dirty="0">
-                <a:solidFill>
-                  <a:srgbClr val="EFEFEF"/>
-                </a:solidFill>
-              </a:rPr>
-              <a:t>“</a:t>
-            </a:r>
-            <a:r>
-              <a:rPr lang="en-US" sz="3600" spc="-5" dirty="0">
-                <a:solidFill>
-                  <a:srgbClr val="EFEFEF"/>
-                </a:solidFill>
-              </a:rPr>
-              <a:t>Vue</a:t>
-            </a:r>
-            <a:r>
-              <a:rPr lang="zh-CN" altLang="en-US" sz="3600" spc="-5" dirty="0">
-                <a:solidFill>
-                  <a:srgbClr val="EFEFEF"/>
-                </a:solidFill>
-              </a:rPr>
-              <a:t>组件也并没有想象中那么好用？</a:t>
-            </a:r>
-            <a:r>
-              <a:rPr sz="3600" spc="-5" dirty="0">
-                <a:solidFill>
-                  <a:srgbClr val="EFEFEF"/>
-                </a:solidFill>
-              </a:rPr>
-              <a:t>”</a:t>
-            </a:r>
-            <a:endParaRPr sz="3600"/>
-          </a:p>
-        </p:txBody>
-      </p:sp>
-    </p:spTree>
-  </p:cSld>
-  <p:clrMapOvr>
-    <a:masterClrMapping/>
-  </p:clrMapOvr>
-</p:sld>
-</file>
-
 <file path=ppt/slides/slide29.xml><?xml version="1.0" encoding="utf-8"?>
 <p:sld xmlns:a="http://schemas.openxmlformats.org/drawingml/2006/main" xmlns:r="http://schemas.openxmlformats.org/officeDocument/2006/relationships" xmlns:p="http://schemas.openxmlformats.org/presentationml/2006/main">
   <p:cSld>
@@ -6913,13 +7217,20 @@
               </a:spcBef>
             </a:pPr>
             <a:r>
-              <a:rPr lang="zh-CN" altLang="en-US" sz="2800" spc="-10" dirty="0">
+              <a:rPr lang="en-US" sz="2800" spc="-10" dirty="0">
                 <a:latin typeface="Arial" panose="020B0604020202020204"/>
                 <a:cs typeface="Arial" panose="020B0604020202020204"/>
               </a:rPr>
-              <a:t>常规组件写法的痛点</a:t>
-            </a:r>
-            <a:endParaRPr lang="zh-CN" altLang="en-US" sz="2800" spc="-10" dirty="0">
+              <a:t>Vuex</a:t>
+            </a:r>
+            <a:r>
+              <a:rPr lang="zh-CN" sz="2800" spc="-10" dirty="0">
+                <a:latin typeface="Arial" panose="020B0604020202020204"/>
+                <a:cs typeface="Arial" panose="020B0604020202020204"/>
+              </a:rPr>
+              <a:t>是什么？</a:t>
+            </a:r>
+            <a:endParaRPr lang="zh-CN" sz="2800" spc="-10" dirty="0">
               <a:latin typeface="Arial" panose="020B0604020202020204"/>
               <a:cs typeface="Arial" panose="020B0604020202020204"/>
             </a:endParaRPr>
@@ -6935,7 +7246,7 @@
         <p:spPr>
           <a:xfrm>
             <a:off x="384810" y="1419225"/>
-            <a:ext cx="8409305" cy="937895"/>
+            <a:ext cx="8409305" cy="1306830"/>
           </a:xfrm>
           <a:prstGeom prst="rect">
             <a:avLst/>
@@ -6971,119 +7282,7 @@
                 <a:latin typeface="Arial" panose="020B0604020202020204"/>
                 <a:cs typeface="Arial" panose="020B0604020202020204"/>
               </a:rPr>
-              <a:t>全局定义 (Global definitions) 强制要求每个 component 中的命名不得重复</a:t>
-            </a:r>
-            <a:endParaRPr lang="zh-CN" sz="2400" dirty="0">
-              <a:solidFill>
-                <a:srgbClr val="FFFFFF"/>
-              </a:solidFill>
-              <a:latin typeface="Arial" panose="020B0604020202020204"/>
-              <a:cs typeface="Arial" panose="020B0604020202020204"/>
-            </a:endParaRPr>
-          </a:p>
-        </p:txBody>
-      </p:sp>
-      <p:sp>
-        <p:nvSpPr>
-          <p:cNvPr id="5" name="object 3"/>
-          <p:cNvSpPr txBox="1"/>
-          <p:nvPr/>
-        </p:nvSpPr>
-        <p:spPr>
-          <a:xfrm>
-            <a:off x="384810" y="2357120"/>
-            <a:ext cx="8409940" cy="937895"/>
-          </a:xfrm>
-          <a:prstGeom prst="rect">
-            <a:avLst/>
-          </a:prstGeom>
-        </p:spPr>
-        <p:txBody>
-          <a:bodyPr vert="horz" wrap="square" lIns="0" tIns="199390" rIns="0" bIns="0" rtlCol="0">
-            <a:spAutoFit/>
-          </a:bodyPr>
-          <a:p>
-            <a:pPr marL="424815" indent="-412115">
-              <a:lnSpc>
-                <a:spcPct val="100000"/>
-              </a:lnSpc>
-              <a:spcBef>
-                <a:spcPts val="1570"/>
-              </a:spcBef>
-              <a:buClr>
-                <a:srgbClr val="FFFFFF"/>
-              </a:buClr>
-              <a:buChar char="●"/>
-              <a:tabLst>
-                <a:tab pos="424815" algn="l"/>
-                <a:tab pos="425450" algn="l"/>
-              </a:tabLst>
-            </a:pPr>
-            <a:r>
-              <a:rPr lang="zh-CN" sz="2400" dirty="0">
-                <a:solidFill>
-                  <a:srgbClr val="FFFFFF"/>
-                </a:solidFill>
-                <a:latin typeface="Arial" panose="020B0604020202020204"/>
-                <a:cs typeface="Arial" panose="020B0604020202020204"/>
-              </a:rPr>
-              <a:t>字符串模板 (String templates) 缺乏语法高亮，在 HTML 有多行的时候，需要用到丑陋的 \</a:t>
-            </a:r>
-            <a:endParaRPr lang="zh-CN" sz="2400" dirty="0">
-              <a:solidFill>
-                <a:srgbClr val="FFFFFF"/>
-              </a:solidFill>
-              <a:latin typeface="Arial" panose="020B0604020202020204"/>
-              <a:cs typeface="Arial" panose="020B0604020202020204"/>
-            </a:endParaRPr>
-          </a:p>
-        </p:txBody>
-      </p:sp>
-      <p:sp>
-        <p:nvSpPr>
-          <p:cNvPr id="6" name="object 3"/>
-          <p:cNvSpPr txBox="1"/>
-          <p:nvPr/>
-        </p:nvSpPr>
-        <p:spPr>
-          <a:xfrm>
-            <a:off x="384810" y="3392805"/>
-            <a:ext cx="8409940" cy="937895"/>
-          </a:xfrm>
-          <a:prstGeom prst="rect">
-            <a:avLst/>
-          </a:prstGeom>
-        </p:spPr>
-        <p:txBody>
-          <a:bodyPr vert="horz" wrap="square" lIns="0" tIns="199390" rIns="0" bIns="0" rtlCol="0">
-            <a:spAutoFit/>
-          </a:bodyPr>
-          <a:p>
-            <a:pPr marL="424815" indent="-412115">
-              <a:lnSpc>
-                <a:spcPct val="100000"/>
-              </a:lnSpc>
-              <a:spcBef>
-                <a:spcPts val="1570"/>
-              </a:spcBef>
-              <a:buClr>
-                <a:srgbClr val="FFFFFF"/>
-              </a:buClr>
-              <a:buChar char="●"/>
-              <a:tabLst>
-                <a:tab pos="424815" algn="l"/>
-                <a:tab pos="425450" algn="l"/>
-              </a:tabLst>
-            </a:pPr>
-            <a:r>
-              <a:rPr lang="zh-CN" sz="2400" dirty="0">
-                <a:solidFill>
-                  <a:srgbClr val="FFFFFF"/>
-                </a:solidFill>
-                <a:latin typeface="Arial" panose="020B0604020202020204"/>
-                <a:cs typeface="Arial" panose="020B0604020202020204"/>
-              </a:rPr>
-              <a:t>不支持 CSS (No CSS support) 意味着当 HTML 和 JavaScript 组件化时，CSS 明显被遗漏</a:t>
+              <a:t>Vuex 是一个专为 Vue.js 应用程序开发的状态管理模式。它采用集中式存储管理应用的所有组件的状态，并以相应的规则保证状态以一种可预测的方式发生变化。</a:t>
             </a:r>
             <a:endParaRPr lang="zh-CN" sz="2400" dirty="0">
               <a:solidFill>
@@ -7199,6 +7398,341 @@
       <p:sp>
         <p:nvSpPr>
           <p:cNvPr id="2" name="object 2"/>
+          <p:cNvSpPr txBox="1">
+            <a:spLocks noGrp="1"/>
+          </p:cNvSpPr>
+          <p:nvPr>
+            <p:ph type="title"/>
+          </p:nvPr>
+        </p:nvSpPr>
+        <p:spPr>
+          <a:xfrm>
+            <a:off x="785495" y="3145790"/>
+            <a:ext cx="7572375" cy="566420"/>
+          </a:xfrm>
+          <a:prstGeom prst="rect">
+            <a:avLst/>
+          </a:prstGeom>
+        </p:spPr>
+        <p:txBody>
+          <a:bodyPr vert="horz" wrap="square" lIns="0" tIns="12700" rIns="0" bIns="0" rtlCol="0">
+            <a:spAutoFit/>
+          </a:bodyPr>
+          <a:lstStyle/>
+          <a:p>
+            <a:pPr marL="12700">
+              <a:lnSpc>
+                <a:spcPct val="100000"/>
+              </a:lnSpc>
+              <a:spcBef>
+                <a:spcPts val="100"/>
+              </a:spcBef>
+            </a:pPr>
+            <a:r>
+              <a:rPr sz="3600" spc="-5" dirty="0">
+                <a:solidFill>
+                  <a:srgbClr val="EFEFEF"/>
+                </a:solidFill>
+              </a:rPr>
+              <a:t>“</a:t>
+            </a:r>
+            <a:r>
+              <a:rPr lang="en-US" sz="3600" spc="-5" dirty="0">
+                <a:solidFill>
+                  <a:srgbClr val="EFEFEF"/>
+                </a:solidFill>
+              </a:rPr>
+              <a:t>Vue</a:t>
+            </a:r>
+            <a:r>
+              <a:rPr lang="zh-CN" altLang="en-US" sz="3600" spc="-5" dirty="0">
+                <a:solidFill>
+                  <a:srgbClr val="EFEFEF"/>
+                </a:solidFill>
+              </a:rPr>
+              <a:t>组件也并没有想象中那么好用？</a:t>
+            </a:r>
+            <a:r>
+              <a:rPr sz="3600" spc="-5" dirty="0">
+                <a:solidFill>
+                  <a:srgbClr val="EFEFEF"/>
+                </a:solidFill>
+              </a:rPr>
+              <a:t>”</a:t>
+            </a:r>
+            <a:endParaRPr sz="3600"/>
+          </a:p>
+        </p:txBody>
+      </p:sp>
+    </p:spTree>
+  </p:cSld>
+  <p:clrMapOvr>
+    <a:masterClrMapping/>
+  </p:clrMapOvr>
+</p:sld>
+</file>
+
+<file path=ppt/slides/slide31.xml><?xml version="1.0" encoding="utf-8"?>
+<p:sld xmlns:a="http://schemas.openxmlformats.org/drawingml/2006/main" xmlns:r="http://schemas.openxmlformats.org/officeDocument/2006/relationships" xmlns:p="http://schemas.openxmlformats.org/presentationml/2006/main">
+  <p:cSld>
+    <p:spTree>
+      <p:nvGrpSpPr>
+        <p:cNvPr id="1" name=""/>
+        <p:cNvGrpSpPr/>
+        <p:nvPr/>
+      </p:nvGrpSpPr>
+      <p:grpSpPr>
+        <a:xfrm>
+          <a:off x="0" y="0"/>
+          <a:ext cx="0" cy="0"/>
+          <a:chOff x="0" y="0"/>
+          <a:chExt cx="0" cy="0"/>
+        </a:xfrm>
+      </p:grpSpPr>
+      <p:sp>
+        <p:nvSpPr>
+          <p:cNvPr id="2" name="object 2"/>
+          <p:cNvSpPr txBox="1">
+            <a:spLocks noGrp="1"/>
+          </p:cNvSpPr>
+          <p:nvPr>
+            <p:ph type="title"/>
+          </p:nvPr>
+        </p:nvSpPr>
+        <p:spPr>
+          <a:xfrm>
+            <a:off x="384810" y="652145"/>
+            <a:ext cx="4337685" cy="443230"/>
+          </a:xfrm>
+          <a:prstGeom prst="rect">
+            <a:avLst/>
+          </a:prstGeom>
+        </p:spPr>
+        <p:txBody>
+          <a:bodyPr vert="horz" wrap="square" lIns="0" tIns="12700" rIns="0" bIns="0" rtlCol="0">
+            <a:spAutoFit/>
+          </a:bodyPr>
+          <a:lstStyle/>
+          <a:p>
+            <a:pPr marL="12700">
+              <a:lnSpc>
+                <a:spcPct val="100000"/>
+              </a:lnSpc>
+              <a:spcBef>
+                <a:spcPts val="100"/>
+              </a:spcBef>
+            </a:pPr>
+            <a:r>
+              <a:rPr lang="zh-CN" altLang="en-US" sz="2800" spc="-10" dirty="0">
+                <a:latin typeface="Arial" panose="020B0604020202020204"/>
+                <a:cs typeface="Arial" panose="020B0604020202020204"/>
+              </a:rPr>
+              <a:t>常规组件写法的痛点</a:t>
+            </a:r>
+            <a:endParaRPr lang="zh-CN" altLang="en-US" sz="2800" spc="-10" dirty="0">
+              <a:latin typeface="Arial" panose="020B0604020202020204"/>
+              <a:cs typeface="Arial" panose="020B0604020202020204"/>
+            </a:endParaRPr>
+          </a:p>
+        </p:txBody>
+      </p:sp>
+      <p:sp>
+        <p:nvSpPr>
+          <p:cNvPr id="3" name="object 3"/>
+          <p:cNvSpPr txBox="1"/>
+          <p:nvPr/>
+        </p:nvSpPr>
+        <p:spPr>
+          <a:xfrm>
+            <a:off x="384810" y="1419225"/>
+            <a:ext cx="8409305" cy="937895"/>
+          </a:xfrm>
+          <a:prstGeom prst="rect">
+            <a:avLst/>
+          </a:prstGeom>
+        </p:spPr>
+        <p:txBody>
+          <a:bodyPr vert="horz" wrap="square" lIns="0" tIns="199390" rIns="0" bIns="0" rtlCol="0">
+            <a:spAutoFit/>
+          </a:bodyPr>
+          <a:lstStyle/>
+          <a:p>
+            <a:pPr marL="424815" indent="-412115">
+              <a:lnSpc>
+                <a:spcPct val="100000"/>
+              </a:lnSpc>
+              <a:spcBef>
+                <a:spcPts val="1570"/>
+              </a:spcBef>
+              <a:buClr>
+                <a:srgbClr val="FFFFFF"/>
+              </a:buClr>
+              <a:buChar char="●"/>
+              <a:tabLst>
+                <a:tab pos="424815" algn="l"/>
+                <a:tab pos="425450" algn="l"/>
+              </a:tabLst>
+            </a:pPr>
+            <a:r>
+              <a:rPr lang="zh-CN" sz="2400" dirty="0">
+                <a:solidFill>
+                  <a:srgbClr val="FFFFFF"/>
+                </a:solidFill>
+                <a:latin typeface="Arial" panose="020B0604020202020204"/>
+                <a:cs typeface="Arial" panose="020B0604020202020204"/>
+              </a:rPr>
+              <a:t>全局定义 (Global definitions) 强制要求每个 component 中的命名不得重复</a:t>
+            </a:r>
+            <a:endParaRPr lang="zh-CN" sz="2400" dirty="0">
+              <a:solidFill>
+                <a:srgbClr val="FFFFFF"/>
+              </a:solidFill>
+              <a:latin typeface="Arial" panose="020B0604020202020204"/>
+              <a:cs typeface="Arial" panose="020B0604020202020204"/>
+            </a:endParaRPr>
+          </a:p>
+        </p:txBody>
+      </p:sp>
+      <p:sp>
+        <p:nvSpPr>
+          <p:cNvPr id="5" name="object 3"/>
+          <p:cNvSpPr txBox="1"/>
+          <p:nvPr/>
+        </p:nvSpPr>
+        <p:spPr>
+          <a:xfrm>
+            <a:off x="384810" y="2357120"/>
+            <a:ext cx="8409940" cy="937895"/>
+          </a:xfrm>
+          <a:prstGeom prst="rect">
+            <a:avLst/>
+          </a:prstGeom>
+        </p:spPr>
+        <p:txBody>
+          <a:bodyPr vert="horz" wrap="square" lIns="0" tIns="199390" rIns="0" bIns="0" rtlCol="0">
+            <a:spAutoFit/>
+          </a:bodyPr>
+          <a:p>
+            <a:pPr marL="424815" indent="-412115">
+              <a:lnSpc>
+                <a:spcPct val="100000"/>
+              </a:lnSpc>
+              <a:spcBef>
+                <a:spcPts val="1570"/>
+              </a:spcBef>
+              <a:buClr>
+                <a:srgbClr val="FFFFFF"/>
+              </a:buClr>
+              <a:buChar char="●"/>
+              <a:tabLst>
+                <a:tab pos="424815" algn="l"/>
+                <a:tab pos="425450" algn="l"/>
+              </a:tabLst>
+            </a:pPr>
+            <a:r>
+              <a:rPr lang="zh-CN" sz="2400" dirty="0">
+                <a:solidFill>
+                  <a:srgbClr val="FFFFFF"/>
+                </a:solidFill>
+                <a:latin typeface="Arial" panose="020B0604020202020204"/>
+                <a:cs typeface="Arial" panose="020B0604020202020204"/>
+              </a:rPr>
+              <a:t>字符串模板 (String templates) 缺乏语法高亮，在 HTML 有多行的时候，需要用到丑陋的 \</a:t>
+            </a:r>
+            <a:endParaRPr lang="zh-CN" sz="2400" dirty="0">
+              <a:solidFill>
+                <a:srgbClr val="FFFFFF"/>
+              </a:solidFill>
+              <a:latin typeface="Arial" panose="020B0604020202020204"/>
+              <a:cs typeface="Arial" panose="020B0604020202020204"/>
+            </a:endParaRPr>
+          </a:p>
+        </p:txBody>
+      </p:sp>
+      <p:sp>
+        <p:nvSpPr>
+          <p:cNvPr id="6" name="object 3"/>
+          <p:cNvSpPr txBox="1"/>
+          <p:nvPr/>
+        </p:nvSpPr>
+        <p:spPr>
+          <a:xfrm>
+            <a:off x="384810" y="3392805"/>
+            <a:ext cx="8409940" cy="937895"/>
+          </a:xfrm>
+          <a:prstGeom prst="rect">
+            <a:avLst/>
+          </a:prstGeom>
+        </p:spPr>
+        <p:txBody>
+          <a:bodyPr vert="horz" wrap="square" lIns="0" tIns="199390" rIns="0" bIns="0" rtlCol="0">
+            <a:spAutoFit/>
+          </a:bodyPr>
+          <a:p>
+            <a:pPr marL="424815" indent="-412115">
+              <a:lnSpc>
+                <a:spcPct val="100000"/>
+              </a:lnSpc>
+              <a:spcBef>
+                <a:spcPts val="1570"/>
+              </a:spcBef>
+              <a:buClr>
+                <a:srgbClr val="FFFFFF"/>
+              </a:buClr>
+              <a:buChar char="●"/>
+              <a:tabLst>
+                <a:tab pos="424815" algn="l"/>
+                <a:tab pos="425450" algn="l"/>
+              </a:tabLst>
+            </a:pPr>
+            <a:r>
+              <a:rPr lang="zh-CN" sz="2400" dirty="0">
+                <a:solidFill>
+                  <a:srgbClr val="FFFFFF"/>
+                </a:solidFill>
+                <a:latin typeface="Arial" panose="020B0604020202020204"/>
+                <a:cs typeface="Arial" panose="020B0604020202020204"/>
+              </a:rPr>
+              <a:t>不支持 CSS (No CSS support) 意味着当 HTML 和 JavaScript 组件化时，CSS 明显被遗漏</a:t>
+            </a:r>
+            <a:endParaRPr lang="zh-CN" sz="2400" dirty="0">
+              <a:solidFill>
+                <a:srgbClr val="FFFFFF"/>
+              </a:solidFill>
+              <a:latin typeface="Arial" panose="020B0604020202020204"/>
+              <a:cs typeface="Arial" panose="020B0604020202020204"/>
+            </a:endParaRPr>
+          </a:p>
+        </p:txBody>
+      </p:sp>
+    </p:spTree>
+  </p:cSld>
+  <p:clrMapOvr>
+    <a:masterClrMapping/>
+  </p:clrMapOvr>
+</p:sld>
+</file>
+
+<file path=ppt/slides/slide32.xml><?xml version="1.0" encoding="utf-8"?>
+<p:sld xmlns:a="http://schemas.openxmlformats.org/drawingml/2006/main" xmlns:r="http://schemas.openxmlformats.org/officeDocument/2006/relationships" xmlns:p="http://schemas.openxmlformats.org/presentationml/2006/main">
+  <p:cSld>
+    <p:spTree>
+      <p:nvGrpSpPr>
+        <p:cNvPr id="1" name=""/>
+        <p:cNvGrpSpPr/>
+        <p:nvPr/>
+      </p:nvGrpSpPr>
+      <p:grpSpPr>
+        <a:xfrm>
+          <a:off x="0" y="0"/>
+          <a:ext cx="0" cy="0"/>
+          <a:chOff x="0" y="0"/>
+          <a:chExt cx="0" cy="0"/>
+        </a:xfrm>
+      </p:grpSpPr>
+      <p:sp>
+        <p:nvSpPr>
+          <p:cNvPr id="2" name="object 2"/>
           <p:cNvSpPr txBox="1"/>
           <p:nvPr/>
         </p:nvSpPr>
@@ -7277,7 +7811,7 @@
 </p:sld>
 </file>
 
-<file path=ppt/slides/slide31.xml><?xml version="1.0" encoding="utf-8"?>
+<file path=ppt/slides/slide33.xml><?xml version="1.0" encoding="utf-8"?>
 <p:sld xmlns:a="http://schemas.openxmlformats.org/drawingml/2006/main" xmlns:r="http://schemas.openxmlformats.org/officeDocument/2006/relationships" xmlns:p="http://schemas.openxmlformats.org/presentationml/2006/main">
   <p:cSld>
     <p:spTree>
@@ -7372,7 +7906,7 @@
 </p:sld>
 </file>
 
-<file path=ppt/slides/slide32.xml><?xml version="1.0" encoding="utf-8"?>
+<file path=ppt/slides/slide34.xml><?xml version="1.0" encoding="utf-8"?>
 <p:sld xmlns:a="http://schemas.openxmlformats.org/drawingml/2006/main" xmlns:r="http://schemas.openxmlformats.org/officeDocument/2006/relationships" xmlns:p="http://schemas.openxmlformats.org/presentationml/2006/main">
   <p:cSld>
     <p:spTree>
@@ -7467,7 +8001,7 @@
 </p:sld>
 </file>
 
-<file path=ppt/slides/slide33.xml><?xml version="1.0" encoding="utf-8"?>
+<file path=ppt/slides/slide35.xml><?xml version="1.0" encoding="utf-8"?>
 <p:sld xmlns:a="http://schemas.openxmlformats.org/drawingml/2006/main" xmlns:r="http://schemas.openxmlformats.org/officeDocument/2006/relationships" xmlns:p="http://schemas.openxmlformats.org/presentationml/2006/main">
   <p:cSld>
     <p:spTree>
@@ -7728,7 +8262,7 @@
 </p:sld>
 </file>
 
-<file path=ppt/slides/slide34.xml><?xml version="1.0" encoding="utf-8"?>
+<file path=ppt/slides/slide36.xml><?xml version="1.0" encoding="utf-8"?>
 <p:sld xmlns:a="http://schemas.openxmlformats.org/drawingml/2006/main" xmlns:r="http://schemas.openxmlformats.org/officeDocument/2006/relationships" xmlns:p="http://schemas.openxmlformats.org/presentationml/2006/main">
   <p:cSld>
     <p:spTree>
@@ -8266,7 +8800,7 @@
 </p:sld>
 </file>
 
-<file path=ppt/slides/slide35.xml><?xml version="1.0" encoding="utf-8"?>
+<file path=ppt/slides/slide37.xml><?xml version="1.0" encoding="utf-8"?>
 <p:sld xmlns:a="http://schemas.openxmlformats.org/drawingml/2006/main" xmlns:r="http://schemas.openxmlformats.org/officeDocument/2006/relationships" xmlns:p="http://schemas.openxmlformats.org/presentationml/2006/main">
   <p:cSld>
     <p:spTree>
@@ -8621,7 +9155,7 @@
 </p:sld>
 </file>
 
-<file path=ppt/slides/slide36.xml><?xml version="1.0" encoding="utf-8"?>
+<file path=ppt/slides/slide38.xml><?xml version="1.0" encoding="utf-8"?>
 <p:sld xmlns:a="http://schemas.openxmlformats.org/drawingml/2006/main" xmlns:r="http://schemas.openxmlformats.org/officeDocument/2006/relationships" xmlns:p="http://schemas.openxmlformats.org/presentationml/2006/main">
   <p:cSld>
     <p:spTree>
@@ -8954,7 +9488,7 @@
 </p:sld>
 </file>
 
-<file path=ppt/slides/slide37.xml><?xml version="1.0" encoding="utf-8"?>
+<file path=ppt/slides/slide39.xml><?xml version="1.0" encoding="utf-8"?>
 <p:sld xmlns:a="http://schemas.openxmlformats.org/drawingml/2006/main" xmlns:r="http://schemas.openxmlformats.org/officeDocument/2006/relationships" xmlns:p="http://schemas.openxmlformats.org/presentationml/2006/main">
   <p:cSld>
     <p:spTree>
@@ -9286,319 +9820,6 @@
 </p:sld>
 </file>
 
-<file path=ppt/slides/slide38.xml><?xml version="1.0" encoding="utf-8"?>
-<p:sld xmlns:a="http://schemas.openxmlformats.org/drawingml/2006/main" xmlns:r="http://schemas.openxmlformats.org/officeDocument/2006/relationships" xmlns:p="http://schemas.openxmlformats.org/presentationml/2006/main">
-  <p:cSld>
-    <p:spTree>
-      <p:nvGrpSpPr>
-        <p:cNvPr id="1" name=""/>
-        <p:cNvGrpSpPr/>
-        <p:nvPr/>
-      </p:nvGrpSpPr>
-      <p:grpSpPr>
-        <a:xfrm>
-          <a:off x="0" y="0"/>
-          <a:ext cx="0" cy="0"/>
-          <a:chOff x="0" y="0"/>
-          <a:chExt cx="0" cy="0"/>
-        </a:xfrm>
-      </p:grpSpPr>
-      <p:sp>
-        <p:nvSpPr>
-          <p:cNvPr id="2" name="object 2"/>
-          <p:cNvSpPr txBox="1"/>
-          <p:nvPr/>
-        </p:nvSpPr>
-        <p:spPr>
-          <a:xfrm>
-            <a:off x="1389380" y="506095"/>
-            <a:ext cx="6365240" cy="811530"/>
-          </a:xfrm>
-          <a:prstGeom prst="rect">
-            <a:avLst/>
-          </a:prstGeom>
-        </p:spPr>
-        <p:txBody>
-          <a:bodyPr vert="horz" wrap="square" lIns="0" tIns="12700" rIns="0" bIns="0" rtlCol="0">
-            <a:spAutoFit/>
-          </a:bodyPr>
-          <a:lstStyle/>
-          <a:p>
-            <a:pPr marL="1905" algn="ctr">
-              <a:lnSpc>
-                <a:spcPts val="6230"/>
-              </a:lnSpc>
-              <a:spcBef>
-                <a:spcPts val="100"/>
-              </a:spcBef>
-            </a:pPr>
-            <a:r>
-              <a:rPr lang="zh-CN" altLang="zh-CN" sz="5200" spc="-5" dirty="0">
-                <a:solidFill>
-                  <a:srgbClr val="FFFFFF"/>
-                </a:solidFill>
-                <a:latin typeface="宋体" panose="02010600030101010101" pitchFamily="2" charset="-122"/>
-                <a:cs typeface="宋体" panose="02010600030101010101" pitchFamily="2" charset="-122"/>
-              </a:rPr>
-              <a:t>最后</a:t>
-            </a:r>
-            <a:endParaRPr sz="5200" spc="-10" dirty="0">
-              <a:solidFill>
-                <a:srgbClr val="FFFFFF"/>
-              </a:solidFill>
-              <a:latin typeface="Arial" panose="020B0604020202020204"/>
-              <a:cs typeface="Arial" panose="020B0604020202020204"/>
-            </a:endParaRPr>
-          </a:p>
-        </p:txBody>
-      </p:sp>
-      <p:sp>
-        <p:nvSpPr>
-          <p:cNvPr id="3" name="object 3"/>
-          <p:cNvSpPr txBox="1"/>
-          <p:nvPr/>
-        </p:nvSpPr>
-        <p:spPr>
-          <a:xfrm>
-            <a:off x="367030" y="1470660"/>
-            <a:ext cx="8409305" cy="568325"/>
-          </a:xfrm>
-          <a:prstGeom prst="rect">
-            <a:avLst/>
-          </a:prstGeom>
-        </p:spPr>
-        <p:txBody>
-          <a:bodyPr vert="horz" wrap="square" lIns="0" tIns="199390" rIns="0" bIns="0" rtlCol="0">
-            <a:spAutoFit/>
-          </a:bodyPr>
-          <a:p>
-            <a:pPr marL="424815" indent="-412115">
-              <a:lnSpc>
-                <a:spcPct val="100000"/>
-              </a:lnSpc>
-              <a:spcBef>
-                <a:spcPts val="1570"/>
-              </a:spcBef>
-              <a:buClr>
-                <a:srgbClr val="FFFFFF"/>
-              </a:buClr>
-              <a:buChar char="●"/>
-              <a:tabLst>
-                <a:tab pos="424815" algn="l"/>
-                <a:tab pos="425450" algn="l"/>
-              </a:tabLst>
-            </a:pPr>
-            <a:r>
-              <a:rPr lang="zh-CN" sz="2400" dirty="0">
-                <a:solidFill>
-                  <a:srgbClr val="FFFFFF"/>
-                </a:solidFill>
-                <a:latin typeface="Arial" panose="020B0604020202020204"/>
-                <a:cs typeface="Arial" panose="020B0604020202020204"/>
-                <a:hlinkClick r:id="rId1" action="ppaction://hlinkfile"/>
-              </a:rPr>
-              <a:t>Vue 脱坑记</a:t>
-            </a:r>
-            <a:endParaRPr lang="zh-CN" sz="2400" dirty="0">
-              <a:solidFill>
-                <a:srgbClr val="FFFFFF"/>
-              </a:solidFill>
-              <a:latin typeface="Arial" panose="020B0604020202020204"/>
-              <a:cs typeface="Arial" panose="020B0604020202020204"/>
-            </a:endParaRPr>
-          </a:p>
-        </p:txBody>
-      </p:sp>
-      <p:sp>
-        <p:nvSpPr>
-          <p:cNvPr id="4" name="object 3"/>
-          <p:cNvSpPr txBox="1"/>
-          <p:nvPr/>
-        </p:nvSpPr>
-        <p:spPr>
-          <a:xfrm>
-            <a:off x="367665" y="2385060"/>
-            <a:ext cx="8409305" cy="568325"/>
-          </a:xfrm>
-          <a:prstGeom prst="rect">
-            <a:avLst/>
-          </a:prstGeom>
-        </p:spPr>
-        <p:txBody>
-          <a:bodyPr vert="horz" wrap="square" lIns="0" tIns="199390" rIns="0" bIns="0" rtlCol="0">
-            <a:spAutoFit/>
-          </a:bodyPr>
-          <a:p>
-            <a:pPr marL="424815" indent="-412115">
-              <a:lnSpc>
-                <a:spcPct val="100000"/>
-              </a:lnSpc>
-              <a:spcBef>
-                <a:spcPts val="1570"/>
-              </a:spcBef>
-              <a:buClr>
-                <a:srgbClr val="FFFFFF"/>
-              </a:buClr>
-              <a:buChar char="●"/>
-              <a:tabLst>
-                <a:tab pos="424815" algn="l"/>
-                <a:tab pos="425450" algn="l"/>
-              </a:tabLst>
-            </a:pPr>
-            <a:r>
-              <a:rPr lang="en-US" altLang="zh-CN" sz="2400" dirty="0">
-                <a:solidFill>
-                  <a:srgbClr val="FFFFFF"/>
-                </a:solidFill>
-                <a:latin typeface="Arial" panose="020B0604020202020204"/>
-                <a:cs typeface="Arial" panose="020B0604020202020204"/>
-                <a:hlinkClick r:id="rId2" action="ppaction://hlinkfile"/>
-              </a:rPr>
-              <a:t>Vue</a:t>
-            </a:r>
-            <a:r>
-              <a:rPr lang="zh-CN" sz="2400" dirty="0">
-                <a:solidFill>
-                  <a:srgbClr val="FFFFFF"/>
-                </a:solidFill>
-                <a:latin typeface="Arial" panose="020B0604020202020204"/>
-                <a:cs typeface="Arial" panose="020B0604020202020204"/>
-                <a:hlinkClick r:id="rId2" action="ppaction://hlinkfile"/>
-              </a:rPr>
-              <a:t>官方风格指南</a:t>
-            </a:r>
-            <a:endParaRPr lang="zh-CN" sz="2400" dirty="0">
-              <a:solidFill>
-                <a:srgbClr val="FFFFFF"/>
-              </a:solidFill>
-              <a:latin typeface="Arial" panose="020B0604020202020204"/>
-              <a:cs typeface="Arial" panose="020B0604020202020204"/>
-            </a:endParaRPr>
-          </a:p>
-        </p:txBody>
-      </p:sp>
-      <p:sp>
-        <p:nvSpPr>
-          <p:cNvPr id="5" name="object 3"/>
-          <p:cNvSpPr txBox="1"/>
-          <p:nvPr/>
-        </p:nvSpPr>
-        <p:spPr>
-          <a:xfrm>
-            <a:off x="367030" y="3235325"/>
-            <a:ext cx="8409305" cy="568325"/>
-          </a:xfrm>
-          <a:prstGeom prst="rect">
-            <a:avLst/>
-          </a:prstGeom>
-        </p:spPr>
-        <p:txBody>
-          <a:bodyPr vert="horz" wrap="square" lIns="0" tIns="199390" rIns="0" bIns="0" rtlCol="0">
-            <a:spAutoFit/>
-          </a:bodyPr>
-          <a:p>
-            <a:pPr marL="424815" indent="-412115">
-              <a:lnSpc>
-                <a:spcPct val="100000"/>
-              </a:lnSpc>
-              <a:spcBef>
-                <a:spcPts val="1570"/>
-              </a:spcBef>
-              <a:buClr>
-                <a:srgbClr val="FFFFFF"/>
-              </a:buClr>
-              <a:buChar char="●"/>
-              <a:tabLst>
-                <a:tab pos="424815" algn="l"/>
-                <a:tab pos="425450" algn="l"/>
-              </a:tabLst>
-            </a:pPr>
-            <a:r>
-              <a:rPr sz="2400" dirty="0">
-                <a:solidFill>
-                  <a:srgbClr val="FFFFFF"/>
-                </a:solidFill>
-                <a:latin typeface="Arial" panose="020B0604020202020204"/>
-                <a:cs typeface="Arial" panose="020B0604020202020204"/>
-                <a:hlinkClick r:id="rId3" action="ppaction://hlinkfile"/>
-              </a:rPr>
-              <a:t>awesome-vue</a:t>
-            </a:r>
-            <a:endParaRPr sz="2400" dirty="0">
-              <a:solidFill>
-                <a:srgbClr val="FFFFFF"/>
-              </a:solidFill>
-              <a:latin typeface="Arial" panose="020B0604020202020204"/>
-              <a:cs typeface="Arial" panose="020B0604020202020204"/>
-            </a:endParaRPr>
-          </a:p>
-        </p:txBody>
-      </p:sp>
-      <p:sp>
-        <p:nvSpPr>
-          <p:cNvPr id="6" name="object 3"/>
-          <p:cNvSpPr txBox="1"/>
-          <p:nvPr/>
-        </p:nvSpPr>
-        <p:spPr>
-          <a:xfrm>
-            <a:off x="367665" y="4072255"/>
-            <a:ext cx="8409305" cy="568325"/>
-          </a:xfrm>
-          <a:prstGeom prst="rect">
-            <a:avLst/>
-          </a:prstGeom>
-        </p:spPr>
-        <p:txBody>
-          <a:bodyPr vert="horz" wrap="square" lIns="0" tIns="199390" rIns="0" bIns="0" rtlCol="0">
-            <a:spAutoFit/>
-          </a:bodyPr>
-          <a:p>
-            <a:pPr marL="424815" indent="-412115">
-              <a:lnSpc>
-                <a:spcPct val="100000"/>
-              </a:lnSpc>
-              <a:spcBef>
-                <a:spcPts val="1570"/>
-              </a:spcBef>
-              <a:buClr>
-                <a:srgbClr val="FFFFFF"/>
-              </a:buClr>
-              <a:buChar char="●"/>
-              <a:tabLst>
-                <a:tab pos="424815" algn="l"/>
-                <a:tab pos="425450" algn="l"/>
-              </a:tabLst>
-            </a:pPr>
-            <a:r>
-              <a:rPr sz="2400" dirty="0">
-                <a:solidFill>
-                  <a:srgbClr val="FFFFFF"/>
-                </a:solidFill>
-                <a:latin typeface="Arial" panose="020B0604020202020204"/>
-                <a:cs typeface="Arial" panose="020B0604020202020204"/>
-                <a:hlinkClick r:id="rId4" action="ppaction://hlinkfile"/>
-              </a:rPr>
-              <a:t>Vue 2.0 的建议学习顺序</a:t>
-            </a:r>
-            <a:endParaRPr sz="2400" dirty="0">
-              <a:solidFill>
-                <a:srgbClr val="FFFFFF"/>
-              </a:solidFill>
-              <a:latin typeface="Arial" panose="020B0604020202020204"/>
-              <a:cs typeface="Arial" panose="020B0604020202020204"/>
-            </a:endParaRPr>
-          </a:p>
-        </p:txBody>
-      </p:sp>
-    </p:spTree>
-  </p:cSld>
-  <p:clrMapOvr>
-    <a:masterClrMapping/>
-  </p:clrMapOvr>
-</p:sld>
-</file>
-
 <file path=ppt/slides/slide4.xml><?xml version="1.0" encoding="utf-8"?>
 <p:sld xmlns:a="http://schemas.openxmlformats.org/drawingml/2006/main" xmlns:r="http://schemas.openxmlformats.org/officeDocument/2006/relationships" xmlns:p="http://schemas.openxmlformats.org/presentationml/2006/main">
   <p:cSld>
@@ -9822,6 +10043,319 @@
               <a:latin typeface="Arial" panose="020B0604020202020204"/>
               <a:cs typeface="Arial" panose="020B0604020202020204"/>
               <a:sym typeface="+mn-ea"/>
+            </a:endParaRPr>
+          </a:p>
+        </p:txBody>
+      </p:sp>
+    </p:spTree>
+  </p:cSld>
+  <p:clrMapOvr>
+    <a:masterClrMapping/>
+  </p:clrMapOvr>
+</p:sld>
+</file>
+
+<file path=ppt/slides/slide40.xml><?xml version="1.0" encoding="utf-8"?>
+<p:sld xmlns:a="http://schemas.openxmlformats.org/drawingml/2006/main" xmlns:r="http://schemas.openxmlformats.org/officeDocument/2006/relationships" xmlns:p="http://schemas.openxmlformats.org/presentationml/2006/main">
+  <p:cSld>
+    <p:spTree>
+      <p:nvGrpSpPr>
+        <p:cNvPr id="1" name=""/>
+        <p:cNvGrpSpPr/>
+        <p:nvPr/>
+      </p:nvGrpSpPr>
+      <p:grpSpPr>
+        <a:xfrm>
+          <a:off x="0" y="0"/>
+          <a:ext cx="0" cy="0"/>
+          <a:chOff x="0" y="0"/>
+          <a:chExt cx="0" cy="0"/>
+        </a:xfrm>
+      </p:grpSpPr>
+      <p:sp>
+        <p:nvSpPr>
+          <p:cNvPr id="2" name="object 2"/>
+          <p:cNvSpPr txBox="1"/>
+          <p:nvPr/>
+        </p:nvSpPr>
+        <p:spPr>
+          <a:xfrm>
+            <a:off x="1389380" y="506095"/>
+            <a:ext cx="6365240" cy="811530"/>
+          </a:xfrm>
+          <a:prstGeom prst="rect">
+            <a:avLst/>
+          </a:prstGeom>
+        </p:spPr>
+        <p:txBody>
+          <a:bodyPr vert="horz" wrap="square" lIns="0" tIns="12700" rIns="0" bIns="0" rtlCol="0">
+            <a:spAutoFit/>
+          </a:bodyPr>
+          <a:lstStyle/>
+          <a:p>
+            <a:pPr marL="1905" algn="ctr">
+              <a:lnSpc>
+                <a:spcPts val="6230"/>
+              </a:lnSpc>
+              <a:spcBef>
+                <a:spcPts val="100"/>
+              </a:spcBef>
+            </a:pPr>
+            <a:r>
+              <a:rPr lang="zh-CN" altLang="zh-CN" sz="5200" spc="-5" dirty="0">
+                <a:solidFill>
+                  <a:srgbClr val="FFFFFF"/>
+                </a:solidFill>
+                <a:latin typeface="宋体" panose="02010600030101010101" pitchFamily="2" charset="-122"/>
+                <a:cs typeface="宋体" panose="02010600030101010101" pitchFamily="2" charset="-122"/>
+              </a:rPr>
+              <a:t>最后</a:t>
+            </a:r>
+            <a:endParaRPr sz="5200" spc="-10" dirty="0">
+              <a:solidFill>
+                <a:srgbClr val="FFFFFF"/>
+              </a:solidFill>
+              <a:latin typeface="Arial" panose="020B0604020202020204"/>
+              <a:cs typeface="Arial" panose="020B0604020202020204"/>
+            </a:endParaRPr>
+          </a:p>
+        </p:txBody>
+      </p:sp>
+      <p:sp>
+        <p:nvSpPr>
+          <p:cNvPr id="3" name="object 3"/>
+          <p:cNvSpPr txBox="1"/>
+          <p:nvPr/>
+        </p:nvSpPr>
+        <p:spPr>
+          <a:xfrm>
+            <a:off x="367030" y="1470660"/>
+            <a:ext cx="8409305" cy="568325"/>
+          </a:xfrm>
+          <a:prstGeom prst="rect">
+            <a:avLst/>
+          </a:prstGeom>
+        </p:spPr>
+        <p:txBody>
+          <a:bodyPr vert="horz" wrap="square" lIns="0" tIns="199390" rIns="0" bIns="0" rtlCol="0">
+            <a:spAutoFit/>
+          </a:bodyPr>
+          <a:p>
+            <a:pPr marL="424815" indent="-412115">
+              <a:lnSpc>
+                <a:spcPct val="100000"/>
+              </a:lnSpc>
+              <a:spcBef>
+                <a:spcPts val="1570"/>
+              </a:spcBef>
+              <a:buClr>
+                <a:srgbClr val="FFFFFF"/>
+              </a:buClr>
+              <a:buChar char="●"/>
+              <a:tabLst>
+                <a:tab pos="424815" algn="l"/>
+                <a:tab pos="425450" algn="l"/>
+              </a:tabLst>
+            </a:pPr>
+            <a:r>
+              <a:rPr lang="zh-CN" sz="2400" dirty="0">
+                <a:solidFill>
+                  <a:srgbClr val="FFFFFF"/>
+                </a:solidFill>
+                <a:latin typeface="Arial" panose="020B0604020202020204"/>
+                <a:cs typeface="Arial" panose="020B0604020202020204"/>
+                <a:hlinkClick r:id="rId1" action="ppaction://hlinkfile"/>
+              </a:rPr>
+              <a:t>Vue 脱坑记</a:t>
+            </a:r>
+            <a:endParaRPr lang="zh-CN" sz="2400" dirty="0">
+              <a:solidFill>
+                <a:srgbClr val="FFFFFF"/>
+              </a:solidFill>
+              <a:latin typeface="Arial" panose="020B0604020202020204"/>
+              <a:cs typeface="Arial" panose="020B0604020202020204"/>
+            </a:endParaRPr>
+          </a:p>
+        </p:txBody>
+      </p:sp>
+      <p:sp>
+        <p:nvSpPr>
+          <p:cNvPr id="4" name="object 3"/>
+          <p:cNvSpPr txBox="1"/>
+          <p:nvPr/>
+        </p:nvSpPr>
+        <p:spPr>
+          <a:xfrm>
+            <a:off x="367665" y="2385060"/>
+            <a:ext cx="8409305" cy="568325"/>
+          </a:xfrm>
+          <a:prstGeom prst="rect">
+            <a:avLst/>
+          </a:prstGeom>
+        </p:spPr>
+        <p:txBody>
+          <a:bodyPr vert="horz" wrap="square" lIns="0" tIns="199390" rIns="0" bIns="0" rtlCol="0">
+            <a:spAutoFit/>
+          </a:bodyPr>
+          <a:p>
+            <a:pPr marL="424815" indent="-412115">
+              <a:lnSpc>
+                <a:spcPct val="100000"/>
+              </a:lnSpc>
+              <a:spcBef>
+                <a:spcPts val="1570"/>
+              </a:spcBef>
+              <a:buClr>
+                <a:srgbClr val="FFFFFF"/>
+              </a:buClr>
+              <a:buChar char="●"/>
+              <a:tabLst>
+                <a:tab pos="424815" algn="l"/>
+                <a:tab pos="425450" algn="l"/>
+              </a:tabLst>
+            </a:pPr>
+            <a:r>
+              <a:rPr lang="en-US" altLang="zh-CN" sz="2400" dirty="0">
+                <a:solidFill>
+                  <a:srgbClr val="FFFFFF"/>
+                </a:solidFill>
+                <a:latin typeface="Arial" panose="020B0604020202020204"/>
+                <a:cs typeface="Arial" panose="020B0604020202020204"/>
+                <a:hlinkClick r:id="rId2" action="ppaction://hlinkfile"/>
+              </a:rPr>
+              <a:t>Vue</a:t>
+            </a:r>
+            <a:r>
+              <a:rPr lang="zh-CN" sz="2400" dirty="0">
+                <a:solidFill>
+                  <a:srgbClr val="FFFFFF"/>
+                </a:solidFill>
+                <a:latin typeface="Arial" panose="020B0604020202020204"/>
+                <a:cs typeface="Arial" panose="020B0604020202020204"/>
+                <a:hlinkClick r:id="rId2" action="ppaction://hlinkfile"/>
+              </a:rPr>
+              <a:t>官方风格指南</a:t>
+            </a:r>
+            <a:endParaRPr lang="zh-CN" sz="2400" dirty="0">
+              <a:solidFill>
+                <a:srgbClr val="FFFFFF"/>
+              </a:solidFill>
+              <a:latin typeface="Arial" panose="020B0604020202020204"/>
+              <a:cs typeface="Arial" panose="020B0604020202020204"/>
+            </a:endParaRPr>
+          </a:p>
+        </p:txBody>
+      </p:sp>
+      <p:sp>
+        <p:nvSpPr>
+          <p:cNvPr id="5" name="object 3"/>
+          <p:cNvSpPr txBox="1"/>
+          <p:nvPr/>
+        </p:nvSpPr>
+        <p:spPr>
+          <a:xfrm>
+            <a:off x="367030" y="3235325"/>
+            <a:ext cx="8409305" cy="568325"/>
+          </a:xfrm>
+          <a:prstGeom prst="rect">
+            <a:avLst/>
+          </a:prstGeom>
+        </p:spPr>
+        <p:txBody>
+          <a:bodyPr vert="horz" wrap="square" lIns="0" tIns="199390" rIns="0" bIns="0" rtlCol="0">
+            <a:spAutoFit/>
+          </a:bodyPr>
+          <a:p>
+            <a:pPr marL="424815" indent="-412115">
+              <a:lnSpc>
+                <a:spcPct val="100000"/>
+              </a:lnSpc>
+              <a:spcBef>
+                <a:spcPts val="1570"/>
+              </a:spcBef>
+              <a:buClr>
+                <a:srgbClr val="FFFFFF"/>
+              </a:buClr>
+              <a:buChar char="●"/>
+              <a:tabLst>
+                <a:tab pos="424815" algn="l"/>
+                <a:tab pos="425450" algn="l"/>
+              </a:tabLst>
+            </a:pPr>
+            <a:r>
+              <a:rPr sz="2400" dirty="0">
+                <a:solidFill>
+                  <a:srgbClr val="FFFFFF"/>
+                </a:solidFill>
+                <a:latin typeface="Arial" panose="020B0604020202020204"/>
+                <a:cs typeface="Arial" panose="020B0604020202020204"/>
+                <a:hlinkClick r:id="rId3" action="ppaction://hlinkfile"/>
+              </a:rPr>
+              <a:t>awesome-vue</a:t>
+            </a:r>
+            <a:endParaRPr sz="2400" dirty="0">
+              <a:solidFill>
+                <a:srgbClr val="FFFFFF"/>
+              </a:solidFill>
+              <a:latin typeface="Arial" panose="020B0604020202020204"/>
+              <a:cs typeface="Arial" panose="020B0604020202020204"/>
+            </a:endParaRPr>
+          </a:p>
+        </p:txBody>
+      </p:sp>
+      <p:sp>
+        <p:nvSpPr>
+          <p:cNvPr id="6" name="object 3"/>
+          <p:cNvSpPr txBox="1"/>
+          <p:nvPr/>
+        </p:nvSpPr>
+        <p:spPr>
+          <a:xfrm>
+            <a:off x="367665" y="4072255"/>
+            <a:ext cx="8409305" cy="568325"/>
+          </a:xfrm>
+          <a:prstGeom prst="rect">
+            <a:avLst/>
+          </a:prstGeom>
+        </p:spPr>
+        <p:txBody>
+          <a:bodyPr vert="horz" wrap="square" lIns="0" tIns="199390" rIns="0" bIns="0" rtlCol="0">
+            <a:spAutoFit/>
+          </a:bodyPr>
+          <a:p>
+            <a:pPr marL="424815" indent="-412115">
+              <a:lnSpc>
+                <a:spcPct val="100000"/>
+              </a:lnSpc>
+              <a:spcBef>
+                <a:spcPts val="1570"/>
+              </a:spcBef>
+              <a:buClr>
+                <a:srgbClr val="FFFFFF"/>
+              </a:buClr>
+              <a:buChar char="●"/>
+              <a:tabLst>
+                <a:tab pos="424815" algn="l"/>
+                <a:tab pos="425450" algn="l"/>
+              </a:tabLst>
+            </a:pPr>
+            <a:r>
+              <a:rPr sz="2400" dirty="0">
+                <a:solidFill>
+                  <a:srgbClr val="FFFFFF"/>
+                </a:solidFill>
+                <a:latin typeface="Arial" panose="020B0604020202020204"/>
+                <a:cs typeface="Arial" panose="020B0604020202020204"/>
+                <a:hlinkClick r:id="rId4" action="ppaction://hlinkfile"/>
+              </a:rPr>
+              <a:t>Vue 2.0 的建议学习顺序</a:t>
+            </a:r>
+            <a:endParaRPr sz="2400" dirty="0">
+              <a:solidFill>
+                <a:srgbClr val="FFFFFF"/>
+              </a:solidFill>
+              <a:latin typeface="Arial" panose="020B0604020202020204"/>
+              <a:cs typeface="Arial" panose="020B0604020202020204"/>
             </a:endParaRPr>
           </a:p>
         </p:txBody>

--- a/TS内部分享.pptx
+++ b/TS内部分享.pptx
@@ -29,25 +29,14 @@
     <p:sldId id="653" r:id="rId22"/>
     <p:sldId id="622" r:id="rId23"/>
     <p:sldId id="623" r:id="rId24"/>
-    <p:sldId id="399" r:id="rId25"/>
-    <p:sldId id="400" r:id="rId26"/>
-    <p:sldId id="404" r:id="rId27"/>
-    <p:sldId id="402" r:id="rId28"/>
-    <p:sldId id="403" r:id="rId29"/>
-    <p:sldId id="405" r:id="rId30"/>
-    <p:sldId id="401" r:id="rId31"/>
-    <p:sldId id="579" r:id="rId32"/>
-    <p:sldId id="441" r:id="rId33"/>
-    <p:sldId id="443" r:id="rId34"/>
-    <p:sldId id="444" r:id="rId35"/>
-    <p:sldId id="260" r:id="rId36"/>
-    <p:sldId id="477" r:id="rId37"/>
-    <p:sldId id="510" r:id="rId38"/>
-    <p:sldId id="545" r:id="rId39"/>
-    <p:sldId id="511" r:id="rId40"/>
-    <p:sldId id="589" r:id="rId41"/>
-    <p:sldId id="588" r:id="rId42"/>
-    <p:sldId id="591" r:id="rId43"/>
+    <p:sldId id="676" r:id="rId25"/>
+    <p:sldId id="677" r:id="rId26"/>
+    <p:sldId id="678" r:id="rId27"/>
+    <p:sldId id="679" r:id="rId28"/>
+    <p:sldId id="680" r:id="rId29"/>
+    <p:sldId id="681" r:id="rId30"/>
+    <p:sldId id="682" r:id="rId31"/>
+    <p:sldId id="591" r:id="rId32"/>
   </p:sldIdLst>
   <p:sldSz cx="9144000" cy="6858000"/>
   <p:notesSz cx="9144000" cy="6858000"/>
@@ -582,6 +571,182 @@
 </file>
 
 <file path=ppt/notesSlides/notesSlide11.xml><?xml version="1.0" encoding="utf-8"?>
+<p:notes xmlns:a="http://schemas.openxmlformats.org/drawingml/2006/main" xmlns:r="http://schemas.openxmlformats.org/officeDocument/2006/relationships" xmlns:p="http://schemas.openxmlformats.org/presentationml/2006/main">
+  <p:cSld>
+    <p:spTree>
+      <p:nvGrpSpPr>
+        <p:cNvPr id="1" name=""/>
+        <p:cNvGrpSpPr/>
+        <p:nvPr/>
+      </p:nvGrpSpPr>
+      <p:grpSpPr/>
+      <p:sp>
+        <p:nvSpPr>
+          <p:cNvPr id="2" name="幻灯片图像占位符 1"/>
+          <p:cNvSpPr/>
+          <p:nvPr>
+            <p:ph type="sldImg" idx="2"/>
+          </p:nvPr>
+        </p:nvSpPr>
+        <p:spPr/>
+      </p:sp>
+      <p:sp>
+        <p:nvSpPr>
+          <p:cNvPr id="3" name="文本占位符 2"/>
+          <p:cNvSpPr/>
+          <p:nvPr>
+            <p:ph type="body" idx="3"/>
+          </p:nvPr>
+        </p:nvSpPr>
+        <p:spPr/>
+        <p:txBody>
+          <a:bodyPr/>
+          <a:p>
+            <a:endParaRPr lang="zh-CN" altLang="en-US"/>
+          </a:p>
+        </p:txBody>
+      </p:sp>
+    </p:spTree>
+  </p:cSld>
+  <p:clrMapOvr>
+    <a:masterClrMapping/>
+  </p:clrMapOvr>
+</p:notes>
+</file>
+
+<file path=ppt/notesSlides/notesSlide12.xml><?xml version="1.0" encoding="utf-8"?>
+<p:notes xmlns:a="http://schemas.openxmlformats.org/drawingml/2006/main" xmlns:r="http://schemas.openxmlformats.org/officeDocument/2006/relationships" xmlns:p="http://schemas.openxmlformats.org/presentationml/2006/main">
+  <p:cSld>
+    <p:spTree>
+      <p:nvGrpSpPr>
+        <p:cNvPr id="1" name=""/>
+        <p:cNvGrpSpPr/>
+        <p:nvPr/>
+      </p:nvGrpSpPr>
+      <p:grpSpPr/>
+      <p:sp>
+        <p:nvSpPr>
+          <p:cNvPr id="2" name="幻灯片图像占位符 1"/>
+          <p:cNvSpPr/>
+          <p:nvPr>
+            <p:ph type="sldImg" idx="2"/>
+          </p:nvPr>
+        </p:nvSpPr>
+        <p:spPr/>
+      </p:sp>
+      <p:sp>
+        <p:nvSpPr>
+          <p:cNvPr id="3" name="文本占位符 2"/>
+          <p:cNvSpPr/>
+          <p:nvPr>
+            <p:ph type="body" idx="3"/>
+          </p:nvPr>
+        </p:nvSpPr>
+        <p:spPr/>
+        <p:txBody>
+          <a:bodyPr/>
+          <a:p>
+            <a:endParaRPr lang="zh-CN" altLang="en-US"/>
+          </a:p>
+        </p:txBody>
+      </p:sp>
+    </p:spTree>
+  </p:cSld>
+  <p:clrMapOvr>
+    <a:masterClrMapping/>
+  </p:clrMapOvr>
+</p:notes>
+</file>
+
+<file path=ppt/notesSlides/notesSlide13.xml><?xml version="1.0" encoding="utf-8"?>
+<p:notes xmlns:a="http://schemas.openxmlformats.org/drawingml/2006/main" xmlns:r="http://schemas.openxmlformats.org/officeDocument/2006/relationships" xmlns:p="http://schemas.openxmlformats.org/presentationml/2006/main">
+  <p:cSld>
+    <p:spTree>
+      <p:nvGrpSpPr>
+        <p:cNvPr id="1" name=""/>
+        <p:cNvGrpSpPr/>
+        <p:nvPr/>
+      </p:nvGrpSpPr>
+      <p:grpSpPr/>
+      <p:sp>
+        <p:nvSpPr>
+          <p:cNvPr id="2" name="幻灯片图像占位符 1"/>
+          <p:cNvSpPr/>
+          <p:nvPr>
+            <p:ph type="sldImg" idx="2"/>
+          </p:nvPr>
+        </p:nvSpPr>
+        <p:spPr/>
+      </p:sp>
+      <p:sp>
+        <p:nvSpPr>
+          <p:cNvPr id="3" name="文本占位符 2"/>
+          <p:cNvSpPr/>
+          <p:nvPr>
+            <p:ph type="body" idx="3"/>
+          </p:nvPr>
+        </p:nvSpPr>
+        <p:spPr/>
+        <p:txBody>
+          <a:bodyPr/>
+          <a:p>
+            <a:endParaRPr lang="zh-CN" altLang="en-US"/>
+          </a:p>
+        </p:txBody>
+      </p:sp>
+    </p:spTree>
+  </p:cSld>
+  <p:clrMapOvr>
+    <a:masterClrMapping/>
+  </p:clrMapOvr>
+</p:notes>
+</file>
+
+<file path=ppt/notesSlides/notesSlide14.xml><?xml version="1.0" encoding="utf-8"?>
+<p:notes xmlns:a="http://schemas.openxmlformats.org/drawingml/2006/main" xmlns:r="http://schemas.openxmlformats.org/officeDocument/2006/relationships" xmlns:p="http://schemas.openxmlformats.org/presentationml/2006/main">
+  <p:cSld>
+    <p:spTree>
+      <p:nvGrpSpPr>
+        <p:cNvPr id="1" name=""/>
+        <p:cNvGrpSpPr/>
+        <p:nvPr/>
+      </p:nvGrpSpPr>
+      <p:grpSpPr/>
+      <p:sp>
+        <p:nvSpPr>
+          <p:cNvPr id="2" name="幻灯片图像占位符 1"/>
+          <p:cNvSpPr/>
+          <p:nvPr>
+            <p:ph type="sldImg" idx="2"/>
+          </p:nvPr>
+        </p:nvSpPr>
+        <p:spPr/>
+      </p:sp>
+      <p:sp>
+        <p:nvSpPr>
+          <p:cNvPr id="3" name="文本占位符 2"/>
+          <p:cNvSpPr/>
+          <p:nvPr>
+            <p:ph type="body" idx="3"/>
+          </p:nvPr>
+        </p:nvSpPr>
+        <p:spPr/>
+        <p:txBody>
+          <a:bodyPr/>
+          <a:p>
+            <a:endParaRPr lang="zh-CN" altLang="en-US"/>
+          </a:p>
+        </p:txBody>
+      </p:sp>
+    </p:spTree>
+  </p:cSld>
+  <p:clrMapOvr>
+    <a:masterClrMapping/>
+  </p:clrMapOvr>
+</p:notes>
+</file>
+
+<file path=ppt/notesSlides/notesSlide15.xml><?xml version="1.0" encoding="utf-8"?>
 <p:notes xmlns:a="http://schemas.openxmlformats.org/drawingml/2006/main" xmlns:r="http://schemas.openxmlformats.org/officeDocument/2006/relationships" xmlns:p="http://schemas.openxmlformats.org/presentationml/2006/main">
   <p:cSld>
     <p:spTree>
@@ -4018,15 +4183,7 @@
                   <a:schemeClr val="bg1"/>
                 </a:solidFill>
               </a:rPr>
-              <a:t>（多了</a:t>
-            </a:r>
-            <a:r>
-              <a:rPr lang="zh-CN" altLang="en-US">
-                <a:solidFill>
-                  <a:schemeClr val="bg1"/>
-                </a:solidFill>
-              </a:rPr>
-              <a:t>）</a:t>
+              <a:t>（多了）</a:t>
             </a:r>
             <a:r>
               <a:rPr lang="en-US" altLang="zh-CN">
@@ -4593,15 +4750,7 @@
                   <a:schemeClr val="bg1"/>
                 </a:solidFill>
               </a:rPr>
-              <a:t>只读</a:t>
-            </a:r>
-            <a:r>
-              <a:rPr lang="zh-CN" altLang="en-US">
-                <a:solidFill>
-                  <a:schemeClr val="bg1"/>
-                </a:solidFill>
-              </a:rPr>
-              <a:t>属性</a:t>
+              <a:t>只读属性</a:t>
             </a:r>
             <a:endParaRPr lang="zh-CN" altLang="en-US">
               <a:solidFill>
@@ -4981,16 +5130,7 @@
                 </a:solidFill>
                 <a:sym typeface="+mn-ea"/>
               </a:rPr>
-              <a:t>let numList</a:t>
-            </a:r>
-            <a:r>
-              <a:rPr lang="en-US" altLang="zh-CN">
-                <a:solidFill>
-                  <a:schemeClr val="bg1"/>
-                </a:solidFill>
-                <a:sym typeface="+mn-ea"/>
-              </a:rPr>
-              <a:t>: number[] = [1, 1, 2, 3, 5];</a:t>
+              <a:t>let numList: number[] = [1, 1, 2, 3, 5];</a:t>
             </a:r>
             <a:endParaRPr lang="en-US" altLang="zh-CN">
               <a:solidFill>
@@ -5338,7 +5478,7 @@
         <p:spPr>
           <a:xfrm>
             <a:off x="148590" y="1567180"/>
-            <a:ext cx="8766810" cy="4523105"/>
+            <a:ext cx="8766810" cy="5354320"/>
           </a:xfrm>
           <a:prstGeom prst="rect">
             <a:avLst/>
@@ -5654,6 +5794,55 @@
               <a:buFont typeface="Wingdings" panose="05000000000000000000" charset="0"/>
               <a:buNone/>
             </a:pPr>
+            <a:endParaRPr lang="en-US" altLang="zh-CN">
+              <a:solidFill>
+                <a:schemeClr val="bg1"/>
+              </a:solidFill>
+            </a:endParaRPr>
+          </a:p>
+          <a:p>
+            <a:pPr indent="0">
+              <a:buFont typeface="Wingdings" panose="05000000000000000000" charset="0"/>
+              <a:buNone/>
+            </a:pPr>
+            <a:endParaRPr lang="en-US" altLang="zh-CN">
+              <a:solidFill>
+                <a:schemeClr val="bg1"/>
+              </a:solidFill>
+            </a:endParaRPr>
+          </a:p>
+          <a:p>
+            <a:pPr indent="0">
+              <a:buFont typeface="Wingdings" panose="05000000000000000000" charset="0"/>
+              <a:buNone/>
+            </a:pPr>
+            <a:endParaRPr lang="en-US" altLang="zh-CN">
+              <a:solidFill>
+                <a:schemeClr val="bg1"/>
+              </a:solidFill>
+            </a:endParaRPr>
+          </a:p>
+          <a:p>
+            <a:pPr indent="0">
+              <a:buFont typeface="Wingdings" panose="05000000000000000000" charset="0"/>
+              <a:buNone/>
+            </a:pPr>
+            <a:r>
+              <a:rPr lang="zh-CN" altLang="en-US">
+                <a:solidFill>
+                  <a:schemeClr val="bg1"/>
+                </a:solidFill>
+              </a:rPr>
+              <a:t>例子：</a:t>
+            </a:r>
+            <a:r>
+              <a:rPr lang="en-US" altLang="zh-CN">
+                <a:solidFill>
+                  <a:schemeClr val="bg1"/>
+                </a:solidFill>
+              </a:rPr>
+              <a:t>demo60.ts</a:t>
+            </a:r>
             <a:endParaRPr lang="en-US" altLang="zh-CN">
               <a:solidFill>
                 <a:schemeClr val="bg1"/>
@@ -6165,7 +6354,7 @@
         <p:spPr>
           <a:xfrm>
             <a:off x="148590" y="1109980"/>
-            <a:ext cx="8766810" cy="3969385"/>
+            <a:ext cx="8766810" cy="5908040"/>
           </a:xfrm>
           <a:prstGeom prst="rect">
             <a:avLst/>
@@ -6329,6 +6518,101 @@
               <a:t>注意，TypeScript 会优先从最前面的函数定义开始匹配，所以多个函数定义如果有包含关系，需要优先把精确的定义写在前面。</a:t>
             </a:r>
             <a:endParaRPr lang="en-US" altLang="zh-CN">
+              <a:solidFill>
+                <a:schemeClr val="bg1"/>
+              </a:solidFill>
+            </a:endParaRPr>
+          </a:p>
+          <a:p>
+            <a:pPr indent="0">
+              <a:buFont typeface="Wingdings" panose="05000000000000000000" charset="0"/>
+              <a:buNone/>
+            </a:pPr>
+            <a:endParaRPr lang="en-US" altLang="zh-CN">
+              <a:solidFill>
+                <a:schemeClr val="bg1"/>
+              </a:solidFill>
+            </a:endParaRPr>
+          </a:p>
+          <a:p>
+            <a:pPr indent="0">
+              <a:buFont typeface="Wingdings" panose="05000000000000000000" charset="0"/>
+              <a:buNone/>
+            </a:pPr>
+            <a:endParaRPr lang="en-US" altLang="zh-CN">
+              <a:solidFill>
+                <a:schemeClr val="bg1"/>
+              </a:solidFill>
+            </a:endParaRPr>
+          </a:p>
+          <a:p>
+            <a:pPr indent="0">
+              <a:buFont typeface="Wingdings" panose="05000000000000000000" charset="0"/>
+              <a:buNone/>
+            </a:pPr>
+            <a:endParaRPr lang="en-US" altLang="zh-CN">
+              <a:solidFill>
+                <a:schemeClr val="bg1"/>
+              </a:solidFill>
+            </a:endParaRPr>
+          </a:p>
+          <a:p>
+            <a:pPr indent="0">
+              <a:buFont typeface="Wingdings" panose="05000000000000000000" charset="0"/>
+              <a:buNone/>
+            </a:pPr>
+            <a:endParaRPr lang="en-US" altLang="zh-CN">
+              <a:solidFill>
+                <a:schemeClr val="bg1"/>
+              </a:solidFill>
+            </a:endParaRPr>
+          </a:p>
+          <a:p>
+            <a:pPr indent="0">
+              <a:buFont typeface="Wingdings" panose="05000000000000000000" charset="0"/>
+              <a:buNone/>
+            </a:pPr>
+            <a:endParaRPr lang="en-US" altLang="zh-CN">
+              <a:solidFill>
+                <a:schemeClr val="bg1"/>
+              </a:solidFill>
+            </a:endParaRPr>
+          </a:p>
+          <a:p>
+            <a:pPr indent="0">
+              <a:buFont typeface="Wingdings" panose="05000000000000000000" charset="0"/>
+              <a:buNone/>
+            </a:pPr>
+            <a:r>
+              <a:rPr lang="zh-CN" altLang="en-US">
+                <a:solidFill>
+                  <a:schemeClr val="bg1"/>
+                </a:solidFill>
+                <a:sym typeface="+mn-ea"/>
+              </a:rPr>
+              <a:t>例子：</a:t>
+            </a:r>
+            <a:r>
+              <a:rPr lang="en-US" altLang="zh-CN">
+                <a:solidFill>
+                  <a:schemeClr val="bg1"/>
+                </a:solidFill>
+                <a:sym typeface="+mn-ea"/>
+              </a:rPr>
+              <a:t>demo61.ts</a:t>
+            </a:r>
+            <a:endParaRPr lang="en-US" altLang="zh-CN">
+              <a:solidFill>
+                <a:schemeClr val="bg1"/>
+              </a:solidFill>
+            </a:endParaRPr>
+          </a:p>
+          <a:p>
+            <a:pPr indent="0">
+              <a:buFont typeface="Wingdings" panose="05000000000000000000" charset="0"/>
+              <a:buNone/>
+            </a:pPr>
+            <a:endParaRPr lang="zh-CN" altLang="en-US">
               <a:solidFill>
                 <a:schemeClr val="bg1"/>
               </a:solidFill>
@@ -6388,17 +6672,13 @@
       <p:sp>
         <p:nvSpPr>
           <p:cNvPr id="2" name="object 2"/>
-          <p:cNvSpPr txBox="1">
-            <a:spLocks noGrp="1"/>
-          </p:cNvSpPr>
-          <p:nvPr>
-            <p:ph type="title"/>
-          </p:nvPr>
+          <p:cNvSpPr txBox="1"/>
+          <p:nvPr/>
         </p:nvSpPr>
         <p:spPr>
           <a:xfrm>
-            <a:off x="772160" y="2345690"/>
-            <a:ext cx="452755" cy="2166620"/>
+            <a:off x="184785" y="2623820"/>
+            <a:ext cx="8867140" cy="811530"/>
           </a:xfrm>
           <a:prstGeom prst="rect">
             <a:avLst/>
@@ -6410,104 +6690,36 @@
           </a:bodyPr>
           <a:lstStyle/>
           <a:p>
-            <a:pPr marL="12700">
+            <a:pPr marL="1905" algn="ctr">
               <a:lnSpc>
-                <a:spcPct val="100000"/>
+                <a:spcPts val="6230"/>
               </a:lnSpc>
               <a:spcBef>
                 <a:spcPts val="100"/>
               </a:spcBef>
             </a:pPr>
             <a:r>
-              <a:rPr lang="zh-CN" sz="2800" spc="-10" dirty="0">
+              <a:rPr lang="en-US" altLang="zh-CN" sz="3200" spc="-10" dirty="0">
+                <a:solidFill>
+                  <a:schemeClr val="bg1"/>
+                </a:solidFill>
                 <a:latin typeface="Arial" panose="020B0604020202020204"/>
                 <a:cs typeface="Arial" panose="020B0604020202020204"/>
-              </a:rPr>
-              <a:t>事</a:t>
-            </a:r>
-            <a:br>
-              <a:rPr lang="zh-CN" sz="2800" spc="-10" dirty="0">
-                <a:latin typeface="Arial" panose="020B0604020202020204"/>
-                <a:cs typeface="Arial" panose="020B0604020202020204"/>
-              </a:rPr>
-            </a:br>
-            <a:r>
-              <a:rPr lang="zh-CN" sz="2800" spc="-10" dirty="0">
-                <a:latin typeface="Arial" panose="020B0604020202020204"/>
-                <a:cs typeface="Arial" panose="020B0604020202020204"/>
-              </a:rPr>
-              <a:t>件</a:t>
-            </a:r>
-            <a:br>
-              <a:rPr lang="zh-CN" sz="2800" spc="-10" dirty="0">
-                <a:latin typeface="Arial" panose="020B0604020202020204"/>
-                <a:cs typeface="Arial" panose="020B0604020202020204"/>
-              </a:rPr>
-            </a:br>
-            <a:r>
-              <a:rPr lang="zh-CN" sz="2800" spc="-10" dirty="0">
-                <a:latin typeface="Arial" panose="020B0604020202020204"/>
-                <a:cs typeface="Arial" panose="020B0604020202020204"/>
-              </a:rPr>
-              <a:t>修</a:t>
-            </a:r>
-            <a:br>
-              <a:rPr lang="zh-CN" sz="2800" spc="-10" dirty="0">
-                <a:latin typeface="Arial" panose="020B0604020202020204"/>
-                <a:cs typeface="Arial" panose="020B0604020202020204"/>
-              </a:rPr>
-            </a:br>
-            <a:r>
-              <a:rPr lang="zh-CN" sz="2800" spc="-10" dirty="0">
-                <a:latin typeface="Arial" panose="020B0604020202020204"/>
-                <a:cs typeface="Arial" panose="020B0604020202020204"/>
-              </a:rPr>
-              <a:t>饰</a:t>
-            </a:r>
-            <a:br>
-              <a:rPr lang="zh-CN" sz="2800" spc="-10" dirty="0">
-                <a:latin typeface="Arial" panose="020B0604020202020204"/>
-                <a:cs typeface="Arial" panose="020B0604020202020204"/>
-              </a:rPr>
-            </a:br>
-            <a:r>
-              <a:rPr lang="zh-CN" sz="2800" spc="-10" dirty="0">
-                <a:latin typeface="Arial" panose="020B0604020202020204"/>
-                <a:cs typeface="Arial" panose="020B0604020202020204"/>
-              </a:rPr>
-              <a:t>符</a:t>
-            </a:r>
-            <a:endParaRPr lang="en-US" sz="2800" spc="-10" dirty="0">
+                <a:sym typeface="+mn-ea"/>
+              </a:rPr>
+              <a:t>7. 类型断言</a:t>
+            </a:r>
+            <a:endParaRPr lang="en-US" altLang="zh-CN" sz="3200" spc="-10" dirty="0">
+              <a:solidFill>
+                <a:schemeClr val="bg1"/>
+              </a:solidFill>
               <a:latin typeface="Arial" panose="020B0604020202020204"/>
               <a:cs typeface="Arial" panose="020B0604020202020204"/>
+              <a:sym typeface="+mn-ea"/>
             </a:endParaRPr>
           </a:p>
         </p:txBody>
       </p:sp>
-      <p:pic>
-        <p:nvPicPr>
-          <p:cNvPr id="6" name="图片 5"/>
-          <p:cNvPicPr>
-            <a:picLocks noChangeAspect="1"/>
-          </p:cNvPicPr>
-          <p:nvPr/>
-        </p:nvPicPr>
-        <p:blipFill>
-          <a:blip r:embed="rId1"/>
-          <a:stretch>
-            <a:fillRect/>
-          </a:stretch>
-        </p:blipFill>
-        <p:spPr>
-          <a:xfrm>
-            <a:off x="2125345" y="142875"/>
-            <a:ext cx="6209665" cy="6571615"/>
-          </a:xfrm>
-          <a:prstGeom prst="rect">
-            <a:avLst/>
-          </a:prstGeom>
-        </p:spPr>
-      </p:pic>
     </p:spTree>
   </p:cSld>
   <p:clrMapOvr>
@@ -6535,67 +6747,275 @@
       </p:grpSpPr>
       <p:sp>
         <p:nvSpPr>
-          <p:cNvPr id="2" name="object 2"/>
-          <p:cNvSpPr txBox="1">
-            <a:spLocks noGrp="1"/>
-          </p:cNvSpPr>
-          <p:nvPr>
-            <p:ph type="title"/>
-          </p:nvPr>
+          <p:cNvPr id="13" name="文本框 12"/>
+          <p:cNvSpPr txBox="1"/>
+          <p:nvPr/>
         </p:nvSpPr>
         <p:spPr>
           <a:xfrm>
-            <a:off x="875030" y="2345690"/>
-            <a:ext cx="452755" cy="2166620"/>
+            <a:off x="148590" y="424180"/>
+            <a:ext cx="8766810" cy="3415030"/>
           </a:xfrm>
           <a:prstGeom prst="rect">
             <a:avLst/>
           </a:prstGeom>
+          <a:noFill/>
         </p:spPr>
         <p:txBody>
-          <a:bodyPr vert="horz" wrap="square" lIns="0" tIns="12700" rIns="0" bIns="0" rtlCol="0">
+          <a:bodyPr wrap="square" rtlCol="0">
             <a:spAutoFit/>
           </a:bodyPr>
-          <a:lstStyle/>
-          <a:p>
-            <a:pPr marL="12700">
-              <a:lnSpc>
-                <a:spcPct val="100000"/>
-              </a:lnSpc>
-              <a:spcBef>
-                <a:spcPts val="100"/>
-              </a:spcBef>
-            </a:pPr>
-            <a:r>
-              <a:rPr lang="zh-CN" sz="2800" spc="-10" dirty="0">
-                <a:latin typeface="Arial" panose="020B0604020202020204"/>
-                <a:cs typeface="Arial" panose="020B0604020202020204"/>
-              </a:rPr>
-              <a:t>键值</a:t>
-            </a:r>
-            <a:br>
-              <a:rPr lang="zh-CN" sz="2800" spc="-10" dirty="0">
-                <a:latin typeface="Arial" panose="020B0604020202020204"/>
-                <a:cs typeface="Arial" panose="020B0604020202020204"/>
-              </a:rPr>
-            </a:br>
-            <a:r>
-              <a:rPr lang="zh-CN" sz="2800" spc="-10" dirty="0">
-                <a:latin typeface="Arial" panose="020B0604020202020204"/>
-                <a:cs typeface="Arial" panose="020B0604020202020204"/>
-              </a:rPr>
-              <a:t>修饰符</a:t>
-            </a:r>
-            <a:endParaRPr lang="zh-CN" sz="2800" spc="-10" dirty="0">
-              <a:latin typeface="Arial" panose="020B0604020202020204"/>
-              <a:cs typeface="Arial" panose="020B0604020202020204"/>
+          <a:p>
+            <a:pPr indent="0">
+              <a:buFont typeface="Wingdings" panose="05000000000000000000" charset="0"/>
+              <a:buNone/>
+            </a:pPr>
+            <a:r>
+              <a:rPr>
+                <a:solidFill>
+                  <a:schemeClr val="bg1"/>
+                </a:solidFill>
+                <a:sym typeface="+mn-ea"/>
+              </a:rPr>
+              <a:t>类型断言（Type Assertion）可以用来手动指定一个值的类型。</a:t>
+            </a:r>
+            <a:endParaRPr>
+              <a:solidFill>
+                <a:schemeClr val="bg1"/>
+              </a:solidFill>
+              <a:sym typeface="+mn-ea"/>
+            </a:endParaRPr>
+          </a:p>
+          <a:p>
+            <a:pPr indent="0">
+              <a:buFont typeface="Wingdings" panose="05000000000000000000" charset="0"/>
+              <a:buNone/>
+            </a:pPr>
+            <a:endParaRPr lang="en-US" altLang="zh-CN">
+              <a:solidFill>
+                <a:schemeClr val="bg1"/>
+              </a:solidFill>
+            </a:endParaRPr>
+          </a:p>
+          <a:p>
+            <a:pPr indent="0">
+              <a:buFont typeface="Wingdings" panose="05000000000000000000" charset="0"/>
+              <a:buNone/>
+            </a:pPr>
+            <a:r>
+              <a:rPr lang="zh-CN" altLang="en-US">
+                <a:solidFill>
+                  <a:schemeClr val="bg1"/>
+                </a:solidFill>
+              </a:rPr>
+              <a:t>语法：</a:t>
+            </a:r>
+            <a:r>
+              <a:rPr lang="en-US" altLang="zh-CN">
+                <a:solidFill>
+                  <a:schemeClr val="bg1"/>
+                </a:solidFill>
+              </a:rPr>
+              <a:t>&lt;</a:t>
+            </a:r>
+            <a:r>
+              <a:rPr lang="zh-CN" altLang="en-US">
+                <a:solidFill>
+                  <a:schemeClr val="bg1"/>
+                </a:solidFill>
+              </a:rPr>
+              <a:t>类型</a:t>
+            </a:r>
+            <a:r>
+              <a:rPr lang="en-US" altLang="zh-CN">
+                <a:solidFill>
+                  <a:schemeClr val="bg1"/>
+                </a:solidFill>
+              </a:rPr>
+              <a:t>&gt;</a:t>
+            </a:r>
+            <a:r>
+              <a:rPr lang="zh-CN" altLang="en-US">
+                <a:solidFill>
+                  <a:schemeClr val="bg1"/>
+                </a:solidFill>
+              </a:rPr>
+              <a:t>值 或 值 as 类型</a:t>
+            </a:r>
+            <a:endParaRPr lang="zh-CN" altLang="en-US">
+              <a:solidFill>
+                <a:schemeClr val="bg1"/>
+              </a:solidFill>
+            </a:endParaRPr>
+          </a:p>
+          <a:p>
+            <a:pPr indent="0">
+              <a:buFont typeface="Wingdings" panose="05000000000000000000" charset="0"/>
+              <a:buNone/>
+            </a:pPr>
+            <a:r>
+              <a:rPr lang="zh-CN" altLang="en-US">
+                <a:solidFill>
+                  <a:schemeClr val="bg1"/>
+                </a:solidFill>
+              </a:rPr>
+              <a:t>在 tsx 语法（React 的 jsx 语法的 ts 版）中必须用后一种。</a:t>
+            </a:r>
+            <a:endParaRPr lang="zh-CN" altLang="en-US">
+              <a:solidFill>
+                <a:schemeClr val="bg1"/>
+              </a:solidFill>
+            </a:endParaRPr>
+          </a:p>
+          <a:p>
+            <a:pPr indent="0">
+              <a:buFont typeface="Wingdings" panose="05000000000000000000" charset="0"/>
+              <a:buNone/>
+            </a:pPr>
+            <a:endParaRPr lang="en-US" altLang="zh-CN">
+              <a:solidFill>
+                <a:schemeClr val="bg1"/>
+              </a:solidFill>
+            </a:endParaRPr>
+          </a:p>
+          <a:p>
+            <a:pPr indent="0">
+              <a:buFont typeface="Wingdings" panose="05000000000000000000" charset="0"/>
+              <a:buNone/>
+            </a:pPr>
+            <a:r>
+              <a:rPr lang="en-US" altLang="zh-CN">
+                <a:solidFill>
+                  <a:schemeClr val="bg1"/>
+                </a:solidFill>
+              </a:rPr>
+              <a:t>例子</a:t>
+            </a:r>
+            <a:r>
+              <a:rPr lang="zh-CN" altLang="en-US">
+                <a:solidFill>
+                  <a:schemeClr val="bg1"/>
+                </a:solidFill>
+              </a:rPr>
+              <a:t>（</a:t>
+            </a:r>
+            <a:r>
+              <a:rPr lang="en-US" altLang="zh-CN">
+                <a:solidFill>
+                  <a:schemeClr val="bg1"/>
+                </a:solidFill>
+              </a:rPr>
+              <a:t>demo70.ts</a:t>
+            </a:r>
+            <a:r>
+              <a:rPr lang="zh-CN" altLang="en-US">
+                <a:solidFill>
+                  <a:schemeClr val="bg1"/>
+                </a:solidFill>
+              </a:rPr>
+              <a:t>）</a:t>
+            </a:r>
+            <a:r>
+              <a:rPr lang="en-US" altLang="zh-CN">
+                <a:solidFill>
+                  <a:schemeClr val="bg1"/>
+                </a:solidFill>
+              </a:rPr>
+              <a:t>：将一个联合类型的变量指定为一个更加具体的类型</a:t>
+            </a:r>
+            <a:endParaRPr lang="en-US" altLang="zh-CN">
+              <a:solidFill>
+                <a:schemeClr val="bg1"/>
+              </a:solidFill>
+            </a:endParaRPr>
+          </a:p>
+          <a:p>
+            <a:pPr indent="0">
+              <a:buFont typeface="Wingdings" panose="05000000000000000000" charset="0"/>
+              <a:buNone/>
+            </a:pPr>
+            <a:endParaRPr lang="en-US" altLang="zh-CN">
+              <a:solidFill>
+                <a:schemeClr val="bg1"/>
+              </a:solidFill>
+            </a:endParaRPr>
+          </a:p>
+          <a:p>
+            <a:pPr indent="0">
+              <a:buFont typeface="Wingdings" panose="05000000000000000000" charset="0"/>
+              <a:buNone/>
+            </a:pPr>
+            <a:endParaRPr lang="en-US" altLang="zh-CN">
+              <a:solidFill>
+                <a:schemeClr val="bg1"/>
+              </a:solidFill>
+            </a:endParaRPr>
+          </a:p>
+          <a:p>
+            <a:pPr indent="0">
+              <a:buFont typeface="Wingdings" panose="05000000000000000000" charset="0"/>
+              <a:buNone/>
+            </a:pPr>
+            <a:endParaRPr lang="en-US" altLang="zh-CN">
+              <a:solidFill>
+                <a:schemeClr val="bg1"/>
+              </a:solidFill>
+            </a:endParaRPr>
+          </a:p>
+          <a:p>
+            <a:pPr indent="0">
+              <a:buFont typeface="Wingdings" panose="05000000000000000000" charset="0"/>
+              <a:buNone/>
+            </a:pPr>
+            <a:r>
+              <a:rPr lang="en-US" altLang="zh-CN">
+                <a:solidFill>
+                  <a:schemeClr val="bg1"/>
+                </a:solidFill>
+              </a:rPr>
+              <a:t>类型断言的用法如上，在需要断言的变量前加上 &lt;Type&gt; 即可。</a:t>
+            </a:r>
+            <a:endParaRPr lang="en-US" altLang="zh-CN">
+              <a:solidFill>
+                <a:schemeClr val="bg1"/>
+              </a:solidFill>
+            </a:endParaRPr>
+          </a:p>
+          <a:p>
+            <a:pPr indent="0">
+              <a:buFont typeface="Wingdings" panose="05000000000000000000" charset="0"/>
+              <a:buNone/>
+            </a:pPr>
+            <a:r>
+              <a:rPr lang="en-US" altLang="zh-CN">
+                <a:solidFill>
+                  <a:schemeClr val="bg1"/>
+                </a:solidFill>
+              </a:rPr>
+              <a:t>类型断言不是类型转换，断言成一个联合类型中不存在的类型是不允许的：</a:t>
+            </a:r>
+            <a:endParaRPr lang="en-US" altLang="zh-CN">
+              <a:solidFill>
+                <a:schemeClr val="bg1"/>
+              </a:solidFill>
+            </a:endParaRPr>
+          </a:p>
+          <a:p>
+            <a:pPr indent="0">
+              <a:buFont typeface="Wingdings" panose="05000000000000000000" charset="0"/>
+              <a:buNone/>
+            </a:pPr>
+            <a:endParaRPr lang="en-US" altLang="zh-CN">
+              <a:solidFill>
+                <a:schemeClr val="bg1"/>
+              </a:solidFill>
             </a:endParaRPr>
           </a:p>
         </p:txBody>
       </p:sp>
       <p:pic>
         <p:nvPicPr>
-          <p:cNvPr id="4" name="图片 3"/>
+          <p:cNvPr id="3" name="图片 2" descr="carbon (2)"/>
           <p:cNvPicPr>
             <a:picLocks noChangeAspect="1"/>
           </p:cNvPicPr>
@@ -6609,8 +7029,8 @@
         </p:blipFill>
         <p:spPr>
           <a:xfrm>
-            <a:off x="2098675" y="438150"/>
-            <a:ext cx="6600190" cy="5981065"/>
+            <a:off x="249555" y="3839210"/>
+            <a:ext cx="7904480" cy="1743075"/>
           </a:xfrm>
           <a:prstGeom prst="rect">
             <a:avLst/>
@@ -6650,8 +7070,8 @@
         </p:nvSpPr>
         <p:spPr>
           <a:xfrm>
-            <a:off x="1769745" y="2623820"/>
-            <a:ext cx="5603875" cy="1610360"/>
+            <a:off x="184785" y="2623820"/>
+            <a:ext cx="8867140" cy="811530"/>
           </a:xfrm>
           <a:prstGeom prst="rect">
             <a:avLst/>
@@ -6672,42 +7092,34 @@
               </a:spcBef>
             </a:pPr>
             <a:r>
-              <a:rPr lang="zh-CN" sz="5200" spc="-5" dirty="0">
-                <a:solidFill>
-                  <a:srgbClr val="FFFFFF"/>
-                </a:solidFill>
-                <a:latin typeface="宋体" panose="02010600030101010101" pitchFamily="2" charset="-122"/>
-                <a:cs typeface="宋体" panose="02010600030101010101" pitchFamily="2" charset="-122"/>
-              </a:rPr>
-              <a:t>计算属性</a:t>
-            </a:r>
-            <a:endParaRPr lang="zh-CN" sz="5200">
-              <a:latin typeface="MS PGothic" panose="020B0600070205080204" charset="-128"/>
-              <a:cs typeface="MS PGothic" panose="020B0600070205080204" charset="-128"/>
-            </a:endParaRPr>
-          </a:p>
-          <a:p>
-            <a:pPr algn="ctr">
-              <a:lnSpc>
-                <a:spcPts val="6230"/>
-              </a:lnSpc>
-            </a:pPr>
-            <a:r>
-              <a:rPr sz="5200" spc="-10" dirty="0">
-                <a:solidFill>
-                  <a:srgbClr val="FFFFFF"/>
+              <a:rPr lang="en-US" altLang="zh-CN" sz="3200" spc="-10" dirty="0">
+                <a:solidFill>
+                  <a:schemeClr val="bg1"/>
                 </a:solidFill>
                 <a:latin typeface="Arial" panose="020B0604020202020204"/>
                 <a:cs typeface="Arial" panose="020B0604020202020204"/>
-              </a:rPr>
-              <a:t>computed </a:t>
-            </a:r>
-            <a:endParaRPr lang="en-US" sz="5200" spc="-10" dirty="0">
-              <a:solidFill>
-                <a:srgbClr val="FFFFFF"/>
+                <a:sym typeface="+mn-ea"/>
+              </a:rPr>
+              <a:t>8. </a:t>
+            </a:r>
+            <a:r>
+              <a:rPr lang="zh-CN" altLang="en-US" sz="3200" spc="-10" dirty="0">
+                <a:solidFill>
+                  <a:schemeClr val="bg1"/>
+                </a:solidFill>
+                <a:latin typeface="Arial" panose="020B0604020202020204"/>
+                <a:cs typeface="Arial" panose="020B0604020202020204"/>
+                <a:sym typeface="+mn-ea"/>
+              </a:rPr>
+              <a:t>声明文件</a:t>
+            </a:r>
+            <a:endParaRPr lang="zh-CN" altLang="en-US" sz="3200" spc="-10" dirty="0">
+              <a:solidFill>
+                <a:schemeClr val="bg1"/>
               </a:solidFill>
               <a:latin typeface="Arial" panose="020B0604020202020204"/>
               <a:cs typeface="Arial" panose="020B0604020202020204"/>
+              <a:sym typeface="+mn-ea"/>
             </a:endParaRPr>
           </a:p>
         </p:txBody>
@@ -6739,114 +7151,402 @@
       </p:grpSpPr>
       <p:sp>
         <p:nvSpPr>
-          <p:cNvPr id="2" name="object 2"/>
-          <p:cNvSpPr txBox="1">
-            <a:spLocks noGrp="1"/>
-          </p:cNvSpPr>
-          <p:nvPr>
-            <p:ph type="title"/>
-          </p:nvPr>
-        </p:nvSpPr>
-        <p:spPr>
-          <a:xfrm>
-            <a:off x="384810" y="652145"/>
-            <a:ext cx="2506345" cy="443230"/>
-          </a:xfrm>
-          <a:prstGeom prst="rect">
-            <a:avLst/>
-          </a:prstGeom>
-        </p:spPr>
-        <p:txBody>
-          <a:bodyPr vert="horz" wrap="square" lIns="0" tIns="12700" rIns="0" bIns="0" rtlCol="0">
-            <a:spAutoFit/>
-          </a:bodyPr>
-          <a:lstStyle/>
-          <a:p>
-            <a:pPr marL="12700">
-              <a:lnSpc>
-                <a:spcPct val="100000"/>
-              </a:lnSpc>
-              <a:spcBef>
-                <a:spcPts val="100"/>
-              </a:spcBef>
-            </a:pPr>
-            <a:r>
-              <a:rPr lang="zh-CN" sz="2800" spc="-10" dirty="0">
-                <a:latin typeface="Arial" panose="020B0604020202020204"/>
-                <a:cs typeface="Arial" panose="020B0604020202020204"/>
-              </a:rPr>
-              <a:t>计算属性</a:t>
-            </a:r>
-            <a:endParaRPr lang="zh-CN" sz="2800" spc="-10" dirty="0">
-              <a:latin typeface="Arial" panose="020B0604020202020204"/>
-              <a:cs typeface="Arial" panose="020B0604020202020204"/>
-            </a:endParaRPr>
-          </a:p>
-        </p:txBody>
-      </p:sp>
-      <p:sp>
-        <p:nvSpPr>
-          <p:cNvPr id="3" name="object 3"/>
+          <p:cNvPr id="13" name="文本框 12"/>
           <p:cNvSpPr txBox="1"/>
           <p:nvPr/>
         </p:nvSpPr>
         <p:spPr>
           <a:xfrm>
-            <a:off x="384773" y="1419025"/>
-            <a:ext cx="6059170" cy="937895"/>
+            <a:off x="109220" y="410845"/>
+            <a:ext cx="8766810" cy="5631180"/>
           </a:xfrm>
           <a:prstGeom prst="rect">
             <a:avLst/>
           </a:prstGeom>
+          <a:noFill/>
         </p:spPr>
         <p:txBody>
-          <a:bodyPr vert="horz" wrap="square" lIns="0" tIns="199390" rIns="0" bIns="0" rtlCol="0">
+          <a:bodyPr wrap="square" rtlCol="0">
             <a:spAutoFit/>
           </a:bodyPr>
-          <a:lstStyle/>
-          <a:p>
-            <a:pPr marL="424815" indent="-412115">
-              <a:lnSpc>
-                <a:spcPct val="100000"/>
-              </a:lnSpc>
-              <a:spcBef>
-                <a:spcPts val="1570"/>
-              </a:spcBef>
-              <a:buClr>
-                <a:srgbClr val="FFFFFF"/>
-              </a:buClr>
-              <a:buChar char="●"/>
-              <a:tabLst>
-                <a:tab pos="424815" algn="l"/>
-                <a:tab pos="425450" algn="l"/>
-              </a:tabLst>
-            </a:pPr>
-            <a:r>
-              <a:rPr lang="zh-CN" altLang="en-US" sz="2400" spc="-15" dirty="0">
-                <a:solidFill>
-                  <a:srgbClr val="FFFFFF"/>
-                </a:solidFill>
-                <a:latin typeface="Arial" panose="020B0604020202020204"/>
-                <a:cs typeface="Arial" panose="020B0604020202020204"/>
-              </a:rPr>
-              <a:t>对于一些经常需要处理转换的数据，我们应当使用计算属性</a:t>
-            </a:r>
-            <a:r>
-              <a:rPr lang="en-US" altLang="zh-CN" sz="2400" spc="-15" dirty="0">
-                <a:solidFill>
-                  <a:srgbClr val="FFFFFF"/>
-                </a:solidFill>
-                <a:latin typeface="Arial" panose="020B0604020202020204"/>
-                <a:cs typeface="Arial" panose="020B0604020202020204"/>
-              </a:rPr>
-              <a:t>(computed)</a:t>
-            </a:r>
-            <a:endParaRPr lang="en-US" altLang="zh-CN" sz="2400" spc="-15" dirty="0">
-              <a:solidFill>
-                <a:srgbClr val="FFFFFF"/>
-              </a:solidFill>
-              <a:latin typeface="Arial" panose="020B0604020202020204"/>
-              <a:cs typeface="Arial" panose="020B0604020202020204"/>
+          <a:p>
+            <a:pPr indent="0">
+              <a:buFont typeface="Wingdings" panose="05000000000000000000" charset="0"/>
+              <a:buNone/>
+            </a:pPr>
+            <a:r>
+              <a:rPr>
+                <a:solidFill>
+                  <a:schemeClr val="bg1"/>
+                </a:solidFill>
+                <a:sym typeface="+mn-ea"/>
+              </a:rPr>
+              <a:t>当使用第三方库时，我们需要引用它的声明文件，才能获得对应的代码补全、接口提示等功能。</a:t>
+            </a:r>
+            <a:endParaRPr>
+              <a:solidFill>
+                <a:schemeClr val="bg1"/>
+              </a:solidFill>
+              <a:sym typeface="+mn-ea"/>
+            </a:endParaRPr>
+          </a:p>
+          <a:p>
+            <a:pPr indent="0">
+              <a:buFont typeface="Wingdings" panose="05000000000000000000" charset="0"/>
+              <a:buNone/>
+            </a:pPr>
+            <a:endParaRPr>
+              <a:solidFill>
+                <a:schemeClr val="bg1"/>
+              </a:solidFill>
+              <a:sym typeface="+mn-ea"/>
+            </a:endParaRPr>
+          </a:p>
+          <a:p>
+            <a:pPr indent="0">
+              <a:buFont typeface="Wingdings" panose="05000000000000000000" charset="0"/>
+              <a:buNone/>
+            </a:pPr>
+            <a:r>
+              <a:rPr>
+                <a:solidFill>
+                  <a:schemeClr val="bg1"/>
+                </a:solidFill>
+                <a:sym typeface="+mn-ea"/>
+              </a:rPr>
+              <a:t>语法</a:t>
+            </a:r>
+            <a:r>
+              <a:rPr lang="zh-CN">
+                <a:solidFill>
+                  <a:schemeClr val="bg1"/>
+                </a:solidFill>
+                <a:sym typeface="+mn-ea"/>
+              </a:rPr>
+              <a:t>：</a:t>
+            </a:r>
+            <a:endParaRPr>
+              <a:solidFill>
+                <a:schemeClr val="bg1"/>
+              </a:solidFill>
+              <a:sym typeface="+mn-ea"/>
+            </a:endParaRPr>
+          </a:p>
+          <a:p>
+            <a:pPr indent="0">
+              <a:buFont typeface="Wingdings" panose="05000000000000000000" charset="0"/>
+              <a:buNone/>
+            </a:pPr>
+            <a:endParaRPr>
+              <a:solidFill>
+                <a:schemeClr val="bg1"/>
+              </a:solidFill>
+              <a:sym typeface="+mn-ea"/>
+            </a:endParaRPr>
+          </a:p>
+          <a:p>
+            <a:pPr indent="0">
+              <a:buFont typeface="Wingdings" panose="05000000000000000000" charset="0"/>
+              <a:buNone/>
+            </a:pPr>
+            <a:r>
+              <a:rPr>
+                <a:solidFill>
+                  <a:schemeClr val="bg1"/>
+                </a:solidFill>
+                <a:sym typeface="+mn-ea"/>
+              </a:rPr>
+              <a:t>declare var 声明全局变量</a:t>
+            </a:r>
+            <a:endParaRPr>
+              <a:solidFill>
+                <a:schemeClr val="bg1"/>
+              </a:solidFill>
+              <a:sym typeface="+mn-ea"/>
+            </a:endParaRPr>
+          </a:p>
+          <a:p>
+            <a:pPr indent="0">
+              <a:buFont typeface="Wingdings" panose="05000000000000000000" charset="0"/>
+              <a:buNone/>
+            </a:pPr>
+            <a:r>
+              <a:rPr>
+                <a:solidFill>
+                  <a:schemeClr val="bg1"/>
+                </a:solidFill>
+                <a:sym typeface="+mn-ea"/>
+              </a:rPr>
+              <a:t>declare function 声明全局方法</a:t>
+            </a:r>
+            <a:endParaRPr>
+              <a:solidFill>
+                <a:schemeClr val="bg1"/>
+              </a:solidFill>
+              <a:sym typeface="+mn-ea"/>
+            </a:endParaRPr>
+          </a:p>
+          <a:p>
+            <a:pPr indent="0">
+              <a:buFont typeface="Wingdings" panose="05000000000000000000" charset="0"/>
+              <a:buNone/>
+            </a:pPr>
+            <a:r>
+              <a:rPr>
+                <a:solidFill>
+                  <a:schemeClr val="bg1"/>
+                </a:solidFill>
+                <a:sym typeface="+mn-ea"/>
+              </a:rPr>
+              <a:t>declare class 声明全局类</a:t>
+            </a:r>
+            <a:endParaRPr>
+              <a:solidFill>
+                <a:schemeClr val="bg1"/>
+              </a:solidFill>
+              <a:sym typeface="+mn-ea"/>
+            </a:endParaRPr>
+          </a:p>
+          <a:p>
+            <a:pPr indent="0">
+              <a:buFont typeface="Wingdings" panose="05000000000000000000" charset="0"/>
+              <a:buNone/>
+            </a:pPr>
+            <a:r>
+              <a:rPr>
+                <a:solidFill>
+                  <a:schemeClr val="bg1"/>
+                </a:solidFill>
+                <a:sym typeface="+mn-ea"/>
+              </a:rPr>
+              <a:t>declare enum 声明全局枚举类型</a:t>
+            </a:r>
+            <a:endParaRPr>
+              <a:solidFill>
+                <a:schemeClr val="bg1"/>
+              </a:solidFill>
+              <a:sym typeface="+mn-ea"/>
+            </a:endParaRPr>
+          </a:p>
+          <a:p>
+            <a:pPr indent="0">
+              <a:buFont typeface="Wingdings" panose="05000000000000000000" charset="0"/>
+              <a:buNone/>
+            </a:pPr>
+            <a:r>
+              <a:rPr>
+                <a:solidFill>
+                  <a:schemeClr val="bg1"/>
+                </a:solidFill>
+                <a:sym typeface="+mn-ea"/>
+              </a:rPr>
+              <a:t>declare namespace 声明（含有子属性的）全局对象</a:t>
+            </a:r>
+            <a:endParaRPr>
+              <a:solidFill>
+                <a:schemeClr val="bg1"/>
+              </a:solidFill>
+              <a:sym typeface="+mn-ea"/>
+            </a:endParaRPr>
+          </a:p>
+          <a:p>
+            <a:pPr indent="0">
+              <a:buFont typeface="Wingdings" panose="05000000000000000000" charset="0"/>
+              <a:buNone/>
+            </a:pPr>
+            <a:r>
+              <a:rPr>
+                <a:solidFill>
+                  <a:schemeClr val="bg1"/>
+                </a:solidFill>
+                <a:sym typeface="+mn-ea"/>
+              </a:rPr>
+              <a:t>interface 和 type 声明全局类型</a:t>
+            </a:r>
+            <a:endParaRPr>
+              <a:solidFill>
+                <a:schemeClr val="bg1"/>
+              </a:solidFill>
+              <a:sym typeface="+mn-ea"/>
+            </a:endParaRPr>
+          </a:p>
+          <a:p>
+            <a:pPr indent="0">
+              <a:buFont typeface="Wingdings" panose="05000000000000000000" charset="0"/>
+              <a:buNone/>
+            </a:pPr>
+            <a:r>
+              <a:rPr>
+                <a:solidFill>
+                  <a:schemeClr val="bg1"/>
+                </a:solidFill>
+                <a:sym typeface="+mn-ea"/>
+              </a:rPr>
+              <a:t>export 导出变量</a:t>
+            </a:r>
+            <a:endParaRPr>
+              <a:solidFill>
+                <a:schemeClr val="bg1"/>
+              </a:solidFill>
+              <a:sym typeface="+mn-ea"/>
+            </a:endParaRPr>
+          </a:p>
+          <a:p>
+            <a:pPr indent="0">
+              <a:buFont typeface="Wingdings" panose="05000000000000000000" charset="0"/>
+              <a:buNone/>
+            </a:pPr>
+            <a:r>
+              <a:rPr>
+                <a:solidFill>
+                  <a:schemeClr val="bg1"/>
+                </a:solidFill>
+                <a:sym typeface="+mn-ea"/>
+              </a:rPr>
+              <a:t>export namespace 导出（含有子属性的）对象</a:t>
+            </a:r>
+            <a:endParaRPr>
+              <a:solidFill>
+                <a:schemeClr val="bg1"/>
+              </a:solidFill>
+              <a:sym typeface="+mn-ea"/>
+            </a:endParaRPr>
+          </a:p>
+          <a:p>
+            <a:pPr indent="0">
+              <a:buFont typeface="Wingdings" panose="05000000000000000000" charset="0"/>
+              <a:buNone/>
+            </a:pPr>
+            <a:r>
+              <a:rPr>
+                <a:solidFill>
+                  <a:schemeClr val="bg1"/>
+                </a:solidFill>
+                <a:sym typeface="+mn-ea"/>
+              </a:rPr>
+              <a:t>export default ES6 默认导出</a:t>
+            </a:r>
+            <a:endParaRPr>
+              <a:solidFill>
+                <a:schemeClr val="bg1"/>
+              </a:solidFill>
+              <a:sym typeface="+mn-ea"/>
+            </a:endParaRPr>
+          </a:p>
+          <a:p>
+            <a:pPr indent="0">
+              <a:buFont typeface="Wingdings" panose="05000000000000000000" charset="0"/>
+              <a:buNone/>
+            </a:pPr>
+            <a:r>
+              <a:rPr>
+                <a:solidFill>
+                  <a:schemeClr val="bg1"/>
+                </a:solidFill>
+                <a:sym typeface="+mn-ea"/>
+              </a:rPr>
+              <a:t>export = commonjs 导出模块</a:t>
+            </a:r>
+            <a:endParaRPr>
+              <a:solidFill>
+                <a:schemeClr val="bg1"/>
+              </a:solidFill>
+              <a:sym typeface="+mn-ea"/>
+            </a:endParaRPr>
+          </a:p>
+          <a:p>
+            <a:pPr indent="0">
+              <a:buFont typeface="Wingdings" panose="05000000000000000000" charset="0"/>
+              <a:buNone/>
+            </a:pPr>
+            <a:r>
+              <a:rPr>
+                <a:solidFill>
+                  <a:schemeClr val="bg1"/>
+                </a:solidFill>
+                <a:sym typeface="+mn-ea"/>
+              </a:rPr>
+              <a:t>export as namespace UMD 库声明全局变量</a:t>
+            </a:r>
+            <a:endParaRPr>
+              <a:solidFill>
+                <a:schemeClr val="bg1"/>
+              </a:solidFill>
+              <a:sym typeface="+mn-ea"/>
+            </a:endParaRPr>
+          </a:p>
+          <a:p>
+            <a:pPr indent="0">
+              <a:buFont typeface="Wingdings" panose="05000000000000000000" charset="0"/>
+              <a:buNone/>
+            </a:pPr>
+            <a:r>
+              <a:rPr>
+                <a:solidFill>
+                  <a:schemeClr val="bg1"/>
+                </a:solidFill>
+                <a:sym typeface="+mn-ea"/>
+              </a:rPr>
+              <a:t>declare global 扩展全局变量</a:t>
+            </a:r>
+            <a:endParaRPr>
+              <a:solidFill>
+                <a:schemeClr val="bg1"/>
+              </a:solidFill>
+              <a:sym typeface="+mn-ea"/>
+            </a:endParaRPr>
+          </a:p>
+          <a:p>
+            <a:pPr indent="0">
+              <a:buFont typeface="Wingdings" panose="05000000000000000000" charset="0"/>
+              <a:buNone/>
+            </a:pPr>
+            <a:r>
+              <a:rPr>
+                <a:solidFill>
+                  <a:schemeClr val="bg1"/>
+                </a:solidFill>
+                <a:sym typeface="+mn-ea"/>
+              </a:rPr>
+              <a:t>declare module 扩展模块</a:t>
+            </a:r>
+            <a:endParaRPr>
+              <a:solidFill>
+                <a:schemeClr val="bg1"/>
+              </a:solidFill>
+              <a:sym typeface="+mn-ea"/>
+            </a:endParaRPr>
+          </a:p>
+          <a:p>
+            <a:pPr indent="0">
+              <a:buFont typeface="Wingdings" panose="05000000000000000000" charset="0"/>
+              <a:buNone/>
+            </a:pPr>
+            <a:r>
+              <a:rPr>
+                <a:solidFill>
+                  <a:schemeClr val="bg1"/>
+                </a:solidFill>
+                <a:sym typeface="+mn-ea"/>
+              </a:rPr>
+              <a:t>/// &lt;reference /&gt; 三斜线指令</a:t>
+            </a:r>
+            <a:endParaRPr>
+              <a:solidFill>
+                <a:schemeClr val="bg1"/>
+              </a:solidFill>
+              <a:sym typeface="+mn-ea"/>
+            </a:endParaRPr>
+          </a:p>
+          <a:p>
+            <a:pPr indent="0">
+              <a:buFont typeface="Wingdings" panose="05000000000000000000" charset="0"/>
+              <a:buNone/>
+            </a:pPr>
+            <a:endParaRPr lang="en-US" altLang="zh-CN">
+              <a:solidFill>
+                <a:schemeClr val="bg1"/>
+              </a:solidFill>
             </a:endParaRPr>
           </a:p>
         </p:txBody>
@@ -6876,30 +7576,68 @@
           <a:chExt cx="0" cy="0"/>
         </a:xfrm>
       </p:grpSpPr>
-      <p:pic>
-        <p:nvPicPr>
-          <p:cNvPr id="6" name="图片 5"/>
-          <p:cNvPicPr>
-            <a:picLocks noChangeAspect="1"/>
-          </p:cNvPicPr>
+      <p:sp>
+        <p:nvSpPr>
+          <p:cNvPr id="2" name="object 2"/>
+          <p:cNvSpPr txBox="1"/>
           <p:nvPr/>
-        </p:nvPicPr>
-        <p:blipFill>
-          <a:blip r:embed="rId1"/>
-          <a:stretch>
-            <a:fillRect/>
-          </a:stretch>
-        </p:blipFill>
+        </p:nvSpPr>
         <p:spPr>
           <a:xfrm>
-            <a:off x="773430" y="103505"/>
-            <a:ext cx="7430770" cy="6650355"/>
+            <a:off x="184785" y="2623820"/>
+            <a:ext cx="8867140" cy="811530"/>
           </a:xfrm>
           <a:prstGeom prst="rect">
             <a:avLst/>
           </a:prstGeom>
         </p:spPr>
-      </p:pic>
+        <p:txBody>
+          <a:bodyPr vert="horz" wrap="square" lIns="0" tIns="12700" rIns="0" bIns="0" rtlCol="0">
+            <a:spAutoFit/>
+          </a:bodyPr>
+          <a:lstStyle/>
+          <a:p>
+            <a:pPr marL="1905" algn="ctr">
+              <a:lnSpc>
+                <a:spcPts val="6230"/>
+              </a:lnSpc>
+              <a:spcBef>
+                <a:spcPts val="100"/>
+              </a:spcBef>
+            </a:pPr>
+            <a:r>
+              <a:rPr lang="en-US" altLang="zh-CN" sz="3200" spc="-10" dirty="0">
+                <a:solidFill>
+                  <a:schemeClr val="bg1"/>
+                </a:solidFill>
+                <a:latin typeface="Arial" panose="020B0604020202020204"/>
+                <a:cs typeface="Arial" panose="020B0604020202020204"/>
+                <a:sym typeface="+mn-ea"/>
+              </a:rPr>
+              <a:t>9. </a:t>
+            </a:r>
+            <a:r>
+              <a:rPr lang="zh-CN" altLang="en-US" sz="3200" spc="-10" dirty="0">
+                <a:solidFill>
+                  <a:schemeClr val="bg1"/>
+                </a:solidFill>
+                <a:latin typeface="Arial" panose="020B0604020202020204"/>
+                <a:cs typeface="Arial" panose="020B0604020202020204"/>
+                <a:sym typeface="+mn-ea"/>
+              </a:rPr>
+              <a:t>内置对象</a:t>
+            </a:r>
+            <a:endParaRPr lang="zh-CN" altLang="en-US" sz="3200" spc="-10" dirty="0">
+              <a:solidFill>
+                <a:schemeClr val="bg1"/>
+              </a:solidFill>
+              <a:latin typeface="Arial" panose="020B0604020202020204"/>
+              <a:cs typeface="Arial" panose="020B0604020202020204"/>
+              <a:sym typeface="+mn-ea"/>
+            </a:endParaRPr>
+          </a:p>
+        </p:txBody>
+      </p:sp>
     </p:spTree>
   </p:cSld>
   <p:clrMapOvr>
@@ -6927,77 +7665,295 @@
       </p:grpSpPr>
       <p:sp>
         <p:nvSpPr>
-          <p:cNvPr id="2" name="object 2"/>
+          <p:cNvPr id="13" name="文本框 12"/>
           <p:cNvSpPr txBox="1"/>
           <p:nvPr/>
         </p:nvSpPr>
         <p:spPr>
           <a:xfrm>
-            <a:off x="1769745" y="2623820"/>
-            <a:ext cx="5603875" cy="1610360"/>
+            <a:off x="109220" y="410845"/>
+            <a:ext cx="8766810" cy="3969385"/>
+          </a:xfrm>
+          <a:prstGeom prst="rect">
+            <a:avLst/>
+          </a:prstGeom>
+          <a:noFill/>
+        </p:spPr>
+        <p:txBody>
+          <a:bodyPr wrap="square" rtlCol="0">
+            <a:spAutoFit/>
+          </a:bodyPr>
+          <a:p>
+            <a:pPr indent="0">
+              <a:buFont typeface="Wingdings" panose="05000000000000000000" charset="0"/>
+              <a:buNone/>
+            </a:pPr>
+            <a:r>
+              <a:rPr>
+                <a:solidFill>
+                  <a:schemeClr val="bg1"/>
+                </a:solidFill>
+                <a:sym typeface="+mn-ea"/>
+              </a:rPr>
+              <a:t>ECMAScript 标准提供的内置对象有：Boolean、Error、Date、RegExp 等。</a:t>
+            </a:r>
+            <a:endParaRPr>
+              <a:solidFill>
+                <a:schemeClr val="bg1"/>
+              </a:solidFill>
+              <a:sym typeface="+mn-ea"/>
+            </a:endParaRPr>
+          </a:p>
+          <a:p>
+            <a:pPr indent="0">
+              <a:buFont typeface="Wingdings" panose="05000000000000000000" charset="0"/>
+              <a:buNone/>
+            </a:pPr>
+            <a:endParaRPr>
+              <a:solidFill>
+                <a:schemeClr val="bg1"/>
+              </a:solidFill>
+              <a:sym typeface="+mn-ea"/>
+            </a:endParaRPr>
+          </a:p>
+          <a:p>
+            <a:pPr indent="0">
+              <a:buFont typeface="Wingdings" panose="05000000000000000000" charset="0"/>
+              <a:buNone/>
+            </a:pPr>
+            <a:r>
+              <a:rPr>
+                <a:solidFill>
+                  <a:schemeClr val="bg1"/>
+                </a:solidFill>
+                <a:sym typeface="+mn-ea"/>
+              </a:rPr>
+              <a:t>我们可以在 TypeScript 中将变量定义为这些类型：</a:t>
+            </a:r>
+            <a:endParaRPr>
+              <a:solidFill>
+                <a:schemeClr val="bg1"/>
+              </a:solidFill>
+              <a:sym typeface="+mn-ea"/>
+            </a:endParaRPr>
+          </a:p>
+          <a:p>
+            <a:pPr indent="0">
+              <a:buFont typeface="Wingdings" panose="05000000000000000000" charset="0"/>
+              <a:buNone/>
+            </a:pPr>
+            <a:endParaRPr>
+              <a:solidFill>
+                <a:schemeClr val="bg1"/>
+              </a:solidFill>
+              <a:sym typeface="+mn-ea"/>
+            </a:endParaRPr>
+          </a:p>
+          <a:p>
+            <a:pPr indent="0">
+              <a:buFont typeface="Wingdings" panose="05000000000000000000" charset="0"/>
+              <a:buNone/>
+            </a:pPr>
+            <a:endParaRPr>
+              <a:solidFill>
+                <a:schemeClr val="bg1"/>
+              </a:solidFill>
+              <a:sym typeface="+mn-ea"/>
+            </a:endParaRPr>
+          </a:p>
+          <a:p>
+            <a:pPr indent="0">
+              <a:buFont typeface="Wingdings" panose="05000000000000000000" charset="0"/>
+              <a:buNone/>
+            </a:pPr>
+            <a:endParaRPr>
+              <a:solidFill>
+                <a:schemeClr val="bg1"/>
+              </a:solidFill>
+              <a:sym typeface="+mn-ea"/>
+            </a:endParaRPr>
+          </a:p>
+          <a:p>
+            <a:pPr indent="0">
+              <a:buFont typeface="Wingdings" panose="05000000000000000000" charset="0"/>
+              <a:buNone/>
+            </a:pPr>
+            <a:endParaRPr>
+              <a:solidFill>
+                <a:schemeClr val="bg1"/>
+              </a:solidFill>
+              <a:sym typeface="+mn-ea"/>
+            </a:endParaRPr>
+          </a:p>
+          <a:p>
+            <a:pPr indent="0">
+              <a:buFont typeface="Wingdings" panose="05000000000000000000" charset="0"/>
+              <a:buNone/>
+            </a:pPr>
+            <a:endParaRPr>
+              <a:solidFill>
+                <a:schemeClr val="bg1"/>
+              </a:solidFill>
+              <a:sym typeface="+mn-ea"/>
+            </a:endParaRPr>
+          </a:p>
+          <a:p>
+            <a:pPr indent="0">
+              <a:buFont typeface="Wingdings" panose="05000000000000000000" charset="0"/>
+              <a:buNone/>
+            </a:pPr>
+            <a:endParaRPr>
+              <a:solidFill>
+                <a:schemeClr val="bg1"/>
+              </a:solidFill>
+              <a:sym typeface="+mn-ea"/>
+            </a:endParaRPr>
+          </a:p>
+          <a:p>
+            <a:pPr indent="0">
+              <a:buFont typeface="Wingdings" panose="05000000000000000000" charset="0"/>
+              <a:buNone/>
+            </a:pPr>
+            <a:endParaRPr>
+              <a:solidFill>
+                <a:schemeClr val="bg1"/>
+              </a:solidFill>
+              <a:sym typeface="+mn-ea"/>
+            </a:endParaRPr>
+          </a:p>
+          <a:p>
+            <a:pPr indent="0">
+              <a:buFont typeface="Wingdings" panose="05000000000000000000" charset="0"/>
+              <a:buNone/>
+            </a:pPr>
+            <a:r>
+              <a:rPr>
+                <a:solidFill>
+                  <a:schemeClr val="bg1"/>
+                </a:solidFill>
+                <a:sym typeface="+mn-ea"/>
+              </a:rPr>
+              <a:t>DOM 和 BOM 的内置对象</a:t>
+            </a:r>
+            <a:r>
+              <a:rPr lang="zh-CN">
+                <a:solidFill>
+                  <a:schemeClr val="bg1"/>
+                </a:solidFill>
+                <a:sym typeface="+mn-ea"/>
+              </a:rPr>
+              <a:t>：Document、HTMLElement、Event、NodeList 等。</a:t>
+            </a:r>
+            <a:endParaRPr lang="zh-CN">
+              <a:solidFill>
+                <a:schemeClr val="bg1"/>
+              </a:solidFill>
+              <a:sym typeface="+mn-ea"/>
+            </a:endParaRPr>
+          </a:p>
+          <a:p>
+            <a:pPr indent="0">
+              <a:buFont typeface="Wingdings" panose="05000000000000000000" charset="0"/>
+              <a:buNone/>
+            </a:pPr>
+            <a:r>
+              <a:rPr>
+                <a:solidFill>
+                  <a:schemeClr val="bg1"/>
+                </a:solidFill>
+                <a:sym typeface="+mn-ea"/>
+              </a:rPr>
+              <a:t>TypeScript 中会经常用到这些类型</a:t>
+            </a:r>
+            <a:r>
+              <a:rPr lang="zh-CN">
+                <a:solidFill>
+                  <a:schemeClr val="bg1"/>
+                </a:solidFill>
+                <a:sym typeface="+mn-ea"/>
+              </a:rPr>
+              <a:t>：</a:t>
+            </a:r>
+            <a:endParaRPr lang="zh-CN">
+              <a:solidFill>
+                <a:schemeClr val="bg1"/>
+              </a:solidFill>
+              <a:sym typeface="+mn-ea"/>
+            </a:endParaRPr>
+          </a:p>
+          <a:p>
+            <a:pPr indent="0">
+              <a:buFont typeface="Wingdings" panose="05000000000000000000" charset="0"/>
+              <a:buNone/>
+            </a:pPr>
+            <a:endParaRPr>
+              <a:solidFill>
+                <a:schemeClr val="bg1"/>
+              </a:solidFill>
+              <a:sym typeface="+mn-ea"/>
+            </a:endParaRPr>
+          </a:p>
+          <a:p>
+            <a:pPr indent="0">
+              <a:buFont typeface="Wingdings" panose="05000000000000000000" charset="0"/>
+              <a:buNone/>
+            </a:pPr>
+            <a:endParaRPr lang="en-US" altLang="zh-CN">
+              <a:solidFill>
+                <a:schemeClr val="bg1"/>
+              </a:solidFill>
+            </a:endParaRPr>
+          </a:p>
+        </p:txBody>
+      </p:sp>
+      <p:pic>
+        <p:nvPicPr>
+          <p:cNvPr id="2" name="图片 1" descr="carbon (2)"/>
+          <p:cNvPicPr>
+            <a:picLocks noChangeAspect="1"/>
+          </p:cNvPicPr>
+          <p:nvPr/>
+        </p:nvPicPr>
+        <p:blipFill>
+          <a:blip r:embed="rId1"/>
+          <a:stretch>
+            <a:fillRect/>
+          </a:stretch>
+        </p:blipFill>
+        <p:spPr>
+          <a:xfrm>
+            <a:off x="258445" y="1490980"/>
+            <a:ext cx="3809365" cy="1400175"/>
           </a:xfrm>
           <a:prstGeom prst="rect">
             <a:avLst/>
           </a:prstGeom>
         </p:spPr>
-        <p:txBody>
-          <a:bodyPr vert="horz" wrap="square" lIns="0" tIns="12700" rIns="0" bIns="0" rtlCol="0">
-            <a:spAutoFit/>
-          </a:bodyPr>
-          <a:lstStyle/>
-          <a:p>
-            <a:pPr marL="1905" algn="ctr">
-              <a:lnSpc>
-                <a:spcPts val="6230"/>
-              </a:lnSpc>
-              <a:spcBef>
-                <a:spcPts val="100"/>
-              </a:spcBef>
-            </a:pPr>
-            <a:r>
-              <a:rPr lang="zh-CN" altLang="zh-CN" sz="5200" spc="-5" dirty="0">
-                <a:solidFill>
-                  <a:srgbClr val="FFFFFF"/>
-                </a:solidFill>
-                <a:latin typeface="宋体" panose="02010600030101010101" pitchFamily="2" charset="-122"/>
-                <a:cs typeface="宋体" panose="02010600030101010101" pitchFamily="2" charset="-122"/>
-              </a:rPr>
-              <a:t>组件</a:t>
-            </a:r>
-            <a:endParaRPr lang="zh-CN" altLang="zh-CN" sz="5200" spc="-5" dirty="0">
-              <a:solidFill>
-                <a:srgbClr val="FFFFFF"/>
-              </a:solidFill>
-              <a:latin typeface="宋体" panose="02010600030101010101" pitchFamily="2" charset="-122"/>
-              <a:cs typeface="宋体" panose="02010600030101010101" pitchFamily="2" charset="-122"/>
-            </a:endParaRPr>
-          </a:p>
-          <a:p>
-            <a:pPr algn="ctr">
-              <a:lnSpc>
-                <a:spcPts val="6230"/>
-              </a:lnSpc>
-            </a:pPr>
-            <a:r>
-              <a:rPr sz="5200" spc="-10" dirty="0">
-                <a:solidFill>
-                  <a:srgbClr val="FFFFFF"/>
-                </a:solidFill>
-                <a:latin typeface="Arial" panose="020B0604020202020204"/>
-                <a:cs typeface="Arial" panose="020B0604020202020204"/>
-              </a:rPr>
-              <a:t>component</a:t>
-            </a:r>
-            <a:endParaRPr sz="5200" spc="-10" dirty="0">
-              <a:solidFill>
-                <a:srgbClr val="FFFFFF"/>
-              </a:solidFill>
-              <a:latin typeface="Arial" panose="020B0604020202020204"/>
-              <a:cs typeface="Arial" panose="020B0604020202020204"/>
-            </a:endParaRPr>
-          </a:p>
-        </p:txBody>
-      </p:sp>
+      </p:pic>
+      <p:pic>
+        <p:nvPicPr>
+          <p:cNvPr id="3" name="图片 2" descr="carbon (2)"/>
+          <p:cNvPicPr>
+            <a:picLocks noChangeAspect="1"/>
+          </p:cNvPicPr>
+          <p:nvPr/>
+        </p:nvPicPr>
+        <p:blipFill>
+          <a:blip r:embed="rId2"/>
+          <a:stretch>
+            <a:fillRect/>
+          </a:stretch>
+        </p:blipFill>
+        <p:spPr>
+          <a:xfrm>
+            <a:off x="258445" y="3832860"/>
+            <a:ext cx="5180965" cy="1571625"/>
+          </a:xfrm>
+          <a:prstGeom prst="rect">
+            <a:avLst/>
+          </a:prstGeom>
+        </p:spPr>
+      </p:pic>
     </p:spTree>
   </p:cSld>
   <p:clrMapOvr>
@@ -7025,118 +7981,256 @@
       </p:grpSpPr>
       <p:sp>
         <p:nvSpPr>
-          <p:cNvPr id="2" name="object 2"/>
-          <p:cNvSpPr txBox="1">
-            <a:spLocks noGrp="1"/>
-          </p:cNvSpPr>
-          <p:nvPr>
-            <p:ph type="title"/>
-          </p:nvPr>
-        </p:nvSpPr>
-        <p:spPr>
-          <a:xfrm>
-            <a:off x="384810" y="652145"/>
-            <a:ext cx="2506345" cy="443230"/>
-          </a:xfrm>
-          <a:prstGeom prst="rect">
-            <a:avLst/>
-          </a:prstGeom>
-        </p:spPr>
-        <p:txBody>
-          <a:bodyPr vert="horz" wrap="square" lIns="0" tIns="12700" rIns="0" bIns="0" rtlCol="0">
-            <a:spAutoFit/>
-          </a:bodyPr>
-          <a:lstStyle/>
-          <a:p>
-            <a:pPr marL="12700">
-              <a:lnSpc>
-                <a:spcPct val="100000"/>
-              </a:lnSpc>
-              <a:spcBef>
-                <a:spcPts val="100"/>
-              </a:spcBef>
-            </a:pPr>
-            <a:r>
-              <a:rPr lang="zh-CN" sz="2800" spc="-10" dirty="0">
-                <a:latin typeface="Arial" panose="020B0604020202020204"/>
-                <a:cs typeface="Arial" panose="020B0604020202020204"/>
-              </a:rPr>
-              <a:t>组件化应用构建</a:t>
-            </a:r>
-            <a:endParaRPr lang="zh-CN" sz="2800" spc="-10" dirty="0">
-              <a:latin typeface="Arial" panose="020B0604020202020204"/>
-              <a:cs typeface="Arial" panose="020B0604020202020204"/>
-            </a:endParaRPr>
-          </a:p>
-        </p:txBody>
-      </p:sp>
-      <p:sp>
-        <p:nvSpPr>
-          <p:cNvPr id="3" name="object 3"/>
+          <p:cNvPr id="13" name="文本框 12"/>
           <p:cNvSpPr txBox="1"/>
           <p:nvPr/>
         </p:nvSpPr>
         <p:spPr>
           <a:xfrm>
-            <a:off x="384773" y="1419025"/>
-            <a:ext cx="6059170" cy="2045970"/>
+            <a:off x="109220" y="410845"/>
+            <a:ext cx="8766810" cy="5077460"/>
           </a:xfrm>
           <a:prstGeom prst="rect">
             <a:avLst/>
           </a:prstGeom>
+          <a:noFill/>
         </p:spPr>
         <p:txBody>
-          <a:bodyPr vert="horz" wrap="square" lIns="0" tIns="199390" rIns="0" bIns="0" rtlCol="0">
+          <a:bodyPr wrap="square" rtlCol="0">
             <a:spAutoFit/>
           </a:bodyPr>
-          <a:lstStyle/>
-          <a:p>
-            <a:pPr marL="424815" indent="-412115">
-              <a:lnSpc>
-                <a:spcPct val="100000"/>
-              </a:lnSpc>
-              <a:spcBef>
-                <a:spcPts val="1570"/>
-              </a:spcBef>
-              <a:buClr>
-                <a:srgbClr val="FFFFFF"/>
-              </a:buClr>
-              <a:buChar char="●"/>
-              <a:tabLst>
-                <a:tab pos="424815" algn="l"/>
-                <a:tab pos="425450" algn="l"/>
-              </a:tabLst>
-            </a:pPr>
-            <a:r>
-              <a:rPr lang="zh-CN" sz="2400" spc="-15" dirty="0">
-                <a:solidFill>
-                  <a:srgbClr val="FFFFFF"/>
-                </a:solidFill>
-                <a:latin typeface="Arial" panose="020B0604020202020204"/>
-                <a:cs typeface="Arial" panose="020B0604020202020204"/>
-              </a:rPr>
-              <a:t>组件系统是 Vue 的另一个重要概念，因为它是一种抽象，允许我们使用小型、独立和通常可复用的组件构建大型应用。仔细想想，几乎任意类型的应用界面都可以抽象为一个组件树</a:t>
-            </a:r>
-            <a:r>
-              <a:rPr lang="zh-CN" sz="2400" spc="-10" dirty="0">
-                <a:solidFill>
-                  <a:srgbClr val="FFFFFF"/>
-                </a:solidFill>
-                <a:latin typeface="Arial" panose="020B0604020202020204"/>
-                <a:cs typeface="Arial" panose="020B0604020202020204"/>
-              </a:rPr>
-              <a:t>可组合的视图组件</a:t>
-            </a:r>
-            <a:endParaRPr lang="zh-CN" sz="2400">
-              <a:latin typeface="宋体" panose="02010600030101010101" pitchFamily="2" charset="-122"/>
-              <a:cs typeface="宋体" panose="02010600030101010101" pitchFamily="2" charset="-122"/>
+          <a:p>
+            <a:pPr indent="0">
+              <a:buFont typeface="Wingdings" panose="05000000000000000000" charset="0"/>
+              <a:buNone/>
+            </a:pPr>
+            <a:r>
+              <a:rPr>
+                <a:solidFill>
+                  <a:schemeClr val="bg1"/>
+                </a:solidFill>
+                <a:sym typeface="+mn-ea"/>
+              </a:rPr>
+              <a:t>TypeScript 核心库的定义文件</a:t>
+            </a:r>
+            <a:endParaRPr>
+              <a:solidFill>
+                <a:schemeClr val="bg1"/>
+              </a:solidFill>
+              <a:sym typeface="+mn-ea"/>
+            </a:endParaRPr>
+          </a:p>
+          <a:p>
+            <a:pPr indent="0">
+              <a:buFont typeface="Wingdings" panose="05000000000000000000" charset="0"/>
+              <a:buNone/>
+            </a:pPr>
+            <a:endParaRPr>
+              <a:solidFill>
+                <a:schemeClr val="bg1"/>
+              </a:solidFill>
+              <a:sym typeface="+mn-ea"/>
+            </a:endParaRPr>
+          </a:p>
+          <a:p>
+            <a:pPr indent="0">
+              <a:buFont typeface="Wingdings" panose="05000000000000000000" charset="0"/>
+              <a:buNone/>
+            </a:pPr>
+            <a:r>
+              <a:rPr>
+                <a:solidFill>
+                  <a:schemeClr val="bg1"/>
+                </a:solidFill>
+                <a:sym typeface="+mn-ea"/>
+              </a:rPr>
+              <a:t>TypeScript 核心库的定义文件中定义了所有浏览器环境需要用到的类型，并且是预置在 TypeScript 中的。</a:t>
+            </a:r>
+            <a:endParaRPr>
+              <a:solidFill>
+                <a:schemeClr val="bg1"/>
+              </a:solidFill>
+              <a:sym typeface="+mn-ea"/>
+            </a:endParaRPr>
+          </a:p>
+          <a:p>
+            <a:pPr indent="0">
+              <a:buFont typeface="Wingdings" panose="05000000000000000000" charset="0"/>
+              <a:buNone/>
+            </a:pPr>
+            <a:r>
+              <a:rPr>
+                <a:solidFill>
+                  <a:schemeClr val="bg1"/>
+                </a:solidFill>
+                <a:sym typeface="+mn-ea"/>
+              </a:rPr>
+              <a:t>当你在使用一些常用的方法的时候，TypeScript 实际上已经帮你做了很多类型判断的工作了，比如：</a:t>
+            </a:r>
+            <a:endParaRPr>
+              <a:solidFill>
+                <a:schemeClr val="bg1"/>
+              </a:solidFill>
+              <a:sym typeface="+mn-ea"/>
+            </a:endParaRPr>
+          </a:p>
+          <a:p>
+            <a:pPr indent="0">
+              <a:buFont typeface="Wingdings" panose="05000000000000000000" charset="0"/>
+              <a:buNone/>
+            </a:pPr>
+            <a:endParaRPr>
+              <a:solidFill>
+                <a:schemeClr val="bg1"/>
+              </a:solidFill>
+              <a:sym typeface="+mn-ea"/>
+            </a:endParaRPr>
+          </a:p>
+          <a:p>
+            <a:pPr indent="0">
+              <a:buFont typeface="Wingdings" panose="05000000000000000000" charset="0"/>
+              <a:buNone/>
+            </a:pPr>
+            <a:endParaRPr>
+              <a:solidFill>
+                <a:schemeClr val="bg1"/>
+              </a:solidFill>
+              <a:sym typeface="+mn-ea"/>
+            </a:endParaRPr>
+          </a:p>
+          <a:p>
+            <a:pPr indent="0">
+              <a:buFont typeface="Wingdings" panose="05000000000000000000" charset="0"/>
+              <a:buNone/>
+            </a:pPr>
+            <a:endParaRPr>
+              <a:solidFill>
+                <a:schemeClr val="bg1"/>
+              </a:solidFill>
+              <a:sym typeface="+mn-ea"/>
+            </a:endParaRPr>
+          </a:p>
+          <a:p>
+            <a:pPr indent="0">
+              <a:buFont typeface="Wingdings" panose="05000000000000000000" charset="0"/>
+              <a:buNone/>
+            </a:pPr>
+            <a:endParaRPr>
+              <a:solidFill>
+                <a:schemeClr val="bg1"/>
+              </a:solidFill>
+              <a:sym typeface="+mn-ea"/>
+            </a:endParaRPr>
+          </a:p>
+          <a:p>
+            <a:pPr indent="0">
+              <a:buFont typeface="Wingdings" panose="05000000000000000000" charset="0"/>
+              <a:buNone/>
+            </a:pPr>
+            <a:endParaRPr>
+              <a:solidFill>
+                <a:schemeClr val="bg1"/>
+              </a:solidFill>
+              <a:sym typeface="+mn-ea"/>
+            </a:endParaRPr>
+          </a:p>
+          <a:p>
+            <a:pPr indent="0">
+              <a:buFont typeface="Wingdings" panose="05000000000000000000" charset="0"/>
+              <a:buNone/>
+            </a:pPr>
+            <a:endParaRPr>
+              <a:solidFill>
+                <a:schemeClr val="bg1"/>
+              </a:solidFill>
+              <a:sym typeface="+mn-ea"/>
+            </a:endParaRPr>
+          </a:p>
+          <a:p>
+            <a:pPr indent="0">
+              <a:buFont typeface="Wingdings" panose="05000000000000000000" charset="0"/>
+              <a:buNone/>
+            </a:pPr>
+            <a:endParaRPr>
+              <a:solidFill>
+                <a:schemeClr val="bg1"/>
+              </a:solidFill>
+              <a:sym typeface="+mn-ea"/>
+            </a:endParaRPr>
+          </a:p>
+          <a:p>
+            <a:pPr indent="0">
+              <a:buFont typeface="Wingdings" panose="05000000000000000000" charset="0"/>
+              <a:buNone/>
+            </a:pPr>
+            <a:endParaRPr>
+              <a:solidFill>
+                <a:schemeClr val="bg1"/>
+              </a:solidFill>
+              <a:sym typeface="+mn-ea"/>
+            </a:endParaRPr>
+          </a:p>
+          <a:p>
+            <a:pPr indent="0">
+              <a:buFont typeface="Wingdings" panose="05000000000000000000" charset="0"/>
+              <a:buNone/>
+            </a:pPr>
+            <a:r>
+              <a:rPr>
+                <a:solidFill>
+                  <a:schemeClr val="bg1"/>
+                </a:solidFill>
+                <a:sym typeface="+mn-ea"/>
+              </a:rPr>
+              <a:t>上面的例子中，Math.pow 必须接受两个 number 类型的参数。</a:t>
+            </a:r>
+            <a:endParaRPr>
+              <a:solidFill>
+                <a:schemeClr val="bg1"/>
+              </a:solidFill>
+              <a:sym typeface="+mn-ea"/>
+            </a:endParaRPr>
+          </a:p>
+          <a:p>
+            <a:pPr indent="0">
+              <a:buFont typeface="Wingdings" panose="05000000000000000000" charset="0"/>
+              <a:buNone/>
+            </a:pPr>
+            <a:endParaRPr lang="zh-CN">
+              <a:solidFill>
+                <a:schemeClr val="bg1"/>
+              </a:solidFill>
+              <a:sym typeface="+mn-ea"/>
+            </a:endParaRPr>
+          </a:p>
+          <a:p>
+            <a:pPr indent="0">
+              <a:buFont typeface="Wingdings" panose="05000000000000000000" charset="0"/>
+              <a:buNone/>
+            </a:pPr>
+            <a:endParaRPr>
+              <a:solidFill>
+                <a:schemeClr val="bg1"/>
+              </a:solidFill>
+              <a:sym typeface="+mn-ea"/>
+            </a:endParaRPr>
+          </a:p>
+          <a:p>
+            <a:pPr indent="0">
+              <a:buFont typeface="Wingdings" panose="05000000000000000000" charset="0"/>
+              <a:buNone/>
+            </a:pPr>
+            <a:endParaRPr lang="en-US" altLang="zh-CN">
+              <a:solidFill>
+                <a:schemeClr val="bg1"/>
+              </a:solidFill>
             </a:endParaRPr>
           </a:p>
         </p:txBody>
       </p:sp>
       <p:pic>
         <p:nvPicPr>
-          <p:cNvPr id="4" name="图片 3"/>
+          <p:cNvPr id="4" name="图片 3" descr="carbon (2)"/>
           <p:cNvPicPr>
             <a:picLocks noChangeAspect="1"/>
           </p:cNvPicPr>
@@ -7150,8 +8244,8 @@
         </p:blipFill>
         <p:spPr>
           <a:xfrm>
-            <a:off x="848995" y="3792220"/>
-            <a:ext cx="6998970" cy="2772410"/>
+            <a:off x="95885" y="2814320"/>
+            <a:ext cx="8952230" cy="1228725"/>
           </a:xfrm>
           <a:prstGeom prst="rect">
             <a:avLst/>
@@ -7186,17 +8280,13 @@
       <p:sp>
         <p:nvSpPr>
           <p:cNvPr id="2" name="object 2"/>
-          <p:cNvSpPr txBox="1">
-            <a:spLocks noGrp="1"/>
-          </p:cNvSpPr>
-          <p:nvPr>
-            <p:ph type="title"/>
-          </p:nvPr>
+          <p:cNvSpPr txBox="1"/>
+          <p:nvPr/>
         </p:nvSpPr>
         <p:spPr>
           <a:xfrm>
-            <a:off x="384810" y="652145"/>
-            <a:ext cx="4337685" cy="443230"/>
+            <a:off x="1389380" y="506095"/>
+            <a:ext cx="6365240" cy="811530"/>
           </a:xfrm>
           <a:prstGeom prst="rect">
             <a:avLst/>
@@ -7208,29 +8298,28 @@
           </a:bodyPr>
           <a:lstStyle/>
           <a:p>
-            <a:pPr marL="12700">
+            <a:pPr marL="1905" algn="ctr">
               <a:lnSpc>
-                <a:spcPct val="100000"/>
+                <a:spcPts val="6230"/>
               </a:lnSpc>
               <a:spcBef>
                 <a:spcPts val="100"/>
               </a:spcBef>
             </a:pPr>
             <a:r>
-              <a:rPr lang="en-US" sz="2800" spc="-10" dirty="0">
-                <a:latin typeface="Arial" panose="020B0604020202020204"/>
-                <a:cs typeface="Arial" panose="020B0604020202020204"/>
-              </a:rPr>
-              <a:t>Vuex</a:t>
-            </a:r>
-            <a:r>
-              <a:rPr lang="zh-CN" sz="2800" spc="-10" dirty="0">
-                <a:latin typeface="Arial" panose="020B0604020202020204"/>
-                <a:cs typeface="Arial" panose="020B0604020202020204"/>
-              </a:rPr>
-              <a:t>是什么？</a:t>
-            </a:r>
-            <a:endParaRPr lang="zh-CN" sz="2800" spc="-10" dirty="0">
+              <a:rPr lang="zh-CN" altLang="zh-CN" sz="5200" spc="-5" dirty="0">
+                <a:solidFill>
+                  <a:srgbClr val="FFFFFF"/>
+                </a:solidFill>
+                <a:latin typeface="宋体" panose="02010600030101010101" pitchFamily="2" charset="-122"/>
+                <a:cs typeface="宋体" panose="02010600030101010101" pitchFamily="2" charset="-122"/>
+              </a:rPr>
+              <a:t>最后</a:t>
+            </a:r>
+            <a:endParaRPr sz="5200" spc="-10" dirty="0">
+              <a:solidFill>
+                <a:srgbClr val="FFFFFF"/>
+              </a:solidFill>
               <a:latin typeface="Arial" panose="020B0604020202020204"/>
               <a:cs typeface="Arial" panose="020B0604020202020204"/>
             </a:endParaRPr>
@@ -7245,8 +8334,8 @@
         </p:nvSpPr>
         <p:spPr>
           <a:xfrm>
-            <a:off x="384810" y="1419225"/>
-            <a:ext cx="8409305" cy="1306830"/>
+            <a:off x="367665" y="1483995"/>
+            <a:ext cx="8409305" cy="568325"/>
           </a:xfrm>
           <a:prstGeom prst="rect">
             <a:avLst/>
@@ -7256,7 +8345,6 @@
           <a:bodyPr vert="horz" wrap="square" lIns="0" tIns="199390" rIns="0" bIns="0" rtlCol="0">
             <a:spAutoFit/>
           </a:bodyPr>
-          <a:lstStyle/>
           <a:p>
             <a:pPr marL="424815" indent="-412115">
               <a:lnSpc>
@@ -7281,10 +8369,227 @@
                 </a:solidFill>
                 <a:latin typeface="Arial" panose="020B0604020202020204"/>
                 <a:cs typeface="Arial" panose="020B0604020202020204"/>
-              </a:rPr>
-              <a:t>Vuex 是一个专为 Vue.js 应用程序开发的状态管理模式。它采用集中式存储管理应用的所有组件的状态，并以相应的规则保证状态以一种可预测的方式发生变化。</a:t>
+                <a:hlinkClick r:id="rId1" tooltip="" action="ppaction://hlinkfile"/>
+              </a:rPr>
+              <a:t>TypeScript 入门教程</a:t>
             </a:r>
             <a:endParaRPr lang="zh-CN" sz="2400" dirty="0">
+              <a:solidFill>
+                <a:srgbClr val="FFFFFF"/>
+              </a:solidFill>
+              <a:latin typeface="Arial" panose="020B0604020202020204"/>
+              <a:cs typeface="Arial" panose="020B0604020202020204"/>
+            </a:endParaRPr>
+          </a:p>
+        </p:txBody>
+      </p:sp>
+      <p:sp>
+        <p:nvSpPr>
+          <p:cNvPr id="4" name="object 3"/>
+          <p:cNvSpPr txBox="1"/>
+          <p:nvPr/>
+        </p:nvSpPr>
+        <p:spPr>
+          <a:xfrm>
+            <a:off x="367665" y="2385060"/>
+            <a:ext cx="8409305" cy="568325"/>
+          </a:xfrm>
+          <a:prstGeom prst="rect">
+            <a:avLst/>
+          </a:prstGeom>
+        </p:spPr>
+        <p:txBody>
+          <a:bodyPr vert="horz" wrap="square" lIns="0" tIns="199390" rIns="0" bIns="0" rtlCol="0">
+            <a:spAutoFit/>
+          </a:bodyPr>
+          <a:p>
+            <a:pPr marL="424815" indent="-412115">
+              <a:lnSpc>
+                <a:spcPct val="100000"/>
+              </a:lnSpc>
+              <a:spcBef>
+                <a:spcPts val="1570"/>
+              </a:spcBef>
+              <a:buClr>
+                <a:srgbClr val="FFFFFF"/>
+              </a:buClr>
+              <a:buChar char="●"/>
+              <a:tabLst>
+                <a:tab pos="424815" algn="l"/>
+                <a:tab pos="425450" algn="l"/>
+              </a:tabLst>
+            </a:pPr>
+            <a:r>
+              <a:rPr lang="en-US" altLang="zh-CN" sz="2400" dirty="0">
+                <a:solidFill>
+                  <a:srgbClr val="FFFFFF"/>
+                </a:solidFill>
+                <a:latin typeface="Arial" panose="020B0604020202020204"/>
+                <a:cs typeface="Arial" panose="020B0604020202020204"/>
+                <a:hlinkClick r:id="rId2" tooltip=""/>
+              </a:rPr>
+              <a:t>TypeScript</a:t>
+            </a:r>
+            <a:r>
+              <a:rPr lang="zh-CN" altLang="en-US" sz="2400" dirty="0">
+                <a:solidFill>
+                  <a:srgbClr val="FFFFFF"/>
+                </a:solidFill>
+                <a:latin typeface="Arial" panose="020B0604020202020204"/>
+                <a:cs typeface="Arial" panose="020B0604020202020204"/>
+                <a:hlinkClick r:id="rId2" tooltip=""/>
+              </a:rPr>
+              <a:t>官方教程</a:t>
+            </a:r>
+            <a:endParaRPr lang="en-US" altLang="zh-CN" sz="2400" dirty="0">
+              <a:solidFill>
+                <a:srgbClr val="FFFFFF"/>
+              </a:solidFill>
+              <a:latin typeface="Arial" panose="020B0604020202020204"/>
+              <a:cs typeface="Arial" panose="020B0604020202020204"/>
+            </a:endParaRPr>
+          </a:p>
+        </p:txBody>
+      </p:sp>
+      <p:sp>
+        <p:nvSpPr>
+          <p:cNvPr id="5" name="object 3"/>
+          <p:cNvSpPr txBox="1"/>
+          <p:nvPr/>
+        </p:nvSpPr>
+        <p:spPr>
+          <a:xfrm>
+            <a:off x="367030" y="3235325"/>
+            <a:ext cx="8409305" cy="568325"/>
+          </a:xfrm>
+          <a:prstGeom prst="rect">
+            <a:avLst/>
+          </a:prstGeom>
+        </p:spPr>
+        <p:txBody>
+          <a:bodyPr vert="horz" wrap="square" lIns="0" tIns="199390" rIns="0" bIns="0" rtlCol="0">
+            <a:spAutoFit/>
+          </a:bodyPr>
+          <a:p>
+            <a:pPr marL="424815" indent="-412115">
+              <a:lnSpc>
+                <a:spcPct val="100000"/>
+              </a:lnSpc>
+              <a:spcBef>
+                <a:spcPts val="1570"/>
+              </a:spcBef>
+              <a:buClr>
+                <a:srgbClr val="FFFFFF"/>
+              </a:buClr>
+              <a:buChar char="●"/>
+              <a:tabLst>
+                <a:tab pos="424815" algn="l"/>
+                <a:tab pos="425450" algn="l"/>
+              </a:tabLst>
+            </a:pPr>
+            <a:r>
+              <a:rPr lang="en-US" altLang="zh-CN" sz="2400" dirty="0">
+                <a:solidFill>
+                  <a:srgbClr val="FFFFFF"/>
+                </a:solidFill>
+                <a:latin typeface="Arial" panose="020B0604020202020204"/>
+                <a:cs typeface="Arial" panose="020B0604020202020204"/>
+                <a:hlinkClick r:id="rId3" tooltip="" action="ppaction://hlinkfile"/>
+              </a:rPr>
+              <a:t>TypeScript</a:t>
+            </a:r>
+            <a:r>
+              <a:rPr lang="zh-CN" sz="2400" dirty="0">
+                <a:solidFill>
+                  <a:srgbClr val="FFFFFF"/>
+                </a:solidFill>
+                <a:latin typeface="Arial" panose="020B0604020202020204"/>
+                <a:cs typeface="Arial" panose="020B0604020202020204"/>
+                <a:hlinkClick r:id="rId3" tooltip="" action="ppaction://hlinkfile"/>
+              </a:rPr>
+              <a:t>非官方教程</a:t>
+            </a:r>
+            <a:r>
+              <a:rPr lang="zh-CN" sz="2400" dirty="0">
+                <a:solidFill>
+                  <a:srgbClr val="FFFFFF"/>
+                </a:solidFill>
+                <a:latin typeface="Arial" panose="020B0604020202020204"/>
+                <a:cs typeface="Arial" panose="020B0604020202020204"/>
+                <a:hlinkClick r:id="rId3" tooltip="" action="ppaction://hlinkfile"/>
+              </a:rPr>
+              <a:t>中文版</a:t>
+            </a:r>
+            <a:endParaRPr lang="zh-CN" sz="2400" dirty="0">
+              <a:solidFill>
+                <a:srgbClr val="FFFFFF"/>
+              </a:solidFill>
+              <a:latin typeface="Arial" panose="020B0604020202020204"/>
+              <a:cs typeface="Arial" panose="020B0604020202020204"/>
+              <a:hlinkClick r:id="rId3" tooltip="" action="ppaction://hlinkfile"/>
+            </a:endParaRPr>
+          </a:p>
+        </p:txBody>
+      </p:sp>
+      <p:sp>
+        <p:nvSpPr>
+          <p:cNvPr id="6" name="object 3"/>
+          <p:cNvSpPr txBox="1"/>
+          <p:nvPr/>
+        </p:nvSpPr>
+        <p:spPr>
+          <a:xfrm>
+            <a:off x="367665" y="4072255"/>
+            <a:ext cx="8409305" cy="568325"/>
+          </a:xfrm>
+          <a:prstGeom prst="rect">
+            <a:avLst/>
+          </a:prstGeom>
+        </p:spPr>
+        <p:txBody>
+          <a:bodyPr vert="horz" wrap="square" lIns="0" tIns="199390" rIns="0" bIns="0" rtlCol="0">
+            <a:spAutoFit/>
+          </a:bodyPr>
+          <a:p>
+            <a:pPr marL="424815" indent="-412115">
+              <a:lnSpc>
+                <a:spcPct val="100000"/>
+              </a:lnSpc>
+              <a:spcBef>
+                <a:spcPts val="1570"/>
+              </a:spcBef>
+              <a:buClr>
+                <a:srgbClr val="FFFFFF"/>
+              </a:buClr>
+              <a:buChar char="●"/>
+              <a:tabLst>
+                <a:tab pos="424815" algn="l"/>
+                <a:tab pos="425450" algn="l"/>
+              </a:tabLst>
+            </a:pPr>
+            <a:r>
+              <a:rPr lang="en-US" sz="2400" dirty="0">
+                <a:solidFill>
+                  <a:srgbClr val="FFFFFF"/>
+                </a:solidFill>
+                <a:latin typeface="Arial" panose="020B0604020202020204"/>
+                <a:cs typeface="Arial" panose="020B0604020202020204"/>
+                <a:hlinkClick r:id="rId4" tooltip=""/>
+              </a:rPr>
+              <a:t>ES6</a:t>
+            </a:r>
+            <a:r>
+              <a:rPr lang="zh-CN" altLang="en-US" sz="2400" dirty="0">
+                <a:solidFill>
+                  <a:srgbClr val="FFFFFF"/>
+                </a:solidFill>
+                <a:latin typeface="Arial" panose="020B0604020202020204"/>
+                <a:cs typeface="Arial" panose="020B0604020202020204"/>
+                <a:hlinkClick r:id="rId4" tooltip=""/>
+              </a:rPr>
+              <a:t>入门</a:t>
+            </a:r>
+            <a:endParaRPr lang="zh-CN" altLang="en-US" sz="2400" dirty="0">
               <a:solidFill>
                 <a:srgbClr val="FFFFFF"/>
               </a:solidFill>
@@ -7378,2448 +8683,6 @@
 </p:sld>
 </file>
 
-<file path=ppt/slides/slide30.xml><?xml version="1.0" encoding="utf-8"?>
-<p:sld xmlns:a="http://schemas.openxmlformats.org/drawingml/2006/main" xmlns:r="http://schemas.openxmlformats.org/officeDocument/2006/relationships" xmlns:p="http://schemas.openxmlformats.org/presentationml/2006/main">
-  <p:cSld>
-    <p:spTree>
-      <p:nvGrpSpPr>
-        <p:cNvPr id="1" name=""/>
-        <p:cNvGrpSpPr/>
-        <p:nvPr/>
-      </p:nvGrpSpPr>
-      <p:grpSpPr>
-        <a:xfrm>
-          <a:off x="0" y="0"/>
-          <a:ext cx="0" cy="0"/>
-          <a:chOff x="0" y="0"/>
-          <a:chExt cx="0" cy="0"/>
-        </a:xfrm>
-      </p:grpSpPr>
-      <p:sp>
-        <p:nvSpPr>
-          <p:cNvPr id="2" name="object 2"/>
-          <p:cNvSpPr txBox="1">
-            <a:spLocks noGrp="1"/>
-          </p:cNvSpPr>
-          <p:nvPr>
-            <p:ph type="title"/>
-          </p:nvPr>
-        </p:nvSpPr>
-        <p:spPr>
-          <a:xfrm>
-            <a:off x="785495" y="3145790"/>
-            <a:ext cx="7572375" cy="566420"/>
-          </a:xfrm>
-          <a:prstGeom prst="rect">
-            <a:avLst/>
-          </a:prstGeom>
-        </p:spPr>
-        <p:txBody>
-          <a:bodyPr vert="horz" wrap="square" lIns="0" tIns="12700" rIns="0" bIns="0" rtlCol="0">
-            <a:spAutoFit/>
-          </a:bodyPr>
-          <a:lstStyle/>
-          <a:p>
-            <a:pPr marL="12700">
-              <a:lnSpc>
-                <a:spcPct val="100000"/>
-              </a:lnSpc>
-              <a:spcBef>
-                <a:spcPts val="100"/>
-              </a:spcBef>
-            </a:pPr>
-            <a:r>
-              <a:rPr sz="3600" spc="-5" dirty="0">
-                <a:solidFill>
-                  <a:srgbClr val="EFEFEF"/>
-                </a:solidFill>
-              </a:rPr>
-              <a:t>“</a:t>
-            </a:r>
-            <a:r>
-              <a:rPr lang="en-US" sz="3600" spc="-5" dirty="0">
-                <a:solidFill>
-                  <a:srgbClr val="EFEFEF"/>
-                </a:solidFill>
-              </a:rPr>
-              <a:t>Vue</a:t>
-            </a:r>
-            <a:r>
-              <a:rPr lang="zh-CN" altLang="en-US" sz="3600" spc="-5" dirty="0">
-                <a:solidFill>
-                  <a:srgbClr val="EFEFEF"/>
-                </a:solidFill>
-              </a:rPr>
-              <a:t>组件也并没有想象中那么好用？</a:t>
-            </a:r>
-            <a:r>
-              <a:rPr sz="3600" spc="-5" dirty="0">
-                <a:solidFill>
-                  <a:srgbClr val="EFEFEF"/>
-                </a:solidFill>
-              </a:rPr>
-              <a:t>”</a:t>
-            </a:r>
-            <a:endParaRPr sz="3600"/>
-          </a:p>
-        </p:txBody>
-      </p:sp>
-    </p:spTree>
-  </p:cSld>
-  <p:clrMapOvr>
-    <a:masterClrMapping/>
-  </p:clrMapOvr>
-</p:sld>
-</file>
-
-<file path=ppt/slides/slide31.xml><?xml version="1.0" encoding="utf-8"?>
-<p:sld xmlns:a="http://schemas.openxmlformats.org/drawingml/2006/main" xmlns:r="http://schemas.openxmlformats.org/officeDocument/2006/relationships" xmlns:p="http://schemas.openxmlformats.org/presentationml/2006/main">
-  <p:cSld>
-    <p:spTree>
-      <p:nvGrpSpPr>
-        <p:cNvPr id="1" name=""/>
-        <p:cNvGrpSpPr/>
-        <p:nvPr/>
-      </p:nvGrpSpPr>
-      <p:grpSpPr>
-        <a:xfrm>
-          <a:off x="0" y="0"/>
-          <a:ext cx="0" cy="0"/>
-          <a:chOff x="0" y="0"/>
-          <a:chExt cx="0" cy="0"/>
-        </a:xfrm>
-      </p:grpSpPr>
-      <p:sp>
-        <p:nvSpPr>
-          <p:cNvPr id="2" name="object 2"/>
-          <p:cNvSpPr txBox="1">
-            <a:spLocks noGrp="1"/>
-          </p:cNvSpPr>
-          <p:nvPr>
-            <p:ph type="title"/>
-          </p:nvPr>
-        </p:nvSpPr>
-        <p:spPr>
-          <a:xfrm>
-            <a:off x="384810" y="652145"/>
-            <a:ext cx="4337685" cy="443230"/>
-          </a:xfrm>
-          <a:prstGeom prst="rect">
-            <a:avLst/>
-          </a:prstGeom>
-        </p:spPr>
-        <p:txBody>
-          <a:bodyPr vert="horz" wrap="square" lIns="0" tIns="12700" rIns="0" bIns="0" rtlCol="0">
-            <a:spAutoFit/>
-          </a:bodyPr>
-          <a:lstStyle/>
-          <a:p>
-            <a:pPr marL="12700">
-              <a:lnSpc>
-                <a:spcPct val="100000"/>
-              </a:lnSpc>
-              <a:spcBef>
-                <a:spcPts val="100"/>
-              </a:spcBef>
-            </a:pPr>
-            <a:r>
-              <a:rPr lang="zh-CN" altLang="en-US" sz="2800" spc="-10" dirty="0">
-                <a:latin typeface="Arial" panose="020B0604020202020204"/>
-                <a:cs typeface="Arial" panose="020B0604020202020204"/>
-              </a:rPr>
-              <a:t>常规组件写法的痛点</a:t>
-            </a:r>
-            <a:endParaRPr lang="zh-CN" altLang="en-US" sz="2800" spc="-10" dirty="0">
-              <a:latin typeface="Arial" panose="020B0604020202020204"/>
-              <a:cs typeface="Arial" panose="020B0604020202020204"/>
-            </a:endParaRPr>
-          </a:p>
-        </p:txBody>
-      </p:sp>
-      <p:sp>
-        <p:nvSpPr>
-          <p:cNvPr id="3" name="object 3"/>
-          <p:cNvSpPr txBox="1"/>
-          <p:nvPr/>
-        </p:nvSpPr>
-        <p:spPr>
-          <a:xfrm>
-            <a:off x="384810" y="1419225"/>
-            <a:ext cx="8409305" cy="937895"/>
-          </a:xfrm>
-          <a:prstGeom prst="rect">
-            <a:avLst/>
-          </a:prstGeom>
-        </p:spPr>
-        <p:txBody>
-          <a:bodyPr vert="horz" wrap="square" lIns="0" tIns="199390" rIns="0" bIns="0" rtlCol="0">
-            <a:spAutoFit/>
-          </a:bodyPr>
-          <a:lstStyle/>
-          <a:p>
-            <a:pPr marL="424815" indent="-412115">
-              <a:lnSpc>
-                <a:spcPct val="100000"/>
-              </a:lnSpc>
-              <a:spcBef>
-                <a:spcPts val="1570"/>
-              </a:spcBef>
-              <a:buClr>
-                <a:srgbClr val="FFFFFF"/>
-              </a:buClr>
-              <a:buChar char="●"/>
-              <a:tabLst>
-                <a:tab pos="424815" algn="l"/>
-                <a:tab pos="425450" algn="l"/>
-              </a:tabLst>
-            </a:pPr>
-            <a:r>
-              <a:rPr lang="zh-CN" sz="2400" dirty="0">
-                <a:solidFill>
-                  <a:srgbClr val="FFFFFF"/>
-                </a:solidFill>
-                <a:latin typeface="Arial" panose="020B0604020202020204"/>
-                <a:cs typeface="Arial" panose="020B0604020202020204"/>
-              </a:rPr>
-              <a:t>全局定义 (Global definitions) 强制要求每个 component 中的命名不得重复</a:t>
-            </a:r>
-            <a:endParaRPr lang="zh-CN" sz="2400" dirty="0">
-              <a:solidFill>
-                <a:srgbClr val="FFFFFF"/>
-              </a:solidFill>
-              <a:latin typeface="Arial" panose="020B0604020202020204"/>
-              <a:cs typeface="Arial" panose="020B0604020202020204"/>
-            </a:endParaRPr>
-          </a:p>
-        </p:txBody>
-      </p:sp>
-      <p:sp>
-        <p:nvSpPr>
-          <p:cNvPr id="5" name="object 3"/>
-          <p:cNvSpPr txBox="1"/>
-          <p:nvPr/>
-        </p:nvSpPr>
-        <p:spPr>
-          <a:xfrm>
-            <a:off x="384810" y="2357120"/>
-            <a:ext cx="8409940" cy="937895"/>
-          </a:xfrm>
-          <a:prstGeom prst="rect">
-            <a:avLst/>
-          </a:prstGeom>
-        </p:spPr>
-        <p:txBody>
-          <a:bodyPr vert="horz" wrap="square" lIns="0" tIns="199390" rIns="0" bIns="0" rtlCol="0">
-            <a:spAutoFit/>
-          </a:bodyPr>
-          <a:p>
-            <a:pPr marL="424815" indent="-412115">
-              <a:lnSpc>
-                <a:spcPct val="100000"/>
-              </a:lnSpc>
-              <a:spcBef>
-                <a:spcPts val="1570"/>
-              </a:spcBef>
-              <a:buClr>
-                <a:srgbClr val="FFFFFF"/>
-              </a:buClr>
-              <a:buChar char="●"/>
-              <a:tabLst>
-                <a:tab pos="424815" algn="l"/>
-                <a:tab pos="425450" algn="l"/>
-              </a:tabLst>
-            </a:pPr>
-            <a:r>
-              <a:rPr lang="zh-CN" sz="2400" dirty="0">
-                <a:solidFill>
-                  <a:srgbClr val="FFFFFF"/>
-                </a:solidFill>
-                <a:latin typeface="Arial" panose="020B0604020202020204"/>
-                <a:cs typeface="Arial" panose="020B0604020202020204"/>
-              </a:rPr>
-              <a:t>字符串模板 (String templates) 缺乏语法高亮，在 HTML 有多行的时候，需要用到丑陋的 \</a:t>
-            </a:r>
-            <a:endParaRPr lang="zh-CN" sz="2400" dirty="0">
-              <a:solidFill>
-                <a:srgbClr val="FFFFFF"/>
-              </a:solidFill>
-              <a:latin typeface="Arial" panose="020B0604020202020204"/>
-              <a:cs typeface="Arial" panose="020B0604020202020204"/>
-            </a:endParaRPr>
-          </a:p>
-        </p:txBody>
-      </p:sp>
-      <p:sp>
-        <p:nvSpPr>
-          <p:cNvPr id="6" name="object 3"/>
-          <p:cNvSpPr txBox="1"/>
-          <p:nvPr/>
-        </p:nvSpPr>
-        <p:spPr>
-          <a:xfrm>
-            <a:off x="384810" y="3392805"/>
-            <a:ext cx="8409940" cy="937895"/>
-          </a:xfrm>
-          <a:prstGeom prst="rect">
-            <a:avLst/>
-          </a:prstGeom>
-        </p:spPr>
-        <p:txBody>
-          <a:bodyPr vert="horz" wrap="square" lIns="0" tIns="199390" rIns="0" bIns="0" rtlCol="0">
-            <a:spAutoFit/>
-          </a:bodyPr>
-          <a:p>
-            <a:pPr marL="424815" indent="-412115">
-              <a:lnSpc>
-                <a:spcPct val="100000"/>
-              </a:lnSpc>
-              <a:spcBef>
-                <a:spcPts val="1570"/>
-              </a:spcBef>
-              <a:buClr>
-                <a:srgbClr val="FFFFFF"/>
-              </a:buClr>
-              <a:buChar char="●"/>
-              <a:tabLst>
-                <a:tab pos="424815" algn="l"/>
-                <a:tab pos="425450" algn="l"/>
-              </a:tabLst>
-            </a:pPr>
-            <a:r>
-              <a:rPr lang="zh-CN" sz="2400" dirty="0">
-                <a:solidFill>
-                  <a:srgbClr val="FFFFFF"/>
-                </a:solidFill>
-                <a:latin typeface="Arial" panose="020B0604020202020204"/>
-                <a:cs typeface="Arial" panose="020B0604020202020204"/>
-              </a:rPr>
-              <a:t>不支持 CSS (No CSS support) 意味着当 HTML 和 JavaScript 组件化时，CSS 明显被遗漏</a:t>
-            </a:r>
-            <a:endParaRPr lang="zh-CN" sz="2400" dirty="0">
-              <a:solidFill>
-                <a:srgbClr val="FFFFFF"/>
-              </a:solidFill>
-              <a:latin typeface="Arial" panose="020B0604020202020204"/>
-              <a:cs typeface="Arial" panose="020B0604020202020204"/>
-            </a:endParaRPr>
-          </a:p>
-        </p:txBody>
-      </p:sp>
-    </p:spTree>
-  </p:cSld>
-  <p:clrMapOvr>
-    <a:masterClrMapping/>
-  </p:clrMapOvr>
-</p:sld>
-</file>
-
-<file path=ppt/slides/slide32.xml><?xml version="1.0" encoding="utf-8"?>
-<p:sld xmlns:a="http://schemas.openxmlformats.org/drawingml/2006/main" xmlns:r="http://schemas.openxmlformats.org/officeDocument/2006/relationships" xmlns:p="http://schemas.openxmlformats.org/presentationml/2006/main">
-  <p:cSld>
-    <p:spTree>
-      <p:nvGrpSpPr>
-        <p:cNvPr id="1" name=""/>
-        <p:cNvGrpSpPr/>
-        <p:nvPr/>
-      </p:nvGrpSpPr>
-      <p:grpSpPr>
-        <a:xfrm>
-          <a:off x="0" y="0"/>
-          <a:ext cx="0" cy="0"/>
-          <a:chOff x="0" y="0"/>
-          <a:chExt cx="0" cy="0"/>
-        </a:xfrm>
-      </p:grpSpPr>
-      <p:sp>
-        <p:nvSpPr>
-          <p:cNvPr id="2" name="object 2"/>
-          <p:cNvSpPr txBox="1"/>
-          <p:nvPr/>
-        </p:nvSpPr>
-        <p:spPr>
-          <a:xfrm>
-            <a:off x="1389380" y="2623820"/>
-            <a:ext cx="6365240" cy="1610360"/>
-          </a:xfrm>
-          <a:prstGeom prst="rect">
-            <a:avLst/>
-          </a:prstGeom>
-        </p:spPr>
-        <p:txBody>
-          <a:bodyPr vert="horz" wrap="square" lIns="0" tIns="12700" rIns="0" bIns="0" rtlCol="0">
-            <a:spAutoFit/>
-          </a:bodyPr>
-          <a:lstStyle/>
-          <a:p>
-            <a:pPr marL="1905" algn="ctr">
-              <a:lnSpc>
-                <a:spcPts val="6230"/>
-              </a:lnSpc>
-              <a:spcBef>
-                <a:spcPts val="100"/>
-              </a:spcBef>
-            </a:pPr>
-            <a:r>
-              <a:rPr lang="zh-CN" altLang="zh-CN" sz="5200" spc="-5" dirty="0">
-                <a:solidFill>
-                  <a:srgbClr val="FFFFFF"/>
-                </a:solidFill>
-                <a:latin typeface="宋体" panose="02010600030101010101" pitchFamily="2" charset="-122"/>
-                <a:cs typeface="宋体" panose="02010600030101010101" pitchFamily="2" charset="-122"/>
-              </a:rPr>
-              <a:t>单文件组件</a:t>
-            </a:r>
-            <a:endParaRPr lang="zh-CN" altLang="zh-CN" sz="5200" spc="-5" dirty="0">
-              <a:solidFill>
-                <a:srgbClr val="FFFFFF"/>
-              </a:solidFill>
-              <a:latin typeface="宋体" panose="02010600030101010101" pitchFamily="2" charset="-122"/>
-              <a:cs typeface="宋体" panose="02010600030101010101" pitchFamily="2" charset="-122"/>
-            </a:endParaRPr>
-          </a:p>
-          <a:p>
-            <a:pPr algn="ctr">
-              <a:lnSpc>
-                <a:spcPts val="6230"/>
-              </a:lnSpc>
-            </a:pPr>
-            <a:r>
-              <a:rPr sz="5200" spc="-10" dirty="0">
-                <a:solidFill>
-                  <a:srgbClr val="FFFFFF"/>
-                </a:solidFill>
-                <a:latin typeface="Arial" panose="020B0604020202020204"/>
-                <a:cs typeface="Arial" panose="020B0604020202020204"/>
-              </a:rPr>
-              <a:t>single-file omponents</a:t>
-            </a:r>
-            <a:endParaRPr sz="5200" spc="-10" dirty="0">
-              <a:solidFill>
-                <a:srgbClr val="FFFFFF"/>
-              </a:solidFill>
-              <a:latin typeface="Arial" panose="020B0604020202020204"/>
-              <a:cs typeface="Arial" panose="020B0604020202020204"/>
-            </a:endParaRPr>
-          </a:p>
-        </p:txBody>
-      </p:sp>
-    </p:spTree>
-  </p:cSld>
-  <p:clrMapOvr>
-    <a:masterClrMapping/>
-  </p:clrMapOvr>
-</p:sld>
-</file>
-
-<file path=ppt/slides/slide33.xml><?xml version="1.0" encoding="utf-8"?>
-<p:sld xmlns:a="http://schemas.openxmlformats.org/drawingml/2006/main" xmlns:r="http://schemas.openxmlformats.org/officeDocument/2006/relationships" xmlns:p="http://schemas.openxmlformats.org/presentationml/2006/main">
-  <p:cSld>
-    <p:spTree>
-      <p:nvGrpSpPr>
-        <p:cNvPr id="1" name=""/>
-        <p:cNvGrpSpPr/>
-        <p:nvPr/>
-      </p:nvGrpSpPr>
-      <p:grpSpPr>
-        <a:xfrm>
-          <a:off x="0" y="0"/>
-          <a:ext cx="0" cy="0"/>
-          <a:chOff x="0" y="0"/>
-          <a:chExt cx="0" cy="0"/>
-        </a:xfrm>
-      </p:grpSpPr>
-      <p:sp>
-        <p:nvSpPr>
-          <p:cNvPr id="7" name="object 2"/>
-          <p:cNvSpPr txBox="1">
-            <a:spLocks noGrp="1"/>
-          </p:cNvSpPr>
-          <p:nvPr>
-            <p:ph type="title"/>
-          </p:nvPr>
-        </p:nvSpPr>
-        <p:spPr>
-          <a:xfrm>
-            <a:off x="836930" y="1913890"/>
-            <a:ext cx="452755" cy="3028950"/>
-          </a:xfrm>
-          <a:prstGeom prst="rect">
-            <a:avLst/>
-          </a:prstGeom>
-        </p:spPr>
-        <p:txBody>
-          <a:bodyPr vert="horz" wrap="square" lIns="0" tIns="12700" rIns="0" bIns="0" rtlCol="0">
-            <a:spAutoFit/>
-          </a:bodyPr>
-          <a:p>
-            <a:pPr marL="12700">
-              <a:lnSpc>
-                <a:spcPct val="100000"/>
-              </a:lnSpc>
-              <a:spcBef>
-                <a:spcPts val="100"/>
-              </a:spcBef>
-            </a:pPr>
-            <a:r>
-              <a:rPr lang="zh-CN" sz="2800" spc="-10" dirty="0">
-                <a:latin typeface="Arial" panose="020B0604020202020204"/>
-                <a:cs typeface="Arial" panose="020B0604020202020204"/>
-              </a:rPr>
-              <a:t>单文件组件格式</a:t>
-            </a:r>
-            <a:endParaRPr lang="en-US" sz="2800" spc="-10" dirty="0">
-              <a:latin typeface="Arial" panose="020B0604020202020204"/>
-              <a:cs typeface="Arial" panose="020B0604020202020204"/>
-            </a:endParaRPr>
-          </a:p>
-        </p:txBody>
-      </p:sp>
-      <p:pic>
-        <p:nvPicPr>
-          <p:cNvPr id="10" name="图片 9"/>
-          <p:cNvPicPr>
-            <a:picLocks noChangeAspect="1"/>
-          </p:cNvPicPr>
-          <p:nvPr/>
-        </p:nvPicPr>
-        <p:blipFill>
-          <a:blip r:embed="rId1"/>
-          <a:stretch>
-            <a:fillRect/>
-          </a:stretch>
-        </p:blipFill>
-        <p:spPr>
-          <a:xfrm>
-            <a:off x="2830195" y="248920"/>
-            <a:ext cx="4678045" cy="6359525"/>
-          </a:xfrm>
-          <a:prstGeom prst="rect">
-            <a:avLst/>
-          </a:prstGeom>
-        </p:spPr>
-      </p:pic>
-    </p:spTree>
-  </p:cSld>
-  <p:clrMapOvr>
-    <a:masterClrMapping/>
-  </p:clrMapOvr>
-</p:sld>
-</file>
-
-<file path=ppt/slides/slide34.xml><?xml version="1.0" encoding="utf-8"?>
-<p:sld xmlns:a="http://schemas.openxmlformats.org/drawingml/2006/main" xmlns:r="http://schemas.openxmlformats.org/officeDocument/2006/relationships" xmlns:p="http://schemas.openxmlformats.org/presentationml/2006/main">
-  <p:cSld>
-    <p:spTree>
-      <p:nvGrpSpPr>
-        <p:cNvPr id="1" name=""/>
-        <p:cNvGrpSpPr/>
-        <p:nvPr/>
-      </p:nvGrpSpPr>
-      <p:grpSpPr>
-        <a:xfrm>
-          <a:off x="0" y="0"/>
-          <a:ext cx="0" cy="0"/>
-          <a:chOff x="0" y="0"/>
-          <a:chExt cx="0" cy="0"/>
-        </a:xfrm>
-      </p:grpSpPr>
-      <p:sp>
-        <p:nvSpPr>
-          <p:cNvPr id="7" name="object 2"/>
-          <p:cNvSpPr txBox="1">
-            <a:spLocks noGrp="1"/>
-          </p:cNvSpPr>
-          <p:nvPr>
-            <p:ph type="title"/>
-          </p:nvPr>
-        </p:nvSpPr>
-        <p:spPr>
-          <a:xfrm>
-            <a:off x="875665" y="2560955"/>
-            <a:ext cx="452755" cy="1736090"/>
-          </a:xfrm>
-          <a:prstGeom prst="rect">
-            <a:avLst/>
-          </a:prstGeom>
-        </p:spPr>
-        <p:txBody>
-          <a:bodyPr vert="horz" wrap="square" lIns="0" tIns="12700" rIns="0" bIns="0" rtlCol="0">
-            <a:spAutoFit/>
-          </a:bodyPr>
-          <a:p>
-            <a:pPr marL="12700">
-              <a:lnSpc>
-                <a:spcPct val="100000"/>
-              </a:lnSpc>
-              <a:spcBef>
-                <a:spcPts val="100"/>
-              </a:spcBef>
-            </a:pPr>
-            <a:r>
-              <a:rPr lang="zh-CN" sz="2800" spc="-10" dirty="0">
-                <a:latin typeface="Arial" panose="020B0604020202020204"/>
-                <a:cs typeface="Arial" panose="020B0604020202020204"/>
-              </a:rPr>
-              <a:t>导入组件</a:t>
-            </a:r>
-            <a:endParaRPr lang="zh-CN" sz="2800" spc="-10" dirty="0">
-              <a:latin typeface="Arial" panose="020B0604020202020204"/>
-              <a:cs typeface="Arial" panose="020B0604020202020204"/>
-            </a:endParaRPr>
-          </a:p>
-        </p:txBody>
-      </p:sp>
-      <p:pic>
-        <p:nvPicPr>
-          <p:cNvPr id="2" name="图片 1"/>
-          <p:cNvPicPr>
-            <a:picLocks noChangeAspect="1"/>
-          </p:cNvPicPr>
-          <p:nvPr/>
-        </p:nvPicPr>
-        <p:blipFill>
-          <a:blip r:embed="rId1"/>
-          <a:stretch>
-            <a:fillRect/>
-          </a:stretch>
-        </p:blipFill>
-        <p:spPr>
-          <a:xfrm>
-            <a:off x="2237105" y="523240"/>
-            <a:ext cx="6159500" cy="5812155"/>
-          </a:xfrm>
-          <a:prstGeom prst="rect">
-            <a:avLst/>
-          </a:prstGeom>
-        </p:spPr>
-      </p:pic>
-    </p:spTree>
-  </p:cSld>
-  <p:clrMapOvr>
-    <a:masterClrMapping/>
-  </p:clrMapOvr>
-</p:sld>
-</file>
-
-<file path=ppt/slides/slide35.xml><?xml version="1.0" encoding="utf-8"?>
-<p:sld xmlns:a="http://schemas.openxmlformats.org/drawingml/2006/main" xmlns:r="http://schemas.openxmlformats.org/officeDocument/2006/relationships" xmlns:p="http://schemas.openxmlformats.org/presentationml/2006/main">
-  <p:cSld>
-    <p:spTree>
-      <p:nvGrpSpPr>
-        <p:cNvPr id="1" name=""/>
-        <p:cNvGrpSpPr/>
-        <p:nvPr/>
-      </p:nvGrpSpPr>
-      <p:grpSpPr>
-        <a:xfrm>
-          <a:off x="0" y="0"/>
-          <a:ext cx="0" cy="0"/>
-          <a:chOff x="0" y="0"/>
-          <a:chExt cx="0" cy="0"/>
-        </a:xfrm>
-      </p:grpSpPr>
-      <p:sp>
-        <p:nvSpPr>
-          <p:cNvPr id="2" name="object 2"/>
-          <p:cNvSpPr txBox="1">
-            <a:spLocks noGrp="1"/>
-          </p:cNvSpPr>
-          <p:nvPr>
-            <p:ph type="title"/>
-          </p:nvPr>
-        </p:nvSpPr>
-        <p:spPr>
-          <a:xfrm>
-            <a:off x="384810" y="652145"/>
-            <a:ext cx="4686935" cy="443230"/>
-          </a:xfrm>
-          <a:prstGeom prst="rect">
-            <a:avLst/>
-          </a:prstGeom>
-        </p:spPr>
-        <p:txBody>
-          <a:bodyPr vert="horz" wrap="square" lIns="0" tIns="12700" rIns="0" bIns="0" rtlCol="0">
-            <a:spAutoFit/>
-          </a:bodyPr>
-          <a:lstStyle/>
-          <a:p>
-            <a:pPr marL="12700">
-              <a:lnSpc>
-                <a:spcPct val="100000"/>
-              </a:lnSpc>
-              <a:spcBef>
-                <a:spcPts val="100"/>
-              </a:spcBef>
-            </a:pPr>
-            <a:r>
-              <a:rPr lang="zh-CN" sz="2800" spc="-10" dirty="0">
-                <a:latin typeface="Arial" panose="020B0604020202020204"/>
-                <a:cs typeface="Arial" panose="020B0604020202020204"/>
-              </a:rPr>
-              <a:t>使用单文件格式构建大型应用</a:t>
-            </a:r>
-            <a:endParaRPr lang="en-US" altLang="zh-CN" sz="2800" spc="-10" dirty="0">
-              <a:latin typeface="Arial" panose="020B0604020202020204"/>
-              <a:cs typeface="Arial" panose="020B0604020202020204"/>
-            </a:endParaRPr>
-          </a:p>
-        </p:txBody>
-      </p:sp>
-      <p:sp>
-        <p:nvSpPr>
-          <p:cNvPr id="3" name="object 3"/>
-          <p:cNvSpPr txBox="1"/>
-          <p:nvPr/>
-        </p:nvSpPr>
-        <p:spPr>
-          <a:xfrm>
-            <a:off x="385445" y="1419225"/>
-            <a:ext cx="8409305" cy="568325"/>
-          </a:xfrm>
-          <a:prstGeom prst="rect">
-            <a:avLst/>
-          </a:prstGeom>
-        </p:spPr>
-        <p:txBody>
-          <a:bodyPr vert="horz" wrap="square" lIns="0" tIns="199390" rIns="0" bIns="0" rtlCol="0">
-            <a:spAutoFit/>
-          </a:bodyPr>
-          <a:lstStyle/>
-          <a:p>
-            <a:pPr marL="424815" indent="-412115">
-              <a:lnSpc>
-                <a:spcPct val="100000"/>
-              </a:lnSpc>
-              <a:spcBef>
-                <a:spcPts val="1570"/>
-              </a:spcBef>
-              <a:buClr>
-                <a:srgbClr val="FFFFFF"/>
-              </a:buClr>
-              <a:buChar char="●"/>
-              <a:tabLst>
-                <a:tab pos="424815" algn="l"/>
-                <a:tab pos="425450" algn="l"/>
-              </a:tabLst>
-            </a:pPr>
-            <a:r>
-              <a:rPr lang="zh-CN" sz="2400" dirty="0">
-                <a:solidFill>
-                  <a:srgbClr val="FFFFFF"/>
-                </a:solidFill>
-                <a:latin typeface="Arial" panose="020B0604020202020204"/>
-                <a:cs typeface="Arial" panose="020B0604020202020204"/>
-              </a:rPr>
-              <a:t>项目前端目录及文件构建</a:t>
-            </a:r>
-            <a:r>
-              <a:rPr lang="en-US" sz="2400" dirty="0">
-                <a:solidFill>
-                  <a:srgbClr val="FFFFFF"/>
-                </a:solidFill>
-                <a:latin typeface="Arial" panose="020B0604020202020204"/>
-                <a:cs typeface="Arial" panose="020B0604020202020204"/>
-              </a:rPr>
-              <a:t>(vue-cli)</a:t>
-            </a:r>
-            <a:endParaRPr lang="en-US" sz="2400" dirty="0">
-              <a:solidFill>
-                <a:srgbClr val="FFFFFF"/>
-              </a:solidFill>
-              <a:latin typeface="Arial" panose="020B0604020202020204"/>
-              <a:cs typeface="Arial" panose="020B0604020202020204"/>
-            </a:endParaRPr>
-          </a:p>
-        </p:txBody>
-      </p:sp>
-      <p:sp>
-        <p:nvSpPr>
-          <p:cNvPr id="5" name="object 3"/>
-          <p:cNvSpPr txBox="1"/>
-          <p:nvPr/>
-        </p:nvSpPr>
-        <p:spPr>
-          <a:xfrm>
-            <a:off x="385445" y="2369820"/>
-            <a:ext cx="8409940" cy="568325"/>
-          </a:xfrm>
-          <a:prstGeom prst="rect">
-            <a:avLst/>
-          </a:prstGeom>
-        </p:spPr>
-        <p:txBody>
-          <a:bodyPr vert="horz" wrap="square" lIns="0" tIns="199390" rIns="0" bIns="0" rtlCol="0">
-            <a:spAutoFit/>
-          </a:bodyPr>
-          <a:p>
-            <a:pPr marL="424815" indent="-412115">
-              <a:lnSpc>
-                <a:spcPct val="100000"/>
-              </a:lnSpc>
-              <a:spcBef>
-                <a:spcPts val="1570"/>
-              </a:spcBef>
-              <a:buClr>
-                <a:srgbClr val="FFFFFF"/>
-              </a:buClr>
-              <a:buChar char="●"/>
-              <a:tabLst>
-                <a:tab pos="424815" algn="l"/>
-                <a:tab pos="425450" algn="l"/>
-              </a:tabLst>
-            </a:pPr>
-            <a:r>
-              <a:rPr lang="zh-CN" sz="2400" dirty="0">
-                <a:solidFill>
-                  <a:srgbClr val="FFFFFF"/>
-                </a:solidFill>
-                <a:latin typeface="Arial" panose="020B0604020202020204"/>
-                <a:cs typeface="Arial" panose="020B0604020202020204"/>
-              </a:rPr>
-              <a:t>组件编写与通信</a:t>
-            </a:r>
-            <a:endParaRPr lang="zh-CN" sz="2400" dirty="0">
-              <a:solidFill>
-                <a:srgbClr val="FFFFFF"/>
-              </a:solidFill>
-              <a:latin typeface="Arial" panose="020B0604020202020204"/>
-              <a:cs typeface="Arial" panose="020B0604020202020204"/>
-            </a:endParaRPr>
-          </a:p>
-        </p:txBody>
-      </p:sp>
-      <p:sp>
-        <p:nvSpPr>
-          <p:cNvPr id="6" name="object 3"/>
-          <p:cNvSpPr txBox="1"/>
-          <p:nvPr/>
-        </p:nvSpPr>
-        <p:spPr>
-          <a:xfrm>
-            <a:off x="384810" y="3392805"/>
-            <a:ext cx="8409940" cy="568325"/>
-          </a:xfrm>
-          <a:prstGeom prst="rect">
-            <a:avLst/>
-          </a:prstGeom>
-        </p:spPr>
-        <p:txBody>
-          <a:bodyPr vert="horz" wrap="square" lIns="0" tIns="199390" rIns="0" bIns="0" rtlCol="0">
-            <a:spAutoFit/>
-          </a:bodyPr>
-          <a:p>
-            <a:pPr marL="424815" indent="-412115">
-              <a:lnSpc>
-                <a:spcPct val="100000"/>
-              </a:lnSpc>
-              <a:spcBef>
-                <a:spcPts val="1570"/>
-              </a:spcBef>
-              <a:buClr>
-                <a:srgbClr val="FFFFFF"/>
-              </a:buClr>
-              <a:buChar char="●"/>
-              <a:tabLst>
-                <a:tab pos="424815" algn="l"/>
-                <a:tab pos="425450" algn="l"/>
-              </a:tabLst>
-            </a:pPr>
-            <a:r>
-              <a:rPr lang="zh-CN" sz="2400" dirty="0">
-                <a:solidFill>
-                  <a:srgbClr val="FFFFFF"/>
-                </a:solidFill>
-                <a:latin typeface="Arial" panose="020B0604020202020204"/>
-                <a:cs typeface="Arial" panose="020B0604020202020204"/>
-              </a:rPr>
-              <a:t>插件使用与文件打包</a:t>
-            </a:r>
-            <a:r>
-              <a:rPr lang="en-US" sz="2400" dirty="0">
-                <a:solidFill>
-                  <a:srgbClr val="FFFFFF"/>
-                </a:solidFill>
-                <a:latin typeface="Arial" panose="020B0604020202020204"/>
-                <a:cs typeface="Arial" panose="020B0604020202020204"/>
-              </a:rPr>
-              <a:t>(webpack)</a:t>
-            </a:r>
-            <a:endParaRPr lang="en-US" sz="2400" dirty="0">
-              <a:solidFill>
-                <a:srgbClr val="FFFFFF"/>
-              </a:solidFill>
-              <a:latin typeface="Arial" panose="020B0604020202020204"/>
-              <a:cs typeface="Arial" panose="020B0604020202020204"/>
-            </a:endParaRPr>
-          </a:p>
-        </p:txBody>
-      </p:sp>
-    </p:spTree>
-  </p:cSld>
-  <p:clrMapOvr>
-    <a:masterClrMapping/>
-  </p:clrMapOvr>
-</p:sld>
-</file>
-
-<file path=ppt/slides/slide36.xml><?xml version="1.0" encoding="utf-8"?>
-<p:sld xmlns:a="http://schemas.openxmlformats.org/drawingml/2006/main" xmlns:r="http://schemas.openxmlformats.org/officeDocument/2006/relationships" xmlns:p="http://schemas.openxmlformats.org/presentationml/2006/main">
-  <p:cSld>
-    <p:spTree>
-      <p:nvGrpSpPr>
-        <p:cNvPr id="1" name=""/>
-        <p:cNvGrpSpPr/>
-        <p:nvPr/>
-      </p:nvGrpSpPr>
-      <p:grpSpPr>
-        <a:xfrm>
-          <a:off x="0" y="0"/>
-          <a:ext cx="0" cy="0"/>
-          <a:chOff x="0" y="0"/>
-          <a:chExt cx="0" cy="0"/>
-        </a:xfrm>
-      </p:grpSpPr>
-      <p:sp>
-        <p:nvSpPr>
-          <p:cNvPr id="2" name="object 2"/>
-          <p:cNvSpPr txBox="1">
-            <a:spLocks noGrp="1"/>
-          </p:cNvSpPr>
-          <p:nvPr>
-            <p:ph type="title"/>
-          </p:nvPr>
-        </p:nvSpPr>
-        <p:spPr>
-          <a:xfrm>
-            <a:off x="384810" y="652145"/>
-            <a:ext cx="4337685" cy="443230"/>
-          </a:xfrm>
-          <a:prstGeom prst="rect">
-            <a:avLst/>
-          </a:prstGeom>
-        </p:spPr>
-        <p:txBody>
-          <a:bodyPr vert="horz" wrap="square" lIns="0" tIns="12700" rIns="0" bIns="0" rtlCol="0">
-            <a:spAutoFit/>
-          </a:bodyPr>
-          <a:lstStyle/>
-          <a:p>
-            <a:pPr marL="12700">
-              <a:lnSpc>
-                <a:spcPct val="100000"/>
-              </a:lnSpc>
-              <a:spcBef>
-                <a:spcPts val="100"/>
-              </a:spcBef>
-            </a:pPr>
-            <a:r>
-              <a:rPr lang="en-US" sz="2800" spc="-10" dirty="0">
-                <a:latin typeface="Arial" panose="020B0604020202020204"/>
-                <a:cs typeface="Arial" panose="020B0604020202020204"/>
-              </a:rPr>
-              <a:t>Vue</a:t>
-            </a:r>
-            <a:r>
-              <a:rPr lang="zh-CN" sz="2800" spc="-10" dirty="0">
-                <a:latin typeface="Arial" panose="020B0604020202020204"/>
-                <a:cs typeface="Arial" panose="020B0604020202020204"/>
-              </a:rPr>
-              <a:t>技术栈</a:t>
-            </a:r>
-            <a:endParaRPr lang="zh-CN" sz="2800" spc="-10" dirty="0">
-              <a:latin typeface="Arial" panose="020B0604020202020204"/>
-              <a:cs typeface="Arial" panose="020B0604020202020204"/>
-            </a:endParaRPr>
-          </a:p>
-        </p:txBody>
-      </p:sp>
-      <p:sp>
-        <p:nvSpPr>
-          <p:cNvPr id="3" name="object 3"/>
-          <p:cNvSpPr txBox="1"/>
-          <p:nvPr/>
-        </p:nvSpPr>
-        <p:spPr>
-          <a:xfrm>
-            <a:off x="384810" y="1419225"/>
-            <a:ext cx="4185920" cy="568325"/>
-          </a:xfrm>
-          <a:prstGeom prst="rect">
-            <a:avLst/>
-          </a:prstGeom>
-        </p:spPr>
-        <p:txBody>
-          <a:bodyPr vert="horz" wrap="square" lIns="0" tIns="199390" rIns="0" bIns="0" rtlCol="0">
-            <a:spAutoFit/>
-          </a:bodyPr>
-          <a:lstStyle/>
-          <a:p>
-            <a:pPr marL="424815" indent="-412115">
-              <a:lnSpc>
-                <a:spcPct val="100000"/>
-              </a:lnSpc>
-              <a:spcBef>
-                <a:spcPts val="1570"/>
-              </a:spcBef>
-              <a:buClr>
-                <a:srgbClr val="FFFFFF"/>
-              </a:buClr>
-              <a:buChar char="●"/>
-              <a:tabLst>
-                <a:tab pos="424815" algn="l"/>
-                <a:tab pos="425450" algn="l"/>
-              </a:tabLst>
-            </a:pPr>
-            <a:r>
-              <a:rPr lang="en-US" altLang="zh-CN" sz="2400" dirty="0">
-                <a:solidFill>
-                  <a:srgbClr val="FFFFFF"/>
-                </a:solidFill>
-                <a:latin typeface="Arial" panose="020B0604020202020204"/>
-                <a:cs typeface="Arial" panose="020B0604020202020204"/>
-              </a:rPr>
-              <a:t>Vue-cli(1</a:t>
-            </a:r>
-            <a:r>
-              <a:rPr lang="zh-CN" altLang="zh-CN" sz="2400" dirty="0">
-                <a:solidFill>
-                  <a:srgbClr val="FFFFFF"/>
-                </a:solidFill>
-                <a:latin typeface="Arial" panose="020B0604020202020204"/>
-                <a:cs typeface="Arial" panose="020B0604020202020204"/>
-              </a:rPr>
-              <a:t>条命令</a:t>
-            </a:r>
-            <a:r>
-              <a:rPr lang="en-US" altLang="zh-CN" sz="2400" dirty="0">
-                <a:solidFill>
-                  <a:srgbClr val="FFFFFF"/>
-                </a:solidFill>
-                <a:latin typeface="Arial" panose="020B0604020202020204"/>
-                <a:cs typeface="Arial" panose="020B0604020202020204"/>
-              </a:rPr>
-              <a:t>)</a:t>
-            </a:r>
-            <a:endParaRPr lang="en-US" altLang="zh-CN" sz="2400" dirty="0">
-              <a:solidFill>
-                <a:srgbClr val="FFFFFF"/>
-              </a:solidFill>
-              <a:latin typeface="Arial" panose="020B0604020202020204"/>
-              <a:cs typeface="Arial" panose="020B0604020202020204"/>
-            </a:endParaRPr>
-          </a:p>
-        </p:txBody>
-      </p:sp>
-      <p:sp>
-        <p:nvSpPr>
-          <p:cNvPr id="5" name="object 3"/>
-          <p:cNvSpPr txBox="1"/>
-          <p:nvPr/>
-        </p:nvSpPr>
-        <p:spPr>
-          <a:xfrm>
-            <a:off x="367030" y="2163445"/>
-            <a:ext cx="4203700" cy="568325"/>
-          </a:xfrm>
-          <a:prstGeom prst="rect">
-            <a:avLst/>
-          </a:prstGeom>
-        </p:spPr>
-        <p:txBody>
-          <a:bodyPr vert="horz" wrap="square" lIns="0" tIns="199390" rIns="0" bIns="0" rtlCol="0">
-            <a:spAutoFit/>
-          </a:bodyPr>
-          <a:p>
-            <a:pPr marL="424815" indent="-412115">
-              <a:lnSpc>
-                <a:spcPct val="100000"/>
-              </a:lnSpc>
-              <a:spcBef>
-                <a:spcPts val="1570"/>
-              </a:spcBef>
-              <a:buClr>
-                <a:srgbClr val="FFFFFF"/>
-              </a:buClr>
-              <a:buChar char="●"/>
-              <a:tabLst>
-                <a:tab pos="424815" algn="l"/>
-                <a:tab pos="425450" algn="l"/>
-              </a:tabLst>
-            </a:pPr>
-            <a:r>
-              <a:rPr lang="en-US" altLang="zh-CN" sz="2400" strike="sngStrike" dirty="0">
-                <a:solidFill>
-                  <a:srgbClr val="FFFFFF"/>
-                </a:solidFill>
-                <a:uFillTx/>
-                <a:latin typeface="Arial" panose="020B0604020202020204"/>
-                <a:cs typeface="Arial" panose="020B0604020202020204"/>
-              </a:rPr>
-              <a:t>vue-router</a:t>
-            </a:r>
-            <a:endParaRPr lang="en-US" altLang="zh-CN" sz="2400" strike="sngStrike" dirty="0">
-              <a:solidFill>
-                <a:srgbClr val="FFFFFF"/>
-              </a:solidFill>
-              <a:uFillTx/>
-              <a:latin typeface="Arial" panose="020B0604020202020204"/>
-              <a:cs typeface="Arial" panose="020B0604020202020204"/>
-            </a:endParaRPr>
-          </a:p>
-        </p:txBody>
-      </p:sp>
-      <p:sp>
-        <p:nvSpPr>
-          <p:cNvPr id="6" name="object 3"/>
-          <p:cNvSpPr txBox="1"/>
-          <p:nvPr/>
-        </p:nvSpPr>
-        <p:spPr>
-          <a:xfrm>
-            <a:off x="384810" y="2905125"/>
-            <a:ext cx="4185920" cy="568325"/>
-          </a:xfrm>
-          <a:prstGeom prst="rect">
-            <a:avLst/>
-          </a:prstGeom>
-        </p:spPr>
-        <p:txBody>
-          <a:bodyPr vert="horz" wrap="square" lIns="0" tIns="199390" rIns="0" bIns="0" rtlCol="0">
-            <a:spAutoFit/>
-          </a:bodyPr>
-          <a:p>
-            <a:pPr marL="424815" indent="-412115">
-              <a:lnSpc>
-                <a:spcPct val="100000"/>
-              </a:lnSpc>
-              <a:spcBef>
-                <a:spcPts val="1570"/>
-              </a:spcBef>
-              <a:buClr>
-                <a:srgbClr val="FFFFFF"/>
-              </a:buClr>
-              <a:buChar char="●"/>
-              <a:tabLst>
-                <a:tab pos="424815" algn="l"/>
-                <a:tab pos="425450" algn="l"/>
-              </a:tabLst>
-            </a:pPr>
-            <a:r>
-              <a:rPr lang="en-US" altLang="zh-CN" sz="2400" dirty="0">
-                <a:solidFill>
-                  <a:srgbClr val="FFFFFF"/>
-                </a:solidFill>
-                <a:latin typeface="Arial" panose="020B0604020202020204"/>
-                <a:cs typeface="Arial" panose="020B0604020202020204"/>
-              </a:rPr>
-              <a:t>Vuex</a:t>
-            </a:r>
-            <a:endParaRPr lang="en-US" altLang="zh-CN" sz="2400" dirty="0">
-              <a:solidFill>
-                <a:srgbClr val="FFFFFF"/>
-              </a:solidFill>
-              <a:latin typeface="Arial" panose="020B0604020202020204"/>
-              <a:cs typeface="Arial" panose="020B0604020202020204"/>
-            </a:endParaRPr>
-          </a:p>
-        </p:txBody>
-      </p:sp>
-      <p:sp>
-        <p:nvSpPr>
-          <p:cNvPr id="4" name="object 3"/>
-          <p:cNvSpPr txBox="1"/>
-          <p:nvPr/>
-        </p:nvSpPr>
-        <p:spPr>
-          <a:xfrm>
-            <a:off x="367030" y="3686810"/>
-            <a:ext cx="4203700" cy="568325"/>
-          </a:xfrm>
-          <a:prstGeom prst="rect">
-            <a:avLst/>
-          </a:prstGeom>
-        </p:spPr>
-        <p:txBody>
-          <a:bodyPr vert="horz" wrap="square" lIns="0" tIns="199390" rIns="0" bIns="0" rtlCol="0">
-            <a:spAutoFit/>
-          </a:bodyPr>
-          <a:p>
-            <a:pPr marL="424815" indent="-412115">
-              <a:lnSpc>
-                <a:spcPct val="100000"/>
-              </a:lnSpc>
-              <a:spcBef>
-                <a:spcPts val="1570"/>
-              </a:spcBef>
-              <a:buClr>
-                <a:srgbClr val="FFFFFF"/>
-              </a:buClr>
-              <a:buChar char="●"/>
-              <a:tabLst>
-                <a:tab pos="424815" algn="l"/>
-                <a:tab pos="425450" algn="l"/>
-              </a:tabLst>
-            </a:pPr>
-            <a:r>
-              <a:rPr lang="en-US" altLang="zh-CN" sz="2400" dirty="0">
-                <a:solidFill>
-                  <a:srgbClr val="FFFFFF"/>
-                </a:solidFill>
-                <a:latin typeface="Arial" panose="020B0604020202020204"/>
-                <a:cs typeface="Arial" panose="020B0604020202020204"/>
-              </a:rPr>
-              <a:t>ES6(</a:t>
-            </a:r>
-            <a:r>
-              <a:rPr lang="zh-CN" altLang="zh-CN" sz="2400" dirty="0">
-                <a:solidFill>
-                  <a:srgbClr val="FFFFFF"/>
-                </a:solidFill>
-                <a:latin typeface="Arial" panose="020B0604020202020204"/>
-                <a:cs typeface="Arial" panose="020B0604020202020204"/>
-              </a:rPr>
-              <a:t>项目中使用部分</a:t>
-            </a:r>
-            <a:r>
-              <a:rPr lang="en-US" altLang="zh-CN" sz="2400" dirty="0">
-                <a:solidFill>
-                  <a:srgbClr val="FFFFFF"/>
-                </a:solidFill>
-                <a:latin typeface="Arial" panose="020B0604020202020204"/>
-                <a:cs typeface="Arial" panose="020B0604020202020204"/>
-              </a:rPr>
-              <a:t>)</a:t>
-            </a:r>
-            <a:endParaRPr lang="en-US" altLang="zh-CN" sz="2400" dirty="0">
-              <a:solidFill>
-                <a:srgbClr val="FFFFFF"/>
-              </a:solidFill>
-              <a:latin typeface="Arial" panose="020B0604020202020204"/>
-              <a:cs typeface="Arial" panose="020B0604020202020204"/>
-            </a:endParaRPr>
-          </a:p>
-        </p:txBody>
-      </p:sp>
-      <p:sp>
-        <p:nvSpPr>
-          <p:cNvPr id="7" name="object 3"/>
-          <p:cNvSpPr txBox="1"/>
-          <p:nvPr/>
-        </p:nvSpPr>
-        <p:spPr>
-          <a:xfrm>
-            <a:off x="4570730" y="1419225"/>
-            <a:ext cx="4185920" cy="568325"/>
-          </a:xfrm>
-          <a:prstGeom prst="rect">
-            <a:avLst/>
-          </a:prstGeom>
-        </p:spPr>
-        <p:txBody>
-          <a:bodyPr vert="horz" wrap="square" lIns="0" tIns="199390" rIns="0" bIns="0" rtlCol="0">
-            <a:spAutoFit/>
-          </a:bodyPr>
-          <a:p>
-            <a:pPr marL="424815" indent="-412115">
-              <a:lnSpc>
-                <a:spcPct val="100000"/>
-              </a:lnSpc>
-              <a:spcBef>
-                <a:spcPts val="1570"/>
-              </a:spcBef>
-              <a:buClr>
-                <a:srgbClr val="FFFFFF"/>
-              </a:buClr>
-              <a:buChar char="●"/>
-              <a:tabLst>
-                <a:tab pos="424815" algn="l"/>
-                <a:tab pos="425450" algn="l"/>
-              </a:tabLst>
-            </a:pPr>
-            <a:r>
-              <a:rPr lang="en-US" altLang="zh-CN" sz="2400" dirty="0">
-                <a:solidFill>
-                  <a:srgbClr val="FFFFFF"/>
-                </a:solidFill>
-                <a:latin typeface="Arial" panose="020B0604020202020204"/>
-                <a:cs typeface="Arial" panose="020B0604020202020204"/>
-              </a:rPr>
-              <a:t>NPM(3</a:t>
-            </a:r>
-            <a:r>
-              <a:rPr lang="zh-CN" altLang="zh-CN" sz="2400" dirty="0">
-                <a:solidFill>
-                  <a:srgbClr val="FFFFFF"/>
-                </a:solidFill>
-                <a:latin typeface="Arial" panose="020B0604020202020204"/>
-                <a:cs typeface="Arial" panose="020B0604020202020204"/>
-              </a:rPr>
-              <a:t>条命令</a:t>
-            </a:r>
-            <a:r>
-              <a:rPr lang="en-US" altLang="zh-CN" sz="2400" dirty="0">
-                <a:solidFill>
-                  <a:srgbClr val="FFFFFF"/>
-                </a:solidFill>
-                <a:latin typeface="Arial" panose="020B0604020202020204"/>
-                <a:cs typeface="Arial" panose="020B0604020202020204"/>
-              </a:rPr>
-              <a:t>)</a:t>
-            </a:r>
-            <a:endParaRPr lang="zh-CN" altLang="en-US" sz="2400" dirty="0">
-              <a:solidFill>
-                <a:srgbClr val="FFFFFF"/>
-              </a:solidFill>
-              <a:latin typeface="Arial" panose="020B0604020202020204"/>
-              <a:cs typeface="Arial" panose="020B0604020202020204"/>
-            </a:endParaRPr>
-          </a:p>
-        </p:txBody>
-      </p:sp>
-      <p:sp>
-        <p:nvSpPr>
-          <p:cNvPr id="8" name="object 3"/>
-          <p:cNvSpPr txBox="1"/>
-          <p:nvPr/>
-        </p:nvSpPr>
-        <p:spPr>
-          <a:xfrm>
-            <a:off x="4570730" y="2163445"/>
-            <a:ext cx="4185920" cy="568325"/>
-          </a:xfrm>
-          <a:prstGeom prst="rect">
-            <a:avLst/>
-          </a:prstGeom>
-        </p:spPr>
-        <p:txBody>
-          <a:bodyPr vert="horz" wrap="square" lIns="0" tIns="199390" rIns="0" bIns="0" rtlCol="0">
-            <a:spAutoFit/>
-          </a:bodyPr>
-          <a:p>
-            <a:pPr marL="424815" indent="-412115">
-              <a:lnSpc>
-                <a:spcPct val="100000"/>
-              </a:lnSpc>
-              <a:spcBef>
-                <a:spcPts val="1570"/>
-              </a:spcBef>
-              <a:buClr>
-                <a:srgbClr val="FFFFFF"/>
-              </a:buClr>
-              <a:buChar char="●"/>
-              <a:tabLst>
-                <a:tab pos="424815" algn="l"/>
-                <a:tab pos="425450" algn="l"/>
-              </a:tabLst>
-            </a:pPr>
-            <a:r>
-              <a:rPr lang="en-US" altLang="zh-CN" sz="2400" strike="sngStrike" dirty="0">
-                <a:solidFill>
-                  <a:srgbClr val="FFFFFF"/>
-                </a:solidFill>
-                <a:uFillTx/>
-                <a:latin typeface="Arial" panose="020B0604020202020204"/>
-                <a:cs typeface="Arial" panose="020B0604020202020204"/>
-              </a:rPr>
-              <a:t>webpack</a:t>
-            </a:r>
-            <a:endParaRPr lang="en-US" altLang="zh-CN" sz="2400" strike="sngStrike" dirty="0">
-              <a:solidFill>
-                <a:srgbClr val="FFFFFF"/>
-              </a:solidFill>
-              <a:uFillTx/>
-              <a:latin typeface="Arial" panose="020B0604020202020204"/>
-              <a:cs typeface="Arial" panose="020B0604020202020204"/>
-            </a:endParaRPr>
-          </a:p>
-        </p:txBody>
-      </p:sp>
-      <p:sp>
-        <p:nvSpPr>
-          <p:cNvPr id="9" name="object 3"/>
-          <p:cNvSpPr txBox="1"/>
-          <p:nvPr/>
-        </p:nvSpPr>
-        <p:spPr>
-          <a:xfrm>
-            <a:off x="4570730" y="2905125"/>
-            <a:ext cx="4185920" cy="568325"/>
-          </a:xfrm>
-          <a:prstGeom prst="rect">
-            <a:avLst/>
-          </a:prstGeom>
-        </p:spPr>
-        <p:txBody>
-          <a:bodyPr vert="horz" wrap="square" lIns="0" tIns="199390" rIns="0" bIns="0" rtlCol="0">
-            <a:spAutoFit/>
-          </a:bodyPr>
-          <a:p>
-            <a:pPr marL="424815" indent="-412115">
-              <a:lnSpc>
-                <a:spcPct val="100000"/>
-              </a:lnSpc>
-              <a:spcBef>
-                <a:spcPts val="1570"/>
-              </a:spcBef>
-              <a:buClr>
-                <a:srgbClr val="FFFFFF"/>
-              </a:buClr>
-              <a:buChar char="●"/>
-              <a:tabLst>
-                <a:tab pos="424815" algn="l"/>
-                <a:tab pos="425450" algn="l"/>
-              </a:tabLst>
-            </a:pPr>
-            <a:r>
-              <a:rPr lang="en-US" altLang="zh-CN" sz="2400" strike="sngStrike" dirty="0">
-                <a:solidFill>
-                  <a:srgbClr val="FFFFFF"/>
-                </a:solidFill>
-                <a:uFillTx/>
-                <a:latin typeface="Arial" panose="020B0604020202020204"/>
-                <a:cs typeface="Arial" panose="020B0604020202020204"/>
-              </a:rPr>
-              <a:t>Babel</a:t>
-            </a:r>
-            <a:endParaRPr lang="en-US" altLang="zh-CN" sz="2400" strike="sngStrike" dirty="0">
-              <a:solidFill>
-                <a:srgbClr val="FFFFFF"/>
-              </a:solidFill>
-              <a:uFillTx/>
-              <a:latin typeface="Arial" panose="020B0604020202020204"/>
-              <a:cs typeface="Arial" panose="020B0604020202020204"/>
-            </a:endParaRPr>
-          </a:p>
-        </p:txBody>
-      </p:sp>
-    </p:spTree>
-  </p:cSld>
-  <p:clrMapOvr>
-    <a:masterClrMapping/>
-  </p:clrMapOvr>
-</p:sld>
-</file>
-
-<file path=ppt/slides/slide37.xml><?xml version="1.0" encoding="utf-8"?>
-<p:sld xmlns:a="http://schemas.openxmlformats.org/drawingml/2006/main" xmlns:r="http://schemas.openxmlformats.org/officeDocument/2006/relationships" xmlns:p="http://schemas.openxmlformats.org/presentationml/2006/main">
-  <p:cSld>
-    <p:spTree>
-      <p:nvGrpSpPr>
-        <p:cNvPr id="1" name=""/>
-        <p:cNvGrpSpPr/>
-        <p:nvPr/>
-      </p:nvGrpSpPr>
-      <p:grpSpPr>
-        <a:xfrm>
-          <a:off x="0" y="0"/>
-          <a:ext cx="0" cy="0"/>
-          <a:chOff x="0" y="0"/>
-          <a:chExt cx="0" cy="0"/>
-        </a:xfrm>
-      </p:grpSpPr>
-      <p:sp>
-        <p:nvSpPr>
-          <p:cNvPr id="2" name="object 2"/>
-          <p:cNvSpPr txBox="1">
-            <a:spLocks noGrp="1"/>
-          </p:cNvSpPr>
-          <p:nvPr>
-            <p:ph type="title"/>
-          </p:nvPr>
-        </p:nvSpPr>
-        <p:spPr>
-          <a:xfrm>
-            <a:off x="384810" y="652145"/>
-            <a:ext cx="4686935" cy="443230"/>
-          </a:xfrm>
-          <a:prstGeom prst="rect">
-            <a:avLst/>
-          </a:prstGeom>
-        </p:spPr>
-        <p:txBody>
-          <a:bodyPr vert="horz" wrap="square" lIns="0" tIns="12700" rIns="0" bIns="0" rtlCol="0">
-            <a:spAutoFit/>
-          </a:bodyPr>
-          <a:lstStyle/>
-          <a:p>
-            <a:pPr marL="12700">
-              <a:lnSpc>
-                <a:spcPct val="100000"/>
-              </a:lnSpc>
-              <a:spcBef>
-                <a:spcPts val="100"/>
-              </a:spcBef>
-            </a:pPr>
-            <a:r>
-              <a:rPr lang="en-US" altLang="zh-CN" sz="2800" spc="-10" dirty="0">
-                <a:latin typeface="Arial" panose="020B0604020202020204"/>
-                <a:cs typeface="Arial" panose="020B0604020202020204"/>
-              </a:rPr>
-              <a:t>vue-cli</a:t>
-            </a:r>
-            <a:r>
-              <a:rPr lang="zh-CN" altLang="zh-CN" sz="2800" spc="-10" dirty="0">
-                <a:latin typeface="Arial" panose="020B0604020202020204"/>
-                <a:cs typeface="Arial" panose="020B0604020202020204"/>
-              </a:rPr>
-              <a:t>构建</a:t>
-            </a:r>
-            <a:endParaRPr lang="zh-CN" altLang="zh-CN" sz="2800" spc="-10" dirty="0">
-              <a:latin typeface="Arial" panose="020B0604020202020204"/>
-              <a:cs typeface="Arial" panose="020B0604020202020204"/>
-            </a:endParaRPr>
-          </a:p>
-        </p:txBody>
-      </p:sp>
-      <p:sp>
-        <p:nvSpPr>
-          <p:cNvPr id="3" name="object 3"/>
-          <p:cNvSpPr txBox="1"/>
-          <p:nvPr/>
-        </p:nvSpPr>
-        <p:spPr>
-          <a:xfrm>
-            <a:off x="384810" y="1418590"/>
-            <a:ext cx="8409305" cy="1306830"/>
-          </a:xfrm>
-          <a:prstGeom prst="rect">
-            <a:avLst/>
-          </a:prstGeom>
-        </p:spPr>
-        <p:txBody>
-          <a:bodyPr vert="horz" wrap="square" lIns="0" tIns="199390" rIns="0" bIns="0" rtlCol="0">
-            <a:spAutoFit/>
-          </a:bodyPr>
-          <a:lstStyle/>
-          <a:p>
-            <a:pPr marL="424815" indent="-412115">
-              <a:lnSpc>
-                <a:spcPct val="100000"/>
-              </a:lnSpc>
-              <a:spcBef>
-                <a:spcPts val="1570"/>
-              </a:spcBef>
-              <a:buClr>
-                <a:srgbClr val="FFFFFF"/>
-              </a:buClr>
-              <a:buChar char="●"/>
-              <a:tabLst>
-                <a:tab pos="424815" algn="l"/>
-                <a:tab pos="425450" algn="l"/>
-              </a:tabLst>
-            </a:pPr>
-            <a:r>
-              <a:rPr sz="2400" dirty="0">
-                <a:solidFill>
-                  <a:srgbClr val="FFFFFF"/>
-                </a:solidFill>
-                <a:latin typeface="Arial" panose="020B0604020202020204"/>
-                <a:cs typeface="Arial" panose="020B0604020202020204"/>
-              </a:rPr>
-              <a:t>在使用vue-cli之前我们需要安装node.js，利用其提供的npm命令来安装vue-cli。安装node.js只需去其官网下载软件并安装即可，地址为：</a:t>
-            </a:r>
-            <a:r>
-              <a:rPr sz="2400" dirty="0">
-                <a:solidFill>
-                  <a:srgbClr val="FFFFFF"/>
-                </a:solidFill>
-                <a:latin typeface="Arial" panose="020B0604020202020204"/>
-                <a:cs typeface="Arial" panose="020B0604020202020204"/>
-                <a:hlinkClick r:id="rId1" action="ppaction://hlinkfile"/>
-              </a:rPr>
-              <a:t>https://nodejs.org/en/</a:t>
-            </a:r>
-            <a:endParaRPr sz="2400" dirty="0">
-              <a:solidFill>
-                <a:srgbClr val="FFFFFF"/>
-              </a:solidFill>
-              <a:latin typeface="Arial" panose="020B0604020202020204"/>
-              <a:cs typeface="Arial" panose="020B0604020202020204"/>
-            </a:endParaRPr>
-          </a:p>
-        </p:txBody>
-      </p:sp>
-      <p:sp>
-        <p:nvSpPr>
-          <p:cNvPr id="7" name="矩形 6"/>
-          <p:cNvSpPr/>
-          <p:nvPr/>
-        </p:nvSpPr>
-        <p:spPr>
-          <a:xfrm>
-            <a:off x="664845" y="2910205"/>
-            <a:ext cx="7848600" cy="655955"/>
-          </a:xfrm>
-          <a:prstGeom prst="rect">
-            <a:avLst/>
-          </a:prstGeom>
-          <a:ln>
-            <a:solidFill>
-              <a:srgbClr val="42B983"/>
-            </a:solidFill>
-          </a:ln>
-        </p:spPr>
-        <p:style>
-          <a:lnRef idx="2">
-            <a:schemeClr val="accent3"/>
-          </a:lnRef>
-          <a:fillRef idx="1">
-            <a:schemeClr val="lt1"/>
-          </a:fillRef>
-          <a:effectRef idx="0">
-            <a:schemeClr val="accent3"/>
-          </a:effectRef>
-          <a:fontRef idx="minor">
-            <a:schemeClr val="dk1"/>
-          </a:fontRef>
-        </p:style>
-        <p:txBody>
-          <a:bodyPr vert="horz" wrap="square" lIns="90170" tIns="46990" rIns="90170" bIns="46990" rtlCol="0" anchor="ctr" anchorCtr="0">
-            <a:noAutofit/>
-          </a:bodyPr>
-          <a:p>
-            <a:pPr algn="l"/>
-            <a:r>
-              <a:rPr lang="en-US" altLang="zh-CN">
-                <a:latin typeface="Consolas" panose="020B0609020204030204" charset="0"/>
-              </a:rPr>
-              <a:t>npm install  -g vue-cli</a:t>
-            </a:r>
-            <a:endParaRPr lang="en-US" altLang="zh-CN">
-              <a:latin typeface="Consolas" panose="020B0609020204030204" charset="0"/>
-            </a:endParaRPr>
-          </a:p>
-        </p:txBody>
-      </p:sp>
-      <p:sp>
-        <p:nvSpPr>
-          <p:cNvPr id="12" name="矩形 11"/>
-          <p:cNvSpPr/>
-          <p:nvPr/>
-        </p:nvSpPr>
-        <p:spPr>
-          <a:xfrm>
-            <a:off x="664845" y="3750945"/>
-            <a:ext cx="7848600" cy="655955"/>
-          </a:xfrm>
-          <a:prstGeom prst="rect">
-            <a:avLst/>
-          </a:prstGeom>
-          <a:ln>
-            <a:solidFill>
-              <a:srgbClr val="42B983"/>
-            </a:solidFill>
-          </a:ln>
-        </p:spPr>
-        <p:style>
-          <a:lnRef idx="2">
-            <a:schemeClr val="accent3"/>
-          </a:lnRef>
-          <a:fillRef idx="1">
-            <a:schemeClr val="lt1"/>
-          </a:fillRef>
-          <a:effectRef idx="0">
-            <a:schemeClr val="accent3"/>
-          </a:effectRef>
-          <a:fontRef idx="minor">
-            <a:schemeClr val="dk1"/>
-          </a:fontRef>
-        </p:style>
-        <p:txBody>
-          <a:bodyPr vert="horz" wrap="square" lIns="90170" tIns="46990" rIns="90170" bIns="46990" rtlCol="0" anchor="ctr" anchorCtr="0">
-            <a:noAutofit/>
-          </a:bodyPr>
-          <a:p>
-            <a:pPr algn="l"/>
-            <a:r>
-              <a:rPr lang="en-US" altLang="zh-CN">
-                <a:latin typeface="Consolas" panose="020B0609020204030204" charset="0"/>
-              </a:rPr>
-              <a:t>vue init OnsenUI/vue-cordova-webpack hello-world</a:t>
-            </a:r>
-            <a:endParaRPr lang="en-US" altLang="zh-CN">
-              <a:latin typeface="Consolas" panose="020B0609020204030204" charset="0"/>
-            </a:endParaRPr>
-          </a:p>
-        </p:txBody>
-      </p:sp>
-      <p:sp>
-        <p:nvSpPr>
-          <p:cNvPr id="13" name="矩形 12"/>
-          <p:cNvSpPr/>
-          <p:nvPr/>
-        </p:nvSpPr>
-        <p:spPr>
-          <a:xfrm>
-            <a:off x="665480" y="4599940"/>
-            <a:ext cx="7848600" cy="655955"/>
-          </a:xfrm>
-          <a:prstGeom prst="rect">
-            <a:avLst/>
-          </a:prstGeom>
-          <a:ln>
-            <a:solidFill>
-              <a:srgbClr val="42B983"/>
-            </a:solidFill>
-          </a:ln>
-        </p:spPr>
-        <p:style>
-          <a:lnRef idx="2">
-            <a:schemeClr val="accent3"/>
-          </a:lnRef>
-          <a:fillRef idx="1">
-            <a:schemeClr val="lt1"/>
-          </a:fillRef>
-          <a:effectRef idx="0">
-            <a:schemeClr val="accent3"/>
-          </a:effectRef>
-          <a:fontRef idx="minor">
-            <a:schemeClr val="dk1"/>
-          </a:fontRef>
-        </p:style>
-        <p:txBody>
-          <a:bodyPr vert="horz" wrap="square" lIns="90170" tIns="46990" rIns="90170" bIns="46990" rtlCol="0" anchor="ctr" anchorCtr="0">
-            <a:noAutofit/>
-          </a:bodyPr>
-          <a:p>
-            <a:pPr algn="l"/>
-            <a:r>
-              <a:rPr lang="en-US" altLang="zh-CN">
-                <a:latin typeface="Consolas" panose="020B0609020204030204" charset="0"/>
-              </a:rPr>
-              <a:t>cd hello-world</a:t>
-            </a:r>
-            <a:endParaRPr lang="en-US" altLang="zh-CN">
-              <a:latin typeface="Consolas" panose="020B0609020204030204" charset="0"/>
-            </a:endParaRPr>
-          </a:p>
-        </p:txBody>
-      </p:sp>
-      <p:sp>
-        <p:nvSpPr>
-          <p:cNvPr id="14" name="矩形 13"/>
-          <p:cNvSpPr/>
-          <p:nvPr/>
-        </p:nvSpPr>
-        <p:spPr>
-          <a:xfrm>
-            <a:off x="665480" y="5432425"/>
-            <a:ext cx="7848600" cy="655955"/>
-          </a:xfrm>
-          <a:prstGeom prst="rect">
-            <a:avLst/>
-          </a:prstGeom>
-          <a:ln>
-            <a:solidFill>
-              <a:srgbClr val="42B983"/>
-            </a:solidFill>
-          </a:ln>
-        </p:spPr>
-        <p:style>
-          <a:lnRef idx="2">
-            <a:schemeClr val="accent3"/>
-          </a:lnRef>
-          <a:fillRef idx="1">
-            <a:schemeClr val="lt1"/>
-          </a:fillRef>
-          <a:effectRef idx="0">
-            <a:schemeClr val="accent3"/>
-          </a:effectRef>
-          <a:fontRef idx="minor">
-            <a:schemeClr val="dk1"/>
-          </a:fontRef>
-        </p:style>
-        <p:txBody>
-          <a:bodyPr vert="horz" wrap="square" lIns="90170" tIns="46990" rIns="90170" bIns="46990" rtlCol="0" anchor="ctr" anchorCtr="0">
-            <a:noAutofit/>
-          </a:bodyPr>
-          <a:p>
-            <a:pPr algn="l"/>
-            <a:r>
-              <a:rPr lang="en-US" altLang="zh-CN">
-                <a:latin typeface="Consolas" panose="020B0609020204030204" charset="0"/>
-              </a:rPr>
-              <a:t>npm install</a:t>
-            </a:r>
-            <a:endParaRPr lang="en-US" altLang="zh-CN">
-              <a:latin typeface="Consolas" panose="020B0609020204030204" charset="0"/>
-            </a:endParaRPr>
-          </a:p>
-        </p:txBody>
-      </p:sp>
-    </p:spTree>
-  </p:cSld>
-  <p:clrMapOvr>
-    <a:masterClrMapping/>
-  </p:clrMapOvr>
-</p:sld>
-</file>
-
-<file path=ppt/slides/slide38.xml><?xml version="1.0" encoding="utf-8"?>
-<p:sld xmlns:a="http://schemas.openxmlformats.org/drawingml/2006/main" xmlns:r="http://schemas.openxmlformats.org/officeDocument/2006/relationships" xmlns:p="http://schemas.openxmlformats.org/presentationml/2006/main">
-  <p:cSld>
-    <p:spTree>
-      <p:nvGrpSpPr>
-        <p:cNvPr id="1" name=""/>
-        <p:cNvGrpSpPr/>
-        <p:nvPr/>
-      </p:nvGrpSpPr>
-      <p:grpSpPr>
-        <a:xfrm>
-          <a:off x="0" y="0"/>
-          <a:ext cx="0" cy="0"/>
-          <a:chOff x="0" y="0"/>
-          <a:chExt cx="0" cy="0"/>
-        </a:xfrm>
-      </p:grpSpPr>
-      <p:sp>
-        <p:nvSpPr>
-          <p:cNvPr id="2" name="object 2"/>
-          <p:cNvSpPr txBox="1">
-            <a:spLocks noGrp="1"/>
-          </p:cNvSpPr>
-          <p:nvPr>
-            <p:ph type="title"/>
-          </p:nvPr>
-        </p:nvSpPr>
-        <p:spPr>
-          <a:xfrm>
-            <a:off x="384810" y="652145"/>
-            <a:ext cx="4686935" cy="443230"/>
-          </a:xfrm>
-          <a:prstGeom prst="rect">
-            <a:avLst/>
-          </a:prstGeom>
-        </p:spPr>
-        <p:txBody>
-          <a:bodyPr vert="horz" wrap="square" lIns="0" tIns="12700" rIns="0" bIns="0" rtlCol="0">
-            <a:spAutoFit/>
-          </a:bodyPr>
-          <a:lstStyle/>
-          <a:p>
-            <a:pPr marL="12700">
-              <a:lnSpc>
-                <a:spcPct val="100000"/>
-              </a:lnSpc>
-              <a:spcBef>
-                <a:spcPts val="100"/>
-              </a:spcBef>
-            </a:pPr>
-            <a:r>
-              <a:rPr lang="zh-CN" altLang="zh-CN" sz="2800" spc="-10" dirty="0">
-                <a:latin typeface="Arial" panose="020B0604020202020204"/>
-                <a:cs typeface="Arial" panose="020B0604020202020204"/>
-              </a:rPr>
-              <a:t>开发模式</a:t>
-            </a:r>
-            <a:endParaRPr lang="zh-CN" altLang="zh-CN" sz="2800" spc="-10" dirty="0">
-              <a:latin typeface="Arial" panose="020B0604020202020204"/>
-              <a:cs typeface="Arial" panose="020B0604020202020204"/>
-            </a:endParaRPr>
-          </a:p>
-        </p:txBody>
-      </p:sp>
-      <p:sp>
-        <p:nvSpPr>
-          <p:cNvPr id="3" name="object 3"/>
-          <p:cNvSpPr txBox="1"/>
-          <p:nvPr/>
-        </p:nvSpPr>
-        <p:spPr>
-          <a:xfrm>
-            <a:off x="367030" y="1405890"/>
-            <a:ext cx="8409305" cy="568325"/>
-          </a:xfrm>
-          <a:prstGeom prst="rect">
-            <a:avLst/>
-          </a:prstGeom>
-        </p:spPr>
-        <p:txBody>
-          <a:bodyPr vert="horz" wrap="square" lIns="0" tIns="199390" rIns="0" bIns="0" rtlCol="0">
-            <a:spAutoFit/>
-          </a:bodyPr>
-          <a:lstStyle/>
-          <a:p>
-            <a:pPr marL="424815" indent="-412115">
-              <a:lnSpc>
-                <a:spcPct val="100000"/>
-              </a:lnSpc>
-              <a:spcBef>
-                <a:spcPts val="1570"/>
-              </a:spcBef>
-              <a:buClr>
-                <a:srgbClr val="FFFFFF"/>
-              </a:buClr>
-              <a:buChar char="●"/>
-              <a:tabLst>
-                <a:tab pos="424815" algn="l"/>
-                <a:tab pos="425450" algn="l"/>
-              </a:tabLst>
-            </a:pPr>
-            <a:r>
-              <a:rPr sz="2400" dirty="0">
-                <a:solidFill>
-                  <a:srgbClr val="FFFFFF"/>
-                </a:solidFill>
-                <a:latin typeface="Arial" panose="020B0604020202020204"/>
-                <a:cs typeface="Arial" panose="020B0604020202020204"/>
-              </a:rPr>
-              <a:t>Webpack + vue-loader </a:t>
-            </a:r>
-            <a:r>
-              <a:rPr lang="zh-CN" sz="2400" dirty="0">
-                <a:solidFill>
-                  <a:srgbClr val="FFFFFF"/>
-                </a:solidFill>
-                <a:latin typeface="Arial" panose="020B0604020202020204"/>
-                <a:cs typeface="Arial" panose="020B0604020202020204"/>
-              </a:rPr>
-              <a:t>用于处理</a:t>
-            </a:r>
-            <a:r>
-              <a:rPr lang="en-US" altLang="zh-CN" sz="2400" dirty="0">
-                <a:solidFill>
-                  <a:srgbClr val="FFFFFF"/>
-                </a:solidFill>
-                <a:latin typeface="Arial" panose="020B0604020202020204"/>
-                <a:cs typeface="Arial" panose="020B0604020202020204"/>
-              </a:rPr>
-              <a:t>vue</a:t>
-            </a:r>
-            <a:r>
-              <a:rPr lang="zh-CN" altLang="en-US" sz="2400" dirty="0">
-                <a:solidFill>
-                  <a:srgbClr val="FFFFFF"/>
-                </a:solidFill>
-                <a:latin typeface="Arial" panose="020B0604020202020204"/>
-                <a:cs typeface="Arial" panose="020B0604020202020204"/>
-              </a:rPr>
-              <a:t>单文件组件</a:t>
-            </a:r>
-            <a:endParaRPr lang="zh-CN" altLang="en-US" sz="2400" dirty="0">
-              <a:solidFill>
-                <a:srgbClr val="FFFFFF"/>
-              </a:solidFill>
-              <a:latin typeface="Arial" panose="020B0604020202020204"/>
-              <a:cs typeface="Arial" panose="020B0604020202020204"/>
-            </a:endParaRPr>
-          </a:p>
-        </p:txBody>
-      </p:sp>
-      <p:sp>
-        <p:nvSpPr>
-          <p:cNvPr id="15" name="矩形 14"/>
-          <p:cNvSpPr/>
-          <p:nvPr/>
-        </p:nvSpPr>
-        <p:spPr>
-          <a:xfrm>
-            <a:off x="384810" y="4237990"/>
-            <a:ext cx="7848600" cy="655955"/>
-          </a:xfrm>
-          <a:prstGeom prst="rect">
-            <a:avLst/>
-          </a:prstGeom>
-          <a:ln>
-            <a:solidFill>
-              <a:srgbClr val="42B983"/>
-            </a:solidFill>
-          </a:ln>
-        </p:spPr>
-        <p:style>
-          <a:lnRef idx="2">
-            <a:schemeClr val="accent3"/>
-          </a:lnRef>
-          <a:fillRef idx="1">
-            <a:schemeClr val="lt1"/>
-          </a:fillRef>
-          <a:effectRef idx="0">
-            <a:schemeClr val="accent3"/>
-          </a:effectRef>
-          <a:fontRef idx="minor">
-            <a:schemeClr val="dk1"/>
-          </a:fontRef>
-        </p:style>
-        <p:txBody>
-          <a:bodyPr vert="horz" wrap="square" lIns="90170" tIns="46990" rIns="90170" bIns="46990" rtlCol="0" anchor="ctr" anchorCtr="0">
-            <a:noAutofit/>
-          </a:bodyPr>
-          <a:p>
-            <a:pPr algn="l"/>
-            <a:r>
-              <a:rPr lang="en-US" altLang="zh-CN">
-                <a:latin typeface="Consolas" panose="020B0609020204030204" charset="0"/>
-              </a:rPr>
-              <a:t>npm run dev</a:t>
-            </a:r>
-            <a:endParaRPr lang="en-US" altLang="zh-CN">
-              <a:latin typeface="Consolas" panose="020B0609020204030204" charset="0"/>
-            </a:endParaRPr>
-          </a:p>
-        </p:txBody>
-      </p:sp>
-      <p:sp>
-        <p:nvSpPr>
-          <p:cNvPr id="4" name="object 3"/>
-          <p:cNvSpPr txBox="1"/>
-          <p:nvPr/>
-        </p:nvSpPr>
-        <p:spPr>
-          <a:xfrm>
-            <a:off x="384810" y="2255520"/>
-            <a:ext cx="8409305" cy="568325"/>
-          </a:xfrm>
-          <a:prstGeom prst="rect">
-            <a:avLst/>
-          </a:prstGeom>
-        </p:spPr>
-        <p:txBody>
-          <a:bodyPr vert="horz" wrap="square" lIns="0" tIns="199390" rIns="0" bIns="0" rtlCol="0">
-            <a:spAutoFit/>
-          </a:bodyPr>
-          <a:p>
-            <a:pPr marL="424815" indent="-412115">
-              <a:lnSpc>
-                <a:spcPct val="100000"/>
-              </a:lnSpc>
-              <a:spcBef>
-                <a:spcPts val="1570"/>
-              </a:spcBef>
-              <a:buClr>
-                <a:srgbClr val="FFFFFF"/>
-              </a:buClr>
-              <a:buChar char="●"/>
-              <a:tabLst>
-                <a:tab pos="424815" algn="l"/>
-                <a:tab pos="425450" algn="l"/>
-              </a:tabLst>
-            </a:pPr>
-            <a:r>
-              <a:rPr lang="zh-CN" sz="2400" dirty="0">
-                <a:solidFill>
-                  <a:srgbClr val="FFFFFF"/>
-                </a:solidFill>
-                <a:latin typeface="Arial" panose="020B0604020202020204"/>
-                <a:cs typeface="Arial" panose="020B0604020202020204"/>
-              </a:rPr>
-              <a:t>热重载</a:t>
-            </a:r>
-            <a:endParaRPr lang="zh-CN" sz="2400" dirty="0">
-              <a:solidFill>
-                <a:srgbClr val="FFFFFF"/>
-              </a:solidFill>
-              <a:latin typeface="Arial" panose="020B0604020202020204"/>
-              <a:cs typeface="Arial" panose="020B0604020202020204"/>
-            </a:endParaRPr>
-          </a:p>
-        </p:txBody>
-      </p:sp>
-      <p:sp>
-        <p:nvSpPr>
-          <p:cNvPr id="5" name="object 3"/>
-          <p:cNvSpPr txBox="1"/>
-          <p:nvPr/>
-        </p:nvSpPr>
-        <p:spPr>
-          <a:xfrm>
-            <a:off x="384810" y="3145155"/>
-            <a:ext cx="8409305" cy="568325"/>
-          </a:xfrm>
-          <a:prstGeom prst="rect">
-            <a:avLst/>
-          </a:prstGeom>
-        </p:spPr>
-        <p:txBody>
-          <a:bodyPr vert="horz" wrap="square" lIns="0" tIns="199390" rIns="0" bIns="0" rtlCol="0">
-            <a:spAutoFit/>
-          </a:bodyPr>
-          <a:p>
-            <a:pPr marL="424815" indent="-412115">
-              <a:lnSpc>
-                <a:spcPct val="100000"/>
-              </a:lnSpc>
-              <a:spcBef>
-                <a:spcPts val="1570"/>
-              </a:spcBef>
-              <a:buClr>
-                <a:srgbClr val="FFFFFF"/>
-              </a:buClr>
-              <a:buChar char="●"/>
-              <a:tabLst>
-                <a:tab pos="424815" algn="l"/>
-                <a:tab pos="425450" algn="l"/>
-              </a:tabLst>
-            </a:pPr>
-            <a:r>
-              <a:rPr lang="en-US" altLang="zh-CN" sz="2400" dirty="0">
-                <a:solidFill>
-                  <a:srgbClr val="FFFFFF"/>
-                </a:solidFill>
-                <a:latin typeface="Arial" panose="020B0604020202020204"/>
-                <a:cs typeface="Arial" panose="020B0604020202020204"/>
-              </a:rPr>
-              <a:t>ESLint</a:t>
-            </a:r>
-            <a:r>
-              <a:rPr lang="zh-CN" altLang="en-US" sz="2400" dirty="0">
-                <a:solidFill>
-                  <a:srgbClr val="FFFFFF"/>
-                </a:solidFill>
-                <a:latin typeface="Arial" panose="020B0604020202020204"/>
-                <a:cs typeface="Arial" panose="020B0604020202020204"/>
-              </a:rPr>
-              <a:t>检查</a:t>
-            </a:r>
-            <a:endParaRPr lang="zh-CN" altLang="en-US" sz="2400" dirty="0">
-              <a:solidFill>
-                <a:srgbClr val="FFFFFF"/>
-              </a:solidFill>
-              <a:latin typeface="Arial" panose="020B0604020202020204"/>
-              <a:cs typeface="Arial" panose="020B0604020202020204"/>
-            </a:endParaRPr>
-          </a:p>
-        </p:txBody>
-      </p:sp>
-    </p:spTree>
-  </p:cSld>
-  <p:clrMapOvr>
-    <a:masterClrMapping/>
-  </p:clrMapOvr>
-</p:sld>
-</file>
-
-<file path=ppt/slides/slide39.xml><?xml version="1.0" encoding="utf-8"?>
-<p:sld xmlns:a="http://schemas.openxmlformats.org/drawingml/2006/main" xmlns:r="http://schemas.openxmlformats.org/officeDocument/2006/relationships" xmlns:p="http://schemas.openxmlformats.org/presentationml/2006/main">
-  <p:cSld>
-    <p:spTree>
-      <p:nvGrpSpPr>
-        <p:cNvPr id="1" name=""/>
-        <p:cNvGrpSpPr/>
-        <p:nvPr/>
-      </p:nvGrpSpPr>
-      <p:grpSpPr>
-        <a:xfrm>
-          <a:off x="0" y="0"/>
-          <a:ext cx="0" cy="0"/>
-          <a:chOff x="0" y="0"/>
-          <a:chExt cx="0" cy="0"/>
-        </a:xfrm>
-      </p:grpSpPr>
-      <p:sp>
-        <p:nvSpPr>
-          <p:cNvPr id="2" name="object 2"/>
-          <p:cNvSpPr txBox="1">
-            <a:spLocks noGrp="1"/>
-          </p:cNvSpPr>
-          <p:nvPr>
-            <p:ph type="title"/>
-          </p:nvPr>
-        </p:nvSpPr>
-        <p:spPr>
-          <a:xfrm>
-            <a:off x="384810" y="652145"/>
-            <a:ext cx="4686935" cy="443230"/>
-          </a:xfrm>
-          <a:prstGeom prst="rect">
-            <a:avLst/>
-          </a:prstGeom>
-        </p:spPr>
-        <p:txBody>
-          <a:bodyPr vert="horz" wrap="square" lIns="0" tIns="12700" rIns="0" bIns="0" rtlCol="0">
-            <a:spAutoFit/>
-          </a:bodyPr>
-          <a:lstStyle/>
-          <a:p>
-            <a:pPr marL="12700">
-              <a:lnSpc>
-                <a:spcPct val="100000"/>
-              </a:lnSpc>
-              <a:spcBef>
-                <a:spcPts val="100"/>
-              </a:spcBef>
-            </a:pPr>
-            <a:r>
-              <a:rPr lang="en-US" altLang="zh-CN" sz="2800" spc="-10" dirty="0">
-                <a:latin typeface="Arial" panose="020B0604020202020204"/>
-                <a:cs typeface="Arial" panose="020B0604020202020204"/>
-              </a:rPr>
-              <a:t>webpack</a:t>
-            </a:r>
-            <a:r>
-              <a:rPr lang="zh-CN" altLang="zh-CN" sz="2800" spc="-10" dirty="0">
-                <a:latin typeface="Arial" panose="020B0604020202020204"/>
-                <a:cs typeface="Arial" panose="020B0604020202020204"/>
-              </a:rPr>
-              <a:t>构建生产环境代码</a:t>
-            </a:r>
-            <a:endParaRPr lang="zh-CN" altLang="zh-CN" sz="2800" spc="-10" dirty="0">
-              <a:latin typeface="Arial" panose="020B0604020202020204"/>
-              <a:cs typeface="Arial" panose="020B0604020202020204"/>
-            </a:endParaRPr>
-          </a:p>
-        </p:txBody>
-      </p:sp>
-      <p:sp>
-        <p:nvSpPr>
-          <p:cNvPr id="3" name="object 3"/>
-          <p:cNvSpPr txBox="1"/>
-          <p:nvPr/>
-        </p:nvSpPr>
-        <p:spPr>
-          <a:xfrm>
-            <a:off x="384810" y="1418590"/>
-            <a:ext cx="8409305" cy="568325"/>
-          </a:xfrm>
-          <a:prstGeom prst="rect">
-            <a:avLst/>
-          </a:prstGeom>
-        </p:spPr>
-        <p:txBody>
-          <a:bodyPr vert="horz" wrap="square" lIns="0" tIns="199390" rIns="0" bIns="0" rtlCol="0">
-            <a:spAutoFit/>
-          </a:bodyPr>
-          <a:lstStyle/>
-          <a:p>
-            <a:pPr marL="424815" indent="-412115">
-              <a:lnSpc>
-                <a:spcPct val="100000"/>
-              </a:lnSpc>
-              <a:spcBef>
-                <a:spcPts val="1570"/>
-              </a:spcBef>
-              <a:buClr>
-                <a:srgbClr val="FFFFFF"/>
-              </a:buClr>
-              <a:buChar char="●"/>
-              <a:tabLst>
-                <a:tab pos="424815" algn="l"/>
-                <a:tab pos="425450" algn="l"/>
-              </a:tabLst>
-            </a:pPr>
-            <a:r>
-              <a:rPr lang="zh-CN" sz="2400" dirty="0">
-                <a:solidFill>
-                  <a:srgbClr val="FFFFFF"/>
-                </a:solidFill>
-                <a:latin typeface="Arial" panose="020B0604020202020204"/>
-                <a:cs typeface="Arial" panose="020B0604020202020204"/>
-              </a:rPr>
-              <a:t>通过UglifyJS</a:t>
-            </a:r>
-            <a:r>
-              <a:rPr lang="zh-CN" sz="2400" dirty="0">
-                <a:solidFill>
-                  <a:srgbClr val="FFFFFF"/>
-                </a:solidFill>
-                <a:latin typeface="Arial" panose="020B0604020202020204"/>
-                <a:cs typeface="Arial" panose="020B0604020202020204"/>
-                <a:sym typeface="+mn-ea"/>
-              </a:rPr>
-              <a:t>压缩</a:t>
-            </a:r>
-            <a:r>
-              <a:rPr lang="en-US" sz="2400" dirty="0">
-                <a:solidFill>
-                  <a:srgbClr val="FFFFFF"/>
-                </a:solidFill>
-                <a:latin typeface="Arial" panose="020B0604020202020204"/>
-                <a:cs typeface="Arial" panose="020B0604020202020204"/>
-                <a:sym typeface="+mn-ea"/>
-              </a:rPr>
-              <a:t>js</a:t>
-            </a:r>
-            <a:endParaRPr lang="zh-CN" sz="2400" dirty="0">
-              <a:solidFill>
-                <a:srgbClr val="FFFFFF"/>
-              </a:solidFill>
-              <a:latin typeface="Arial" panose="020B0604020202020204"/>
-              <a:cs typeface="Arial" panose="020B0604020202020204"/>
-            </a:endParaRPr>
-          </a:p>
-        </p:txBody>
-      </p:sp>
-      <p:sp>
-        <p:nvSpPr>
-          <p:cNvPr id="7" name="矩形 6"/>
-          <p:cNvSpPr/>
-          <p:nvPr/>
-        </p:nvSpPr>
-        <p:spPr>
-          <a:xfrm>
-            <a:off x="384810" y="4991100"/>
-            <a:ext cx="7848600" cy="655955"/>
-          </a:xfrm>
-          <a:prstGeom prst="rect">
-            <a:avLst/>
-          </a:prstGeom>
-          <a:ln>
-            <a:solidFill>
-              <a:srgbClr val="42B983"/>
-            </a:solidFill>
-          </a:ln>
-        </p:spPr>
-        <p:style>
-          <a:lnRef idx="2">
-            <a:schemeClr val="accent3"/>
-          </a:lnRef>
-          <a:fillRef idx="1">
-            <a:schemeClr val="lt1"/>
-          </a:fillRef>
-          <a:effectRef idx="0">
-            <a:schemeClr val="accent3"/>
-          </a:effectRef>
-          <a:fontRef idx="minor">
-            <a:schemeClr val="dk1"/>
-          </a:fontRef>
-        </p:style>
-        <p:txBody>
-          <a:bodyPr vert="horz" wrap="square" lIns="90170" tIns="46990" rIns="90170" bIns="46990" rtlCol="0" anchor="ctr" anchorCtr="0">
-            <a:noAutofit/>
-          </a:bodyPr>
-          <a:p>
-            <a:pPr algn="l"/>
-            <a:r>
-              <a:rPr lang="en-US" altLang="zh-CN">
-                <a:latin typeface="Consolas" panose="020B0609020204030204" charset="0"/>
-              </a:rPr>
-              <a:t>npm run build</a:t>
-            </a:r>
-            <a:endParaRPr lang="en-US" altLang="zh-CN">
-              <a:latin typeface="Consolas" panose="020B0609020204030204" charset="0"/>
-            </a:endParaRPr>
-          </a:p>
-        </p:txBody>
-      </p:sp>
-      <p:sp>
-        <p:nvSpPr>
-          <p:cNvPr id="4" name="object 3"/>
-          <p:cNvSpPr txBox="1"/>
-          <p:nvPr/>
-        </p:nvSpPr>
-        <p:spPr>
-          <a:xfrm>
-            <a:off x="384810" y="2279015"/>
-            <a:ext cx="8409305" cy="568325"/>
-          </a:xfrm>
-          <a:prstGeom prst="rect">
-            <a:avLst/>
-          </a:prstGeom>
-        </p:spPr>
-        <p:txBody>
-          <a:bodyPr vert="horz" wrap="square" lIns="0" tIns="199390" rIns="0" bIns="0" rtlCol="0">
-            <a:spAutoFit/>
-          </a:bodyPr>
-          <a:p>
-            <a:pPr marL="424815" indent="-412115">
-              <a:lnSpc>
-                <a:spcPct val="100000"/>
-              </a:lnSpc>
-              <a:spcBef>
-                <a:spcPts val="1570"/>
-              </a:spcBef>
-              <a:buClr>
-                <a:srgbClr val="FFFFFF"/>
-              </a:buClr>
-              <a:buChar char="●"/>
-              <a:tabLst>
-                <a:tab pos="424815" algn="l"/>
-                <a:tab pos="425450" algn="l"/>
-              </a:tabLst>
-            </a:pPr>
-            <a:r>
-              <a:rPr lang="zh-CN" altLang="en-US" sz="2400" dirty="0">
-                <a:solidFill>
-                  <a:srgbClr val="FFFFFF"/>
-                </a:solidFill>
-                <a:latin typeface="Arial" panose="020B0604020202020204"/>
-                <a:cs typeface="Arial" panose="020B0604020202020204"/>
-              </a:rPr>
-              <a:t>通过 html-minifier压缩</a:t>
-            </a:r>
-            <a:r>
-              <a:rPr lang="en-US" altLang="zh-CN" sz="2400" dirty="0">
-                <a:solidFill>
-                  <a:srgbClr val="FFFFFF"/>
-                </a:solidFill>
-                <a:latin typeface="Arial" panose="020B0604020202020204"/>
-                <a:cs typeface="Arial" panose="020B0604020202020204"/>
-              </a:rPr>
-              <a:t>html</a:t>
-            </a:r>
-            <a:endParaRPr lang="zh-CN" altLang="en-US" sz="2400" dirty="0">
-              <a:solidFill>
-                <a:srgbClr val="FFFFFF"/>
-              </a:solidFill>
-              <a:latin typeface="Arial" panose="020B0604020202020204"/>
-              <a:cs typeface="Arial" panose="020B0604020202020204"/>
-            </a:endParaRPr>
-          </a:p>
-        </p:txBody>
-      </p:sp>
-      <p:sp>
-        <p:nvSpPr>
-          <p:cNvPr id="5" name="object 3"/>
-          <p:cNvSpPr txBox="1"/>
-          <p:nvPr/>
-        </p:nvSpPr>
-        <p:spPr>
-          <a:xfrm>
-            <a:off x="384810" y="3145155"/>
-            <a:ext cx="8409305" cy="937895"/>
-          </a:xfrm>
-          <a:prstGeom prst="rect">
-            <a:avLst/>
-          </a:prstGeom>
-        </p:spPr>
-        <p:txBody>
-          <a:bodyPr vert="horz" wrap="square" lIns="0" tIns="199390" rIns="0" bIns="0" rtlCol="0">
-            <a:spAutoFit/>
-          </a:bodyPr>
-          <a:p>
-            <a:pPr marL="424815" indent="-412115">
-              <a:lnSpc>
-                <a:spcPct val="100000"/>
-              </a:lnSpc>
-              <a:spcBef>
-                <a:spcPts val="1570"/>
-              </a:spcBef>
-              <a:buClr>
-                <a:srgbClr val="FFFFFF"/>
-              </a:buClr>
-              <a:buChar char="●"/>
-              <a:tabLst>
-                <a:tab pos="424815" algn="l"/>
-                <a:tab pos="425450" algn="l"/>
-              </a:tabLst>
-            </a:pPr>
-            <a:r>
-              <a:rPr lang="zh-CN" altLang="en-US" sz="2400" dirty="0">
-                <a:solidFill>
-                  <a:srgbClr val="FFFFFF"/>
-                </a:solidFill>
-                <a:latin typeface="Arial" panose="020B0604020202020204"/>
-                <a:cs typeface="Arial" panose="020B0604020202020204"/>
-              </a:rPr>
-              <a:t>将所有组件的CSS提取到单个文件中，并用cssnano进行压缩。</a:t>
-            </a:r>
-            <a:endParaRPr lang="zh-CN" altLang="en-US" sz="2400" dirty="0">
-              <a:solidFill>
-                <a:srgbClr val="FFFFFF"/>
-              </a:solidFill>
-              <a:latin typeface="Arial" panose="020B0604020202020204"/>
-              <a:cs typeface="Arial" panose="020B0604020202020204"/>
-            </a:endParaRPr>
-          </a:p>
-        </p:txBody>
-      </p:sp>
-    </p:spTree>
-  </p:cSld>
-  <p:clrMapOvr>
-    <a:masterClrMapping/>
-  </p:clrMapOvr>
-</p:sld>
-</file>
-
 <file path=ppt/slides/slide4.xml><?xml version="1.0" encoding="utf-8"?>
 <p:sld xmlns:a="http://schemas.openxmlformats.org/drawingml/2006/main" xmlns:r="http://schemas.openxmlformats.org/officeDocument/2006/relationships" xmlns:p="http://schemas.openxmlformats.org/presentationml/2006/main">
   <p:cSld>
@@ -10043,319 +8906,6 @@
               <a:latin typeface="Arial" panose="020B0604020202020204"/>
               <a:cs typeface="Arial" panose="020B0604020202020204"/>
               <a:sym typeface="+mn-ea"/>
-            </a:endParaRPr>
-          </a:p>
-        </p:txBody>
-      </p:sp>
-    </p:spTree>
-  </p:cSld>
-  <p:clrMapOvr>
-    <a:masterClrMapping/>
-  </p:clrMapOvr>
-</p:sld>
-</file>
-
-<file path=ppt/slides/slide40.xml><?xml version="1.0" encoding="utf-8"?>
-<p:sld xmlns:a="http://schemas.openxmlformats.org/drawingml/2006/main" xmlns:r="http://schemas.openxmlformats.org/officeDocument/2006/relationships" xmlns:p="http://schemas.openxmlformats.org/presentationml/2006/main">
-  <p:cSld>
-    <p:spTree>
-      <p:nvGrpSpPr>
-        <p:cNvPr id="1" name=""/>
-        <p:cNvGrpSpPr/>
-        <p:nvPr/>
-      </p:nvGrpSpPr>
-      <p:grpSpPr>
-        <a:xfrm>
-          <a:off x="0" y="0"/>
-          <a:ext cx="0" cy="0"/>
-          <a:chOff x="0" y="0"/>
-          <a:chExt cx="0" cy="0"/>
-        </a:xfrm>
-      </p:grpSpPr>
-      <p:sp>
-        <p:nvSpPr>
-          <p:cNvPr id="2" name="object 2"/>
-          <p:cNvSpPr txBox="1"/>
-          <p:nvPr/>
-        </p:nvSpPr>
-        <p:spPr>
-          <a:xfrm>
-            <a:off x="1389380" y="506095"/>
-            <a:ext cx="6365240" cy="811530"/>
-          </a:xfrm>
-          <a:prstGeom prst="rect">
-            <a:avLst/>
-          </a:prstGeom>
-        </p:spPr>
-        <p:txBody>
-          <a:bodyPr vert="horz" wrap="square" lIns="0" tIns="12700" rIns="0" bIns="0" rtlCol="0">
-            <a:spAutoFit/>
-          </a:bodyPr>
-          <a:lstStyle/>
-          <a:p>
-            <a:pPr marL="1905" algn="ctr">
-              <a:lnSpc>
-                <a:spcPts val="6230"/>
-              </a:lnSpc>
-              <a:spcBef>
-                <a:spcPts val="100"/>
-              </a:spcBef>
-            </a:pPr>
-            <a:r>
-              <a:rPr lang="zh-CN" altLang="zh-CN" sz="5200" spc="-5" dirty="0">
-                <a:solidFill>
-                  <a:srgbClr val="FFFFFF"/>
-                </a:solidFill>
-                <a:latin typeface="宋体" panose="02010600030101010101" pitchFamily="2" charset="-122"/>
-                <a:cs typeface="宋体" panose="02010600030101010101" pitchFamily="2" charset="-122"/>
-              </a:rPr>
-              <a:t>最后</a:t>
-            </a:r>
-            <a:endParaRPr sz="5200" spc="-10" dirty="0">
-              <a:solidFill>
-                <a:srgbClr val="FFFFFF"/>
-              </a:solidFill>
-              <a:latin typeface="Arial" panose="020B0604020202020204"/>
-              <a:cs typeface="Arial" panose="020B0604020202020204"/>
-            </a:endParaRPr>
-          </a:p>
-        </p:txBody>
-      </p:sp>
-      <p:sp>
-        <p:nvSpPr>
-          <p:cNvPr id="3" name="object 3"/>
-          <p:cNvSpPr txBox="1"/>
-          <p:nvPr/>
-        </p:nvSpPr>
-        <p:spPr>
-          <a:xfrm>
-            <a:off x="367030" y="1470660"/>
-            <a:ext cx="8409305" cy="568325"/>
-          </a:xfrm>
-          <a:prstGeom prst="rect">
-            <a:avLst/>
-          </a:prstGeom>
-        </p:spPr>
-        <p:txBody>
-          <a:bodyPr vert="horz" wrap="square" lIns="0" tIns="199390" rIns="0" bIns="0" rtlCol="0">
-            <a:spAutoFit/>
-          </a:bodyPr>
-          <a:p>
-            <a:pPr marL="424815" indent="-412115">
-              <a:lnSpc>
-                <a:spcPct val="100000"/>
-              </a:lnSpc>
-              <a:spcBef>
-                <a:spcPts val="1570"/>
-              </a:spcBef>
-              <a:buClr>
-                <a:srgbClr val="FFFFFF"/>
-              </a:buClr>
-              <a:buChar char="●"/>
-              <a:tabLst>
-                <a:tab pos="424815" algn="l"/>
-                <a:tab pos="425450" algn="l"/>
-              </a:tabLst>
-            </a:pPr>
-            <a:r>
-              <a:rPr lang="zh-CN" sz="2400" dirty="0">
-                <a:solidFill>
-                  <a:srgbClr val="FFFFFF"/>
-                </a:solidFill>
-                <a:latin typeface="Arial" panose="020B0604020202020204"/>
-                <a:cs typeface="Arial" panose="020B0604020202020204"/>
-                <a:hlinkClick r:id="rId1" action="ppaction://hlinkfile"/>
-              </a:rPr>
-              <a:t>Vue 脱坑记</a:t>
-            </a:r>
-            <a:endParaRPr lang="zh-CN" sz="2400" dirty="0">
-              <a:solidFill>
-                <a:srgbClr val="FFFFFF"/>
-              </a:solidFill>
-              <a:latin typeface="Arial" panose="020B0604020202020204"/>
-              <a:cs typeface="Arial" panose="020B0604020202020204"/>
-            </a:endParaRPr>
-          </a:p>
-        </p:txBody>
-      </p:sp>
-      <p:sp>
-        <p:nvSpPr>
-          <p:cNvPr id="4" name="object 3"/>
-          <p:cNvSpPr txBox="1"/>
-          <p:nvPr/>
-        </p:nvSpPr>
-        <p:spPr>
-          <a:xfrm>
-            <a:off x="367665" y="2385060"/>
-            <a:ext cx="8409305" cy="568325"/>
-          </a:xfrm>
-          <a:prstGeom prst="rect">
-            <a:avLst/>
-          </a:prstGeom>
-        </p:spPr>
-        <p:txBody>
-          <a:bodyPr vert="horz" wrap="square" lIns="0" tIns="199390" rIns="0" bIns="0" rtlCol="0">
-            <a:spAutoFit/>
-          </a:bodyPr>
-          <a:p>
-            <a:pPr marL="424815" indent="-412115">
-              <a:lnSpc>
-                <a:spcPct val="100000"/>
-              </a:lnSpc>
-              <a:spcBef>
-                <a:spcPts val="1570"/>
-              </a:spcBef>
-              <a:buClr>
-                <a:srgbClr val="FFFFFF"/>
-              </a:buClr>
-              <a:buChar char="●"/>
-              <a:tabLst>
-                <a:tab pos="424815" algn="l"/>
-                <a:tab pos="425450" algn="l"/>
-              </a:tabLst>
-            </a:pPr>
-            <a:r>
-              <a:rPr lang="en-US" altLang="zh-CN" sz="2400" dirty="0">
-                <a:solidFill>
-                  <a:srgbClr val="FFFFFF"/>
-                </a:solidFill>
-                <a:latin typeface="Arial" panose="020B0604020202020204"/>
-                <a:cs typeface="Arial" panose="020B0604020202020204"/>
-                <a:hlinkClick r:id="rId2" action="ppaction://hlinkfile"/>
-              </a:rPr>
-              <a:t>Vue</a:t>
-            </a:r>
-            <a:r>
-              <a:rPr lang="zh-CN" sz="2400" dirty="0">
-                <a:solidFill>
-                  <a:srgbClr val="FFFFFF"/>
-                </a:solidFill>
-                <a:latin typeface="Arial" panose="020B0604020202020204"/>
-                <a:cs typeface="Arial" panose="020B0604020202020204"/>
-                <a:hlinkClick r:id="rId2" action="ppaction://hlinkfile"/>
-              </a:rPr>
-              <a:t>官方风格指南</a:t>
-            </a:r>
-            <a:endParaRPr lang="zh-CN" sz="2400" dirty="0">
-              <a:solidFill>
-                <a:srgbClr val="FFFFFF"/>
-              </a:solidFill>
-              <a:latin typeface="Arial" panose="020B0604020202020204"/>
-              <a:cs typeface="Arial" panose="020B0604020202020204"/>
-            </a:endParaRPr>
-          </a:p>
-        </p:txBody>
-      </p:sp>
-      <p:sp>
-        <p:nvSpPr>
-          <p:cNvPr id="5" name="object 3"/>
-          <p:cNvSpPr txBox="1"/>
-          <p:nvPr/>
-        </p:nvSpPr>
-        <p:spPr>
-          <a:xfrm>
-            <a:off x="367030" y="3235325"/>
-            <a:ext cx="8409305" cy="568325"/>
-          </a:xfrm>
-          <a:prstGeom prst="rect">
-            <a:avLst/>
-          </a:prstGeom>
-        </p:spPr>
-        <p:txBody>
-          <a:bodyPr vert="horz" wrap="square" lIns="0" tIns="199390" rIns="0" bIns="0" rtlCol="0">
-            <a:spAutoFit/>
-          </a:bodyPr>
-          <a:p>
-            <a:pPr marL="424815" indent="-412115">
-              <a:lnSpc>
-                <a:spcPct val="100000"/>
-              </a:lnSpc>
-              <a:spcBef>
-                <a:spcPts val="1570"/>
-              </a:spcBef>
-              <a:buClr>
-                <a:srgbClr val="FFFFFF"/>
-              </a:buClr>
-              <a:buChar char="●"/>
-              <a:tabLst>
-                <a:tab pos="424815" algn="l"/>
-                <a:tab pos="425450" algn="l"/>
-              </a:tabLst>
-            </a:pPr>
-            <a:r>
-              <a:rPr sz="2400" dirty="0">
-                <a:solidFill>
-                  <a:srgbClr val="FFFFFF"/>
-                </a:solidFill>
-                <a:latin typeface="Arial" panose="020B0604020202020204"/>
-                <a:cs typeface="Arial" panose="020B0604020202020204"/>
-                <a:hlinkClick r:id="rId3" action="ppaction://hlinkfile"/>
-              </a:rPr>
-              <a:t>awesome-vue</a:t>
-            </a:r>
-            <a:endParaRPr sz="2400" dirty="0">
-              <a:solidFill>
-                <a:srgbClr val="FFFFFF"/>
-              </a:solidFill>
-              <a:latin typeface="Arial" panose="020B0604020202020204"/>
-              <a:cs typeface="Arial" panose="020B0604020202020204"/>
-            </a:endParaRPr>
-          </a:p>
-        </p:txBody>
-      </p:sp>
-      <p:sp>
-        <p:nvSpPr>
-          <p:cNvPr id="6" name="object 3"/>
-          <p:cNvSpPr txBox="1"/>
-          <p:nvPr/>
-        </p:nvSpPr>
-        <p:spPr>
-          <a:xfrm>
-            <a:off x="367665" y="4072255"/>
-            <a:ext cx="8409305" cy="568325"/>
-          </a:xfrm>
-          <a:prstGeom prst="rect">
-            <a:avLst/>
-          </a:prstGeom>
-        </p:spPr>
-        <p:txBody>
-          <a:bodyPr vert="horz" wrap="square" lIns="0" tIns="199390" rIns="0" bIns="0" rtlCol="0">
-            <a:spAutoFit/>
-          </a:bodyPr>
-          <a:p>
-            <a:pPr marL="424815" indent="-412115">
-              <a:lnSpc>
-                <a:spcPct val="100000"/>
-              </a:lnSpc>
-              <a:spcBef>
-                <a:spcPts val="1570"/>
-              </a:spcBef>
-              <a:buClr>
-                <a:srgbClr val="FFFFFF"/>
-              </a:buClr>
-              <a:buChar char="●"/>
-              <a:tabLst>
-                <a:tab pos="424815" algn="l"/>
-                <a:tab pos="425450" algn="l"/>
-              </a:tabLst>
-            </a:pPr>
-            <a:r>
-              <a:rPr sz="2400" dirty="0">
-                <a:solidFill>
-                  <a:srgbClr val="FFFFFF"/>
-                </a:solidFill>
-                <a:latin typeface="Arial" panose="020B0604020202020204"/>
-                <a:cs typeface="Arial" panose="020B0604020202020204"/>
-                <a:hlinkClick r:id="rId4" action="ppaction://hlinkfile"/>
-              </a:rPr>
-              <a:t>Vue 2.0 的建议学习顺序</a:t>
-            </a:r>
-            <a:endParaRPr sz="2400" dirty="0">
-              <a:solidFill>
-                <a:srgbClr val="FFFFFF"/>
-              </a:solidFill>
-              <a:latin typeface="Arial" panose="020B0604020202020204"/>
-              <a:cs typeface="Arial" panose="020B0604020202020204"/>
             </a:endParaRPr>
           </a:p>
         </p:txBody>
@@ -11289,7 +9839,7 @@
         <p:spPr>
           <a:xfrm>
             <a:off x="148590" y="4538980"/>
-            <a:ext cx="8766810" cy="1753235"/>
+            <a:ext cx="8766810" cy="2306955"/>
           </a:xfrm>
           <a:prstGeom prst="rect">
             <a:avLst/>
@@ -11424,6 +9974,44 @@
               <a:t>sconfig.json文件中指定了用来编译这个项目的根文件和编译选项。可以通过tsc --init命令创建</a:t>
             </a:r>
             <a:endParaRPr lang="zh-CN" altLang="en-US">
+              <a:solidFill>
+                <a:schemeClr val="bg1"/>
+              </a:solidFill>
+            </a:endParaRPr>
+          </a:p>
+          <a:p>
+            <a:pPr marL="285750" indent="-285750">
+              <a:buFont typeface="Wingdings" panose="05000000000000000000" charset="0"/>
+              <a:buChar char="l"/>
+            </a:pPr>
+            <a:endParaRPr lang="zh-CN" altLang="en-US">
+              <a:solidFill>
+                <a:schemeClr val="bg1"/>
+              </a:solidFill>
+            </a:endParaRPr>
+          </a:p>
+          <a:p>
+            <a:pPr indent="0">
+              <a:buFont typeface="Wingdings" panose="05000000000000000000" charset="0"/>
+              <a:buNone/>
+            </a:pPr>
+            <a:r>
+              <a:rPr lang="zh-CN" altLang="en-US">
+                <a:solidFill>
+                  <a:schemeClr val="bg1"/>
+                </a:solidFill>
+              </a:rPr>
+              <a:t>例：</a:t>
+            </a:r>
+            <a:r>
+              <a:rPr lang="en-US" altLang="zh-CN">
+                <a:solidFill>
+                  <a:schemeClr val="bg1"/>
+                </a:solidFill>
+              </a:rPr>
+              <a:t>hellow.ts</a:t>
+            </a:r>
+            <a:endParaRPr lang="en-US" altLang="zh-CN">
               <a:solidFill>
                 <a:schemeClr val="bg1"/>
               </a:solidFill>
@@ -11501,7 +10089,7 @@
         <p:spPr>
           <a:xfrm>
             <a:off x="148590" y="1567180"/>
-            <a:ext cx="8766810" cy="4523105"/>
+            <a:ext cx="8766810" cy="5354320"/>
           </a:xfrm>
           <a:prstGeom prst="rect">
             <a:avLst/>
@@ -11523,7 +10111,7 @@
                   <a:schemeClr val="bg1"/>
                 </a:solidFill>
               </a:rPr>
-              <a:t>Undefined :</a:t>
+              <a:t>Undefined</a:t>
             </a:r>
             <a:endParaRPr lang="zh-CN" altLang="en-US">
               <a:solidFill>
@@ -11853,6 +10441,55 @@
                 </a:solidFill>
               </a:rPr>
               <a:t>Tips: undefined 和 null 是所有类型的子类型。</a:t>
+            </a:r>
+            <a:endParaRPr lang="en-US" altLang="zh-CN">
+              <a:solidFill>
+                <a:schemeClr val="bg1"/>
+              </a:solidFill>
+            </a:endParaRPr>
+          </a:p>
+          <a:p>
+            <a:pPr indent="0">
+              <a:buFont typeface="Wingdings" panose="05000000000000000000" charset="0"/>
+              <a:buNone/>
+            </a:pPr>
+            <a:endParaRPr lang="en-US" altLang="zh-CN">
+              <a:solidFill>
+                <a:schemeClr val="bg1"/>
+              </a:solidFill>
+            </a:endParaRPr>
+          </a:p>
+          <a:p>
+            <a:pPr indent="0">
+              <a:buFont typeface="Wingdings" panose="05000000000000000000" charset="0"/>
+              <a:buNone/>
+            </a:pPr>
+            <a:endParaRPr lang="en-US" altLang="zh-CN">
+              <a:solidFill>
+                <a:schemeClr val="bg1"/>
+              </a:solidFill>
+            </a:endParaRPr>
+          </a:p>
+          <a:p>
+            <a:pPr indent="0">
+              <a:buFont typeface="Wingdings" panose="05000000000000000000" charset="0"/>
+              <a:buNone/>
+            </a:pPr>
+            <a:r>
+              <a:rPr lang="zh-CN" altLang="en-US">
+                <a:solidFill>
+                  <a:schemeClr val="bg1"/>
+                </a:solidFill>
+              </a:rPr>
+              <a:t>例：</a:t>
+            </a:r>
+            <a:r>
+              <a:rPr lang="en-US" altLang="zh-CN">
+                <a:solidFill>
+                  <a:schemeClr val="bg1"/>
+                </a:solidFill>
+              </a:rPr>
+              <a:t>demo30.ts</a:t>
             </a:r>
             <a:endParaRPr lang="en-US" altLang="zh-CN">
               <a:solidFill>

--- a/TS内部分享.pptx
+++ b/TS内部分享.pptx
@@ -36,7 +36,16 @@
     <p:sldId id="680" r:id="rId29"/>
     <p:sldId id="681" r:id="rId30"/>
     <p:sldId id="682" r:id="rId31"/>
-    <p:sldId id="591" r:id="rId32"/>
+    <p:sldId id="684" r:id="rId32"/>
+    <p:sldId id="685" r:id="rId33"/>
+    <p:sldId id="686" r:id="rId34"/>
+    <p:sldId id="687" r:id="rId35"/>
+    <p:sldId id="688" r:id="rId36"/>
+    <p:sldId id="689" r:id="rId37"/>
+    <p:sldId id="690" r:id="rId38"/>
+    <p:sldId id="691" r:id="rId39"/>
+    <p:sldId id="692" r:id="rId40"/>
+    <p:sldId id="591" r:id="rId41"/>
   </p:sldIdLst>
   <p:sldSz cx="9144000" cy="6858000"/>
   <p:notesSz cx="9144000" cy="6858000"/>
@@ -790,7 +799,359 @@
 </p:notes>
 </file>
 
+<file path=ppt/notesSlides/notesSlide16.xml><?xml version="1.0" encoding="utf-8"?>
+<p:notes xmlns:a="http://schemas.openxmlformats.org/drawingml/2006/main" xmlns:r="http://schemas.openxmlformats.org/officeDocument/2006/relationships" xmlns:p="http://schemas.openxmlformats.org/presentationml/2006/main">
+  <p:cSld>
+    <p:spTree>
+      <p:nvGrpSpPr>
+        <p:cNvPr id="1" name=""/>
+        <p:cNvGrpSpPr/>
+        <p:nvPr/>
+      </p:nvGrpSpPr>
+      <p:grpSpPr/>
+      <p:sp>
+        <p:nvSpPr>
+          <p:cNvPr id="2" name="幻灯片图像占位符 1"/>
+          <p:cNvSpPr/>
+          <p:nvPr>
+            <p:ph type="sldImg" idx="2"/>
+          </p:nvPr>
+        </p:nvSpPr>
+        <p:spPr/>
+      </p:sp>
+      <p:sp>
+        <p:nvSpPr>
+          <p:cNvPr id="3" name="文本占位符 2"/>
+          <p:cNvSpPr/>
+          <p:nvPr>
+            <p:ph type="body" idx="3"/>
+          </p:nvPr>
+        </p:nvSpPr>
+        <p:spPr/>
+        <p:txBody>
+          <a:bodyPr/>
+          <a:p>
+            <a:endParaRPr lang="zh-CN" altLang="en-US"/>
+          </a:p>
+        </p:txBody>
+      </p:sp>
+    </p:spTree>
+  </p:cSld>
+  <p:clrMapOvr>
+    <a:masterClrMapping/>
+  </p:clrMapOvr>
+</p:notes>
+</file>
+
+<file path=ppt/notesSlides/notesSlide17.xml><?xml version="1.0" encoding="utf-8"?>
+<p:notes xmlns:a="http://schemas.openxmlformats.org/drawingml/2006/main" xmlns:r="http://schemas.openxmlformats.org/officeDocument/2006/relationships" xmlns:p="http://schemas.openxmlformats.org/presentationml/2006/main">
+  <p:cSld>
+    <p:spTree>
+      <p:nvGrpSpPr>
+        <p:cNvPr id="1" name=""/>
+        <p:cNvGrpSpPr/>
+        <p:nvPr/>
+      </p:nvGrpSpPr>
+      <p:grpSpPr/>
+      <p:sp>
+        <p:nvSpPr>
+          <p:cNvPr id="2" name="幻灯片图像占位符 1"/>
+          <p:cNvSpPr/>
+          <p:nvPr>
+            <p:ph type="sldImg" idx="2"/>
+          </p:nvPr>
+        </p:nvSpPr>
+        <p:spPr/>
+      </p:sp>
+      <p:sp>
+        <p:nvSpPr>
+          <p:cNvPr id="3" name="文本占位符 2"/>
+          <p:cNvSpPr/>
+          <p:nvPr>
+            <p:ph type="body" idx="3"/>
+          </p:nvPr>
+        </p:nvSpPr>
+        <p:spPr/>
+        <p:txBody>
+          <a:bodyPr/>
+          <a:p>
+            <a:endParaRPr lang="zh-CN" altLang="en-US"/>
+          </a:p>
+        </p:txBody>
+      </p:sp>
+    </p:spTree>
+  </p:cSld>
+  <p:clrMapOvr>
+    <a:masterClrMapping/>
+  </p:clrMapOvr>
+</p:notes>
+</file>
+
+<file path=ppt/notesSlides/notesSlide18.xml><?xml version="1.0" encoding="utf-8"?>
+<p:notes xmlns:a="http://schemas.openxmlformats.org/drawingml/2006/main" xmlns:r="http://schemas.openxmlformats.org/officeDocument/2006/relationships" xmlns:p="http://schemas.openxmlformats.org/presentationml/2006/main">
+  <p:cSld>
+    <p:spTree>
+      <p:nvGrpSpPr>
+        <p:cNvPr id="1" name=""/>
+        <p:cNvGrpSpPr/>
+        <p:nvPr/>
+      </p:nvGrpSpPr>
+      <p:grpSpPr/>
+      <p:sp>
+        <p:nvSpPr>
+          <p:cNvPr id="2" name="幻灯片图像占位符 1"/>
+          <p:cNvSpPr/>
+          <p:nvPr>
+            <p:ph type="sldImg" idx="2"/>
+          </p:nvPr>
+        </p:nvSpPr>
+        <p:spPr/>
+      </p:sp>
+      <p:sp>
+        <p:nvSpPr>
+          <p:cNvPr id="3" name="文本占位符 2"/>
+          <p:cNvSpPr/>
+          <p:nvPr>
+            <p:ph type="body" idx="3"/>
+          </p:nvPr>
+        </p:nvSpPr>
+        <p:spPr/>
+        <p:txBody>
+          <a:bodyPr/>
+          <a:p>
+            <a:endParaRPr lang="zh-CN" altLang="en-US"/>
+          </a:p>
+        </p:txBody>
+      </p:sp>
+    </p:spTree>
+  </p:cSld>
+  <p:clrMapOvr>
+    <a:masterClrMapping/>
+  </p:clrMapOvr>
+</p:notes>
+</file>
+
+<file path=ppt/notesSlides/notesSlide19.xml><?xml version="1.0" encoding="utf-8"?>
+<p:notes xmlns:a="http://schemas.openxmlformats.org/drawingml/2006/main" xmlns:r="http://schemas.openxmlformats.org/officeDocument/2006/relationships" xmlns:p="http://schemas.openxmlformats.org/presentationml/2006/main">
+  <p:cSld>
+    <p:spTree>
+      <p:nvGrpSpPr>
+        <p:cNvPr id="1" name=""/>
+        <p:cNvGrpSpPr/>
+        <p:nvPr/>
+      </p:nvGrpSpPr>
+      <p:grpSpPr/>
+      <p:sp>
+        <p:nvSpPr>
+          <p:cNvPr id="2" name="幻灯片图像占位符 1"/>
+          <p:cNvSpPr/>
+          <p:nvPr>
+            <p:ph type="sldImg" idx="2"/>
+          </p:nvPr>
+        </p:nvSpPr>
+        <p:spPr/>
+      </p:sp>
+      <p:sp>
+        <p:nvSpPr>
+          <p:cNvPr id="3" name="文本占位符 2"/>
+          <p:cNvSpPr/>
+          <p:nvPr>
+            <p:ph type="body" idx="3"/>
+          </p:nvPr>
+        </p:nvSpPr>
+        <p:spPr/>
+        <p:txBody>
+          <a:bodyPr/>
+          <a:p>
+            <a:endParaRPr lang="zh-CN" altLang="en-US"/>
+          </a:p>
+        </p:txBody>
+      </p:sp>
+    </p:spTree>
+  </p:cSld>
+  <p:clrMapOvr>
+    <a:masterClrMapping/>
+  </p:clrMapOvr>
+</p:notes>
+</file>
+
 <file path=ppt/notesSlides/notesSlide2.xml><?xml version="1.0" encoding="utf-8"?>
+<p:notes xmlns:a="http://schemas.openxmlformats.org/drawingml/2006/main" xmlns:r="http://schemas.openxmlformats.org/officeDocument/2006/relationships" xmlns:p="http://schemas.openxmlformats.org/presentationml/2006/main">
+  <p:cSld>
+    <p:spTree>
+      <p:nvGrpSpPr>
+        <p:cNvPr id="1" name=""/>
+        <p:cNvGrpSpPr/>
+        <p:nvPr/>
+      </p:nvGrpSpPr>
+      <p:grpSpPr/>
+      <p:sp>
+        <p:nvSpPr>
+          <p:cNvPr id="2" name="幻灯片图像占位符 1"/>
+          <p:cNvSpPr/>
+          <p:nvPr>
+            <p:ph type="sldImg" idx="2"/>
+          </p:nvPr>
+        </p:nvSpPr>
+        <p:spPr/>
+      </p:sp>
+      <p:sp>
+        <p:nvSpPr>
+          <p:cNvPr id="3" name="文本占位符 2"/>
+          <p:cNvSpPr/>
+          <p:nvPr>
+            <p:ph type="body" idx="3"/>
+          </p:nvPr>
+        </p:nvSpPr>
+        <p:spPr/>
+        <p:txBody>
+          <a:bodyPr/>
+          <a:p>
+            <a:endParaRPr lang="zh-CN" altLang="en-US"/>
+          </a:p>
+        </p:txBody>
+      </p:sp>
+    </p:spTree>
+  </p:cSld>
+  <p:clrMapOvr>
+    <a:masterClrMapping/>
+  </p:clrMapOvr>
+</p:notes>
+</file>
+
+<file path=ppt/notesSlides/notesSlide20.xml><?xml version="1.0" encoding="utf-8"?>
+<p:notes xmlns:a="http://schemas.openxmlformats.org/drawingml/2006/main" xmlns:r="http://schemas.openxmlformats.org/officeDocument/2006/relationships" xmlns:p="http://schemas.openxmlformats.org/presentationml/2006/main">
+  <p:cSld>
+    <p:spTree>
+      <p:nvGrpSpPr>
+        <p:cNvPr id="1" name=""/>
+        <p:cNvGrpSpPr/>
+        <p:nvPr/>
+      </p:nvGrpSpPr>
+      <p:grpSpPr/>
+      <p:sp>
+        <p:nvSpPr>
+          <p:cNvPr id="2" name="幻灯片图像占位符 1"/>
+          <p:cNvSpPr/>
+          <p:nvPr>
+            <p:ph type="sldImg" idx="2"/>
+          </p:nvPr>
+        </p:nvSpPr>
+        <p:spPr/>
+      </p:sp>
+      <p:sp>
+        <p:nvSpPr>
+          <p:cNvPr id="3" name="文本占位符 2"/>
+          <p:cNvSpPr/>
+          <p:nvPr>
+            <p:ph type="body" idx="3"/>
+          </p:nvPr>
+        </p:nvSpPr>
+        <p:spPr/>
+        <p:txBody>
+          <a:bodyPr/>
+          <a:p>
+            <a:endParaRPr lang="zh-CN" altLang="en-US"/>
+          </a:p>
+        </p:txBody>
+      </p:sp>
+    </p:spTree>
+  </p:cSld>
+  <p:clrMapOvr>
+    <a:masterClrMapping/>
+  </p:clrMapOvr>
+</p:notes>
+</file>
+
+<file path=ppt/notesSlides/notesSlide21.xml><?xml version="1.0" encoding="utf-8"?>
+<p:notes xmlns:a="http://schemas.openxmlformats.org/drawingml/2006/main" xmlns:r="http://schemas.openxmlformats.org/officeDocument/2006/relationships" xmlns:p="http://schemas.openxmlformats.org/presentationml/2006/main">
+  <p:cSld>
+    <p:spTree>
+      <p:nvGrpSpPr>
+        <p:cNvPr id="1" name=""/>
+        <p:cNvGrpSpPr/>
+        <p:nvPr/>
+      </p:nvGrpSpPr>
+      <p:grpSpPr/>
+      <p:sp>
+        <p:nvSpPr>
+          <p:cNvPr id="2" name="幻灯片图像占位符 1"/>
+          <p:cNvSpPr/>
+          <p:nvPr>
+            <p:ph type="sldImg" idx="2"/>
+          </p:nvPr>
+        </p:nvSpPr>
+        <p:spPr/>
+      </p:sp>
+      <p:sp>
+        <p:nvSpPr>
+          <p:cNvPr id="3" name="文本占位符 2"/>
+          <p:cNvSpPr/>
+          <p:nvPr>
+            <p:ph type="body" idx="3"/>
+          </p:nvPr>
+        </p:nvSpPr>
+        <p:spPr/>
+        <p:txBody>
+          <a:bodyPr/>
+          <a:p>
+            <a:endParaRPr lang="zh-CN" altLang="en-US"/>
+          </a:p>
+        </p:txBody>
+      </p:sp>
+    </p:spTree>
+  </p:cSld>
+  <p:clrMapOvr>
+    <a:masterClrMapping/>
+  </p:clrMapOvr>
+</p:notes>
+</file>
+
+<file path=ppt/notesSlides/notesSlide22.xml><?xml version="1.0" encoding="utf-8"?>
+<p:notes xmlns:a="http://schemas.openxmlformats.org/drawingml/2006/main" xmlns:r="http://schemas.openxmlformats.org/officeDocument/2006/relationships" xmlns:p="http://schemas.openxmlformats.org/presentationml/2006/main">
+  <p:cSld>
+    <p:spTree>
+      <p:nvGrpSpPr>
+        <p:cNvPr id="1" name=""/>
+        <p:cNvGrpSpPr/>
+        <p:nvPr/>
+      </p:nvGrpSpPr>
+      <p:grpSpPr/>
+      <p:sp>
+        <p:nvSpPr>
+          <p:cNvPr id="2" name="幻灯片图像占位符 1"/>
+          <p:cNvSpPr/>
+          <p:nvPr>
+            <p:ph type="sldImg" idx="2"/>
+          </p:nvPr>
+        </p:nvSpPr>
+        <p:spPr/>
+      </p:sp>
+      <p:sp>
+        <p:nvSpPr>
+          <p:cNvPr id="3" name="文本占位符 2"/>
+          <p:cNvSpPr/>
+          <p:nvPr>
+            <p:ph type="body" idx="3"/>
+          </p:nvPr>
+        </p:nvSpPr>
+        <p:spPr/>
+        <p:txBody>
+          <a:bodyPr/>
+          <a:p>
+            <a:endParaRPr lang="zh-CN" altLang="en-US"/>
+          </a:p>
+        </p:txBody>
+      </p:sp>
+    </p:spTree>
+  </p:cSld>
+  <p:clrMapOvr>
+    <a:masterClrMapping/>
+  </p:clrMapOvr>
+</p:notes>
+</file>
+
+<file path=ppt/notesSlides/notesSlide23.xml><?xml version="1.0" encoding="utf-8"?>
 <p:notes xmlns:a="http://schemas.openxmlformats.org/drawingml/2006/main" xmlns:r="http://schemas.openxmlformats.org/officeDocument/2006/relationships" xmlns:p="http://schemas.openxmlformats.org/presentationml/2006/main">
   <p:cSld>
     <p:spTree>
@@ -8285,8 +8646,8 @@
         </p:nvSpPr>
         <p:spPr>
           <a:xfrm>
-            <a:off x="1389380" y="506095"/>
-            <a:ext cx="6365240" cy="811530"/>
+            <a:off x="184785" y="2623820"/>
+            <a:ext cx="8867140" cy="811530"/>
           </a:xfrm>
           <a:prstGeom prst="rect">
             <a:avLst/>
@@ -8307,294 +8668,34 @@
               </a:spcBef>
             </a:pPr>
             <a:r>
-              <a:rPr lang="zh-CN" altLang="zh-CN" sz="5200" spc="-5" dirty="0">
-                <a:solidFill>
-                  <a:srgbClr val="FFFFFF"/>
-                </a:solidFill>
-                <a:latin typeface="宋体" panose="02010600030101010101" pitchFamily="2" charset="-122"/>
-                <a:cs typeface="宋体" panose="02010600030101010101" pitchFamily="2" charset="-122"/>
-              </a:rPr>
-              <a:t>最后</a:t>
-            </a:r>
-            <a:endParaRPr sz="5200" spc="-10" dirty="0">
-              <a:solidFill>
-                <a:srgbClr val="FFFFFF"/>
+              <a:rPr lang="en-US" altLang="zh-CN" sz="3200" spc="-10" dirty="0">
+                <a:solidFill>
+                  <a:schemeClr val="bg1"/>
+                </a:solidFill>
+                <a:latin typeface="Arial" panose="020B0604020202020204"/>
+                <a:cs typeface="Arial" panose="020B0604020202020204"/>
+                <a:sym typeface="+mn-ea"/>
+              </a:rPr>
+              <a:t>10. </a:t>
+            </a:r>
+            <a:r>
+              <a:rPr lang="zh-CN" altLang="en-US" sz="3200" spc="-10" dirty="0">
+                <a:solidFill>
+                  <a:schemeClr val="bg1"/>
+                </a:solidFill>
+                <a:latin typeface="Arial" panose="020B0604020202020204"/>
+                <a:cs typeface="Arial" panose="020B0604020202020204"/>
+                <a:sym typeface="+mn-ea"/>
+              </a:rPr>
+              <a:t>类</a:t>
+            </a:r>
+            <a:endParaRPr lang="zh-CN" altLang="en-US" sz="3200" spc="-10" dirty="0">
+              <a:solidFill>
+                <a:schemeClr val="bg1"/>
               </a:solidFill>
               <a:latin typeface="Arial" panose="020B0604020202020204"/>
               <a:cs typeface="Arial" panose="020B0604020202020204"/>
-            </a:endParaRPr>
-          </a:p>
-        </p:txBody>
-      </p:sp>
-      <p:sp>
-        <p:nvSpPr>
-          <p:cNvPr id="3" name="object 3"/>
-          <p:cNvSpPr txBox="1"/>
-          <p:nvPr/>
-        </p:nvSpPr>
-        <p:spPr>
-          <a:xfrm>
-            <a:off x="367665" y="1483995"/>
-            <a:ext cx="8409305" cy="568325"/>
-          </a:xfrm>
-          <a:prstGeom prst="rect">
-            <a:avLst/>
-          </a:prstGeom>
-        </p:spPr>
-        <p:txBody>
-          <a:bodyPr vert="horz" wrap="square" lIns="0" tIns="199390" rIns="0" bIns="0" rtlCol="0">
-            <a:spAutoFit/>
-          </a:bodyPr>
-          <a:p>
-            <a:pPr marL="424815" indent="-412115">
-              <a:lnSpc>
-                <a:spcPct val="100000"/>
-              </a:lnSpc>
-              <a:spcBef>
-                <a:spcPts val="1570"/>
-              </a:spcBef>
-              <a:buClr>
-                <a:srgbClr val="FFFFFF"/>
-              </a:buClr>
-              <a:buChar char="●"/>
-              <a:tabLst>
-                <a:tab pos="424815" algn="l"/>
-                <a:tab pos="425450" algn="l"/>
-              </a:tabLst>
-            </a:pPr>
-            <a:r>
-              <a:rPr lang="zh-CN" sz="2400" dirty="0">
-                <a:solidFill>
-                  <a:srgbClr val="FFFFFF"/>
-                </a:solidFill>
-                <a:latin typeface="Arial" panose="020B0604020202020204"/>
-                <a:cs typeface="Arial" panose="020B0604020202020204"/>
-                <a:hlinkClick r:id="rId1" tooltip="" action="ppaction://hlinkfile"/>
-              </a:rPr>
-              <a:t>TypeScript 入门教程</a:t>
-            </a:r>
-            <a:endParaRPr lang="zh-CN" sz="2400" dirty="0">
-              <a:solidFill>
-                <a:srgbClr val="FFFFFF"/>
-              </a:solidFill>
-              <a:latin typeface="Arial" panose="020B0604020202020204"/>
-              <a:cs typeface="Arial" panose="020B0604020202020204"/>
-            </a:endParaRPr>
-          </a:p>
-        </p:txBody>
-      </p:sp>
-      <p:sp>
-        <p:nvSpPr>
-          <p:cNvPr id="4" name="object 3"/>
-          <p:cNvSpPr txBox="1"/>
-          <p:nvPr/>
-        </p:nvSpPr>
-        <p:spPr>
-          <a:xfrm>
-            <a:off x="367665" y="2385060"/>
-            <a:ext cx="8409305" cy="568325"/>
-          </a:xfrm>
-          <a:prstGeom prst="rect">
-            <a:avLst/>
-          </a:prstGeom>
-        </p:spPr>
-        <p:txBody>
-          <a:bodyPr vert="horz" wrap="square" lIns="0" tIns="199390" rIns="0" bIns="0" rtlCol="0">
-            <a:spAutoFit/>
-          </a:bodyPr>
-          <a:p>
-            <a:pPr marL="424815" indent="-412115">
-              <a:lnSpc>
-                <a:spcPct val="100000"/>
-              </a:lnSpc>
-              <a:spcBef>
-                <a:spcPts val="1570"/>
-              </a:spcBef>
-              <a:buClr>
-                <a:srgbClr val="FFFFFF"/>
-              </a:buClr>
-              <a:buChar char="●"/>
-              <a:tabLst>
-                <a:tab pos="424815" algn="l"/>
-                <a:tab pos="425450" algn="l"/>
-              </a:tabLst>
-            </a:pPr>
-            <a:r>
-              <a:rPr lang="en-US" altLang="zh-CN" sz="2400" dirty="0">
-                <a:solidFill>
-                  <a:srgbClr val="FFFFFF"/>
-                </a:solidFill>
-                <a:latin typeface="Arial" panose="020B0604020202020204"/>
-                <a:cs typeface="Arial" panose="020B0604020202020204"/>
-                <a:hlinkClick r:id="rId2" tooltip=""/>
-              </a:rPr>
-              <a:t>TypeScript</a:t>
-            </a:r>
-            <a:r>
-              <a:rPr lang="zh-CN" altLang="en-US" sz="2400" dirty="0">
-                <a:solidFill>
-                  <a:srgbClr val="FFFFFF"/>
-                </a:solidFill>
-                <a:latin typeface="Arial" panose="020B0604020202020204"/>
-                <a:cs typeface="Arial" panose="020B0604020202020204"/>
-                <a:hlinkClick r:id="rId2" tooltip=""/>
-              </a:rPr>
-              <a:t>官方教程</a:t>
-            </a:r>
-            <a:endParaRPr lang="en-US" altLang="zh-CN" sz="2400" dirty="0">
-              <a:solidFill>
-                <a:srgbClr val="FFFFFF"/>
-              </a:solidFill>
-              <a:latin typeface="Arial" panose="020B0604020202020204"/>
-              <a:cs typeface="Arial" panose="020B0604020202020204"/>
-            </a:endParaRPr>
-          </a:p>
-        </p:txBody>
-      </p:sp>
-      <p:sp>
-        <p:nvSpPr>
-          <p:cNvPr id="5" name="object 3"/>
-          <p:cNvSpPr txBox="1"/>
-          <p:nvPr/>
-        </p:nvSpPr>
-        <p:spPr>
-          <a:xfrm>
-            <a:off x="367030" y="3235325"/>
-            <a:ext cx="8409305" cy="568325"/>
-          </a:xfrm>
-          <a:prstGeom prst="rect">
-            <a:avLst/>
-          </a:prstGeom>
-        </p:spPr>
-        <p:txBody>
-          <a:bodyPr vert="horz" wrap="square" lIns="0" tIns="199390" rIns="0" bIns="0" rtlCol="0">
-            <a:spAutoFit/>
-          </a:bodyPr>
-          <a:p>
-            <a:pPr marL="424815" indent="-412115">
-              <a:lnSpc>
-                <a:spcPct val="100000"/>
-              </a:lnSpc>
-              <a:spcBef>
-                <a:spcPts val="1570"/>
-              </a:spcBef>
-              <a:buClr>
-                <a:srgbClr val="FFFFFF"/>
-              </a:buClr>
-              <a:buChar char="●"/>
-              <a:tabLst>
-                <a:tab pos="424815" algn="l"/>
-                <a:tab pos="425450" algn="l"/>
-              </a:tabLst>
-            </a:pPr>
-            <a:r>
-              <a:rPr lang="en-US" altLang="zh-CN" sz="2400" dirty="0">
-                <a:solidFill>
-                  <a:srgbClr val="FFFFFF"/>
-                </a:solidFill>
-                <a:latin typeface="Arial" panose="020B0604020202020204"/>
-                <a:cs typeface="Arial" panose="020B0604020202020204"/>
-                <a:hlinkClick r:id="rId3" tooltip="" action="ppaction://hlinkfile"/>
-              </a:rPr>
-              <a:t>TypeScript</a:t>
-            </a:r>
-            <a:r>
-              <a:rPr lang="zh-CN" sz="2400" dirty="0">
-                <a:solidFill>
-                  <a:srgbClr val="FFFFFF"/>
-                </a:solidFill>
-                <a:latin typeface="Arial" panose="020B0604020202020204"/>
-                <a:cs typeface="Arial" panose="020B0604020202020204"/>
-                <a:hlinkClick r:id="rId3" tooltip="" action="ppaction://hlinkfile"/>
-              </a:rPr>
-              <a:t>非官方教程</a:t>
-            </a:r>
-            <a:r>
-              <a:rPr lang="zh-CN" sz="2400" dirty="0">
-                <a:solidFill>
-                  <a:srgbClr val="FFFFFF"/>
-                </a:solidFill>
-                <a:latin typeface="Arial" panose="020B0604020202020204"/>
-                <a:cs typeface="Arial" panose="020B0604020202020204"/>
-                <a:hlinkClick r:id="rId3" tooltip="" action="ppaction://hlinkfile"/>
-              </a:rPr>
-              <a:t>中文版</a:t>
-            </a:r>
-            <a:endParaRPr lang="zh-CN" sz="2400" dirty="0">
-              <a:solidFill>
-                <a:srgbClr val="FFFFFF"/>
-              </a:solidFill>
-              <a:latin typeface="Arial" panose="020B0604020202020204"/>
-              <a:cs typeface="Arial" panose="020B0604020202020204"/>
-              <a:hlinkClick r:id="rId3" tooltip="" action="ppaction://hlinkfile"/>
-            </a:endParaRPr>
-          </a:p>
-        </p:txBody>
-      </p:sp>
-      <p:sp>
-        <p:nvSpPr>
-          <p:cNvPr id="6" name="object 3"/>
-          <p:cNvSpPr txBox="1"/>
-          <p:nvPr/>
-        </p:nvSpPr>
-        <p:spPr>
-          <a:xfrm>
-            <a:off x="367665" y="4072255"/>
-            <a:ext cx="8409305" cy="568325"/>
-          </a:xfrm>
-          <a:prstGeom prst="rect">
-            <a:avLst/>
-          </a:prstGeom>
-        </p:spPr>
-        <p:txBody>
-          <a:bodyPr vert="horz" wrap="square" lIns="0" tIns="199390" rIns="0" bIns="0" rtlCol="0">
-            <a:spAutoFit/>
-          </a:bodyPr>
-          <a:p>
-            <a:pPr marL="424815" indent="-412115">
-              <a:lnSpc>
-                <a:spcPct val="100000"/>
-              </a:lnSpc>
-              <a:spcBef>
-                <a:spcPts val="1570"/>
-              </a:spcBef>
-              <a:buClr>
-                <a:srgbClr val="FFFFFF"/>
-              </a:buClr>
-              <a:buChar char="●"/>
-              <a:tabLst>
-                <a:tab pos="424815" algn="l"/>
-                <a:tab pos="425450" algn="l"/>
-              </a:tabLst>
-            </a:pPr>
-            <a:r>
-              <a:rPr lang="en-US" sz="2400" dirty="0">
-                <a:solidFill>
-                  <a:srgbClr val="FFFFFF"/>
-                </a:solidFill>
-                <a:latin typeface="Arial" panose="020B0604020202020204"/>
-                <a:cs typeface="Arial" panose="020B0604020202020204"/>
-                <a:hlinkClick r:id="rId4" tooltip=""/>
-              </a:rPr>
-              <a:t>ES6</a:t>
-            </a:r>
-            <a:r>
-              <a:rPr lang="zh-CN" altLang="en-US" sz="2400" dirty="0">
-                <a:solidFill>
-                  <a:srgbClr val="FFFFFF"/>
-                </a:solidFill>
-                <a:latin typeface="Arial" panose="020B0604020202020204"/>
-                <a:cs typeface="Arial" panose="020B0604020202020204"/>
-                <a:hlinkClick r:id="rId4" tooltip=""/>
-              </a:rPr>
-              <a:t>入门</a:t>
-            </a:r>
-            <a:endParaRPr lang="zh-CN" altLang="en-US" sz="2400" dirty="0">
-              <a:solidFill>
-                <a:srgbClr val="FFFFFF"/>
-              </a:solidFill>
-              <a:latin typeface="Arial" panose="020B0604020202020204"/>
-              <a:cs typeface="Arial" panose="020B0604020202020204"/>
+              <a:sym typeface="+mn-ea"/>
             </a:endParaRPr>
           </a:p>
         </p:txBody>
@@ -8671,6 +8772,3782 @@
               <a:latin typeface="Arial" panose="020B0604020202020204"/>
               <a:cs typeface="Arial" panose="020B0604020202020204"/>
               <a:sym typeface="+mn-ea"/>
+            </a:endParaRPr>
+          </a:p>
+        </p:txBody>
+      </p:sp>
+    </p:spTree>
+  </p:cSld>
+  <p:clrMapOvr>
+    <a:masterClrMapping/>
+  </p:clrMapOvr>
+</p:sld>
+</file>
+
+<file path=ppt/slides/slide30.xml><?xml version="1.0" encoding="utf-8"?>
+<p:sld xmlns:a="http://schemas.openxmlformats.org/drawingml/2006/main" xmlns:r="http://schemas.openxmlformats.org/officeDocument/2006/relationships" xmlns:p="http://schemas.openxmlformats.org/presentationml/2006/main">
+  <p:cSld>
+    <p:spTree>
+      <p:nvGrpSpPr>
+        <p:cNvPr id="1" name=""/>
+        <p:cNvGrpSpPr/>
+        <p:nvPr/>
+      </p:nvGrpSpPr>
+      <p:grpSpPr>
+        <a:xfrm>
+          <a:off x="0" y="0"/>
+          <a:ext cx="0" cy="0"/>
+          <a:chOff x="0" y="0"/>
+          <a:chExt cx="0" cy="0"/>
+        </a:xfrm>
+      </p:grpSpPr>
+      <p:sp>
+        <p:nvSpPr>
+          <p:cNvPr id="13" name="文本框 12"/>
+          <p:cNvSpPr txBox="1"/>
+          <p:nvPr/>
+        </p:nvSpPr>
+        <p:spPr>
+          <a:xfrm>
+            <a:off x="109220" y="410845"/>
+            <a:ext cx="8766810" cy="6185535"/>
+          </a:xfrm>
+          <a:prstGeom prst="rect">
+            <a:avLst/>
+          </a:prstGeom>
+          <a:noFill/>
+        </p:spPr>
+        <p:txBody>
+          <a:bodyPr wrap="square" rtlCol="0">
+            <a:spAutoFit/>
+          </a:bodyPr>
+          <a:p>
+            <a:pPr indent="0">
+              <a:buFont typeface="Wingdings" panose="05000000000000000000" charset="0"/>
+              <a:buNone/>
+            </a:pPr>
+            <a:r>
+              <a:rPr>
+                <a:solidFill>
+                  <a:schemeClr val="bg1"/>
+                </a:solidFill>
+                <a:sym typeface="+mn-ea"/>
+              </a:rPr>
+              <a:t>传统方法中，JavaScript 通过构造函数实现类的概念，通过原型链实现继承。而在 ES6 中，我们终于迎来了 </a:t>
+            </a:r>
+            <a:r>
+              <a:rPr>
+                <a:ln/>
+                <a:solidFill>
+                  <a:schemeClr val="accent1"/>
+                </a:solidFill>
+                <a:effectLst>
+                  <a:outerShdw blurRad="38100" dist="25400" dir="5400000" algn="ctr" rotWithShape="0">
+                    <a:srgbClr val="6E747A">
+                      <a:alpha val="43000"/>
+                    </a:srgbClr>
+                  </a:outerShdw>
+                </a:effectLst>
+                <a:sym typeface="+mn-ea"/>
+              </a:rPr>
+              <a:t>class</a:t>
+            </a:r>
+            <a:r>
+              <a:rPr>
+                <a:solidFill>
+                  <a:schemeClr val="bg1"/>
+                </a:solidFill>
+                <a:sym typeface="+mn-ea"/>
+              </a:rPr>
+              <a:t>。</a:t>
+            </a:r>
+            <a:endParaRPr>
+              <a:solidFill>
+                <a:schemeClr val="bg1"/>
+              </a:solidFill>
+              <a:sym typeface="+mn-ea"/>
+            </a:endParaRPr>
+          </a:p>
+          <a:p>
+            <a:pPr indent="0">
+              <a:buFont typeface="Wingdings" panose="05000000000000000000" charset="0"/>
+              <a:buNone/>
+            </a:pPr>
+            <a:r>
+              <a:rPr lang="en-US">
+                <a:solidFill>
+                  <a:schemeClr val="bg1"/>
+                </a:solidFill>
+                <a:sym typeface="+mn-ea"/>
+              </a:rPr>
+              <a:t>t</a:t>
+            </a:r>
+            <a:r>
+              <a:rPr>
+                <a:solidFill>
+                  <a:schemeClr val="bg1"/>
+                </a:solidFill>
+                <a:sym typeface="+mn-ea"/>
+              </a:rPr>
+              <a:t>ypeScript 除了实现了所有 ES6 中的类的功能以外，还添加了一些新的用法。</a:t>
+            </a:r>
+            <a:endParaRPr>
+              <a:solidFill>
+                <a:schemeClr val="bg1"/>
+              </a:solidFill>
+              <a:sym typeface="+mn-ea"/>
+            </a:endParaRPr>
+          </a:p>
+          <a:p>
+            <a:pPr indent="0">
+              <a:buFont typeface="Wingdings" panose="05000000000000000000" charset="0"/>
+              <a:buNone/>
+            </a:pPr>
+            <a:r>
+              <a:rPr>
+                <a:solidFill>
+                  <a:schemeClr val="bg1"/>
+                </a:solidFill>
+                <a:sym typeface="+mn-ea"/>
+              </a:rPr>
+              <a:t>这一节主要介绍类的用法，下一节再介绍如何定义类的类型。</a:t>
+            </a:r>
+            <a:endParaRPr>
+              <a:solidFill>
+                <a:schemeClr val="bg1"/>
+              </a:solidFill>
+              <a:sym typeface="+mn-ea"/>
+            </a:endParaRPr>
+          </a:p>
+          <a:p>
+            <a:pPr indent="0">
+              <a:buFont typeface="Wingdings" panose="05000000000000000000" charset="0"/>
+              <a:buNone/>
+            </a:pPr>
+            <a:endParaRPr>
+              <a:solidFill>
+                <a:schemeClr val="bg1"/>
+              </a:solidFill>
+              <a:sym typeface="+mn-ea"/>
+            </a:endParaRPr>
+          </a:p>
+          <a:p>
+            <a:pPr indent="0">
+              <a:buFont typeface="Wingdings" panose="05000000000000000000" charset="0"/>
+              <a:buNone/>
+            </a:pPr>
+            <a:r>
+              <a:rPr>
+                <a:solidFill>
+                  <a:schemeClr val="bg1"/>
+                </a:solidFill>
+                <a:sym typeface="+mn-ea"/>
+              </a:rPr>
+              <a:t>类的概念</a:t>
+            </a:r>
+            <a:endParaRPr>
+              <a:solidFill>
+                <a:schemeClr val="bg1"/>
+              </a:solidFill>
+              <a:sym typeface="+mn-ea"/>
+            </a:endParaRPr>
+          </a:p>
+          <a:p>
+            <a:pPr indent="0">
+              <a:buFont typeface="Wingdings" panose="05000000000000000000" charset="0"/>
+              <a:buNone/>
+            </a:pPr>
+            <a:r>
+              <a:rPr>
+                <a:solidFill>
+                  <a:schemeClr val="bg1"/>
+                </a:solidFill>
+                <a:sym typeface="+mn-ea"/>
+              </a:rPr>
+              <a:t>虽然 JavaScript 中有类的概念，但是可能大多数 JavaScript 程序员并不是非常熟悉类，这里对类相关的概念做一个简单的介绍。</a:t>
+            </a:r>
+            <a:endParaRPr>
+              <a:solidFill>
+                <a:schemeClr val="bg1"/>
+              </a:solidFill>
+              <a:sym typeface="+mn-ea"/>
+            </a:endParaRPr>
+          </a:p>
+          <a:p>
+            <a:pPr indent="0">
+              <a:buFont typeface="Wingdings" panose="05000000000000000000" charset="0"/>
+              <a:buNone/>
+            </a:pPr>
+            <a:endParaRPr>
+              <a:solidFill>
+                <a:schemeClr val="bg1"/>
+              </a:solidFill>
+              <a:sym typeface="+mn-ea"/>
+            </a:endParaRPr>
+          </a:p>
+          <a:p>
+            <a:pPr marL="285750" indent="-285750">
+              <a:buFont typeface="Wingdings" panose="05000000000000000000" charset="0"/>
+              <a:buChar char="l"/>
+            </a:pPr>
+            <a:r>
+              <a:rPr lang="zh-CN" altLang="en-US">
+                <a:solidFill>
+                  <a:schemeClr val="bg1"/>
+                </a:solidFill>
+                <a:sym typeface="+mn-ea"/>
+              </a:rPr>
+              <a:t>类(Class)：定义了一件事物的抽象特点，包含它的属性和方法</a:t>
+            </a:r>
+            <a:endParaRPr lang="zh-CN" altLang="en-US">
+              <a:solidFill>
+                <a:schemeClr val="bg1"/>
+              </a:solidFill>
+              <a:sym typeface="+mn-ea"/>
+            </a:endParaRPr>
+          </a:p>
+          <a:p>
+            <a:pPr marL="285750" indent="-285750">
+              <a:buFont typeface="Wingdings" panose="05000000000000000000" charset="0"/>
+              <a:buChar char="l"/>
+            </a:pPr>
+            <a:r>
+              <a:rPr>
+                <a:solidFill>
+                  <a:schemeClr val="bg1"/>
+                </a:solidFill>
+                <a:sym typeface="+mn-ea"/>
+              </a:rPr>
+              <a:t>对象（Object）：类的实例，通过 new 生成</a:t>
+            </a:r>
+            <a:endParaRPr>
+              <a:solidFill>
+                <a:schemeClr val="bg1"/>
+              </a:solidFill>
+              <a:sym typeface="+mn-ea"/>
+            </a:endParaRPr>
+          </a:p>
+          <a:p>
+            <a:pPr marL="285750" indent="-285750">
+              <a:buFont typeface="Wingdings" panose="05000000000000000000" charset="0"/>
+              <a:buChar char="l"/>
+            </a:pPr>
+            <a:r>
+              <a:rPr>
+                <a:solidFill>
+                  <a:schemeClr val="bg1"/>
+                </a:solidFill>
+                <a:sym typeface="+mn-ea"/>
+              </a:rPr>
+              <a:t>面向对象（OOP）的三大特性：封装、继承、多态</a:t>
+            </a:r>
+            <a:endParaRPr lang="zh-CN" altLang="en-US">
+              <a:solidFill>
+                <a:schemeClr val="bg1"/>
+              </a:solidFill>
+              <a:sym typeface="+mn-ea"/>
+            </a:endParaRPr>
+          </a:p>
+          <a:p>
+            <a:pPr marL="285750" indent="-285750">
+              <a:buFont typeface="Wingdings" panose="05000000000000000000" charset="0"/>
+              <a:buChar char="l"/>
+            </a:pPr>
+            <a:r>
+              <a:rPr lang="zh-CN" altLang="en-US">
+                <a:solidFill>
+                  <a:schemeClr val="bg1"/>
+                </a:solidFill>
+              </a:rPr>
+              <a:t>封装（Encapsulation）：将对数据的操作细节隐藏起来，只暴露对外的接口。外界调用端不需要（也不可能）知道细节，就能通过对外提供的接口来访问该对象，同时也保证了外界无法任意更改对象内部的数据</a:t>
+            </a:r>
+            <a:endParaRPr lang="zh-CN" altLang="en-US">
+              <a:solidFill>
+                <a:schemeClr val="bg1"/>
+              </a:solidFill>
+            </a:endParaRPr>
+          </a:p>
+          <a:p>
+            <a:pPr marL="285750" indent="-285750">
+              <a:buFont typeface="Wingdings" panose="05000000000000000000" charset="0"/>
+              <a:buChar char="l"/>
+            </a:pPr>
+            <a:r>
+              <a:rPr lang="zh-CN" altLang="en-US">
+                <a:solidFill>
+                  <a:schemeClr val="bg1"/>
+                </a:solidFill>
+                <a:sym typeface="+mn-ea"/>
+              </a:rPr>
+              <a:t>继承（Inheritance）：子类继承父类，子类除了拥有父类的所有特性外，还有一些更具体的特性</a:t>
+            </a:r>
+            <a:endParaRPr lang="zh-CN" altLang="en-US">
+              <a:solidFill>
+                <a:schemeClr val="bg1"/>
+              </a:solidFill>
+              <a:sym typeface="+mn-ea"/>
+            </a:endParaRPr>
+          </a:p>
+          <a:p>
+            <a:pPr marL="285750" indent="-285750">
+              <a:buFont typeface="Wingdings" panose="05000000000000000000" charset="0"/>
+              <a:buChar char="l"/>
+            </a:pPr>
+            <a:r>
+              <a:rPr lang="zh-CN" altLang="en-US">
+                <a:solidFill>
+                  <a:schemeClr val="bg1"/>
+                </a:solidFill>
+                <a:sym typeface="+mn-ea"/>
+              </a:rPr>
+              <a:t>多态（Polymorphism）：由继承而产生了相关的不同的类，对同一个方法可以有不同的响应。比如 Cat 和 Dog 都继承自 Animal，但是分别实现了自己的 eat 方法。此时针对某一个实例，我们无需了解它是 Cat 还是 Dog，就可以直接调用 eat 方法，程序会自动判断出来应该如何执行 eat</a:t>
+            </a:r>
+            <a:endParaRPr lang="zh-CN" altLang="en-US">
+              <a:solidFill>
+                <a:schemeClr val="bg1"/>
+              </a:solidFill>
+              <a:sym typeface="+mn-ea"/>
+            </a:endParaRPr>
+          </a:p>
+          <a:p>
+            <a:pPr marL="285750" indent="-285750">
+              <a:buFont typeface="Wingdings" panose="05000000000000000000" charset="0"/>
+              <a:buChar char="l"/>
+            </a:pPr>
+            <a:r>
+              <a:rPr lang="zh-CN" altLang="en-US">
+                <a:solidFill>
+                  <a:schemeClr val="bg1"/>
+                </a:solidFill>
+                <a:sym typeface="+mn-ea"/>
+              </a:rPr>
+              <a:t>存取器（getter &amp; setter）：用以改变属性的读取和赋值行为</a:t>
+            </a:r>
+            <a:endParaRPr lang="zh-CN" altLang="en-US">
+              <a:solidFill>
+                <a:schemeClr val="bg1"/>
+              </a:solidFill>
+              <a:sym typeface="+mn-ea"/>
+            </a:endParaRPr>
+          </a:p>
+        </p:txBody>
+      </p:sp>
+    </p:spTree>
+  </p:cSld>
+  <p:clrMapOvr>
+    <a:masterClrMapping/>
+  </p:clrMapOvr>
+</p:sld>
+</file>
+
+<file path=ppt/slides/slide31.xml><?xml version="1.0" encoding="utf-8"?>
+<p:sld xmlns:a="http://schemas.openxmlformats.org/drawingml/2006/main" xmlns:r="http://schemas.openxmlformats.org/officeDocument/2006/relationships" xmlns:p="http://schemas.openxmlformats.org/presentationml/2006/main">
+  <p:cSld>
+    <p:spTree>
+      <p:nvGrpSpPr>
+        <p:cNvPr id="1" name=""/>
+        <p:cNvGrpSpPr/>
+        <p:nvPr/>
+      </p:nvGrpSpPr>
+      <p:grpSpPr>
+        <a:xfrm>
+          <a:off x="0" y="0"/>
+          <a:ext cx="0" cy="0"/>
+          <a:chOff x="0" y="0"/>
+          <a:chExt cx="0" cy="0"/>
+        </a:xfrm>
+      </p:grpSpPr>
+      <p:sp>
+        <p:nvSpPr>
+          <p:cNvPr id="13" name="文本框 12"/>
+          <p:cNvSpPr txBox="1"/>
+          <p:nvPr/>
+        </p:nvSpPr>
+        <p:spPr>
+          <a:xfrm>
+            <a:off x="109220" y="410845"/>
+            <a:ext cx="8766810" cy="2861310"/>
+          </a:xfrm>
+          <a:prstGeom prst="rect">
+            <a:avLst/>
+          </a:prstGeom>
+          <a:noFill/>
+        </p:spPr>
+        <p:txBody>
+          <a:bodyPr wrap="square" rtlCol="0">
+            <a:spAutoFit/>
+          </a:bodyPr>
+          <a:p>
+            <a:pPr indent="0">
+              <a:buFont typeface="Wingdings" panose="05000000000000000000" charset="0"/>
+              <a:buNone/>
+            </a:pPr>
+            <a:endParaRPr>
+              <a:solidFill>
+                <a:schemeClr val="bg1"/>
+              </a:solidFill>
+              <a:sym typeface="+mn-ea"/>
+            </a:endParaRPr>
+          </a:p>
+          <a:p>
+            <a:pPr marL="285750" indent="-285750">
+              <a:buFont typeface="Wingdings" panose="05000000000000000000" charset="0"/>
+              <a:buChar char="l"/>
+            </a:pPr>
+            <a:r>
+              <a:rPr lang="zh-CN" altLang="en-US">
+                <a:solidFill>
+                  <a:schemeClr val="bg1"/>
+                </a:solidFill>
+                <a:sym typeface="+mn-ea"/>
+              </a:rPr>
+              <a:t>修饰符（Modifiers）：修饰符是一些关键字，用于限定成员或类型的性质。比如 public 表示公有属性或方法</a:t>
+            </a:r>
+            <a:endParaRPr lang="zh-CN" altLang="en-US">
+              <a:solidFill>
+                <a:schemeClr val="bg1"/>
+              </a:solidFill>
+              <a:sym typeface="+mn-ea"/>
+            </a:endParaRPr>
+          </a:p>
+          <a:p>
+            <a:pPr marL="285750" indent="-285750">
+              <a:buFont typeface="Wingdings" panose="05000000000000000000" charset="0"/>
+              <a:buChar char="l"/>
+            </a:pPr>
+            <a:r>
+              <a:rPr lang="zh-CN" altLang="en-US">
+                <a:solidFill>
+                  <a:schemeClr val="bg1"/>
+                </a:solidFill>
+                <a:sym typeface="+mn-ea"/>
+              </a:rPr>
+              <a:t>抽象类（Abstract Class）：抽象类是供其他类继承的基类，抽象类不允许被实例化。抽象类中的抽象方法必须在子类中被实现</a:t>
+            </a:r>
+            <a:endParaRPr lang="zh-CN" altLang="en-US">
+              <a:solidFill>
+                <a:schemeClr val="bg1"/>
+              </a:solidFill>
+              <a:sym typeface="+mn-ea"/>
+            </a:endParaRPr>
+          </a:p>
+          <a:p>
+            <a:pPr marL="285750" indent="-285750">
+              <a:buFont typeface="Wingdings" panose="05000000000000000000" charset="0"/>
+              <a:buChar char="l"/>
+            </a:pPr>
+            <a:r>
+              <a:rPr lang="zh-CN" altLang="en-US">
+                <a:solidFill>
+                  <a:schemeClr val="bg1"/>
+                </a:solidFill>
+                <a:sym typeface="+mn-ea"/>
+              </a:rPr>
+              <a:t>接口（Interfaces）：不同类之间公有的属性或方法，可以抽象成一个接口。接口可以被类实现（implements）。一个类只能继承自另一个类，但是可以实现多个接口</a:t>
+            </a:r>
+            <a:endParaRPr lang="zh-CN" altLang="en-US">
+              <a:solidFill>
+                <a:schemeClr val="bg1"/>
+              </a:solidFill>
+              <a:sym typeface="+mn-ea"/>
+            </a:endParaRPr>
+          </a:p>
+          <a:p>
+            <a:pPr marL="285750" indent="-285750">
+              <a:buFont typeface="Wingdings" panose="05000000000000000000" charset="0"/>
+              <a:buChar char="l"/>
+            </a:pPr>
+            <a:endParaRPr lang="zh-CN" altLang="en-US">
+              <a:solidFill>
+                <a:schemeClr val="bg1"/>
+              </a:solidFill>
+              <a:sym typeface="+mn-ea"/>
+            </a:endParaRPr>
+          </a:p>
+          <a:p>
+            <a:pPr marL="285750" indent="-285750">
+              <a:buFont typeface="Wingdings" panose="05000000000000000000" charset="0"/>
+              <a:buChar char="l"/>
+            </a:pPr>
+            <a:endParaRPr lang="zh-CN" altLang="en-US">
+              <a:solidFill>
+                <a:schemeClr val="bg1"/>
+              </a:solidFill>
+              <a:sym typeface="+mn-ea"/>
+            </a:endParaRPr>
+          </a:p>
+          <a:p>
+            <a:pPr indent="0">
+              <a:buFont typeface="Wingdings" panose="05000000000000000000" charset="0"/>
+              <a:buNone/>
+            </a:pPr>
+            <a:endParaRPr lang="en-US" altLang="zh-CN">
+              <a:solidFill>
+                <a:schemeClr val="bg1"/>
+              </a:solidFill>
+              <a:sym typeface="+mn-ea"/>
+            </a:endParaRPr>
+          </a:p>
+        </p:txBody>
+      </p:sp>
+    </p:spTree>
+  </p:cSld>
+  <p:clrMapOvr>
+    <a:masterClrMapping/>
+  </p:clrMapOvr>
+</p:sld>
+</file>
+
+<file path=ppt/slides/slide32.xml><?xml version="1.0" encoding="utf-8"?>
+<p:sld xmlns:a="http://schemas.openxmlformats.org/drawingml/2006/main" xmlns:r="http://schemas.openxmlformats.org/officeDocument/2006/relationships" xmlns:p="http://schemas.openxmlformats.org/presentationml/2006/main">
+  <p:cSld>
+    <p:spTree>
+      <p:nvGrpSpPr>
+        <p:cNvPr id="1" name=""/>
+        <p:cNvGrpSpPr/>
+        <p:nvPr/>
+      </p:nvGrpSpPr>
+      <p:grpSpPr>
+        <a:xfrm>
+          <a:off x="0" y="0"/>
+          <a:ext cx="0" cy="0"/>
+          <a:chOff x="0" y="0"/>
+          <a:chExt cx="0" cy="0"/>
+        </a:xfrm>
+      </p:grpSpPr>
+      <p:sp>
+        <p:nvSpPr>
+          <p:cNvPr id="13" name="文本框 12"/>
+          <p:cNvSpPr txBox="1"/>
+          <p:nvPr/>
+        </p:nvSpPr>
+        <p:spPr>
+          <a:xfrm>
+            <a:off x="109220" y="410845"/>
+            <a:ext cx="8766810" cy="5631180"/>
+          </a:xfrm>
+          <a:prstGeom prst="rect">
+            <a:avLst/>
+          </a:prstGeom>
+          <a:noFill/>
+        </p:spPr>
+        <p:txBody>
+          <a:bodyPr wrap="square" rtlCol="0">
+            <a:spAutoFit/>
+          </a:bodyPr>
+          <a:p>
+            <a:pPr indent="0">
+              <a:buFont typeface="Wingdings" panose="05000000000000000000" charset="0"/>
+              <a:buNone/>
+            </a:pPr>
+            <a:endParaRPr lang="en-US" altLang="zh-CN">
+              <a:solidFill>
+                <a:schemeClr val="bg1"/>
+              </a:solidFill>
+              <a:sym typeface="+mn-ea"/>
+            </a:endParaRPr>
+          </a:p>
+          <a:p>
+            <a:pPr indent="0">
+              <a:buFont typeface="Wingdings" panose="05000000000000000000" charset="0"/>
+              <a:buNone/>
+            </a:pPr>
+            <a:r>
+              <a:rPr lang="en-US" altLang="zh-CN">
+                <a:solidFill>
+                  <a:schemeClr val="bg1"/>
+                </a:solidFill>
+                <a:sym typeface="+mn-ea"/>
+              </a:rPr>
+              <a:t>ES6 中类的用法</a:t>
+            </a:r>
+            <a:endParaRPr lang="en-US" altLang="zh-CN">
+              <a:solidFill>
+                <a:schemeClr val="bg1"/>
+              </a:solidFill>
+              <a:sym typeface="+mn-ea"/>
+            </a:endParaRPr>
+          </a:p>
+          <a:p>
+            <a:pPr indent="0">
+              <a:buFont typeface="Wingdings" panose="05000000000000000000" charset="0"/>
+              <a:buNone/>
+            </a:pPr>
+            <a:endParaRPr lang="en-US" altLang="zh-CN">
+              <a:solidFill>
+                <a:schemeClr val="bg1"/>
+              </a:solidFill>
+              <a:sym typeface="+mn-ea"/>
+            </a:endParaRPr>
+          </a:p>
+          <a:p>
+            <a:pPr indent="0">
+              <a:buFont typeface="Wingdings" panose="05000000000000000000" charset="0"/>
+              <a:buNone/>
+            </a:pPr>
+            <a:r>
+              <a:rPr lang="en-US" altLang="zh-CN">
+                <a:solidFill>
+                  <a:schemeClr val="bg1"/>
+                </a:solidFill>
+                <a:sym typeface="+mn-ea"/>
+              </a:rPr>
+              <a:t>属性和方法</a:t>
+            </a:r>
+            <a:endParaRPr lang="en-US" altLang="zh-CN">
+              <a:solidFill>
+                <a:schemeClr val="bg1"/>
+              </a:solidFill>
+              <a:sym typeface="+mn-ea"/>
+            </a:endParaRPr>
+          </a:p>
+          <a:p>
+            <a:pPr indent="0">
+              <a:buFont typeface="Wingdings" panose="05000000000000000000" charset="0"/>
+              <a:buNone/>
+            </a:pPr>
+            <a:r>
+              <a:rPr lang="en-US" altLang="zh-CN">
+                <a:solidFill>
+                  <a:schemeClr val="bg1"/>
+                </a:solidFill>
+                <a:sym typeface="+mn-ea"/>
+              </a:rPr>
+              <a:t>使用 </a:t>
+            </a:r>
+            <a:r>
+              <a:rPr lang="en-US" altLang="zh-CN">
+                <a:solidFill>
+                  <a:schemeClr val="accent1"/>
+                </a:solidFill>
+                <a:effectLst>
+                  <a:outerShdw blurRad="38100" dist="25400" dir="5400000" algn="ctr" rotWithShape="0">
+                    <a:srgbClr val="6E747A">
+                      <a:alpha val="43000"/>
+                    </a:srgbClr>
+                  </a:outerShdw>
+                </a:effectLst>
+                <a:sym typeface="+mn-ea"/>
+              </a:rPr>
+              <a:t>class </a:t>
+            </a:r>
+            <a:r>
+              <a:rPr lang="en-US" altLang="zh-CN">
+                <a:solidFill>
+                  <a:schemeClr val="bg1"/>
+                </a:solidFill>
+                <a:sym typeface="+mn-ea"/>
+              </a:rPr>
+              <a:t>定义类，使用 </a:t>
+            </a:r>
+            <a:r>
+              <a:rPr lang="en-US" altLang="zh-CN">
+                <a:solidFill>
+                  <a:schemeClr val="accent1"/>
+                </a:solidFill>
+                <a:effectLst>
+                  <a:outerShdw blurRad="38100" dist="25400" dir="5400000" algn="ctr" rotWithShape="0">
+                    <a:srgbClr val="6E747A">
+                      <a:alpha val="43000"/>
+                    </a:srgbClr>
+                  </a:outerShdw>
+                </a:effectLst>
+                <a:sym typeface="+mn-ea"/>
+              </a:rPr>
+              <a:t>constructor</a:t>
+            </a:r>
+            <a:endParaRPr lang="en-US" altLang="zh-CN">
+              <a:solidFill>
+                <a:schemeClr val="accent1"/>
+              </a:solidFill>
+              <a:effectLst>
+                <a:outerShdw blurRad="38100" dist="25400" dir="5400000" algn="ctr" rotWithShape="0">
+                  <a:srgbClr val="6E747A">
+                    <a:alpha val="43000"/>
+                  </a:srgbClr>
+                </a:outerShdw>
+              </a:effectLst>
+              <a:sym typeface="+mn-ea"/>
+            </a:endParaRPr>
+          </a:p>
+          <a:p>
+            <a:pPr indent="0">
+              <a:buFont typeface="Wingdings" panose="05000000000000000000" charset="0"/>
+              <a:buNone/>
+            </a:pPr>
+            <a:r>
+              <a:rPr lang="en-US" altLang="zh-CN">
+                <a:solidFill>
+                  <a:schemeClr val="accent1"/>
+                </a:solidFill>
+                <a:effectLst>
+                  <a:outerShdw blurRad="38100" dist="25400" dir="5400000" algn="ctr" rotWithShape="0">
+                    <a:srgbClr val="6E747A">
+                      <a:alpha val="43000"/>
+                    </a:srgbClr>
+                  </a:outerShdw>
+                </a:effectLst>
+                <a:sym typeface="+mn-ea"/>
+              </a:rPr>
+              <a:t> </a:t>
+            </a:r>
+            <a:r>
+              <a:rPr lang="en-US" altLang="zh-CN">
+                <a:solidFill>
+                  <a:schemeClr val="bg1"/>
+                </a:solidFill>
+                <a:sym typeface="+mn-ea"/>
+              </a:rPr>
+              <a:t>定义构造函数。</a:t>
+            </a:r>
+            <a:endParaRPr lang="en-US" altLang="zh-CN">
+              <a:solidFill>
+                <a:schemeClr val="bg1"/>
+              </a:solidFill>
+              <a:sym typeface="+mn-ea"/>
+            </a:endParaRPr>
+          </a:p>
+          <a:p>
+            <a:pPr indent="0">
+              <a:buFont typeface="Wingdings" panose="05000000000000000000" charset="0"/>
+              <a:buNone/>
+            </a:pPr>
+            <a:r>
+              <a:rPr lang="en-US" altLang="zh-CN">
+                <a:solidFill>
+                  <a:schemeClr val="bg1"/>
+                </a:solidFill>
+                <a:sym typeface="+mn-ea"/>
+              </a:rPr>
+              <a:t>通过 </a:t>
+            </a:r>
+            <a:r>
+              <a:rPr lang="en-US" altLang="zh-CN">
+                <a:solidFill>
+                  <a:schemeClr val="accent1"/>
+                </a:solidFill>
+                <a:effectLst>
+                  <a:outerShdw blurRad="38100" dist="25400" dir="5400000" algn="ctr" rotWithShape="0">
+                    <a:srgbClr val="6E747A">
+                      <a:alpha val="43000"/>
+                    </a:srgbClr>
+                  </a:outerShdw>
+                </a:effectLst>
+                <a:sym typeface="+mn-ea"/>
+              </a:rPr>
+              <a:t>new </a:t>
+            </a:r>
+            <a:r>
+              <a:rPr lang="en-US" altLang="zh-CN">
+                <a:solidFill>
+                  <a:schemeClr val="bg1"/>
+                </a:solidFill>
+                <a:sym typeface="+mn-ea"/>
+              </a:rPr>
+              <a:t>生成新实例的时候，会自</a:t>
+            </a:r>
+            <a:endParaRPr lang="en-US" altLang="zh-CN">
+              <a:solidFill>
+                <a:schemeClr val="bg1"/>
+              </a:solidFill>
+              <a:sym typeface="+mn-ea"/>
+            </a:endParaRPr>
+          </a:p>
+          <a:p>
+            <a:pPr indent="0">
+              <a:buFont typeface="Wingdings" panose="05000000000000000000" charset="0"/>
+              <a:buNone/>
+            </a:pPr>
+            <a:r>
+              <a:rPr lang="en-US" altLang="zh-CN">
+                <a:solidFill>
+                  <a:schemeClr val="bg1"/>
+                </a:solidFill>
+                <a:sym typeface="+mn-ea"/>
+              </a:rPr>
+              <a:t>动调用构造函数。</a:t>
+            </a:r>
+            <a:endParaRPr lang="en-US" altLang="zh-CN">
+              <a:solidFill>
+                <a:schemeClr val="bg1"/>
+              </a:solidFill>
+              <a:sym typeface="+mn-ea"/>
+            </a:endParaRPr>
+          </a:p>
+          <a:p>
+            <a:pPr indent="0">
+              <a:buFont typeface="Wingdings" panose="05000000000000000000" charset="0"/>
+              <a:buNone/>
+            </a:pPr>
+            <a:endParaRPr lang="zh-CN" altLang="en-US">
+              <a:solidFill>
+                <a:schemeClr val="bg1"/>
+              </a:solidFill>
+              <a:sym typeface="+mn-ea"/>
+            </a:endParaRPr>
+          </a:p>
+          <a:p>
+            <a:pPr indent="0">
+              <a:buFont typeface="Wingdings" panose="05000000000000000000" charset="0"/>
+              <a:buNone/>
+            </a:pPr>
+            <a:endParaRPr lang="zh-CN" altLang="en-US">
+              <a:solidFill>
+                <a:schemeClr val="bg1"/>
+              </a:solidFill>
+              <a:sym typeface="+mn-ea"/>
+            </a:endParaRPr>
+          </a:p>
+          <a:p>
+            <a:pPr indent="0">
+              <a:buFont typeface="Wingdings" panose="05000000000000000000" charset="0"/>
+              <a:buNone/>
+            </a:pPr>
+            <a:endParaRPr lang="zh-CN" altLang="en-US">
+              <a:solidFill>
+                <a:schemeClr val="bg1"/>
+              </a:solidFill>
+              <a:sym typeface="+mn-ea"/>
+            </a:endParaRPr>
+          </a:p>
+          <a:p>
+            <a:pPr indent="0">
+              <a:buFont typeface="Wingdings" panose="05000000000000000000" charset="0"/>
+              <a:buNone/>
+            </a:pPr>
+            <a:endParaRPr lang="zh-CN" altLang="en-US">
+              <a:solidFill>
+                <a:schemeClr val="bg1"/>
+              </a:solidFill>
+              <a:sym typeface="+mn-ea"/>
+            </a:endParaRPr>
+          </a:p>
+          <a:p>
+            <a:pPr indent="0">
+              <a:buFont typeface="Wingdings" panose="05000000000000000000" charset="0"/>
+              <a:buNone/>
+            </a:pPr>
+            <a:endParaRPr lang="zh-CN" altLang="en-US">
+              <a:solidFill>
+                <a:schemeClr val="bg1"/>
+              </a:solidFill>
+              <a:sym typeface="+mn-ea"/>
+            </a:endParaRPr>
+          </a:p>
+          <a:p>
+            <a:pPr indent="0">
+              <a:buFont typeface="Wingdings" panose="05000000000000000000" charset="0"/>
+              <a:buNone/>
+            </a:pPr>
+            <a:r>
+              <a:rPr lang="zh-CN" altLang="en-US">
+                <a:solidFill>
+                  <a:schemeClr val="bg1"/>
+                </a:solidFill>
+                <a:sym typeface="+mn-ea"/>
+              </a:rPr>
+              <a:t>类的继承</a:t>
+            </a:r>
+            <a:endParaRPr lang="zh-CN" altLang="en-US">
+              <a:solidFill>
+                <a:schemeClr val="bg1"/>
+              </a:solidFill>
+              <a:sym typeface="+mn-ea"/>
+            </a:endParaRPr>
+          </a:p>
+          <a:p>
+            <a:pPr indent="0">
+              <a:buFont typeface="Wingdings" panose="05000000000000000000" charset="0"/>
+              <a:buNone/>
+            </a:pPr>
+            <a:endParaRPr lang="zh-CN" altLang="en-US">
+              <a:solidFill>
+                <a:schemeClr val="bg1"/>
+              </a:solidFill>
+              <a:sym typeface="+mn-ea"/>
+            </a:endParaRPr>
+          </a:p>
+          <a:p>
+            <a:pPr indent="0">
+              <a:buFont typeface="Wingdings" panose="05000000000000000000" charset="0"/>
+              <a:buNone/>
+            </a:pPr>
+            <a:r>
+              <a:rPr lang="en-US" altLang="zh-CN">
+                <a:solidFill>
+                  <a:schemeClr val="bg1"/>
+                </a:solidFill>
+                <a:sym typeface="+mn-ea"/>
+              </a:rPr>
+              <a:t>使用 </a:t>
+            </a:r>
+            <a:r>
+              <a:rPr lang="en-US" altLang="zh-CN">
+                <a:ln/>
+                <a:solidFill>
+                  <a:schemeClr val="accent1"/>
+                </a:solidFill>
+                <a:effectLst>
+                  <a:outerShdw blurRad="38100" dist="25400" dir="5400000" algn="ctr" rotWithShape="0">
+                    <a:srgbClr val="6E747A">
+                      <a:alpha val="43000"/>
+                    </a:srgbClr>
+                  </a:outerShdw>
+                </a:effectLst>
+                <a:sym typeface="+mn-ea"/>
+              </a:rPr>
+              <a:t>extends </a:t>
+            </a:r>
+            <a:r>
+              <a:rPr lang="en-US" altLang="zh-CN">
+                <a:solidFill>
+                  <a:schemeClr val="bg1"/>
+                </a:solidFill>
+                <a:sym typeface="+mn-ea"/>
+              </a:rPr>
+              <a:t>关键字实现继承，</a:t>
+            </a:r>
+            <a:endParaRPr lang="en-US" altLang="zh-CN">
+              <a:solidFill>
+                <a:schemeClr val="bg1"/>
+              </a:solidFill>
+              <a:sym typeface="+mn-ea"/>
+            </a:endParaRPr>
+          </a:p>
+          <a:p>
+            <a:pPr indent="0">
+              <a:buFont typeface="Wingdings" panose="05000000000000000000" charset="0"/>
+              <a:buNone/>
+            </a:pPr>
+            <a:r>
+              <a:rPr lang="en-US" altLang="zh-CN">
+                <a:solidFill>
+                  <a:schemeClr val="bg1"/>
+                </a:solidFill>
+                <a:sym typeface="+mn-ea"/>
+              </a:rPr>
+              <a:t>子类中使用 </a:t>
+            </a:r>
+            <a:r>
+              <a:rPr lang="en-US" altLang="zh-CN">
+                <a:ln/>
+                <a:solidFill>
+                  <a:schemeClr val="accent1"/>
+                </a:solidFill>
+                <a:effectLst>
+                  <a:outerShdw blurRad="38100" dist="25400" dir="5400000" algn="ctr" rotWithShape="0">
+                    <a:srgbClr val="6E747A">
+                      <a:alpha val="43000"/>
+                    </a:srgbClr>
+                  </a:outerShdw>
+                </a:effectLst>
+                <a:sym typeface="+mn-ea"/>
+              </a:rPr>
+              <a:t>super </a:t>
+            </a:r>
+            <a:r>
+              <a:rPr lang="en-US" altLang="zh-CN">
+                <a:solidFill>
+                  <a:schemeClr val="bg1"/>
+                </a:solidFill>
+                <a:sym typeface="+mn-ea"/>
+              </a:rPr>
+              <a:t>关键字来调</a:t>
+            </a:r>
+            <a:endParaRPr lang="en-US" altLang="zh-CN">
+              <a:solidFill>
+                <a:schemeClr val="bg1"/>
+              </a:solidFill>
+              <a:sym typeface="+mn-ea"/>
+            </a:endParaRPr>
+          </a:p>
+          <a:p>
+            <a:pPr indent="0">
+              <a:buFont typeface="Wingdings" panose="05000000000000000000" charset="0"/>
+              <a:buNone/>
+            </a:pPr>
+            <a:r>
+              <a:rPr lang="en-US" altLang="zh-CN">
+                <a:solidFill>
+                  <a:schemeClr val="bg1"/>
+                </a:solidFill>
+                <a:sym typeface="+mn-ea"/>
+              </a:rPr>
+              <a:t>用父类的构造函数和方法。</a:t>
+            </a:r>
+            <a:endParaRPr lang="en-US" altLang="zh-CN">
+              <a:solidFill>
+                <a:schemeClr val="bg1"/>
+              </a:solidFill>
+              <a:sym typeface="+mn-ea"/>
+            </a:endParaRPr>
+          </a:p>
+          <a:p>
+            <a:pPr indent="0">
+              <a:buFont typeface="Wingdings" panose="05000000000000000000" charset="0"/>
+              <a:buNone/>
+            </a:pPr>
+            <a:endParaRPr lang="en-US" altLang="zh-CN">
+              <a:solidFill>
+                <a:schemeClr val="bg1"/>
+              </a:solidFill>
+              <a:sym typeface="+mn-ea"/>
+            </a:endParaRPr>
+          </a:p>
+          <a:p>
+            <a:pPr indent="0">
+              <a:buFont typeface="Wingdings" panose="05000000000000000000" charset="0"/>
+              <a:buNone/>
+            </a:pPr>
+            <a:endParaRPr lang="en-US" altLang="zh-CN">
+              <a:solidFill>
+                <a:schemeClr val="bg1"/>
+              </a:solidFill>
+              <a:sym typeface="+mn-ea"/>
+            </a:endParaRPr>
+          </a:p>
+        </p:txBody>
+      </p:sp>
+      <p:pic>
+        <p:nvPicPr>
+          <p:cNvPr id="4" name="图片 3" descr="carbon (7)"/>
+          <p:cNvPicPr>
+            <a:picLocks noChangeAspect="1"/>
+          </p:cNvPicPr>
+          <p:nvPr/>
+        </p:nvPicPr>
+        <p:blipFill>
+          <a:blip r:embed="rId1"/>
+          <a:stretch>
+            <a:fillRect/>
+          </a:stretch>
+        </p:blipFill>
+        <p:spPr>
+          <a:xfrm>
+            <a:off x="3789680" y="3883025"/>
+            <a:ext cx="5219700" cy="2819400"/>
+          </a:xfrm>
+          <a:prstGeom prst="rect">
+            <a:avLst/>
+          </a:prstGeom>
+        </p:spPr>
+      </p:pic>
+      <p:pic>
+        <p:nvPicPr>
+          <p:cNvPr id="5" name="图片 4" descr="carbon (7)"/>
+          <p:cNvPicPr>
+            <a:picLocks noChangeAspect="1"/>
+          </p:cNvPicPr>
+          <p:nvPr/>
+        </p:nvPicPr>
+        <p:blipFill>
+          <a:blip r:embed="rId2"/>
+          <a:stretch>
+            <a:fillRect/>
+          </a:stretch>
+        </p:blipFill>
+        <p:spPr>
+          <a:xfrm>
+            <a:off x="3789680" y="1101090"/>
+            <a:ext cx="3743325" cy="2647950"/>
+          </a:xfrm>
+          <a:prstGeom prst="rect">
+            <a:avLst/>
+          </a:prstGeom>
+        </p:spPr>
+      </p:pic>
+    </p:spTree>
+  </p:cSld>
+  <p:clrMapOvr>
+    <a:masterClrMapping/>
+  </p:clrMapOvr>
+</p:sld>
+</file>
+
+<file path=ppt/slides/slide33.xml><?xml version="1.0" encoding="utf-8"?>
+<p:sld xmlns:a="http://schemas.openxmlformats.org/drawingml/2006/main" xmlns:r="http://schemas.openxmlformats.org/officeDocument/2006/relationships" xmlns:p="http://schemas.openxmlformats.org/presentationml/2006/main">
+  <p:cSld>
+    <p:spTree>
+      <p:nvGrpSpPr>
+        <p:cNvPr id="1" name=""/>
+        <p:cNvGrpSpPr/>
+        <p:nvPr/>
+      </p:nvGrpSpPr>
+      <p:grpSpPr>
+        <a:xfrm>
+          <a:off x="0" y="0"/>
+          <a:ext cx="0" cy="0"/>
+          <a:chOff x="0" y="0"/>
+          <a:chExt cx="0" cy="0"/>
+        </a:xfrm>
+      </p:grpSpPr>
+      <p:sp>
+        <p:nvSpPr>
+          <p:cNvPr id="13" name="文本框 12"/>
+          <p:cNvSpPr txBox="1"/>
+          <p:nvPr/>
+        </p:nvSpPr>
+        <p:spPr>
+          <a:xfrm>
+            <a:off x="115570" y="410845"/>
+            <a:ext cx="8766810" cy="6739255"/>
+          </a:xfrm>
+          <a:prstGeom prst="rect">
+            <a:avLst/>
+          </a:prstGeom>
+          <a:noFill/>
+        </p:spPr>
+        <p:txBody>
+          <a:bodyPr wrap="square" rtlCol="0">
+            <a:spAutoFit/>
+          </a:bodyPr>
+          <a:p>
+            <a:pPr indent="0">
+              <a:buFont typeface="Wingdings" panose="05000000000000000000" charset="0"/>
+              <a:buNone/>
+            </a:pPr>
+            <a:r>
+              <a:rPr lang="zh-CN" altLang="en-US">
+                <a:solidFill>
+                  <a:schemeClr val="bg1"/>
+                </a:solidFill>
+                <a:sym typeface="+mn-ea"/>
+              </a:rPr>
+              <a:t>储存器</a:t>
+            </a:r>
+            <a:endParaRPr lang="zh-CN" altLang="en-US">
+              <a:solidFill>
+                <a:schemeClr val="bg1"/>
+              </a:solidFill>
+              <a:sym typeface="+mn-ea"/>
+            </a:endParaRPr>
+          </a:p>
+          <a:p>
+            <a:pPr indent="0">
+              <a:buFont typeface="Wingdings" panose="05000000000000000000" charset="0"/>
+              <a:buNone/>
+            </a:pPr>
+            <a:r>
+              <a:rPr lang="zh-CN" altLang="en-US">
+                <a:solidFill>
+                  <a:schemeClr val="bg1"/>
+                </a:solidFill>
+                <a:sym typeface="+mn-ea"/>
+              </a:rPr>
+              <a:t>使用</a:t>
+            </a:r>
+            <a:r>
+              <a:rPr lang="en-US" altLang="zh-CN">
+                <a:ln/>
+                <a:solidFill>
+                  <a:schemeClr val="accent1"/>
+                </a:solidFill>
+                <a:effectLst>
+                  <a:outerShdw blurRad="38100" dist="25400" dir="5400000" algn="ctr" rotWithShape="0">
+                    <a:srgbClr val="6E747A">
+                      <a:alpha val="43000"/>
+                    </a:srgbClr>
+                  </a:outerShdw>
+                </a:effectLst>
+                <a:sym typeface="+mn-ea"/>
+              </a:rPr>
+              <a:t>getter</a:t>
+            </a:r>
+            <a:r>
+              <a:rPr lang="zh-CN" altLang="en-US">
+                <a:solidFill>
+                  <a:schemeClr val="bg1"/>
+                </a:solidFill>
+                <a:sym typeface="+mn-ea"/>
+              </a:rPr>
+              <a:t>和</a:t>
+            </a:r>
+            <a:r>
+              <a:rPr lang="en-US" altLang="zh-CN">
+                <a:ln/>
+                <a:solidFill>
+                  <a:schemeClr val="accent1"/>
+                </a:solidFill>
+                <a:effectLst>
+                  <a:outerShdw blurRad="38100" dist="25400" dir="5400000" algn="ctr" rotWithShape="0">
+                    <a:srgbClr val="6E747A">
+                      <a:alpha val="43000"/>
+                    </a:srgbClr>
+                  </a:outerShdw>
+                </a:effectLst>
+                <a:sym typeface="+mn-ea"/>
+              </a:rPr>
+              <a:t>setter</a:t>
+            </a:r>
+            <a:r>
+              <a:rPr lang="zh-CN" altLang="en-US">
+                <a:solidFill>
+                  <a:schemeClr val="bg1"/>
+                </a:solidFill>
+                <a:sym typeface="+mn-ea"/>
+              </a:rPr>
+              <a:t>可以改变属性的</a:t>
+            </a:r>
+            <a:endParaRPr lang="zh-CN" altLang="en-US">
+              <a:solidFill>
+                <a:schemeClr val="bg1"/>
+              </a:solidFill>
+              <a:sym typeface="+mn-ea"/>
+            </a:endParaRPr>
+          </a:p>
+          <a:p>
+            <a:pPr indent="0">
+              <a:buFont typeface="Wingdings" panose="05000000000000000000" charset="0"/>
+              <a:buNone/>
+            </a:pPr>
+            <a:r>
+              <a:rPr lang="zh-CN" altLang="en-US">
+                <a:solidFill>
+                  <a:schemeClr val="bg1"/>
+                </a:solidFill>
+                <a:sym typeface="+mn-ea"/>
+              </a:rPr>
+              <a:t>赋值和读取行为：</a:t>
+            </a:r>
+            <a:endParaRPr lang="en-US" altLang="zh-CN">
+              <a:solidFill>
+                <a:schemeClr val="bg1"/>
+              </a:solidFill>
+              <a:sym typeface="+mn-ea"/>
+            </a:endParaRPr>
+          </a:p>
+          <a:p>
+            <a:pPr indent="0">
+              <a:buFont typeface="Wingdings" panose="05000000000000000000" charset="0"/>
+              <a:buNone/>
+            </a:pPr>
+            <a:endParaRPr lang="zh-CN" altLang="en-US">
+              <a:solidFill>
+                <a:schemeClr val="bg1"/>
+              </a:solidFill>
+              <a:sym typeface="+mn-ea"/>
+            </a:endParaRPr>
+          </a:p>
+          <a:p>
+            <a:pPr indent="0">
+              <a:buFont typeface="Wingdings" panose="05000000000000000000" charset="0"/>
+              <a:buNone/>
+            </a:pPr>
+            <a:endParaRPr lang="zh-CN" altLang="en-US">
+              <a:solidFill>
+                <a:schemeClr val="bg1"/>
+              </a:solidFill>
+              <a:sym typeface="+mn-ea"/>
+            </a:endParaRPr>
+          </a:p>
+          <a:p>
+            <a:pPr indent="0">
+              <a:buFont typeface="Wingdings" panose="05000000000000000000" charset="0"/>
+              <a:buNone/>
+            </a:pPr>
+            <a:endParaRPr lang="zh-CN" altLang="en-US">
+              <a:solidFill>
+                <a:schemeClr val="bg1"/>
+              </a:solidFill>
+              <a:sym typeface="+mn-ea"/>
+            </a:endParaRPr>
+          </a:p>
+          <a:p>
+            <a:pPr indent="0">
+              <a:buFont typeface="Wingdings" panose="05000000000000000000" charset="0"/>
+              <a:buNone/>
+            </a:pPr>
+            <a:endParaRPr lang="zh-CN" altLang="en-US">
+              <a:solidFill>
+                <a:schemeClr val="bg1"/>
+              </a:solidFill>
+              <a:sym typeface="+mn-ea"/>
+            </a:endParaRPr>
+          </a:p>
+          <a:p>
+            <a:pPr indent="0">
+              <a:buFont typeface="Wingdings" panose="05000000000000000000" charset="0"/>
+              <a:buNone/>
+            </a:pPr>
+            <a:endParaRPr lang="zh-CN" altLang="en-US">
+              <a:solidFill>
+                <a:schemeClr val="bg1"/>
+              </a:solidFill>
+              <a:sym typeface="+mn-ea"/>
+            </a:endParaRPr>
+          </a:p>
+          <a:p>
+            <a:pPr indent="0">
+              <a:buFont typeface="Wingdings" panose="05000000000000000000" charset="0"/>
+              <a:buNone/>
+            </a:pPr>
+            <a:endParaRPr lang="zh-CN" altLang="en-US">
+              <a:solidFill>
+                <a:schemeClr val="bg1"/>
+              </a:solidFill>
+              <a:sym typeface="+mn-ea"/>
+            </a:endParaRPr>
+          </a:p>
+          <a:p>
+            <a:pPr indent="0">
+              <a:buFont typeface="Wingdings" panose="05000000000000000000" charset="0"/>
+              <a:buNone/>
+            </a:pPr>
+            <a:endParaRPr lang="zh-CN" altLang="en-US">
+              <a:solidFill>
+                <a:schemeClr val="bg1"/>
+              </a:solidFill>
+              <a:sym typeface="+mn-ea"/>
+            </a:endParaRPr>
+          </a:p>
+          <a:p>
+            <a:pPr indent="0">
+              <a:buFont typeface="Wingdings" panose="05000000000000000000" charset="0"/>
+              <a:buNone/>
+            </a:pPr>
+            <a:endParaRPr lang="en-US" altLang="zh-CN">
+              <a:solidFill>
+                <a:schemeClr val="bg1"/>
+              </a:solidFill>
+              <a:sym typeface="+mn-ea"/>
+            </a:endParaRPr>
+          </a:p>
+          <a:p>
+            <a:pPr indent="0">
+              <a:buFont typeface="Wingdings" panose="05000000000000000000" charset="0"/>
+              <a:buNone/>
+            </a:pPr>
+            <a:endParaRPr lang="en-US" altLang="zh-CN">
+              <a:solidFill>
+                <a:schemeClr val="bg1"/>
+              </a:solidFill>
+              <a:sym typeface="+mn-ea"/>
+            </a:endParaRPr>
+          </a:p>
+          <a:p>
+            <a:pPr indent="0">
+              <a:buFont typeface="Wingdings" panose="05000000000000000000" charset="0"/>
+              <a:buNone/>
+            </a:pPr>
+            <a:endParaRPr lang="en-US" altLang="zh-CN">
+              <a:solidFill>
+                <a:schemeClr val="bg1"/>
+              </a:solidFill>
+              <a:sym typeface="+mn-ea"/>
+            </a:endParaRPr>
+          </a:p>
+          <a:p>
+            <a:pPr indent="0">
+              <a:buFont typeface="Wingdings" panose="05000000000000000000" charset="0"/>
+              <a:buNone/>
+            </a:pPr>
+            <a:endParaRPr lang="en-US" altLang="zh-CN">
+              <a:solidFill>
+                <a:schemeClr val="bg1"/>
+              </a:solidFill>
+              <a:sym typeface="+mn-ea"/>
+            </a:endParaRPr>
+          </a:p>
+          <a:p>
+            <a:pPr indent="0">
+              <a:buFont typeface="Wingdings" panose="05000000000000000000" charset="0"/>
+              <a:buNone/>
+            </a:pPr>
+            <a:r>
+              <a:rPr lang="en-US" altLang="zh-CN">
+                <a:solidFill>
+                  <a:schemeClr val="bg1"/>
+                </a:solidFill>
+                <a:sym typeface="+mn-ea"/>
+              </a:rPr>
+              <a:t>静态方法</a:t>
+            </a:r>
+            <a:endParaRPr lang="en-US" altLang="zh-CN">
+              <a:solidFill>
+                <a:schemeClr val="bg1"/>
+              </a:solidFill>
+              <a:sym typeface="+mn-ea"/>
+            </a:endParaRPr>
+          </a:p>
+          <a:p>
+            <a:pPr indent="0">
+              <a:buFont typeface="Wingdings" panose="05000000000000000000" charset="0"/>
+              <a:buNone/>
+            </a:pPr>
+            <a:r>
+              <a:rPr lang="en-US" altLang="zh-CN">
+                <a:solidFill>
+                  <a:schemeClr val="bg1"/>
+                </a:solidFill>
+                <a:sym typeface="+mn-ea"/>
+              </a:rPr>
+              <a:t>使用 </a:t>
+            </a:r>
+            <a:r>
+              <a:rPr lang="en-US" altLang="zh-CN">
+                <a:ln/>
+                <a:solidFill>
+                  <a:schemeClr val="accent1"/>
+                </a:solidFill>
+                <a:effectLst>
+                  <a:outerShdw blurRad="38100" dist="25400" dir="5400000" algn="ctr" rotWithShape="0">
+                    <a:srgbClr val="6E747A">
+                      <a:alpha val="43000"/>
+                    </a:srgbClr>
+                  </a:outerShdw>
+                </a:effectLst>
+                <a:sym typeface="+mn-ea"/>
+              </a:rPr>
+              <a:t>static </a:t>
+            </a:r>
+            <a:r>
+              <a:rPr lang="en-US" altLang="zh-CN">
+                <a:solidFill>
+                  <a:schemeClr val="bg1"/>
+                </a:solidFill>
+                <a:sym typeface="+mn-ea"/>
+              </a:rPr>
+              <a:t>修饰符修饰的方法称为</a:t>
+            </a:r>
+            <a:endParaRPr lang="en-US" altLang="zh-CN">
+              <a:solidFill>
+                <a:schemeClr val="bg1"/>
+              </a:solidFill>
+              <a:sym typeface="+mn-ea"/>
+            </a:endParaRPr>
+          </a:p>
+          <a:p>
+            <a:pPr indent="0">
+              <a:buFont typeface="Wingdings" panose="05000000000000000000" charset="0"/>
+              <a:buNone/>
+            </a:pPr>
+            <a:r>
+              <a:rPr lang="en-US" altLang="zh-CN">
+                <a:solidFill>
+                  <a:schemeClr val="bg1"/>
+                </a:solidFill>
+                <a:sym typeface="+mn-ea"/>
+              </a:rPr>
+              <a:t>静态方法，它们不需要实例化，而</a:t>
+            </a:r>
+            <a:endParaRPr lang="en-US" altLang="zh-CN">
+              <a:solidFill>
+                <a:schemeClr val="bg1"/>
+              </a:solidFill>
+              <a:sym typeface="+mn-ea"/>
+            </a:endParaRPr>
+          </a:p>
+          <a:p>
+            <a:pPr indent="0">
+              <a:buFont typeface="Wingdings" panose="05000000000000000000" charset="0"/>
+              <a:buNone/>
+            </a:pPr>
+            <a:r>
+              <a:rPr lang="en-US" altLang="zh-CN">
+                <a:solidFill>
+                  <a:schemeClr val="bg1"/>
+                </a:solidFill>
+                <a:sym typeface="+mn-ea"/>
+              </a:rPr>
+              <a:t>是直接通过类来调用：</a:t>
+            </a:r>
+            <a:endParaRPr lang="en-US" altLang="zh-CN">
+              <a:solidFill>
+                <a:schemeClr val="bg1"/>
+              </a:solidFill>
+              <a:sym typeface="+mn-ea"/>
+            </a:endParaRPr>
+          </a:p>
+          <a:p>
+            <a:pPr indent="0">
+              <a:buFont typeface="Wingdings" panose="05000000000000000000" charset="0"/>
+              <a:buNone/>
+            </a:pPr>
+            <a:endParaRPr lang="en-US" altLang="zh-CN">
+              <a:solidFill>
+                <a:schemeClr val="bg1"/>
+              </a:solidFill>
+              <a:sym typeface="+mn-ea"/>
+            </a:endParaRPr>
+          </a:p>
+          <a:p>
+            <a:pPr indent="0">
+              <a:buFont typeface="Wingdings" panose="05000000000000000000" charset="0"/>
+              <a:buNone/>
+            </a:pPr>
+            <a:endParaRPr lang="en-US" altLang="zh-CN">
+              <a:solidFill>
+                <a:schemeClr val="bg1"/>
+              </a:solidFill>
+              <a:sym typeface="+mn-ea"/>
+            </a:endParaRPr>
+          </a:p>
+          <a:p>
+            <a:pPr indent="0">
+              <a:buFont typeface="Wingdings" panose="05000000000000000000" charset="0"/>
+              <a:buNone/>
+            </a:pPr>
+            <a:endParaRPr lang="en-US" altLang="zh-CN">
+              <a:solidFill>
+                <a:schemeClr val="bg1"/>
+              </a:solidFill>
+              <a:sym typeface="+mn-ea"/>
+            </a:endParaRPr>
+          </a:p>
+          <a:p>
+            <a:pPr indent="0">
+              <a:buFont typeface="Wingdings" panose="05000000000000000000" charset="0"/>
+              <a:buNone/>
+            </a:pPr>
+            <a:endParaRPr lang="en-US" altLang="zh-CN">
+              <a:solidFill>
+                <a:schemeClr val="bg1"/>
+              </a:solidFill>
+              <a:sym typeface="+mn-ea"/>
+            </a:endParaRPr>
+          </a:p>
+          <a:p>
+            <a:pPr indent="0">
+              <a:buFont typeface="Wingdings" panose="05000000000000000000" charset="0"/>
+              <a:buNone/>
+            </a:pPr>
+            <a:r>
+              <a:rPr lang="zh-CN" altLang="en-US">
+                <a:solidFill>
+                  <a:schemeClr val="bg1"/>
+                </a:solidFill>
+                <a:sym typeface="+mn-ea"/>
+              </a:rPr>
+              <a:t>例子：</a:t>
+            </a:r>
+            <a:r>
+              <a:rPr lang="en-US" altLang="zh-CN">
+                <a:solidFill>
+                  <a:schemeClr val="bg1"/>
+                </a:solidFill>
+                <a:sym typeface="+mn-ea"/>
+              </a:rPr>
+              <a:t>demo10.ts</a:t>
+            </a:r>
+            <a:endParaRPr lang="en-US" altLang="zh-CN">
+              <a:solidFill>
+                <a:schemeClr val="bg1"/>
+              </a:solidFill>
+              <a:sym typeface="+mn-ea"/>
+            </a:endParaRPr>
+          </a:p>
+          <a:p>
+            <a:pPr indent="0">
+              <a:buFont typeface="Wingdings" panose="05000000000000000000" charset="0"/>
+              <a:buNone/>
+            </a:pPr>
+            <a:endParaRPr lang="en-US" altLang="zh-CN">
+              <a:solidFill>
+                <a:schemeClr val="bg1"/>
+              </a:solidFill>
+              <a:sym typeface="+mn-ea"/>
+            </a:endParaRPr>
+          </a:p>
+        </p:txBody>
+      </p:sp>
+      <p:pic>
+        <p:nvPicPr>
+          <p:cNvPr id="2" name="图片 1" descr="carbon (7)"/>
+          <p:cNvPicPr>
+            <a:picLocks noChangeAspect="1"/>
+          </p:cNvPicPr>
+          <p:nvPr/>
+        </p:nvPicPr>
+        <p:blipFill>
+          <a:blip r:embed="rId1"/>
+          <a:stretch>
+            <a:fillRect/>
+          </a:stretch>
+        </p:blipFill>
+        <p:spPr>
+          <a:xfrm>
+            <a:off x="4104005" y="732790"/>
+            <a:ext cx="3971925" cy="3343275"/>
+          </a:xfrm>
+          <a:prstGeom prst="rect">
+            <a:avLst/>
+          </a:prstGeom>
+        </p:spPr>
+      </p:pic>
+      <p:pic>
+        <p:nvPicPr>
+          <p:cNvPr id="3" name="图片 2" descr="carbon (7)"/>
+          <p:cNvPicPr>
+            <a:picLocks noChangeAspect="1"/>
+          </p:cNvPicPr>
+          <p:nvPr/>
+        </p:nvPicPr>
+        <p:blipFill>
+          <a:blip r:embed="rId2"/>
+          <a:stretch>
+            <a:fillRect/>
+          </a:stretch>
+        </p:blipFill>
+        <p:spPr>
+          <a:xfrm>
+            <a:off x="4104005" y="4382770"/>
+            <a:ext cx="4943475" cy="2295525"/>
+          </a:xfrm>
+          <a:prstGeom prst="rect">
+            <a:avLst/>
+          </a:prstGeom>
+        </p:spPr>
+      </p:pic>
+    </p:spTree>
+  </p:cSld>
+  <p:clrMapOvr>
+    <a:masterClrMapping/>
+  </p:clrMapOvr>
+</p:sld>
+</file>
+
+<file path=ppt/slides/slide34.xml><?xml version="1.0" encoding="utf-8"?>
+<p:sld xmlns:a="http://schemas.openxmlformats.org/drawingml/2006/main" xmlns:r="http://schemas.openxmlformats.org/officeDocument/2006/relationships" xmlns:p="http://schemas.openxmlformats.org/presentationml/2006/main">
+  <p:cSld>
+    <p:spTree>
+      <p:nvGrpSpPr>
+        <p:cNvPr id="1" name=""/>
+        <p:cNvGrpSpPr/>
+        <p:nvPr/>
+      </p:nvGrpSpPr>
+      <p:grpSpPr>
+        <a:xfrm>
+          <a:off x="0" y="0"/>
+          <a:ext cx="0" cy="0"/>
+          <a:chOff x="0" y="0"/>
+          <a:chExt cx="0" cy="0"/>
+        </a:xfrm>
+      </p:grpSpPr>
+      <p:sp>
+        <p:nvSpPr>
+          <p:cNvPr id="13" name="文本框 12"/>
+          <p:cNvSpPr txBox="1"/>
+          <p:nvPr/>
+        </p:nvSpPr>
+        <p:spPr>
+          <a:xfrm>
+            <a:off x="102235" y="410845"/>
+            <a:ext cx="8766810" cy="4523105"/>
+          </a:xfrm>
+          <a:prstGeom prst="rect">
+            <a:avLst/>
+          </a:prstGeom>
+          <a:noFill/>
+        </p:spPr>
+        <p:txBody>
+          <a:bodyPr wrap="square" rtlCol="0">
+            <a:spAutoFit/>
+          </a:bodyPr>
+          <a:p>
+            <a:pPr indent="0">
+              <a:buFont typeface="Wingdings" panose="05000000000000000000" charset="0"/>
+              <a:buNone/>
+            </a:pPr>
+            <a:endParaRPr lang="en-US" altLang="zh-CN">
+              <a:solidFill>
+                <a:schemeClr val="bg1"/>
+              </a:solidFill>
+              <a:sym typeface="+mn-ea"/>
+            </a:endParaRPr>
+          </a:p>
+          <a:p>
+            <a:pPr indent="0">
+              <a:buFont typeface="Wingdings" panose="05000000000000000000" charset="0"/>
+              <a:buNone/>
+            </a:pPr>
+            <a:r>
+              <a:rPr lang="en-US" altLang="zh-CN">
+                <a:solidFill>
+                  <a:schemeClr val="bg1"/>
+                </a:solidFill>
+                <a:sym typeface="+mn-ea"/>
+              </a:rPr>
+              <a:t>ES7 中类的用法</a:t>
+            </a:r>
+            <a:endParaRPr lang="en-US" altLang="zh-CN">
+              <a:solidFill>
+                <a:schemeClr val="bg1"/>
+              </a:solidFill>
+              <a:sym typeface="+mn-ea"/>
+            </a:endParaRPr>
+          </a:p>
+          <a:p>
+            <a:pPr indent="0">
+              <a:buFont typeface="Wingdings" panose="05000000000000000000" charset="0"/>
+              <a:buNone/>
+            </a:pPr>
+            <a:r>
+              <a:rPr lang="en-US" altLang="zh-CN">
+                <a:solidFill>
+                  <a:schemeClr val="bg1"/>
+                </a:solidFill>
+                <a:sym typeface="+mn-ea"/>
+              </a:rPr>
+              <a:t>ES7 中有一些关于类的提案，TypeScript 也实现了它们，这里做一个简单的介绍。</a:t>
+            </a:r>
+            <a:endParaRPr lang="en-US" altLang="zh-CN">
+              <a:solidFill>
+                <a:schemeClr val="bg1"/>
+              </a:solidFill>
+              <a:sym typeface="+mn-ea"/>
+            </a:endParaRPr>
+          </a:p>
+          <a:p>
+            <a:pPr indent="0">
+              <a:buFont typeface="Wingdings" panose="05000000000000000000" charset="0"/>
+              <a:buNone/>
+            </a:pPr>
+            <a:endParaRPr lang="en-US" altLang="zh-CN">
+              <a:solidFill>
+                <a:schemeClr val="bg1"/>
+              </a:solidFill>
+              <a:sym typeface="+mn-ea"/>
+            </a:endParaRPr>
+          </a:p>
+          <a:p>
+            <a:pPr indent="0">
+              <a:buFont typeface="Wingdings" panose="05000000000000000000" charset="0"/>
+              <a:buNone/>
+            </a:pPr>
+            <a:r>
+              <a:rPr lang="zh-CN" altLang="en-US">
+                <a:solidFill>
+                  <a:schemeClr val="bg1"/>
+                </a:solidFill>
+                <a:sym typeface="+mn-ea"/>
+              </a:rPr>
+              <a:t>实例属性</a:t>
+            </a:r>
+            <a:endParaRPr lang="zh-CN" altLang="en-US">
+              <a:solidFill>
+                <a:schemeClr val="bg1"/>
+              </a:solidFill>
+              <a:sym typeface="+mn-ea"/>
+            </a:endParaRPr>
+          </a:p>
+          <a:p>
+            <a:pPr indent="0">
+              <a:buFont typeface="Wingdings" panose="05000000000000000000" charset="0"/>
+              <a:buNone/>
+            </a:pPr>
+            <a:r>
+              <a:rPr lang="zh-CN" altLang="en-US">
+                <a:solidFill>
+                  <a:schemeClr val="bg1"/>
+                </a:solidFill>
+                <a:sym typeface="+mn-ea"/>
+              </a:rPr>
+              <a:t>ES6 中实例的属性只能通过构造函数中的 this.xxx 来定义，</a:t>
+            </a:r>
+            <a:endParaRPr lang="zh-CN" altLang="en-US">
+              <a:solidFill>
+                <a:schemeClr val="bg1"/>
+              </a:solidFill>
+              <a:sym typeface="+mn-ea"/>
+            </a:endParaRPr>
+          </a:p>
+          <a:p>
+            <a:pPr indent="0">
+              <a:buFont typeface="Wingdings" panose="05000000000000000000" charset="0"/>
+              <a:buNone/>
+            </a:pPr>
+            <a:r>
+              <a:rPr lang="zh-CN" altLang="en-US">
+                <a:solidFill>
+                  <a:schemeClr val="bg1"/>
+                </a:solidFill>
+                <a:sym typeface="+mn-ea"/>
+              </a:rPr>
+              <a:t>ES7 提案中可以直接在类里面定义：</a:t>
+            </a:r>
+            <a:endParaRPr lang="zh-CN" altLang="en-US">
+              <a:solidFill>
+                <a:schemeClr val="bg1"/>
+              </a:solidFill>
+              <a:sym typeface="+mn-ea"/>
+            </a:endParaRPr>
+          </a:p>
+          <a:p>
+            <a:pPr indent="0">
+              <a:buFont typeface="Wingdings" panose="05000000000000000000" charset="0"/>
+              <a:buNone/>
+            </a:pPr>
+            <a:endParaRPr lang="en-US" altLang="zh-CN">
+              <a:solidFill>
+                <a:schemeClr val="bg1"/>
+              </a:solidFill>
+              <a:sym typeface="+mn-ea"/>
+            </a:endParaRPr>
+          </a:p>
+          <a:p>
+            <a:pPr indent="0">
+              <a:buFont typeface="Wingdings" panose="05000000000000000000" charset="0"/>
+              <a:buNone/>
+            </a:pPr>
+            <a:endParaRPr lang="en-US" altLang="zh-CN">
+              <a:solidFill>
+                <a:schemeClr val="bg1"/>
+              </a:solidFill>
+              <a:sym typeface="+mn-ea"/>
+            </a:endParaRPr>
+          </a:p>
+          <a:p>
+            <a:pPr indent="0">
+              <a:buFont typeface="Wingdings" panose="05000000000000000000" charset="0"/>
+              <a:buNone/>
+            </a:pPr>
+            <a:endParaRPr lang="en-US" altLang="zh-CN">
+              <a:solidFill>
+                <a:schemeClr val="bg1"/>
+              </a:solidFill>
+              <a:sym typeface="+mn-ea"/>
+            </a:endParaRPr>
+          </a:p>
+          <a:p>
+            <a:pPr indent="0">
+              <a:buFont typeface="Wingdings" panose="05000000000000000000" charset="0"/>
+              <a:buNone/>
+            </a:pPr>
+            <a:endParaRPr lang="en-US" altLang="zh-CN">
+              <a:solidFill>
+                <a:schemeClr val="bg1"/>
+              </a:solidFill>
+              <a:sym typeface="+mn-ea"/>
+            </a:endParaRPr>
+          </a:p>
+          <a:p>
+            <a:pPr indent="0">
+              <a:buFont typeface="Wingdings" panose="05000000000000000000" charset="0"/>
+              <a:buNone/>
+            </a:pPr>
+            <a:endParaRPr lang="en-US" altLang="zh-CN">
+              <a:solidFill>
+                <a:schemeClr val="bg1"/>
+              </a:solidFill>
+              <a:sym typeface="+mn-ea"/>
+            </a:endParaRPr>
+          </a:p>
+          <a:p>
+            <a:pPr indent="0">
+              <a:buFont typeface="Wingdings" panose="05000000000000000000" charset="0"/>
+              <a:buNone/>
+            </a:pPr>
+            <a:endParaRPr lang="en-US" altLang="zh-CN">
+              <a:solidFill>
+                <a:schemeClr val="bg1"/>
+              </a:solidFill>
+              <a:sym typeface="+mn-ea"/>
+            </a:endParaRPr>
+          </a:p>
+          <a:p>
+            <a:pPr indent="0">
+              <a:buFont typeface="Wingdings" panose="05000000000000000000" charset="0"/>
+              <a:buNone/>
+            </a:pPr>
+            <a:endParaRPr lang="en-US" altLang="zh-CN">
+              <a:solidFill>
+                <a:schemeClr val="bg1"/>
+              </a:solidFill>
+              <a:sym typeface="+mn-ea"/>
+            </a:endParaRPr>
+          </a:p>
+          <a:p>
+            <a:pPr indent="0">
+              <a:buFont typeface="Wingdings" panose="05000000000000000000" charset="0"/>
+              <a:buNone/>
+            </a:pPr>
+            <a:r>
+              <a:rPr lang="en-US" altLang="zh-CN">
+                <a:solidFill>
+                  <a:schemeClr val="bg1"/>
+                </a:solidFill>
+                <a:sym typeface="+mn-ea"/>
+              </a:rPr>
+              <a:t>静态属性</a:t>
+            </a:r>
+            <a:endParaRPr lang="en-US" altLang="zh-CN">
+              <a:solidFill>
+                <a:schemeClr val="bg1"/>
+              </a:solidFill>
+              <a:sym typeface="+mn-ea"/>
+            </a:endParaRPr>
+          </a:p>
+          <a:p>
+            <a:pPr indent="0">
+              <a:buFont typeface="Wingdings" panose="05000000000000000000" charset="0"/>
+              <a:buNone/>
+            </a:pPr>
+            <a:r>
+              <a:rPr lang="en-US" altLang="zh-CN">
+                <a:solidFill>
+                  <a:schemeClr val="bg1"/>
+                </a:solidFill>
+                <a:sym typeface="+mn-ea"/>
+              </a:rPr>
+              <a:t>ES7 提案中，可以使用 static 定义一个静态属性：</a:t>
+            </a:r>
+            <a:endParaRPr lang="en-US" altLang="zh-CN">
+              <a:solidFill>
+                <a:schemeClr val="bg1"/>
+              </a:solidFill>
+              <a:sym typeface="+mn-ea"/>
+            </a:endParaRPr>
+          </a:p>
+        </p:txBody>
+      </p:sp>
+      <p:pic>
+        <p:nvPicPr>
+          <p:cNvPr id="2" name="图片 1" descr="carbon (7)"/>
+          <p:cNvPicPr>
+            <a:picLocks noChangeAspect="1"/>
+          </p:cNvPicPr>
+          <p:nvPr/>
+        </p:nvPicPr>
+        <p:blipFill>
+          <a:blip r:embed="rId1"/>
+          <a:stretch>
+            <a:fillRect/>
+          </a:stretch>
+        </p:blipFill>
+        <p:spPr>
+          <a:xfrm>
+            <a:off x="6071235" y="1793875"/>
+            <a:ext cx="2609850" cy="2466975"/>
+          </a:xfrm>
+          <a:prstGeom prst="rect">
+            <a:avLst/>
+          </a:prstGeom>
+        </p:spPr>
+      </p:pic>
+      <p:pic>
+        <p:nvPicPr>
+          <p:cNvPr id="3" name="图片 2" descr="carbon (7)"/>
+          <p:cNvPicPr>
+            <a:picLocks noChangeAspect="1"/>
+          </p:cNvPicPr>
+          <p:nvPr/>
+        </p:nvPicPr>
+        <p:blipFill>
+          <a:blip r:embed="rId2"/>
+          <a:stretch>
+            <a:fillRect/>
+          </a:stretch>
+        </p:blipFill>
+        <p:spPr>
+          <a:xfrm>
+            <a:off x="6071235" y="4389120"/>
+            <a:ext cx="2762250" cy="2295525"/>
+          </a:xfrm>
+          <a:prstGeom prst="rect">
+            <a:avLst/>
+          </a:prstGeom>
+        </p:spPr>
+      </p:pic>
+    </p:spTree>
+  </p:cSld>
+  <p:clrMapOvr>
+    <a:masterClrMapping/>
+  </p:clrMapOvr>
+</p:sld>
+</file>
+
+<file path=ppt/slides/slide35.xml><?xml version="1.0" encoding="utf-8"?>
+<p:sld xmlns:a="http://schemas.openxmlformats.org/drawingml/2006/main" xmlns:r="http://schemas.openxmlformats.org/officeDocument/2006/relationships" xmlns:p="http://schemas.openxmlformats.org/presentationml/2006/main">
+  <p:cSld>
+    <p:spTree>
+      <p:nvGrpSpPr>
+        <p:cNvPr id="1" name=""/>
+        <p:cNvGrpSpPr/>
+        <p:nvPr/>
+      </p:nvGrpSpPr>
+      <p:grpSpPr>
+        <a:xfrm>
+          <a:off x="0" y="0"/>
+          <a:ext cx="0" cy="0"/>
+          <a:chOff x="0" y="0"/>
+          <a:chExt cx="0" cy="0"/>
+        </a:xfrm>
+      </p:grpSpPr>
+      <p:sp>
+        <p:nvSpPr>
+          <p:cNvPr id="13" name="文本框 12"/>
+          <p:cNvSpPr txBox="1"/>
+          <p:nvPr/>
+        </p:nvSpPr>
+        <p:spPr>
+          <a:xfrm>
+            <a:off x="102235" y="410845"/>
+            <a:ext cx="8766810" cy="6216015"/>
+          </a:xfrm>
+          <a:prstGeom prst="rect">
+            <a:avLst/>
+          </a:prstGeom>
+          <a:noFill/>
+        </p:spPr>
+        <p:txBody>
+          <a:bodyPr wrap="square" rtlCol="0">
+            <a:spAutoFit/>
+          </a:bodyPr>
+          <a:p>
+            <a:pPr indent="0">
+              <a:buFont typeface="Wingdings" panose="05000000000000000000" charset="0"/>
+              <a:buNone/>
+            </a:pPr>
+            <a:endParaRPr lang="en-US" altLang="zh-CN">
+              <a:solidFill>
+                <a:schemeClr val="bg1"/>
+              </a:solidFill>
+              <a:sym typeface="+mn-ea"/>
+            </a:endParaRPr>
+          </a:p>
+          <a:p>
+            <a:pPr indent="0">
+              <a:buFont typeface="Wingdings" panose="05000000000000000000" charset="0"/>
+              <a:buNone/>
+            </a:pPr>
+            <a:r>
+              <a:rPr lang="en-US" altLang="zh-CN" sz="2000">
+                <a:solidFill>
+                  <a:schemeClr val="bg1"/>
+                </a:solidFill>
+                <a:sym typeface="+mn-ea"/>
+              </a:rPr>
+              <a:t>TypeScript 中类的用法</a:t>
+            </a:r>
+            <a:endParaRPr lang="en-US" altLang="zh-CN" sz="2000">
+              <a:solidFill>
+                <a:schemeClr val="bg1"/>
+              </a:solidFill>
+              <a:sym typeface="+mn-ea"/>
+            </a:endParaRPr>
+          </a:p>
+          <a:p>
+            <a:pPr indent="0">
+              <a:buFont typeface="Wingdings" panose="05000000000000000000" charset="0"/>
+              <a:buNone/>
+            </a:pPr>
+            <a:endParaRPr lang="en-US" altLang="zh-CN">
+              <a:solidFill>
+                <a:schemeClr val="bg1"/>
+              </a:solidFill>
+              <a:sym typeface="+mn-ea"/>
+            </a:endParaRPr>
+          </a:p>
+          <a:p>
+            <a:pPr indent="0">
+              <a:buFont typeface="Wingdings" panose="05000000000000000000" charset="0"/>
+              <a:buNone/>
+            </a:pPr>
+            <a:r>
+              <a:rPr lang="en-US" altLang="zh-CN">
+                <a:solidFill>
+                  <a:schemeClr val="bg1"/>
+                </a:solidFill>
+                <a:sym typeface="+mn-ea"/>
+              </a:rPr>
+              <a:t>TypeScript 可以使用三种访问修饰符（Access Modifiers），分别是 </a:t>
+            </a:r>
+            <a:r>
+              <a:rPr lang="en-US" altLang="zh-CN">
+                <a:ln/>
+                <a:solidFill>
+                  <a:schemeClr val="accent1"/>
+                </a:solidFill>
+                <a:effectLst>
+                  <a:outerShdw blurRad="38100" dist="25400" dir="5400000" algn="ctr" rotWithShape="0">
+                    <a:srgbClr val="6E747A">
+                      <a:alpha val="43000"/>
+                    </a:srgbClr>
+                  </a:outerShdw>
+                </a:effectLst>
+                <a:sym typeface="+mn-ea"/>
+              </a:rPr>
+              <a:t>public</a:t>
+            </a:r>
+            <a:r>
+              <a:rPr lang="en-US" altLang="zh-CN">
+                <a:solidFill>
+                  <a:schemeClr val="bg1"/>
+                </a:solidFill>
+                <a:sym typeface="+mn-ea"/>
+              </a:rPr>
+              <a:t>、</a:t>
+            </a:r>
+            <a:r>
+              <a:rPr lang="en-US" altLang="zh-CN">
+                <a:ln/>
+                <a:solidFill>
+                  <a:schemeClr val="accent1"/>
+                </a:solidFill>
+                <a:effectLst>
+                  <a:outerShdw blurRad="38100" dist="25400" dir="5400000" algn="ctr" rotWithShape="0">
+                    <a:srgbClr val="6E747A">
+                      <a:alpha val="43000"/>
+                    </a:srgbClr>
+                  </a:outerShdw>
+                </a:effectLst>
+                <a:sym typeface="+mn-ea"/>
+              </a:rPr>
+              <a:t>private </a:t>
+            </a:r>
+            <a:r>
+              <a:rPr lang="en-US" altLang="zh-CN">
+                <a:solidFill>
+                  <a:schemeClr val="bg1"/>
+                </a:solidFill>
+                <a:sym typeface="+mn-ea"/>
+              </a:rPr>
+              <a:t>和 </a:t>
+            </a:r>
+            <a:r>
+              <a:rPr lang="en-US" altLang="zh-CN">
+                <a:ln/>
+                <a:solidFill>
+                  <a:schemeClr val="accent1"/>
+                </a:solidFill>
+                <a:effectLst>
+                  <a:outerShdw blurRad="38100" dist="25400" dir="5400000" algn="ctr" rotWithShape="0">
+                    <a:srgbClr val="6E747A">
+                      <a:alpha val="43000"/>
+                    </a:srgbClr>
+                  </a:outerShdw>
+                </a:effectLst>
+                <a:sym typeface="+mn-ea"/>
+              </a:rPr>
+              <a:t>protected</a:t>
+            </a:r>
+            <a:r>
+              <a:rPr lang="en-US" altLang="zh-CN">
+                <a:solidFill>
+                  <a:schemeClr val="bg1"/>
+                </a:solidFill>
+                <a:sym typeface="+mn-ea"/>
+              </a:rPr>
+              <a:t>。</a:t>
+            </a:r>
+            <a:endParaRPr lang="en-US" altLang="zh-CN">
+              <a:solidFill>
+                <a:schemeClr val="bg1"/>
+              </a:solidFill>
+              <a:sym typeface="+mn-ea"/>
+            </a:endParaRPr>
+          </a:p>
+          <a:p>
+            <a:pPr indent="0">
+              <a:buFont typeface="Wingdings" panose="05000000000000000000" charset="0"/>
+              <a:buNone/>
+            </a:pPr>
+            <a:endParaRPr lang="en-US" altLang="zh-CN">
+              <a:solidFill>
+                <a:schemeClr val="bg1"/>
+              </a:solidFill>
+              <a:sym typeface="+mn-ea"/>
+            </a:endParaRPr>
+          </a:p>
+          <a:p>
+            <a:pPr indent="0">
+              <a:buFont typeface="Wingdings" panose="05000000000000000000" charset="0"/>
+              <a:buNone/>
+            </a:pPr>
+            <a:endParaRPr>
+              <a:solidFill>
+                <a:schemeClr val="bg1"/>
+              </a:solidFill>
+              <a:sym typeface="+mn-ea"/>
+            </a:endParaRPr>
+          </a:p>
+          <a:p>
+            <a:pPr marL="285750" indent="-285750">
+              <a:buFont typeface="Wingdings" panose="05000000000000000000" charset="0"/>
+              <a:buChar char="l"/>
+            </a:pPr>
+            <a:r>
+              <a:rPr lang="zh-CN" altLang="en-US">
+                <a:ln/>
+                <a:solidFill>
+                  <a:schemeClr val="accent1"/>
+                </a:solidFill>
+                <a:effectLst>
+                  <a:outerShdw blurRad="38100" dist="25400" dir="5400000" algn="ctr" rotWithShape="0">
+                    <a:srgbClr val="6E747A">
+                      <a:alpha val="43000"/>
+                    </a:srgbClr>
+                  </a:outerShdw>
+                </a:effectLst>
+                <a:sym typeface="+mn-ea"/>
+              </a:rPr>
+              <a:t>public </a:t>
+            </a:r>
+            <a:r>
+              <a:rPr lang="zh-CN" altLang="en-US">
+                <a:solidFill>
+                  <a:schemeClr val="bg1"/>
+                </a:solidFill>
+                <a:sym typeface="+mn-ea"/>
+              </a:rPr>
+              <a:t>修饰的属性或方法是公有的，可以在任何地方被访问到，默认所有的属性和方法都是 </a:t>
+            </a:r>
+            <a:r>
+              <a:rPr lang="zh-CN" altLang="en-US">
+                <a:ln/>
+                <a:solidFill>
+                  <a:schemeClr val="accent1"/>
+                </a:solidFill>
+                <a:effectLst>
+                  <a:outerShdw blurRad="38100" dist="25400" dir="5400000" algn="ctr" rotWithShape="0">
+                    <a:srgbClr val="6E747A">
+                      <a:alpha val="43000"/>
+                    </a:srgbClr>
+                  </a:outerShdw>
+                </a:effectLst>
+                <a:sym typeface="+mn-ea"/>
+              </a:rPr>
+              <a:t>public </a:t>
+            </a:r>
+            <a:r>
+              <a:rPr lang="zh-CN" altLang="en-US">
+                <a:solidFill>
+                  <a:schemeClr val="bg1"/>
+                </a:solidFill>
+                <a:sym typeface="+mn-ea"/>
+              </a:rPr>
+              <a:t>的</a:t>
+            </a:r>
+            <a:endParaRPr lang="zh-CN" altLang="en-US">
+              <a:solidFill>
+                <a:schemeClr val="bg1"/>
+              </a:solidFill>
+              <a:sym typeface="+mn-ea"/>
+            </a:endParaRPr>
+          </a:p>
+          <a:p>
+            <a:pPr marL="285750" indent="-285750">
+              <a:buFont typeface="Wingdings" panose="05000000000000000000" charset="0"/>
+              <a:buChar char="l"/>
+            </a:pPr>
+            <a:r>
+              <a:rPr lang="zh-CN" altLang="en-US">
+                <a:ln/>
+                <a:solidFill>
+                  <a:schemeClr val="accent1"/>
+                </a:solidFill>
+                <a:effectLst>
+                  <a:outerShdw blurRad="38100" dist="25400" dir="5400000" algn="ctr" rotWithShape="0">
+                    <a:srgbClr val="6E747A">
+                      <a:alpha val="43000"/>
+                    </a:srgbClr>
+                  </a:outerShdw>
+                </a:effectLst>
+                <a:sym typeface="+mn-ea"/>
+              </a:rPr>
+              <a:t>private </a:t>
+            </a:r>
+            <a:r>
+              <a:rPr lang="zh-CN" altLang="en-US">
+                <a:solidFill>
+                  <a:schemeClr val="bg1"/>
+                </a:solidFill>
+                <a:sym typeface="+mn-ea"/>
+              </a:rPr>
+              <a:t>修饰的属性或方法是私有的，不能在声明它的类的外部访问</a:t>
+            </a:r>
+            <a:endParaRPr lang="zh-CN" altLang="en-US">
+              <a:solidFill>
+                <a:schemeClr val="bg1"/>
+              </a:solidFill>
+              <a:sym typeface="+mn-ea"/>
+            </a:endParaRPr>
+          </a:p>
+          <a:p>
+            <a:pPr marL="285750" indent="-285750">
+              <a:buFont typeface="Wingdings" panose="05000000000000000000" charset="0"/>
+              <a:buChar char="l"/>
+            </a:pPr>
+            <a:r>
+              <a:rPr lang="zh-CN" altLang="en-US">
+                <a:ln/>
+                <a:solidFill>
+                  <a:schemeClr val="accent1"/>
+                </a:solidFill>
+                <a:effectLst>
+                  <a:outerShdw blurRad="38100" dist="25400" dir="5400000" algn="ctr" rotWithShape="0">
+                    <a:srgbClr val="6E747A">
+                      <a:alpha val="43000"/>
+                    </a:srgbClr>
+                  </a:outerShdw>
+                </a:effectLst>
+                <a:sym typeface="+mn-ea"/>
+              </a:rPr>
+              <a:t>protected </a:t>
+            </a:r>
+            <a:r>
+              <a:rPr lang="zh-CN" altLang="en-US">
+                <a:solidFill>
+                  <a:schemeClr val="bg1"/>
+                </a:solidFill>
+                <a:sym typeface="+mn-ea"/>
+              </a:rPr>
+              <a:t>修饰的属性或方法是受保护的，它和 private 类似，区别是它在子类中也是允许被访问的</a:t>
+            </a:r>
+            <a:endParaRPr lang="zh-CN" altLang="en-US">
+              <a:solidFill>
+                <a:schemeClr val="bg1"/>
+              </a:solidFill>
+              <a:sym typeface="+mn-ea"/>
+            </a:endParaRPr>
+          </a:p>
+          <a:p>
+            <a:pPr marL="285750" indent="-285750">
+              <a:buFont typeface="Wingdings" panose="05000000000000000000" charset="0"/>
+              <a:buChar char="l"/>
+            </a:pPr>
+            <a:endParaRPr lang="zh-CN" altLang="en-US">
+              <a:solidFill>
+                <a:schemeClr val="bg1"/>
+              </a:solidFill>
+              <a:sym typeface="+mn-ea"/>
+            </a:endParaRPr>
+          </a:p>
+          <a:p>
+            <a:pPr indent="0">
+              <a:buFont typeface="Wingdings" panose="05000000000000000000" charset="0"/>
+              <a:buNone/>
+            </a:pPr>
+            <a:r>
+              <a:rPr lang="en-US" altLang="zh-CN">
+                <a:solidFill>
+                  <a:schemeClr val="bg1"/>
+                </a:solidFill>
+                <a:sym typeface="+mn-ea"/>
+              </a:rPr>
+              <a:t>需要注意的是，TypeScript 编译之后的代码中，并没有限制 private 属性在外部的可访问性。</a:t>
+            </a:r>
+            <a:endParaRPr lang="en-US" altLang="zh-CN">
+              <a:solidFill>
+                <a:schemeClr val="bg1"/>
+              </a:solidFill>
+              <a:sym typeface="+mn-ea"/>
+            </a:endParaRPr>
+          </a:p>
+          <a:p>
+            <a:pPr indent="0">
+              <a:buFont typeface="Wingdings" panose="05000000000000000000" charset="0"/>
+              <a:buNone/>
+            </a:pPr>
+            <a:r>
+              <a:rPr lang="en-US" altLang="zh-CN">
+                <a:solidFill>
+                  <a:schemeClr val="bg1"/>
+                </a:solidFill>
+                <a:sym typeface="+mn-ea"/>
+              </a:rPr>
+              <a:t>上面的例子编译后的代码是：</a:t>
+            </a:r>
+            <a:endParaRPr lang="en-US" altLang="zh-CN">
+              <a:solidFill>
+                <a:schemeClr val="bg1"/>
+              </a:solidFill>
+              <a:sym typeface="+mn-ea"/>
+            </a:endParaRPr>
+          </a:p>
+          <a:p>
+            <a:pPr indent="0">
+              <a:buFont typeface="Wingdings" panose="05000000000000000000" charset="0"/>
+              <a:buNone/>
+            </a:pPr>
+            <a:endParaRPr lang="en-US" altLang="zh-CN">
+              <a:solidFill>
+                <a:schemeClr val="bg1"/>
+              </a:solidFill>
+              <a:sym typeface="+mn-ea"/>
+            </a:endParaRPr>
+          </a:p>
+          <a:p>
+            <a:pPr indent="0">
+              <a:buFont typeface="Wingdings" panose="05000000000000000000" charset="0"/>
+              <a:buNone/>
+            </a:pPr>
+            <a:endParaRPr lang="en-US" altLang="zh-CN">
+              <a:solidFill>
+                <a:schemeClr val="bg1"/>
+              </a:solidFill>
+              <a:sym typeface="+mn-ea"/>
+            </a:endParaRPr>
+          </a:p>
+          <a:p>
+            <a:pPr indent="0">
+              <a:buFont typeface="Wingdings" panose="05000000000000000000" charset="0"/>
+              <a:buNone/>
+            </a:pPr>
+            <a:endParaRPr lang="en-US" altLang="zh-CN">
+              <a:solidFill>
+                <a:schemeClr val="bg1"/>
+              </a:solidFill>
+              <a:sym typeface="+mn-ea"/>
+            </a:endParaRPr>
+          </a:p>
+          <a:p>
+            <a:pPr indent="0">
+              <a:buFont typeface="Wingdings" panose="05000000000000000000" charset="0"/>
+              <a:buNone/>
+            </a:pPr>
+            <a:endParaRPr lang="en-US" altLang="zh-CN">
+              <a:solidFill>
+                <a:schemeClr val="bg1"/>
+              </a:solidFill>
+              <a:sym typeface="+mn-ea"/>
+            </a:endParaRPr>
+          </a:p>
+          <a:p>
+            <a:pPr indent="0">
+              <a:buFont typeface="Wingdings" panose="05000000000000000000" charset="0"/>
+              <a:buNone/>
+            </a:pPr>
+            <a:endParaRPr lang="en-US" altLang="zh-CN">
+              <a:solidFill>
+                <a:schemeClr val="bg1"/>
+              </a:solidFill>
+              <a:sym typeface="+mn-ea"/>
+            </a:endParaRPr>
+          </a:p>
+          <a:p>
+            <a:pPr indent="0">
+              <a:buFont typeface="Wingdings" panose="05000000000000000000" charset="0"/>
+              <a:buNone/>
+            </a:pPr>
+            <a:r>
+              <a:rPr lang="zh-CN" altLang="en-US">
+                <a:solidFill>
+                  <a:schemeClr val="bg1"/>
+                </a:solidFill>
+                <a:sym typeface="+mn-ea"/>
+              </a:rPr>
+              <a:t>例子：</a:t>
+            </a:r>
+            <a:r>
+              <a:rPr lang="en-US" altLang="zh-CN">
+                <a:solidFill>
+                  <a:schemeClr val="bg1"/>
+                </a:solidFill>
+                <a:sym typeface="+mn-ea"/>
+              </a:rPr>
+              <a:t>demo11.ts</a:t>
+            </a:r>
+            <a:endParaRPr lang="en-US" altLang="zh-CN">
+              <a:solidFill>
+                <a:schemeClr val="bg1"/>
+              </a:solidFill>
+              <a:sym typeface="+mn-ea"/>
+            </a:endParaRPr>
+          </a:p>
+        </p:txBody>
+      </p:sp>
+    </p:spTree>
+  </p:cSld>
+  <p:clrMapOvr>
+    <a:masterClrMapping/>
+  </p:clrMapOvr>
+</p:sld>
+</file>
+
+<file path=ppt/slides/slide36.xml><?xml version="1.0" encoding="utf-8"?>
+<p:sld xmlns:a="http://schemas.openxmlformats.org/drawingml/2006/main" xmlns:r="http://schemas.openxmlformats.org/officeDocument/2006/relationships" xmlns:p="http://schemas.openxmlformats.org/presentationml/2006/main">
+  <p:cSld>
+    <p:spTree>
+      <p:nvGrpSpPr>
+        <p:cNvPr id="1" name=""/>
+        <p:cNvGrpSpPr/>
+        <p:nvPr/>
+      </p:nvGrpSpPr>
+      <p:grpSpPr>
+        <a:xfrm>
+          <a:off x="0" y="0"/>
+          <a:ext cx="0" cy="0"/>
+          <a:chOff x="0" y="0"/>
+          <a:chExt cx="0" cy="0"/>
+        </a:xfrm>
+      </p:grpSpPr>
+      <p:sp>
+        <p:nvSpPr>
+          <p:cNvPr id="13" name="文本框 12"/>
+          <p:cNvSpPr txBox="1"/>
+          <p:nvPr/>
+        </p:nvSpPr>
+        <p:spPr>
+          <a:xfrm>
+            <a:off x="102235" y="371475"/>
+            <a:ext cx="8766810" cy="8709025"/>
+          </a:xfrm>
+          <a:prstGeom prst="rect">
+            <a:avLst/>
+          </a:prstGeom>
+          <a:noFill/>
+        </p:spPr>
+        <p:txBody>
+          <a:bodyPr wrap="square" rtlCol="0">
+            <a:spAutoFit/>
+          </a:bodyPr>
+          <a:p>
+            <a:pPr indent="0">
+              <a:buFont typeface="Wingdings" panose="05000000000000000000" charset="0"/>
+              <a:buNone/>
+            </a:pPr>
+            <a:r>
+              <a:rPr lang="zh-CN" altLang="en-US" sz="2000">
+                <a:solidFill>
+                  <a:schemeClr val="bg1"/>
+                </a:solidFill>
+                <a:sym typeface="+mn-ea"/>
+              </a:rPr>
+              <a:t>抽象类</a:t>
+            </a:r>
+            <a:endParaRPr lang="en-US" altLang="zh-CN" sz="2000">
+              <a:solidFill>
+                <a:schemeClr val="bg1"/>
+              </a:solidFill>
+              <a:sym typeface="+mn-ea"/>
+            </a:endParaRPr>
+          </a:p>
+          <a:p>
+            <a:pPr indent="0">
+              <a:buFont typeface="Wingdings" panose="05000000000000000000" charset="0"/>
+              <a:buNone/>
+            </a:pPr>
+            <a:r>
+              <a:rPr lang="en-US" altLang="zh-CN">
+                <a:ln/>
+                <a:solidFill>
+                  <a:schemeClr val="accent1"/>
+                </a:solidFill>
+                <a:effectLst>
+                  <a:outerShdw blurRad="38100" dist="25400" dir="5400000" algn="ctr" rotWithShape="0">
+                    <a:srgbClr val="6E747A">
+                      <a:alpha val="43000"/>
+                    </a:srgbClr>
+                  </a:outerShdw>
+                </a:effectLst>
+                <a:sym typeface="+mn-ea"/>
+              </a:rPr>
+              <a:t>abstract </a:t>
+            </a:r>
+            <a:r>
+              <a:rPr lang="zh-CN" altLang="en-US">
+                <a:solidFill>
+                  <a:schemeClr val="bg1"/>
+                </a:solidFill>
+                <a:sym typeface="+mn-ea"/>
+              </a:rPr>
+              <a:t>用于定义抽象类和其中的抽象方法</a:t>
+            </a:r>
+            <a:endParaRPr lang="en-US" altLang="zh-CN">
+              <a:solidFill>
+                <a:schemeClr val="bg1"/>
+              </a:solidFill>
+              <a:sym typeface="+mn-ea"/>
+            </a:endParaRPr>
+          </a:p>
+          <a:p>
+            <a:pPr indent="0">
+              <a:buFont typeface="Wingdings" panose="05000000000000000000" charset="0"/>
+              <a:buNone/>
+            </a:pPr>
+            <a:r>
+              <a:rPr>
+                <a:solidFill>
+                  <a:schemeClr val="bg1"/>
+                </a:solidFill>
+                <a:sym typeface="+mn-ea"/>
+              </a:rPr>
+              <a:t>什么是抽象类？</a:t>
+            </a:r>
+            <a:endParaRPr>
+              <a:solidFill>
+                <a:schemeClr val="bg1"/>
+              </a:solidFill>
+              <a:sym typeface="+mn-ea"/>
+            </a:endParaRPr>
+          </a:p>
+          <a:p>
+            <a:pPr indent="0">
+              <a:buFont typeface="Wingdings" panose="05000000000000000000" charset="0"/>
+              <a:buNone/>
+            </a:pPr>
+            <a:r>
+              <a:rPr lang="zh-CN" altLang="en-US">
+                <a:solidFill>
+                  <a:schemeClr val="bg1"/>
+                </a:solidFill>
+                <a:sym typeface="+mn-ea"/>
+              </a:rPr>
+              <a:t>抽象类是不允许被实例化的，抽象类中的抽象方法必须被子类实现</a:t>
+            </a:r>
+            <a:endParaRPr lang="zh-CN" altLang="en-US">
+              <a:solidFill>
+                <a:schemeClr val="bg1"/>
+              </a:solidFill>
+              <a:sym typeface="+mn-ea"/>
+            </a:endParaRPr>
+          </a:p>
+          <a:p>
+            <a:pPr indent="0">
+              <a:buFont typeface="Wingdings" panose="05000000000000000000" charset="0"/>
+              <a:buNone/>
+            </a:pPr>
+            <a:endParaRPr lang="zh-CN" altLang="en-US">
+              <a:solidFill>
+                <a:schemeClr val="bg1"/>
+              </a:solidFill>
+              <a:sym typeface="+mn-ea"/>
+            </a:endParaRPr>
+          </a:p>
+          <a:p>
+            <a:pPr indent="0">
+              <a:buFont typeface="Wingdings" panose="05000000000000000000" charset="0"/>
+              <a:buNone/>
+            </a:pPr>
+            <a:endParaRPr lang="zh-CN" altLang="en-US">
+              <a:solidFill>
+                <a:schemeClr val="bg1"/>
+              </a:solidFill>
+              <a:sym typeface="+mn-ea"/>
+            </a:endParaRPr>
+          </a:p>
+          <a:p>
+            <a:pPr indent="0">
+              <a:buFont typeface="Wingdings" panose="05000000000000000000" charset="0"/>
+              <a:buNone/>
+            </a:pPr>
+            <a:endParaRPr lang="zh-CN" altLang="en-US">
+              <a:solidFill>
+                <a:schemeClr val="bg1"/>
+              </a:solidFill>
+              <a:sym typeface="+mn-ea"/>
+            </a:endParaRPr>
+          </a:p>
+          <a:p>
+            <a:pPr indent="0">
+              <a:buFont typeface="Wingdings" panose="05000000000000000000" charset="0"/>
+              <a:buNone/>
+            </a:pPr>
+            <a:endParaRPr lang="zh-CN" altLang="en-US">
+              <a:solidFill>
+                <a:schemeClr val="bg1"/>
+              </a:solidFill>
+              <a:sym typeface="+mn-ea"/>
+            </a:endParaRPr>
+          </a:p>
+          <a:p>
+            <a:pPr indent="0">
+              <a:buFont typeface="Wingdings" panose="05000000000000000000" charset="0"/>
+              <a:buNone/>
+            </a:pPr>
+            <a:endParaRPr lang="zh-CN" altLang="en-US">
+              <a:solidFill>
+                <a:schemeClr val="bg1"/>
+              </a:solidFill>
+              <a:sym typeface="+mn-ea"/>
+            </a:endParaRPr>
+          </a:p>
+          <a:p>
+            <a:pPr indent="0">
+              <a:buFont typeface="Wingdings" panose="05000000000000000000" charset="0"/>
+              <a:buNone/>
+            </a:pPr>
+            <a:endParaRPr lang="zh-CN" altLang="en-US">
+              <a:solidFill>
+                <a:schemeClr val="bg1"/>
+              </a:solidFill>
+              <a:sym typeface="+mn-ea"/>
+            </a:endParaRPr>
+          </a:p>
+          <a:p>
+            <a:pPr indent="0">
+              <a:buFont typeface="Wingdings" panose="05000000000000000000" charset="0"/>
+              <a:buNone/>
+            </a:pPr>
+            <a:endParaRPr lang="zh-CN" altLang="en-US">
+              <a:solidFill>
+                <a:schemeClr val="bg1"/>
+              </a:solidFill>
+              <a:sym typeface="+mn-ea"/>
+            </a:endParaRPr>
+          </a:p>
+          <a:p>
+            <a:pPr indent="0">
+              <a:buFont typeface="Wingdings" panose="05000000000000000000" charset="0"/>
+              <a:buNone/>
+            </a:pPr>
+            <a:endParaRPr lang="zh-CN" altLang="en-US">
+              <a:solidFill>
+                <a:schemeClr val="bg1"/>
+              </a:solidFill>
+              <a:sym typeface="+mn-ea"/>
+            </a:endParaRPr>
+          </a:p>
+          <a:p>
+            <a:pPr indent="0">
+              <a:buFont typeface="Wingdings" panose="05000000000000000000" charset="0"/>
+              <a:buNone/>
+            </a:pPr>
+            <a:endParaRPr lang="zh-CN" altLang="en-US">
+              <a:solidFill>
+                <a:schemeClr val="bg1"/>
+              </a:solidFill>
+              <a:sym typeface="+mn-ea"/>
+            </a:endParaRPr>
+          </a:p>
+          <a:p>
+            <a:pPr indent="0">
+              <a:buFont typeface="Wingdings" panose="05000000000000000000" charset="0"/>
+              <a:buNone/>
+            </a:pPr>
+            <a:endParaRPr lang="zh-CN" altLang="en-US">
+              <a:solidFill>
+                <a:schemeClr val="bg1"/>
+              </a:solidFill>
+              <a:sym typeface="+mn-ea"/>
+            </a:endParaRPr>
+          </a:p>
+          <a:p>
+            <a:pPr indent="0">
+              <a:buFont typeface="Wingdings" panose="05000000000000000000" charset="0"/>
+              <a:buNone/>
+            </a:pPr>
+            <a:endParaRPr lang="zh-CN" altLang="en-US">
+              <a:solidFill>
+                <a:schemeClr val="bg1"/>
+              </a:solidFill>
+              <a:sym typeface="+mn-ea"/>
+            </a:endParaRPr>
+          </a:p>
+          <a:p>
+            <a:pPr indent="0">
+              <a:buFont typeface="Wingdings" panose="05000000000000000000" charset="0"/>
+              <a:buNone/>
+            </a:pPr>
+            <a:endParaRPr lang="zh-CN" altLang="en-US">
+              <a:solidFill>
+                <a:schemeClr val="bg1"/>
+              </a:solidFill>
+              <a:sym typeface="+mn-ea"/>
+            </a:endParaRPr>
+          </a:p>
+          <a:p>
+            <a:pPr indent="0">
+              <a:buFont typeface="Wingdings" panose="05000000000000000000" charset="0"/>
+              <a:buNone/>
+            </a:pPr>
+            <a:endParaRPr lang="zh-CN" altLang="en-US">
+              <a:solidFill>
+                <a:schemeClr val="bg1"/>
+              </a:solidFill>
+              <a:sym typeface="+mn-ea"/>
+            </a:endParaRPr>
+          </a:p>
+          <a:p>
+            <a:pPr indent="0">
+              <a:buFont typeface="Wingdings" panose="05000000000000000000" charset="0"/>
+              <a:buNone/>
+            </a:pPr>
+            <a:endParaRPr lang="zh-CN" altLang="en-US">
+              <a:solidFill>
+                <a:schemeClr val="bg1"/>
+              </a:solidFill>
+              <a:sym typeface="+mn-ea"/>
+            </a:endParaRPr>
+          </a:p>
+          <a:p>
+            <a:pPr indent="0">
+              <a:buFont typeface="Wingdings" panose="05000000000000000000" charset="0"/>
+              <a:buNone/>
+            </a:pPr>
+            <a:endParaRPr lang="zh-CN" altLang="en-US">
+              <a:solidFill>
+                <a:schemeClr val="bg1"/>
+              </a:solidFill>
+              <a:sym typeface="+mn-ea"/>
+            </a:endParaRPr>
+          </a:p>
+          <a:p>
+            <a:pPr indent="0">
+              <a:buFont typeface="Wingdings" panose="05000000000000000000" charset="0"/>
+              <a:buNone/>
+            </a:pPr>
+            <a:endParaRPr lang="zh-CN" altLang="en-US">
+              <a:solidFill>
+                <a:schemeClr val="bg1"/>
+              </a:solidFill>
+              <a:sym typeface="+mn-ea"/>
+            </a:endParaRPr>
+          </a:p>
+          <a:p>
+            <a:pPr indent="0">
+              <a:buFont typeface="Wingdings" panose="05000000000000000000" charset="0"/>
+              <a:buNone/>
+            </a:pPr>
+            <a:endParaRPr lang="zh-CN" altLang="en-US">
+              <a:solidFill>
+                <a:schemeClr val="bg1"/>
+              </a:solidFill>
+              <a:sym typeface="+mn-ea"/>
+            </a:endParaRPr>
+          </a:p>
+          <a:p>
+            <a:pPr indent="0">
+              <a:buFont typeface="Wingdings" panose="05000000000000000000" charset="0"/>
+              <a:buNone/>
+            </a:pPr>
+            <a:endParaRPr lang="zh-CN" altLang="en-US">
+              <a:solidFill>
+                <a:schemeClr val="bg1"/>
+              </a:solidFill>
+              <a:sym typeface="+mn-ea"/>
+            </a:endParaRPr>
+          </a:p>
+          <a:p>
+            <a:pPr indent="0">
+              <a:buFont typeface="Wingdings" panose="05000000000000000000" charset="0"/>
+              <a:buNone/>
+            </a:pPr>
+            <a:r>
+              <a:rPr lang="zh-CN" altLang="en-US">
+                <a:solidFill>
+                  <a:schemeClr val="bg1"/>
+                </a:solidFill>
+                <a:sym typeface="+mn-ea"/>
+              </a:rPr>
+              <a:t>错误示例：</a:t>
+            </a:r>
+            <a:r>
+              <a:rPr lang="en-US" altLang="zh-CN">
+                <a:solidFill>
+                  <a:schemeClr val="bg1"/>
+                </a:solidFill>
+                <a:sym typeface="+mn-ea"/>
+              </a:rPr>
+              <a:t>demo12.ts</a:t>
+            </a:r>
+            <a:endParaRPr lang="zh-CN" altLang="en-US">
+              <a:solidFill>
+                <a:schemeClr val="bg1"/>
+              </a:solidFill>
+              <a:sym typeface="+mn-ea"/>
+            </a:endParaRPr>
+          </a:p>
+          <a:p>
+            <a:pPr marL="285750" indent="-285750">
+              <a:buFont typeface="Wingdings" panose="05000000000000000000" charset="0"/>
+              <a:buChar char="l"/>
+            </a:pPr>
+            <a:endParaRPr lang="zh-CN" altLang="en-US">
+              <a:solidFill>
+                <a:schemeClr val="bg1"/>
+              </a:solidFill>
+              <a:sym typeface="+mn-ea"/>
+            </a:endParaRPr>
+          </a:p>
+          <a:p>
+            <a:pPr indent="0">
+              <a:buFont typeface="Wingdings" panose="05000000000000000000" charset="0"/>
+              <a:buNone/>
+            </a:pPr>
+            <a:endParaRPr lang="en-US" altLang="zh-CN">
+              <a:solidFill>
+                <a:schemeClr val="bg1"/>
+              </a:solidFill>
+              <a:sym typeface="+mn-ea"/>
+            </a:endParaRPr>
+          </a:p>
+          <a:p>
+            <a:pPr indent="0">
+              <a:buFont typeface="Wingdings" panose="05000000000000000000" charset="0"/>
+              <a:buNone/>
+            </a:pPr>
+            <a:endParaRPr lang="en-US" altLang="zh-CN">
+              <a:solidFill>
+                <a:schemeClr val="bg1"/>
+              </a:solidFill>
+              <a:sym typeface="+mn-ea"/>
+            </a:endParaRPr>
+          </a:p>
+          <a:p>
+            <a:pPr indent="0">
+              <a:buFont typeface="Wingdings" panose="05000000000000000000" charset="0"/>
+              <a:buNone/>
+            </a:pPr>
+            <a:endParaRPr lang="en-US" altLang="zh-CN">
+              <a:solidFill>
+                <a:schemeClr val="bg1"/>
+              </a:solidFill>
+              <a:sym typeface="+mn-ea"/>
+            </a:endParaRPr>
+          </a:p>
+          <a:p>
+            <a:pPr indent="0">
+              <a:buFont typeface="Wingdings" panose="05000000000000000000" charset="0"/>
+              <a:buNone/>
+            </a:pPr>
+            <a:endParaRPr lang="en-US" altLang="zh-CN">
+              <a:solidFill>
+                <a:schemeClr val="bg1"/>
+              </a:solidFill>
+              <a:sym typeface="+mn-ea"/>
+            </a:endParaRPr>
+          </a:p>
+          <a:p>
+            <a:pPr indent="0">
+              <a:buFont typeface="Wingdings" panose="05000000000000000000" charset="0"/>
+              <a:buNone/>
+            </a:pPr>
+            <a:endParaRPr lang="en-US" altLang="zh-CN">
+              <a:solidFill>
+                <a:schemeClr val="bg1"/>
+              </a:solidFill>
+              <a:sym typeface="+mn-ea"/>
+            </a:endParaRPr>
+          </a:p>
+          <a:p>
+            <a:pPr indent="0">
+              <a:buFont typeface="Wingdings" panose="05000000000000000000" charset="0"/>
+              <a:buNone/>
+            </a:pPr>
+            <a:endParaRPr lang="en-US" altLang="zh-CN">
+              <a:solidFill>
+                <a:schemeClr val="bg1"/>
+              </a:solidFill>
+              <a:sym typeface="+mn-ea"/>
+            </a:endParaRPr>
+          </a:p>
+          <a:p>
+            <a:pPr indent="0">
+              <a:buFont typeface="Wingdings" panose="05000000000000000000" charset="0"/>
+              <a:buNone/>
+            </a:pPr>
+            <a:endParaRPr lang="en-US" altLang="zh-CN">
+              <a:solidFill>
+                <a:schemeClr val="bg1"/>
+              </a:solidFill>
+              <a:sym typeface="+mn-ea"/>
+            </a:endParaRPr>
+          </a:p>
+        </p:txBody>
+      </p:sp>
+      <p:pic>
+        <p:nvPicPr>
+          <p:cNvPr id="4" name="图片 3" descr="carbon (8)"/>
+          <p:cNvPicPr>
+            <a:picLocks noChangeAspect="1"/>
+          </p:cNvPicPr>
+          <p:nvPr/>
+        </p:nvPicPr>
+        <p:blipFill>
+          <a:blip r:embed="rId1"/>
+          <a:stretch>
+            <a:fillRect/>
+          </a:stretch>
+        </p:blipFill>
+        <p:spPr>
+          <a:xfrm>
+            <a:off x="227965" y="1612265"/>
+            <a:ext cx="4619625" cy="3343275"/>
+          </a:xfrm>
+          <a:prstGeom prst="rect">
+            <a:avLst/>
+          </a:prstGeom>
+        </p:spPr>
+      </p:pic>
+    </p:spTree>
+  </p:cSld>
+  <p:clrMapOvr>
+    <a:masterClrMapping/>
+  </p:clrMapOvr>
+</p:sld>
+</file>
+
+<file path=ppt/slides/slide37.xml><?xml version="1.0" encoding="utf-8"?>
+<p:sld xmlns:a="http://schemas.openxmlformats.org/drawingml/2006/main" xmlns:r="http://schemas.openxmlformats.org/officeDocument/2006/relationships" xmlns:p="http://schemas.openxmlformats.org/presentationml/2006/main">
+  <p:cSld>
+    <p:spTree>
+      <p:nvGrpSpPr>
+        <p:cNvPr id="1" name=""/>
+        <p:cNvGrpSpPr/>
+        <p:nvPr/>
+      </p:nvGrpSpPr>
+      <p:grpSpPr>
+        <a:xfrm>
+          <a:off x="0" y="0"/>
+          <a:ext cx="0" cy="0"/>
+          <a:chOff x="0" y="0"/>
+          <a:chExt cx="0" cy="0"/>
+        </a:xfrm>
+      </p:grpSpPr>
+      <p:sp>
+        <p:nvSpPr>
+          <p:cNvPr id="13" name="文本框 12"/>
+          <p:cNvSpPr txBox="1"/>
+          <p:nvPr/>
+        </p:nvSpPr>
+        <p:spPr>
+          <a:xfrm>
+            <a:off x="102235" y="371475"/>
+            <a:ext cx="8766810" cy="8155305"/>
+          </a:xfrm>
+          <a:prstGeom prst="rect">
+            <a:avLst/>
+          </a:prstGeom>
+          <a:noFill/>
+        </p:spPr>
+        <p:txBody>
+          <a:bodyPr wrap="square" rtlCol="0">
+            <a:spAutoFit/>
+          </a:bodyPr>
+          <a:p>
+            <a:pPr indent="0">
+              <a:buFont typeface="Wingdings" panose="05000000000000000000" charset="0"/>
+              <a:buNone/>
+            </a:pPr>
+            <a:r>
+              <a:rPr lang="zh-CN" altLang="en-US" sz="2000">
+                <a:solidFill>
+                  <a:schemeClr val="bg1"/>
+                </a:solidFill>
+                <a:sym typeface="+mn-ea"/>
+              </a:rPr>
+              <a:t>类的类型</a:t>
+            </a:r>
+            <a:endParaRPr lang="en-US" altLang="zh-CN" sz="2000">
+              <a:solidFill>
+                <a:schemeClr val="bg1"/>
+              </a:solidFill>
+              <a:sym typeface="+mn-ea"/>
+            </a:endParaRPr>
+          </a:p>
+          <a:p>
+            <a:pPr indent="0">
+              <a:buFont typeface="Wingdings" panose="05000000000000000000" charset="0"/>
+              <a:buNone/>
+            </a:pPr>
+            <a:r>
+              <a:rPr lang="zh-CN" altLang="en-US">
+                <a:solidFill>
+                  <a:schemeClr val="bg1"/>
+                </a:solidFill>
+                <a:sym typeface="+mn-ea"/>
+              </a:rPr>
+              <a:t>给类加上</a:t>
+            </a:r>
+            <a:r>
+              <a:rPr lang="en-US" altLang="zh-CN">
+                <a:solidFill>
+                  <a:schemeClr val="bg1"/>
+                </a:solidFill>
+                <a:sym typeface="+mn-ea"/>
+              </a:rPr>
+              <a:t>TypeScrupt</a:t>
+            </a:r>
+            <a:r>
+              <a:rPr lang="zh-CN" altLang="en-US">
+                <a:solidFill>
+                  <a:schemeClr val="bg1"/>
+                </a:solidFill>
+                <a:sym typeface="+mn-ea"/>
+              </a:rPr>
+              <a:t>的类型很简单，与接口类似：</a:t>
+            </a:r>
+            <a:endParaRPr lang="en-US" altLang="zh-CN">
+              <a:solidFill>
+                <a:schemeClr val="bg1"/>
+              </a:solidFill>
+              <a:sym typeface="+mn-ea"/>
+            </a:endParaRPr>
+          </a:p>
+          <a:p>
+            <a:pPr indent="0">
+              <a:buFont typeface="Wingdings" panose="05000000000000000000" charset="0"/>
+              <a:buNone/>
+            </a:pPr>
+            <a:endParaRPr lang="zh-CN" altLang="en-US">
+              <a:solidFill>
+                <a:schemeClr val="bg1"/>
+              </a:solidFill>
+              <a:sym typeface="+mn-ea"/>
+            </a:endParaRPr>
+          </a:p>
+          <a:p>
+            <a:pPr indent="0">
+              <a:buFont typeface="Wingdings" panose="05000000000000000000" charset="0"/>
+              <a:buNone/>
+            </a:pPr>
+            <a:endParaRPr lang="zh-CN" altLang="en-US">
+              <a:solidFill>
+                <a:schemeClr val="bg1"/>
+              </a:solidFill>
+              <a:sym typeface="+mn-ea"/>
+            </a:endParaRPr>
+          </a:p>
+          <a:p>
+            <a:pPr indent="0">
+              <a:buFont typeface="Wingdings" panose="05000000000000000000" charset="0"/>
+              <a:buNone/>
+            </a:pPr>
+            <a:endParaRPr lang="zh-CN" altLang="en-US">
+              <a:solidFill>
+                <a:schemeClr val="bg1"/>
+              </a:solidFill>
+              <a:sym typeface="+mn-ea"/>
+            </a:endParaRPr>
+          </a:p>
+          <a:p>
+            <a:pPr indent="0">
+              <a:buFont typeface="Wingdings" panose="05000000000000000000" charset="0"/>
+              <a:buNone/>
+            </a:pPr>
+            <a:endParaRPr lang="zh-CN" altLang="en-US">
+              <a:solidFill>
+                <a:schemeClr val="bg1"/>
+              </a:solidFill>
+              <a:sym typeface="+mn-ea"/>
+            </a:endParaRPr>
+          </a:p>
+          <a:p>
+            <a:pPr indent="0">
+              <a:buFont typeface="Wingdings" panose="05000000000000000000" charset="0"/>
+              <a:buNone/>
+            </a:pPr>
+            <a:endParaRPr lang="zh-CN" altLang="en-US">
+              <a:solidFill>
+                <a:schemeClr val="bg1"/>
+              </a:solidFill>
+              <a:sym typeface="+mn-ea"/>
+            </a:endParaRPr>
+          </a:p>
+          <a:p>
+            <a:pPr indent="0">
+              <a:buFont typeface="Wingdings" panose="05000000000000000000" charset="0"/>
+              <a:buNone/>
+            </a:pPr>
+            <a:endParaRPr lang="zh-CN" altLang="en-US">
+              <a:solidFill>
+                <a:schemeClr val="bg1"/>
+              </a:solidFill>
+              <a:sym typeface="+mn-ea"/>
+            </a:endParaRPr>
+          </a:p>
+          <a:p>
+            <a:pPr indent="0">
+              <a:buFont typeface="Wingdings" panose="05000000000000000000" charset="0"/>
+              <a:buNone/>
+            </a:pPr>
+            <a:endParaRPr lang="zh-CN" altLang="en-US">
+              <a:solidFill>
+                <a:schemeClr val="bg1"/>
+              </a:solidFill>
+              <a:sym typeface="+mn-ea"/>
+            </a:endParaRPr>
+          </a:p>
+          <a:p>
+            <a:pPr indent="0">
+              <a:buFont typeface="Wingdings" panose="05000000000000000000" charset="0"/>
+              <a:buNone/>
+            </a:pPr>
+            <a:endParaRPr lang="zh-CN" altLang="en-US">
+              <a:solidFill>
+                <a:schemeClr val="bg1"/>
+              </a:solidFill>
+              <a:sym typeface="+mn-ea"/>
+            </a:endParaRPr>
+          </a:p>
+          <a:p>
+            <a:pPr indent="0">
+              <a:buFont typeface="Wingdings" panose="05000000000000000000" charset="0"/>
+              <a:buNone/>
+            </a:pPr>
+            <a:endParaRPr lang="zh-CN" altLang="en-US">
+              <a:solidFill>
+                <a:schemeClr val="bg1"/>
+              </a:solidFill>
+              <a:sym typeface="+mn-ea"/>
+            </a:endParaRPr>
+          </a:p>
+          <a:p>
+            <a:pPr indent="0">
+              <a:buFont typeface="Wingdings" panose="05000000000000000000" charset="0"/>
+              <a:buNone/>
+            </a:pPr>
+            <a:endParaRPr lang="zh-CN" altLang="en-US">
+              <a:solidFill>
+                <a:schemeClr val="bg1"/>
+              </a:solidFill>
+              <a:sym typeface="+mn-ea"/>
+            </a:endParaRPr>
+          </a:p>
+          <a:p>
+            <a:pPr indent="0">
+              <a:buFont typeface="Wingdings" panose="05000000000000000000" charset="0"/>
+              <a:buNone/>
+            </a:pPr>
+            <a:endParaRPr lang="zh-CN" altLang="en-US">
+              <a:solidFill>
+                <a:schemeClr val="bg1"/>
+              </a:solidFill>
+              <a:sym typeface="+mn-ea"/>
+            </a:endParaRPr>
+          </a:p>
+          <a:p>
+            <a:pPr indent="0">
+              <a:buFont typeface="Wingdings" panose="05000000000000000000" charset="0"/>
+              <a:buNone/>
+            </a:pPr>
+            <a:endParaRPr lang="zh-CN" altLang="en-US">
+              <a:solidFill>
+                <a:schemeClr val="bg1"/>
+              </a:solidFill>
+              <a:sym typeface="+mn-ea"/>
+            </a:endParaRPr>
+          </a:p>
+          <a:p>
+            <a:pPr indent="0">
+              <a:buFont typeface="Wingdings" panose="05000000000000000000" charset="0"/>
+              <a:buNone/>
+            </a:pPr>
+            <a:endParaRPr lang="zh-CN" altLang="en-US">
+              <a:solidFill>
+                <a:schemeClr val="bg1"/>
+              </a:solidFill>
+              <a:sym typeface="+mn-ea"/>
+            </a:endParaRPr>
+          </a:p>
+          <a:p>
+            <a:pPr indent="0">
+              <a:buFont typeface="Wingdings" panose="05000000000000000000" charset="0"/>
+              <a:buNone/>
+            </a:pPr>
+            <a:endParaRPr lang="zh-CN" altLang="en-US">
+              <a:solidFill>
+                <a:schemeClr val="bg1"/>
+              </a:solidFill>
+              <a:sym typeface="+mn-ea"/>
+            </a:endParaRPr>
+          </a:p>
+          <a:p>
+            <a:pPr indent="0">
+              <a:buFont typeface="Wingdings" panose="05000000000000000000" charset="0"/>
+              <a:buNone/>
+            </a:pPr>
+            <a:endParaRPr lang="zh-CN" altLang="en-US">
+              <a:solidFill>
+                <a:schemeClr val="bg1"/>
+              </a:solidFill>
+              <a:sym typeface="+mn-ea"/>
+            </a:endParaRPr>
+          </a:p>
+          <a:p>
+            <a:pPr indent="0">
+              <a:buFont typeface="Wingdings" panose="05000000000000000000" charset="0"/>
+              <a:buNone/>
+            </a:pPr>
+            <a:endParaRPr lang="zh-CN" altLang="en-US">
+              <a:solidFill>
+                <a:schemeClr val="bg1"/>
+              </a:solidFill>
+              <a:sym typeface="+mn-ea"/>
+            </a:endParaRPr>
+          </a:p>
+          <a:p>
+            <a:pPr indent="0">
+              <a:buFont typeface="Wingdings" panose="05000000000000000000" charset="0"/>
+              <a:buNone/>
+            </a:pPr>
+            <a:endParaRPr lang="zh-CN" altLang="en-US">
+              <a:solidFill>
+                <a:schemeClr val="bg1"/>
+              </a:solidFill>
+              <a:sym typeface="+mn-ea"/>
+            </a:endParaRPr>
+          </a:p>
+          <a:p>
+            <a:pPr indent="0">
+              <a:buFont typeface="Wingdings" panose="05000000000000000000" charset="0"/>
+              <a:buNone/>
+            </a:pPr>
+            <a:endParaRPr lang="zh-CN" altLang="en-US">
+              <a:solidFill>
+                <a:schemeClr val="bg1"/>
+              </a:solidFill>
+              <a:sym typeface="+mn-ea"/>
+            </a:endParaRPr>
+          </a:p>
+          <a:p>
+            <a:pPr indent="0">
+              <a:buFont typeface="Wingdings" panose="05000000000000000000" charset="0"/>
+              <a:buNone/>
+            </a:pPr>
+            <a:endParaRPr lang="zh-CN" altLang="en-US">
+              <a:solidFill>
+                <a:schemeClr val="bg1"/>
+              </a:solidFill>
+              <a:sym typeface="+mn-ea"/>
+            </a:endParaRPr>
+          </a:p>
+          <a:p>
+            <a:pPr marL="285750" indent="-285750">
+              <a:buFont typeface="Wingdings" panose="05000000000000000000" charset="0"/>
+              <a:buChar char="l"/>
+            </a:pPr>
+            <a:endParaRPr lang="zh-CN" altLang="en-US">
+              <a:solidFill>
+                <a:schemeClr val="bg1"/>
+              </a:solidFill>
+              <a:sym typeface="+mn-ea"/>
+            </a:endParaRPr>
+          </a:p>
+          <a:p>
+            <a:pPr indent="0">
+              <a:buFont typeface="Wingdings" panose="05000000000000000000" charset="0"/>
+              <a:buNone/>
+            </a:pPr>
+            <a:endParaRPr lang="en-US" altLang="zh-CN">
+              <a:solidFill>
+                <a:schemeClr val="bg1"/>
+              </a:solidFill>
+              <a:sym typeface="+mn-ea"/>
+            </a:endParaRPr>
+          </a:p>
+          <a:p>
+            <a:pPr indent="0">
+              <a:buFont typeface="Wingdings" panose="05000000000000000000" charset="0"/>
+              <a:buNone/>
+            </a:pPr>
+            <a:endParaRPr lang="en-US" altLang="zh-CN">
+              <a:solidFill>
+                <a:schemeClr val="bg1"/>
+              </a:solidFill>
+              <a:sym typeface="+mn-ea"/>
+            </a:endParaRPr>
+          </a:p>
+          <a:p>
+            <a:pPr indent="0">
+              <a:buFont typeface="Wingdings" panose="05000000000000000000" charset="0"/>
+              <a:buNone/>
+            </a:pPr>
+            <a:endParaRPr lang="en-US" altLang="zh-CN">
+              <a:solidFill>
+                <a:schemeClr val="bg1"/>
+              </a:solidFill>
+              <a:sym typeface="+mn-ea"/>
+            </a:endParaRPr>
+          </a:p>
+          <a:p>
+            <a:pPr indent="0">
+              <a:buFont typeface="Wingdings" panose="05000000000000000000" charset="0"/>
+              <a:buNone/>
+            </a:pPr>
+            <a:endParaRPr lang="en-US" altLang="zh-CN">
+              <a:solidFill>
+                <a:schemeClr val="bg1"/>
+              </a:solidFill>
+              <a:sym typeface="+mn-ea"/>
+            </a:endParaRPr>
+          </a:p>
+          <a:p>
+            <a:pPr indent="0">
+              <a:buFont typeface="Wingdings" panose="05000000000000000000" charset="0"/>
+              <a:buNone/>
+            </a:pPr>
+            <a:endParaRPr lang="en-US" altLang="zh-CN">
+              <a:solidFill>
+                <a:schemeClr val="bg1"/>
+              </a:solidFill>
+              <a:sym typeface="+mn-ea"/>
+            </a:endParaRPr>
+          </a:p>
+          <a:p>
+            <a:pPr indent="0">
+              <a:buFont typeface="Wingdings" panose="05000000000000000000" charset="0"/>
+              <a:buNone/>
+            </a:pPr>
+            <a:endParaRPr lang="en-US" altLang="zh-CN">
+              <a:solidFill>
+                <a:schemeClr val="bg1"/>
+              </a:solidFill>
+              <a:sym typeface="+mn-ea"/>
+            </a:endParaRPr>
+          </a:p>
+          <a:p>
+            <a:pPr indent="0">
+              <a:buFont typeface="Wingdings" panose="05000000000000000000" charset="0"/>
+              <a:buNone/>
+            </a:pPr>
+            <a:endParaRPr lang="en-US" altLang="zh-CN">
+              <a:solidFill>
+                <a:schemeClr val="bg1"/>
+              </a:solidFill>
+              <a:sym typeface="+mn-ea"/>
+            </a:endParaRPr>
+          </a:p>
+        </p:txBody>
+      </p:sp>
+      <p:pic>
+        <p:nvPicPr>
+          <p:cNvPr id="2" name="图片 1" descr="carbon (7)"/>
+          <p:cNvPicPr>
+            <a:picLocks noChangeAspect="1"/>
+          </p:cNvPicPr>
+          <p:nvPr/>
+        </p:nvPicPr>
+        <p:blipFill>
+          <a:blip r:embed="rId1"/>
+          <a:stretch>
+            <a:fillRect/>
+          </a:stretch>
+        </p:blipFill>
+        <p:spPr>
+          <a:xfrm>
+            <a:off x="231775" y="1176655"/>
+            <a:ext cx="3743325" cy="2819400"/>
+          </a:xfrm>
+          <a:prstGeom prst="rect">
+            <a:avLst/>
+          </a:prstGeom>
+        </p:spPr>
+      </p:pic>
+    </p:spTree>
+  </p:cSld>
+  <p:clrMapOvr>
+    <a:masterClrMapping/>
+  </p:clrMapOvr>
+</p:sld>
+</file>
+
+<file path=ppt/slides/slide38.xml><?xml version="1.0" encoding="utf-8"?>
+<p:sld xmlns:a="http://schemas.openxmlformats.org/drawingml/2006/main" xmlns:r="http://schemas.openxmlformats.org/officeDocument/2006/relationships" xmlns:p="http://schemas.openxmlformats.org/presentationml/2006/main">
+  <p:cSld>
+    <p:spTree>
+      <p:nvGrpSpPr>
+        <p:cNvPr id="1" name=""/>
+        <p:cNvGrpSpPr/>
+        <p:nvPr/>
+      </p:nvGrpSpPr>
+      <p:grpSpPr>
+        <a:xfrm>
+          <a:off x="0" y="0"/>
+          <a:ext cx="0" cy="0"/>
+          <a:chOff x="0" y="0"/>
+          <a:chExt cx="0" cy="0"/>
+        </a:xfrm>
+      </p:grpSpPr>
+      <p:sp>
+        <p:nvSpPr>
+          <p:cNvPr id="2" name="object 2"/>
+          <p:cNvSpPr txBox="1"/>
+          <p:nvPr/>
+        </p:nvSpPr>
+        <p:spPr>
+          <a:xfrm>
+            <a:off x="1389380" y="506095"/>
+            <a:ext cx="6365240" cy="811530"/>
+          </a:xfrm>
+          <a:prstGeom prst="rect">
+            <a:avLst/>
+          </a:prstGeom>
+        </p:spPr>
+        <p:txBody>
+          <a:bodyPr vert="horz" wrap="square" lIns="0" tIns="12700" rIns="0" bIns="0" rtlCol="0">
+            <a:spAutoFit/>
+          </a:bodyPr>
+          <a:lstStyle/>
+          <a:p>
+            <a:pPr marL="1905" algn="ctr">
+              <a:lnSpc>
+                <a:spcPts val="6230"/>
+              </a:lnSpc>
+              <a:spcBef>
+                <a:spcPts val="100"/>
+              </a:spcBef>
+            </a:pPr>
+            <a:r>
+              <a:rPr lang="zh-CN" altLang="zh-CN" sz="5200" spc="-5" dirty="0">
+                <a:solidFill>
+                  <a:srgbClr val="FFFFFF"/>
+                </a:solidFill>
+                <a:latin typeface="宋体" panose="02010600030101010101" pitchFamily="2" charset="-122"/>
+                <a:cs typeface="宋体" panose="02010600030101010101" pitchFamily="2" charset="-122"/>
+              </a:rPr>
+              <a:t>最后</a:t>
+            </a:r>
+            <a:endParaRPr sz="5200" spc="-10" dirty="0">
+              <a:solidFill>
+                <a:srgbClr val="FFFFFF"/>
+              </a:solidFill>
+              <a:latin typeface="Arial" panose="020B0604020202020204"/>
+              <a:cs typeface="Arial" panose="020B0604020202020204"/>
+            </a:endParaRPr>
+          </a:p>
+        </p:txBody>
+      </p:sp>
+      <p:sp>
+        <p:nvSpPr>
+          <p:cNvPr id="3" name="object 3"/>
+          <p:cNvSpPr txBox="1"/>
+          <p:nvPr/>
+        </p:nvSpPr>
+        <p:spPr>
+          <a:xfrm>
+            <a:off x="367665" y="1483995"/>
+            <a:ext cx="8409305" cy="568325"/>
+          </a:xfrm>
+          <a:prstGeom prst="rect">
+            <a:avLst/>
+          </a:prstGeom>
+        </p:spPr>
+        <p:txBody>
+          <a:bodyPr vert="horz" wrap="square" lIns="0" tIns="199390" rIns="0" bIns="0" rtlCol="0">
+            <a:spAutoFit/>
+          </a:bodyPr>
+          <a:p>
+            <a:pPr marL="424815" indent="-412115">
+              <a:lnSpc>
+                <a:spcPct val="100000"/>
+              </a:lnSpc>
+              <a:spcBef>
+                <a:spcPts val="1570"/>
+              </a:spcBef>
+              <a:buClr>
+                <a:srgbClr val="FFFFFF"/>
+              </a:buClr>
+              <a:buChar char="●"/>
+              <a:tabLst>
+                <a:tab pos="424815" algn="l"/>
+                <a:tab pos="425450" algn="l"/>
+              </a:tabLst>
+            </a:pPr>
+            <a:r>
+              <a:rPr lang="zh-CN" sz="2400" dirty="0">
+                <a:solidFill>
+                  <a:srgbClr val="FFFFFF"/>
+                </a:solidFill>
+                <a:latin typeface="Arial" panose="020B0604020202020204"/>
+                <a:cs typeface="Arial" panose="020B0604020202020204"/>
+                <a:hlinkClick r:id="rId1" action="ppaction://hlinkfile"/>
+              </a:rPr>
+              <a:t>TypeScript 入门教程</a:t>
+            </a:r>
+            <a:endParaRPr lang="zh-CN" sz="2400" dirty="0">
+              <a:solidFill>
+                <a:srgbClr val="FFFFFF"/>
+              </a:solidFill>
+              <a:latin typeface="Arial" panose="020B0604020202020204"/>
+              <a:cs typeface="Arial" panose="020B0604020202020204"/>
+            </a:endParaRPr>
+          </a:p>
+        </p:txBody>
+      </p:sp>
+      <p:sp>
+        <p:nvSpPr>
+          <p:cNvPr id="4" name="object 3"/>
+          <p:cNvSpPr txBox="1"/>
+          <p:nvPr/>
+        </p:nvSpPr>
+        <p:spPr>
+          <a:xfrm>
+            <a:off x="367665" y="2385060"/>
+            <a:ext cx="8409305" cy="568325"/>
+          </a:xfrm>
+          <a:prstGeom prst="rect">
+            <a:avLst/>
+          </a:prstGeom>
+        </p:spPr>
+        <p:txBody>
+          <a:bodyPr vert="horz" wrap="square" lIns="0" tIns="199390" rIns="0" bIns="0" rtlCol="0">
+            <a:spAutoFit/>
+          </a:bodyPr>
+          <a:p>
+            <a:pPr marL="424815" indent="-412115">
+              <a:lnSpc>
+                <a:spcPct val="100000"/>
+              </a:lnSpc>
+              <a:spcBef>
+                <a:spcPts val="1570"/>
+              </a:spcBef>
+              <a:buClr>
+                <a:srgbClr val="FFFFFF"/>
+              </a:buClr>
+              <a:buChar char="●"/>
+              <a:tabLst>
+                <a:tab pos="424815" algn="l"/>
+                <a:tab pos="425450" algn="l"/>
+              </a:tabLst>
+            </a:pPr>
+            <a:r>
+              <a:rPr lang="en-US" altLang="zh-CN" sz="2400" dirty="0">
+                <a:solidFill>
+                  <a:srgbClr val="FFFFFF"/>
+                </a:solidFill>
+                <a:latin typeface="Arial" panose="020B0604020202020204"/>
+                <a:cs typeface="Arial" panose="020B0604020202020204"/>
+                <a:hlinkClick r:id="rId2"/>
+              </a:rPr>
+              <a:t>TypeScript</a:t>
+            </a:r>
+            <a:r>
+              <a:rPr lang="zh-CN" altLang="en-US" sz="2400" dirty="0">
+                <a:solidFill>
+                  <a:srgbClr val="FFFFFF"/>
+                </a:solidFill>
+                <a:latin typeface="Arial" panose="020B0604020202020204"/>
+                <a:cs typeface="Arial" panose="020B0604020202020204"/>
+                <a:hlinkClick r:id="rId2"/>
+              </a:rPr>
+              <a:t>官方教程</a:t>
+            </a:r>
+            <a:endParaRPr lang="en-US" altLang="zh-CN" sz="2400" dirty="0">
+              <a:solidFill>
+                <a:srgbClr val="FFFFFF"/>
+              </a:solidFill>
+              <a:latin typeface="Arial" panose="020B0604020202020204"/>
+              <a:cs typeface="Arial" panose="020B0604020202020204"/>
+            </a:endParaRPr>
+          </a:p>
+        </p:txBody>
+      </p:sp>
+      <p:sp>
+        <p:nvSpPr>
+          <p:cNvPr id="5" name="object 3"/>
+          <p:cNvSpPr txBox="1"/>
+          <p:nvPr/>
+        </p:nvSpPr>
+        <p:spPr>
+          <a:xfrm>
+            <a:off x="367030" y="3235325"/>
+            <a:ext cx="8409305" cy="568325"/>
+          </a:xfrm>
+          <a:prstGeom prst="rect">
+            <a:avLst/>
+          </a:prstGeom>
+        </p:spPr>
+        <p:txBody>
+          <a:bodyPr vert="horz" wrap="square" lIns="0" tIns="199390" rIns="0" bIns="0" rtlCol="0">
+            <a:spAutoFit/>
+          </a:bodyPr>
+          <a:p>
+            <a:pPr marL="424815" indent="-412115">
+              <a:lnSpc>
+                <a:spcPct val="100000"/>
+              </a:lnSpc>
+              <a:spcBef>
+                <a:spcPts val="1570"/>
+              </a:spcBef>
+              <a:buClr>
+                <a:srgbClr val="FFFFFF"/>
+              </a:buClr>
+              <a:buChar char="●"/>
+              <a:tabLst>
+                <a:tab pos="424815" algn="l"/>
+                <a:tab pos="425450" algn="l"/>
+              </a:tabLst>
+            </a:pPr>
+            <a:r>
+              <a:rPr lang="en-US" altLang="zh-CN" sz="2400" dirty="0">
+                <a:solidFill>
+                  <a:srgbClr val="FFFFFF"/>
+                </a:solidFill>
+                <a:latin typeface="Arial" panose="020B0604020202020204"/>
+                <a:cs typeface="Arial" panose="020B0604020202020204"/>
+                <a:hlinkClick r:id="rId3" action="ppaction://hlinkfile"/>
+              </a:rPr>
+              <a:t>TypeScript</a:t>
+            </a:r>
+            <a:r>
+              <a:rPr lang="zh-CN" sz="2400" dirty="0">
+                <a:solidFill>
+                  <a:srgbClr val="FFFFFF"/>
+                </a:solidFill>
+                <a:latin typeface="Arial" panose="020B0604020202020204"/>
+                <a:cs typeface="Arial" panose="020B0604020202020204"/>
+                <a:hlinkClick r:id="rId3" action="ppaction://hlinkfile"/>
+              </a:rPr>
+              <a:t>非官方教程中文版</a:t>
+            </a:r>
+            <a:endParaRPr lang="zh-CN" sz="2400" dirty="0">
+              <a:solidFill>
+                <a:srgbClr val="FFFFFF"/>
+              </a:solidFill>
+              <a:latin typeface="Arial" panose="020B0604020202020204"/>
+              <a:cs typeface="Arial" panose="020B0604020202020204"/>
+              <a:hlinkClick r:id="rId3" action="ppaction://hlinkfile"/>
+            </a:endParaRPr>
+          </a:p>
+        </p:txBody>
+      </p:sp>
+      <p:sp>
+        <p:nvSpPr>
+          <p:cNvPr id="6" name="object 3"/>
+          <p:cNvSpPr txBox="1"/>
+          <p:nvPr/>
+        </p:nvSpPr>
+        <p:spPr>
+          <a:xfrm>
+            <a:off x="367665" y="4072255"/>
+            <a:ext cx="8409305" cy="568325"/>
+          </a:xfrm>
+          <a:prstGeom prst="rect">
+            <a:avLst/>
+          </a:prstGeom>
+        </p:spPr>
+        <p:txBody>
+          <a:bodyPr vert="horz" wrap="square" lIns="0" tIns="199390" rIns="0" bIns="0" rtlCol="0">
+            <a:spAutoFit/>
+          </a:bodyPr>
+          <a:p>
+            <a:pPr marL="424815" indent="-412115">
+              <a:lnSpc>
+                <a:spcPct val="100000"/>
+              </a:lnSpc>
+              <a:spcBef>
+                <a:spcPts val="1570"/>
+              </a:spcBef>
+              <a:buClr>
+                <a:srgbClr val="FFFFFF"/>
+              </a:buClr>
+              <a:buChar char="●"/>
+              <a:tabLst>
+                <a:tab pos="424815" algn="l"/>
+                <a:tab pos="425450" algn="l"/>
+              </a:tabLst>
+            </a:pPr>
+            <a:r>
+              <a:rPr lang="en-US" sz="2400" dirty="0">
+                <a:solidFill>
+                  <a:srgbClr val="FFFFFF"/>
+                </a:solidFill>
+                <a:latin typeface="Arial" panose="020B0604020202020204"/>
+                <a:cs typeface="Arial" panose="020B0604020202020204"/>
+                <a:hlinkClick r:id="rId4"/>
+              </a:rPr>
+              <a:t>ES6</a:t>
+            </a:r>
+            <a:r>
+              <a:rPr lang="zh-CN" altLang="en-US" sz="2400" dirty="0">
+                <a:solidFill>
+                  <a:srgbClr val="FFFFFF"/>
+                </a:solidFill>
+                <a:latin typeface="Arial" panose="020B0604020202020204"/>
+                <a:cs typeface="Arial" panose="020B0604020202020204"/>
+                <a:hlinkClick r:id="rId4"/>
+              </a:rPr>
+              <a:t>入门</a:t>
+            </a:r>
+            <a:endParaRPr lang="zh-CN" altLang="en-US" sz="2400" dirty="0">
+              <a:solidFill>
+                <a:srgbClr val="FFFFFF"/>
+              </a:solidFill>
+              <a:latin typeface="Arial" panose="020B0604020202020204"/>
+              <a:cs typeface="Arial" panose="020B0604020202020204"/>
             </a:endParaRPr>
           </a:p>
         </p:txBody>
@@ -10369,12 +14246,13 @@
                 </a:solidFill>
                 <a:sym typeface="+mn-ea"/>
               </a:rPr>
-              <a:t>下文详细介绍</a:t>
+              <a:t>不做介绍</a:t>
             </a:r>
             <a:endParaRPr lang="zh-CN" altLang="en-US">
               <a:solidFill>
                 <a:schemeClr val="bg1"/>
               </a:solidFill>
+              <a:sym typeface="+mn-ea"/>
             </a:endParaRPr>
           </a:p>
           <a:p>

--- a/TS内部分享.pptx
+++ b/TS内部分享.pptx
@@ -45,7 +45,8 @@
     <p:sldId id="690" r:id="rId38"/>
     <p:sldId id="691" r:id="rId39"/>
     <p:sldId id="692" r:id="rId40"/>
-    <p:sldId id="591" r:id="rId41"/>
+    <p:sldId id="696" r:id="rId41"/>
+    <p:sldId id="591" r:id="rId42"/>
   </p:sldIdLst>
   <p:sldSz cx="9144000" cy="6858000"/>
   <p:notesSz cx="9144000" cy="6858000"/>
@@ -1152,6 +1153,50 @@
 </file>
 
 <file path=ppt/notesSlides/notesSlide23.xml><?xml version="1.0" encoding="utf-8"?>
+<p:notes xmlns:a="http://schemas.openxmlformats.org/drawingml/2006/main" xmlns:r="http://schemas.openxmlformats.org/officeDocument/2006/relationships" xmlns:p="http://schemas.openxmlformats.org/presentationml/2006/main">
+  <p:cSld>
+    <p:spTree>
+      <p:nvGrpSpPr>
+        <p:cNvPr id="1" name=""/>
+        <p:cNvGrpSpPr/>
+        <p:nvPr/>
+      </p:nvGrpSpPr>
+      <p:grpSpPr/>
+      <p:sp>
+        <p:nvSpPr>
+          <p:cNvPr id="2" name="幻灯片图像占位符 1"/>
+          <p:cNvSpPr/>
+          <p:nvPr>
+            <p:ph type="sldImg" idx="2"/>
+          </p:nvPr>
+        </p:nvSpPr>
+        <p:spPr/>
+      </p:sp>
+      <p:sp>
+        <p:nvSpPr>
+          <p:cNvPr id="3" name="文本占位符 2"/>
+          <p:cNvSpPr/>
+          <p:nvPr>
+            <p:ph type="body" idx="3"/>
+          </p:nvPr>
+        </p:nvSpPr>
+        <p:spPr/>
+        <p:txBody>
+          <a:bodyPr/>
+          <a:p>
+            <a:endParaRPr lang="zh-CN" altLang="en-US"/>
+          </a:p>
+        </p:txBody>
+      </p:sp>
+    </p:spTree>
+  </p:cSld>
+  <p:clrMapOvr>
+    <a:masterClrMapping/>
+  </p:clrMapOvr>
+</p:notes>
+</file>
+
+<file path=ppt/notesSlides/notesSlide24.xml><?xml version="1.0" encoding="utf-8"?>
 <p:notes xmlns:a="http://schemas.openxmlformats.org/drawingml/2006/main" xmlns:r="http://schemas.openxmlformats.org/officeDocument/2006/relationships" xmlns:p="http://schemas.openxmlformats.org/presentationml/2006/main">
   <p:cSld>
     <p:spTree>
@@ -8837,7 +8882,6 @@
             </a:r>
             <a:r>
               <a:rPr>
-                <a:ln/>
                 <a:solidFill>
                   <a:schemeClr val="accent1"/>
                 </a:solidFill>
@@ -9683,7 +9727,6 @@
             </a:r>
             <a:r>
               <a:rPr lang="en-US" altLang="zh-CN">
-                <a:ln/>
                 <a:solidFill>
                   <a:schemeClr val="accent1"/>
                 </a:solidFill>
@@ -9730,7 +9773,6 @@
             </a:r>
             <a:r>
               <a:rPr lang="en-US" altLang="zh-CN">
-                <a:ln/>
                 <a:solidFill>
                   <a:schemeClr val="accent1"/>
                 </a:solidFill>
@@ -9938,7 +9980,6 @@
             </a:r>
             <a:r>
               <a:rPr lang="en-US" altLang="zh-CN">
-                <a:ln/>
                 <a:solidFill>
                   <a:schemeClr val="accent1"/>
                 </a:solidFill>
@@ -9964,7 +10005,6 @@
             </a:r>
             <a:r>
               <a:rPr lang="en-US" altLang="zh-CN">
-                <a:ln/>
                 <a:solidFill>
                   <a:schemeClr val="accent1"/>
                 </a:solidFill>
@@ -10185,7 +10225,6 @@
             </a:r>
             <a:r>
               <a:rPr lang="en-US" altLang="zh-CN">
-                <a:ln/>
                 <a:solidFill>
                   <a:schemeClr val="accent1"/>
                 </a:solidFill>
@@ -10854,7 +10893,6 @@
             </a:r>
             <a:r>
               <a:rPr lang="en-US" altLang="zh-CN">
-                <a:ln/>
                 <a:solidFill>
                   <a:schemeClr val="accent1"/>
                 </a:solidFill>
@@ -10880,7 +10918,6 @@
             </a:r>
             <a:r>
               <a:rPr lang="en-US" altLang="zh-CN">
-                <a:ln/>
                 <a:solidFill>
                   <a:schemeClr val="accent1"/>
                 </a:solidFill>
@@ -10906,7 +10943,6 @@
             </a:r>
             <a:r>
               <a:rPr lang="en-US" altLang="zh-CN">
-                <a:ln/>
                 <a:solidFill>
                   <a:schemeClr val="accent1"/>
                 </a:solidFill>
@@ -10968,7 +11004,6 @@
             </a:pPr>
             <a:r>
               <a:rPr lang="zh-CN" altLang="en-US">
-                <a:ln/>
                 <a:solidFill>
                   <a:schemeClr val="accent1"/>
                 </a:solidFill>
@@ -10994,7 +11029,6 @@
             </a:r>
             <a:r>
               <a:rPr lang="zh-CN" altLang="en-US">
-                <a:ln/>
                 <a:solidFill>
                   <a:schemeClr val="accent1"/>
                 </a:solidFill>
@@ -11032,7 +11066,6 @@
             </a:pPr>
             <a:r>
               <a:rPr lang="zh-CN" altLang="en-US">
-                <a:ln/>
                 <a:solidFill>
                   <a:schemeClr val="accent1"/>
                 </a:solidFill>
@@ -11070,7 +11103,6 @@
             </a:pPr>
             <a:r>
               <a:rPr lang="zh-CN" altLang="en-US">
-                <a:ln/>
                 <a:solidFill>
                   <a:schemeClr val="accent1"/>
                 </a:solidFill>
@@ -11320,7 +11352,6 @@
             </a:pPr>
             <a:r>
               <a:rPr lang="en-US" altLang="zh-CN">
-                <a:ln/>
                 <a:solidFill>
                   <a:schemeClr val="accent1"/>
                 </a:solidFill>
@@ -12225,6 +12256,425 @@
 </file>
 
 <file path=ppt/slides/slide38.xml><?xml version="1.0" encoding="utf-8"?>
+<p:sld xmlns:a="http://schemas.openxmlformats.org/drawingml/2006/main" xmlns:r="http://schemas.openxmlformats.org/officeDocument/2006/relationships" xmlns:p="http://schemas.openxmlformats.org/presentationml/2006/main">
+  <p:cSld>
+    <p:spTree>
+      <p:nvGrpSpPr>
+        <p:cNvPr id="1" name=""/>
+        <p:cNvGrpSpPr/>
+        <p:nvPr/>
+      </p:nvGrpSpPr>
+      <p:grpSpPr>
+        <a:xfrm>
+          <a:off x="0" y="0"/>
+          <a:ext cx="0" cy="0"/>
+          <a:chOff x="0" y="0"/>
+          <a:chExt cx="0" cy="0"/>
+        </a:xfrm>
+      </p:grpSpPr>
+      <p:sp>
+        <p:nvSpPr>
+          <p:cNvPr id="13" name="文本框 12"/>
+          <p:cNvSpPr txBox="1"/>
+          <p:nvPr/>
+        </p:nvSpPr>
+        <p:spPr>
+          <a:xfrm>
+            <a:off x="102235" y="371475"/>
+            <a:ext cx="8766810" cy="8401685"/>
+          </a:xfrm>
+          <a:prstGeom prst="rect">
+            <a:avLst/>
+          </a:prstGeom>
+          <a:noFill/>
+        </p:spPr>
+        <p:txBody>
+          <a:bodyPr wrap="square" rtlCol="0">
+            <a:spAutoFit/>
+          </a:bodyPr>
+          <a:p>
+            <a:pPr indent="0">
+              <a:buFont typeface="Wingdings" panose="05000000000000000000" charset="0"/>
+              <a:buNone/>
+            </a:pPr>
+            <a:r>
+              <a:rPr lang="zh-CN" altLang="en-US">
+                <a:solidFill>
+                  <a:schemeClr val="bg1"/>
+                </a:solidFill>
+                <a:sym typeface="+mn-ea"/>
+              </a:rPr>
+              <a:t>命名空间</a:t>
+            </a:r>
+            <a:endParaRPr lang="en-US" altLang="zh-CN">
+              <a:solidFill>
+                <a:schemeClr val="bg1"/>
+              </a:solidFill>
+              <a:sym typeface="+mn-ea"/>
+            </a:endParaRPr>
+          </a:p>
+          <a:p>
+            <a:pPr indent="0">
+              <a:buFont typeface="Wingdings" panose="05000000000000000000" charset="0"/>
+              <a:buNone/>
+            </a:pPr>
+            <a:endParaRPr lang="zh-CN" altLang="en-US">
+              <a:solidFill>
+                <a:schemeClr val="bg1"/>
+              </a:solidFill>
+              <a:sym typeface="+mn-ea"/>
+            </a:endParaRPr>
+          </a:p>
+          <a:p>
+            <a:pPr indent="0">
+              <a:buFont typeface="Wingdings" panose="05000000000000000000" charset="0"/>
+              <a:buNone/>
+            </a:pPr>
+            <a:r>
+              <a:rPr lang="zh-CN" altLang="en-US">
+                <a:solidFill>
+                  <a:schemeClr val="bg1"/>
+                </a:solidFill>
+                <a:sym typeface="+mn-ea"/>
+              </a:rPr>
+              <a:t>在制作大型应用的时候，为了让程序更加有层次感和变量之间不互相干扰，我们可以使用命名空间来构建程序。</a:t>
+            </a:r>
+            <a:endParaRPr lang="zh-CN" altLang="en-US">
+              <a:solidFill>
+                <a:schemeClr val="bg1"/>
+              </a:solidFill>
+              <a:sym typeface="+mn-ea"/>
+            </a:endParaRPr>
+          </a:p>
+          <a:p>
+            <a:pPr indent="0">
+              <a:buFont typeface="Wingdings" panose="05000000000000000000" charset="0"/>
+              <a:buNone/>
+            </a:pPr>
+            <a:endParaRPr lang="zh-CN" altLang="en-US">
+              <a:solidFill>
+                <a:schemeClr val="bg1"/>
+              </a:solidFill>
+              <a:sym typeface="+mn-ea"/>
+            </a:endParaRPr>
+          </a:p>
+          <a:p>
+            <a:pPr indent="0">
+              <a:buFont typeface="Wingdings" panose="05000000000000000000" charset="0"/>
+              <a:buNone/>
+            </a:pPr>
+            <a:r>
+              <a:rPr lang="zh-CN" altLang="en-US">
+                <a:solidFill>
+                  <a:schemeClr val="bg1"/>
+                </a:solidFill>
+                <a:sym typeface="+mn-ea"/>
+              </a:rPr>
+              <a:t>命名空间，又称内部模块，被用于组织有些具有内在联系的特性和对象。我们来看一个例子：</a:t>
+            </a:r>
+            <a:r>
+              <a:rPr lang="en-US" altLang="zh-CN">
+                <a:solidFill>
+                  <a:schemeClr val="bg1"/>
+                </a:solidFill>
+                <a:sym typeface="+mn-ea"/>
+              </a:rPr>
+              <a:t>demo13.ts</a:t>
+            </a:r>
+            <a:endParaRPr lang="zh-CN" altLang="en-US">
+              <a:solidFill>
+                <a:schemeClr val="bg1"/>
+              </a:solidFill>
+              <a:sym typeface="+mn-ea"/>
+            </a:endParaRPr>
+          </a:p>
+          <a:p>
+            <a:pPr indent="0">
+              <a:buFont typeface="Wingdings" panose="05000000000000000000" charset="0"/>
+              <a:buNone/>
+            </a:pPr>
+            <a:endParaRPr lang="zh-CN" altLang="en-US">
+              <a:solidFill>
+                <a:schemeClr val="bg1"/>
+              </a:solidFill>
+              <a:sym typeface="+mn-ea"/>
+            </a:endParaRPr>
+          </a:p>
+          <a:p>
+            <a:pPr indent="0">
+              <a:buFont typeface="Wingdings" panose="05000000000000000000" charset="0"/>
+              <a:buNone/>
+            </a:pPr>
+            <a:endParaRPr lang="zh-CN" altLang="en-US">
+              <a:solidFill>
+                <a:schemeClr val="bg1"/>
+              </a:solidFill>
+              <a:sym typeface="+mn-ea"/>
+            </a:endParaRPr>
+          </a:p>
+          <a:p>
+            <a:pPr indent="0">
+              <a:buFont typeface="Wingdings" panose="05000000000000000000" charset="0"/>
+              <a:buNone/>
+            </a:pPr>
+            <a:endParaRPr lang="zh-CN" altLang="en-US">
+              <a:solidFill>
+                <a:schemeClr val="bg1"/>
+              </a:solidFill>
+              <a:sym typeface="+mn-ea"/>
+            </a:endParaRPr>
+          </a:p>
+          <a:p>
+            <a:pPr indent="0">
+              <a:buFont typeface="Wingdings" panose="05000000000000000000" charset="0"/>
+              <a:buNone/>
+            </a:pPr>
+            <a:endParaRPr lang="zh-CN" altLang="en-US">
+              <a:solidFill>
+                <a:schemeClr val="bg1"/>
+              </a:solidFill>
+              <a:sym typeface="+mn-ea"/>
+            </a:endParaRPr>
+          </a:p>
+          <a:p>
+            <a:pPr indent="0">
+              <a:buFont typeface="Wingdings" panose="05000000000000000000" charset="0"/>
+              <a:buNone/>
+            </a:pPr>
+            <a:endParaRPr lang="zh-CN" altLang="en-US">
+              <a:solidFill>
+                <a:schemeClr val="bg1"/>
+              </a:solidFill>
+              <a:sym typeface="+mn-ea"/>
+            </a:endParaRPr>
+          </a:p>
+          <a:p>
+            <a:pPr indent="0">
+              <a:buFont typeface="Wingdings" panose="05000000000000000000" charset="0"/>
+              <a:buNone/>
+            </a:pPr>
+            <a:endParaRPr lang="zh-CN" altLang="en-US">
+              <a:solidFill>
+                <a:schemeClr val="bg1"/>
+              </a:solidFill>
+              <a:sym typeface="+mn-ea"/>
+            </a:endParaRPr>
+          </a:p>
+          <a:p>
+            <a:pPr indent="0">
+              <a:buFont typeface="Wingdings" panose="05000000000000000000" charset="0"/>
+              <a:buNone/>
+            </a:pPr>
+            <a:endParaRPr lang="zh-CN" altLang="en-US">
+              <a:solidFill>
+                <a:schemeClr val="bg1"/>
+              </a:solidFill>
+              <a:sym typeface="+mn-ea"/>
+            </a:endParaRPr>
+          </a:p>
+          <a:p>
+            <a:pPr indent="0">
+              <a:buFont typeface="Wingdings" panose="05000000000000000000" charset="0"/>
+              <a:buNone/>
+            </a:pPr>
+            <a:endParaRPr lang="zh-CN" altLang="en-US">
+              <a:solidFill>
+                <a:schemeClr val="bg1"/>
+              </a:solidFill>
+              <a:sym typeface="+mn-ea"/>
+            </a:endParaRPr>
+          </a:p>
+          <a:p>
+            <a:pPr indent="0">
+              <a:buFont typeface="Wingdings" panose="05000000000000000000" charset="0"/>
+              <a:buNone/>
+            </a:pPr>
+            <a:endParaRPr lang="zh-CN" altLang="en-US">
+              <a:solidFill>
+                <a:schemeClr val="bg1"/>
+              </a:solidFill>
+              <a:sym typeface="+mn-ea"/>
+            </a:endParaRPr>
+          </a:p>
+          <a:p>
+            <a:pPr indent="0">
+              <a:buFont typeface="Wingdings" panose="05000000000000000000" charset="0"/>
+              <a:buNone/>
+            </a:pPr>
+            <a:endParaRPr lang="zh-CN" altLang="en-US">
+              <a:solidFill>
+                <a:schemeClr val="bg1"/>
+              </a:solidFill>
+              <a:sym typeface="+mn-ea"/>
+            </a:endParaRPr>
+          </a:p>
+          <a:p>
+            <a:pPr indent="0">
+              <a:buFont typeface="Wingdings" panose="05000000000000000000" charset="0"/>
+              <a:buNone/>
+            </a:pPr>
+            <a:endParaRPr lang="zh-CN" altLang="en-US">
+              <a:solidFill>
+                <a:schemeClr val="bg1"/>
+              </a:solidFill>
+              <a:sym typeface="+mn-ea"/>
+            </a:endParaRPr>
+          </a:p>
+          <a:p>
+            <a:pPr indent="0">
+              <a:buFont typeface="Wingdings" panose="05000000000000000000" charset="0"/>
+              <a:buNone/>
+            </a:pPr>
+            <a:endParaRPr lang="zh-CN" altLang="en-US">
+              <a:solidFill>
+                <a:schemeClr val="bg1"/>
+              </a:solidFill>
+              <a:sym typeface="+mn-ea"/>
+            </a:endParaRPr>
+          </a:p>
+          <a:p>
+            <a:pPr indent="0">
+              <a:buFont typeface="Wingdings" panose="05000000000000000000" charset="0"/>
+              <a:buNone/>
+            </a:pPr>
+            <a:endParaRPr lang="zh-CN" altLang="en-US">
+              <a:solidFill>
+                <a:schemeClr val="bg1"/>
+              </a:solidFill>
+              <a:sym typeface="+mn-ea"/>
+            </a:endParaRPr>
+          </a:p>
+          <a:p>
+            <a:pPr indent="0">
+              <a:buFont typeface="Wingdings" panose="05000000000000000000" charset="0"/>
+              <a:buNone/>
+            </a:pPr>
+            <a:endParaRPr lang="zh-CN" altLang="en-US">
+              <a:solidFill>
+                <a:schemeClr val="bg1"/>
+              </a:solidFill>
+              <a:sym typeface="+mn-ea"/>
+            </a:endParaRPr>
+          </a:p>
+          <a:p>
+            <a:pPr indent="0">
+              <a:buFont typeface="Wingdings" panose="05000000000000000000" charset="0"/>
+              <a:buNone/>
+            </a:pPr>
+            <a:endParaRPr lang="zh-CN" altLang="en-US">
+              <a:solidFill>
+                <a:schemeClr val="bg1"/>
+              </a:solidFill>
+              <a:sym typeface="+mn-ea"/>
+            </a:endParaRPr>
+          </a:p>
+          <a:p>
+            <a:pPr marL="285750" indent="-285750">
+              <a:buFont typeface="Wingdings" panose="05000000000000000000" charset="0"/>
+              <a:buChar char="l"/>
+            </a:pPr>
+            <a:endParaRPr lang="zh-CN" altLang="en-US">
+              <a:solidFill>
+                <a:schemeClr val="bg1"/>
+              </a:solidFill>
+              <a:sym typeface="+mn-ea"/>
+            </a:endParaRPr>
+          </a:p>
+          <a:p>
+            <a:pPr indent="0">
+              <a:buFont typeface="Wingdings" panose="05000000000000000000" charset="0"/>
+              <a:buNone/>
+            </a:pPr>
+            <a:endParaRPr lang="en-US" altLang="zh-CN">
+              <a:solidFill>
+                <a:schemeClr val="bg1"/>
+              </a:solidFill>
+              <a:sym typeface="+mn-ea"/>
+            </a:endParaRPr>
+          </a:p>
+          <a:p>
+            <a:pPr indent="0">
+              <a:buFont typeface="Wingdings" panose="05000000000000000000" charset="0"/>
+              <a:buNone/>
+            </a:pPr>
+            <a:endParaRPr lang="en-US" altLang="zh-CN">
+              <a:solidFill>
+                <a:schemeClr val="bg1"/>
+              </a:solidFill>
+              <a:sym typeface="+mn-ea"/>
+            </a:endParaRPr>
+          </a:p>
+          <a:p>
+            <a:pPr indent="0">
+              <a:buFont typeface="Wingdings" panose="05000000000000000000" charset="0"/>
+              <a:buNone/>
+            </a:pPr>
+            <a:endParaRPr lang="en-US" altLang="zh-CN">
+              <a:solidFill>
+                <a:schemeClr val="bg1"/>
+              </a:solidFill>
+              <a:sym typeface="+mn-ea"/>
+            </a:endParaRPr>
+          </a:p>
+          <a:p>
+            <a:pPr indent="0">
+              <a:buFont typeface="Wingdings" panose="05000000000000000000" charset="0"/>
+              <a:buNone/>
+            </a:pPr>
+            <a:endParaRPr lang="en-US" altLang="zh-CN">
+              <a:solidFill>
+                <a:schemeClr val="bg1"/>
+              </a:solidFill>
+              <a:sym typeface="+mn-ea"/>
+            </a:endParaRPr>
+          </a:p>
+          <a:p>
+            <a:pPr indent="0">
+              <a:buFont typeface="Wingdings" panose="05000000000000000000" charset="0"/>
+              <a:buNone/>
+            </a:pPr>
+            <a:endParaRPr lang="en-US" altLang="zh-CN">
+              <a:solidFill>
+                <a:schemeClr val="bg1"/>
+              </a:solidFill>
+              <a:sym typeface="+mn-ea"/>
+            </a:endParaRPr>
+          </a:p>
+          <a:p>
+            <a:pPr indent="0">
+              <a:buFont typeface="Wingdings" panose="05000000000000000000" charset="0"/>
+              <a:buNone/>
+            </a:pPr>
+            <a:endParaRPr lang="en-US" altLang="zh-CN">
+              <a:solidFill>
+                <a:schemeClr val="bg1"/>
+              </a:solidFill>
+              <a:sym typeface="+mn-ea"/>
+            </a:endParaRPr>
+          </a:p>
+          <a:p>
+            <a:pPr indent="0">
+              <a:buFont typeface="Wingdings" panose="05000000000000000000" charset="0"/>
+              <a:buNone/>
+            </a:pPr>
+            <a:endParaRPr lang="en-US" altLang="zh-CN">
+              <a:solidFill>
+                <a:schemeClr val="bg1"/>
+              </a:solidFill>
+              <a:sym typeface="+mn-ea"/>
+            </a:endParaRPr>
+          </a:p>
+        </p:txBody>
+      </p:sp>
+    </p:spTree>
+  </p:cSld>
+  <p:clrMapOvr>
+    <a:masterClrMapping/>
+  </p:clrMapOvr>
+</p:sld>
+</file>
+
+<file path=ppt/slides/slide39.xml><?xml version="1.0" encoding="utf-8"?>
 <p:sld xmlns:a="http://schemas.openxmlformats.org/drawingml/2006/main" xmlns:r="http://schemas.openxmlformats.org/officeDocument/2006/relationships" xmlns:p="http://schemas.openxmlformats.org/presentationml/2006/main">
   <p:cSld>
     <p:spTree>

--- a/TS内部分享.pptx
+++ b/TS内部分享.pptx
@@ -11879,7 +11879,7 @@
                 </a:solidFill>
                 <a:sym typeface="+mn-ea"/>
               </a:rPr>
-              <a:t>TypeScrupt</a:t>
+              <a:t>TypeScript</a:t>
             </a:r>
             <a:r>
               <a:rPr lang="zh-CN" altLang="en-US">
